--- a/docs/module1-2_pubmed.pptx
+++ b/docs/module1-2_pubmed.pptx
@@ -5,7 +5,7 @@
     <p:sldMasterId id="2147483648" r:id="rId1"/>
   </p:sldMasterIdLst>
   <p:notesMasterIdLst>
-    <p:notesMasterId r:id="rId34"/>
+    <p:notesMasterId r:id="rId35"/>
   </p:notesMasterIdLst>
   <p:sldIdLst>
     <p:sldId id="256" r:id="rId2"/>
@@ -36,10 +36,11 @@
     <p:sldId id="321" r:id="rId27"/>
     <p:sldId id="338" r:id="rId28"/>
     <p:sldId id="339" r:id="rId29"/>
-    <p:sldId id="334" r:id="rId30"/>
-    <p:sldId id="335" r:id="rId31"/>
-    <p:sldId id="336" r:id="rId32"/>
-    <p:sldId id="284" r:id="rId33"/>
+    <p:sldId id="342" r:id="rId30"/>
+    <p:sldId id="334" r:id="rId31"/>
+    <p:sldId id="335" r:id="rId32"/>
+    <p:sldId id="336" r:id="rId33"/>
+    <p:sldId id="284" r:id="rId34"/>
   </p:sldIdLst>
   <p:sldSz cx="12192000" cy="6858000"/>
   <p:notesSz cx="6858000" cy="9144000"/>
@@ -191,11 +192,13 @@
           <a:bodyPr vert="horz" lIns="91440" tIns="45720" rIns="91440" bIns="45720" rtlCol="0"/>
           <a:lstStyle>
             <a:lvl1pPr algn="l">
-              <a:defRPr sz="1200"/>
+              <a:defRPr sz="1200">
+                <a:latin typeface="Corbel" panose="020B0503020204020204" pitchFamily="34" charset="0"/>
+              </a:defRPr>
             </a:lvl1pPr>
           </a:lstStyle>
           <a:p>
-            <a:endParaRPr lang="fr-FR"/>
+            <a:endParaRPr lang="fr-FR" dirty="0"/>
           </a:p>
         </p:txBody>
       </p:sp>
@@ -222,15 +225,18 @@
           <a:bodyPr vert="horz" lIns="91440" tIns="45720" rIns="91440" bIns="45720" rtlCol="0"/>
           <a:lstStyle>
             <a:lvl1pPr algn="r">
-              <a:defRPr sz="1200"/>
+              <a:defRPr sz="1200">
+                <a:latin typeface="Corbel" panose="020B0503020204020204" pitchFamily="34" charset="0"/>
+              </a:defRPr>
             </a:lvl1pPr>
           </a:lstStyle>
           <a:p>
             <a:fld id="{91E9DC1B-7AD4-4493-BE2D-19F04AF919E8}" type="datetimeFigureOut">
               <a:rPr lang="fr-FR" smtClean="0"/>
-              <a:t>19/08/2021</a:t>
+              <a:pPr/>
+              <a:t>15/06/2022</a:t>
             </a:fld>
-            <a:endParaRPr lang="fr-FR"/>
+            <a:endParaRPr lang="fr-FR" dirty="0"/>
           </a:p>
         </p:txBody>
       </p:sp>
@@ -263,7 +269,7 @@
           <a:bodyPr vert="horz" lIns="91440" tIns="45720" rIns="91440" bIns="45720" rtlCol="0" anchor="ctr"/>
           <a:lstStyle/>
           <a:p>
-            <a:endParaRPr lang="fr-FR"/>
+            <a:endParaRPr lang="fr-FR" dirty="0"/>
           </a:p>
         </p:txBody>
       </p:sp>
@@ -292,38 +298,37 @@
           <a:p>
             <a:pPr lvl="0"/>
             <a:r>
-              <a:rPr lang="fr-FR" smtClean="0"/>
+              <a:rPr lang="fr-FR" dirty="0"/>
               <a:t>Modifiez les styles du texte du masque</a:t>
             </a:r>
           </a:p>
           <a:p>
             <a:pPr lvl="1"/>
             <a:r>
-              <a:rPr lang="fr-FR" smtClean="0"/>
+              <a:rPr lang="fr-FR" dirty="0"/>
               <a:t>Deuxième niveau</a:t>
             </a:r>
           </a:p>
           <a:p>
             <a:pPr lvl="2"/>
             <a:r>
-              <a:rPr lang="fr-FR" smtClean="0"/>
+              <a:rPr lang="fr-FR" dirty="0"/>
               <a:t>Troisième niveau</a:t>
             </a:r>
           </a:p>
           <a:p>
             <a:pPr lvl="3"/>
             <a:r>
-              <a:rPr lang="fr-FR" smtClean="0"/>
+              <a:rPr lang="fr-FR" dirty="0"/>
               <a:t>Quatrième niveau</a:t>
             </a:r>
           </a:p>
           <a:p>
             <a:pPr lvl="4"/>
             <a:r>
-              <a:rPr lang="fr-FR" smtClean="0"/>
+              <a:rPr lang="fr-FR" dirty="0"/>
               <a:t>Cinquième niveau</a:t>
             </a:r>
-            <a:endParaRPr lang="fr-FR"/>
           </a:p>
         </p:txBody>
       </p:sp>
@@ -350,11 +355,13 @@
           <a:bodyPr vert="horz" lIns="91440" tIns="45720" rIns="91440" bIns="45720" rtlCol="0" anchor="b"/>
           <a:lstStyle>
             <a:lvl1pPr algn="l">
-              <a:defRPr sz="1200"/>
+              <a:defRPr sz="1200">
+                <a:latin typeface="Corbel" panose="020B0503020204020204" pitchFamily="34" charset="0"/>
+              </a:defRPr>
             </a:lvl1pPr>
           </a:lstStyle>
           <a:p>
-            <a:endParaRPr lang="fr-FR"/>
+            <a:endParaRPr lang="fr-FR" dirty="0"/>
           </a:p>
         </p:txBody>
       </p:sp>
@@ -381,15 +388,18 @@
           <a:bodyPr vert="horz" lIns="91440" tIns="45720" rIns="91440" bIns="45720" rtlCol="0" anchor="b"/>
           <a:lstStyle>
             <a:lvl1pPr algn="r">
-              <a:defRPr sz="1200"/>
+              <a:defRPr sz="1200">
+                <a:latin typeface="Corbel" panose="020B0503020204020204" pitchFamily="34" charset="0"/>
+              </a:defRPr>
             </a:lvl1pPr>
           </a:lstStyle>
           <a:p>
             <a:fld id="{0145B376-959C-4F10-BF50-4FF0FAF5ADD9}" type="slidenum">
               <a:rPr lang="fr-FR" smtClean="0"/>
+              <a:pPr/>
               <a:t>‹N°›</a:t>
             </a:fld>
-            <a:endParaRPr lang="fr-FR"/>
+            <a:endParaRPr lang="fr-FR" dirty="0"/>
           </a:p>
         </p:txBody>
       </p:sp>
@@ -407,7 +417,7 @@
         <a:solidFill>
           <a:schemeClr val="tx1"/>
         </a:solidFill>
-        <a:latin typeface="+mn-lt"/>
+        <a:latin typeface="Corbel" panose="020B0503020204020204" pitchFamily="34" charset="0"/>
         <a:ea typeface="+mn-ea"/>
         <a:cs typeface="+mn-cs"/>
       </a:defRPr>
@@ -417,7 +427,7 @@
         <a:solidFill>
           <a:schemeClr val="tx1"/>
         </a:solidFill>
-        <a:latin typeface="+mn-lt"/>
+        <a:latin typeface="Corbel" panose="020B0503020204020204" pitchFamily="34" charset="0"/>
         <a:ea typeface="+mn-ea"/>
         <a:cs typeface="+mn-cs"/>
       </a:defRPr>
@@ -427,7 +437,7 @@
         <a:solidFill>
           <a:schemeClr val="tx1"/>
         </a:solidFill>
-        <a:latin typeface="+mn-lt"/>
+        <a:latin typeface="Corbel" panose="020B0503020204020204" pitchFamily="34" charset="0"/>
         <a:ea typeface="+mn-ea"/>
         <a:cs typeface="+mn-cs"/>
       </a:defRPr>
@@ -437,7 +447,7 @@
         <a:solidFill>
           <a:schemeClr val="tx1"/>
         </a:solidFill>
-        <a:latin typeface="+mn-lt"/>
+        <a:latin typeface="Corbel" panose="020B0503020204020204" pitchFamily="34" charset="0"/>
         <a:ea typeface="+mn-ea"/>
         <a:cs typeface="+mn-cs"/>
       </a:defRPr>
@@ -447,7 +457,7 @@
         <a:solidFill>
           <a:schemeClr val="tx1"/>
         </a:solidFill>
-        <a:latin typeface="+mn-lt"/>
+        <a:latin typeface="Corbel" panose="020B0503020204020204" pitchFamily="34" charset="0"/>
         <a:ea typeface="+mn-ea"/>
         <a:cs typeface="+mn-cs"/>
       </a:defRPr>
@@ -624,7 +634,7 @@
           <a:bodyPr/>
           <a:lstStyle/>
           <a:p>
-            <a:endParaRPr lang="fr-FR" dirty="0"/>
+            <a:endParaRPr lang="fr-FR"/>
           </a:p>
         </p:txBody>
       </p:sp>
@@ -645,7 +655,7 @@
           <a:p>
             <a:fld id="{0145B376-959C-4F10-BF50-4FF0FAF5ADD9}" type="slidenum">
               <a:rPr lang="fr-FR" smtClean="0"/>
-              <a:t>3</a:t>
+              <a:t>2</a:t>
             </a:fld>
             <a:endParaRPr lang="fr-FR"/>
           </a:p>
@@ -654,7 +664,7 @@
     </p:spTree>
     <p:extLst>
       <p:ext uri="{BB962C8B-B14F-4D97-AF65-F5344CB8AC3E}">
-        <p14:creationId xmlns:p14="http://schemas.microsoft.com/office/powerpoint/2010/main" val="141973183"/>
+        <p14:creationId xmlns:p14="http://schemas.microsoft.com/office/powerpoint/2010/main" val="3164832776"/>
       </p:ext>
     </p:extLst>
   </p:cSld>
@@ -708,7 +718,7 @@
           <a:bodyPr/>
           <a:lstStyle/>
           <a:p>
-            <a:endParaRPr lang="fr-FR"/>
+            <a:endParaRPr lang="fr-FR" dirty="0"/>
           </a:p>
         </p:txBody>
       </p:sp>
@@ -727,24 +737,18 @@
           <a:bodyPr/>
           <a:lstStyle/>
           <a:p>
-            <a:pPr>
-              <a:defRPr/>
-            </a:pPr>
-            <a:fld id="{446BB3F5-7F95-443B-9EA3-5D030DF8A9DE}" type="slidenum">
+            <a:fld id="{0145B376-959C-4F10-BF50-4FF0FAF5ADD9}" type="slidenum">
               <a:rPr lang="fr-FR" smtClean="0"/>
-              <a:pPr>
-                <a:defRPr/>
-              </a:pPr>
-              <a:t>22</a:t>
+              <a:t>3</a:t>
             </a:fld>
-            <a:endParaRPr lang="fr-FR" dirty="0"/>
+            <a:endParaRPr lang="fr-FR"/>
           </a:p>
         </p:txBody>
       </p:sp>
     </p:spTree>
     <p:extLst>
       <p:ext uri="{BB962C8B-B14F-4D97-AF65-F5344CB8AC3E}">
-        <p14:creationId xmlns:p14="http://schemas.microsoft.com/office/powerpoint/2010/main" val="1844450632"/>
+        <p14:creationId xmlns:p14="http://schemas.microsoft.com/office/powerpoint/2010/main" val="141973183"/>
       </p:ext>
     </p:extLst>
   </p:cSld>
@@ -825,7 +829,7 @@
               <a:pPr>
                 <a:defRPr/>
               </a:pPr>
-              <a:t>24</a:t>
+              <a:t>22</a:t>
             </a:fld>
             <a:endParaRPr lang="fr-FR" dirty="0"/>
           </a:p>
@@ -834,7 +838,7 @@
     </p:spTree>
     <p:extLst>
       <p:ext uri="{BB962C8B-B14F-4D97-AF65-F5344CB8AC3E}">
-        <p14:creationId xmlns:p14="http://schemas.microsoft.com/office/powerpoint/2010/main" val="2450761657"/>
+        <p14:creationId xmlns:p14="http://schemas.microsoft.com/office/powerpoint/2010/main" val="1844450632"/>
       </p:ext>
     </p:extLst>
   </p:cSld>
@@ -915,7 +919,7 @@
               <a:pPr>
                 <a:defRPr/>
               </a:pPr>
-              <a:t>25</a:t>
+              <a:t>24</a:t>
             </a:fld>
             <a:endParaRPr lang="fr-FR" dirty="0"/>
           </a:p>
@@ -924,7 +928,7 @@
     </p:spTree>
     <p:extLst>
       <p:ext uri="{BB962C8B-B14F-4D97-AF65-F5344CB8AC3E}">
-        <p14:creationId xmlns:p14="http://schemas.microsoft.com/office/powerpoint/2010/main" val="999282510"/>
+        <p14:creationId xmlns:p14="http://schemas.microsoft.com/office/powerpoint/2010/main" val="2450761657"/>
       </p:ext>
     </p:extLst>
   </p:cSld>
@@ -997,9 +1001,99 @@
           <a:bodyPr/>
           <a:lstStyle/>
           <a:p>
+            <a:pPr>
+              <a:defRPr/>
+            </a:pPr>
+            <a:fld id="{446BB3F5-7F95-443B-9EA3-5D030DF8A9DE}" type="slidenum">
+              <a:rPr lang="fr-FR" smtClean="0"/>
+              <a:pPr>
+                <a:defRPr/>
+              </a:pPr>
+              <a:t>25</a:t>
+            </a:fld>
+            <a:endParaRPr lang="fr-FR" dirty="0"/>
+          </a:p>
+        </p:txBody>
+      </p:sp>
+    </p:spTree>
+    <p:extLst>
+      <p:ext uri="{BB962C8B-B14F-4D97-AF65-F5344CB8AC3E}">
+        <p14:creationId xmlns:p14="http://schemas.microsoft.com/office/powerpoint/2010/main" val="999282510"/>
+      </p:ext>
+    </p:extLst>
+  </p:cSld>
+  <p:clrMapOvr>
+    <a:masterClrMapping/>
+  </p:clrMapOvr>
+</p:notes>
+</file>
+
+<file path=ppt/notesSlides/notesSlide7.xml><?xml version="1.0" encoding="utf-8"?>
+<p:notes xmlns:a="http://schemas.openxmlformats.org/drawingml/2006/main" xmlns:r="http://schemas.openxmlformats.org/officeDocument/2006/relationships" xmlns:p="http://schemas.openxmlformats.org/presentationml/2006/main">
+  <p:cSld>
+    <p:spTree>
+      <p:nvGrpSpPr>
+        <p:cNvPr id="1" name=""/>
+        <p:cNvGrpSpPr/>
+        <p:nvPr/>
+      </p:nvGrpSpPr>
+      <p:grpSpPr>
+        <a:xfrm>
+          <a:off x="0" y="0"/>
+          <a:ext cx="0" cy="0"/>
+          <a:chOff x="0" y="0"/>
+          <a:chExt cx="0" cy="0"/>
+        </a:xfrm>
+      </p:grpSpPr>
+      <p:sp>
+        <p:nvSpPr>
+          <p:cNvPr id="2" name="Espace réservé de l'image des diapositives 1"/>
+          <p:cNvSpPr>
+            <a:spLocks noGrp="1" noRot="1" noChangeAspect="1"/>
+          </p:cNvSpPr>
+          <p:nvPr>
+            <p:ph type="sldImg"/>
+          </p:nvPr>
+        </p:nvSpPr>
+        <p:spPr/>
+      </p:sp>
+      <p:sp>
+        <p:nvSpPr>
+          <p:cNvPr id="3" name="Espace réservé des commentaires 2"/>
+          <p:cNvSpPr>
+            <a:spLocks noGrp="1"/>
+          </p:cNvSpPr>
+          <p:nvPr>
+            <p:ph type="body" idx="1"/>
+          </p:nvPr>
+        </p:nvSpPr>
+        <p:spPr/>
+        <p:txBody>
+          <a:bodyPr/>
+          <a:lstStyle/>
+          <a:p>
+            <a:endParaRPr lang="fr-FR"/>
+          </a:p>
+        </p:txBody>
+      </p:sp>
+      <p:sp>
+        <p:nvSpPr>
+          <p:cNvPr id="4" name="Espace réservé du numéro de diapositive 3"/>
+          <p:cNvSpPr>
+            <a:spLocks noGrp="1"/>
+          </p:cNvSpPr>
+          <p:nvPr>
+            <p:ph type="sldNum" sz="quarter" idx="10"/>
+          </p:nvPr>
+        </p:nvSpPr>
+        <p:spPr/>
+        <p:txBody>
+          <a:bodyPr/>
+          <a:lstStyle/>
+          <a:p>
             <a:fld id="{0145B376-959C-4F10-BF50-4FF0FAF5ADD9}" type="slidenum">
               <a:rPr lang="fr-FR" smtClean="0"/>
-              <a:t>32</a:t>
+              <a:t>33</a:t>
             </a:fld>
             <a:endParaRPr lang="fr-FR"/>
           </a:p>
@@ -1064,10 +1158,9 @@
           </a:lstStyle>
           <a:p>
             <a:r>
-              <a:rPr lang="fr-FR" dirty="0" smtClean="0"/>
+              <a:rPr lang="fr-FR" dirty="0"/>
               <a:t>Modifiez le style du titre</a:t>
             </a:r>
-            <a:endParaRPr lang="fr-FR" dirty="0"/>
           </a:p>
         </p:txBody>
       </p:sp>
@@ -1133,10 +1226,9 @@
           </a:lstStyle>
           <a:p>
             <a:r>
-              <a:rPr lang="fr-FR" dirty="0" smtClean="0"/>
+              <a:rPr lang="fr-FR" dirty="0"/>
               <a:t>Modifiez le style des sous-titres du masque</a:t>
             </a:r>
-            <a:endParaRPr lang="fr-FR" dirty="0"/>
           </a:p>
         </p:txBody>
       </p:sp>
@@ -1161,11 +1253,18 @@
         </p:spPr>
         <p:txBody>
           <a:bodyPr/>
-          <a:lstStyle/>
-          <a:p>
-            <a:fld id="{1FE204A0-6E87-42E5-B947-B4B11E39A7EC}" type="datetime1">
+          <a:lstStyle>
+            <a:lvl1pPr>
+              <a:defRPr>
+                <a:latin typeface="Corbel" panose="020B0503020204020204" pitchFamily="34" charset="0"/>
+              </a:defRPr>
+            </a:lvl1pPr>
+          </a:lstStyle>
+          <a:p>
+            <a:fld id="{1B4A5C45-E30F-4336-845C-DF2A58FF99F2}" type="datetime1">
               <a:rPr lang="fr-FR" smtClean="0"/>
-              <a:t>19/08/2021</a:t>
+              <a:pPr/>
+              <a:t>15/06/2022</a:t>
             </a:fld>
             <a:endParaRPr lang="fr-FR" dirty="0"/>
           </a:p>
@@ -1187,10 +1286,9 @@
           <a:lstStyle/>
           <a:p>
             <a:r>
-              <a:rPr lang="fr-FR" smtClean="0"/>
-              <a:t>F. Flamerie - Trucs et astuces de PubMed - 2021-06-10</a:t>
-            </a:r>
-            <a:endParaRPr lang="fr-FR"/>
+              <a:rPr lang="fr-FR"/>
+              <a:t>F. Flamerie - Trucs et astuces de PubMed - 2022-05-24</a:t>
+            </a:r>
           </a:p>
         </p:txBody>
       </p:sp>
@@ -1263,10 +1361,9 @@
           <a:lstStyle/>
           <a:p>
             <a:r>
-              <a:rPr lang="fr-FR" smtClean="0"/>
+              <a:rPr lang="fr-FR"/>
               <a:t>Modifiez le style du titre</a:t>
             </a:r>
-            <a:endParaRPr lang="fr-FR"/>
           </a:p>
         </p:txBody>
       </p:sp>
@@ -1287,38 +1384,37 @@
           <a:p>
             <a:pPr lvl="0"/>
             <a:r>
-              <a:rPr lang="fr-FR" smtClean="0"/>
+              <a:rPr lang="fr-FR"/>
               <a:t>Modifiez les styles du texte du masque</a:t>
             </a:r>
           </a:p>
           <a:p>
             <a:pPr lvl="1"/>
             <a:r>
-              <a:rPr lang="fr-FR" smtClean="0"/>
+              <a:rPr lang="fr-FR"/>
               <a:t>Deuxième niveau</a:t>
             </a:r>
           </a:p>
           <a:p>
             <a:pPr lvl="2"/>
             <a:r>
-              <a:rPr lang="fr-FR" smtClean="0"/>
+              <a:rPr lang="fr-FR"/>
               <a:t>Troisième niveau</a:t>
             </a:r>
           </a:p>
           <a:p>
             <a:pPr lvl="3"/>
             <a:r>
-              <a:rPr lang="fr-FR" smtClean="0"/>
+              <a:rPr lang="fr-FR"/>
               <a:t>Quatrième niveau</a:t>
             </a:r>
           </a:p>
           <a:p>
             <a:pPr lvl="4"/>
             <a:r>
-              <a:rPr lang="fr-FR" smtClean="0"/>
+              <a:rPr lang="fr-FR"/>
               <a:t>Cinquième niveau</a:t>
             </a:r>
-            <a:endParaRPr lang="fr-FR"/>
           </a:p>
         </p:txBody>
       </p:sp>
@@ -1343,13 +1439,20 @@
         </p:spPr>
         <p:txBody>
           <a:bodyPr/>
-          <a:lstStyle/>
-          <a:p>
-            <a:fld id="{19B0BB9E-705B-4255-A56D-FE84D41F9DEC}" type="datetime1">
+          <a:lstStyle>
+            <a:lvl1pPr>
+              <a:defRPr>
+                <a:latin typeface="Corbel" panose="020B0503020204020204" pitchFamily="34" charset="0"/>
+              </a:defRPr>
+            </a:lvl1pPr>
+          </a:lstStyle>
+          <a:p>
+            <a:fld id="{F36F1235-58F1-4A13-83D2-578DB75B6816}" type="datetime1">
               <a:rPr lang="fr-FR" smtClean="0"/>
-              <a:t>19/08/2021</a:t>
+              <a:pPr/>
+              <a:t>15/06/2022</a:t>
             </a:fld>
-            <a:endParaRPr lang="fr-FR"/>
+            <a:endParaRPr lang="fr-FR" dirty="0"/>
           </a:p>
         </p:txBody>
       </p:sp>
@@ -1369,10 +1472,9 @@
           <a:lstStyle/>
           <a:p>
             <a:r>
-              <a:rPr lang="fr-FR" smtClean="0"/>
-              <a:t>F. Flamerie - Trucs et astuces de PubMed - 2021-06-10</a:t>
-            </a:r>
-            <a:endParaRPr lang="fr-FR"/>
+              <a:rPr lang="fr-FR"/>
+              <a:t>F. Flamerie - Trucs et astuces de PubMed - 2022-05-24</a:t>
+            </a:r>
           </a:p>
         </p:txBody>
       </p:sp>
@@ -1450,10 +1552,9 @@
           <a:lstStyle/>
           <a:p>
             <a:r>
-              <a:rPr lang="fr-FR" smtClean="0"/>
+              <a:rPr lang="fr-FR"/>
               <a:t>Modifiez le style du titre</a:t>
             </a:r>
-            <a:endParaRPr lang="fr-FR"/>
           </a:p>
         </p:txBody>
       </p:sp>
@@ -1479,38 +1580,37 @@
           <a:p>
             <a:pPr lvl="0"/>
             <a:r>
-              <a:rPr lang="fr-FR" smtClean="0"/>
+              <a:rPr lang="fr-FR"/>
               <a:t>Modifiez les styles du texte du masque</a:t>
             </a:r>
           </a:p>
           <a:p>
             <a:pPr lvl="1"/>
             <a:r>
-              <a:rPr lang="fr-FR" smtClean="0"/>
+              <a:rPr lang="fr-FR"/>
               <a:t>Deuxième niveau</a:t>
             </a:r>
           </a:p>
           <a:p>
             <a:pPr lvl="2"/>
             <a:r>
-              <a:rPr lang="fr-FR" smtClean="0"/>
+              <a:rPr lang="fr-FR"/>
               <a:t>Troisième niveau</a:t>
             </a:r>
           </a:p>
           <a:p>
             <a:pPr lvl="3"/>
             <a:r>
-              <a:rPr lang="fr-FR" smtClean="0"/>
+              <a:rPr lang="fr-FR"/>
               <a:t>Quatrième niveau</a:t>
             </a:r>
           </a:p>
           <a:p>
             <a:pPr lvl="4"/>
             <a:r>
-              <a:rPr lang="fr-FR" smtClean="0"/>
+              <a:rPr lang="fr-FR"/>
               <a:t>Cinquième niveau</a:t>
             </a:r>
-            <a:endParaRPr lang="fr-FR"/>
           </a:p>
         </p:txBody>
       </p:sp>
@@ -1535,13 +1635,20 @@
         </p:spPr>
         <p:txBody>
           <a:bodyPr/>
-          <a:lstStyle/>
-          <a:p>
-            <a:fld id="{86A6F2F5-578F-4E58-8F8D-FC9D98A79799}" type="datetime1">
+          <a:lstStyle>
+            <a:lvl1pPr>
+              <a:defRPr>
+                <a:latin typeface="Corbel" panose="020B0503020204020204" pitchFamily="34" charset="0"/>
+              </a:defRPr>
+            </a:lvl1pPr>
+          </a:lstStyle>
+          <a:p>
+            <a:fld id="{0457EAB5-1071-41DD-B3C9-AB69C0576E24}" type="datetime1">
               <a:rPr lang="fr-FR" smtClean="0"/>
-              <a:t>19/08/2021</a:t>
+              <a:pPr/>
+              <a:t>15/06/2022</a:t>
             </a:fld>
-            <a:endParaRPr lang="fr-FR"/>
+            <a:endParaRPr lang="fr-FR" dirty="0"/>
           </a:p>
         </p:txBody>
       </p:sp>
@@ -1561,10 +1668,9 @@
           <a:lstStyle/>
           <a:p>
             <a:r>
-              <a:rPr lang="fr-FR" smtClean="0"/>
-              <a:t>F. Flamerie - Trucs et astuces de PubMed - 2021-06-10</a:t>
-            </a:r>
-            <a:endParaRPr lang="fr-FR"/>
+              <a:rPr lang="fr-FR"/>
+              <a:t>F. Flamerie - Trucs et astuces de PubMed - 2022-05-24</a:t>
+            </a:r>
           </a:p>
         </p:txBody>
       </p:sp>
@@ -1645,10 +1751,9 @@
           </a:lstStyle>
           <a:p>
             <a:r>
-              <a:rPr lang="fr-FR" dirty="0" smtClean="0"/>
+              <a:rPr lang="fr-FR" dirty="0"/>
               <a:t>Modifiez le style du titre</a:t>
             </a:r>
-            <a:endParaRPr lang="fr-FR" dirty="0"/>
           </a:p>
         </p:txBody>
       </p:sp>
@@ -1699,38 +1804,37 @@
           <a:p>
             <a:pPr lvl="0"/>
             <a:r>
-              <a:rPr lang="fr-FR" dirty="0" smtClean="0"/>
+              <a:rPr lang="fr-FR" dirty="0"/>
               <a:t>Modifiez les styles du texte du masque</a:t>
             </a:r>
           </a:p>
           <a:p>
             <a:pPr lvl="1"/>
             <a:r>
-              <a:rPr lang="fr-FR" dirty="0" smtClean="0"/>
+              <a:rPr lang="fr-FR" dirty="0"/>
               <a:t>Deuxième niveau</a:t>
             </a:r>
           </a:p>
           <a:p>
             <a:pPr lvl="2"/>
             <a:r>
-              <a:rPr lang="fr-FR" dirty="0" smtClean="0"/>
+              <a:rPr lang="fr-FR" dirty="0"/>
               <a:t>Troisième niveau</a:t>
             </a:r>
           </a:p>
           <a:p>
             <a:pPr lvl="3"/>
             <a:r>
-              <a:rPr lang="fr-FR" dirty="0" smtClean="0"/>
+              <a:rPr lang="fr-FR" dirty="0"/>
               <a:t>Quatrième niveau</a:t>
             </a:r>
           </a:p>
           <a:p>
             <a:pPr lvl="4"/>
             <a:r>
-              <a:rPr lang="fr-FR" dirty="0" smtClean="0"/>
+              <a:rPr lang="fr-FR" dirty="0"/>
               <a:t>Cinquième niveau</a:t>
             </a:r>
-            <a:endParaRPr lang="fr-FR" dirty="0"/>
           </a:p>
         </p:txBody>
       </p:sp>
@@ -1763,9 +1867,9 @@
             </a:lvl1pPr>
           </a:lstStyle>
           <a:p>
-            <a:fld id="{B0C04205-80B8-4409-9FA2-3FA88A27F14B}" type="datetime1">
+            <a:fld id="{F4CB8314-C098-46E3-A3FC-AE230473FCF7}" type="datetime1">
               <a:rPr lang="fr-FR" smtClean="0"/>
-              <a:t>19/08/2021</a:t>
+              <a:t>15/06/2022</a:t>
             </a:fld>
             <a:endParaRPr lang="fr-FR" dirty="0"/>
           </a:p>
@@ -1793,8 +1897,8 @@
           </a:lstStyle>
           <a:p>
             <a:r>
-              <a:rPr lang="fr-FR" smtClean="0"/>
-              <a:t>F. Flamerie - Trucs et astuces de PubMed - 2021-06-10</a:t>
+              <a:rPr lang="fr-FR"/>
+              <a:t>F. Flamerie - Trucs et astuces de PubMed - 2022-05-24</a:t>
             </a:r>
             <a:endParaRPr lang="fr-FR" dirty="0"/>
           </a:p>
@@ -1889,10 +1993,9 @@
           </a:lstStyle>
           <a:p>
             <a:r>
-              <a:rPr lang="fr-FR" dirty="0" smtClean="0"/>
+              <a:rPr lang="fr-FR" dirty="0"/>
               <a:t>Modifiez le style du titre</a:t>
             </a:r>
-            <a:endParaRPr lang="fr-FR" dirty="0"/>
           </a:p>
         </p:txBody>
       </p:sp>
@@ -2012,7 +2115,7 @@
           <a:p>
             <a:pPr lvl="0"/>
             <a:r>
-              <a:rPr lang="fr-FR" dirty="0" smtClean="0"/>
+              <a:rPr lang="fr-FR" dirty="0"/>
               <a:t>Modifiez les styles du texte du masque</a:t>
             </a:r>
           </a:p>
@@ -2039,13 +2142,20 @@
         </p:spPr>
         <p:txBody>
           <a:bodyPr/>
-          <a:lstStyle/>
-          <a:p>
-            <a:fld id="{899CA297-91FF-4872-9E82-875816E807D6}" type="datetime1">
+          <a:lstStyle>
+            <a:lvl1pPr>
+              <a:defRPr>
+                <a:latin typeface="Corbel" panose="020B0503020204020204" pitchFamily="34" charset="0"/>
+              </a:defRPr>
+            </a:lvl1pPr>
+          </a:lstStyle>
+          <a:p>
+            <a:fld id="{053ABC9A-2CF7-4610-B8EF-56484E8A4E93}" type="datetime1">
               <a:rPr lang="fr-FR" smtClean="0"/>
-              <a:t>19/08/2021</a:t>
+              <a:pPr/>
+              <a:t>15/06/2022</a:t>
             </a:fld>
-            <a:endParaRPr lang="fr-FR"/>
+            <a:endParaRPr lang="fr-FR" dirty="0"/>
           </a:p>
         </p:txBody>
       </p:sp>
@@ -2065,10 +2175,9 @@
           <a:lstStyle/>
           <a:p>
             <a:r>
-              <a:rPr lang="fr-FR" smtClean="0"/>
-              <a:t>F. Flamerie - Trucs et astuces de PubMed - 2021-06-10</a:t>
-            </a:r>
-            <a:endParaRPr lang="fr-FR"/>
+              <a:rPr lang="fr-FR"/>
+              <a:t>F. Flamerie - Trucs et astuces de PubMed - 2022-05-24</a:t>
+            </a:r>
           </a:p>
         </p:txBody>
       </p:sp>
@@ -2149,10 +2258,9 @@
           </a:lstStyle>
           <a:p>
             <a:r>
-              <a:rPr lang="fr-FR" dirty="0" smtClean="0"/>
+              <a:rPr lang="fr-FR" dirty="0"/>
               <a:t>Modifiez le style du titre</a:t>
             </a:r>
-            <a:endParaRPr lang="fr-FR" dirty="0"/>
           </a:p>
         </p:txBody>
       </p:sp>
@@ -2208,38 +2316,37 @@
           <a:p>
             <a:pPr lvl="0"/>
             <a:r>
-              <a:rPr lang="fr-FR" dirty="0" smtClean="0"/>
+              <a:rPr lang="fr-FR" dirty="0"/>
               <a:t>Modifiez les styles du texte du masque</a:t>
             </a:r>
           </a:p>
           <a:p>
             <a:pPr lvl="1"/>
             <a:r>
-              <a:rPr lang="fr-FR" dirty="0" smtClean="0"/>
+              <a:rPr lang="fr-FR" dirty="0"/>
               <a:t>Deuxième niveau</a:t>
             </a:r>
           </a:p>
           <a:p>
             <a:pPr lvl="2"/>
             <a:r>
-              <a:rPr lang="fr-FR" dirty="0" smtClean="0"/>
+              <a:rPr lang="fr-FR" dirty="0"/>
               <a:t>Troisième niveau</a:t>
             </a:r>
           </a:p>
           <a:p>
             <a:pPr lvl="3"/>
             <a:r>
-              <a:rPr lang="fr-FR" dirty="0" smtClean="0"/>
+              <a:rPr lang="fr-FR" dirty="0"/>
               <a:t>Quatrième niveau</a:t>
             </a:r>
           </a:p>
           <a:p>
             <a:pPr lvl="4"/>
             <a:r>
-              <a:rPr lang="fr-FR" dirty="0" smtClean="0"/>
+              <a:rPr lang="fr-FR" dirty="0"/>
               <a:t>Cinquième niveau</a:t>
             </a:r>
-            <a:endParaRPr lang="fr-FR" dirty="0"/>
           </a:p>
         </p:txBody>
       </p:sp>
@@ -2291,38 +2398,37 @@
           <a:p>
             <a:pPr lvl="0"/>
             <a:r>
-              <a:rPr lang="fr-FR" dirty="0" smtClean="0"/>
+              <a:rPr lang="fr-FR" dirty="0"/>
               <a:t>Modifiez les styles du texte du masque</a:t>
             </a:r>
           </a:p>
           <a:p>
             <a:pPr lvl="1"/>
             <a:r>
-              <a:rPr lang="fr-FR" dirty="0" smtClean="0"/>
+              <a:rPr lang="fr-FR" dirty="0"/>
               <a:t>Deuxième niveau</a:t>
             </a:r>
           </a:p>
           <a:p>
             <a:pPr lvl="2"/>
             <a:r>
-              <a:rPr lang="fr-FR" dirty="0" smtClean="0"/>
+              <a:rPr lang="fr-FR" dirty="0"/>
               <a:t>Troisième niveau</a:t>
             </a:r>
           </a:p>
           <a:p>
             <a:pPr lvl="3"/>
             <a:r>
-              <a:rPr lang="fr-FR" dirty="0" smtClean="0"/>
+              <a:rPr lang="fr-FR" dirty="0"/>
               <a:t>Quatrième niveau</a:t>
             </a:r>
           </a:p>
           <a:p>
             <a:pPr lvl="4"/>
             <a:r>
-              <a:rPr lang="fr-FR" dirty="0" smtClean="0"/>
+              <a:rPr lang="fr-FR" dirty="0"/>
               <a:t>Cinquième niveau</a:t>
             </a:r>
-            <a:endParaRPr lang="fr-FR" dirty="0"/>
           </a:p>
         </p:txBody>
       </p:sp>
@@ -2347,13 +2453,20 @@
         </p:spPr>
         <p:txBody>
           <a:bodyPr/>
-          <a:lstStyle/>
-          <a:p>
-            <a:fld id="{DAF0F0BE-9BD3-4398-B8FD-4439C5956BE8}" type="datetime1">
+          <a:lstStyle>
+            <a:lvl1pPr>
+              <a:defRPr>
+                <a:latin typeface="Corbel" panose="020B0503020204020204" pitchFamily="34" charset="0"/>
+              </a:defRPr>
+            </a:lvl1pPr>
+          </a:lstStyle>
+          <a:p>
+            <a:fld id="{24191F90-06CD-4E36-B025-A3FFFA64ACB0}" type="datetime1">
               <a:rPr lang="fr-FR" smtClean="0"/>
-              <a:t>19/08/2021</a:t>
+              <a:pPr/>
+              <a:t>15/06/2022</a:t>
             </a:fld>
-            <a:endParaRPr lang="fr-FR"/>
+            <a:endParaRPr lang="fr-FR" dirty="0"/>
           </a:p>
         </p:txBody>
       </p:sp>
@@ -2373,10 +2486,9 @@
           <a:lstStyle/>
           <a:p>
             <a:r>
-              <a:rPr lang="fr-FR" smtClean="0"/>
-              <a:t>F. Flamerie - Trucs et astuces de PubMed - 2021-06-10</a:t>
-            </a:r>
-            <a:endParaRPr lang="fr-FR"/>
+              <a:rPr lang="fr-FR"/>
+              <a:t>F. Flamerie - Trucs et astuces de PubMed - 2022-05-24</a:t>
+            </a:r>
           </a:p>
         </p:txBody>
       </p:sp>
@@ -2454,10 +2566,9 @@
           <a:lstStyle/>
           <a:p>
             <a:r>
-              <a:rPr lang="fr-FR" smtClean="0"/>
+              <a:rPr lang="fr-FR"/>
               <a:t>Modifiez le style du titre</a:t>
             </a:r>
-            <a:endParaRPr lang="fr-FR"/>
           </a:p>
         </p:txBody>
       </p:sp>
@@ -2520,7 +2631,7 @@
           <a:p>
             <a:pPr lvl="0"/>
             <a:r>
-              <a:rPr lang="fr-FR" smtClean="0"/>
+              <a:rPr lang="fr-FR"/>
               <a:t>Modifiez les styles du texte du masque</a:t>
             </a:r>
           </a:p>
@@ -2548,38 +2659,37 @@
           <a:p>
             <a:pPr lvl="0"/>
             <a:r>
-              <a:rPr lang="fr-FR" smtClean="0"/>
+              <a:rPr lang="fr-FR"/>
               <a:t>Modifiez les styles du texte du masque</a:t>
             </a:r>
           </a:p>
           <a:p>
             <a:pPr lvl="1"/>
             <a:r>
-              <a:rPr lang="fr-FR" smtClean="0"/>
+              <a:rPr lang="fr-FR"/>
               <a:t>Deuxième niveau</a:t>
             </a:r>
           </a:p>
           <a:p>
             <a:pPr lvl="2"/>
             <a:r>
-              <a:rPr lang="fr-FR" smtClean="0"/>
+              <a:rPr lang="fr-FR"/>
               <a:t>Troisième niveau</a:t>
             </a:r>
           </a:p>
           <a:p>
             <a:pPr lvl="3"/>
             <a:r>
-              <a:rPr lang="fr-FR" smtClean="0"/>
+              <a:rPr lang="fr-FR"/>
               <a:t>Quatrième niveau</a:t>
             </a:r>
           </a:p>
           <a:p>
             <a:pPr lvl="4"/>
             <a:r>
-              <a:rPr lang="fr-FR" smtClean="0"/>
+              <a:rPr lang="fr-FR"/>
               <a:t>Cinquième niveau</a:t>
             </a:r>
-            <a:endParaRPr lang="fr-FR"/>
           </a:p>
         </p:txBody>
       </p:sp>
@@ -2642,7 +2752,7 @@
           <a:p>
             <a:pPr lvl="0"/>
             <a:r>
-              <a:rPr lang="fr-FR" smtClean="0"/>
+              <a:rPr lang="fr-FR"/>
               <a:t>Modifiez les styles du texte du masque</a:t>
             </a:r>
           </a:p>
@@ -2670,38 +2780,37 @@
           <a:p>
             <a:pPr lvl="0"/>
             <a:r>
-              <a:rPr lang="fr-FR" smtClean="0"/>
+              <a:rPr lang="fr-FR"/>
               <a:t>Modifiez les styles du texte du masque</a:t>
             </a:r>
           </a:p>
           <a:p>
             <a:pPr lvl="1"/>
             <a:r>
-              <a:rPr lang="fr-FR" smtClean="0"/>
+              <a:rPr lang="fr-FR"/>
               <a:t>Deuxième niveau</a:t>
             </a:r>
           </a:p>
           <a:p>
             <a:pPr lvl="2"/>
             <a:r>
-              <a:rPr lang="fr-FR" smtClean="0"/>
+              <a:rPr lang="fr-FR"/>
               <a:t>Troisième niveau</a:t>
             </a:r>
           </a:p>
           <a:p>
             <a:pPr lvl="3"/>
             <a:r>
-              <a:rPr lang="fr-FR" smtClean="0"/>
+              <a:rPr lang="fr-FR"/>
               <a:t>Quatrième niveau</a:t>
             </a:r>
           </a:p>
           <a:p>
             <a:pPr lvl="4"/>
             <a:r>
-              <a:rPr lang="fr-FR" smtClean="0"/>
+              <a:rPr lang="fr-FR"/>
               <a:t>Cinquième niveau</a:t>
             </a:r>
-            <a:endParaRPr lang="fr-FR"/>
           </a:p>
         </p:txBody>
       </p:sp>
@@ -2726,13 +2835,20 @@
         </p:spPr>
         <p:txBody>
           <a:bodyPr/>
-          <a:lstStyle/>
-          <a:p>
-            <a:fld id="{3E753274-5B44-4B0A-B816-163EF2B7A520}" type="datetime1">
+          <a:lstStyle>
+            <a:lvl1pPr>
+              <a:defRPr>
+                <a:latin typeface="Corbel" panose="020B0503020204020204" pitchFamily="34" charset="0"/>
+              </a:defRPr>
+            </a:lvl1pPr>
+          </a:lstStyle>
+          <a:p>
+            <a:fld id="{B53BEB79-FA74-4ECB-9C22-BEACA3BFCF15}" type="datetime1">
               <a:rPr lang="fr-FR" smtClean="0"/>
-              <a:t>19/08/2021</a:t>
+              <a:pPr/>
+              <a:t>15/06/2022</a:t>
             </a:fld>
-            <a:endParaRPr lang="fr-FR"/>
+            <a:endParaRPr lang="fr-FR" dirty="0"/>
           </a:p>
         </p:txBody>
       </p:sp>
@@ -2752,10 +2868,9 @@
           <a:lstStyle/>
           <a:p>
             <a:r>
-              <a:rPr lang="fr-FR" smtClean="0"/>
-              <a:t>F. Flamerie - Trucs et astuces de PubMed - 2021-06-10</a:t>
-            </a:r>
-            <a:endParaRPr lang="fr-FR"/>
+              <a:rPr lang="fr-FR"/>
+              <a:t>F. Flamerie - Trucs et astuces de PubMed - 2022-05-24</a:t>
+            </a:r>
           </a:p>
         </p:txBody>
       </p:sp>
@@ -2828,10 +2943,9 @@
           <a:lstStyle/>
           <a:p>
             <a:r>
-              <a:rPr lang="fr-FR" smtClean="0"/>
+              <a:rPr lang="fr-FR"/>
               <a:t>Modifiez le style du titre</a:t>
             </a:r>
-            <a:endParaRPr lang="fr-FR"/>
           </a:p>
         </p:txBody>
       </p:sp>
@@ -2856,13 +2970,20 @@
         </p:spPr>
         <p:txBody>
           <a:bodyPr/>
-          <a:lstStyle/>
-          <a:p>
-            <a:fld id="{32F6685F-025E-49D3-87C6-DFA6DD87FF59}" type="datetime1">
+          <a:lstStyle>
+            <a:lvl1pPr>
+              <a:defRPr>
+                <a:latin typeface="Corbel" panose="020B0503020204020204" pitchFamily="34" charset="0"/>
+              </a:defRPr>
+            </a:lvl1pPr>
+          </a:lstStyle>
+          <a:p>
+            <a:fld id="{ACFC686D-2246-4E85-B9F8-A2D1978D048A}" type="datetime1">
               <a:rPr lang="fr-FR" smtClean="0"/>
-              <a:t>19/08/2021</a:t>
+              <a:pPr/>
+              <a:t>15/06/2022</a:t>
             </a:fld>
-            <a:endParaRPr lang="fr-FR"/>
+            <a:endParaRPr lang="fr-FR" dirty="0"/>
           </a:p>
         </p:txBody>
       </p:sp>
@@ -2882,10 +3003,9 @@
           <a:lstStyle/>
           <a:p>
             <a:r>
-              <a:rPr lang="fr-FR" smtClean="0"/>
-              <a:t>F. Flamerie - Trucs et astuces de PubMed - 2021-06-10</a:t>
-            </a:r>
-            <a:endParaRPr lang="fr-FR"/>
+              <a:rPr lang="fr-FR"/>
+              <a:t>F. Flamerie - Trucs et astuces de PubMed - 2022-05-24</a:t>
+            </a:r>
           </a:p>
         </p:txBody>
       </p:sp>
@@ -2963,13 +3083,20 @@
         </p:spPr>
         <p:txBody>
           <a:bodyPr/>
-          <a:lstStyle/>
-          <a:p>
-            <a:fld id="{977D9ACA-2DAC-43AE-8176-061A0D29BBFF}" type="datetime1">
+          <a:lstStyle>
+            <a:lvl1pPr>
+              <a:defRPr>
+                <a:latin typeface="Corbel" panose="020B0503020204020204" pitchFamily="34" charset="0"/>
+              </a:defRPr>
+            </a:lvl1pPr>
+          </a:lstStyle>
+          <a:p>
+            <a:fld id="{103B3C81-F5DF-4133-A52A-0DE0A298B578}" type="datetime1">
               <a:rPr lang="fr-FR" smtClean="0"/>
-              <a:t>19/08/2021</a:t>
+              <a:pPr/>
+              <a:t>15/06/2022</a:t>
             </a:fld>
-            <a:endParaRPr lang="fr-FR"/>
+            <a:endParaRPr lang="fr-FR" dirty="0"/>
           </a:p>
         </p:txBody>
       </p:sp>
@@ -2989,10 +3116,9 @@
           <a:lstStyle/>
           <a:p>
             <a:r>
-              <a:rPr lang="fr-FR" smtClean="0"/>
-              <a:t>F. Flamerie - Trucs et astuces de PubMed - 2021-06-10</a:t>
-            </a:r>
-            <a:endParaRPr lang="fr-FR"/>
+              <a:rPr lang="fr-FR"/>
+              <a:t>F. Flamerie - Trucs et astuces de PubMed - 2022-05-24</a:t>
+            </a:r>
           </a:p>
         </p:txBody>
       </p:sp>
@@ -3074,10 +3200,9 @@
           </a:lstStyle>
           <a:p>
             <a:r>
-              <a:rPr lang="fr-FR" smtClean="0"/>
+              <a:rPr lang="fr-FR"/>
               <a:t>Modifiez le style du titre</a:t>
             </a:r>
-            <a:endParaRPr lang="fr-FR"/>
           </a:p>
         </p:txBody>
       </p:sp>
@@ -3131,38 +3256,37 @@
           <a:p>
             <a:pPr lvl="0"/>
             <a:r>
-              <a:rPr lang="fr-FR" smtClean="0"/>
+              <a:rPr lang="fr-FR"/>
               <a:t>Modifiez les styles du texte du masque</a:t>
             </a:r>
           </a:p>
           <a:p>
             <a:pPr lvl="1"/>
             <a:r>
-              <a:rPr lang="fr-FR" smtClean="0"/>
+              <a:rPr lang="fr-FR"/>
               <a:t>Deuxième niveau</a:t>
             </a:r>
           </a:p>
           <a:p>
             <a:pPr lvl="2"/>
             <a:r>
-              <a:rPr lang="fr-FR" smtClean="0"/>
+              <a:rPr lang="fr-FR"/>
               <a:t>Troisième niveau</a:t>
             </a:r>
           </a:p>
           <a:p>
             <a:pPr lvl="3"/>
             <a:r>
-              <a:rPr lang="fr-FR" smtClean="0"/>
+              <a:rPr lang="fr-FR"/>
               <a:t>Quatrième niveau</a:t>
             </a:r>
           </a:p>
           <a:p>
             <a:pPr lvl="4"/>
             <a:r>
-              <a:rPr lang="fr-FR" smtClean="0"/>
+              <a:rPr lang="fr-FR"/>
               <a:t>Cinquième niveau</a:t>
             </a:r>
-            <a:endParaRPr lang="fr-FR"/>
           </a:p>
         </p:txBody>
       </p:sp>
@@ -3225,7 +3349,7 @@
           <a:p>
             <a:pPr lvl="0"/>
             <a:r>
-              <a:rPr lang="fr-FR" smtClean="0"/>
+              <a:rPr lang="fr-FR"/>
               <a:t>Modifiez les styles du texte du masque</a:t>
             </a:r>
           </a:p>
@@ -3252,13 +3376,20 @@
         </p:spPr>
         <p:txBody>
           <a:bodyPr/>
-          <a:lstStyle/>
-          <a:p>
-            <a:fld id="{17E4FBD5-3089-4AFF-8A64-E20B44E18A3F}" type="datetime1">
+          <a:lstStyle>
+            <a:lvl1pPr>
+              <a:defRPr>
+                <a:latin typeface="Corbel" panose="020B0503020204020204" pitchFamily="34" charset="0"/>
+              </a:defRPr>
+            </a:lvl1pPr>
+          </a:lstStyle>
+          <a:p>
+            <a:fld id="{333A1330-84BA-4488-B8B2-D6C6D19B82D7}" type="datetime1">
               <a:rPr lang="fr-FR" smtClean="0"/>
-              <a:t>19/08/2021</a:t>
+              <a:pPr/>
+              <a:t>15/06/2022</a:t>
             </a:fld>
-            <a:endParaRPr lang="fr-FR"/>
+            <a:endParaRPr lang="fr-FR" dirty="0"/>
           </a:p>
         </p:txBody>
       </p:sp>
@@ -3278,10 +3409,9 @@
           <a:lstStyle/>
           <a:p>
             <a:r>
-              <a:rPr lang="fr-FR" smtClean="0"/>
-              <a:t>F. Flamerie - Trucs et astuces de PubMed - 2021-06-10</a:t>
-            </a:r>
-            <a:endParaRPr lang="fr-FR"/>
+              <a:rPr lang="fr-FR"/>
+              <a:t>F. Flamerie - Trucs et astuces de PubMed - 2022-05-24</a:t>
+            </a:r>
           </a:p>
         </p:txBody>
       </p:sp>
@@ -3363,10 +3493,9 @@
           </a:lstStyle>
           <a:p>
             <a:r>
-              <a:rPr lang="fr-FR" smtClean="0"/>
+              <a:rPr lang="fr-FR"/>
               <a:t>Modifiez le style du titre</a:t>
             </a:r>
-            <a:endParaRPr lang="fr-FR"/>
           </a:p>
         </p:txBody>
       </p:sp>
@@ -3490,7 +3619,7 @@
           <a:p>
             <a:pPr lvl="0"/>
             <a:r>
-              <a:rPr lang="fr-FR" smtClean="0"/>
+              <a:rPr lang="fr-FR"/>
               <a:t>Modifiez les styles du texte du masque</a:t>
             </a:r>
           </a:p>
@@ -3517,13 +3646,20 @@
         </p:spPr>
         <p:txBody>
           <a:bodyPr/>
-          <a:lstStyle/>
-          <a:p>
-            <a:fld id="{9375C95D-F0AA-41E3-8509-D3E6843B44D4}" type="datetime1">
+          <a:lstStyle>
+            <a:lvl1pPr>
+              <a:defRPr>
+                <a:latin typeface="Corbel" panose="020B0503020204020204" pitchFamily="34" charset="0"/>
+              </a:defRPr>
+            </a:lvl1pPr>
+          </a:lstStyle>
+          <a:p>
+            <a:fld id="{E896B25A-4007-4AA0-8186-28F75AB21078}" type="datetime1">
               <a:rPr lang="fr-FR" smtClean="0"/>
-              <a:t>19/08/2021</a:t>
+              <a:pPr/>
+              <a:t>15/06/2022</a:t>
             </a:fld>
-            <a:endParaRPr lang="fr-FR"/>
+            <a:endParaRPr lang="fr-FR" dirty="0"/>
           </a:p>
         </p:txBody>
       </p:sp>
@@ -3543,10 +3679,9 @@
           <a:lstStyle/>
           <a:p>
             <a:r>
-              <a:rPr lang="fr-FR" smtClean="0"/>
-              <a:t>F. Flamerie - Trucs et astuces de PubMed - 2021-06-10</a:t>
-            </a:r>
-            <a:endParaRPr lang="fr-FR"/>
+              <a:rPr lang="fr-FR"/>
+              <a:t>F. Flamerie - Trucs et astuces de PubMed - 2022-05-24</a:t>
+            </a:r>
           </a:p>
         </p:txBody>
       </p:sp>
@@ -3634,10 +3769,9 @@
           <a:lstStyle/>
           <a:p>
             <a:r>
-              <a:rPr lang="fr-FR" smtClean="0"/>
+              <a:rPr lang="fr-FR"/>
               <a:t>Modifiez le style du titre</a:t>
             </a:r>
-            <a:endParaRPr lang="fr-FR"/>
           </a:p>
         </p:txBody>
       </p:sp>
@@ -3668,38 +3802,37 @@
           <a:p>
             <a:pPr lvl="0"/>
             <a:r>
-              <a:rPr lang="fr-FR" smtClean="0"/>
+              <a:rPr lang="fr-FR" dirty="0"/>
               <a:t>Modifiez les styles du texte du masque</a:t>
             </a:r>
           </a:p>
           <a:p>
             <a:pPr lvl="1"/>
             <a:r>
-              <a:rPr lang="fr-FR" smtClean="0"/>
+              <a:rPr lang="fr-FR" dirty="0"/>
               <a:t>Deuxième niveau</a:t>
             </a:r>
           </a:p>
           <a:p>
             <a:pPr lvl="2"/>
             <a:r>
-              <a:rPr lang="fr-FR" smtClean="0"/>
+              <a:rPr lang="fr-FR" dirty="0"/>
               <a:t>Troisième niveau</a:t>
             </a:r>
           </a:p>
           <a:p>
             <a:pPr lvl="3"/>
             <a:r>
-              <a:rPr lang="fr-FR" smtClean="0"/>
+              <a:rPr lang="fr-FR" dirty="0"/>
               <a:t>Quatrième niveau</a:t>
             </a:r>
           </a:p>
           <a:p>
             <a:pPr lvl="4"/>
             <a:r>
-              <a:rPr lang="fr-FR" smtClean="0"/>
+              <a:rPr lang="fr-FR" dirty="0"/>
               <a:t>Cinquième niveau</a:t>
             </a:r>
-            <a:endParaRPr lang="fr-FR"/>
           </a:p>
         </p:txBody>
       </p:sp>
@@ -3732,15 +3865,23 @@
                     <a:tint val="75000"/>
                   </a:schemeClr>
                 </a:solidFill>
+                <a:latin typeface="Corbel" panose="020B0503020204020204" pitchFamily="34" charset="0"/>
               </a:defRPr>
             </a:lvl1pPr>
           </a:lstStyle>
           <a:p>
             <a:r>
-              <a:rPr lang="fr-FR" smtClean="0"/>
-              <a:t>F. Flamerie - Trucs et astuces de PubMed - 2021-06-10</a:t>
-            </a:r>
-            <a:endParaRPr lang="fr-FR"/>
+              <a:rPr lang="fr-FR" dirty="0"/>
+              <a:t>F. Flamerie - Trucs et astuces de </a:t>
+            </a:r>
+            <a:r>
+              <a:rPr lang="fr-FR" dirty="0" err="1"/>
+              <a:t>PubMed</a:t>
+            </a:r>
+            <a:r>
+              <a:rPr lang="fr-FR" dirty="0"/>
+              <a:t> - 2022-05-24</a:t>
+            </a:r>
           </a:p>
         </p:txBody>
       </p:sp>
@@ -3773,15 +3914,17 @@
                     <a:tint val="75000"/>
                   </a:schemeClr>
                 </a:solidFill>
+                <a:latin typeface="Corbel" panose="020B0503020204020204" pitchFamily="34" charset="0"/>
               </a:defRPr>
             </a:lvl1pPr>
           </a:lstStyle>
           <a:p>
             <a:fld id="{99E13252-68E5-4994-B57B-B03F39B52C7D}" type="slidenum">
               <a:rPr lang="fr-FR" smtClean="0"/>
+              <a:pPr/>
               <a:t>‹N°›</a:t>
             </a:fld>
-            <a:endParaRPr lang="fr-FR"/>
+            <a:endParaRPr lang="fr-FR" dirty="0"/>
           </a:p>
         </p:txBody>
       </p:sp>
@@ -3841,7 +3984,7 @@
           <a:solidFill>
             <a:schemeClr val="tx1"/>
           </a:solidFill>
-          <a:latin typeface="+mn-lt"/>
+          <a:latin typeface="Corbel" panose="020B0503020204020204" pitchFamily="34" charset="0"/>
           <a:ea typeface="+mn-ea"/>
           <a:cs typeface="+mn-cs"/>
         </a:defRPr>
@@ -3859,7 +4002,7 @@
           <a:solidFill>
             <a:schemeClr val="tx1"/>
           </a:solidFill>
-          <a:latin typeface="+mn-lt"/>
+          <a:latin typeface="Corbel" panose="020B0503020204020204" pitchFamily="34" charset="0"/>
           <a:ea typeface="+mn-ea"/>
           <a:cs typeface="+mn-cs"/>
         </a:defRPr>
@@ -3877,7 +4020,7 @@
           <a:solidFill>
             <a:schemeClr val="tx1"/>
           </a:solidFill>
-          <a:latin typeface="+mn-lt"/>
+          <a:latin typeface="Corbel" panose="020B0503020204020204" pitchFamily="34" charset="0"/>
           <a:ea typeface="+mn-ea"/>
           <a:cs typeface="+mn-cs"/>
         </a:defRPr>
@@ -3895,7 +4038,7 @@
           <a:solidFill>
             <a:schemeClr val="tx1"/>
           </a:solidFill>
-          <a:latin typeface="+mn-lt"/>
+          <a:latin typeface="Corbel" panose="020B0503020204020204" pitchFamily="34" charset="0"/>
           <a:ea typeface="+mn-ea"/>
           <a:cs typeface="+mn-cs"/>
         </a:defRPr>
@@ -3913,7 +4056,7 @@
           <a:solidFill>
             <a:schemeClr val="tx1"/>
           </a:solidFill>
-          <a:latin typeface="+mn-lt"/>
+          <a:latin typeface="Corbel" panose="020B0503020204020204" pitchFamily="34" charset="0"/>
           <a:ea typeface="+mn-ea"/>
           <a:cs typeface="+mn-cs"/>
         </a:defRPr>
@@ -4131,11 +4274,11 @@
           <a:p>
             <a:pPr algn="l"/>
             <a:r>
-              <a:rPr lang="fr-FR" dirty="0" smtClean="0"/>
+              <a:rPr lang="fr-FR" dirty="0"/>
               <a:t>Trucs et astuces de </a:t>
             </a:r>
             <a:r>
-              <a:rPr lang="fr-FR" dirty="0" err="1" smtClean="0"/>
+              <a:rPr lang="fr-FR" dirty="0" err="1"/>
               <a:t>PubMed</a:t>
             </a:r>
             <a:endParaRPr lang="fr-FR" dirty="0"/>
@@ -4164,10 +4307,9 @@
           <a:p>
             <a:pPr algn="l"/>
             <a:r>
-              <a:rPr lang="fr-FR" dirty="0" smtClean="0"/>
+              <a:rPr lang="fr-FR" dirty="0"/>
               <a:t>Module 1.2 </a:t>
             </a:r>
-            <a:endParaRPr lang="fr-FR" dirty="0"/>
           </a:p>
         </p:txBody>
       </p:sp>
@@ -4181,8 +4323,8 @@
         </p:nvSpPr>
         <p:spPr bwMode="auto">
           <a:xfrm>
-            <a:off x="953729" y="-228600"/>
-            <a:ext cx="12192000" cy="457200"/>
+            <a:off x="953729" y="-184666"/>
+            <a:ext cx="184731" cy="369332"/>
           </a:xfrm>
           <a:prstGeom prst="rect">
             <a:avLst/>
@@ -4230,7 +4372,9 @@
           </a:bodyPr>
           <a:lstStyle/>
           <a:p>
-            <a:endParaRPr lang="fr-FR"/>
+            <a:endParaRPr lang="fr-FR" dirty="0">
+              <a:latin typeface="Corbel" panose="020B0503020204020204" pitchFamily="34" charset="0"/>
+            </a:endParaRPr>
           </a:p>
         </p:txBody>
       </p:sp>
@@ -4357,13 +4501,6 @@
   <p:clrMapOvr>
     <a:masterClrMapping/>
   </p:clrMapOvr>
-  <p:timing>
-    <p:tnLst>
-      <p:par>
-        <p:cTn id="1" dur="indefinite" restart="never" nodeType="tmRoot"/>
-      </p:par>
-    </p:tnLst>
-  </p:timing>
 </p:sld>
 </file>
 
@@ -4405,11 +4542,11 @@
           <a:lstStyle/>
           <a:p>
             <a:r>
-              <a:rPr lang="fr-FR" dirty="0" smtClean="0"/>
+              <a:rPr lang="fr-FR" dirty="0"/>
               <a:t>Fonctionnalités : le thésaurus </a:t>
             </a:r>
             <a:r>
-              <a:rPr lang="fr-FR" dirty="0" err="1" smtClean="0"/>
+              <a:rPr lang="fr-FR" dirty="0" err="1"/>
               <a:t>MeSH</a:t>
             </a:r>
             <a:endParaRPr lang="fr-FR" dirty="0"/>
@@ -4444,8 +4581,8 @@
               </a:lnSpc>
             </a:pPr>
             <a:r>
-              <a:rPr lang="fr-FR" dirty="0" smtClean="0"/>
-              <a:t>Avantages</a:t>
+              <a:rPr lang="fr-FR" dirty="0"/>
+              <a:t> Avantages</a:t>
             </a:r>
           </a:p>
           <a:p>
@@ -4455,11 +4592,11 @@
               </a:lnSpc>
             </a:pPr>
             <a:r>
-              <a:rPr lang="fr-FR" dirty="0" smtClean="0"/>
+              <a:rPr lang="fr-FR" dirty="0"/>
               <a:t>Evite le travail de </a:t>
             </a:r>
             <a:r>
-              <a:rPr lang="fr-FR" dirty="0" smtClean="0">
+              <a:rPr lang="fr-FR" dirty="0">
                 <a:solidFill>
                   <a:srgbClr val="009DE0"/>
                 </a:solidFill>
@@ -4467,7 +4604,7 @@
               <a:t>recherche des synonymes </a:t>
             </a:r>
             <a:r>
-              <a:rPr lang="fr-FR" dirty="0" smtClean="0"/>
+              <a:rPr lang="fr-FR" dirty="0"/>
               <a:t>d’un terme, qu’ils résultent de variations lexicales ou de tendances terminologiques</a:t>
             </a:r>
           </a:p>
@@ -4478,11 +4615,11 @@
               </a:lnSpc>
             </a:pPr>
             <a:r>
-              <a:rPr lang="fr-FR" dirty="0" smtClean="0"/>
+              <a:rPr lang="fr-FR" dirty="0"/>
               <a:t>Evite d’énumérer tous les </a:t>
             </a:r>
             <a:r>
-              <a:rPr lang="fr-FR" dirty="0" smtClean="0">
+              <a:rPr lang="fr-FR" dirty="0">
                 <a:solidFill>
                   <a:srgbClr val="009DE0"/>
                 </a:solidFill>
@@ -4490,7 +4627,7 @@
               <a:t>termes spécifiques </a:t>
             </a:r>
             <a:r>
-              <a:rPr lang="fr-FR" dirty="0" smtClean="0"/>
+              <a:rPr lang="fr-FR" dirty="0"/>
               <a:t>d’un concept général</a:t>
             </a:r>
           </a:p>
@@ -4501,7 +4638,7 @@
               </a:lnSpc>
             </a:pPr>
             <a:r>
-              <a:rPr lang="fr-FR" dirty="0" smtClean="0"/>
+              <a:rPr lang="fr-FR" dirty="0"/>
               <a:t>Identifie les articles pour lesquels le terme constitue un sujet, et n’est pas seulement mentionné par exemple dans le résumé</a:t>
             </a:r>
           </a:p>
@@ -4512,8 +4649,8 @@
               </a:lnSpc>
             </a:pPr>
             <a:r>
-              <a:rPr lang="fr-FR" dirty="0" smtClean="0"/>
-              <a:t>Limites</a:t>
+              <a:rPr lang="fr-FR" dirty="0"/>
+              <a:t> Limites</a:t>
             </a:r>
           </a:p>
           <a:p>
@@ -4523,23 +4660,23 @@
               </a:lnSpc>
             </a:pPr>
             <a:r>
-              <a:rPr lang="fr-FR" dirty="0" smtClean="0"/>
+              <a:rPr lang="fr-FR" dirty="0"/>
               <a:t>Tous les documents recensés dans </a:t>
             </a:r>
             <a:r>
-              <a:rPr lang="fr-FR" dirty="0" err="1" smtClean="0"/>
+              <a:rPr lang="fr-FR" dirty="0" err="1"/>
               <a:t>PubMed</a:t>
             </a:r>
             <a:r>
-              <a:rPr lang="fr-FR" dirty="0" smtClean="0"/>
+              <a:rPr lang="fr-FR" dirty="0"/>
               <a:t> n’ont pas d’indexation </a:t>
             </a:r>
             <a:r>
-              <a:rPr lang="fr-FR" dirty="0" err="1" smtClean="0"/>
+              <a:rPr lang="fr-FR" dirty="0" err="1"/>
               <a:t>MeSH</a:t>
             </a:r>
             <a:r>
-              <a:rPr lang="fr-FR" dirty="0" smtClean="0"/>
+              <a:rPr lang="fr-FR" dirty="0"/>
               <a:t> </a:t>
             </a:r>
           </a:p>
@@ -4550,11 +4687,11 @@
               </a:lnSpc>
             </a:pPr>
             <a:r>
-              <a:rPr lang="fr-FR" dirty="0" smtClean="0"/>
+              <a:rPr lang="fr-FR" dirty="0"/>
               <a:t>Tous les mots n’ont pas d’équivalent </a:t>
             </a:r>
             <a:r>
-              <a:rPr lang="fr-FR" dirty="0" err="1" smtClean="0"/>
+              <a:rPr lang="fr-FR" dirty="0" err="1"/>
               <a:t>MeSH</a:t>
             </a:r>
             <a:endParaRPr lang="fr-FR" dirty="0"/>
@@ -4577,8 +4714,8 @@
           <a:lstStyle/>
           <a:p>
             <a:r>
-              <a:rPr lang="fr-FR" smtClean="0"/>
-              <a:t>F. Flamerie - Trucs et astuces de PubMed - 2021-06-10</a:t>
+              <a:rPr lang="fr-FR"/>
+              <a:t>F. Flamerie - Trucs et astuces de PubMed - 2022-05-24</a:t>
             </a:r>
             <a:endParaRPr lang="fr-FR" dirty="0"/>
           </a:p>
@@ -4618,13 +4755,6 @@
   <p:clrMapOvr>
     <a:masterClrMapping/>
   </p:clrMapOvr>
-  <p:timing>
-    <p:tnLst>
-      <p:par>
-        <p:cTn id="1" dur="indefinite" restart="never" nodeType="tmRoot"/>
-      </p:par>
-    </p:tnLst>
-  </p:timing>
 </p:sld>
 </file>
 
@@ -4666,18 +4796,17 @@
           <a:lstStyle/>
           <a:p>
             <a:r>
-              <a:rPr lang="fr-FR" dirty="0" smtClean="0"/>
+              <a:rPr lang="fr-FR" dirty="0"/>
               <a:t>Pertinence du recours au </a:t>
             </a:r>
             <a:r>
-              <a:rPr lang="fr-FR" dirty="0" err="1" smtClean="0"/>
+              <a:rPr lang="fr-FR" dirty="0" err="1"/>
               <a:t>MeSH</a:t>
             </a:r>
             <a:r>
-              <a:rPr lang="fr-FR" dirty="0" smtClean="0"/>
+              <a:rPr lang="fr-FR" dirty="0"/>
               <a:t>?</a:t>
             </a:r>
-            <a:endParaRPr lang="fr-FR" dirty="0"/>
           </a:p>
         </p:txBody>
       </p:sp>
@@ -4707,28 +4836,20 @@
               <a:buNone/>
             </a:pPr>
             <a:r>
-              <a:rPr lang="fr-FR" sz="3200" dirty="0" smtClean="0"/>
+              <a:rPr lang="fr-FR" sz="3200" dirty="0"/>
               <a:t>Exemple avec les 2 termes suivants : pour chacun des termes, indiquez dans le sondage Zoom s’il vous semble pertinent de l’utiliser.</a:t>
             </a:r>
           </a:p>
           <a:p>
             <a:r>
-              <a:rPr lang="fr-FR" sz="3200" dirty="0" smtClean="0"/>
-              <a:t>Pour une recherche sur les </a:t>
-            </a:r>
-            <a:r>
               <a:rPr lang="fr-FR" sz="3200" dirty="0"/>
-              <a:t>indicateurs de santé prédictifs de l'absentéisme au travail </a:t>
-            </a:r>
-            <a:r>
-              <a:rPr lang="fr-FR" sz="3200" dirty="0" smtClean="0"/>
-              <a:t> </a:t>
+              <a:t>Pour une recherche sur les indicateurs de santé prédictifs de l'absentéisme au travail  </a:t>
             </a:r>
           </a:p>
           <a:p>
             <a:pPr lvl="1"/>
             <a:r>
-              <a:rPr lang="fr-FR" sz="3200" dirty="0" smtClean="0">
+              <a:rPr lang="fr-FR" sz="3200" dirty="0">
                 <a:solidFill>
                   <a:srgbClr val="009DE0"/>
                 </a:solidFill>
@@ -4736,7 +4857,7 @@
               <a:t>absentéisme professionnel -&gt; </a:t>
             </a:r>
             <a:r>
-              <a:rPr lang="fr-FR" sz="3200" dirty="0" err="1" smtClean="0">
+              <a:rPr lang="fr-FR" sz="3200" dirty="0" err="1">
                 <a:solidFill>
                   <a:srgbClr val="009DE0"/>
                 </a:solidFill>
@@ -4744,7 +4865,7 @@
               <a:t>absenteeism</a:t>
             </a:r>
             <a:r>
-              <a:rPr lang="fr-FR" sz="3200" dirty="0" smtClean="0">
+              <a:rPr lang="fr-FR" sz="3200" dirty="0">
                 <a:solidFill>
                   <a:srgbClr val="009DE0"/>
                 </a:solidFill>
@@ -4752,33 +4873,33 @@
               <a:t> </a:t>
             </a:r>
             <a:r>
-              <a:rPr lang="fr-FR" sz="3200" dirty="0" smtClean="0"/>
+              <a:rPr lang="fr-FR" sz="3200" dirty="0"/>
               <a:t>- </a:t>
             </a:r>
             <a:r>
-              <a:rPr lang="fr-FR" sz="3200" dirty="0" smtClean="0">
+              <a:rPr lang="fr-FR" sz="3200" dirty="0">
                 <a:hlinkClick r:id="rId2"/>
               </a:rPr>
               <a:t>lien fiche </a:t>
             </a:r>
             <a:r>
-              <a:rPr lang="fr-FR" sz="3200" dirty="0" err="1" smtClean="0">
+              <a:rPr lang="fr-FR" sz="3200" dirty="0" err="1">
                 <a:hlinkClick r:id="rId2"/>
               </a:rPr>
               <a:t>MeSH</a:t>
             </a:r>
-            <a:endParaRPr lang="fr-FR" sz="3200" dirty="0" smtClean="0"/>
-          </a:p>
-          <a:p>
-            <a:r>
-              <a:rPr lang="fr-FR" sz="3200" dirty="0" smtClean="0"/>
+            <a:endParaRPr lang="fr-FR" sz="3200" dirty="0"/>
+          </a:p>
+          <a:p>
+            <a:r>
+              <a:rPr lang="fr-FR" sz="3200" dirty="0"/>
               <a:t>Pour une recherche sur l’impact de l’activité physique sur la qualité de vie des personnes âgées</a:t>
             </a:r>
           </a:p>
           <a:p>
             <a:pPr lvl="1"/>
             <a:r>
-              <a:rPr lang="fr-FR" sz="3200" dirty="0" smtClean="0">
+              <a:rPr lang="fr-FR" sz="3200" dirty="0">
                 <a:solidFill>
                   <a:srgbClr val="009DE0"/>
                 </a:solidFill>
@@ -4786,7 +4907,7 @@
               <a:t>activité physique -&gt; </a:t>
             </a:r>
             <a:r>
-              <a:rPr lang="fr-FR" sz="3200" dirty="0" err="1" smtClean="0">
+              <a:rPr lang="fr-FR" sz="3200" dirty="0" err="1">
                 <a:solidFill>
                   <a:srgbClr val="009DE0"/>
                 </a:solidFill>
@@ -4794,7 +4915,7 @@
               <a:t>exercise</a:t>
             </a:r>
             <a:r>
-              <a:rPr lang="fr-FR" sz="3200" dirty="0" smtClean="0">
+              <a:rPr lang="fr-FR" sz="3200" dirty="0">
                 <a:solidFill>
                   <a:srgbClr val="009DE0"/>
                 </a:solidFill>
@@ -4802,22 +4923,22 @@
               <a:t> </a:t>
             </a:r>
             <a:r>
-              <a:rPr lang="fr-FR" sz="3200" dirty="0" smtClean="0"/>
+              <a:rPr lang="fr-FR" sz="3200" dirty="0"/>
               <a:t>- </a:t>
             </a:r>
             <a:r>
-              <a:rPr lang="fr-FR" sz="3200" dirty="0" smtClean="0">
+              <a:rPr lang="fr-FR" sz="3200" dirty="0">
                 <a:hlinkClick r:id="rId3"/>
               </a:rPr>
               <a:t>lien fiche </a:t>
             </a:r>
             <a:r>
-              <a:rPr lang="fr-FR" sz="3200" dirty="0" err="1" smtClean="0">
+              <a:rPr lang="fr-FR" sz="3200" dirty="0" err="1">
                 <a:hlinkClick r:id="rId3"/>
               </a:rPr>
               <a:t>MeSH</a:t>
             </a:r>
-            <a:endParaRPr lang="fr-FR" sz="3200" dirty="0" smtClean="0"/>
+            <a:endParaRPr lang="fr-FR" sz="3200" dirty="0"/>
           </a:p>
           <a:p>
             <a:pPr lvl="1"/>
@@ -4841,8 +4962,8 @@
           <a:lstStyle/>
           <a:p>
             <a:r>
-              <a:rPr lang="fr-FR" smtClean="0"/>
-              <a:t>F. Flamerie - Trucs et astuces de PubMed - 2021-06-10</a:t>
+              <a:rPr lang="fr-FR"/>
+              <a:t>F. Flamerie - Trucs et astuces de PubMed - 2022-05-24</a:t>
             </a:r>
             <a:endParaRPr lang="fr-FR" dirty="0"/>
           </a:p>
@@ -4882,13 +5003,6 @@
   <p:clrMapOvr>
     <a:masterClrMapping/>
   </p:clrMapOvr>
-  <p:timing>
-    <p:tnLst>
-      <p:par>
-        <p:cTn id="1" dur="indefinite" restart="never" nodeType="tmRoot"/>
-      </p:par>
-    </p:tnLst>
-  </p:timing>
 </p:sld>
 </file>
 
@@ -4930,18 +5044,17 @@
           <a:lstStyle/>
           <a:p>
             <a:r>
-              <a:rPr lang="fr-FR" dirty="0" smtClean="0"/>
+              <a:rPr lang="fr-FR" dirty="0"/>
               <a:t>Pertinence du recours au </a:t>
             </a:r>
             <a:r>
-              <a:rPr lang="fr-FR" dirty="0" err="1" smtClean="0"/>
+              <a:rPr lang="fr-FR" dirty="0" err="1"/>
               <a:t>MeSH</a:t>
             </a:r>
             <a:r>
-              <a:rPr lang="fr-FR" dirty="0" smtClean="0"/>
+              <a:rPr lang="fr-FR" dirty="0"/>
               <a:t>?</a:t>
             </a:r>
-            <a:endParaRPr lang="fr-FR" dirty="0"/>
           </a:p>
         </p:txBody>
       </p:sp>
@@ -4971,39 +5084,31 @@
               <a:buNone/>
             </a:pPr>
             <a:r>
-              <a:rPr lang="fr-FR" sz="2400" dirty="0" smtClean="0"/>
+              <a:rPr lang="fr-FR" sz="2400" dirty="0"/>
               <a:t>Le recours au </a:t>
             </a:r>
             <a:r>
-              <a:rPr lang="fr-FR" sz="2400" dirty="0" err="1" smtClean="0"/>
+              <a:rPr lang="fr-FR" sz="2400" dirty="0" err="1"/>
               <a:t>MeSH</a:t>
             </a:r>
             <a:r>
-              <a:rPr lang="fr-FR" sz="2400" dirty="0" smtClean="0"/>
+              <a:rPr lang="fr-FR" sz="2400" dirty="0"/>
               <a:t> et la façon de l’utiliser peuvent ainsi varier en fonction </a:t>
             </a:r>
           </a:p>
           <a:p>
             <a:r>
               <a:rPr lang="fr-FR" sz="2400" dirty="0"/>
-              <a:t> </a:t>
-            </a:r>
-            <a:r>
-              <a:rPr lang="fr-FR" sz="2400" dirty="0" smtClean="0"/>
-              <a:t>du sujet,</a:t>
+              <a:t> du sujet,</a:t>
             </a:r>
           </a:p>
           <a:p>
             <a:r>
               <a:rPr lang="fr-FR" sz="2400" dirty="0"/>
-              <a:t> </a:t>
-            </a:r>
-            <a:r>
-              <a:rPr lang="fr-FR" sz="2400" dirty="0" smtClean="0"/>
-              <a:t>du degré de </a:t>
-            </a:r>
-            <a:r>
-              <a:rPr lang="fr-FR" sz="2400" dirty="0" smtClean="0">
+              <a:t> du degré de </a:t>
+            </a:r>
+            <a:r>
+              <a:rPr lang="fr-FR" sz="2400" dirty="0">
                 <a:solidFill>
                   <a:srgbClr val="009DE0"/>
                 </a:solidFill>
@@ -5011,11 +5116,11 @@
               <a:t>précision</a:t>
             </a:r>
             <a:r>
-              <a:rPr lang="fr-FR" sz="2400" dirty="0" smtClean="0"/>
+              <a:rPr lang="fr-FR" sz="2400" dirty="0"/>
               <a:t> et de </a:t>
             </a:r>
             <a:r>
-              <a:rPr lang="fr-FR" sz="2400" dirty="0" smtClean="0">
+              <a:rPr lang="fr-FR" sz="2400" dirty="0">
                 <a:solidFill>
                   <a:srgbClr val="009DE0"/>
                 </a:solidFill>
@@ -5023,7 +5128,7 @@
               <a:t>sensibilité</a:t>
             </a:r>
             <a:r>
-              <a:rPr lang="fr-FR" sz="2400" dirty="0" smtClean="0"/>
+              <a:rPr lang="fr-FR" sz="2400" dirty="0"/>
               <a:t> souhaité.</a:t>
             </a:r>
           </a:p>
@@ -5045,8 +5150,8 @@
           <a:lstStyle/>
           <a:p>
             <a:r>
-              <a:rPr lang="fr-FR" smtClean="0"/>
-              <a:t>F. Flamerie - Trucs et astuces de PubMed - 2021-06-10</a:t>
+              <a:rPr lang="fr-FR"/>
+              <a:t>F. Flamerie - Trucs et astuces de PubMed - 2022-05-24</a:t>
             </a:r>
             <a:endParaRPr lang="fr-FR" dirty="0"/>
           </a:p>
@@ -5101,8 +5206,20 @@
                 <a:tableStyleId>{9D7B26C5-4107-4FEC-AEDC-1716B250A1EF}</a:tableStyleId>
               </a:tblPr>
               <a:tblGrid>
-                <a:gridCol w="5319443"/>
-                <a:gridCol w="6128142"/>
+                <a:gridCol w="5319443">
+                  <a:extLst>
+                    <a:ext uri="{9D8B030D-6E8A-4147-A177-3AD203B41FA5}">
+                      <a16:colId xmlns="" xmlns:a16="http://schemas.microsoft.com/office/drawing/2014/main" val="20000"/>
+                    </a:ext>
+                  </a:extLst>
+                </a:gridCol>
+                <a:gridCol w="6128142">
+                  <a:extLst>
+                    <a:ext uri="{9D8B030D-6E8A-4147-A177-3AD203B41FA5}">
+                      <a16:colId xmlns="" xmlns:a16="http://schemas.microsoft.com/office/drawing/2014/main" val="20001"/>
+                    </a:ext>
+                  </a:extLst>
+                </a:gridCol>
               </a:tblGrid>
               <a:tr h="1852620">
                 <a:tc>
@@ -5237,6 +5354,11 @@
                   </a:txBody>
                   <a:tcPr anchor="ctr"/>
                 </a:tc>
+                <a:extLst>
+                  <a:ext uri="{0D108BD9-81ED-4DB2-BD59-A6C34878D82A}">
+                    <a16:rowId xmlns="" xmlns:a16="http://schemas.microsoft.com/office/drawing/2014/main" val="10000"/>
+                  </a:ext>
+                </a:extLst>
               </a:tr>
               <a:tr h="1524129">
                 <a:tc>
@@ -5344,6 +5466,11 @@
                   </a:txBody>
                   <a:tcPr anchor="ctr"/>
                 </a:tc>
+                <a:extLst>
+                  <a:ext uri="{0D108BD9-81ED-4DB2-BD59-A6C34878D82A}">
+                    <a16:rowId xmlns="" xmlns:a16="http://schemas.microsoft.com/office/drawing/2014/main" val="10001"/>
+                  </a:ext>
+                </a:extLst>
               </a:tr>
             </a:tbl>
           </a:graphicData>
@@ -5372,7 +5499,7 @@
           <a:lstStyle/>
           <a:p>
             <a:r>
-              <a:rPr lang="fr-FR" sz="1200" dirty="0" smtClean="0">
+              <a:rPr lang="fr-FR" sz="1200" dirty="0">
                 <a:latin typeface="Corbel" panose="020B0503020204020204" pitchFamily="34" charset="0"/>
               </a:rPr>
               <a:t>Source :</a:t>
@@ -5393,7 +5520,19 @@
               <a:rPr lang="en-US" sz="1200" dirty="0">
                 <a:latin typeface="Corbel" panose="020B0503020204020204" pitchFamily="34" charset="0"/>
               </a:rPr>
-              <a:t>, E. (2021, mars). </a:t>
+              <a:t>, E. (2022, </a:t>
+            </a:r>
+            <a:r>
+              <a:rPr lang="en-US" sz="1200" dirty="0" err="1">
+                <a:latin typeface="Corbel" panose="020B0503020204020204" pitchFamily="34" charset="0"/>
+              </a:rPr>
+              <a:t>mai</a:t>
+            </a:r>
+            <a:r>
+              <a:rPr lang="en-US" sz="1200" dirty="0">
+                <a:latin typeface="Corbel" panose="020B0503020204020204" pitchFamily="34" charset="0"/>
+              </a:rPr>
+              <a:t>). </a:t>
             </a:r>
             <a:r>
               <a:rPr lang="en-US" sz="1200" i="1" dirty="0">
@@ -5435,13 +5574,6 @@
   <p:clrMapOvr>
     <a:masterClrMapping/>
   </p:clrMapOvr>
-  <p:timing>
-    <p:tnLst>
-      <p:par>
-        <p:cTn id="1" dur="indefinite" restart="never" nodeType="tmRoot"/>
-      </p:par>
-    </p:tnLst>
-  </p:timing>
 </p:sld>
 </file>
 
@@ -5483,14 +5615,13 @@
           <a:lstStyle/>
           <a:p>
             <a:r>
-              <a:rPr lang="fr-FR" dirty="0" err="1" smtClean="0"/>
+              <a:rPr lang="fr-FR" dirty="0" err="1"/>
               <a:t>MeSH</a:t>
             </a:r>
             <a:r>
-              <a:rPr lang="fr-FR" dirty="0" smtClean="0"/>
+              <a:rPr lang="fr-FR" dirty="0"/>
               <a:t> : ressources complémentaires</a:t>
             </a:r>
-            <a:endParaRPr lang="fr-FR" dirty="0"/>
           </a:p>
         </p:txBody>
       </p:sp>
@@ -5520,42 +5651,42 @@
               <a:buNone/>
             </a:pPr>
             <a:r>
-              <a:rPr lang="fr-FR" sz="2400" dirty="0" smtClean="0"/>
+              <a:rPr lang="fr-FR" sz="2400" dirty="0"/>
               <a:t>Règles d’indexation </a:t>
             </a:r>
             <a:r>
-              <a:rPr lang="fr-FR" sz="2400" dirty="0" err="1" smtClean="0"/>
+              <a:rPr lang="fr-FR" sz="2400" dirty="0" err="1"/>
               <a:t>MeSH</a:t>
             </a:r>
             <a:r>
-              <a:rPr lang="fr-FR" sz="2400" dirty="0" smtClean="0"/>
+              <a:rPr lang="fr-FR" sz="2400" dirty="0"/>
               <a:t> sur le site de </a:t>
             </a:r>
             <a:r>
-              <a:rPr lang="fr-FR" sz="2400" dirty="0" err="1" smtClean="0"/>
+              <a:rPr lang="fr-FR" sz="2400" dirty="0" err="1"/>
               <a:t>PubMed</a:t>
             </a:r>
             <a:r>
-              <a:rPr lang="fr-FR" sz="2400" dirty="0" smtClean="0"/>
+              <a:rPr lang="fr-FR" sz="2400" dirty="0"/>
               <a:t> : </a:t>
             </a:r>
             <a:r>
-              <a:rPr lang="en-US" sz="2400" dirty="0" smtClean="0">
+              <a:rPr lang="en-US" sz="2400" dirty="0">
                 <a:hlinkClick r:id="rId2"/>
               </a:rPr>
               <a:t>MEDLINE Indexing Online Training Course</a:t>
             </a:r>
             <a:r>
-              <a:rPr lang="en-US" sz="2400" dirty="0" smtClean="0"/>
+              <a:rPr lang="en-US" sz="2400" dirty="0"/>
               <a:t> &gt; The Indexing Process &gt; </a:t>
             </a:r>
             <a:r>
-              <a:rPr lang="en-US" sz="2400" dirty="0" smtClean="0">
+              <a:rPr lang="en-US" sz="2400" dirty="0">
                 <a:hlinkClick r:id="rId3"/>
               </a:rPr>
               <a:t>A Good indexer</a:t>
             </a:r>
-            <a:endParaRPr lang="en-US" sz="2400" dirty="0" smtClean="0"/>
+            <a:endParaRPr lang="en-US" sz="2400" dirty="0"/>
           </a:p>
           <a:p>
             <a:pPr lvl="1">
@@ -5593,18 +5724,7 @@
                   </a:schemeClr>
                 </a:solidFill>
               </a:rPr>
-              <a:t>index only what the article </a:t>
-            </a:r>
-            <a:r>
-              <a:rPr lang="en-US" sz="2000" i="1" dirty="0" smtClean="0">
-                <a:solidFill>
-                  <a:schemeClr val="tx1">
-                    <a:lumMod val="75000"/>
-                    <a:lumOff val="25000"/>
-                  </a:schemeClr>
-                </a:solidFill>
-              </a:rPr>
-              <a:t>says</a:t>
+              <a:t>index only what the article says</a:t>
             </a:r>
             <a:endParaRPr lang="en-US" sz="2000" dirty="0">
               <a:solidFill>
@@ -5630,10 +5750,10 @@
                   </a:schemeClr>
                 </a:solidFill>
               </a:rPr>
-              <a:t>Does not read the article word for </a:t>
-            </a:r>
-            <a:r>
-              <a:rPr lang="en-US" sz="2000" dirty="0" smtClean="0">
+              <a:t>Does not read the article word for word</a:t>
+            </a:r>
+            <a:br>
+              <a:rPr lang="en-US" sz="2000" dirty="0">
                 <a:solidFill>
                   <a:schemeClr val="tx1">
                     <a:lumMod val="75000"/>
@@ -5641,10 +5761,9 @@
                   </a:schemeClr>
                 </a:solidFill>
               </a:rPr>
-              <a:t>word</a:t>
-            </a:r>
-            <a:r>
-              <a:rPr lang="en-US" sz="2000" dirty="0">
+            </a:br>
+            <a:r>
+              <a:rPr lang="en-US" sz="2000" i="1" dirty="0">
                 <a:solidFill>
                   <a:schemeClr val="tx1">
                     <a:lumMod val="75000"/>
@@ -5652,39 +5771,7 @@
                   </a:schemeClr>
                 </a:solidFill>
               </a:rPr>
-              <a:t/>
-            </a:r>
-            <a:br>
-              <a:rPr lang="en-US" sz="2000" dirty="0">
-                <a:solidFill>
-                  <a:schemeClr val="tx1">
-                    <a:lumMod val="75000"/>
-                    <a:lumOff val="25000"/>
-                  </a:schemeClr>
-                </a:solidFill>
-              </a:rPr>
-            </a:br>
-            <a:r>
-              <a:rPr lang="en-US" sz="2000" i="1" dirty="0">
-                <a:solidFill>
-                  <a:schemeClr val="tx1">
-                    <a:lumMod val="75000"/>
-                    <a:lumOff val="25000"/>
-                  </a:schemeClr>
-                </a:solidFill>
-              </a:rPr>
-              <a:t>This takes time and does not always provide better </a:t>
-            </a:r>
-            <a:r>
-              <a:rPr lang="en-US" sz="2000" i="1" dirty="0" smtClean="0">
-                <a:solidFill>
-                  <a:schemeClr val="tx1">
-                    <a:lumMod val="75000"/>
-                    <a:lumOff val="25000"/>
-                  </a:schemeClr>
-                </a:solidFill>
-              </a:rPr>
-              <a:t>indexing</a:t>
+              <a:t>This takes time and does not always provide better indexing</a:t>
             </a:r>
             <a:endParaRPr lang="en-US" sz="2000" dirty="0">
               <a:solidFill>
@@ -5731,18 +5818,7 @@
                   </a:schemeClr>
                 </a:solidFill>
               </a:rPr>
-              <a:t>Do not attempt to correct bad science or point out </a:t>
-            </a:r>
-            <a:r>
-              <a:rPr lang="en-US" sz="2000" i="1" dirty="0" smtClean="0">
-                <a:solidFill>
-                  <a:schemeClr val="tx1">
-                    <a:lumMod val="75000"/>
-                    <a:lumOff val="25000"/>
-                  </a:schemeClr>
-                </a:solidFill>
-              </a:rPr>
-              <a:t>mistakes</a:t>
+              <a:t>Do not attempt to correct bad science or point out mistakes</a:t>
             </a:r>
             <a:endParaRPr lang="en-US" sz="2000" dirty="0">
               <a:solidFill>
@@ -5833,18 +5909,7 @@
                   </a:schemeClr>
                 </a:solidFill>
               </a:rPr>
-              <a:t>, be aware of the terms available before you request a new term or use a general </a:t>
-            </a:r>
-            <a:r>
-              <a:rPr lang="en-US" sz="2000" i="1" dirty="0" smtClean="0">
-                <a:solidFill>
-                  <a:schemeClr val="tx1">
-                    <a:lumMod val="75000"/>
-                    <a:lumOff val="25000"/>
-                  </a:schemeClr>
-                </a:solidFill>
-              </a:rPr>
-              <a:t>term</a:t>
+              <a:t>, be aware of the terms available before you request a new term or use a general term</a:t>
             </a:r>
             <a:endParaRPr lang="en-US" sz="2000" dirty="0">
               <a:solidFill>
@@ -5870,10 +5935,10 @@
                   </a:schemeClr>
                 </a:solidFill>
               </a:rPr>
-              <a:t>Always indexes using the most specific </a:t>
-            </a:r>
-            <a:r>
-              <a:rPr lang="en-US" sz="2000" dirty="0" smtClean="0">
+              <a:t>Always indexes using the most specific term</a:t>
+            </a:r>
+            <a:br>
+              <a:rPr lang="en-US" sz="2000" dirty="0">
                 <a:solidFill>
                   <a:schemeClr val="tx1">
                     <a:lumMod val="75000"/>
@@ -5881,10 +5946,9 @@
                   </a:schemeClr>
                 </a:solidFill>
               </a:rPr>
-              <a:t>term</a:t>
-            </a:r>
-            <a:r>
-              <a:rPr lang="en-US" sz="2000" dirty="0">
+            </a:br>
+            <a:r>
+              <a:rPr lang="en-US" sz="2000" i="1" dirty="0">
                 <a:solidFill>
                   <a:schemeClr val="tx1">
                     <a:lumMod val="75000"/>
@@ -5892,10 +5956,10 @@
                   </a:schemeClr>
                 </a:solidFill>
               </a:rPr>
-              <a:t/>
-            </a:r>
-            <a:br>
-              <a:rPr lang="en-US" sz="2000" dirty="0">
+              <a:t>Examine the </a:t>
+            </a:r>
+            <a:r>
+              <a:rPr lang="en-US" sz="2000" i="1" dirty="0" err="1">
                 <a:solidFill>
                   <a:schemeClr val="tx1">
                     <a:lumMod val="75000"/>
@@ -5903,7 +5967,8 @@
                   </a:schemeClr>
                 </a:solidFill>
               </a:rPr>
-            </a:br>
+              <a:t>MeSH</a:t>
+            </a:r>
             <a:r>
               <a:rPr lang="en-US" sz="2000" i="1" dirty="0">
                 <a:solidFill>
@@ -5913,31 +5978,9 @@
                   </a:schemeClr>
                 </a:solidFill>
               </a:rPr>
-              <a:t>Examine the </a:t>
-            </a:r>
-            <a:r>
-              <a:rPr lang="en-US" sz="2000" i="1" dirty="0" err="1">
-                <a:solidFill>
-                  <a:schemeClr val="tx1">
-                    <a:lumMod val="75000"/>
-                    <a:lumOff val="25000"/>
-                  </a:schemeClr>
-                </a:solidFill>
-              </a:rPr>
-              <a:t>MeSH</a:t>
-            </a:r>
-            <a:r>
-              <a:rPr lang="en-US" sz="2000" i="1" dirty="0">
-                <a:solidFill>
-                  <a:schemeClr val="tx1">
-                    <a:lumMod val="75000"/>
-                    <a:lumOff val="25000"/>
-                  </a:schemeClr>
-                </a:solidFill>
-              </a:rPr>
               <a:t> tree structure to ensure that you are using the most specific term possible </a:t>
             </a:r>
-            <a:endParaRPr lang="en-US" sz="2000" dirty="0" smtClean="0">
+            <a:endParaRPr lang="en-US" sz="2000" dirty="0">
               <a:solidFill>
                 <a:schemeClr val="tx1">
                   <a:lumMod val="75000"/>
@@ -5964,8 +6007,8 @@
           <a:lstStyle/>
           <a:p>
             <a:r>
-              <a:rPr lang="fr-FR" smtClean="0"/>
-              <a:t>F. Flamerie - Trucs et astuces de PubMed - 2021-06-10</a:t>
+              <a:rPr lang="fr-FR"/>
+              <a:t>F. Flamerie - Trucs et astuces de PubMed - 2022-05-24</a:t>
             </a:r>
             <a:endParaRPr lang="fr-FR" dirty="0"/>
           </a:p>
@@ -6005,13 +6048,6 @@
   <p:clrMapOvr>
     <a:masterClrMapping/>
   </p:clrMapOvr>
-  <p:timing>
-    <p:tnLst>
-      <p:par>
-        <p:cTn id="1" dur="indefinite" restart="never" nodeType="tmRoot"/>
-      </p:par>
-    </p:tnLst>
-  </p:timing>
 </p:sld>
 </file>
 
@@ -6053,14 +6089,13 @@
           <a:lstStyle/>
           <a:p>
             <a:r>
-              <a:rPr lang="fr-FR" dirty="0" err="1" smtClean="0"/>
+              <a:rPr lang="fr-FR" dirty="0" err="1"/>
               <a:t>MeSH</a:t>
             </a:r>
             <a:r>
-              <a:rPr lang="fr-FR" dirty="0" smtClean="0"/>
+              <a:rPr lang="fr-FR" dirty="0"/>
               <a:t> : ressources complémentaires</a:t>
             </a:r>
-            <a:endParaRPr lang="fr-FR" dirty="0"/>
           </a:p>
         </p:txBody>
       </p:sp>
@@ -6093,8 +6128,16 @@
               <a:buNone/>
             </a:pPr>
             <a:r>
-              <a:rPr lang="en-US" sz="2400" dirty="0" smtClean="0"/>
-              <a:t>Impact de la ponderation “Major topic” </a:t>
+              <a:rPr lang="en-US" sz="2400" dirty="0"/>
+              <a:t>Impact de la </a:t>
+            </a:r>
+            <a:r>
+              <a:rPr lang="en-US" sz="2400" dirty="0" err="1"/>
+              <a:t>pondération</a:t>
+            </a:r>
+            <a:r>
+              <a:rPr lang="en-US" sz="2400" dirty="0"/>
+              <a:t> “Major topic” </a:t>
             </a:r>
           </a:p>
           <a:p>
@@ -6105,23 +6148,23 @@
               <a:buNone/>
             </a:pPr>
             <a:r>
-              <a:rPr lang="en-US" sz="2400" dirty="0" smtClean="0"/>
+              <a:rPr lang="en-US" sz="2400" dirty="0"/>
               <a:t>/!\ </a:t>
             </a:r>
             <a:r>
-              <a:rPr lang="en-US" sz="2400" dirty="0" err="1" smtClean="0"/>
+              <a:rPr lang="en-US" sz="2400" dirty="0" err="1"/>
               <a:t>Cet</a:t>
             </a:r>
             <a:r>
-              <a:rPr lang="en-US" sz="2400" dirty="0" smtClean="0"/>
+              <a:rPr lang="en-US" sz="2400" dirty="0"/>
               <a:t> article </a:t>
             </a:r>
             <a:r>
-              <a:rPr lang="en-US" sz="2400" dirty="0" err="1" smtClean="0"/>
+              <a:rPr lang="en-US" sz="2400" dirty="0" err="1"/>
               <a:t>considère</a:t>
             </a:r>
             <a:r>
-              <a:rPr lang="en-US" sz="2400" dirty="0" smtClean="0"/>
+              <a:rPr lang="en-US" sz="2400" dirty="0"/>
               <a:t> MEDLINE et non PubMed </a:t>
             </a:r>
           </a:p>
@@ -6133,7 +6176,7 @@
               <a:buNone/>
             </a:pPr>
             <a:r>
-              <a:rPr lang="en-US" sz="2000" dirty="0" err="1" smtClean="0"/>
+              <a:rPr lang="en-US" sz="2000" dirty="0" err="1"/>
               <a:t>Bramer</a:t>
             </a:r>
             <a:r>
@@ -6196,7 +6239,7 @@
               <a:buNone/>
             </a:pPr>
             <a:r>
-              <a:rPr lang="en-US" sz="2000" dirty="0" smtClean="0">
+              <a:rPr lang="en-US" sz="2000" dirty="0">
                 <a:solidFill>
                   <a:schemeClr val="tx1">
                     <a:lumMod val="75000"/>
@@ -6204,18 +6247,7 @@
                   </a:schemeClr>
                 </a:solidFill>
               </a:rPr>
-              <a:t>	RESULTS</a:t>
-            </a:r>
-            <a:r>
-              <a:rPr lang="en-US" sz="2000" dirty="0">
-                <a:solidFill>
-                  <a:schemeClr val="tx1">
-                    <a:lumMod val="75000"/>
-                    <a:lumOff val="25000"/>
-                  </a:schemeClr>
-                </a:solidFill>
-              </a:rPr>
-              <a:t>: For 73 SRs, we limited </a:t>
+              <a:t>	RESULTS: For 73 SRs, we limited </a:t>
             </a:r>
             <a:r>
               <a:rPr lang="en-US" sz="2000" dirty="0" err="1">
@@ -6332,16 +6364,8 @@
           <a:lstStyle/>
           <a:p>
             <a:r>
-              <a:rPr lang="fr-FR" dirty="0" smtClean="0"/>
-              <a:t>F. Flamerie - Trucs et astuces de </a:t>
-            </a:r>
-            <a:r>
-              <a:rPr lang="fr-FR" dirty="0" err="1" smtClean="0"/>
-              <a:t>PubMed</a:t>
-            </a:r>
-            <a:r>
-              <a:rPr lang="fr-FR" dirty="0" smtClean="0"/>
-              <a:t> - 2021-06-10</a:t>
+              <a:rPr lang="fr-FR"/>
+              <a:t>F. Flamerie - Trucs et astuces de PubMed - 2022-05-24</a:t>
             </a:r>
             <a:endParaRPr lang="fr-FR" dirty="0"/>
           </a:p>
@@ -6381,13 +6405,6 @@
   <p:clrMapOvr>
     <a:masterClrMapping/>
   </p:clrMapOvr>
-  <p:timing>
-    <p:tnLst>
-      <p:par>
-        <p:cTn id="1" dur="indefinite" restart="never" nodeType="tmRoot"/>
-      </p:par>
-    </p:tnLst>
-  </p:timing>
 </p:sld>
 </file>
 
@@ -6429,10 +6446,9 @@
           <a:lstStyle/>
           <a:p>
             <a:r>
-              <a:rPr lang="fr-FR" dirty="0" smtClean="0"/>
+              <a:rPr lang="fr-FR" dirty="0"/>
               <a:t>Fonctionnalités</a:t>
             </a:r>
-            <a:endParaRPr lang="fr-FR" dirty="0"/>
           </a:p>
         </p:txBody>
       </p:sp>
@@ -6464,15 +6480,15 @@
               </a:lnSpc>
             </a:pPr>
             <a:r>
-              <a:rPr lang="fr-FR" dirty="0" smtClean="0"/>
+              <a:rPr lang="fr-FR" dirty="0"/>
               <a:t> Récapitulatifs des modifications/nouveautés dans la navigation, l’affichage, les exports, induites par le nouveau </a:t>
             </a:r>
             <a:r>
-              <a:rPr lang="fr-FR" dirty="0" err="1" smtClean="0"/>
+              <a:rPr lang="fr-FR" dirty="0" err="1"/>
               <a:t>PubMed</a:t>
             </a:r>
             <a:r>
-              <a:rPr lang="fr-FR" dirty="0" smtClean="0"/>
+              <a:rPr lang="fr-FR" dirty="0"/>
               <a:t> </a:t>
             </a:r>
           </a:p>
@@ -6483,7 +6499,7 @@
               </a:lnSpc>
             </a:pPr>
             <a:r>
-              <a:rPr lang="fr-FR" dirty="0" err="1" smtClean="0"/>
+              <a:rPr lang="fr-FR" dirty="0" err="1"/>
               <a:t>Elmers</a:t>
             </a:r>
             <a:r>
@@ -6518,15 +6534,9 @@
               <a:rPr lang="fr-FR" dirty="0">
                 <a:hlinkClick r:id="rId2"/>
               </a:rPr>
-              <a:t>https://www.bium.ch/newpubmed</a:t>
-            </a:r>
-            <a:r>
-              <a:rPr lang="fr-FR" dirty="0" smtClean="0">
-                <a:hlinkClick r:id="rId2"/>
-              </a:rPr>
-              <a:t>/</a:t>
-            </a:r>
-            <a:endParaRPr lang="fr-FR" dirty="0" smtClean="0"/>
+              <a:t>https://www.bium.ch/newpubmed/</a:t>
+            </a:r>
+            <a:endParaRPr lang="fr-FR" dirty="0"/>
           </a:p>
           <a:p>
             <a:pPr lvl="1">
@@ -6544,15 +6554,7 @@
             </a:r>
             <a:r>
               <a:rPr lang="fr-FR" dirty="0"/>
-              <a:t> : Ce qu’il faut </a:t>
-            </a:r>
-            <a:r>
-              <a:rPr lang="fr-FR" dirty="0" smtClean="0"/>
-              <a:t>savoir. </a:t>
-            </a:r>
-            <a:r>
-              <a:rPr lang="fr-FR" dirty="0"/>
-              <a:t>(2020, septembre 28). </a:t>
+              <a:t> : Ce qu’il faut savoir. (2020, septembre 28). </a:t>
             </a:r>
             <a:r>
               <a:rPr lang="fr-FR" i="1" dirty="0"/>
@@ -6566,15 +6568,9 @@
               <a:rPr lang="fr-FR" dirty="0">
                 <a:hlinkClick r:id="rId3"/>
               </a:rPr>
-              <a:t>https://www.biusante.parisdescartes.fr/blog/index.php/nouveau-pubmed-ce-quil-faut-savoir</a:t>
-            </a:r>
-            <a:r>
-              <a:rPr lang="fr-FR" dirty="0" smtClean="0">
-                <a:hlinkClick r:id="rId3"/>
-              </a:rPr>
-              <a:t>/</a:t>
-            </a:r>
-            <a:endParaRPr lang="fr-FR" dirty="0" smtClean="0"/>
+              <a:t>https://www.biusante.parisdescartes.fr/blog/index.php/nouveau-pubmed-ce-quil-faut-savoir/</a:t>
+            </a:r>
+            <a:endParaRPr lang="fr-FR" dirty="0"/>
           </a:p>
           <a:p>
             <a:pPr>
@@ -6584,17 +6580,13 @@
             </a:pPr>
             <a:r>
               <a:rPr lang="fr-FR" dirty="0"/>
-              <a:t> </a:t>
-            </a:r>
-            <a:r>
-              <a:rPr lang="fr-FR" dirty="0" smtClean="0"/>
-              <a:t>Dans la section suivante nous détaillerons les fonctionnalités liées à la recherche impactées par le nouveau </a:t>
-            </a:r>
-            <a:r>
-              <a:rPr lang="fr-FR" dirty="0" err="1" smtClean="0"/>
+              <a:t> Dans la section suivante nous détaillerons les fonctionnalités liées à la recherche impactées par le nouveau </a:t>
+            </a:r>
+            <a:r>
+              <a:rPr lang="fr-FR" dirty="0" err="1"/>
               <a:t>PubMed</a:t>
             </a:r>
-            <a:endParaRPr lang="fr-FR" dirty="0" smtClean="0"/>
+            <a:endParaRPr lang="fr-FR" dirty="0"/>
           </a:p>
           <a:p>
             <a:pPr lvl="1">
@@ -6603,30 +6595,30 @@
               </a:lnSpc>
             </a:pPr>
             <a:r>
-              <a:rPr lang="fr-FR" dirty="0" smtClean="0"/>
+              <a:rPr lang="fr-FR" dirty="0"/>
               <a:t>L’algorithme </a:t>
             </a:r>
             <a:r>
-              <a:rPr lang="fr-FR" i="1" dirty="0" err="1" smtClean="0"/>
+              <a:rPr lang="fr-FR" i="1" dirty="0" err="1"/>
               <a:t>Automatic</a:t>
             </a:r>
             <a:r>
-              <a:rPr lang="fr-FR" i="1" dirty="0" smtClean="0"/>
+              <a:rPr lang="fr-FR" i="1" dirty="0"/>
               <a:t> </a:t>
             </a:r>
             <a:r>
-              <a:rPr lang="fr-FR" i="1" dirty="0" err="1" smtClean="0"/>
+              <a:rPr lang="fr-FR" i="1" dirty="0" err="1"/>
               <a:t>Term</a:t>
             </a:r>
             <a:r>
-              <a:rPr lang="fr-FR" i="1" dirty="0" smtClean="0"/>
+              <a:rPr lang="fr-FR" i="1" dirty="0"/>
               <a:t> </a:t>
             </a:r>
             <a:r>
-              <a:rPr lang="fr-FR" i="1" dirty="0" err="1" smtClean="0"/>
+              <a:rPr lang="fr-FR" i="1" dirty="0" err="1"/>
               <a:t>Mapping</a:t>
             </a:r>
-            <a:endParaRPr lang="fr-FR" i="1" dirty="0" smtClean="0"/>
+            <a:endParaRPr lang="fr-FR" i="1" dirty="0"/>
           </a:p>
           <a:p>
             <a:pPr lvl="1">
@@ -6635,11 +6627,11 @@
               </a:lnSpc>
             </a:pPr>
             <a:r>
-              <a:rPr lang="fr-FR" dirty="0" smtClean="0"/>
+              <a:rPr lang="fr-FR" dirty="0"/>
               <a:t>L’algorithme </a:t>
             </a:r>
             <a:r>
-              <a:rPr lang="fr-FR" i="1" dirty="0" smtClean="0"/>
+              <a:rPr lang="fr-FR" i="1" dirty="0"/>
               <a:t>Best match</a:t>
             </a:r>
           </a:p>
@@ -6650,10 +6642,9 @@
               </a:lnSpc>
             </a:pPr>
             <a:r>
-              <a:rPr lang="fr-FR" dirty="0" smtClean="0"/>
+              <a:rPr lang="fr-FR" dirty="0"/>
               <a:t>La troncature</a:t>
             </a:r>
-            <a:endParaRPr lang="fr-FR" dirty="0"/>
           </a:p>
           <a:p>
             <a:pPr>
@@ -6681,8 +6672,8 @@
           <a:lstStyle/>
           <a:p>
             <a:r>
-              <a:rPr lang="fr-FR" smtClean="0"/>
-              <a:t>F. Flamerie - Trucs et astuces de PubMed - 2021-06-10</a:t>
+              <a:rPr lang="fr-FR"/>
+              <a:t>F. Flamerie - Trucs et astuces de PubMed - 2022-05-24</a:t>
             </a:r>
             <a:endParaRPr lang="fr-FR" dirty="0"/>
           </a:p>
@@ -6722,13 +6713,6 @@
   <p:clrMapOvr>
     <a:masterClrMapping/>
   </p:clrMapOvr>
-  <p:timing>
-    <p:tnLst>
-      <p:par>
-        <p:cTn id="1" dur="indefinite" restart="never" nodeType="tmRoot"/>
-      </p:par>
-    </p:tnLst>
-  </p:timing>
 </p:sld>
 </file>
 
@@ -6767,11 +6751,11 @@
           <a:lstStyle/>
           <a:p>
             <a:r>
-              <a:rPr lang="fr-FR" dirty="0" smtClean="0"/>
+              <a:rPr lang="fr-FR" dirty="0"/>
               <a:t>Chercher dans </a:t>
             </a:r>
             <a:r>
-              <a:rPr lang="fr-FR" dirty="0" err="1" smtClean="0"/>
+              <a:rPr lang="fr-FR" dirty="0" err="1"/>
               <a:t>PubMed</a:t>
             </a:r>
             <a:endParaRPr lang="fr-FR" dirty="0"/>
@@ -6796,41 +6780,40 @@
           <a:lstStyle/>
           <a:p>
             <a:r>
-              <a:rPr lang="fr-FR" dirty="0" smtClean="0"/>
+              <a:rPr lang="fr-FR" dirty="0"/>
               <a:t>3 modes de recherche, de l’automatique au manuel</a:t>
             </a:r>
           </a:p>
           <a:p>
             <a:r>
-              <a:rPr lang="fr-FR" dirty="0" smtClean="0"/>
+              <a:rPr lang="fr-FR" dirty="0"/>
               <a:t>Mode tout automatique : la recherche simple</a:t>
             </a:r>
           </a:p>
           <a:p>
             <a:r>
-              <a:rPr lang="fr-FR" dirty="0" smtClean="0"/>
+              <a:rPr lang="fr-FR" dirty="0"/>
               <a:t>Mode guidé : le </a:t>
             </a:r>
             <a:r>
-              <a:rPr lang="fr-FR" i="1" dirty="0" err="1" smtClean="0"/>
+              <a:rPr lang="fr-FR" i="1" dirty="0" err="1"/>
               <a:t>Search</a:t>
             </a:r>
             <a:r>
-              <a:rPr lang="fr-FR" i="1" dirty="0" smtClean="0"/>
+              <a:rPr lang="fr-FR" i="1" dirty="0"/>
               <a:t> </a:t>
             </a:r>
             <a:r>
-              <a:rPr lang="fr-FR" i="1" dirty="0" err="1" smtClean="0"/>
+              <a:rPr lang="fr-FR" i="1" dirty="0" err="1"/>
               <a:t>builder</a:t>
             </a:r>
-            <a:endParaRPr lang="fr-FR" i="1" dirty="0" smtClean="0"/>
-          </a:p>
-          <a:p>
-            <a:r>
-              <a:rPr lang="fr-FR" dirty="0" smtClean="0"/>
+            <a:endParaRPr lang="fr-FR" i="1" dirty="0"/>
+          </a:p>
+          <a:p>
+            <a:r>
+              <a:rPr lang="fr-FR" dirty="0"/>
               <a:t>Mode manuel</a:t>
             </a:r>
-            <a:endParaRPr lang="fr-FR" dirty="0"/>
           </a:p>
         </p:txBody>
       </p:sp>
@@ -6850,8 +6833,8 @@
           <a:lstStyle/>
           <a:p>
             <a:r>
-              <a:rPr lang="fr-FR" smtClean="0"/>
-              <a:t>F. Flamerie - Trucs et astuces de PubMed - 2021-06-10</a:t>
+              <a:rPr lang="fr-FR"/>
+              <a:t>F. Flamerie - Trucs et astuces de PubMed - 2022-05-24</a:t>
             </a:r>
             <a:endParaRPr lang="fr-FR" dirty="0"/>
           </a:p>
@@ -7180,7 +7163,7 @@
                 <a:effectLst/>
                 <a:uLnTx/>
                 <a:uFillTx/>
-                <a:latin typeface="Calibri" panose="020F0502020204030204"/>
+                <a:latin typeface="Corbel" panose="020B0503020204020204" pitchFamily="34" charset="0"/>
                 <a:ea typeface="+mn-ea"/>
                 <a:cs typeface="+mn-cs"/>
               </a:endParaRPr>
@@ -7366,7 +7349,7 @@
                 <a:effectLst/>
                 <a:uLnTx/>
                 <a:uFillTx/>
-                <a:latin typeface="Calibri" panose="020F0502020204030204"/>
+                <a:latin typeface="Corbel" panose="020B0503020204020204" pitchFamily="34" charset="0"/>
                 <a:ea typeface="+mn-ea"/>
                 <a:cs typeface="+mn-cs"/>
               </a:endParaRPr>
@@ -7384,13 +7367,6 @@
   <p:clrMapOvr>
     <a:masterClrMapping/>
   </p:clrMapOvr>
-  <p:timing>
-    <p:tnLst>
-      <p:par>
-        <p:cTn id="1" dur="indefinite" restart="never" nodeType="tmRoot"/>
-      </p:par>
-    </p:tnLst>
-  </p:timing>
 </p:sld>
 </file>
 
@@ -7432,14 +7408,13 @@
           <a:lstStyle/>
           <a:p>
             <a:r>
-              <a:rPr lang="fr-FR" dirty="0" err="1" smtClean="0"/>
+              <a:rPr lang="fr-FR" dirty="0" err="1"/>
               <a:t>PubMed</a:t>
             </a:r>
             <a:r>
-              <a:rPr lang="fr-FR" dirty="0" smtClean="0"/>
+              <a:rPr lang="fr-FR" dirty="0"/>
               <a:t> : rappel des URL d’accès</a:t>
             </a:r>
-            <a:endParaRPr lang="fr-FR" dirty="0"/>
           </a:p>
         </p:txBody>
       </p:sp>
@@ -7475,38 +7450,28 @@
               <a:t> </a:t>
             </a:r>
             <a:r>
-              <a:rPr lang="fr-FR" sz="2400" dirty="0" err="1" smtClean="0"/>
+              <a:rPr lang="fr-FR" sz="2400" dirty="0" err="1"/>
               <a:t>PubMed</a:t>
             </a:r>
             <a:r>
-              <a:rPr lang="fr-FR" sz="2400" dirty="0" smtClean="0"/>
+              <a:rPr lang="fr-FR" sz="2400" dirty="0"/>
               <a:t> </a:t>
             </a:r>
             <a:r>
-              <a:rPr lang="fr-FR" sz="2400" dirty="0" err="1" smtClean="0"/>
+              <a:rPr lang="fr-FR" sz="2400" dirty="0" err="1"/>
               <a:t>Univ</a:t>
             </a:r>
             <a:r>
-              <a:rPr lang="fr-FR" sz="2400" dirty="0" smtClean="0"/>
-              <a:t>. </a:t>
-            </a:r>
-            <a:r>
               <a:rPr lang="fr-FR" sz="2400" dirty="0"/>
-              <a:t>Bordeaux : </a:t>
+              <a:t>. Bordeaux : </a:t>
             </a:r>
             <a:r>
               <a:rPr lang="fr-FR" sz="2400" dirty="0">
                 <a:hlinkClick r:id="rId2"/>
               </a:rPr>
-              <a:t>https://www.ncbi.nlm.nih.gov/pubmed/?</a:t>
-            </a:r>
-            <a:r>
-              <a:rPr lang="fr-FR" sz="2400" dirty="0" smtClean="0">
-                <a:hlinkClick r:id="rId2"/>
-              </a:rPr>
-              <a:t>otool=ifruvsblib</a:t>
-            </a:r>
-            <a:endParaRPr lang="fr-FR" sz="2400" dirty="0" smtClean="0"/>
+              <a:t>https://www.ncbi.nlm.nih.gov/pubmed/?otool=ifruvsblib</a:t>
+            </a:r>
+            <a:endParaRPr lang="fr-FR" sz="2400" dirty="0"/>
           </a:p>
           <a:p>
             <a:pPr>
@@ -7515,36 +7480,20 @@
               </a:lnSpc>
             </a:pPr>
             <a:r>
-              <a:rPr lang="fr-FR" sz="2400" dirty="0" err="1" smtClean="0"/>
+              <a:rPr lang="fr-FR" sz="2400" dirty="0" err="1"/>
               <a:t>PubMed</a:t>
             </a:r>
             <a:r>
-              <a:rPr lang="fr-FR" sz="2400" dirty="0" smtClean="0"/>
-              <a:t> Inserm </a:t>
-            </a:r>
-            <a:r>
               <a:rPr lang="fr-FR" sz="2400" dirty="0"/>
-              <a:t>: </a:t>
-            </a:r>
-            <a:r>
-              <a:rPr lang="fr-FR" sz="2400" dirty="0" smtClean="0">
-                <a:hlinkClick r:id="rId3"/>
-              </a:rPr>
-              <a:t>https</a:t>
+              <a:t> Inserm : </a:t>
             </a:r>
             <a:r>
               <a:rPr lang="fr-FR" sz="2400" dirty="0">
                 <a:hlinkClick r:id="rId3"/>
               </a:rPr>
-              <a:t>://pubmed.ncbi.nlm.nih.gov/?</a:t>
-            </a:r>
-            <a:r>
-              <a:rPr lang="fr-FR" sz="2400" dirty="0" smtClean="0">
-                <a:hlinkClick r:id="rId3"/>
-              </a:rPr>
-              <a:t>otool=ifrinsblib</a:t>
-            </a:r>
-            <a:endParaRPr lang="fr-FR" sz="2400" dirty="0" smtClean="0"/>
+              <a:t>https://pubmed.ncbi.nlm.nih.gov/?otool=ifrinsblib</a:t>
+            </a:r>
+            <a:endParaRPr lang="fr-FR" sz="2400" dirty="0"/>
           </a:p>
           <a:p>
             <a:pPr>
@@ -7554,21 +7503,16 @@
             </a:pPr>
             <a:r>
               <a:rPr lang="fr-FR" sz="2400" dirty="0"/>
-              <a:t> </a:t>
-            </a:r>
-            <a:r>
-              <a:rPr lang="fr-FR" sz="2400" dirty="0" smtClean="0"/>
-              <a:t>Affiche les liens contextuels d’accès de l’établissement choisi – ex : </a:t>
-            </a:r>
-            <a:r>
-              <a:rPr lang="fr-FR" sz="2400" dirty="0" err="1" smtClean="0"/>
+              <a:t> Affiche les liens contextuels d’accès de l’établissement choisi - ex : </a:t>
+            </a:r>
+            <a:r>
+              <a:rPr lang="fr-FR" sz="2400" dirty="0" err="1"/>
               <a:t>univ</a:t>
             </a:r>
             <a:r>
-              <a:rPr lang="fr-FR" sz="2400" dirty="0" smtClean="0"/>
+              <a:rPr lang="fr-FR" sz="2400" dirty="0"/>
               <a:t> Bordeaux</a:t>
             </a:r>
-            <a:endParaRPr lang="fr-FR" sz="2400" dirty="0"/>
           </a:p>
         </p:txBody>
       </p:sp>
@@ -7588,10 +7532,9 @@
           <a:lstStyle/>
           <a:p>
             <a:r>
-              <a:rPr lang="fr-FR" smtClean="0"/>
-              <a:t>F. Flamerie - Trucs et astuces de PubMed - 2021-06-10</a:t>
-            </a:r>
-            <a:endParaRPr lang="fr-FR"/>
+              <a:rPr lang="fr-FR"/>
+              <a:t>F. Flamerie - Trucs et astuces de PubMed - 2022-05-24</a:t>
+            </a:r>
           </a:p>
         </p:txBody>
       </p:sp>
@@ -7690,7 +7633,9 @@
           <a:lstStyle/>
           <a:p>
             <a:pPr algn="ctr"/>
-            <a:endParaRPr lang="fr-FR"/>
+            <a:endParaRPr lang="fr-FR" dirty="0">
+              <a:latin typeface="Corbel" panose="020B0503020204020204" pitchFamily="34" charset="0"/>
+            </a:endParaRPr>
           </a:p>
         </p:txBody>
       </p:sp>
@@ -7704,13 +7649,6 @@
   <p:clrMapOvr>
     <a:masterClrMapping/>
   </p:clrMapOvr>
-  <p:timing>
-    <p:tnLst>
-      <p:par>
-        <p:cTn id="1" dur="indefinite" restart="never" nodeType="tmRoot"/>
-      </p:par>
-    </p:tnLst>
-  </p:timing>
 </p:sld>
 </file>
 
@@ -7752,14 +7690,13 @@
           <a:lstStyle/>
           <a:p>
             <a:r>
-              <a:rPr lang="fr-FR" dirty="0" err="1" smtClean="0"/>
+              <a:rPr lang="fr-FR" dirty="0" err="1"/>
               <a:t>PubMed</a:t>
             </a:r>
             <a:r>
-              <a:rPr lang="fr-FR" dirty="0" smtClean="0"/>
+              <a:rPr lang="fr-FR" dirty="0"/>
               <a:t> : 3 modes de recherche</a:t>
             </a:r>
-            <a:endParaRPr lang="fr-FR" dirty="0"/>
           </a:p>
         </p:txBody>
       </p:sp>
@@ -7791,7 +7728,7 @@
               </a:lnSpc>
             </a:pPr>
             <a:r>
-              <a:rPr lang="fr-FR" dirty="0" smtClean="0"/>
+              <a:rPr lang="fr-FR" dirty="0"/>
               <a:t>Mode </a:t>
             </a:r>
             <a:r>
@@ -7804,11 +7741,7 @@
             </a:r>
             <a:r>
               <a:rPr lang="fr-FR" dirty="0"/>
-              <a:t>: la recherche </a:t>
-            </a:r>
-            <a:r>
-              <a:rPr lang="fr-FR" dirty="0" smtClean="0"/>
-              <a:t>simple</a:t>
+              <a:t>: la recherche simple</a:t>
             </a:r>
           </a:p>
           <a:p>
@@ -7818,35 +7751,35 @@
               </a:lnSpc>
             </a:pPr>
             <a:r>
-              <a:rPr lang="fr-FR" dirty="0" smtClean="0"/>
+              <a:rPr lang="fr-FR" dirty="0"/>
               <a:t>C’est l’algorithme </a:t>
             </a:r>
             <a:r>
-              <a:rPr lang="fr-FR" i="1" dirty="0" err="1" smtClean="0"/>
+              <a:rPr lang="fr-FR" i="1" dirty="0" err="1"/>
               <a:t>Automatic</a:t>
             </a:r>
             <a:r>
-              <a:rPr lang="fr-FR" i="1" dirty="0" smtClean="0"/>
+              <a:rPr lang="fr-FR" i="1" dirty="0"/>
               <a:t>  </a:t>
             </a:r>
             <a:r>
-              <a:rPr lang="fr-FR" i="1" dirty="0" err="1" smtClean="0"/>
+              <a:rPr lang="fr-FR" i="1" dirty="0" err="1"/>
               <a:t>Term</a:t>
             </a:r>
             <a:r>
-              <a:rPr lang="fr-FR" i="1" dirty="0" smtClean="0"/>
+              <a:rPr lang="fr-FR" i="1" dirty="0"/>
               <a:t> </a:t>
             </a:r>
             <a:r>
-              <a:rPr lang="fr-FR" i="1" dirty="0" err="1" smtClean="0"/>
+              <a:rPr lang="fr-FR" i="1" dirty="0" err="1"/>
               <a:t>Mapping</a:t>
             </a:r>
             <a:r>
-              <a:rPr lang="fr-FR" i="1" dirty="0" smtClean="0"/>
+              <a:rPr lang="fr-FR" i="1" dirty="0"/>
               <a:t> </a:t>
             </a:r>
             <a:r>
-              <a:rPr lang="fr-FR" dirty="0" smtClean="0"/>
+              <a:rPr lang="fr-FR" dirty="0"/>
               <a:t>qui construit la requête en interprétant les mots saisis dans la boîte de recherche</a:t>
             </a:r>
           </a:p>
@@ -7857,10 +7790,9 @@
               </a:lnSpc>
             </a:pPr>
             <a:r>
-              <a:rPr lang="fr-FR" dirty="0" smtClean="0"/>
+              <a:rPr lang="fr-FR" dirty="0"/>
               <a:t>Cet algorithme est désactivé par l’usage de la troncature, des guillemets ou des codes de champs</a:t>
             </a:r>
-            <a:endParaRPr lang="fr-FR" dirty="0"/>
           </a:p>
           <a:p>
             <a:pPr>
@@ -7885,18 +7817,18 @@
               <a:t> : le </a:t>
             </a:r>
             <a:r>
-              <a:rPr lang="fr-FR" i="1" dirty="0" err="1" smtClean="0"/>
+              <a:rPr lang="fr-FR" i="1" dirty="0" err="1"/>
               <a:t>Search</a:t>
             </a:r>
             <a:r>
-              <a:rPr lang="fr-FR" i="1" dirty="0" smtClean="0"/>
+              <a:rPr lang="fr-FR" i="1" dirty="0"/>
               <a:t> </a:t>
             </a:r>
             <a:r>
-              <a:rPr lang="fr-FR" i="1" dirty="0" err="1" smtClean="0"/>
+              <a:rPr lang="fr-FR" i="1" dirty="0" err="1"/>
               <a:t>builder</a:t>
             </a:r>
-            <a:endParaRPr lang="fr-FR" i="1" dirty="0" smtClean="0"/>
+            <a:endParaRPr lang="fr-FR" i="1" dirty="0"/>
           </a:p>
           <a:p>
             <a:pPr lvl="1">
@@ -7905,22 +7837,22 @@
               </a:lnSpc>
             </a:pPr>
             <a:r>
-              <a:rPr lang="fr-FR" dirty="0" smtClean="0"/>
+              <a:rPr lang="fr-FR" dirty="0"/>
               <a:t>Accessible depuis </a:t>
             </a:r>
             <a:r>
-              <a:rPr lang="fr-FR" dirty="0" err="1" smtClean="0"/>
+              <a:rPr lang="fr-FR" dirty="0" err="1"/>
               <a:t>PubMed</a:t>
             </a:r>
             <a:r>
-              <a:rPr lang="fr-FR" dirty="0" smtClean="0"/>
+              <a:rPr lang="fr-FR" dirty="0"/>
               <a:t> et le </a:t>
             </a:r>
             <a:r>
-              <a:rPr lang="fr-FR" dirty="0" err="1" smtClean="0"/>
+              <a:rPr lang="fr-FR" dirty="0" err="1"/>
               <a:t>MeSH</a:t>
             </a:r>
-            <a:endParaRPr lang="fr-FR" dirty="0" smtClean="0"/>
+            <a:endParaRPr lang="fr-FR" dirty="0"/>
           </a:p>
           <a:p>
             <a:pPr lvl="1">
@@ -7929,10 +7861,9 @@
               </a:lnSpc>
             </a:pPr>
             <a:r>
-              <a:rPr lang="fr-FR" dirty="0" smtClean="0"/>
+              <a:rPr lang="fr-FR" dirty="0"/>
               <a:t>Permet de spécifier les champs interrogés, de combiner des requêtes existantes</a:t>
             </a:r>
-            <a:endParaRPr lang="fr-FR" dirty="0"/>
           </a:p>
           <a:p>
             <a:pPr>
@@ -7945,7 +7876,7 @@
               <a:t>Mode </a:t>
             </a:r>
             <a:r>
-              <a:rPr lang="fr-FR" dirty="0" smtClean="0">
+              <a:rPr lang="fr-FR" dirty="0">
                 <a:solidFill>
                   <a:srgbClr val="009DE0"/>
                 </a:solidFill>
@@ -7953,7 +7884,7 @@
               <a:t>manuel</a:t>
             </a:r>
             <a:r>
-              <a:rPr lang="fr-FR" dirty="0" smtClean="0"/>
+              <a:rPr lang="fr-FR" dirty="0"/>
               <a:t> : création ou modification manuelle d’une équation de recherche </a:t>
             </a:r>
           </a:p>
@@ -7964,46 +7895,45 @@
               </a:lnSpc>
             </a:pPr>
             <a:r>
-              <a:rPr lang="fr-FR" dirty="0" smtClean="0"/>
+              <a:rPr lang="fr-FR" dirty="0"/>
               <a:t>Permet d’ajouter des critères non proposés par le formulaire du </a:t>
             </a:r>
             <a:r>
-              <a:rPr lang="fr-FR" i="1" dirty="0" err="1" smtClean="0"/>
+              <a:rPr lang="fr-FR" i="1" dirty="0" err="1"/>
               <a:t>Search</a:t>
             </a:r>
             <a:r>
-              <a:rPr lang="fr-FR" i="1" dirty="0" smtClean="0"/>
+              <a:rPr lang="fr-FR" i="1" dirty="0"/>
               <a:t> </a:t>
             </a:r>
             <a:r>
-              <a:rPr lang="fr-FR" i="1" dirty="0" err="1" smtClean="0"/>
+              <a:rPr lang="fr-FR" i="1" dirty="0" err="1"/>
               <a:t>builder</a:t>
             </a:r>
             <a:r>
-              <a:rPr lang="fr-FR" i="1" dirty="0" smtClean="0"/>
+              <a:rPr lang="fr-FR" i="1" dirty="0"/>
               <a:t> </a:t>
             </a:r>
             <a:r>
-              <a:rPr lang="fr-FR" dirty="0" smtClean="0"/>
+              <a:rPr lang="fr-FR" dirty="0"/>
               <a:t>; par exemple le critère </a:t>
             </a:r>
             <a:r>
-              <a:rPr lang="fr-FR" dirty="0" err="1" smtClean="0"/>
+              <a:rPr lang="fr-FR" dirty="0" err="1"/>
               <a:t>subset</a:t>
             </a:r>
             <a:r>
-              <a:rPr lang="fr-FR" dirty="0" smtClean="0"/>
+              <a:rPr lang="fr-FR" dirty="0"/>
               <a:t> [</a:t>
             </a:r>
             <a:r>
-              <a:rPr lang="fr-FR" dirty="0" err="1" smtClean="0"/>
+              <a:rPr lang="fr-FR" dirty="0" err="1"/>
               <a:t>sb</a:t>
             </a:r>
             <a:r>
-              <a:rPr lang="fr-FR" dirty="0" smtClean="0"/>
+              <a:rPr lang="fr-FR" dirty="0"/>
               <a:t>]</a:t>
             </a:r>
-            <a:endParaRPr lang="fr-FR" dirty="0"/>
           </a:p>
         </p:txBody>
       </p:sp>
@@ -8023,10 +7953,9 @@
           <a:lstStyle/>
           <a:p>
             <a:r>
-              <a:rPr lang="fr-FR" smtClean="0"/>
-              <a:t>F. Flamerie - Trucs et astuces de PubMed - 2021-06-10</a:t>
-            </a:r>
-            <a:endParaRPr lang="fr-FR"/>
+              <a:rPr lang="fr-FR"/>
+              <a:t>F. Flamerie - Trucs et astuces de PubMed - 2022-05-24</a:t>
+            </a:r>
           </a:p>
         </p:txBody>
       </p:sp>
@@ -8137,7 +8066,7 @@
                 <a:effectLst/>
                 <a:uLnTx/>
                 <a:uFillTx/>
-                <a:latin typeface="Calibri" panose="020F0502020204030204"/>
+                <a:latin typeface="Corbel" panose="020B0503020204020204" pitchFamily="34" charset="0"/>
                 <a:ea typeface="+mn-ea"/>
                 <a:cs typeface="+mn-cs"/>
               </a:endParaRPr>
@@ -8431,7 +8360,7 @@
                 <a:effectLst/>
                 <a:uLnTx/>
                 <a:uFillTx/>
-                <a:latin typeface="Calibri" panose="020F0502020204030204"/>
+                <a:latin typeface="Corbel" panose="020B0503020204020204" pitchFamily="34" charset="0"/>
                 <a:ea typeface="+mn-ea"/>
                 <a:cs typeface="+mn-cs"/>
               </a:endParaRPr>
@@ -8449,13 +8378,6 @@
   <p:clrMapOvr>
     <a:masterClrMapping/>
   </p:clrMapOvr>
-  <p:timing>
-    <p:tnLst>
-      <p:par>
-        <p:cTn id="1" dur="indefinite" restart="never" nodeType="tmRoot"/>
-      </p:par>
-    </p:tnLst>
-  </p:timing>
 </p:sld>
 </file>
 
@@ -8492,10 +8414,9 @@
           <a:lstStyle/>
           <a:p>
             <a:r>
-              <a:rPr lang="fr-FR" dirty="0" smtClean="0"/>
+              <a:rPr lang="fr-FR" dirty="0"/>
               <a:t>Mode 1 : la recherche simple</a:t>
             </a:r>
-            <a:endParaRPr lang="fr-FR" dirty="0"/>
           </a:p>
         </p:txBody>
       </p:sp>
@@ -8531,12 +8452,8 @@
               <a:defRPr/>
             </a:pPr>
             <a:r>
-              <a:rPr lang="fr-FR" dirty="0" smtClean="0"/>
-              <a:t> Dans </a:t>
-            </a:r>
-            <a:r>
               <a:rPr lang="fr-FR" dirty="0"/>
-              <a:t>ce mode de recherche, </a:t>
+              <a:t> Dans ce mode de recherche, </a:t>
             </a:r>
             <a:r>
               <a:rPr lang="fr-FR" dirty="0" err="1"/>
@@ -8544,11 +8461,7 @@
             </a:r>
             <a:r>
               <a:rPr lang="fr-FR" dirty="0"/>
-              <a:t> cherche automatiquement une correspondance avec les termes </a:t>
-            </a:r>
-            <a:r>
-              <a:rPr lang="fr-FR" dirty="0" smtClean="0"/>
-              <a:t>saisis :</a:t>
+              <a:t> cherche automatiquement une correspondance avec les termes saisis :</a:t>
             </a:r>
           </a:p>
           <a:p>
@@ -8562,12 +8475,8 @@
               <a:defRPr/>
             </a:pPr>
             <a:r>
-              <a:rPr lang="fr-FR" dirty="0" smtClean="0"/>
-              <a:t>dans </a:t>
-            </a:r>
-            <a:r>
               <a:rPr lang="fr-FR" dirty="0"/>
-              <a:t>le </a:t>
+              <a:t>dans le </a:t>
             </a:r>
             <a:r>
               <a:rPr lang="fr-FR" dirty="0" err="1">
@@ -8581,7 +8490,6 @@
               <a:rPr lang="fr-FR" dirty="0"/>
               <a:t>, </a:t>
             </a:r>
-            <a:endParaRPr lang="fr-FR" dirty="0" smtClean="0"/>
           </a:p>
           <a:p>
             <a:pPr lvl="1">
@@ -8594,12 +8502,8 @@
               <a:defRPr/>
             </a:pPr>
             <a:r>
-              <a:rPr lang="fr-FR" dirty="0" smtClean="0"/>
-              <a:t>puis </a:t>
-            </a:r>
-            <a:r>
               <a:rPr lang="fr-FR" dirty="0"/>
-              <a:t>dans l’index des </a:t>
+              <a:t>puis dans l’index des </a:t>
             </a:r>
             <a:r>
               <a:rPr lang="fr-FR" dirty="0">
@@ -8613,7 +8517,6 @@
               <a:rPr lang="fr-FR" dirty="0"/>
               <a:t>, </a:t>
             </a:r>
-            <a:endParaRPr lang="fr-FR" dirty="0" smtClean="0"/>
           </a:p>
           <a:p>
             <a:pPr lvl="1">
@@ -8626,12 +8529,8 @@
               <a:defRPr/>
             </a:pPr>
             <a:r>
-              <a:rPr lang="fr-FR" dirty="0" smtClean="0"/>
-              <a:t>puis </a:t>
-            </a:r>
-            <a:r>
               <a:rPr lang="fr-FR" dirty="0"/>
-              <a:t>dans l’index des </a:t>
+              <a:t>puis dans l’index des </a:t>
             </a:r>
             <a:r>
               <a:rPr lang="fr-FR" dirty="0">
@@ -8656,11 +8555,7 @@
             </a:pPr>
             <a:r>
               <a:rPr lang="fr-FR" dirty="0"/>
-              <a:t>La recherche est lancée en </a:t>
-            </a:r>
-            <a:r>
-              <a:rPr lang="fr-FR" dirty="0" smtClean="0"/>
-              <a:t>plus </a:t>
+              <a:t>La recherche est lancée en plus </a:t>
             </a:r>
             <a:r>
               <a:rPr lang="fr-FR" dirty="0">
@@ -8672,11 +8567,7 @@
             </a:r>
             <a:r>
               <a:rPr lang="fr-FR" dirty="0"/>
-              <a:t> (résumé, auteur, etc</a:t>
-            </a:r>
-            <a:r>
-              <a:rPr lang="fr-FR" dirty="0" smtClean="0"/>
-              <a:t>.). </a:t>
+              <a:t> (résumé, auteur, etc.). </a:t>
             </a:r>
           </a:p>
           <a:p>
@@ -8686,15 +8577,15 @@
               </a:lnSpc>
             </a:pPr>
             <a:r>
-              <a:rPr lang="fr-FR" dirty="0" smtClean="0"/>
+              <a:rPr lang="fr-FR" dirty="0"/>
               <a:t> Dans le nouveau </a:t>
             </a:r>
             <a:r>
-              <a:rPr lang="fr-FR" dirty="0" err="1" smtClean="0"/>
+              <a:rPr lang="fr-FR" dirty="0" err="1"/>
               <a:t>PubMed</a:t>
             </a:r>
             <a:r>
-              <a:rPr lang="fr-FR" dirty="0" smtClean="0"/>
+              <a:rPr lang="fr-FR" dirty="0"/>
               <a:t>, l’ATM a été enrichi pour prendre notamment en compte :</a:t>
             </a:r>
           </a:p>
@@ -8705,16 +8596,8 @@
               </a:lnSpc>
             </a:pPr>
             <a:r>
-              <a:rPr lang="fr-FR" dirty="0" smtClean="0"/>
-              <a:t>davantage </a:t>
-            </a:r>
-            <a:r>
               <a:rPr lang="fr-FR" dirty="0"/>
-              <a:t>de variations et de </a:t>
-            </a:r>
-            <a:r>
-              <a:rPr lang="fr-FR" dirty="0" smtClean="0"/>
-              <a:t>synonymes,</a:t>
+              <a:t>davantage de variations et de synonymes,</a:t>
             </a:r>
           </a:p>
           <a:p>
@@ -8724,7 +8607,7 @@
               </a:lnSpc>
             </a:pPr>
             <a:r>
-              <a:rPr lang="fr-FR" dirty="0" smtClean="0"/>
+              <a:rPr lang="fr-FR" dirty="0"/>
               <a:t>les variations singulier/pluriel,</a:t>
             </a:r>
           </a:p>
@@ -8735,16 +8618,8 @@
               </a:lnSpc>
             </a:pPr>
             <a:r>
-              <a:rPr lang="fr-FR" dirty="0" smtClean="0"/>
-              <a:t>les </a:t>
-            </a:r>
-            <a:r>
               <a:rPr lang="fr-FR" dirty="0"/>
-              <a:t>équivalents anglais et américains d’un même </a:t>
-            </a:r>
-            <a:r>
-              <a:rPr lang="fr-FR" dirty="0" smtClean="0"/>
-              <a:t>mot.</a:t>
+              <a:t>les équivalents anglais et américains d’un même mot.</a:t>
             </a:r>
           </a:p>
           <a:p>
@@ -8754,18 +8629,18 @@
               </a:lnSpc>
             </a:pPr>
             <a:r>
-              <a:rPr lang="fr-FR" dirty="0" smtClean="0">
+              <a:rPr lang="fr-FR" dirty="0">
                 <a:hlinkClick r:id="rId2"/>
               </a:rPr>
               <a:t> En savoir plus sur l’ATM sur le site de </a:t>
             </a:r>
             <a:r>
-              <a:rPr lang="fr-FR" dirty="0" err="1" smtClean="0">
+              <a:rPr lang="fr-FR" dirty="0" err="1">
                 <a:hlinkClick r:id="rId2"/>
               </a:rPr>
               <a:t>PubMed</a:t>
             </a:r>
-            <a:endParaRPr lang="fr-FR" dirty="0" smtClean="0"/>
+            <a:endParaRPr lang="fr-FR" dirty="0"/>
           </a:p>
           <a:p>
             <a:pPr marL="0" indent="0">
@@ -8803,8 +8678,8 @@
           <a:lstStyle/>
           <a:p>
             <a:r>
-              <a:rPr lang="fr-FR" smtClean="0"/>
-              <a:t>F. Flamerie - Trucs et astuces de PubMed - 2021-06-10</a:t>
+              <a:rPr lang="fr-FR"/>
+              <a:t>F. Flamerie - Trucs et astuces de PubMed - 2022-05-24</a:t>
             </a:r>
             <a:endParaRPr lang="fr-FR" dirty="0"/>
           </a:p>
@@ -8844,13 +8719,6 @@
   <p:clrMapOvr>
     <a:masterClrMapping/>
   </p:clrMapOvr>
-  <p:timing>
-    <p:tnLst>
-      <p:par>
-        <p:cTn id="1" dur="indefinite" restart="never" nodeType="tmRoot"/>
-      </p:par>
-    </p:tnLst>
-  </p:timing>
 </p:sld>
 </file>
 
@@ -8892,10 +8760,9 @@
           <a:lstStyle/>
           <a:p>
             <a:r>
-              <a:rPr lang="fr-FR" dirty="0" smtClean="0"/>
+              <a:rPr lang="fr-FR" dirty="0"/>
               <a:t>Programme</a:t>
             </a:r>
-            <a:endParaRPr lang="fr-FR" dirty="0"/>
           </a:p>
         </p:txBody>
       </p:sp>
@@ -8942,22 +8809,18 @@
             </a:r>
             <a:r>
               <a:rPr lang="fr-FR" sz="2000" i="1" dirty="0"/>
-              <a:t>, des fonctionnalités de l’interface et des principales nouveautés introduites en 2020</a:t>
-            </a:r>
-            <a:r>
-              <a:rPr lang="fr-FR" sz="2000" i="1" dirty="0" smtClean="0"/>
-              <a:t>.</a:t>
+              <a:t>, des fonctionnalités de l’interface et des principales nouveautés introduites en 2020.</a:t>
             </a:r>
           </a:p>
           <a:p>
             <a:pPr marL="0" indent="0">
               <a:buNone/>
             </a:pPr>
-            <a:endParaRPr lang="fr-FR" sz="2000" i="1" dirty="0" smtClean="0"/>
-          </a:p>
-          <a:p>
-            <a:r>
-              <a:rPr lang="fr-FR" dirty="0" smtClean="0"/>
+            <a:endParaRPr lang="fr-FR" sz="2000" i="1" dirty="0"/>
+          </a:p>
+          <a:p>
+            <a:r>
+              <a:rPr lang="fr-FR" dirty="0"/>
               <a:t> </a:t>
             </a:r>
             <a:r>
@@ -8970,33 +8833,13 @@
             </a:r>
             <a:r>
               <a:rPr lang="fr-FR" sz="3600" dirty="0"/>
-              <a:t> : </a:t>
-            </a:r>
-            <a:r>
-              <a:rPr lang="fr-FR" sz="3600" dirty="0" smtClean="0"/>
-              <a:t>couverture </a:t>
-            </a:r>
+              <a:t> : couverture et fonctionnalités</a:t>
+            </a:r>
+          </a:p>
+          <a:p>
             <a:r>
               <a:rPr lang="fr-FR" sz="3600" dirty="0"/>
-              <a:t>et </a:t>
-            </a:r>
-            <a:r>
-              <a:rPr lang="fr-FR" sz="3600" dirty="0" smtClean="0"/>
-              <a:t>fonctionnalités</a:t>
-            </a:r>
-          </a:p>
-          <a:p>
-            <a:r>
-              <a:rPr lang="fr-FR" sz="3600" dirty="0"/>
-              <a:t> </a:t>
-            </a:r>
-            <a:r>
-              <a:rPr lang="fr-FR" sz="3600" dirty="0" smtClean="0"/>
-              <a:t>Rechercher </a:t>
-            </a:r>
-            <a:r>
-              <a:rPr lang="fr-FR" sz="3600" dirty="0"/>
-              <a:t>dans </a:t>
+              <a:t> Rechercher dans </a:t>
             </a:r>
             <a:r>
               <a:rPr lang="fr-FR" sz="3600" dirty="0" err="1"/>
@@ -9009,7 +8852,7 @@
           </a:p>
           <a:p>
             <a:r>
-              <a:rPr lang="fr-FR" sz="3600" dirty="0" smtClean="0"/>
+              <a:rPr lang="fr-FR" sz="3600" dirty="0"/>
               <a:t> Miscellanées</a:t>
             </a:r>
           </a:p>
@@ -9031,8 +8874,8 @@
           <a:lstStyle/>
           <a:p>
             <a:r>
-              <a:rPr lang="fr-FR" smtClean="0"/>
-              <a:t>F. Flamerie - Trucs et astuces de PubMed - 2021-06-10</a:t>
+              <a:rPr lang="fr-FR"/>
+              <a:t>F. Flamerie - Trucs et astuces de PubMed - 2022-05-24</a:t>
             </a:r>
             <a:endParaRPr lang="fr-FR" dirty="0"/>
           </a:p>
@@ -9071,13 +8914,6 @@
   <p:clrMapOvr>
     <a:masterClrMapping/>
   </p:clrMapOvr>
-  <p:timing>
-    <p:tnLst>
-      <p:par>
-        <p:cTn id="1" dur="indefinite" restart="never" nodeType="tmRoot"/>
-      </p:par>
-    </p:tnLst>
-  </p:timing>
 </p:sld>
 </file>
 
@@ -9119,10 +8955,9 @@
           <a:lstStyle/>
           <a:p>
             <a:r>
-              <a:rPr lang="fr-FR" dirty="0" smtClean="0"/>
+              <a:rPr lang="fr-FR" dirty="0"/>
               <a:t>Mode 1 : la recherche simple</a:t>
             </a:r>
-            <a:endParaRPr lang="fr-FR" dirty="0"/>
           </a:p>
         </p:txBody>
       </p:sp>
@@ -9156,54 +8991,54 @@
               <a:defRPr/>
             </a:pPr>
             <a:r>
-              <a:rPr lang="fr-FR" dirty="0" smtClean="0"/>
+              <a:rPr lang="fr-FR" dirty="0"/>
               <a:t>Dans le nouveau </a:t>
             </a:r>
             <a:r>
-              <a:rPr lang="fr-FR" dirty="0" err="1" smtClean="0"/>
+              <a:rPr lang="fr-FR" dirty="0" err="1"/>
               <a:t>PubMed</a:t>
             </a:r>
             <a:r>
-              <a:rPr lang="fr-FR" dirty="0" smtClean="0"/>
+              <a:rPr lang="fr-FR" dirty="0"/>
               <a:t>, les détails d’une requête sont accessibles depuis l’historique de recherche : </a:t>
             </a:r>
             <a:r>
-              <a:rPr lang="fr-FR" i="1" dirty="0" smtClean="0"/>
+              <a:rPr lang="fr-FR" i="1" dirty="0"/>
               <a:t>Advanced</a:t>
             </a:r>
             <a:r>
-              <a:rPr lang="fr-FR" dirty="0" smtClean="0"/>
+              <a:rPr lang="fr-FR" dirty="0"/>
               <a:t> &gt; </a:t>
             </a:r>
             <a:r>
-              <a:rPr lang="fr-FR" i="1" dirty="0" err="1" smtClean="0"/>
+              <a:rPr lang="fr-FR" i="1" dirty="0" err="1"/>
               <a:t>History</a:t>
             </a:r>
             <a:r>
-              <a:rPr lang="fr-FR" i="1" dirty="0" smtClean="0"/>
+              <a:rPr lang="fr-FR" i="1" dirty="0"/>
               <a:t> and </a:t>
             </a:r>
             <a:r>
-              <a:rPr lang="fr-FR" i="1" dirty="0" err="1" smtClean="0"/>
+              <a:rPr lang="fr-FR" i="1" dirty="0" err="1"/>
               <a:t>search</a:t>
             </a:r>
             <a:r>
-              <a:rPr lang="fr-FR" i="1" dirty="0" smtClean="0"/>
+              <a:rPr lang="fr-FR" i="1" dirty="0"/>
               <a:t> </a:t>
             </a:r>
             <a:r>
-              <a:rPr lang="fr-FR" i="1" dirty="0" err="1" smtClean="0"/>
+              <a:rPr lang="fr-FR" i="1" dirty="0" err="1"/>
               <a:t>details</a:t>
             </a:r>
             <a:r>
-              <a:rPr lang="fr-FR" i="1" dirty="0" smtClean="0"/>
+              <a:rPr lang="fr-FR" i="1" dirty="0"/>
               <a:t> &gt; </a:t>
             </a:r>
             <a:r>
-              <a:rPr lang="fr-FR" i="1" dirty="0" err="1" smtClean="0"/>
+              <a:rPr lang="fr-FR" i="1" dirty="0" err="1"/>
               <a:t>Details</a:t>
             </a:r>
-            <a:endParaRPr lang="fr-FR" dirty="0" smtClean="0"/>
+            <a:endParaRPr lang="fr-FR" dirty="0"/>
           </a:p>
           <a:p>
             <a:pPr marL="0" indent="0">
@@ -9233,8 +9068,8 @@
           <a:lstStyle/>
           <a:p>
             <a:r>
-              <a:rPr lang="fr-FR" smtClean="0"/>
-              <a:t>F. Flamerie - Trucs et astuces de PubMed - 2021-06-10</a:t>
+              <a:rPr lang="fr-FR"/>
+              <a:t>F. Flamerie - Trucs et astuces de PubMed - 2022-05-24</a:t>
             </a:r>
             <a:endParaRPr lang="fr-FR" dirty="0"/>
           </a:p>
@@ -9337,7 +9172,9 @@
           <a:lstStyle/>
           <a:p>
             <a:pPr algn="ctr"/>
-            <a:endParaRPr lang="fr-FR"/>
+            <a:endParaRPr lang="fr-FR" dirty="0">
+              <a:latin typeface="Corbel" panose="020B0503020204020204" pitchFamily="34" charset="0"/>
+            </a:endParaRPr>
           </a:p>
         </p:txBody>
       </p:sp>
@@ -9351,13 +9188,6 @@
   <p:clrMapOvr>
     <a:masterClrMapping/>
   </p:clrMapOvr>
-  <p:timing>
-    <p:tnLst>
-      <p:par>
-        <p:cTn id="1" dur="indefinite" restart="never" nodeType="tmRoot"/>
-      </p:par>
-    </p:tnLst>
-  </p:timing>
 </p:sld>
 </file>
 
@@ -9399,19 +9229,19 @@
           <a:lstStyle/>
           <a:p>
             <a:r>
-              <a:rPr lang="fr-FR" dirty="0" smtClean="0"/>
+              <a:rPr lang="fr-FR" dirty="0"/>
               <a:t>Mode 2 : le </a:t>
             </a:r>
             <a:r>
-              <a:rPr lang="fr-FR" i="1" dirty="0" err="1" smtClean="0"/>
+              <a:rPr lang="fr-FR" i="1" dirty="0" err="1"/>
               <a:t>Search</a:t>
             </a:r>
             <a:r>
-              <a:rPr lang="fr-FR" i="1" dirty="0" smtClean="0"/>
+              <a:rPr lang="fr-FR" i="1" dirty="0"/>
               <a:t> </a:t>
             </a:r>
             <a:r>
-              <a:rPr lang="fr-FR" i="1" dirty="0" err="1" smtClean="0"/>
+              <a:rPr lang="fr-FR" i="1" dirty="0" err="1"/>
               <a:t>builder</a:t>
             </a:r>
             <a:endParaRPr lang="fr-FR" i="1" dirty="0"/>
@@ -9439,62 +9269,60 @@
           <a:lstStyle/>
           <a:p>
             <a:r>
-              <a:rPr lang="fr-FR" dirty="0" smtClean="0"/>
+              <a:rPr lang="fr-FR" dirty="0"/>
               <a:t> Construire une équation de recherche</a:t>
             </a:r>
           </a:p>
           <a:p>
             <a:pPr lvl="1"/>
             <a:r>
-              <a:rPr lang="fr-FR" dirty="0" smtClean="0"/>
+              <a:rPr lang="fr-FR" dirty="0"/>
               <a:t>En choisissant les champs interrogés ; le système génère et positionne correctement les parenthèses et les opérateurs booléens</a:t>
             </a:r>
           </a:p>
           <a:p>
             <a:pPr lvl="1"/>
             <a:r>
-              <a:rPr lang="fr-FR" dirty="0" smtClean="0"/>
+              <a:rPr lang="fr-FR" dirty="0"/>
               <a:t>En combinant des équations de recherche</a:t>
             </a:r>
+          </a:p>
+          <a:p>
+            <a:r>
+              <a:rPr lang="fr-FR" dirty="0"/>
+              <a:t>Toujours disponible : </a:t>
+            </a:r>
+            <a:r>
+              <a:rPr lang="fr-FR" i="1" dirty="0" err="1"/>
+              <a:t>Add</a:t>
+            </a:r>
+            <a:r>
+              <a:rPr lang="fr-FR" i="1" dirty="0"/>
+              <a:t> to </a:t>
+            </a:r>
+            <a:r>
+              <a:rPr lang="fr-FR" i="1" dirty="0" err="1"/>
+              <a:t>history</a:t>
+            </a:r>
+            <a:r>
+              <a:rPr lang="fr-FR" i="1" dirty="0"/>
+              <a:t> </a:t>
+            </a:r>
+            <a:r>
+              <a:rPr lang="fr-FR" dirty="0"/>
+              <a:t>plutôt que </a:t>
+            </a:r>
+            <a:r>
+              <a:rPr lang="fr-FR" i="1" dirty="0" err="1"/>
+              <a:t>Search</a:t>
+            </a:r>
+            <a:r>
+              <a:rPr lang="fr-FR" dirty="0"/>
+              <a:t> pour afficher seulement le nombre de résultats d’une requête et non la liste des résultats</a:t>
+            </a:r>
+          </a:p>
+          <a:p>
             <a:endParaRPr lang="fr-FR" dirty="0"/>
-          </a:p>
-          <a:p>
-            <a:r>
-              <a:rPr lang="fr-FR" dirty="0" smtClean="0"/>
-              <a:t>Toujours disponible : </a:t>
-            </a:r>
-            <a:r>
-              <a:rPr lang="fr-FR" i="1" dirty="0" err="1" smtClean="0"/>
-              <a:t>Add</a:t>
-            </a:r>
-            <a:r>
-              <a:rPr lang="fr-FR" i="1" dirty="0" smtClean="0"/>
-              <a:t> to </a:t>
-            </a:r>
-            <a:r>
-              <a:rPr lang="fr-FR" i="1" dirty="0" err="1" smtClean="0"/>
-              <a:t>history</a:t>
-            </a:r>
-            <a:r>
-              <a:rPr lang="fr-FR" i="1" dirty="0" smtClean="0"/>
-              <a:t> </a:t>
-            </a:r>
-            <a:r>
-              <a:rPr lang="fr-FR" dirty="0" smtClean="0"/>
-              <a:t>plutôt que </a:t>
-            </a:r>
-            <a:r>
-              <a:rPr lang="fr-FR" i="1" dirty="0" err="1" smtClean="0"/>
-              <a:t>Search</a:t>
-            </a:r>
-            <a:r>
-              <a:rPr lang="fr-FR" dirty="0" smtClean="0"/>
-              <a:t> pour afficher seulement le nombre de résultats d’une requête et non la liste des résultats</a:t>
-            </a:r>
-            <a:endParaRPr lang="fr-FR" dirty="0"/>
-          </a:p>
-          <a:p>
-            <a:endParaRPr lang="fr-FR" dirty="0" smtClean="0"/>
           </a:p>
         </p:txBody>
       </p:sp>
@@ -9514,8 +9342,8 @@
           <a:lstStyle/>
           <a:p>
             <a:r>
-              <a:rPr lang="fr-FR" smtClean="0"/>
-              <a:t>F. Flamerie - Trucs et astuces de PubMed - 2021-06-10</a:t>
+              <a:rPr lang="fr-FR"/>
+              <a:t>F. Flamerie - Trucs et astuces de PubMed - 2022-05-24</a:t>
             </a:r>
             <a:endParaRPr lang="fr-FR" dirty="0"/>
           </a:p>
@@ -9574,7 +9402,7 @@
           <p:cNvPr id="7" name="Arrow34" descr="{&quot;Key&quot;:&quot;POWER_USER_SHAPE_ICON&quot;,&quot;Value&quot;:&quot;POWER_USER_SHAPE_ICON_STYLE_1&quot;}">
             <a:extLst>
               <a:ext uri="{FF2B5EF4-FFF2-40B4-BE49-F238E27FC236}">
-                <a16:creationId xmlns:a16="http://schemas.microsoft.com/office/drawing/2014/main" xmlns="" id="{43E68E00-EA18-49EE-91A7-B065011E5152}"/>
+                <a16:creationId xmlns="" xmlns:a16="http://schemas.microsoft.com/office/drawing/2014/main" id="{43E68E00-EA18-49EE-91A7-B065011E5152}"/>
               </a:ext>
             </a:extLst>
           </p:cNvPr>
@@ -9599,7 +9427,7 @@
             <p:cNvPr id="8" name="Freeform 195">
               <a:extLst>
                 <a:ext uri="{FF2B5EF4-FFF2-40B4-BE49-F238E27FC236}">
-                  <a16:creationId xmlns:a16="http://schemas.microsoft.com/office/drawing/2014/main" xmlns="" id="{B426E1A2-1601-4CCF-ADA5-FD9317539629}"/>
+                  <a16:creationId xmlns="" xmlns:a16="http://schemas.microsoft.com/office/drawing/2014/main" id="{B426E1A2-1601-4CCF-ADA5-FD9317539629}"/>
                 </a:ext>
               </a:extLst>
             </p:cNvPr>
@@ -9747,7 +9575,7 @@
                 <a:effectLst/>
                 <a:uLnTx/>
                 <a:uFillTx/>
-                <a:latin typeface="Calibri" panose="020F0502020204030204"/>
+                <a:latin typeface="Corbel" panose="020B0503020204020204" pitchFamily="34" charset="0"/>
                 <a:ea typeface="+mn-ea"/>
                 <a:cs typeface="+mn-cs"/>
               </a:endParaRPr>
@@ -9759,7 +9587,7 @@
             <p:cNvPr id="9" name="Freeform 196">
               <a:extLst>
                 <a:ext uri="{FF2B5EF4-FFF2-40B4-BE49-F238E27FC236}">
-                  <a16:creationId xmlns:a16="http://schemas.microsoft.com/office/drawing/2014/main" xmlns="" id="{7CA8E433-9ACF-4A11-B832-05AE8A209954}"/>
+                  <a16:creationId xmlns="" xmlns:a16="http://schemas.microsoft.com/office/drawing/2014/main" id="{7CA8E433-9ACF-4A11-B832-05AE8A209954}"/>
                 </a:ext>
               </a:extLst>
             </p:cNvPr>
@@ -9907,7 +9735,7 @@
                 <a:effectLst/>
                 <a:uLnTx/>
                 <a:uFillTx/>
-                <a:latin typeface="Calibri" panose="020F0502020204030204"/>
+                <a:latin typeface="Corbel" panose="020B0503020204020204" pitchFamily="34" charset="0"/>
                 <a:ea typeface="+mn-ea"/>
                 <a:cs typeface="+mn-cs"/>
               </a:endParaRPr>
@@ -9919,7 +9747,7 @@
             <p:cNvPr id="10" name="Freeform 197">
               <a:extLst>
                 <a:ext uri="{FF2B5EF4-FFF2-40B4-BE49-F238E27FC236}">
-                  <a16:creationId xmlns:a16="http://schemas.microsoft.com/office/drawing/2014/main" xmlns="" id="{B1AA219A-44DC-4DD1-B062-924FC970BD8C}"/>
+                  <a16:creationId xmlns="" xmlns:a16="http://schemas.microsoft.com/office/drawing/2014/main" id="{B1AA219A-44DC-4DD1-B062-924FC970BD8C}"/>
                 </a:ext>
               </a:extLst>
             </p:cNvPr>
@@ -10063,7 +9891,7 @@
                 <a:effectLst/>
                 <a:uLnTx/>
                 <a:uFillTx/>
-                <a:latin typeface="Calibri" panose="020F0502020204030204"/>
+                <a:latin typeface="Corbel" panose="020B0503020204020204" pitchFamily="34" charset="0"/>
                 <a:ea typeface="+mn-ea"/>
                 <a:cs typeface="+mn-cs"/>
               </a:endParaRPr>
@@ -10075,7 +9903,7 @@
             <p:cNvPr id="11" name="Freeform 198">
               <a:extLst>
                 <a:ext uri="{FF2B5EF4-FFF2-40B4-BE49-F238E27FC236}">
-                  <a16:creationId xmlns:a16="http://schemas.microsoft.com/office/drawing/2014/main" xmlns="" id="{D93843A3-5211-4329-AAB5-9A71A272F9BF}"/>
+                  <a16:creationId xmlns="" xmlns:a16="http://schemas.microsoft.com/office/drawing/2014/main" id="{D93843A3-5211-4329-AAB5-9A71A272F9BF}"/>
                 </a:ext>
               </a:extLst>
             </p:cNvPr>
@@ -10255,7 +10083,7 @@
                 <a:effectLst/>
                 <a:uLnTx/>
                 <a:uFillTx/>
-                <a:latin typeface="Calibri" panose="020F0502020204030204"/>
+                <a:latin typeface="Corbel" panose="020B0503020204020204" pitchFamily="34" charset="0"/>
                 <a:ea typeface="+mn-ea"/>
                 <a:cs typeface="+mn-cs"/>
               </a:endParaRPr>
@@ -10273,13 +10101,6 @@
   <p:clrMapOvr>
     <a:masterClrMapping/>
   </p:clrMapOvr>
-  <p:timing>
-    <p:tnLst>
-      <p:par>
-        <p:cTn id="1" dur="indefinite" restart="never" nodeType="tmRoot"/>
-      </p:par>
-    </p:tnLst>
-  </p:timing>
 </p:sld>
 </file>
 
@@ -10316,26 +10137,25 @@
           <a:lstStyle/>
           <a:p>
             <a:r>
-              <a:rPr lang="fr-FR" dirty="0" smtClean="0"/>
+              <a:rPr lang="fr-FR" dirty="0"/>
               <a:t>Mode 2 : le </a:t>
             </a:r>
             <a:r>
-              <a:rPr lang="fr-FR" i="1" dirty="0" err="1" smtClean="0"/>
+              <a:rPr lang="fr-FR" i="1" dirty="0" err="1"/>
               <a:t>Search</a:t>
             </a:r>
             <a:r>
-              <a:rPr lang="fr-FR" i="1" dirty="0" smtClean="0"/>
+              <a:rPr lang="fr-FR" i="1" dirty="0"/>
               <a:t> </a:t>
             </a:r>
             <a:r>
-              <a:rPr lang="fr-FR" i="1" dirty="0" err="1" smtClean="0"/>
+              <a:rPr lang="fr-FR" i="1" dirty="0" err="1"/>
               <a:t>builder</a:t>
             </a:r>
             <a:r>
-              <a:rPr lang="fr-FR" i="1" dirty="0" smtClean="0"/>
+              <a:rPr lang="fr-FR" i="1" dirty="0"/>
               <a:t> </a:t>
             </a:r>
-            <a:endParaRPr lang="fr-FR" i="1" dirty="0"/>
           </a:p>
         </p:txBody>
       </p:sp>
@@ -10357,11 +10177,127 @@
           <a:lstStyle/>
           <a:p>
             <a:r>
-              <a:rPr lang="fr-FR" dirty="0" smtClean="0"/>
+              <a:rPr lang="fr-FR" dirty="0"/>
               <a:t> Guillemets </a:t>
             </a:r>
             <a:r>
-              <a:rPr lang="fr-FR" b="1" dirty="0" smtClean="0">
+              <a:rPr lang="fr-FR" b="1" dirty="0">
+                <a:solidFill>
+                  <a:srgbClr val="009DE0"/>
+                </a:solidFill>
+              </a:rPr>
+              <a:t>"  "</a:t>
+            </a:r>
+            <a:r>
+              <a:rPr lang="fr-FR" b="1" dirty="0"/>
+              <a:t> </a:t>
+            </a:r>
+            <a:r>
+              <a:rPr lang="fr-FR" dirty="0"/>
+              <a:t>pour rechercher une chaîne de caractère</a:t>
+            </a:r>
+          </a:p>
+          <a:p>
+            <a:r>
+              <a:rPr lang="fr-FR" dirty="0"/>
+              <a:t> Troncature </a:t>
+            </a:r>
+            <a:r>
+              <a:rPr lang="fr-FR" b="1" dirty="0">
+                <a:solidFill>
+                  <a:srgbClr val="009DE0"/>
+                </a:solidFill>
+              </a:rPr>
+              <a:t>*</a:t>
+            </a:r>
+            <a:r>
+              <a:rPr lang="fr-FR" dirty="0"/>
+              <a:t> </a:t>
+            </a:r>
+          </a:p>
+          <a:p>
+            <a:pPr lvl="1"/>
+            <a:r>
+              <a:rPr lang="fr-FR" dirty="0"/>
+              <a:t>Seulement </a:t>
+            </a:r>
+            <a:r>
+              <a:rPr lang="fr-FR" dirty="0">
+                <a:solidFill>
+                  <a:srgbClr val="009DE0"/>
+                </a:solidFill>
+              </a:rPr>
+              <a:t>à droite</a:t>
+            </a:r>
+            <a:r>
+              <a:rPr lang="fr-FR" dirty="0"/>
+              <a:t>, </a:t>
+            </a:r>
+            <a:r>
+              <a:rPr lang="fr-FR" i="1" dirty="0"/>
+              <a:t>i. e. </a:t>
+            </a:r>
+            <a:r>
+              <a:rPr lang="fr-FR" dirty="0"/>
+              <a:t>à la fin d’un mot, elle doit être </a:t>
+            </a:r>
+            <a:r>
+              <a:rPr lang="fr-FR" dirty="0">
+                <a:solidFill>
+                  <a:srgbClr val="009DE0"/>
+                </a:solidFill>
+              </a:rPr>
+              <a:t>précédée de 4 lettres </a:t>
+            </a:r>
+            <a:r>
+              <a:rPr lang="fr-FR" dirty="0"/>
+              <a:t>au moins</a:t>
+            </a:r>
+          </a:p>
+          <a:p>
+            <a:pPr lvl="1"/>
+            <a:r>
+              <a:rPr lang="fr-FR" dirty="0"/>
+              <a:t>Nouveau </a:t>
+            </a:r>
+            <a:r>
+              <a:rPr lang="fr-FR" dirty="0" err="1"/>
+              <a:t>PubMed</a:t>
+            </a:r>
+            <a:r>
+              <a:rPr lang="fr-FR" dirty="0"/>
+              <a:t> : acceptée dans une </a:t>
+            </a:r>
+            <a:r>
+              <a:rPr lang="fr-FR" dirty="0">
+                <a:solidFill>
+                  <a:srgbClr val="009DE0"/>
+                </a:solidFill>
+              </a:rPr>
+              <a:t>expression exacte</a:t>
+            </a:r>
+            <a:r>
+              <a:rPr lang="fr-FR" dirty="0"/>
+              <a:t>, mais seulement à la fin du dernier mot : "</a:t>
+            </a:r>
+            <a:r>
+              <a:rPr lang="fr-FR" strike="sngStrike" dirty="0" err="1"/>
+              <a:t>determinant</a:t>
+            </a:r>
+            <a:r>
+              <a:rPr lang="fr-FR" strike="sngStrike" dirty="0"/>
+              <a:t>* of </a:t>
+            </a:r>
+            <a:r>
+              <a:rPr lang="fr-FR" strike="sngStrike" dirty="0" err="1"/>
+              <a:t>health</a:t>
+            </a:r>
+            <a:r>
+              <a:rPr lang="fr-FR" dirty="0"/>
+              <a:t>" à remplacer par </a:t>
+            </a:r>
+            <a:r>
+              <a:rPr lang="fr-FR" dirty="0">
                 <a:solidFill>
                   <a:srgbClr val="009DE0"/>
                 </a:solidFill>
@@ -10369,131 +10305,7 @@
               <a:t>"</a:t>
             </a:r>
             <a:r>
-              <a:rPr lang="fr-FR" b="1" dirty="0">
-                <a:solidFill>
-                  <a:srgbClr val="009DE0"/>
-                </a:solidFill>
-              </a:rPr>
-              <a:t>  "</a:t>
-            </a:r>
-            <a:r>
-              <a:rPr lang="fr-FR" b="1" dirty="0"/>
-              <a:t> </a:t>
-            </a:r>
-            <a:r>
-              <a:rPr lang="fr-FR" dirty="0"/>
-              <a:t>pour rechercher une chaîne de caractère</a:t>
-            </a:r>
-          </a:p>
-          <a:p>
-            <a:r>
-              <a:rPr lang="fr-FR" dirty="0" smtClean="0"/>
-              <a:t> Troncature </a:t>
-            </a:r>
-            <a:r>
-              <a:rPr lang="fr-FR" b="1" dirty="0" smtClean="0">
-                <a:solidFill>
-                  <a:srgbClr val="009DE0"/>
-                </a:solidFill>
-              </a:rPr>
-              <a:t>*</a:t>
-            </a:r>
-            <a:r>
-              <a:rPr lang="fr-FR" dirty="0" smtClean="0"/>
-              <a:t> </a:t>
-            </a:r>
-          </a:p>
-          <a:p>
-            <a:pPr lvl="1"/>
-            <a:r>
-              <a:rPr lang="fr-FR" dirty="0" smtClean="0"/>
-              <a:t>Seulement </a:t>
-            </a:r>
-            <a:r>
-              <a:rPr lang="fr-FR" dirty="0" smtClean="0">
-                <a:solidFill>
-                  <a:srgbClr val="009DE0"/>
-                </a:solidFill>
-              </a:rPr>
-              <a:t>à droite</a:t>
-            </a:r>
-            <a:r>
-              <a:rPr lang="fr-FR" dirty="0" smtClean="0"/>
-              <a:t>, </a:t>
-            </a:r>
-            <a:r>
-              <a:rPr lang="fr-FR" i="1" dirty="0" smtClean="0"/>
-              <a:t>i. e. </a:t>
-            </a:r>
-            <a:r>
-              <a:rPr lang="fr-FR" dirty="0" smtClean="0"/>
-              <a:t>à la fin d’un mot, elle doit être </a:t>
-            </a:r>
-            <a:r>
-              <a:rPr lang="fr-FR" dirty="0" smtClean="0">
-                <a:solidFill>
-                  <a:srgbClr val="009DE0"/>
-                </a:solidFill>
-              </a:rPr>
-              <a:t>précédée de 4 lettres </a:t>
-            </a:r>
-            <a:r>
-              <a:rPr lang="fr-FR" dirty="0" smtClean="0"/>
-              <a:t>au moins</a:t>
-            </a:r>
-          </a:p>
-          <a:p>
-            <a:pPr lvl="1"/>
-            <a:r>
-              <a:rPr lang="fr-FR" dirty="0" smtClean="0"/>
-              <a:t>Nouveau </a:t>
-            </a:r>
-            <a:r>
-              <a:rPr lang="fr-FR" dirty="0" err="1" smtClean="0"/>
-              <a:t>PubMed</a:t>
-            </a:r>
-            <a:r>
-              <a:rPr lang="fr-FR" dirty="0" smtClean="0"/>
-              <a:t> : acceptée dans une </a:t>
-            </a:r>
-            <a:r>
-              <a:rPr lang="fr-FR" dirty="0" smtClean="0">
-                <a:solidFill>
-                  <a:srgbClr val="009DE0"/>
-                </a:solidFill>
-              </a:rPr>
-              <a:t>expression exacte</a:t>
-            </a:r>
-            <a:r>
-              <a:rPr lang="fr-FR" dirty="0" smtClean="0"/>
-              <a:t>, mais seulement à la fin du dernier mot : "</a:t>
-            </a:r>
-            <a:r>
-              <a:rPr lang="fr-FR" strike="sngStrike" dirty="0" err="1" smtClean="0"/>
-              <a:t>determinant</a:t>
-            </a:r>
-            <a:r>
-              <a:rPr lang="fr-FR" strike="sngStrike" dirty="0" smtClean="0"/>
-              <a:t>* of </a:t>
-            </a:r>
-            <a:r>
-              <a:rPr lang="fr-FR" strike="sngStrike" dirty="0" err="1" smtClean="0"/>
-              <a:t>health</a:t>
-            </a:r>
-            <a:r>
-              <a:rPr lang="fr-FR" dirty="0" smtClean="0"/>
-              <a:t>" à remplacer par </a:t>
-            </a:r>
-            <a:r>
-              <a:rPr lang="fr-FR" dirty="0">
-                <a:solidFill>
-                  <a:srgbClr val="009DE0"/>
-                </a:solidFill>
-              </a:rPr>
-              <a:t>"</a:t>
-            </a:r>
-            <a:r>
-              <a:rPr lang="fr-FR" dirty="0" err="1" smtClean="0">
+              <a:rPr lang="fr-FR" dirty="0" err="1">
                 <a:solidFill>
                   <a:srgbClr val="009DE0"/>
                 </a:solidFill>
@@ -10501,20 +10313,12 @@
               <a:t>determinant</a:t>
             </a:r>
             <a:r>
-              <a:rPr lang="fr-FR" dirty="0" smtClean="0">
+              <a:rPr lang="fr-FR" dirty="0">
                 <a:solidFill>
                   <a:srgbClr val="009DE0"/>
                 </a:solidFill>
               </a:rPr>
-              <a:t> </a:t>
-            </a:r>
-            <a:r>
-              <a:rPr lang="fr-FR" dirty="0">
-                <a:solidFill>
-                  <a:srgbClr val="009DE0"/>
-                </a:solidFill>
-              </a:rPr>
-              <a:t>of </a:t>
+              <a:t> of </a:t>
             </a:r>
             <a:r>
               <a:rPr lang="fr-FR" dirty="0" err="1">
@@ -10530,26 +10334,10 @@
                   <a:srgbClr val="009DE0"/>
                 </a:solidFill>
               </a:rPr>
-              <a:t>" </a:t>
-            </a:r>
-            <a:r>
-              <a:rPr lang="fr-FR" dirty="0" smtClean="0">
-                <a:solidFill>
-                  <a:srgbClr val="009DE0"/>
-                </a:solidFill>
-              </a:rPr>
-              <a:t>OR </a:t>
-            </a:r>
-            <a:r>
-              <a:rPr lang="fr-FR" dirty="0">
-                <a:solidFill>
-                  <a:srgbClr val="009DE0"/>
-                </a:solidFill>
-              </a:rPr>
-              <a:t>"</a:t>
-            </a:r>
-            <a:r>
-              <a:rPr lang="fr-FR" dirty="0" err="1" smtClean="0">
+              <a:t>" OR "</a:t>
+            </a:r>
+            <a:r>
+              <a:rPr lang="fr-FR" dirty="0" err="1">
                 <a:solidFill>
                   <a:srgbClr val="009DE0"/>
                 </a:solidFill>
@@ -10557,20 +10345,12 @@
               <a:t>determinants</a:t>
             </a:r>
             <a:r>
-              <a:rPr lang="fr-FR" dirty="0" smtClean="0">
+              <a:rPr lang="fr-FR" dirty="0">
                 <a:solidFill>
                   <a:srgbClr val="009DE0"/>
                 </a:solidFill>
               </a:rPr>
-              <a:t> </a:t>
-            </a:r>
-            <a:r>
-              <a:rPr lang="fr-FR" dirty="0">
-                <a:solidFill>
-                  <a:srgbClr val="009DE0"/>
-                </a:solidFill>
-              </a:rPr>
-              <a:t>of </a:t>
+              <a:t> of </a:t>
             </a:r>
             <a:r>
               <a:rPr lang="fr-FR" dirty="0" err="1">
@@ -10588,45 +10368,40 @@
               </a:rPr>
               <a:t>" </a:t>
             </a:r>
-            <a:endParaRPr lang="fr-FR" dirty="0" smtClean="0">
-              <a:solidFill>
-                <a:srgbClr val="009DE0"/>
-              </a:solidFill>
-            </a:endParaRPr>
           </a:p>
           <a:p>
             <a:pPr lvl="1"/>
             <a:r>
-              <a:rPr lang="fr-FR" dirty="0" smtClean="0"/>
+              <a:rPr lang="fr-FR" dirty="0"/>
               <a:t>Nouveau </a:t>
             </a:r>
             <a:r>
-              <a:rPr lang="fr-FR" dirty="0" err="1" smtClean="0"/>
+              <a:rPr lang="fr-FR" dirty="0" err="1"/>
               <a:t>PubMed</a:t>
             </a:r>
             <a:r>
-              <a:rPr lang="fr-FR" dirty="0" smtClean="0"/>
+              <a:rPr lang="fr-FR" dirty="0"/>
               <a:t> : plus de limitations dans le nombre de variantes retrouvées (600 auparavant)</a:t>
             </a:r>
           </a:p>
           <a:p>
             <a:pPr lvl="1"/>
             <a:r>
-              <a:rPr lang="fr-FR" dirty="0" smtClean="0"/>
+              <a:rPr lang="fr-FR" dirty="0"/>
               <a:t>Nouveau </a:t>
             </a:r>
             <a:r>
-              <a:rPr lang="fr-FR" dirty="0" err="1" smtClean="0"/>
+              <a:rPr lang="fr-FR" dirty="0" err="1"/>
               <a:t>PubMed</a:t>
             </a:r>
             <a:r>
-              <a:rPr lang="fr-FR" dirty="0" smtClean="0"/>
+              <a:rPr lang="fr-FR" dirty="0"/>
               <a:t> : les variations retrouvées ne sont plus affichées dans les détails de la recherche</a:t>
             </a:r>
           </a:p>
           <a:p>
             <a:pPr lvl="1"/>
-            <a:endParaRPr lang="fr-FR" dirty="0" smtClean="0"/>
+            <a:endParaRPr lang="fr-FR" dirty="0"/>
           </a:p>
           <a:p>
             <a:pPr lvl="1"/>
@@ -10660,8 +10435,8 @@
               <a:defRPr/>
             </a:pPr>
             <a:r>
-              <a:rPr lang="fr-FR" smtClean="0"/>
-              <a:t>F. Flamerie - Trucs et astuces de PubMed - 2021-06-10</a:t>
+              <a:rPr lang="fr-FR"/>
+              <a:t>F. Flamerie - Trucs et astuces de PubMed - 2022-05-24</a:t>
             </a:r>
             <a:endParaRPr lang="fr-FR" dirty="0"/>
           </a:p>
@@ -10701,13 +10476,6 @@
   <p:clrMapOvr>
     <a:masterClrMapping/>
   </p:clrMapOvr>
-  <p:timing>
-    <p:tnLst>
-      <p:par>
-        <p:cTn id="1" dur="indefinite" restart="never" nodeType="tmRoot"/>
-      </p:par>
-    </p:tnLst>
-  </p:timing>
 </p:sld>
 </file>
 
@@ -10749,10 +10517,9 @@
           <a:lstStyle/>
           <a:p>
             <a:r>
-              <a:rPr lang="fr-FR" dirty="0" smtClean="0"/>
+              <a:rPr lang="fr-FR" dirty="0"/>
               <a:t>Mode 3 : création ou édition manuelle</a:t>
             </a:r>
-            <a:endParaRPr lang="fr-FR" dirty="0"/>
           </a:p>
         </p:txBody>
       </p:sp>
@@ -10777,16 +10544,8 @@
           <a:lstStyle/>
           <a:p>
             <a:r>
-              <a:rPr lang="fr-FR" dirty="0" smtClean="0"/>
-              <a:t>F. Flamerie - Trucs et astuces de </a:t>
-            </a:r>
-            <a:r>
-              <a:rPr lang="fr-FR" dirty="0" err="1" smtClean="0"/>
-              <a:t>PubMed</a:t>
-            </a:r>
-            <a:r>
-              <a:rPr lang="fr-FR" dirty="0" smtClean="0"/>
-              <a:t> - 2021-06-10</a:t>
+              <a:rPr lang="fr-FR"/>
+              <a:t>F. Flamerie - Trucs et astuces de PubMed - 2022-05-24</a:t>
             </a:r>
             <a:endParaRPr lang="fr-FR" dirty="0"/>
           </a:p>
@@ -10856,7 +10615,7 @@
           <p:cNvPr id="7" name="Arrow34" descr="{&quot;Key&quot;:&quot;POWER_USER_SHAPE_ICON&quot;,&quot;Value&quot;:&quot;POWER_USER_SHAPE_ICON_STYLE_1&quot;}">
             <a:extLst>
               <a:ext uri="{FF2B5EF4-FFF2-40B4-BE49-F238E27FC236}">
-                <a16:creationId xmlns:a16="http://schemas.microsoft.com/office/drawing/2014/main" xmlns="" id="{43E68E00-EA18-49EE-91A7-B065011E5152}"/>
+                <a16:creationId xmlns="" xmlns:a16="http://schemas.microsoft.com/office/drawing/2014/main" id="{43E68E00-EA18-49EE-91A7-B065011E5152}"/>
               </a:ext>
             </a:extLst>
           </p:cNvPr>
@@ -10881,7 +10640,7 @@
             <p:cNvPr id="8" name="Freeform 195">
               <a:extLst>
                 <a:ext uri="{FF2B5EF4-FFF2-40B4-BE49-F238E27FC236}">
-                  <a16:creationId xmlns:a16="http://schemas.microsoft.com/office/drawing/2014/main" xmlns="" id="{B426E1A2-1601-4CCF-ADA5-FD9317539629}"/>
+                  <a16:creationId xmlns="" xmlns:a16="http://schemas.microsoft.com/office/drawing/2014/main" id="{B426E1A2-1601-4CCF-ADA5-FD9317539629}"/>
                 </a:ext>
               </a:extLst>
             </p:cNvPr>
@@ -11029,7 +10788,7 @@
                 <a:effectLst/>
                 <a:uLnTx/>
                 <a:uFillTx/>
-                <a:latin typeface="Calibri" panose="020F0502020204030204"/>
+                <a:latin typeface="Corbel" panose="020B0503020204020204" pitchFamily="34" charset="0"/>
                 <a:ea typeface="+mn-ea"/>
                 <a:cs typeface="+mn-cs"/>
               </a:endParaRPr>
@@ -11041,7 +10800,7 @@
             <p:cNvPr id="9" name="Freeform 196">
               <a:extLst>
                 <a:ext uri="{FF2B5EF4-FFF2-40B4-BE49-F238E27FC236}">
-                  <a16:creationId xmlns:a16="http://schemas.microsoft.com/office/drawing/2014/main" xmlns="" id="{7CA8E433-9ACF-4A11-B832-05AE8A209954}"/>
+                  <a16:creationId xmlns="" xmlns:a16="http://schemas.microsoft.com/office/drawing/2014/main" id="{7CA8E433-9ACF-4A11-B832-05AE8A209954}"/>
                 </a:ext>
               </a:extLst>
             </p:cNvPr>
@@ -11189,7 +10948,7 @@
                 <a:effectLst/>
                 <a:uLnTx/>
                 <a:uFillTx/>
-                <a:latin typeface="Calibri" panose="020F0502020204030204"/>
+                <a:latin typeface="Corbel" panose="020B0503020204020204" pitchFamily="34" charset="0"/>
                 <a:ea typeface="+mn-ea"/>
                 <a:cs typeface="+mn-cs"/>
               </a:endParaRPr>
@@ -11201,7 +10960,7 @@
             <p:cNvPr id="10" name="Freeform 197">
               <a:extLst>
                 <a:ext uri="{FF2B5EF4-FFF2-40B4-BE49-F238E27FC236}">
-                  <a16:creationId xmlns:a16="http://schemas.microsoft.com/office/drawing/2014/main" xmlns="" id="{B1AA219A-44DC-4DD1-B062-924FC970BD8C}"/>
+                  <a16:creationId xmlns="" xmlns:a16="http://schemas.microsoft.com/office/drawing/2014/main" id="{B1AA219A-44DC-4DD1-B062-924FC970BD8C}"/>
                 </a:ext>
               </a:extLst>
             </p:cNvPr>
@@ -11345,7 +11104,7 @@
                 <a:effectLst/>
                 <a:uLnTx/>
                 <a:uFillTx/>
-                <a:latin typeface="Calibri" panose="020F0502020204030204"/>
+                <a:latin typeface="Corbel" panose="020B0503020204020204" pitchFamily="34" charset="0"/>
                 <a:ea typeface="+mn-ea"/>
                 <a:cs typeface="+mn-cs"/>
               </a:endParaRPr>
@@ -11357,7 +11116,7 @@
             <p:cNvPr id="11" name="Freeform 198">
               <a:extLst>
                 <a:ext uri="{FF2B5EF4-FFF2-40B4-BE49-F238E27FC236}">
-                  <a16:creationId xmlns:a16="http://schemas.microsoft.com/office/drawing/2014/main" xmlns="" id="{D93843A3-5211-4329-AAB5-9A71A272F9BF}"/>
+                  <a16:creationId xmlns="" xmlns:a16="http://schemas.microsoft.com/office/drawing/2014/main" id="{D93843A3-5211-4329-AAB5-9A71A272F9BF}"/>
                 </a:ext>
               </a:extLst>
             </p:cNvPr>
@@ -11537,7 +11296,7 @@
                 <a:effectLst/>
                 <a:uLnTx/>
                 <a:uFillTx/>
-                <a:latin typeface="Calibri" panose="020F0502020204030204"/>
+                <a:latin typeface="Corbel" panose="020B0503020204020204" pitchFamily="34" charset="0"/>
                 <a:ea typeface="+mn-ea"/>
                 <a:cs typeface="+mn-cs"/>
               </a:endParaRPr>
@@ -11588,7 +11347,9 @@
           <a:lstStyle/>
           <a:p>
             <a:pPr algn="ctr"/>
-            <a:endParaRPr lang="fr-FR"/>
+            <a:endParaRPr lang="fr-FR" dirty="0">
+              <a:latin typeface="Corbel" panose="020B0503020204020204" pitchFamily="34" charset="0"/>
+            </a:endParaRPr>
           </a:p>
         </p:txBody>
       </p:sp>
@@ -11627,42 +11388,41 @@
               <a:buNone/>
             </a:pPr>
             <a:r>
-              <a:rPr lang="fr-FR" dirty="0" smtClean="0"/>
+              <a:rPr lang="fr-FR" dirty="0"/>
               <a:t>Depuis le </a:t>
             </a:r>
             <a:r>
-              <a:rPr lang="fr-FR" i="1" dirty="0" err="1" smtClean="0"/>
+              <a:rPr lang="fr-FR" i="1" dirty="0" err="1"/>
               <a:t>Search</a:t>
             </a:r>
             <a:r>
-              <a:rPr lang="fr-FR" i="1" dirty="0" smtClean="0"/>
+              <a:rPr lang="fr-FR" i="1" dirty="0"/>
               <a:t> </a:t>
             </a:r>
             <a:r>
-              <a:rPr lang="fr-FR" i="1" dirty="0" err="1" smtClean="0"/>
+              <a:rPr lang="fr-FR" i="1" dirty="0" err="1"/>
               <a:t>builder</a:t>
             </a:r>
             <a:r>
-              <a:rPr lang="fr-FR" i="1" dirty="0" smtClean="0"/>
+              <a:rPr lang="fr-FR" i="1" dirty="0"/>
               <a:t> : </a:t>
             </a:r>
             <a:r>
-              <a:rPr lang="fr-FR" dirty="0" smtClean="0"/>
+              <a:rPr lang="fr-FR" dirty="0"/>
               <a:t>ajouter la requête dans la </a:t>
             </a:r>
             <a:r>
-              <a:rPr lang="fr-FR" i="1" dirty="0" err="1" smtClean="0"/>
+              <a:rPr lang="fr-FR" i="1" dirty="0" err="1"/>
               <a:t>Query</a:t>
             </a:r>
             <a:r>
-              <a:rPr lang="fr-FR" i="1" dirty="0" smtClean="0"/>
+              <a:rPr lang="fr-FR" i="1" dirty="0"/>
               <a:t> box </a:t>
             </a:r>
             <a:r>
-              <a:rPr lang="fr-FR" dirty="0" smtClean="0"/>
+              <a:rPr lang="fr-FR" dirty="0"/>
               <a:t>pour la modifier manuellement.</a:t>
             </a:r>
-            <a:endParaRPr lang="fr-FR" dirty="0"/>
           </a:p>
         </p:txBody>
       </p:sp>
@@ -11676,13 +11436,6 @@
   <p:clrMapOvr>
     <a:masterClrMapping/>
   </p:clrMapOvr>
-  <p:timing>
-    <p:tnLst>
-      <p:par>
-        <p:cTn id="1" dur="indefinite" restart="never" nodeType="tmRoot"/>
-      </p:par>
-    </p:tnLst>
-  </p:timing>
 </p:sld>
 </file>
 
@@ -11730,8 +11483,8 @@
               <a:defRPr/>
             </a:pPr>
             <a:r>
-              <a:rPr lang="fr-FR" smtClean="0"/>
-              <a:t>F. Flamerie - Trucs et astuces de PubMed - 2021-06-10</a:t>
+              <a:rPr lang="fr-FR"/>
+              <a:t>F. Flamerie - Trucs et astuces de PubMed - 2022-05-24</a:t>
             </a:r>
             <a:endParaRPr lang="fr-FR" dirty="0"/>
           </a:p>
@@ -11799,19 +11552,11 @@
               <a:defRPr/>
             </a:pPr>
             <a:r>
-              <a:rPr lang="fr-FR" sz="2000" dirty="0" smtClean="0">
+              <a:rPr lang="fr-FR" sz="2000" dirty="0">
                 <a:latin typeface="Corbel" panose="020B0503020204020204" pitchFamily="34" charset="0"/>
                 <a:cs typeface="Calibri" panose="020F0502020204030204" pitchFamily="34" charset="0"/>
               </a:rPr>
               <a:t>Codes de champ utilisables: </a:t>
-            </a:r>
-            <a:r>
-              <a:rPr lang="en-US" sz="2000" dirty="0" smtClean="0">
-                <a:latin typeface="Corbel" panose="020B0503020204020204" pitchFamily="34" charset="0"/>
-                <a:cs typeface="Calibri" panose="020F0502020204030204" pitchFamily="34" charset="0"/>
-                <a:hlinkClick r:id="rId4"/>
-              </a:rPr>
-              <a:t>Search </a:t>
             </a:r>
             <a:r>
               <a:rPr lang="en-US" sz="2000" dirty="0">
@@ -11819,17 +11564,9 @@
                 <a:cs typeface="Calibri" panose="020F0502020204030204" pitchFamily="34" charset="0"/>
                 <a:hlinkClick r:id="rId4"/>
               </a:rPr>
-              <a:t>Field descriptions and </a:t>
-            </a:r>
-            <a:r>
-              <a:rPr lang="en-US" sz="2000" dirty="0" smtClean="0">
-                <a:latin typeface="Corbel" panose="020B0503020204020204" pitchFamily="34" charset="0"/>
-                <a:cs typeface="Calibri" panose="020F0502020204030204" pitchFamily="34" charset="0"/>
-                <a:hlinkClick r:id="rId4"/>
-              </a:rPr>
-              <a:t>tags</a:t>
-            </a:r>
-            <a:endParaRPr lang="en-US" sz="2000" dirty="0" smtClean="0">
+              <a:t>Search Field descriptions and tags</a:t>
+            </a:r>
+            <a:endParaRPr lang="en-US" sz="2000" dirty="0">
               <a:latin typeface="Corbel" panose="020B0503020204020204" pitchFamily="34" charset="0"/>
               <a:cs typeface="Calibri" panose="020F0502020204030204" pitchFamily="34" charset="0"/>
             </a:endParaRPr>
@@ -11984,16 +11721,9 @@
                 <a:latin typeface="Corbel" panose="020B0503020204020204" pitchFamily="34" charset="0"/>
                 <a:cs typeface="Calibri" panose="020F0502020204030204" pitchFamily="34" charset="0"/>
               </a:rPr>
-              <a:t>, les mots-clés auteurs, les types de publication, les noms de substance, etc</a:t>
-            </a:r>
-            <a:r>
-              <a:rPr lang="fr-FR" altLang="fr-FR" sz="2000" dirty="0" smtClean="0">
-                <a:latin typeface="Corbel" panose="020B0503020204020204" pitchFamily="34" charset="0"/>
-                <a:cs typeface="Calibri" panose="020F0502020204030204" pitchFamily="34" charset="0"/>
-              </a:rPr>
-              <a:t>.</a:t>
-            </a:r>
-            <a:endParaRPr lang="en-US" sz="2000" dirty="0" smtClean="0">
+              <a:t>, les mots-clés auteurs, les types de publication, les noms de substance, etc.</a:t>
+            </a:r>
+            <a:endParaRPr lang="en-US" sz="2000" dirty="0">
               <a:latin typeface="Corbel" panose="020B0503020204020204" pitchFamily="34" charset="0"/>
               <a:cs typeface="Calibri" panose="020F0502020204030204" pitchFamily="34" charset="0"/>
             </a:endParaRPr>
@@ -12005,91 +11735,91 @@
               <a:defRPr/>
             </a:pPr>
             <a:r>
-              <a:rPr lang="en-US" sz="2000" dirty="0" err="1" smtClean="0">
+              <a:rPr lang="en-US" sz="2000" dirty="0" err="1">
                 <a:latin typeface="Corbel" panose="020B0503020204020204" pitchFamily="34" charset="0"/>
                 <a:cs typeface="Calibri" panose="020F0502020204030204" pitchFamily="34" charset="0"/>
               </a:rPr>
               <a:t>Certains</a:t>
             </a:r>
             <a:r>
-              <a:rPr lang="en-US" sz="2000" dirty="0" smtClean="0">
+              <a:rPr lang="en-US" sz="2000" dirty="0">
                 <a:latin typeface="Corbel" panose="020B0503020204020204" pitchFamily="34" charset="0"/>
                 <a:cs typeface="Calibri" panose="020F0502020204030204" pitchFamily="34" charset="0"/>
               </a:rPr>
               <a:t> de </a:t>
             </a:r>
             <a:r>
-              <a:rPr lang="en-US" sz="2000" dirty="0" err="1" smtClean="0">
+              <a:rPr lang="en-US" sz="2000" dirty="0" err="1">
                 <a:latin typeface="Corbel" panose="020B0503020204020204" pitchFamily="34" charset="0"/>
                 <a:cs typeface="Calibri" panose="020F0502020204030204" pitchFamily="34" charset="0"/>
               </a:rPr>
               <a:t>ces</a:t>
             </a:r>
             <a:r>
-              <a:rPr lang="en-US" sz="2000" dirty="0" smtClean="0">
+              <a:rPr lang="en-US" sz="2000" dirty="0">
                 <a:latin typeface="Corbel" panose="020B0503020204020204" pitchFamily="34" charset="0"/>
                 <a:cs typeface="Calibri" panose="020F0502020204030204" pitchFamily="34" charset="0"/>
               </a:rPr>
               <a:t> champs </a:t>
             </a:r>
             <a:r>
-              <a:rPr lang="en-US" sz="2000" dirty="0" err="1" smtClean="0">
+              <a:rPr lang="en-US" sz="2000" dirty="0" err="1">
                 <a:latin typeface="Corbel" panose="020B0503020204020204" pitchFamily="34" charset="0"/>
                 <a:cs typeface="Calibri" panose="020F0502020204030204" pitchFamily="34" charset="0"/>
               </a:rPr>
               <a:t>sont</a:t>
             </a:r>
             <a:r>
-              <a:rPr lang="en-US" sz="2000" dirty="0" smtClean="0">
+              <a:rPr lang="en-US" sz="2000" dirty="0">
                 <a:latin typeface="Corbel" panose="020B0503020204020204" pitchFamily="34" charset="0"/>
                 <a:cs typeface="Calibri" panose="020F0502020204030204" pitchFamily="34" charset="0"/>
               </a:rPr>
               <a:t> </a:t>
             </a:r>
             <a:r>
-              <a:rPr lang="en-US" sz="2000" dirty="0" err="1" smtClean="0">
+              <a:rPr lang="en-US" sz="2000" dirty="0" err="1">
                 <a:latin typeface="Corbel" panose="020B0503020204020204" pitchFamily="34" charset="0"/>
                 <a:cs typeface="Calibri" panose="020F0502020204030204" pitchFamily="34" charset="0"/>
               </a:rPr>
               <a:t>également</a:t>
             </a:r>
             <a:r>
-              <a:rPr lang="en-US" sz="2000" dirty="0" smtClean="0">
+              <a:rPr lang="en-US" sz="2000" dirty="0">
                 <a:latin typeface="Corbel" panose="020B0503020204020204" pitchFamily="34" charset="0"/>
                 <a:cs typeface="Calibri" panose="020F0502020204030204" pitchFamily="34" charset="0"/>
               </a:rPr>
               <a:t> </a:t>
             </a:r>
             <a:r>
-              <a:rPr lang="en-US" sz="2000" dirty="0" err="1" smtClean="0">
+              <a:rPr lang="en-US" sz="2000" dirty="0" err="1">
                 <a:latin typeface="Corbel" panose="020B0503020204020204" pitchFamily="34" charset="0"/>
                 <a:cs typeface="Calibri" panose="020F0502020204030204" pitchFamily="34" charset="0"/>
               </a:rPr>
               <a:t>disponibles</a:t>
             </a:r>
             <a:r>
-              <a:rPr lang="en-US" sz="2000" dirty="0" smtClean="0">
+              <a:rPr lang="en-US" sz="2000" dirty="0">
                 <a:latin typeface="Corbel" panose="020B0503020204020204" pitchFamily="34" charset="0"/>
                 <a:cs typeface="Calibri" panose="020F0502020204030204" pitchFamily="34" charset="0"/>
               </a:rPr>
               <a:t> sous </a:t>
             </a:r>
             <a:r>
-              <a:rPr lang="en-US" sz="2000" dirty="0" err="1" smtClean="0">
+              <a:rPr lang="en-US" sz="2000" dirty="0" err="1">
                 <a:latin typeface="Corbel" panose="020B0503020204020204" pitchFamily="34" charset="0"/>
                 <a:cs typeface="Calibri" panose="020F0502020204030204" pitchFamily="34" charset="0"/>
               </a:rPr>
               <a:t>forme</a:t>
             </a:r>
             <a:r>
-              <a:rPr lang="en-US" sz="2000" dirty="0" smtClean="0">
+              <a:rPr lang="en-US" sz="2000" dirty="0">
                 <a:latin typeface="Corbel" panose="020B0503020204020204" pitchFamily="34" charset="0"/>
                 <a:cs typeface="Calibri" panose="020F0502020204030204" pitchFamily="34" charset="0"/>
               </a:rPr>
               <a:t> de </a:t>
             </a:r>
             <a:r>
-              <a:rPr lang="en-US" sz="2000" dirty="0" err="1" smtClean="0">
+              <a:rPr lang="en-US" sz="2000" dirty="0" err="1">
                 <a:solidFill>
                   <a:srgbClr val="009DE0"/>
                 </a:solidFill>
@@ -12098,7 +11828,7 @@
               </a:rPr>
               <a:t>filtres</a:t>
             </a:r>
-            <a:endParaRPr lang="en-US" sz="2000" dirty="0" smtClean="0">
+            <a:endParaRPr lang="en-US" sz="2000" dirty="0">
               <a:solidFill>
                 <a:srgbClr val="009DE0"/>
               </a:solidFill>
@@ -12140,10 +11870,9 @@
           <a:lstStyle/>
           <a:p>
             <a:r>
-              <a:rPr lang="fr-FR" dirty="0" smtClean="0"/>
+              <a:rPr lang="fr-FR" dirty="0"/>
               <a:t>Mode 3 : création ou édition manuelle</a:t>
             </a:r>
-            <a:endParaRPr lang="fr-FR" dirty="0"/>
           </a:p>
         </p:txBody>
       </p:sp>
@@ -12181,13 +11910,6 @@
   <p:clrMapOvr>
     <a:masterClrMapping/>
   </p:clrMapOvr>
-  <p:timing>
-    <p:tnLst>
-      <p:par>
-        <p:cTn id="1" dur="indefinite" restart="never" nodeType="tmRoot"/>
-      </p:par>
-    </p:tnLst>
-  </p:timing>
 </p:sld>
 </file>
 
@@ -12224,14 +11946,13 @@
           <a:lstStyle/>
           <a:p>
             <a:r>
-              <a:rPr lang="fr-FR" dirty="0" smtClean="0"/>
+              <a:rPr lang="fr-FR" dirty="0"/>
               <a:t>Modes 1, 2, 3 : algorithme </a:t>
             </a:r>
             <a:r>
-              <a:rPr lang="fr-FR" i="1" dirty="0" smtClean="0"/>
+              <a:rPr lang="fr-FR" i="1" dirty="0"/>
               <a:t>Best match</a:t>
             </a:r>
-            <a:endParaRPr lang="fr-FR" i="1" dirty="0"/>
           </a:p>
         </p:txBody>
       </p:sp>
@@ -12258,31 +11979,23 @@
           <a:lstStyle/>
           <a:p>
             <a:r>
-              <a:rPr lang="fr-FR" dirty="0" smtClean="0"/>
-              <a:t>L’algorithme de pertinence précédent utilisé pour classer les résultats de recherche était fondé sur la </a:t>
-            </a:r>
-            <a:r>
-              <a:rPr lang="fr-FR" dirty="0" smtClean="0">
+              <a:rPr lang="fr-FR" dirty="0"/>
+              <a:t> L’algorithme de pertinence précédent utilisé pour classer les résultats de recherche était fondé sur la </a:t>
+            </a:r>
+            <a:r>
+              <a:rPr lang="fr-FR" dirty="0">
                 <a:solidFill>
                   <a:srgbClr val="009DE0"/>
                 </a:solidFill>
               </a:rPr>
-              <a:t>fréquence </a:t>
+              <a:t>fréquence d’utilisation </a:t>
+            </a:r>
+            <a:r>
+              <a:rPr lang="fr-FR" dirty="0"/>
+              <a:t>des mots-clés et leur </a:t>
             </a:r>
             <a:r>
               <a:rPr lang="fr-FR" dirty="0">
-                <a:solidFill>
-                  <a:srgbClr val="009DE0"/>
-                </a:solidFill>
-              </a:rPr>
-              <a:t>d’utilisation </a:t>
-            </a:r>
-            <a:r>
-              <a:rPr lang="fr-FR" dirty="0" smtClean="0"/>
-              <a:t>des mots-clés et leur </a:t>
-            </a:r>
-            <a:r>
-              <a:rPr lang="fr-FR" dirty="0" smtClean="0">
                 <a:solidFill>
                   <a:srgbClr val="009DE0"/>
                 </a:solidFill>
@@ -12290,41 +12003,25 @@
               <a:t>emplacement</a:t>
             </a:r>
             <a:r>
-              <a:rPr lang="fr-FR" dirty="0" smtClean="0"/>
-              <a:t> (titre</a:t>
-            </a:r>
-            <a:r>
               <a:rPr lang="fr-FR" dirty="0"/>
-              <a:t>, </a:t>
-            </a:r>
-            <a:r>
-              <a:rPr lang="fr-FR" dirty="0" smtClean="0"/>
-              <a:t>résumé, etc.).</a:t>
+              <a:t> (titre, résumé, etc.).</a:t>
             </a:r>
           </a:p>
           <a:p>
             <a:r>
               <a:rPr lang="fr-FR" dirty="0"/>
-              <a:t> </a:t>
-            </a:r>
-            <a:r>
-              <a:rPr lang="fr-FR" dirty="0" smtClean="0"/>
-              <a:t>Le nouvel algorithme </a:t>
+              <a:t> Le nouvel algorithme </a:t>
             </a:r>
             <a:r>
               <a:rPr lang="fr-FR" i="1" dirty="0"/>
-              <a:t>Best </a:t>
-            </a:r>
-            <a:r>
-              <a:rPr lang="fr-FR" i="1" dirty="0" smtClean="0"/>
-              <a:t>match</a:t>
-            </a:r>
-            <a:r>
-              <a:rPr lang="fr-FR" dirty="0" smtClean="0"/>
+              <a:t>Best match</a:t>
+            </a:r>
+            <a:r>
+              <a:rPr lang="fr-FR" dirty="0"/>
               <a:t>, utilisant l’apprentissage automatique,  prend en compte </a:t>
             </a:r>
             <a:r>
-              <a:rPr lang="fr-FR" dirty="0" smtClean="0">
+              <a:rPr lang="fr-FR" dirty="0">
                 <a:solidFill>
                   <a:srgbClr val="009DE0"/>
                 </a:solidFill>
@@ -12332,47 +12029,14 @@
               <a:t>plus de 150 signaux </a:t>
             </a:r>
             <a:r>
-              <a:rPr lang="fr-FR" dirty="0" smtClean="0"/>
-              <a:t>pour classer les résultats :  année </a:t>
-            </a:r>
-            <a:r>
               <a:rPr lang="fr-FR" dirty="0"/>
-              <a:t>de </a:t>
-            </a:r>
-            <a:r>
-              <a:rPr lang="fr-FR" dirty="0" smtClean="0"/>
-              <a:t>publication, </a:t>
-            </a:r>
+              <a:t>pour classer les résultats :  année de publication, type de publication, etc. </a:t>
+            </a:r>
+          </a:p>
+          <a:p>
             <a:r>
               <a:rPr lang="fr-FR" dirty="0"/>
-              <a:t>type de publication, </a:t>
-            </a:r>
-            <a:r>
-              <a:rPr lang="fr-FR" dirty="0" smtClean="0"/>
-              <a:t>etc</a:t>
-            </a:r>
-            <a:r>
-              <a:rPr lang="fr-FR" dirty="0"/>
-              <a:t>. </a:t>
-            </a:r>
-            <a:endParaRPr lang="fr-FR" dirty="0" smtClean="0"/>
-          </a:p>
-          <a:p>
-            <a:r>
-              <a:rPr lang="fr-FR" dirty="0"/>
-              <a:t> </a:t>
-            </a:r>
-            <a:r>
-              <a:rPr lang="fr-FR" dirty="0" smtClean="0"/>
-              <a:t>Les </a:t>
-            </a:r>
-            <a:r>
-              <a:rPr lang="fr-FR" dirty="0"/>
-              <a:t>résultats les plus récents ou disposant du plus haut niveau de preuve (revues systématiques et méta-analyses</a:t>
-            </a:r>
-            <a:r>
-              <a:rPr lang="fr-FR" dirty="0" smtClean="0"/>
-              <a:t>) sont favorisés.</a:t>
+              <a:t> Les résultats les plus récents ou disposant du plus haut niveau de preuve (revues systématiques et méta-analyses) sont favorisés.</a:t>
             </a:r>
           </a:p>
           <a:p>
@@ -12380,25 +12044,19 @@
               <a:rPr lang="fr-FR" dirty="0">
                 <a:hlinkClick r:id="rId3"/>
               </a:rPr>
-              <a:t> </a:t>
-            </a:r>
-            <a:r>
-              <a:rPr lang="fr-FR" dirty="0" smtClean="0">
-                <a:hlinkClick r:id="rId3"/>
-              </a:rPr>
-              <a:t>En savoir plus sur le Best match sur le site de </a:t>
-            </a:r>
-            <a:r>
-              <a:rPr lang="fr-FR" dirty="0" err="1" smtClean="0">
+              <a:t> En savoir plus sur le Best match sur le site de </a:t>
+            </a:r>
+            <a:r>
+              <a:rPr lang="fr-FR" dirty="0" err="1">
                 <a:hlinkClick r:id="rId3"/>
               </a:rPr>
               <a:t>PubMed</a:t>
             </a:r>
-            <a:endParaRPr lang="fr-FR" dirty="0" smtClean="0"/>
+            <a:endParaRPr lang="fr-FR" dirty="0"/>
           </a:p>
           <a:p>
             <a:pPr lvl="1"/>
-            <a:endParaRPr lang="fr-FR" dirty="0" smtClean="0"/>
+            <a:endParaRPr lang="fr-FR" dirty="0"/>
           </a:p>
           <a:p>
             <a:pPr lvl="1"/>
@@ -12432,8 +12090,8 @@
               <a:defRPr/>
             </a:pPr>
             <a:r>
-              <a:rPr lang="fr-FR" smtClean="0"/>
-              <a:t>F. Flamerie - Trucs et astuces de PubMed - 2021-06-10</a:t>
+              <a:rPr lang="fr-FR"/>
+              <a:t>F. Flamerie - Trucs et astuces de PubMed - 2022-05-24</a:t>
             </a:r>
             <a:endParaRPr lang="fr-FR" dirty="0"/>
           </a:p>
@@ -12473,13 +12131,6 @@
   <p:clrMapOvr>
     <a:masterClrMapping/>
   </p:clrMapOvr>
-  <p:timing>
-    <p:tnLst>
-      <p:par>
-        <p:cTn id="1" dur="indefinite" restart="never" nodeType="tmRoot"/>
-      </p:par>
-    </p:tnLst>
-  </p:timing>
 </p:sld>
 </file>
 
@@ -12540,56 +12191,56 @@
           <a:lstStyle/>
           <a:p>
             <a:r>
-              <a:rPr lang="fr-FR" i="1" dirty="0" err="1" smtClean="0"/>
+              <a:rPr lang="fr-FR" i="1" dirty="0" err="1"/>
               <a:t>Find</a:t>
             </a:r>
             <a:r>
-              <a:rPr lang="fr-FR" dirty="0" smtClean="0"/>
+              <a:rPr lang="fr-FR" dirty="0"/>
               <a:t> : </a:t>
             </a:r>
             <a:r>
-              <a:rPr lang="fr-FR" i="1" dirty="0" err="1" smtClean="0"/>
+              <a:rPr lang="fr-FR" i="1" dirty="0" err="1"/>
               <a:t>Clinical</a:t>
             </a:r>
             <a:r>
-              <a:rPr lang="fr-FR" i="1" dirty="0" smtClean="0"/>
+              <a:rPr lang="fr-FR" i="1" dirty="0"/>
               <a:t> </a:t>
             </a:r>
             <a:r>
-              <a:rPr lang="fr-FR" i="1" dirty="0" err="1" smtClean="0"/>
+              <a:rPr lang="fr-FR" i="1" dirty="0" err="1"/>
               <a:t>Queries</a:t>
             </a:r>
             <a:r>
-              <a:rPr lang="fr-FR" dirty="0" smtClean="0"/>
+              <a:rPr lang="fr-FR" dirty="0"/>
               <a:t> et </a:t>
             </a:r>
             <a:r>
-              <a:rPr lang="fr-FR" i="1" dirty="0" smtClean="0"/>
+              <a:rPr lang="fr-FR" i="1" dirty="0"/>
               <a:t>Single Citation Matcher</a:t>
             </a:r>
           </a:p>
           <a:p>
             <a:r>
-              <a:rPr lang="fr-FR" dirty="0" smtClean="0"/>
+              <a:rPr lang="fr-FR" dirty="0"/>
               <a:t>Compte </a:t>
             </a:r>
             <a:r>
-              <a:rPr lang="fr-FR" dirty="0" err="1" smtClean="0"/>
+              <a:rPr lang="fr-FR" dirty="0" err="1"/>
               <a:t>MyNCBI</a:t>
             </a:r>
-            <a:endParaRPr lang="fr-FR" dirty="0" smtClean="0"/>
-          </a:p>
-          <a:p>
-            <a:r>
-              <a:rPr lang="fr-FR" dirty="0" smtClean="0"/>
+            <a:endParaRPr lang="fr-FR" dirty="0"/>
+          </a:p>
+          <a:p>
+            <a:r>
+              <a:rPr lang="fr-FR" dirty="0"/>
               <a:t>Yale </a:t>
             </a:r>
             <a:r>
-              <a:rPr lang="fr-FR" dirty="0" err="1" smtClean="0"/>
+              <a:rPr lang="fr-FR" dirty="0" err="1"/>
               <a:t>MeSH</a:t>
             </a:r>
             <a:r>
-              <a:rPr lang="fr-FR" dirty="0" smtClean="0"/>
+              <a:rPr lang="fr-FR" dirty="0"/>
               <a:t> Analyzer</a:t>
             </a:r>
           </a:p>
@@ -12611,8 +12262,8 @@
           <a:lstStyle/>
           <a:p>
             <a:r>
-              <a:rPr lang="fr-FR" smtClean="0"/>
-              <a:t>F. Flamerie - Trucs et astuces de PubMed - 2021-06-10</a:t>
+              <a:rPr lang="fr-FR"/>
+              <a:t>F. Flamerie - Trucs et astuces de PubMed - 2022-05-24</a:t>
             </a:r>
             <a:endParaRPr lang="fr-FR" dirty="0"/>
           </a:p>
@@ -12941,7 +12592,7 @@
                 <a:effectLst/>
                 <a:uLnTx/>
                 <a:uFillTx/>
-                <a:latin typeface="Calibri" panose="020F0502020204030204"/>
+                <a:latin typeface="Corbel" panose="020B0503020204020204" pitchFamily="34" charset="0"/>
                 <a:ea typeface="+mn-ea"/>
                 <a:cs typeface="+mn-cs"/>
               </a:endParaRPr>
@@ -13127,7 +12778,7 @@
                 <a:effectLst/>
                 <a:uLnTx/>
                 <a:uFillTx/>
-                <a:latin typeface="Calibri" panose="020F0502020204030204"/>
+                <a:latin typeface="Corbel" panose="020B0503020204020204" pitchFamily="34" charset="0"/>
                 <a:ea typeface="+mn-ea"/>
                 <a:cs typeface="+mn-cs"/>
               </a:endParaRPr>
@@ -13145,13 +12796,6 @@
   <p:clrMapOvr>
     <a:masterClrMapping/>
   </p:clrMapOvr>
-  <p:timing>
-    <p:tnLst>
-      <p:par>
-        <p:cTn id="1" dur="indefinite" restart="never" nodeType="tmRoot"/>
-      </p:par>
-    </p:tnLst>
-  </p:timing>
 </p:sld>
 </file>
 
@@ -13193,7 +12837,7 @@
           <a:lstStyle/>
           <a:p>
             <a:r>
-              <a:rPr lang="fr-FR" i="1" dirty="0" err="1" smtClean="0"/>
+              <a:rPr lang="fr-FR" i="1" dirty="0" err="1"/>
               <a:t>Find</a:t>
             </a:r>
             <a:endParaRPr lang="fr-FR" i="1" dirty="0"/>
@@ -13216,16 +12860,8 @@
           <a:lstStyle/>
           <a:p>
             <a:r>
-              <a:rPr lang="fr-FR" dirty="0" smtClean="0"/>
-              <a:t>F. Flamerie - Trucs et astuces de </a:t>
-            </a:r>
-            <a:r>
-              <a:rPr lang="fr-FR" dirty="0" err="1" smtClean="0"/>
-              <a:t>PubMed</a:t>
-            </a:r>
-            <a:r>
-              <a:rPr lang="fr-FR" dirty="0" smtClean="0"/>
-              <a:t> - 2021-06-10</a:t>
+              <a:rPr lang="fr-FR"/>
+              <a:t>F. Flamerie - Trucs et astuces de PubMed - 2022-05-24</a:t>
             </a:r>
             <a:endParaRPr lang="fr-FR" dirty="0"/>
           </a:p>
@@ -13438,11 +13074,11 @@
               <a:pPr>
                 <a:defRPr/>
               </a:pPr>
-              <a:endParaRPr lang="fr-FR">
+              <a:endParaRPr lang="fr-FR" dirty="0">
                 <a:solidFill>
                   <a:prstClr val="black"/>
                 </a:solidFill>
-                <a:latin typeface="Calibri" panose="020F0502020204030204"/>
+                <a:latin typeface="Corbel" panose="020B0503020204020204" pitchFamily="34" charset="0"/>
               </a:endParaRPr>
             </a:p>
           </p:txBody>
@@ -13576,11 +13212,11 @@
               <a:pPr>
                 <a:defRPr/>
               </a:pPr>
-              <a:endParaRPr lang="fr-FR">
+              <a:endParaRPr lang="fr-FR" dirty="0">
                 <a:solidFill>
                   <a:prstClr val="black"/>
                 </a:solidFill>
-                <a:latin typeface="Calibri" panose="020F0502020204030204"/>
+                <a:latin typeface="Corbel" panose="020B0503020204020204" pitchFamily="34" charset="0"/>
               </a:endParaRPr>
             </a:p>
           </p:txBody>
@@ -13710,11 +13346,11 @@
               <a:pPr>
                 <a:defRPr/>
               </a:pPr>
-              <a:endParaRPr lang="fr-FR">
+              <a:endParaRPr lang="fr-FR" dirty="0">
                 <a:solidFill>
                   <a:prstClr val="black"/>
                 </a:solidFill>
-                <a:latin typeface="Calibri" panose="020F0502020204030204"/>
+                <a:latin typeface="Corbel" panose="020B0503020204020204" pitchFamily="34" charset="0"/>
               </a:endParaRPr>
             </a:p>
           </p:txBody>
@@ -13880,11 +13516,11 @@
               <a:pPr>
                 <a:defRPr/>
               </a:pPr>
-              <a:endParaRPr lang="fr-FR">
+              <a:endParaRPr lang="fr-FR" dirty="0">
                 <a:solidFill>
                   <a:prstClr val="black"/>
                 </a:solidFill>
-                <a:latin typeface="Calibri" panose="020F0502020204030204"/>
+                <a:latin typeface="Corbel" panose="020B0503020204020204" pitchFamily="34" charset="0"/>
               </a:endParaRPr>
             </a:p>
           </p:txBody>
@@ -13913,62 +13549,61 @@
           <a:lstStyle/>
           <a:p>
             <a:r>
-              <a:rPr lang="fr-FR" dirty="0" smtClean="0"/>
+              <a:rPr lang="fr-FR" dirty="0"/>
               <a:t> </a:t>
             </a:r>
             <a:r>
-              <a:rPr lang="fr-FR" i="1" dirty="0" err="1" smtClean="0"/>
+              <a:rPr lang="fr-FR" i="1" dirty="0" err="1"/>
               <a:t>Clinical</a:t>
             </a:r>
             <a:r>
-              <a:rPr lang="fr-FR" i="1" dirty="0" smtClean="0"/>
+              <a:rPr lang="fr-FR" i="1" dirty="0"/>
               <a:t> </a:t>
             </a:r>
             <a:r>
-              <a:rPr lang="fr-FR" i="1" dirty="0" err="1" smtClean="0"/>
+              <a:rPr lang="fr-FR" i="1" dirty="0" err="1"/>
               <a:t>Queries</a:t>
             </a:r>
             <a:r>
-              <a:rPr lang="fr-FR" i="1" dirty="0" smtClean="0"/>
+              <a:rPr lang="fr-FR" i="1" dirty="0"/>
               <a:t> </a:t>
             </a:r>
             <a:r>
-              <a:rPr lang="fr-FR" dirty="0" smtClean="0"/>
+              <a:rPr lang="fr-FR" dirty="0"/>
               <a:t>: ajout d’une rubrique </a:t>
             </a:r>
             <a:r>
-              <a:rPr lang="fr-FR" i="1" dirty="0" smtClean="0"/>
+              <a:rPr lang="fr-FR" i="1" dirty="0"/>
               <a:t>COVID-19 Articles</a:t>
             </a:r>
           </a:p>
           <a:p>
             <a:pPr lvl="1"/>
             <a:r>
-              <a:rPr lang="fr-FR" dirty="0" smtClean="0">
+              <a:rPr lang="fr-FR" dirty="0">
                 <a:hlinkClick r:id="rId3"/>
               </a:rPr>
               <a:t>Détails de la construction des filtres COVID-19 </a:t>
             </a:r>
             <a:r>
-              <a:rPr lang="fr-FR" dirty="0" smtClean="0"/>
+              <a:rPr lang="fr-FR" dirty="0"/>
               <a:t>sur le site de </a:t>
             </a:r>
             <a:r>
-              <a:rPr lang="fr-FR" dirty="0" err="1" smtClean="0"/>
+              <a:rPr lang="fr-FR" dirty="0" err="1"/>
               <a:t>PubMed</a:t>
             </a:r>
-            <a:endParaRPr lang="fr-FR" dirty="0" smtClean="0"/>
-          </a:p>
-          <a:p>
-            <a:r>
-              <a:rPr lang="fr-FR" i="1" dirty="0" smtClean="0"/>
+            <a:endParaRPr lang="fr-FR" dirty="0"/>
+          </a:p>
+          <a:p>
+            <a:r>
+              <a:rPr lang="fr-FR" i="1" dirty="0"/>
               <a:t>Single Citation Matcher </a:t>
             </a:r>
             <a:r>
-              <a:rPr lang="fr-FR" dirty="0" smtClean="0"/>
+              <a:rPr lang="fr-FR" dirty="0"/>
               <a:t>pour retrouver rapidement un article à partir d’une réf biblio incomplète ou erronée</a:t>
             </a:r>
-            <a:endParaRPr lang="fr-FR" dirty="0"/>
           </a:p>
         </p:txBody>
       </p:sp>
@@ -13982,13 +13617,6 @@
   <p:clrMapOvr>
     <a:masterClrMapping/>
   </p:clrMapOvr>
-  <p:timing>
-    <p:tnLst>
-      <p:par>
-        <p:cTn id="1" dur="indefinite" restart="never" nodeType="tmRoot"/>
-      </p:par>
-    </p:tnLst>
-  </p:timing>
 </p:sld>
 </file>
 
@@ -14021,23 +13649,35 @@
         </p:nvSpPr>
         <p:spPr>
           <a:xfrm>
-            <a:off x="101208" y="339924"/>
-            <a:ext cx="3353156" cy="1325563"/>
+            <a:off x="405113" y="-16647"/>
+            <a:ext cx="6137546" cy="1325563"/>
           </a:xfrm>
         </p:spPr>
         <p:txBody>
           <a:bodyPr>
-            <a:normAutofit fontScale="90000"/>
+            <a:normAutofit/>
           </a:bodyPr>
           <a:lstStyle/>
           <a:p>
             <a:r>
-              <a:rPr lang="fr-FR" i="1" dirty="0" err="1" smtClean="0"/>
+              <a:rPr lang="fr-FR" i="1" dirty="0" err="1"/>
               <a:t>Find</a:t>
             </a:r>
             <a:r>
-              <a:rPr lang="fr-FR" i="1" dirty="0" smtClean="0"/>
-              <a:t> : Single Citation Matcher</a:t>
+              <a:rPr lang="fr-FR" i="1" dirty="0"/>
+              <a:t> : </a:t>
+            </a:r>
+            <a:r>
+              <a:rPr lang="fr-FR" i="1" dirty="0" err="1"/>
+              <a:t>Clinical</a:t>
+            </a:r>
+            <a:r>
+              <a:rPr lang="fr-FR" i="1" dirty="0"/>
+              <a:t> </a:t>
+            </a:r>
+            <a:r>
+              <a:rPr lang="fr-FR" i="1" dirty="0" err="1"/>
+              <a:t>Queries</a:t>
             </a:r>
             <a:endParaRPr lang="fr-FR" i="1" dirty="0"/>
           </a:p>
@@ -14059,16 +13699,8 @@
           <a:lstStyle/>
           <a:p>
             <a:r>
-              <a:rPr lang="fr-FR" dirty="0" smtClean="0"/>
-              <a:t>F. Flamerie - Trucs et astuces de </a:t>
-            </a:r>
-            <a:r>
-              <a:rPr lang="fr-FR" dirty="0" err="1" smtClean="0"/>
-              <a:t>PubMed</a:t>
-            </a:r>
-            <a:r>
-              <a:rPr lang="fr-FR" dirty="0" smtClean="0"/>
-              <a:t> - 2021-06-10</a:t>
+              <a:rPr lang="fr-FR"/>
+              <a:t>F. Flamerie - Trucs et astuces de PubMed - 2022-05-24</a:t>
             </a:r>
             <a:endParaRPr lang="fr-FR" dirty="0"/>
           </a:p>
@@ -14097,612 +13729,295 @@
           </a:p>
         </p:txBody>
       </p:sp>
-      <p:grpSp>
-        <p:nvGrpSpPr>
-          <p:cNvPr id="11" name="Arrow34" descr="{&quot;Key&quot;:&quot;POWER_USER_SHAPE_ICON&quot;,&quot;Value&quot;:&quot;POWER_USER_SHAPE_ICON_STYLE_1&quot;}">
+      <p:sp>
+        <p:nvSpPr>
+          <p:cNvPr id="7" name="Espace réservé du contenu 6"/>
+          <p:cNvSpPr>
+            <a:spLocks noGrp="1"/>
+          </p:cNvSpPr>
+          <p:nvPr>
+            <p:ph idx="1"/>
+          </p:nvPr>
+        </p:nvSpPr>
+        <p:spPr>
+          <a:xfrm>
+            <a:off x="405113" y="1320037"/>
+            <a:ext cx="2013992" cy="3813596"/>
+          </a:xfrm>
+        </p:spPr>
+        <p:txBody>
+          <a:bodyPr>
+            <a:normAutofit/>
+          </a:bodyPr>
+          <a:lstStyle/>
+          <a:p>
+            <a:pPr marL="0" indent="0">
+              <a:buNone/>
+            </a:pPr>
+            <a:r>
+              <a:rPr lang="fr-FR" dirty="0"/>
+              <a:t>Exemple :  recherche sur l’efficacité des traitements à la vitamine D sur la DMLA</a:t>
+            </a:r>
+          </a:p>
+          <a:p>
+            <a:pPr marL="0" indent="0">
+              <a:buNone/>
+            </a:pPr>
+            <a:endParaRPr lang="fr-FR" dirty="0"/>
+          </a:p>
+          <a:p>
+            <a:pPr marL="457200" lvl="1" indent="0">
+              <a:buNone/>
+            </a:pPr>
+            <a:endParaRPr lang="fr-FR" dirty="0" err="1"/>
+          </a:p>
+        </p:txBody>
+      </p:sp>
+      <p:sp>
+        <p:nvSpPr>
+          <p:cNvPr id="2" name="ZoneTexte 1"/>
+          <p:cNvSpPr txBox="1"/>
+          <p:nvPr/>
+        </p:nvSpPr>
+        <p:spPr>
+          <a:xfrm>
+            <a:off x="405113" y="5778123"/>
+            <a:ext cx="11424214" cy="923330"/>
+          </a:xfrm>
+          <a:prstGeom prst="rect">
+            <a:avLst/>
+          </a:prstGeom>
+          <a:solidFill>
+            <a:schemeClr val="bg1"/>
+          </a:solidFill>
+        </p:spPr>
+        <p:txBody>
+          <a:bodyPr wrap="square" rtlCol="0">
+            <a:spAutoFit/>
+          </a:bodyPr>
+          <a:lstStyle/>
+          <a:p>
+            <a:r>
+              <a:rPr lang="fr-FR" dirty="0">
+                <a:latin typeface="Corbel" panose="020B0503020204020204" pitchFamily="34" charset="0"/>
+              </a:rPr>
+              <a:t>Détails de la recherche concernant cet exemple et autres exemples dans la section </a:t>
+            </a:r>
+            <a:r>
+              <a:rPr lang="fr-FR" i="1" dirty="0" err="1">
+                <a:latin typeface="Corbel" panose="020B0503020204020204" pitchFamily="34" charset="0"/>
+              </a:rPr>
+              <a:t>Supplement</a:t>
+            </a:r>
+            <a:r>
+              <a:rPr lang="fr-FR" dirty="0">
+                <a:latin typeface="Corbel" panose="020B0503020204020204" pitchFamily="34" charset="0"/>
+              </a:rPr>
+              <a:t> de : </a:t>
+            </a:r>
+            <a:r>
+              <a:rPr lang="en-US" dirty="0">
+                <a:latin typeface="Corbel" panose="020B0503020204020204" pitchFamily="34" charset="0"/>
+              </a:rPr>
+              <a:t>Kang, P., </a:t>
+            </a:r>
+            <a:r>
+              <a:rPr lang="en-US" dirty="0" err="1">
+                <a:latin typeface="Corbel" panose="020B0503020204020204" pitchFamily="34" charset="0"/>
+              </a:rPr>
+              <a:t>Kalloniatis</a:t>
+            </a:r>
+            <a:r>
+              <a:rPr lang="en-US" dirty="0">
+                <a:latin typeface="Corbel" panose="020B0503020204020204" pitchFamily="34" charset="0"/>
+              </a:rPr>
+              <a:t>, M., &amp; </a:t>
+            </a:r>
+            <a:r>
+              <a:rPr lang="en-US" dirty="0" err="1">
+                <a:latin typeface="Corbel" panose="020B0503020204020204" pitchFamily="34" charset="0"/>
+              </a:rPr>
+              <a:t>Doig</a:t>
+            </a:r>
+            <a:r>
+              <a:rPr lang="en-US" dirty="0">
+                <a:latin typeface="Corbel" panose="020B0503020204020204" pitchFamily="34" charset="0"/>
+              </a:rPr>
+              <a:t>, G. S. (2021). Using Updated PubMed : New Features and Functions to Enhance Literature Searches. </a:t>
+            </a:r>
+            <a:r>
+              <a:rPr lang="en-US" i="1" dirty="0">
+                <a:latin typeface="Corbel" panose="020B0503020204020204" pitchFamily="34" charset="0"/>
+              </a:rPr>
+              <a:t>JAMA</a:t>
+            </a:r>
+            <a:r>
+              <a:rPr lang="en-US" dirty="0">
+                <a:latin typeface="Corbel" panose="020B0503020204020204" pitchFamily="34" charset="0"/>
+              </a:rPr>
+              <a:t>, </a:t>
+            </a:r>
+            <a:r>
+              <a:rPr lang="en-US" i="1" dirty="0">
+                <a:latin typeface="Corbel" panose="020B0503020204020204" pitchFamily="34" charset="0"/>
+              </a:rPr>
+              <a:t>326</a:t>
+            </a:r>
+            <a:r>
+              <a:rPr lang="en-US" dirty="0">
+                <a:latin typeface="Corbel" panose="020B0503020204020204" pitchFamily="34" charset="0"/>
+              </a:rPr>
+              <a:t>(6), 479‑480. </a:t>
+            </a:r>
+            <a:r>
+              <a:rPr lang="en-US" dirty="0">
+                <a:latin typeface="Corbel" panose="020B0503020204020204" pitchFamily="34" charset="0"/>
+                <a:hlinkClick r:id="rId2"/>
+              </a:rPr>
+              <a:t>https://doi.org/10.1001/jama.2021.12021</a:t>
+            </a:r>
+            <a:endParaRPr lang="fr-FR" dirty="0"/>
+          </a:p>
+        </p:txBody>
+      </p:sp>
+      <p:pic>
+        <p:nvPicPr>
+          <p:cNvPr id="8" name="Image 7"/>
+          <p:cNvPicPr>
+            <a:picLocks noChangeAspect="1"/>
+          </p:cNvPicPr>
+          <p:nvPr/>
+        </p:nvPicPr>
+        <p:blipFill rotWithShape="1">
+          <a:blip r:embed="rId3">
             <a:extLst>
-              <a:ext uri="{FF2B5EF4-FFF2-40B4-BE49-F238E27FC236}">
-                <a16:creationId xmlns="" xmlns:a16="http://schemas.microsoft.com/office/drawing/2014/main" id="{43E68E00-EA18-49EE-91A7-B065011E5152}"/>
+              <a:ext uri="{28A0092B-C50C-407E-A947-70E740481C1C}">
+                <a14:useLocalDpi xmlns:a14="http://schemas.microsoft.com/office/drawing/2010/main" val="0"/>
               </a:ext>
             </a:extLst>
-          </p:cNvPr>
-          <p:cNvGrpSpPr>
-            <a:grpSpLocks noChangeAspect="1"/>
-          </p:cNvGrpSpPr>
-          <p:nvPr/>
-        </p:nvGrpSpPr>
-        <p:grpSpPr>
+          </a:blip>
+          <a:srcRect l="1019"/>
+          <a:stretch/>
+        </p:blipFill>
+        <p:spPr>
           <a:xfrm>
-            <a:off x="5352342" y="5304445"/>
-            <a:ext cx="547953" cy="542925"/>
-            <a:chOff x="6004176" y="1690066"/>
-            <a:chExt cx="1039285" cy="1029748"/>
+            <a:off x="2419105" y="1308916"/>
+            <a:ext cx="9564547" cy="4458086"/>
           </a:xfrm>
-          <a:solidFill>
-            <a:srgbClr val="FF6600"/>
-          </a:solidFill>
-        </p:grpSpPr>
-        <p:sp>
-          <p:nvSpPr>
-            <p:cNvPr id="12" name="Freeform 195">
-              <a:extLst>
-                <a:ext uri="{FF2B5EF4-FFF2-40B4-BE49-F238E27FC236}">
-                  <a16:creationId xmlns="" xmlns:a16="http://schemas.microsoft.com/office/drawing/2014/main" id="{B426E1A2-1601-4CCF-ADA5-FD9317539629}"/>
-                </a:ext>
-              </a:extLst>
-            </p:cNvPr>
-            <p:cNvSpPr>
-              <a:spLocks/>
-            </p:cNvSpPr>
-            <p:nvPr/>
-          </p:nvSpPr>
-          <p:spPr bwMode="auto">
-            <a:xfrm>
-              <a:off x="6213939" y="1880760"/>
-              <a:ext cx="781845" cy="476735"/>
-            </a:xfrm>
-            <a:custGeom>
-              <a:avLst/>
-              <a:gdLst>
-                <a:gd name="T0" fmla="*/ 81 w 1018"/>
-                <a:gd name="T1" fmla="*/ 623 h 623"/>
-                <a:gd name="T2" fmla="*/ 34 w 1018"/>
-                <a:gd name="T3" fmla="*/ 606 h 623"/>
-                <a:gd name="T4" fmla="*/ 26 w 1018"/>
-                <a:gd name="T5" fmla="*/ 504 h 623"/>
-                <a:gd name="T6" fmla="*/ 933 w 1018"/>
-                <a:gd name="T7" fmla="*/ 4 h 623"/>
-                <a:gd name="T8" fmla="*/ 1013 w 1018"/>
-                <a:gd name="T9" fmla="*/ 68 h 623"/>
-                <a:gd name="T10" fmla="*/ 949 w 1018"/>
-                <a:gd name="T11" fmla="*/ 148 h 623"/>
-                <a:gd name="T12" fmla="*/ 136 w 1018"/>
-                <a:gd name="T13" fmla="*/ 598 h 623"/>
-                <a:gd name="T14" fmla="*/ 81 w 1018"/>
-                <a:gd name="T15" fmla="*/ 623 h 623"/>
-              </a:gdLst>
-              <a:ahLst/>
-              <a:cxnLst>
-                <a:cxn ang="0">
-                  <a:pos x="T0" y="T1"/>
-                </a:cxn>
-                <a:cxn ang="0">
-                  <a:pos x="T2" y="T3"/>
-                </a:cxn>
-                <a:cxn ang="0">
-                  <a:pos x="T4" y="T5"/>
-                </a:cxn>
-                <a:cxn ang="0">
-                  <a:pos x="T6" y="T7"/>
-                </a:cxn>
-                <a:cxn ang="0">
-                  <a:pos x="T8" y="T9"/>
-                </a:cxn>
-                <a:cxn ang="0">
-                  <a:pos x="T10" y="T11"/>
-                </a:cxn>
-                <a:cxn ang="0">
-                  <a:pos x="T12" y="T13"/>
-                </a:cxn>
-                <a:cxn ang="0">
-                  <a:pos x="T14" y="T15"/>
-                </a:cxn>
-              </a:cxnLst>
-              <a:rect l="0" t="0" r="r" b="b"/>
-              <a:pathLst>
-                <a:path w="1018" h="623">
-                  <a:moveTo>
-                    <a:pt x="81" y="623"/>
-                  </a:moveTo>
-                  <a:cubicBezTo>
-                    <a:pt x="65" y="623"/>
-                    <a:pt x="48" y="618"/>
-                    <a:pt x="34" y="606"/>
-                  </a:cubicBezTo>
-                  <a:cubicBezTo>
-                    <a:pt x="4" y="580"/>
-                    <a:pt x="0" y="534"/>
-                    <a:pt x="26" y="504"/>
-                  </a:cubicBezTo>
-                  <a:cubicBezTo>
-                    <a:pt x="282" y="206"/>
-                    <a:pt x="578" y="43"/>
-                    <a:pt x="933" y="4"/>
-                  </a:cubicBezTo>
-                  <a:cubicBezTo>
-                    <a:pt x="973" y="0"/>
-                    <a:pt x="1009" y="29"/>
-                    <a:pt x="1013" y="68"/>
-                  </a:cubicBezTo>
-                  <a:cubicBezTo>
-                    <a:pt x="1018" y="108"/>
-                    <a:pt x="989" y="144"/>
-                    <a:pt x="949" y="148"/>
-                  </a:cubicBezTo>
-                  <a:cubicBezTo>
-                    <a:pt x="628" y="183"/>
-                    <a:pt x="370" y="326"/>
-                    <a:pt x="136" y="598"/>
-                  </a:cubicBezTo>
-                  <a:cubicBezTo>
-                    <a:pt x="122" y="615"/>
-                    <a:pt x="102" y="623"/>
-                    <a:pt x="81" y="623"/>
-                  </a:cubicBezTo>
-                </a:path>
-              </a:pathLst>
-            </a:custGeom>
-            <a:grpFill/>
-            <a:ln w="9525">
-              <a:noFill/>
-              <a:round/>
-              <a:headEnd/>
-              <a:tailEnd/>
-            </a:ln>
-          </p:spPr>
-          <p:txBody>
-            <a:bodyPr vert="horz" wrap="square" lIns="91440" tIns="45720" rIns="91440" bIns="45720" numCol="1" anchor="t" anchorCtr="0" compatLnSpc="1">
-              <a:prstTxWarp prst="textNoShape">
-                <a:avLst/>
-              </a:prstTxWarp>
-            </a:bodyPr>
-            <a:lstStyle/>
-            <a:p>
-              <a:pPr>
-                <a:defRPr/>
-              </a:pPr>
-              <a:endParaRPr lang="fr-FR">
-                <a:solidFill>
-                  <a:prstClr val="black"/>
-                </a:solidFill>
-                <a:latin typeface="Calibri" panose="020F0502020204030204"/>
-              </a:endParaRPr>
-            </a:p>
-          </p:txBody>
-        </p:sp>
-        <p:sp>
-          <p:nvSpPr>
-            <p:cNvPr id="13" name="Freeform 196">
-              <a:extLst>
-                <a:ext uri="{FF2B5EF4-FFF2-40B4-BE49-F238E27FC236}">
-                  <a16:creationId xmlns="" xmlns:a16="http://schemas.microsoft.com/office/drawing/2014/main" id="{7CA8E433-9ACF-4A11-B832-05AE8A209954}"/>
-                </a:ext>
-              </a:extLst>
-            </p:cNvPr>
-            <p:cNvSpPr>
-              <a:spLocks/>
-            </p:cNvSpPr>
-            <p:nvPr/>
-          </p:nvSpPr>
-          <p:spPr bwMode="auto">
-            <a:xfrm>
-              <a:off x="6080453" y="2376565"/>
-              <a:ext cx="152555" cy="171625"/>
-            </a:xfrm>
-            <a:custGeom>
-              <a:avLst/>
-              <a:gdLst>
-                <a:gd name="T0" fmla="*/ 83 w 205"/>
-                <a:gd name="T1" fmla="*/ 223 h 223"/>
-                <a:gd name="T2" fmla="*/ 48 w 205"/>
-                <a:gd name="T3" fmla="*/ 214 h 223"/>
-                <a:gd name="T4" fmla="*/ 19 w 205"/>
-                <a:gd name="T5" fmla="*/ 116 h 223"/>
-                <a:gd name="T6" fmla="*/ 61 w 205"/>
-                <a:gd name="T7" fmla="*/ 45 h 223"/>
-                <a:gd name="T8" fmla="*/ 160 w 205"/>
-                <a:gd name="T9" fmla="*/ 22 h 223"/>
-                <a:gd name="T10" fmla="*/ 184 w 205"/>
-                <a:gd name="T11" fmla="*/ 121 h 223"/>
-                <a:gd name="T12" fmla="*/ 146 w 205"/>
-                <a:gd name="T13" fmla="*/ 186 h 223"/>
-                <a:gd name="T14" fmla="*/ 83 w 205"/>
-                <a:gd name="T15" fmla="*/ 223 h 223"/>
-              </a:gdLst>
-              <a:ahLst/>
-              <a:cxnLst>
-                <a:cxn ang="0">
-                  <a:pos x="T0" y="T1"/>
-                </a:cxn>
-                <a:cxn ang="0">
-                  <a:pos x="T2" y="T3"/>
-                </a:cxn>
-                <a:cxn ang="0">
-                  <a:pos x="T4" y="T5"/>
-                </a:cxn>
-                <a:cxn ang="0">
-                  <a:pos x="T6" y="T7"/>
-                </a:cxn>
-                <a:cxn ang="0">
-                  <a:pos x="T8" y="T9"/>
-                </a:cxn>
-                <a:cxn ang="0">
-                  <a:pos x="T10" y="T11"/>
-                </a:cxn>
-                <a:cxn ang="0">
-                  <a:pos x="T12" y="T13"/>
-                </a:cxn>
-                <a:cxn ang="0">
-                  <a:pos x="T14" y="T15"/>
-                </a:cxn>
-              </a:cxnLst>
-              <a:rect l="0" t="0" r="r" b="b"/>
-              <a:pathLst>
-                <a:path w="205" h="223">
-                  <a:moveTo>
-                    <a:pt x="83" y="223"/>
-                  </a:moveTo>
-                  <a:cubicBezTo>
-                    <a:pt x="71" y="223"/>
-                    <a:pt x="59" y="220"/>
-                    <a:pt x="48" y="214"/>
-                  </a:cubicBezTo>
-                  <a:cubicBezTo>
-                    <a:pt x="13" y="195"/>
-                    <a:pt x="0" y="151"/>
-                    <a:pt x="19" y="116"/>
-                  </a:cubicBezTo>
-                  <a:cubicBezTo>
-                    <a:pt x="32" y="92"/>
-                    <a:pt x="46" y="68"/>
-                    <a:pt x="61" y="45"/>
-                  </a:cubicBezTo>
-                  <a:cubicBezTo>
-                    <a:pt x="82" y="11"/>
-                    <a:pt x="126" y="0"/>
-                    <a:pt x="160" y="22"/>
-                  </a:cubicBezTo>
-                  <a:cubicBezTo>
-                    <a:pt x="194" y="42"/>
-                    <a:pt x="205" y="87"/>
-                    <a:pt x="184" y="121"/>
-                  </a:cubicBezTo>
-                  <a:cubicBezTo>
-                    <a:pt x="171" y="142"/>
-                    <a:pt x="158" y="164"/>
-                    <a:pt x="146" y="186"/>
-                  </a:cubicBezTo>
-                  <a:cubicBezTo>
-                    <a:pt x="133" y="210"/>
-                    <a:pt x="108" y="223"/>
-                    <a:pt x="83" y="223"/>
-                  </a:cubicBezTo>
-                </a:path>
-              </a:pathLst>
-            </a:custGeom>
-            <a:grpFill/>
-            <a:ln w="9525">
-              <a:noFill/>
-              <a:round/>
-              <a:headEnd/>
-              <a:tailEnd/>
-            </a:ln>
-          </p:spPr>
-          <p:txBody>
-            <a:bodyPr vert="horz" wrap="square" lIns="91440" tIns="45720" rIns="91440" bIns="45720" numCol="1" anchor="t" anchorCtr="0" compatLnSpc="1">
-              <a:prstTxWarp prst="textNoShape">
-                <a:avLst/>
-              </a:prstTxWarp>
-            </a:bodyPr>
-            <a:lstStyle/>
-            <a:p>
-              <a:pPr>
-                <a:defRPr/>
-              </a:pPr>
-              <a:endParaRPr lang="fr-FR">
-                <a:solidFill>
-                  <a:prstClr val="black"/>
-                </a:solidFill>
-                <a:latin typeface="Calibri" panose="020F0502020204030204"/>
-              </a:endParaRPr>
-            </a:p>
-          </p:txBody>
-        </p:sp>
-        <p:sp>
-          <p:nvSpPr>
-            <p:cNvPr id="14" name="Freeform 197">
-              <a:extLst>
-                <a:ext uri="{FF2B5EF4-FFF2-40B4-BE49-F238E27FC236}">
-                  <a16:creationId xmlns="" xmlns:a16="http://schemas.microsoft.com/office/drawing/2014/main" id="{B1AA219A-44DC-4DD1-B062-924FC970BD8C}"/>
-                </a:ext>
-              </a:extLst>
-            </p:cNvPr>
-            <p:cNvSpPr>
-              <a:spLocks/>
-            </p:cNvSpPr>
-            <p:nvPr/>
-          </p:nvSpPr>
-          <p:spPr bwMode="auto">
-            <a:xfrm>
-              <a:off x="6004176" y="2586328"/>
-              <a:ext cx="133486" cy="133486"/>
-            </a:xfrm>
-            <a:custGeom>
-              <a:avLst/>
-              <a:gdLst>
-                <a:gd name="T0" fmla="*/ 81 w 167"/>
-                <a:gd name="T1" fmla="*/ 169 h 169"/>
-                <a:gd name="T2" fmla="*/ 59 w 167"/>
-                <a:gd name="T3" fmla="*/ 166 h 169"/>
-                <a:gd name="T4" fmla="*/ 12 w 167"/>
-                <a:gd name="T5" fmla="*/ 75 h 169"/>
-                <a:gd name="T6" fmla="*/ 17 w 167"/>
-                <a:gd name="T7" fmla="*/ 60 h 169"/>
-                <a:gd name="T8" fmla="*/ 108 w 167"/>
-                <a:gd name="T9" fmla="*/ 12 h 169"/>
-                <a:gd name="T10" fmla="*/ 155 w 167"/>
-                <a:gd name="T11" fmla="*/ 103 h 169"/>
-                <a:gd name="T12" fmla="*/ 150 w 167"/>
-                <a:gd name="T13" fmla="*/ 118 h 169"/>
-                <a:gd name="T14" fmla="*/ 81 w 167"/>
-                <a:gd name="T15" fmla="*/ 169 h 169"/>
-              </a:gdLst>
-              <a:ahLst/>
-              <a:cxnLst>
-                <a:cxn ang="0">
-                  <a:pos x="T0" y="T1"/>
-                </a:cxn>
-                <a:cxn ang="0">
-                  <a:pos x="T2" y="T3"/>
-                </a:cxn>
-                <a:cxn ang="0">
-                  <a:pos x="T4" y="T5"/>
-                </a:cxn>
-                <a:cxn ang="0">
-                  <a:pos x="T6" y="T7"/>
-                </a:cxn>
-                <a:cxn ang="0">
-                  <a:pos x="T8" y="T9"/>
-                </a:cxn>
-                <a:cxn ang="0">
-                  <a:pos x="T10" y="T11"/>
-                </a:cxn>
-                <a:cxn ang="0">
-                  <a:pos x="T12" y="T13"/>
-                </a:cxn>
-                <a:cxn ang="0">
-                  <a:pos x="T14" y="T15"/>
-                </a:cxn>
-              </a:cxnLst>
-              <a:rect l="0" t="0" r="r" b="b"/>
-              <a:pathLst>
-                <a:path w="167" h="169">
-                  <a:moveTo>
-                    <a:pt x="81" y="169"/>
-                  </a:moveTo>
-                  <a:cubicBezTo>
-                    <a:pt x="74" y="169"/>
-                    <a:pt x="67" y="168"/>
-                    <a:pt x="59" y="166"/>
-                  </a:cubicBezTo>
-                  <a:cubicBezTo>
-                    <a:pt x="21" y="154"/>
-                    <a:pt x="0" y="113"/>
-                    <a:pt x="12" y="75"/>
-                  </a:cubicBezTo>
-                  <a:lnTo>
-                    <a:pt x="17" y="60"/>
-                  </a:lnTo>
-                  <a:cubicBezTo>
-                    <a:pt x="29" y="21"/>
-                    <a:pt x="69" y="0"/>
-                    <a:pt x="108" y="12"/>
-                  </a:cubicBezTo>
-                  <a:cubicBezTo>
-                    <a:pt x="146" y="24"/>
-                    <a:pt x="167" y="65"/>
-                    <a:pt x="155" y="103"/>
-                  </a:cubicBezTo>
-                  <a:lnTo>
-                    <a:pt x="150" y="118"/>
-                  </a:lnTo>
-                  <a:cubicBezTo>
-                    <a:pt x="140" y="149"/>
-                    <a:pt x="112" y="169"/>
-                    <a:pt x="81" y="169"/>
-                  </a:cubicBezTo>
-                </a:path>
-              </a:pathLst>
-            </a:custGeom>
-            <a:grpFill/>
-            <a:ln w="9525">
-              <a:noFill/>
-              <a:round/>
-              <a:headEnd/>
-              <a:tailEnd/>
-            </a:ln>
-          </p:spPr>
-          <p:txBody>
-            <a:bodyPr vert="horz" wrap="square" lIns="91440" tIns="45720" rIns="91440" bIns="45720" numCol="1" anchor="t" anchorCtr="0" compatLnSpc="1">
-              <a:prstTxWarp prst="textNoShape">
-                <a:avLst/>
-              </a:prstTxWarp>
-            </a:bodyPr>
-            <a:lstStyle/>
-            <a:p>
-              <a:pPr>
-                <a:defRPr/>
-              </a:pPr>
-              <a:endParaRPr lang="fr-FR">
-                <a:solidFill>
-                  <a:prstClr val="black"/>
-                </a:solidFill>
-                <a:latin typeface="Calibri" panose="020F0502020204030204"/>
-              </a:endParaRPr>
-            </a:p>
-          </p:txBody>
-        </p:sp>
-        <p:sp>
-          <p:nvSpPr>
-            <p:cNvPr id="15" name="Freeform 198">
-              <a:extLst>
-                <a:ext uri="{FF2B5EF4-FFF2-40B4-BE49-F238E27FC236}">
-                  <a16:creationId xmlns="" xmlns:a16="http://schemas.microsoft.com/office/drawing/2014/main" id="{D93843A3-5211-4329-AAB5-9A71A272F9BF}"/>
-                </a:ext>
-              </a:extLst>
-            </p:cNvPr>
-            <p:cNvSpPr>
-              <a:spLocks/>
-            </p:cNvSpPr>
-            <p:nvPr/>
-          </p:nvSpPr>
-          <p:spPr bwMode="auto">
-            <a:xfrm>
-              <a:off x="6652535" y="1690066"/>
-              <a:ext cx="390926" cy="562551"/>
-            </a:xfrm>
-            <a:custGeom>
-              <a:avLst/>
-              <a:gdLst>
-                <a:gd name="T0" fmla="*/ 197 w 510"/>
-                <a:gd name="T1" fmla="*/ 738 h 738"/>
-                <a:gd name="T2" fmla="*/ 156 w 510"/>
-                <a:gd name="T3" fmla="*/ 726 h 738"/>
-                <a:gd name="T4" fmla="*/ 137 w 510"/>
-                <a:gd name="T5" fmla="*/ 625 h 738"/>
-                <a:gd name="T6" fmla="*/ 334 w 510"/>
-                <a:gd name="T7" fmla="*/ 336 h 738"/>
-                <a:gd name="T8" fmla="*/ 42 w 510"/>
-                <a:gd name="T9" fmla="*/ 143 h 738"/>
-                <a:gd name="T10" fmla="*/ 22 w 510"/>
-                <a:gd name="T11" fmla="*/ 42 h 738"/>
-                <a:gd name="T12" fmla="*/ 123 w 510"/>
-                <a:gd name="T13" fmla="*/ 22 h 738"/>
-                <a:gd name="T14" fmla="*/ 476 w 510"/>
-                <a:gd name="T15" fmla="*/ 256 h 738"/>
-                <a:gd name="T16" fmla="*/ 507 w 510"/>
-                <a:gd name="T17" fmla="*/ 303 h 738"/>
-                <a:gd name="T18" fmla="*/ 495 w 510"/>
-                <a:gd name="T19" fmla="*/ 358 h 738"/>
-                <a:gd name="T20" fmla="*/ 257 w 510"/>
-                <a:gd name="T21" fmla="*/ 707 h 738"/>
-                <a:gd name="T22" fmla="*/ 197 w 510"/>
-                <a:gd name="T23" fmla="*/ 738 h 738"/>
-              </a:gdLst>
-              <a:ahLst/>
-              <a:cxnLst>
-                <a:cxn ang="0">
-                  <a:pos x="T0" y="T1"/>
-                </a:cxn>
-                <a:cxn ang="0">
-                  <a:pos x="T2" y="T3"/>
-                </a:cxn>
-                <a:cxn ang="0">
-                  <a:pos x="T4" y="T5"/>
-                </a:cxn>
-                <a:cxn ang="0">
-                  <a:pos x="T6" y="T7"/>
-                </a:cxn>
-                <a:cxn ang="0">
-                  <a:pos x="T8" y="T9"/>
-                </a:cxn>
-                <a:cxn ang="0">
-                  <a:pos x="T10" y="T11"/>
-                </a:cxn>
-                <a:cxn ang="0">
-                  <a:pos x="T12" y="T13"/>
-                </a:cxn>
-                <a:cxn ang="0">
-                  <a:pos x="T14" y="T15"/>
-                </a:cxn>
-                <a:cxn ang="0">
-                  <a:pos x="T16" y="T17"/>
-                </a:cxn>
-                <a:cxn ang="0">
-                  <a:pos x="T18" y="T19"/>
-                </a:cxn>
-                <a:cxn ang="0">
-                  <a:pos x="T20" y="T21"/>
-                </a:cxn>
-                <a:cxn ang="0">
-                  <a:pos x="T22" y="T23"/>
-                </a:cxn>
-              </a:cxnLst>
-              <a:rect l="0" t="0" r="r" b="b"/>
-              <a:pathLst>
-                <a:path w="510" h="738">
-                  <a:moveTo>
-                    <a:pt x="197" y="738"/>
-                  </a:moveTo>
-                  <a:cubicBezTo>
-                    <a:pt x="183" y="738"/>
-                    <a:pt x="169" y="734"/>
-                    <a:pt x="156" y="726"/>
-                  </a:cubicBezTo>
-                  <a:cubicBezTo>
-                    <a:pt x="123" y="703"/>
-                    <a:pt x="115" y="658"/>
-                    <a:pt x="137" y="625"/>
-                  </a:cubicBezTo>
-                  <a:lnTo>
-                    <a:pt x="334" y="336"/>
-                  </a:lnTo>
-                  <a:lnTo>
-                    <a:pt x="42" y="143"/>
-                  </a:lnTo>
-                  <a:cubicBezTo>
-                    <a:pt x="9" y="120"/>
-                    <a:pt x="0" y="75"/>
-                    <a:pt x="22" y="42"/>
-                  </a:cubicBezTo>
-                  <a:cubicBezTo>
-                    <a:pt x="44" y="9"/>
-                    <a:pt x="89" y="0"/>
-                    <a:pt x="123" y="22"/>
-                  </a:cubicBezTo>
-                  <a:lnTo>
-                    <a:pt x="476" y="256"/>
-                  </a:lnTo>
-                  <a:cubicBezTo>
-                    <a:pt x="492" y="267"/>
-                    <a:pt x="503" y="284"/>
-                    <a:pt x="507" y="303"/>
-                  </a:cubicBezTo>
-                  <a:cubicBezTo>
-                    <a:pt x="510" y="322"/>
-                    <a:pt x="506" y="342"/>
-                    <a:pt x="495" y="358"/>
-                  </a:cubicBezTo>
-                  <a:lnTo>
-                    <a:pt x="257" y="707"/>
-                  </a:lnTo>
-                  <a:cubicBezTo>
-                    <a:pt x="243" y="727"/>
-                    <a:pt x="220" y="738"/>
-                    <a:pt x="197" y="738"/>
-                  </a:cubicBezTo>
-                </a:path>
-              </a:pathLst>
-            </a:custGeom>
-            <a:grpFill/>
-            <a:ln w="9525">
-              <a:noFill/>
-              <a:round/>
-              <a:headEnd/>
-              <a:tailEnd/>
-            </a:ln>
-          </p:spPr>
-          <p:txBody>
-            <a:bodyPr vert="horz" wrap="square" lIns="91440" tIns="45720" rIns="91440" bIns="45720" numCol="1" anchor="t" anchorCtr="0" compatLnSpc="1">
-              <a:prstTxWarp prst="textNoShape">
-                <a:avLst/>
-              </a:prstTxWarp>
-            </a:bodyPr>
-            <a:lstStyle/>
-            <a:p>
-              <a:pPr>
-                <a:defRPr/>
-              </a:pPr>
-              <a:endParaRPr lang="fr-FR">
-                <a:solidFill>
-                  <a:prstClr val="black"/>
-                </a:solidFill>
-                <a:latin typeface="Calibri" panose="020F0502020204030204"/>
-              </a:endParaRPr>
-            </a:p>
-          </p:txBody>
-        </p:sp>
-      </p:grpSp>
+          <a:prstGeom prst="rect">
+            <a:avLst/>
+          </a:prstGeom>
+        </p:spPr>
+      </p:pic>
+    </p:spTree>
+    <p:extLst>
+      <p:ext uri="{BB962C8B-B14F-4D97-AF65-F5344CB8AC3E}">
+        <p14:creationId xmlns:p14="http://schemas.microsoft.com/office/powerpoint/2010/main" val="517517424"/>
+      </p:ext>
+    </p:extLst>
+  </p:cSld>
+  <p:clrMapOvr>
+    <a:masterClrMapping/>
+  </p:clrMapOvr>
+</p:sld>
+</file>
+
+<file path=ppt/slides/slide29.xml><?xml version="1.0" encoding="utf-8"?>
+<p:sld xmlns:a="http://schemas.openxmlformats.org/drawingml/2006/main" xmlns:r="http://schemas.openxmlformats.org/officeDocument/2006/relationships" xmlns:p="http://schemas.openxmlformats.org/presentationml/2006/main">
+  <p:cSld>
+    <p:spTree>
+      <p:nvGrpSpPr>
+        <p:cNvPr id="1" name=""/>
+        <p:cNvGrpSpPr/>
+        <p:nvPr/>
+      </p:nvGrpSpPr>
+      <p:grpSpPr>
+        <a:xfrm>
+          <a:off x="0" y="0"/>
+          <a:ext cx="0" cy="0"/>
+          <a:chOff x="0" y="0"/>
+          <a:chExt cx="0" cy="0"/>
+        </a:xfrm>
+      </p:grpSpPr>
+      <p:sp>
+        <p:nvSpPr>
+          <p:cNvPr id="6" name="Titre 5"/>
+          <p:cNvSpPr>
+            <a:spLocks noGrp="1"/>
+          </p:cNvSpPr>
+          <p:nvPr>
+            <p:ph type="title"/>
+          </p:nvPr>
+        </p:nvSpPr>
+        <p:spPr>
+          <a:xfrm>
+            <a:off x="101208" y="339924"/>
+            <a:ext cx="3353156" cy="1325563"/>
+          </a:xfrm>
+        </p:spPr>
+        <p:txBody>
+          <a:bodyPr>
+            <a:normAutofit fontScale="90000"/>
+          </a:bodyPr>
+          <a:lstStyle/>
+          <a:p>
+            <a:r>
+              <a:rPr lang="fr-FR" i="1" dirty="0" err="1"/>
+              <a:t>Find</a:t>
+            </a:r>
+            <a:r>
+              <a:rPr lang="fr-FR" i="1" dirty="0"/>
+              <a:t> : Single Citation Matcher</a:t>
+            </a:r>
+          </a:p>
+        </p:txBody>
+      </p:sp>
+      <p:sp>
+        <p:nvSpPr>
+          <p:cNvPr id="4" name="Espace réservé du pied de page 3"/>
+          <p:cNvSpPr>
+            <a:spLocks noGrp="1"/>
+          </p:cNvSpPr>
+          <p:nvPr>
+            <p:ph type="ftr" sz="quarter" idx="11"/>
+          </p:nvPr>
+        </p:nvSpPr>
+        <p:spPr/>
+        <p:txBody>
+          <a:bodyPr/>
+          <a:lstStyle/>
+          <a:p>
+            <a:r>
+              <a:rPr lang="fr-FR"/>
+              <a:t>F. Flamerie - Trucs et astuces de PubMed - 2022-05-24</a:t>
+            </a:r>
+            <a:endParaRPr lang="fr-FR" dirty="0"/>
+          </a:p>
+        </p:txBody>
+      </p:sp>
+      <p:sp>
+        <p:nvSpPr>
+          <p:cNvPr id="5" name="Espace réservé du numéro de diapositive 4"/>
+          <p:cNvSpPr>
+            <a:spLocks noGrp="1"/>
+          </p:cNvSpPr>
+          <p:nvPr>
+            <p:ph type="sldNum" sz="quarter" idx="12"/>
+          </p:nvPr>
+        </p:nvSpPr>
+        <p:spPr/>
+        <p:txBody>
+          <a:bodyPr/>
+          <a:lstStyle/>
+          <a:p>
+            <a:fld id="{99E13252-68E5-4994-B57B-B03F39B52C7D}" type="slidenum">
+              <a:rPr lang="fr-FR" smtClean="0"/>
+              <a:t>29</a:t>
+            </a:fld>
+            <a:endParaRPr lang="fr-FR"/>
+          </a:p>
+        </p:txBody>
+      </p:sp>
       <p:sp>
         <p:nvSpPr>
           <p:cNvPr id="7" name="Espace réservé du contenu 6"/>
@@ -14726,54 +14041,53 @@
           <a:lstStyle/>
           <a:p>
             <a:r>
-              <a:rPr lang="fr-FR" dirty="0" smtClean="0"/>
+              <a:rPr lang="fr-FR" dirty="0"/>
               <a:t> Exemple :</a:t>
             </a:r>
           </a:p>
           <a:p>
             <a:pPr lvl="1"/>
             <a:r>
-              <a:rPr lang="fr-FR" dirty="0" err="1" smtClean="0"/>
+              <a:rPr lang="fr-FR" dirty="0" err="1"/>
               <a:t>Sheeran</a:t>
             </a:r>
-            <a:endParaRPr lang="fr-FR" dirty="0" smtClean="0"/>
+            <a:endParaRPr lang="fr-FR" dirty="0"/>
           </a:p>
           <a:p>
             <a:pPr lvl="1"/>
             <a:r>
-              <a:rPr lang="fr-FR" dirty="0" smtClean="0"/>
+              <a:rPr lang="fr-FR" dirty="0"/>
               <a:t>1</a:t>
             </a:r>
             <a:r>
-              <a:rPr lang="fr-FR" baseline="30000" dirty="0" smtClean="0"/>
+              <a:rPr lang="fr-FR" baseline="30000" dirty="0"/>
               <a:t>er</a:t>
             </a:r>
             <a:r>
-              <a:rPr lang="fr-FR" dirty="0" smtClean="0"/>
+              <a:rPr lang="fr-FR" dirty="0"/>
               <a:t> auteur</a:t>
             </a:r>
           </a:p>
           <a:p>
             <a:pPr lvl="1"/>
             <a:r>
-              <a:rPr lang="fr-FR" dirty="0" smtClean="0"/>
+              <a:rPr lang="fr-FR" dirty="0"/>
               <a:t>2019</a:t>
             </a:r>
           </a:p>
           <a:p>
             <a:r>
-              <a:rPr lang="fr-FR" dirty="0" smtClean="0"/>
-              <a:t>6 résultats // 35 en recherche simple </a:t>
-            </a:r>
-            <a:r>
-              <a:rPr lang="fr-FR" dirty="0" err="1" smtClean="0"/>
+              <a:rPr lang="fr-FR" dirty="0"/>
+              <a:t>6 résultats // 40 en recherche simple </a:t>
+            </a:r>
+            <a:r>
+              <a:rPr lang="fr-FR" dirty="0" err="1"/>
               <a:t>Sheeran</a:t>
             </a:r>
             <a:r>
-              <a:rPr lang="fr-FR" dirty="0" smtClean="0"/>
+              <a:rPr lang="fr-FR" dirty="0"/>
               <a:t> 2019</a:t>
             </a:r>
-            <a:endParaRPr lang="fr-FR" dirty="0"/>
           </a:p>
         </p:txBody>
       </p:sp>
@@ -14798,7 +14112,7 @@
         </p:blipFill>
         <p:spPr>
           <a:xfrm>
-            <a:off x="3128065" y="187271"/>
+            <a:off x="3093341" y="71819"/>
             <a:ext cx="8924601" cy="6649656"/>
           </a:xfrm>
           <a:prstGeom prst="rect">
@@ -14809,361 +14123,13 @@
     </p:spTree>
     <p:extLst>
       <p:ext uri="{BB962C8B-B14F-4D97-AF65-F5344CB8AC3E}">
-        <p14:creationId xmlns:p14="http://schemas.microsoft.com/office/powerpoint/2010/main" val="517517424"/>
+        <p14:creationId xmlns:p14="http://schemas.microsoft.com/office/powerpoint/2010/main" val="2913456843"/>
       </p:ext>
     </p:extLst>
   </p:cSld>
   <p:clrMapOvr>
     <a:masterClrMapping/>
   </p:clrMapOvr>
-  <p:timing>
-    <p:tnLst>
-      <p:par>
-        <p:cTn id="1" dur="indefinite" restart="never" nodeType="tmRoot"/>
-      </p:par>
-    </p:tnLst>
-  </p:timing>
-</p:sld>
-</file>
-
-<file path=ppt/slides/slide29.xml><?xml version="1.0" encoding="utf-8"?>
-<p:sld xmlns:a="http://schemas.openxmlformats.org/drawingml/2006/main" xmlns:r="http://schemas.openxmlformats.org/officeDocument/2006/relationships" xmlns:p="http://schemas.openxmlformats.org/presentationml/2006/main">
-  <p:cSld>
-    <p:spTree>
-      <p:nvGrpSpPr>
-        <p:cNvPr id="1" name=""/>
-        <p:cNvGrpSpPr/>
-        <p:nvPr/>
-      </p:nvGrpSpPr>
-      <p:grpSpPr>
-        <a:xfrm>
-          <a:off x="0" y="0"/>
-          <a:ext cx="0" cy="0"/>
-          <a:chOff x="0" y="0"/>
-          <a:chExt cx="0" cy="0"/>
-        </a:xfrm>
-      </p:grpSpPr>
-      <p:sp>
-        <p:nvSpPr>
-          <p:cNvPr id="6" name="Titre 5"/>
-          <p:cNvSpPr>
-            <a:spLocks noGrp="1"/>
-          </p:cNvSpPr>
-          <p:nvPr>
-            <p:ph type="title"/>
-          </p:nvPr>
-        </p:nvSpPr>
-        <p:spPr>
-          <a:xfrm>
-            <a:off x="408616" y="38281"/>
-            <a:ext cx="10515600" cy="1325563"/>
-          </a:xfrm>
-        </p:spPr>
-        <p:txBody>
-          <a:bodyPr/>
-          <a:lstStyle/>
-          <a:p>
-            <a:r>
-              <a:rPr lang="fr-FR" dirty="0" smtClean="0"/>
-              <a:t>Compte </a:t>
-            </a:r>
-            <a:r>
-              <a:rPr lang="fr-FR" dirty="0" err="1" smtClean="0"/>
-              <a:t>MyNCBI</a:t>
-            </a:r>
-            <a:endParaRPr lang="fr-FR" dirty="0"/>
-          </a:p>
-        </p:txBody>
-      </p:sp>
-      <p:sp>
-        <p:nvSpPr>
-          <p:cNvPr id="7" name="Espace réservé du contenu 6"/>
-          <p:cNvSpPr>
-            <a:spLocks noGrp="1"/>
-          </p:cNvSpPr>
-          <p:nvPr>
-            <p:ph idx="1"/>
-          </p:nvPr>
-        </p:nvSpPr>
-        <p:spPr>
-          <a:xfrm>
-            <a:off x="309444" y="1438892"/>
-            <a:ext cx="4684245" cy="4815750"/>
-          </a:xfrm>
-        </p:spPr>
-        <p:txBody>
-          <a:bodyPr>
-            <a:normAutofit/>
-          </a:bodyPr>
-          <a:lstStyle/>
-          <a:p>
-            <a:r>
-              <a:rPr lang="fr-FR" dirty="0" smtClean="0"/>
-              <a:t> Sauvegarder vos historiques de recherche</a:t>
-            </a:r>
-          </a:p>
-          <a:p>
-            <a:r>
-              <a:rPr lang="fr-FR" dirty="0" smtClean="0"/>
-              <a:t> Personnaliser </a:t>
-            </a:r>
-            <a:r>
-              <a:rPr lang="fr-FR" dirty="0"/>
-              <a:t>les filtres affichés dans </a:t>
-            </a:r>
-            <a:r>
-              <a:rPr lang="fr-FR" dirty="0" err="1" smtClean="0"/>
-              <a:t>PubMed</a:t>
-            </a:r>
-            <a:r>
-              <a:rPr lang="fr-FR" dirty="0" smtClean="0"/>
-              <a:t> (15 max.)</a:t>
-            </a:r>
-            <a:endParaRPr lang="fr-FR" dirty="0"/>
-          </a:p>
-          <a:p>
-            <a:r>
-              <a:rPr lang="fr-FR" dirty="0" smtClean="0"/>
-              <a:t> Créer et gérer des alertes courriel</a:t>
-            </a:r>
-          </a:p>
-          <a:p>
-            <a:pPr lvl="1"/>
-            <a:r>
-              <a:rPr lang="fr-FR" dirty="0" smtClean="0"/>
-              <a:t>NB alertes RSS ne nécessitent pas de compte </a:t>
-            </a:r>
-            <a:r>
-              <a:rPr lang="fr-FR" dirty="0" err="1" smtClean="0"/>
-              <a:t>MyNCBI</a:t>
-            </a:r>
-            <a:endParaRPr lang="fr-FR" dirty="0" smtClean="0"/>
-          </a:p>
-          <a:p>
-            <a:pPr lvl="1"/>
-            <a:r>
-              <a:rPr lang="fr-FR" dirty="0" smtClean="0"/>
-              <a:t>Voir le tuto </a:t>
-            </a:r>
-            <a:r>
-              <a:rPr lang="fr-FR" dirty="0" err="1" smtClean="0"/>
-              <a:t>doc’Isped</a:t>
-            </a:r>
-            <a:r>
-              <a:rPr lang="fr-FR" dirty="0" smtClean="0"/>
-              <a:t> </a:t>
-            </a:r>
-            <a:r>
-              <a:rPr lang="fr-FR" dirty="0">
-                <a:hlinkClick r:id="rId2"/>
-              </a:rPr>
-              <a:t>Paramétrer une veille bibliographique sur </a:t>
-            </a:r>
-            <a:r>
-              <a:rPr lang="fr-FR" dirty="0" err="1">
-                <a:hlinkClick r:id="rId2"/>
-              </a:rPr>
-              <a:t>PubMed</a:t>
-            </a:r>
-            <a:endParaRPr lang="fr-FR" dirty="0" smtClean="0"/>
-          </a:p>
-        </p:txBody>
-      </p:sp>
-      <p:sp>
-        <p:nvSpPr>
-          <p:cNvPr id="4" name="Espace réservé du pied de page 3"/>
-          <p:cNvSpPr>
-            <a:spLocks noGrp="1"/>
-          </p:cNvSpPr>
-          <p:nvPr>
-            <p:ph type="ftr" sz="quarter" idx="11"/>
-          </p:nvPr>
-        </p:nvSpPr>
-        <p:spPr/>
-        <p:txBody>
-          <a:bodyPr/>
-          <a:lstStyle/>
-          <a:p>
-            <a:r>
-              <a:rPr lang="fr-FR" dirty="0" smtClean="0"/>
-              <a:t>F. Flamerie - Trucs et astuces de </a:t>
-            </a:r>
-            <a:r>
-              <a:rPr lang="fr-FR" dirty="0" err="1" smtClean="0"/>
-              <a:t>PubMed</a:t>
-            </a:r>
-            <a:r>
-              <a:rPr lang="fr-FR" dirty="0" smtClean="0"/>
-              <a:t> - 2021-06-10</a:t>
-            </a:r>
-            <a:endParaRPr lang="fr-FR" dirty="0"/>
-          </a:p>
-        </p:txBody>
-      </p:sp>
-      <p:sp>
-        <p:nvSpPr>
-          <p:cNvPr id="5" name="Espace réservé du numéro de diapositive 4"/>
-          <p:cNvSpPr>
-            <a:spLocks noGrp="1"/>
-          </p:cNvSpPr>
-          <p:nvPr>
-            <p:ph type="sldNum" sz="quarter" idx="12"/>
-          </p:nvPr>
-        </p:nvSpPr>
-        <p:spPr/>
-        <p:txBody>
-          <a:bodyPr/>
-          <a:lstStyle/>
-          <a:p>
-            <a:fld id="{99E13252-68E5-4994-B57B-B03F39B52C7D}" type="slidenum">
-              <a:rPr lang="fr-FR" smtClean="0"/>
-              <a:t>29</a:t>
-            </a:fld>
-            <a:endParaRPr lang="fr-FR"/>
-          </a:p>
-        </p:txBody>
-      </p:sp>
-      <p:pic>
-        <p:nvPicPr>
-          <p:cNvPr id="3" name="Image 2"/>
-          <p:cNvPicPr>
-            <a:picLocks noChangeAspect="1"/>
-          </p:cNvPicPr>
-          <p:nvPr/>
-        </p:nvPicPr>
-        <p:blipFill rotWithShape="1">
-          <a:blip r:embed="rId3">
-            <a:extLst>
-              <a:ext uri="{28A0092B-C50C-407E-A947-70E740481C1C}">
-                <a14:useLocalDpi xmlns:a14="http://schemas.microsoft.com/office/drawing/2010/main" val="0"/>
-              </a:ext>
-            </a:extLst>
-          </a:blip>
-          <a:srcRect b="4112"/>
-          <a:stretch/>
-        </p:blipFill>
-        <p:spPr>
-          <a:xfrm>
-            <a:off x="5455920" y="38281"/>
-            <a:ext cx="6309360" cy="6625319"/>
-          </a:xfrm>
-          <a:prstGeom prst="rect">
-            <a:avLst/>
-          </a:prstGeom>
-        </p:spPr>
-      </p:pic>
-      <p:sp>
-        <p:nvSpPr>
-          <p:cNvPr id="8" name="Rectangle à coins arrondis 7"/>
-          <p:cNvSpPr/>
-          <p:nvPr/>
-        </p:nvSpPr>
-        <p:spPr>
-          <a:xfrm>
-            <a:off x="10548085" y="873445"/>
-            <a:ext cx="1061323" cy="424666"/>
-          </a:xfrm>
-          <a:prstGeom prst="roundRect">
-            <a:avLst/>
-          </a:prstGeom>
-          <a:noFill/>
-          <a:ln w="38100">
-            <a:solidFill>
-              <a:srgbClr val="F27D38"/>
-            </a:solidFill>
-            <a:prstDash val="dashDot"/>
-          </a:ln>
-        </p:spPr>
-        <p:style>
-          <a:lnRef idx="2">
-            <a:schemeClr val="accent1">
-              <a:shade val="50000"/>
-            </a:schemeClr>
-          </a:lnRef>
-          <a:fillRef idx="1">
-            <a:schemeClr val="accent1"/>
-          </a:fillRef>
-          <a:effectRef idx="0">
-            <a:schemeClr val="accent1"/>
-          </a:effectRef>
-          <a:fontRef idx="minor">
-            <a:schemeClr val="lt1"/>
-          </a:fontRef>
-        </p:style>
-        <p:txBody>
-          <a:bodyPr rtlCol="0" anchor="ctr"/>
-          <a:lstStyle/>
-          <a:p>
-            <a:pPr algn="ctr"/>
-            <a:endParaRPr lang="fr-FR"/>
-          </a:p>
-        </p:txBody>
-      </p:sp>
-      <p:sp>
-        <p:nvSpPr>
-          <p:cNvPr id="9" name="Rectangle à coins arrondis 8"/>
-          <p:cNvSpPr/>
-          <p:nvPr/>
-        </p:nvSpPr>
-        <p:spPr>
-          <a:xfrm>
-            <a:off x="5289630" y="2071867"/>
-            <a:ext cx="3426107" cy="4728257"/>
-          </a:xfrm>
-          <a:prstGeom prst="roundRect">
-            <a:avLst/>
-          </a:prstGeom>
-          <a:noFill/>
-          <a:ln w="38100">
-            <a:solidFill>
-              <a:srgbClr val="F27D38"/>
-            </a:solidFill>
-            <a:prstDash val="dashDot"/>
-            <a:round/>
-          </a:ln>
-        </p:spPr>
-        <p:style>
-          <a:lnRef idx="2">
-            <a:schemeClr val="accent1">
-              <a:shade val="50000"/>
-            </a:schemeClr>
-          </a:lnRef>
-          <a:fillRef idx="1">
-            <a:schemeClr val="accent1"/>
-          </a:fillRef>
-          <a:effectRef idx="0">
-            <a:schemeClr val="accent1"/>
-          </a:effectRef>
-          <a:fontRef idx="minor">
-            <a:schemeClr val="lt1"/>
-          </a:fontRef>
-        </p:style>
-        <p:txBody>
-          <a:bodyPr rtlCol="0" anchor="ctr"/>
-          <a:lstStyle/>
-          <a:p>
-            <a:pPr algn="ctr"/>
-            <a:endParaRPr lang="fr-FR"/>
-          </a:p>
-        </p:txBody>
-      </p:sp>
-    </p:spTree>
-    <p:extLst>
-      <p:ext uri="{BB962C8B-B14F-4D97-AF65-F5344CB8AC3E}">
-        <p14:creationId xmlns:p14="http://schemas.microsoft.com/office/powerpoint/2010/main" val="657284499"/>
-      </p:ext>
-    </p:extLst>
-  </p:cSld>
-  <p:clrMapOvr>
-    <a:masterClrMapping/>
-  </p:clrMapOvr>
-  <p:timing>
-    <p:tnLst>
-      <p:par>
-        <p:cTn id="1" dur="indefinite" restart="never" nodeType="tmRoot"/>
-      </p:par>
-    </p:tnLst>
-  </p:timing>
 </p:sld>
 </file>
 
@@ -15227,16 +14193,15 @@
           <a:lstStyle/>
           <a:p>
             <a:r>
-              <a:rPr lang="fr-FR" dirty="0" smtClean="0"/>
+              <a:rPr lang="fr-FR" dirty="0"/>
               <a:t>Couverture</a:t>
             </a:r>
           </a:p>
           <a:p>
             <a:r>
-              <a:rPr lang="fr-FR" dirty="0" smtClean="0"/>
+              <a:rPr lang="fr-FR" dirty="0"/>
               <a:t>Fonctionnalités</a:t>
             </a:r>
-            <a:endParaRPr lang="fr-FR" dirty="0"/>
           </a:p>
         </p:txBody>
       </p:sp>
@@ -15256,10 +14221,17 @@
           <a:lstStyle/>
           <a:p>
             <a:r>
-              <a:rPr lang="fr-FR" smtClean="0"/>
-              <a:t>F. Flamerie - Trucs et astuces de PubMed - 2021-06-10</a:t>
-            </a:r>
-            <a:endParaRPr lang="fr-FR" dirty="0"/>
+              <a:rPr lang="fr-FR" dirty="0"/>
+              <a:t>F. Flamerie - Trucs et astuces de </a:t>
+            </a:r>
+            <a:r>
+              <a:rPr lang="fr-FR" dirty="0" err="1"/>
+              <a:t>PubMed</a:t>
+            </a:r>
+            <a:r>
+              <a:rPr lang="fr-FR" dirty="0"/>
+              <a:t> - 2022-05-24</a:t>
+            </a:r>
           </a:p>
         </p:txBody>
       </p:sp>
@@ -15586,7 +14558,7 @@
                 <a:effectLst/>
                 <a:uLnTx/>
                 <a:uFillTx/>
-                <a:latin typeface="Calibri" panose="020F0502020204030204"/>
+                <a:latin typeface="Corbel" panose="020B0503020204020204" pitchFamily="34" charset="0"/>
                 <a:ea typeface="+mn-ea"/>
                 <a:cs typeface="+mn-cs"/>
               </a:endParaRPr>
@@ -15772,7 +14744,7 @@
                 <a:effectLst/>
                 <a:uLnTx/>
                 <a:uFillTx/>
-                <a:latin typeface="Calibri" panose="020F0502020204030204"/>
+                <a:latin typeface="Corbel" panose="020B0503020204020204" pitchFamily="34" charset="0"/>
                 <a:ea typeface="+mn-ea"/>
                 <a:cs typeface="+mn-cs"/>
               </a:endParaRPr>
@@ -15790,13 +14762,6 @@
   <p:clrMapOvr>
     <a:masterClrMapping/>
   </p:clrMapOvr>
-  <p:timing>
-    <p:tnLst>
-      <p:par>
-        <p:cTn id="1" dur="indefinite" restart="never" nodeType="tmRoot"/>
-      </p:par>
-    </p:tnLst>
-  </p:timing>
 </p:sld>
 </file>
 
@@ -15829,7 +14794,7 @@
         </p:nvSpPr>
         <p:spPr>
           <a:xfrm>
-            <a:off x="838200" y="100965"/>
+            <a:off x="408616" y="38281"/>
             <a:ext cx="10515600" cy="1325563"/>
           </a:xfrm>
         </p:spPr>
@@ -15838,16 +14803,12 @@
           <a:lstStyle/>
           <a:p>
             <a:r>
-              <a:rPr lang="fr-FR" dirty="0" smtClean="0"/>
-              <a:t>Yale </a:t>
-            </a:r>
-            <a:r>
-              <a:rPr lang="fr-FR" dirty="0" err="1" smtClean="0"/>
-              <a:t>MeSH</a:t>
-            </a:r>
-            <a:r>
-              <a:rPr lang="fr-FR" dirty="0" smtClean="0"/>
-              <a:t> Analyzer</a:t>
+              <a:rPr lang="fr-FR" dirty="0"/>
+              <a:t>Compte </a:t>
+            </a:r>
+            <a:r>
+              <a:rPr lang="fr-FR" dirty="0" err="1"/>
+              <a:t>MyNCBI</a:t>
             </a:r>
             <a:endParaRPr lang="fr-FR" dirty="0"/>
           </a:p>
@@ -15865,209 +14826,79 @@
         </p:nvSpPr>
         <p:spPr>
           <a:xfrm>
-            <a:off x="726440" y="1249680"/>
-            <a:ext cx="10784840" cy="5364480"/>
+            <a:off x="309444" y="1438892"/>
+            <a:ext cx="4684245" cy="4815750"/>
           </a:xfrm>
         </p:spPr>
         <p:txBody>
           <a:bodyPr>
-            <a:normAutofit fontScale="92500" lnSpcReduction="20000"/>
+            <a:normAutofit/>
           </a:bodyPr>
           <a:lstStyle/>
           <a:p>
-            <a:pPr marL="0" indent="0">
-              <a:lnSpc>
-                <a:spcPct val="110000"/>
-              </a:lnSpc>
-              <a:buNone/>
-            </a:pPr>
-            <a:r>
-              <a:rPr lang="en-US" dirty="0" err="1"/>
-              <a:t>Grossetta</a:t>
-            </a:r>
-            <a:r>
-              <a:rPr lang="en-US" dirty="0"/>
+            <a:r>
+              <a:rPr lang="fr-FR" dirty="0"/>
+              <a:t> Sauvegarder vos historiques de recherche</a:t>
+            </a:r>
+          </a:p>
+          <a:p>
+            <a:r>
+              <a:rPr lang="fr-FR" dirty="0"/>
+              <a:t> Personnaliser les filtres affichés dans </a:t>
+            </a:r>
+            <a:r>
+              <a:rPr lang="fr-FR" dirty="0" err="1"/>
+              <a:t>PubMed</a:t>
+            </a:r>
+            <a:r>
+              <a:rPr lang="fr-FR" dirty="0"/>
+              <a:t> (15 max.)</a:t>
+            </a:r>
+          </a:p>
+          <a:p>
+            <a:r>
+              <a:rPr lang="fr-FR" dirty="0"/>
+              <a:t> Créer et gérer des alertes courriel</a:t>
+            </a:r>
+          </a:p>
+          <a:p>
+            <a:pPr lvl="1"/>
+            <a:r>
+              <a:rPr lang="fr-FR" dirty="0"/>
+              <a:t>NB alertes RSS ne nécessitent pas de compte </a:t>
+            </a:r>
+            <a:r>
+              <a:rPr lang="fr-FR" dirty="0" err="1"/>
+              <a:t>MyNCBI</a:t>
+            </a:r>
+            <a:endParaRPr lang="fr-FR" dirty="0"/>
+          </a:p>
+          <a:p>
+            <a:pPr lvl="1"/>
+            <a:r>
+              <a:rPr lang="fr-FR" dirty="0"/>
+              <a:t>Voir le tuto </a:t>
+            </a:r>
+            <a:r>
+              <a:rPr lang="fr-FR" dirty="0" err="1"/>
+              <a:t>doc’Isped</a:t>
+            </a:r>
+            <a:r>
+              <a:rPr lang="fr-FR" dirty="0"/>
               <a:t> </a:t>
             </a:r>
             <a:r>
-              <a:rPr lang="en-US" dirty="0" err="1"/>
-              <a:t>Nardini</a:t>
-            </a:r>
-            <a:r>
-              <a:rPr lang="en-US" dirty="0"/>
-              <a:t>, H., &amp; Wang, L. (2021). </a:t>
-            </a:r>
-            <a:r>
-              <a:rPr lang="en-US" i="1" dirty="0"/>
-              <a:t>The Yale </a:t>
-            </a:r>
-            <a:r>
-              <a:rPr lang="en-US" i="1" dirty="0" err="1"/>
-              <a:t>MeSH</a:t>
-            </a:r>
-            <a:r>
-              <a:rPr lang="en-US" i="1" dirty="0"/>
-              <a:t> Analyzer</a:t>
-            </a:r>
-            <a:r>
-              <a:rPr lang="en-US" dirty="0"/>
-              <a:t>. Cushing/Whitney Medical Library. </a:t>
-            </a:r>
-            <a:r>
-              <a:rPr lang="en-US" dirty="0">
+              <a:rPr lang="fr-FR" dirty="0">
                 <a:hlinkClick r:id="rId2"/>
               </a:rPr>
-              <a:t>https://mesh.med.yale.edu</a:t>
-            </a:r>
-            <a:r>
-              <a:rPr lang="en-US" dirty="0" smtClean="0">
+              <a:t>Paramétrer une veille bibliographique sur </a:t>
+            </a:r>
+            <a:r>
+              <a:rPr lang="fr-FR" dirty="0" err="1">
                 <a:hlinkClick r:id="rId2"/>
               </a:rPr>
-              <a:t>/</a:t>
-            </a:r>
-            <a:endParaRPr lang="fr-FR" dirty="0" smtClean="0"/>
-          </a:p>
-          <a:p>
-            <a:pPr>
-              <a:lnSpc>
-                <a:spcPct val="110000"/>
-              </a:lnSpc>
-            </a:pPr>
-            <a:r>
-              <a:rPr lang="fr-FR" dirty="0" smtClean="0"/>
-              <a:t> Permet de visualiser et d’exporter sous forme tabulaire, pour un </a:t>
-            </a:r>
-            <a:r>
-              <a:rPr lang="fr-FR" dirty="0"/>
-              <a:t>lot d’articles (jusqu’à 20) dans </a:t>
-            </a:r>
-            <a:r>
-              <a:rPr lang="fr-FR" dirty="0" err="1"/>
               <a:t>PubMed</a:t>
             </a:r>
-            <a:r>
-              <a:rPr lang="fr-FR" dirty="0"/>
-              <a:t> </a:t>
-            </a:r>
-            <a:endParaRPr lang="fr-FR" dirty="0" smtClean="0"/>
-          </a:p>
-          <a:p>
-            <a:pPr lvl="1">
-              <a:lnSpc>
-                <a:spcPct val="110000"/>
-              </a:lnSpc>
-            </a:pPr>
-            <a:r>
-              <a:rPr lang="fr-FR" dirty="0" smtClean="0"/>
-              <a:t>le titre, </a:t>
-            </a:r>
-          </a:p>
-          <a:p>
-            <a:pPr lvl="1">
-              <a:lnSpc>
-                <a:spcPct val="110000"/>
-              </a:lnSpc>
-            </a:pPr>
-            <a:r>
-              <a:rPr lang="fr-FR" dirty="0" smtClean="0"/>
-              <a:t>le résumé, </a:t>
-            </a:r>
-          </a:p>
-          <a:p>
-            <a:pPr lvl="1">
-              <a:lnSpc>
-                <a:spcPct val="110000"/>
-              </a:lnSpc>
-            </a:pPr>
-            <a:r>
-              <a:rPr lang="fr-FR" dirty="0" smtClean="0"/>
-              <a:t>le titre de la revue, </a:t>
-            </a:r>
-          </a:p>
-          <a:p>
-            <a:pPr lvl="1">
-              <a:lnSpc>
-                <a:spcPct val="110000"/>
-              </a:lnSpc>
-            </a:pPr>
-            <a:r>
-              <a:rPr lang="fr-FR" dirty="0" smtClean="0"/>
-              <a:t>les termes </a:t>
-            </a:r>
-            <a:r>
-              <a:rPr lang="fr-FR" dirty="0" err="1" smtClean="0"/>
-              <a:t>MeSH</a:t>
-            </a:r>
-            <a:r>
-              <a:rPr lang="fr-FR" dirty="0" smtClean="0"/>
-              <a:t>, </a:t>
-            </a:r>
-          </a:p>
-          <a:p>
-            <a:pPr lvl="1">
-              <a:lnSpc>
-                <a:spcPct val="110000"/>
-              </a:lnSpc>
-            </a:pPr>
-            <a:r>
-              <a:rPr lang="fr-FR" dirty="0" smtClean="0"/>
-              <a:t>et/ou les mots-clés auteurs. </a:t>
-            </a:r>
-          </a:p>
-          <a:p>
-            <a:pPr>
-              <a:lnSpc>
-                <a:spcPct val="110000"/>
-              </a:lnSpc>
-            </a:pPr>
-            <a:r>
-              <a:rPr lang="fr-FR" dirty="0" smtClean="0"/>
-              <a:t> Les termes </a:t>
-            </a:r>
-            <a:r>
-              <a:rPr lang="fr-FR" dirty="0" err="1" smtClean="0"/>
-              <a:t>MeSH</a:t>
-            </a:r>
-            <a:r>
-              <a:rPr lang="fr-FR" dirty="0" smtClean="0"/>
-              <a:t> sont triés et regroupés par ordre alphabétique pour faciliter la lecture.</a:t>
-            </a:r>
-          </a:p>
-          <a:p>
-            <a:pPr>
-              <a:lnSpc>
-                <a:spcPct val="110000"/>
-              </a:lnSpc>
-            </a:pPr>
-            <a:r>
-              <a:rPr lang="fr-FR" dirty="0" smtClean="0"/>
-              <a:t> Disponible également sous forme d’</a:t>
-            </a:r>
-            <a:r>
-              <a:rPr lang="fr-FR" dirty="0" err="1" smtClean="0">
-                <a:hlinkClick r:id="rId3"/>
-              </a:rPr>
-              <a:t>applisignet</a:t>
-            </a:r>
-            <a:r>
-              <a:rPr lang="fr-FR" dirty="0" smtClean="0"/>
-              <a:t> ,pour lancer l’analyse directement depuis une liste de résultats </a:t>
-            </a:r>
-            <a:r>
-              <a:rPr lang="fr-FR" dirty="0" err="1" smtClean="0"/>
-              <a:t>PubMed</a:t>
-            </a:r>
-            <a:r>
-              <a:rPr lang="fr-FR" dirty="0" smtClean="0"/>
-              <a:t>.</a:t>
-            </a:r>
-          </a:p>
-          <a:p>
-            <a:pPr>
-              <a:lnSpc>
-                <a:spcPct val="110000"/>
-              </a:lnSpc>
-            </a:pPr>
             <a:endParaRPr lang="fr-FR" dirty="0"/>
           </a:p>
         </p:txBody>
@@ -16088,10 +14919,10 @@
           <a:lstStyle/>
           <a:p>
             <a:r>
-              <a:rPr lang="fr-FR" smtClean="0"/>
-              <a:t>F. Flamerie - Trucs et astuces de PubMed - 2021-06-10</a:t>
-            </a:r>
-            <a:endParaRPr lang="fr-FR"/>
+              <a:rPr lang="fr-FR"/>
+              <a:t>F. Flamerie - Trucs et astuces de PubMed - 2022-05-24</a:t>
+            </a:r>
+            <a:endParaRPr lang="fr-FR" dirty="0"/>
           </a:p>
         </p:txBody>
       </p:sp>
@@ -16118,23 +14949,144 @@
           </a:p>
         </p:txBody>
       </p:sp>
+      <p:pic>
+        <p:nvPicPr>
+          <p:cNvPr id="3" name="Image 2"/>
+          <p:cNvPicPr>
+            <a:picLocks noChangeAspect="1"/>
+          </p:cNvPicPr>
+          <p:nvPr/>
+        </p:nvPicPr>
+        <p:blipFill rotWithShape="1">
+          <a:blip r:embed="rId3">
+            <a:extLst>
+              <a:ext uri="{28A0092B-C50C-407E-A947-70E740481C1C}">
+                <a14:useLocalDpi xmlns:a14="http://schemas.microsoft.com/office/drawing/2010/main" val="0"/>
+              </a:ext>
+            </a:extLst>
+          </a:blip>
+          <a:srcRect b="4112"/>
+          <a:stretch/>
+        </p:blipFill>
+        <p:spPr>
+          <a:xfrm>
+            <a:off x="5455920" y="38281"/>
+            <a:ext cx="6309360" cy="6625319"/>
+          </a:xfrm>
+          <a:prstGeom prst="rect">
+            <a:avLst/>
+          </a:prstGeom>
+        </p:spPr>
+      </p:pic>
+      <p:sp>
+        <p:nvSpPr>
+          <p:cNvPr id="8" name="Rectangle à coins arrondis 7"/>
+          <p:cNvSpPr/>
+          <p:nvPr/>
+        </p:nvSpPr>
+        <p:spPr>
+          <a:xfrm>
+            <a:off x="10548085" y="873445"/>
+            <a:ext cx="1061323" cy="424666"/>
+          </a:xfrm>
+          <a:prstGeom prst="roundRect">
+            <a:avLst/>
+          </a:prstGeom>
+          <a:noFill/>
+          <a:ln w="38100">
+            <a:solidFill>
+              <a:srgbClr val="F27D38"/>
+            </a:solidFill>
+            <a:prstDash val="dashDot"/>
+          </a:ln>
+        </p:spPr>
+        <p:style>
+          <a:lnRef idx="2">
+            <a:schemeClr val="accent1">
+              <a:shade val="50000"/>
+            </a:schemeClr>
+          </a:lnRef>
+          <a:fillRef idx="1">
+            <a:schemeClr val="accent1"/>
+          </a:fillRef>
+          <a:effectRef idx="0">
+            <a:schemeClr val="accent1"/>
+          </a:effectRef>
+          <a:fontRef idx="minor">
+            <a:schemeClr val="lt1"/>
+          </a:fontRef>
+        </p:style>
+        <p:txBody>
+          <a:bodyPr rtlCol="0" anchor="ctr"/>
+          <a:lstStyle/>
+          <a:p>
+            <a:pPr algn="ctr"/>
+            <a:endParaRPr lang="fr-FR" dirty="0">
+              <a:latin typeface="Corbel" panose="020B0503020204020204" pitchFamily="34" charset="0"/>
+            </a:endParaRPr>
+          </a:p>
+        </p:txBody>
+      </p:sp>
+      <p:sp>
+        <p:nvSpPr>
+          <p:cNvPr id="9" name="Rectangle à coins arrondis 8"/>
+          <p:cNvSpPr/>
+          <p:nvPr/>
+        </p:nvSpPr>
+        <p:spPr>
+          <a:xfrm>
+            <a:off x="5289630" y="2071867"/>
+            <a:ext cx="3426107" cy="4728257"/>
+          </a:xfrm>
+          <a:prstGeom prst="roundRect">
+            <a:avLst/>
+          </a:prstGeom>
+          <a:noFill/>
+          <a:ln w="38100">
+            <a:solidFill>
+              <a:srgbClr val="F27D38"/>
+            </a:solidFill>
+            <a:prstDash val="dashDot"/>
+            <a:round/>
+          </a:ln>
+        </p:spPr>
+        <p:style>
+          <a:lnRef idx="2">
+            <a:schemeClr val="accent1">
+              <a:shade val="50000"/>
+            </a:schemeClr>
+          </a:lnRef>
+          <a:fillRef idx="1">
+            <a:schemeClr val="accent1"/>
+          </a:fillRef>
+          <a:effectRef idx="0">
+            <a:schemeClr val="accent1"/>
+          </a:effectRef>
+          <a:fontRef idx="minor">
+            <a:schemeClr val="lt1"/>
+          </a:fontRef>
+        </p:style>
+        <p:txBody>
+          <a:bodyPr rtlCol="0" anchor="ctr"/>
+          <a:lstStyle/>
+          <a:p>
+            <a:pPr algn="ctr"/>
+            <a:endParaRPr lang="fr-FR" dirty="0">
+              <a:latin typeface="Corbel" panose="020B0503020204020204" pitchFamily="34" charset="0"/>
+            </a:endParaRPr>
+          </a:p>
+        </p:txBody>
+      </p:sp>
     </p:spTree>
     <p:extLst>
       <p:ext uri="{BB962C8B-B14F-4D97-AF65-F5344CB8AC3E}">
-        <p14:creationId xmlns:p14="http://schemas.microsoft.com/office/powerpoint/2010/main" val="3057942671"/>
+        <p14:creationId xmlns:p14="http://schemas.microsoft.com/office/powerpoint/2010/main" val="657284499"/>
       </p:ext>
     </p:extLst>
   </p:cSld>
   <p:clrMapOvr>
     <a:masterClrMapping/>
   </p:clrMapOvr>
-  <p:timing>
-    <p:tnLst>
-      <p:par>
-        <p:cTn id="1" dur="indefinite" restart="never" nodeType="tmRoot"/>
-      </p:par>
-    </p:tnLst>
-  </p:timing>
 </p:sld>
 </file>
 
@@ -16167,6 +15119,324 @@
         </p:nvSpPr>
         <p:spPr>
           <a:xfrm>
+            <a:off x="838200" y="100965"/>
+            <a:ext cx="10515600" cy="1325563"/>
+          </a:xfrm>
+        </p:spPr>
+        <p:txBody>
+          <a:bodyPr/>
+          <a:lstStyle/>
+          <a:p>
+            <a:r>
+              <a:rPr lang="fr-FR" dirty="0"/>
+              <a:t>Yale </a:t>
+            </a:r>
+            <a:r>
+              <a:rPr lang="fr-FR" dirty="0" err="1"/>
+              <a:t>MeSH</a:t>
+            </a:r>
+            <a:r>
+              <a:rPr lang="fr-FR" dirty="0"/>
+              <a:t> Analyzer</a:t>
+            </a:r>
+          </a:p>
+        </p:txBody>
+      </p:sp>
+      <p:sp>
+        <p:nvSpPr>
+          <p:cNvPr id="7" name="Espace réservé du contenu 6"/>
+          <p:cNvSpPr>
+            <a:spLocks noGrp="1"/>
+          </p:cNvSpPr>
+          <p:nvPr>
+            <p:ph idx="1"/>
+          </p:nvPr>
+        </p:nvSpPr>
+        <p:spPr>
+          <a:xfrm>
+            <a:off x="726440" y="1249680"/>
+            <a:ext cx="10784840" cy="5364480"/>
+          </a:xfrm>
+        </p:spPr>
+        <p:txBody>
+          <a:bodyPr>
+            <a:normAutofit fontScale="92500" lnSpcReduction="20000"/>
+          </a:bodyPr>
+          <a:lstStyle/>
+          <a:p>
+            <a:pPr marL="0" indent="0">
+              <a:lnSpc>
+                <a:spcPct val="110000"/>
+              </a:lnSpc>
+              <a:buNone/>
+            </a:pPr>
+            <a:r>
+              <a:rPr lang="en-US" dirty="0" err="1"/>
+              <a:t>Grossetta</a:t>
+            </a:r>
+            <a:r>
+              <a:rPr lang="en-US" dirty="0"/>
+              <a:t> </a:t>
+            </a:r>
+            <a:r>
+              <a:rPr lang="en-US" dirty="0" err="1"/>
+              <a:t>Nardini</a:t>
+            </a:r>
+            <a:r>
+              <a:rPr lang="en-US" dirty="0"/>
+              <a:t>, H., &amp; Wang, L. (2021). </a:t>
+            </a:r>
+            <a:r>
+              <a:rPr lang="en-US" i="1" dirty="0"/>
+              <a:t>The Yale </a:t>
+            </a:r>
+            <a:r>
+              <a:rPr lang="en-US" i="1" dirty="0" err="1"/>
+              <a:t>MeSH</a:t>
+            </a:r>
+            <a:r>
+              <a:rPr lang="en-US" i="1" dirty="0"/>
+              <a:t> Analyzer</a:t>
+            </a:r>
+            <a:r>
+              <a:rPr lang="en-US" dirty="0"/>
+              <a:t>. Cushing/Whitney Medical Library. </a:t>
+            </a:r>
+            <a:r>
+              <a:rPr lang="en-US" dirty="0">
+                <a:hlinkClick r:id="rId2"/>
+              </a:rPr>
+              <a:t>https://mesh.med.yale.edu/</a:t>
+            </a:r>
+            <a:endParaRPr lang="fr-FR" dirty="0"/>
+          </a:p>
+          <a:p>
+            <a:pPr>
+              <a:lnSpc>
+                <a:spcPct val="110000"/>
+              </a:lnSpc>
+            </a:pPr>
+            <a:r>
+              <a:rPr lang="fr-FR" dirty="0"/>
+              <a:t> Permet de visualiser et d’exporter sous forme tabulaire, pour un lot d’articles (jusqu’à 20) dans </a:t>
+            </a:r>
+            <a:r>
+              <a:rPr lang="fr-FR" dirty="0" err="1"/>
+              <a:t>PubMed</a:t>
+            </a:r>
+            <a:r>
+              <a:rPr lang="fr-FR" dirty="0"/>
+              <a:t> </a:t>
+            </a:r>
+          </a:p>
+          <a:p>
+            <a:pPr lvl="1">
+              <a:lnSpc>
+                <a:spcPct val="110000"/>
+              </a:lnSpc>
+            </a:pPr>
+            <a:r>
+              <a:rPr lang="fr-FR" dirty="0"/>
+              <a:t>le titre, </a:t>
+            </a:r>
+          </a:p>
+          <a:p>
+            <a:pPr lvl="1">
+              <a:lnSpc>
+                <a:spcPct val="110000"/>
+              </a:lnSpc>
+            </a:pPr>
+            <a:r>
+              <a:rPr lang="fr-FR" dirty="0"/>
+              <a:t>le résumé, </a:t>
+            </a:r>
+          </a:p>
+          <a:p>
+            <a:pPr lvl="1">
+              <a:lnSpc>
+                <a:spcPct val="110000"/>
+              </a:lnSpc>
+            </a:pPr>
+            <a:r>
+              <a:rPr lang="fr-FR" dirty="0"/>
+              <a:t>le titre de la revue, </a:t>
+            </a:r>
+          </a:p>
+          <a:p>
+            <a:pPr lvl="1">
+              <a:lnSpc>
+                <a:spcPct val="110000"/>
+              </a:lnSpc>
+            </a:pPr>
+            <a:r>
+              <a:rPr lang="fr-FR" dirty="0"/>
+              <a:t>les termes </a:t>
+            </a:r>
+            <a:r>
+              <a:rPr lang="fr-FR" dirty="0" err="1"/>
+              <a:t>MeSH</a:t>
+            </a:r>
+            <a:r>
+              <a:rPr lang="fr-FR" dirty="0"/>
+              <a:t>, </a:t>
+            </a:r>
+          </a:p>
+          <a:p>
+            <a:pPr lvl="1">
+              <a:lnSpc>
+                <a:spcPct val="110000"/>
+              </a:lnSpc>
+            </a:pPr>
+            <a:r>
+              <a:rPr lang="fr-FR" dirty="0"/>
+              <a:t>et/ou les mots-clés auteurs. </a:t>
+            </a:r>
+          </a:p>
+          <a:p>
+            <a:pPr>
+              <a:lnSpc>
+                <a:spcPct val="110000"/>
+              </a:lnSpc>
+            </a:pPr>
+            <a:r>
+              <a:rPr lang="fr-FR" dirty="0"/>
+              <a:t> Les termes </a:t>
+            </a:r>
+            <a:r>
+              <a:rPr lang="fr-FR" dirty="0" err="1"/>
+              <a:t>MeSH</a:t>
+            </a:r>
+            <a:r>
+              <a:rPr lang="fr-FR" dirty="0"/>
+              <a:t> sont triés et regroupés par ordre alphabétique pour faciliter la lecture.</a:t>
+            </a:r>
+          </a:p>
+          <a:p>
+            <a:pPr>
+              <a:lnSpc>
+                <a:spcPct val="110000"/>
+              </a:lnSpc>
+            </a:pPr>
+            <a:r>
+              <a:rPr lang="fr-FR" dirty="0"/>
+              <a:t> Disponible également sous forme d’</a:t>
+            </a:r>
+            <a:r>
+              <a:rPr lang="fr-FR" dirty="0" err="1">
+                <a:hlinkClick r:id="rId3"/>
+              </a:rPr>
+              <a:t>applisignet</a:t>
+            </a:r>
+            <a:r>
+              <a:rPr lang="fr-FR" dirty="0"/>
+              <a:t> ,pour lancer l’analyse directement depuis une liste de résultats </a:t>
+            </a:r>
+            <a:r>
+              <a:rPr lang="fr-FR" dirty="0" err="1"/>
+              <a:t>PubMed</a:t>
+            </a:r>
+            <a:r>
+              <a:rPr lang="fr-FR" dirty="0"/>
+              <a:t>.</a:t>
+            </a:r>
+          </a:p>
+          <a:p>
+            <a:pPr>
+              <a:lnSpc>
+                <a:spcPct val="110000"/>
+              </a:lnSpc>
+            </a:pPr>
+            <a:endParaRPr lang="fr-FR" dirty="0"/>
+          </a:p>
+        </p:txBody>
+      </p:sp>
+      <p:sp>
+        <p:nvSpPr>
+          <p:cNvPr id="4" name="Espace réservé du pied de page 3"/>
+          <p:cNvSpPr>
+            <a:spLocks noGrp="1"/>
+          </p:cNvSpPr>
+          <p:nvPr>
+            <p:ph type="ftr" sz="quarter" idx="11"/>
+          </p:nvPr>
+        </p:nvSpPr>
+        <p:spPr/>
+        <p:txBody>
+          <a:bodyPr/>
+          <a:lstStyle/>
+          <a:p>
+            <a:r>
+              <a:rPr lang="fr-FR"/>
+              <a:t>F. Flamerie - Trucs et astuces de PubMed - 2022-05-24</a:t>
+            </a:r>
+          </a:p>
+        </p:txBody>
+      </p:sp>
+      <p:sp>
+        <p:nvSpPr>
+          <p:cNvPr id="5" name="Espace réservé du numéro de diapositive 4"/>
+          <p:cNvSpPr>
+            <a:spLocks noGrp="1"/>
+          </p:cNvSpPr>
+          <p:nvPr>
+            <p:ph type="sldNum" sz="quarter" idx="12"/>
+          </p:nvPr>
+        </p:nvSpPr>
+        <p:spPr/>
+        <p:txBody>
+          <a:bodyPr/>
+          <a:lstStyle/>
+          <a:p>
+            <a:fld id="{99E13252-68E5-4994-B57B-B03F39B52C7D}" type="slidenum">
+              <a:rPr lang="fr-FR" smtClean="0"/>
+              <a:t>31</a:t>
+            </a:fld>
+            <a:endParaRPr lang="fr-FR"/>
+          </a:p>
+        </p:txBody>
+      </p:sp>
+    </p:spTree>
+    <p:extLst>
+      <p:ext uri="{BB962C8B-B14F-4D97-AF65-F5344CB8AC3E}">
+        <p14:creationId xmlns:p14="http://schemas.microsoft.com/office/powerpoint/2010/main" val="3057942671"/>
+      </p:ext>
+    </p:extLst>
+  </p:cSld>
+  <p:clrMapOvr>
+    <a:masterClrMapping/>
+  </p:clrMapOvr>
+</p:sld>
+</file>
+
+<file path=ppt/slides/slide32.xml><?xml version="1.0" encoding="utf-8"?>
+<p:sld xmlns:a="http://schemas.openxmlformats.org/drawingml/2006/main" xmlns:r="http://schemas.openxmlformats.org/officeDocument/2006/relationships" xmlns:p="http://schemas.openxmlformats.org/presentationml/2006/main">
+  <p:cSld>
+    <p:spTree>
+      <p:nvGrpSpPr>
+        <p:cNvPr id="1" name=""/>
+        <p:cNvGrpSpPr/>
+        <p:nvPr/>
+      </p:nvGrpSpPr>
+      <p:grpSpPr>
+        <a:xfrm>
+          <a:off x="0" y="0"/>
+          <a:ext cx="0" cy="0"/>
+          <a:chOff x="0" y="0"/>
+          <a:chExt cx="0" cy="0"/>
+        </a:xfrm>
+      </p:grpSpPr>
+      <p:sp>
+        <p:nvSpPr>
+          <p:cNvPr id="6" name="Titre 5"/>
+          <p:cNvSpPr>
+            <a:spLocks noGrp="1"/>
+          </p:cNvSpPr>
+          <p:nvPr>
+            <p:ph type="title"/>
+          </p:nvPr>
+        </p:nvSpPr>
+        <p:spPr>
+          <a:xfrm>
             <a:off x="415724" y="354344"/>
             <a:ext cx="3085618" cy="1325563"/>
           </a:xfrm>
@@ -16176,18 +15446,17 @@
           <a:lstStyle/>
           <a:p>
             <a:r>
-              <a:rPr lang="fr-FR" dirty="0" smtClean="0"/>
+              <a:rPr lang="fr-FR" dirty="0"/>
               <a:t>Yale </a:t>
             </a:r>
             <a:r>
-              <a:rPr lang="fr-FR" dirty="0" err="1" smtClean="0"/>
+              <a:rPr lang="fr-FR" dirty="0" err="1"/>
               <a:t>MeSH</a:t>
             </a:r>
             <a:r>
-              <a:rPr lang="fr-FR" dirty="0" smtClean="0"/>
+              <a:rPr lang="fr-FR" dirty="0"/>
               <a:t> Analyzer</a:t>
             </a:r>
-            <a:endParaRPr lang="fr-FR" dirty="0"/>
           </a:p>
         </p:txBody>
       </p:sp>
@@ -16207,10 +15476,9 @@
           <a:lstStyle/>
           <a:p>
             <a:r>
-              <a:rPr lang="fr-FR" smtClean="0"/>
-              <a:t>F. Flamerie - Trucs et astuces de PubMed - 2021-06-10</a:t>
-            </a:r>
-            <a:endParaRPr lang="fr-FR"/>
+              <a:rPr lang="fr-FR"/>
+              <a:t>F. Flamerie - Trucs et astuces de PubMed - 2022-05-24</a:t>
+            </a:r>
           </a:p>
         </p:txBody>
       </p:sp>
@@ -16231,7 +15499,7 @@
           <a:p>
             <a:fld id="{99E13252-68E5-4994-B57B-B03F39B52C7D}" type="slidenum">
               <a:rPr lang="fr-FR" smtClean="0"/>
-              <a:t>31</a:t>
+              <a:t>32</a:t>
             </a:fld>
             <a:endParaRPr lang="fr-FR"/>
           </a:p>
@@ -16296,11 +15564,11 @@
               <a:buNone/>
             </a:pPr>
             <a:r>
-              <a:rPr lang="en-US" dirty="0" err="1" smtClean="0"/>
+              <a:rPr lang="en-US" dirty="0" err="1"/>
               <a:t>Exemple</a:t>
             </a:r>
             <a:r>
-              <a:rPr lang="en-US" dirty="0" smtClean="0"/>
+              <a:rPr lang="en-US" dirty="0"/>
               <a:t> </a:t>
             </a:r>
           </a:p>
@@ -16312,51 +15580,51 @@
               <a:buNone/>
             </a:pPr>
             <a:r>
-              <a:rPr lang="en-US" dirty="0" err="1" smtClean="0"/>
+              <a:rPr lang="en-US" dirty="0" err="1"/>
               <a:t>Voir</a:t>
             </a:r>
             <a:r>
-              <a:rPr lang="en-US" dirty="0" smtClean="0"/>
+              <a:rPr lang="en-US" dirty="0"/>
               <a:t> </a:t>
             </a:r>
             <a:r>
-              <a:rPr lang="en-US" dirty="0" smtClean="0">
+              <a:rPr lang="en-US" dirty="0">
                 <a:hlinkClick r:id="rId3"/>
               </a:rPr>
               <a:t>un </a:t>
             </a:r>
             <a:r>
-              <a:rPr lang="en-US" dirty="0" err="1" smtClean="0">
+              <a:rPr lang="en-US" dirty="0" err="1">
                 <a:hlinkClick r:id="rId3"/>
               </a:rPr>
               <a:t>autre</a:t>
             </a:r>
             <a:r>
-              <a:rPr lang="en-US" dirty="0" smtClean="0">
+              <a:rPr lang="en-US" dirty="0">
                 <a:hlinkClick r:id="rId3"/>
               </a:rPr>
               <a:t> </a:t>
             </a:r>
             <a:r>
-              <a:rPr lang="en-US" dirty="0" err="1" smtClean="0">
+              <a:rPr lang="en-US" dirty="0" err="1">
                 <a:hlinkClick r:id="rId3"/>
               </a:rPr>
               <a:t>exemple</a:t>
             </a:r>
             <a:r>
-              <a:rPr lang="en-US" dirty="0" smtClean="0">
+              <a:rPr lang="en-US" dirty="0">
                 <a:hlinkClick r:id="rId3"/>
               </a:rPr>
               <a:t> sur le site Yale </a:t>
             </a:r>
             <a:r>
-              <a:rPr lang="en-US" dirty="0" err="1" smtClean="0">
+              <a:rPr lang="en-US" dirty="0" err="1">
                 <a:hlinkClick r:id="rId3"/>
               </a:rPr>
               <a:t>MeSH</a:t>
             </a:r>
             <a:r>
-              <a:rPr lang="en-US" dirty="0" smtClean="0">
+              <a:rPr lang="en-US" dirty="0">
                 <a:hlinkClick r:id="rId3"/>
               </a:rPr>
               <a:t> Analyzer </a:t>
@@ -16370,7 +15638,7 @@
               </a:lnSpc>
               <a:buNone/>
             </a:pPr>
-            <a:endParaRPr lang="fr-FR" dirty="0" smtClean="0"/>
+            <a:endParaRPr lang="fr-FR" dirty="0"/>
           </a:p>
           <a:p>
             <a:pPr marL="0" indent="0">
@@ -16393,17 +15661,10 @@
   <p:clrMapOvr>
     <a:masterClrMapping/>
   </p:clrMapOvr>
-  <p:timing>
-    <p:tnLst>
-      <p:par>
-        <p:cTn id="1" dur="indefinite" restart="never" nodeType="tmRoot"/>
-      </p:par>
-    </p:tnLst>
-  </p:timing>
 </p:sld>
 </file>
 
-<file path=ppt/slides/slide32.xml><?xml version="1.0" encoding="utf-8"?>
+<file path=ppt/slides/slide33.xml><?xml version="1.0" encoding="utf-8"?>
 <p:sld xmlns:a="http://schemas.openxmlformats.org/drawingml/2006/main" xmlns:r="http://schemas.openxmlformats.org/officeDocument/2006/relationships" xmlns:p="http://schemas.openxmlformats.org/presentationml/2006/main">
   <p:cSld>
     <p:spTree>
@@ -16436,10 +15697,9 @@
           <a:lstStyle/>
           <a:p>
             <a:r>
-              <a:rPr lang="fr-FR" dirty="0" smtClean="0"/>
+              <a:rPr lang="fr-FR" dirty="0"/>
               <a:t>Merci pour votre attention</a:t>
             </a:r>
-            <a:endParaRPr lang="fr-FR" dirty="0"/>
           </a:p>
         </p:txBody>
       </p:sp>
@@ -16459,7 +15719,7 @@
           <a:lstStyle/>
           <a:p>
             <a:r>
-              <a:rPr lang="fr-FR" dirty="0" smtClean="0"/>
+              <a:rPr lang="fr-FR" dirty="0"/>
               <a:t> Des questions?</a:t>
             </a:r>
           </a:p>
@@ -16469,14 +15729,14 @@
               <a:t> </a:t>
             </a:r>
             <a:r>
-              <a:rPr lang="fr-FR" smtClean="0"/>
+              <a:rPr lang="fr-FR"/>
               <a:t>Contact </a:t>
             </a:r>
             <a:r>
               <a:rPr lang="fr-FR" smtClean="0"/>
               <a:t>:</a:t>
             </a:r>
-            <a:endParaRPr lang="fr-FR" dirty="0" smtClean="0"/>
+            <a:endParaRPr lang="fr-FR" dirty="0"/>
           </a:p>
         </p:txBody>
       </p:sp>
@@ -16496,8 +15756,8 @@
           <a:lstStyle/>
           <a:p>
             <a:r>
-              <a:rPr lang="fr-FR" smtClean="0"/>
-              <a:t>F. Flamerie - Trucs et astuces de PubMed - 2021-06-10</a:t>
+              <a:rPr lang="fr-FR"/>
+              <a:t>F. Flamerie - Trucs et astuces de PubMed - 2022-05-24</a:t>
             </a:r>
             <a:endParaRPr lang="fr-FR" dirty="0"/>
           </a:p>
@@ -16521,7 +15781,7 @@
             <a:fld id="{99E13252-68E5-4994-B57B-B03F39B52C7D}" type="slidenum">
               <a:rPr lang="fr-FR" smtClean="0"/>
               <a:pPr/>
-              <a:t>32</a:t>
+              <a:t>33</a:t>
             </a:fld>
             <a:endParaRPr lang="fr-FR" dirty="0"/>
           </a:p>
@@ -16826,7 +16086,7 @@
                 <a:effectLst/>
                 <a:uLnTx/>
                 <a:uFillTx/>
-                <a:latin typeface="Calibri" panose="020F0502020204030204"/>
+                <a:latin typeface="Corbel" panose="020B0503020204020204" pitchFamily="34" charset="0"/>
                 <a:ea typeface="+mn-ea"/>
                 <a:cs typeface="+mn-cs"/>
               </a:endParaRPr>
@@ -17012,7 +16272,7 @@
                 <a:effectLst/>
                 <a:uLnTx/>
                 <a:uFillTx/>
-                <a:latin typeface="Calibri" panose="020F0502020204030204"/>
+                <a:latin typeface="Corbel" panose="020B0503020204020204" pitchFamily="34" charset="0"/>
                 <a:ea typeface="+mn-ea"/>
                 <a:cs typeface="+mn-cs"/>
               </a:endParaRPr>
@@ -17030,13 +16290,6 @@
   <p:clrMapOvr>
     <a:masterClrMapping/>
   </p:clrMapOvr>
-  <p:timing>
-    <p:tnLst>
-      <p:par>
-        <p:cTn id="1" dur="indefinite" restart="never" nodeType="tmRoot"/>
-      </p:par>
-    </p:tnLst>
-  </p:timing>
 </p:sld>
 </file>
 
@@ -17078,11 +16331,11 @@
           <a:lstStyle/>
           <a:p>
             <a:r>
-              <a:rPr lang="fr-FR" dirty="0" smtClean="0"/>
+              <a:rPr lang="fr-FR" dirty="0"/>
               <a:t>Couverture : le contenu de </a:t>
             </a:r>
             <a:r>
-              <a:rPr lang="fr-FR" dirty="0" err="1" smtClean="0"/>
+              <a:rPr lang="fr-FR" dirty="0" err="1"/>
               <a:t>PubMed</a:t>
             </a:r>
             <a:endParaRPr lang="fr-FR" dirty="0"/>
@@ -17105,10 +16358,9 @@
           <a:lstStyle/>
           <a:p>
             <a:r>
-              <a:rPr lang="fr-FR" smtClean="0"/>
-              <a:t>F. Flamerie - Trucs et astuces de PubMed - 2021-06-10</a:t>
-            </a:r>
-            <a:endParaRPr lang="fr-FR"/>
+              <a:rPr lang="fr-FR"/>
+              <a:t>F. Flamerie - Trucs et astuces de PubMed - 2022-05-24</a:t>
+            </a:r>
           </a:p>
         </p:txBody>
       </p:sp>
@@ -17164,7 +16416,7 @@
               <a:buNone/>
             </a:pPr>
             <a:r>
-              <a:rPr lang="fr-FR" sz="3200" dirty="0" smtClean="0"/>
+              <a:rPr lang="fr-FR" sz="3200" dirty="0"/>
               <a:t>3 sous-ensembles principaux</a:t>
             </a:r>
           </a:p>
@@ -17175,7 +16427,7 @@
               </a:lnSpc>
             </a:pPr>
             <a:r>
-              <a:rPr lang="fr-FR" sz="3200" dirty="0" smtClean="0"/>
+              <a:rPr lang="fr-FR" sz="3200" dirty="0"/>
               <a:t> </a:t>
             </a:r>
             <a:r>
@@ -17238,20 +16490,12 @@
               <a:t>= articles en libre accès - majoritairement déposés par revues + manuscrits déposés par auteurs - </a:t>
             </a:r>
             <a:r>
-              <a:rPr lang="fr-FR" sz="3200" dirty="0" smtClean="0">
+              <a:rPr lang="fr-FR" sz="3200" dirty="0">
                 <a:solidFill>
                   <a:srgbClr val="009DE0"/>
                 </a:solidFill>
               </a:rPr>
-              <a:t>26</a:t>
-            </a:r>
-            <a:r>
-              <a:rPr lang="fr-FR" sz="3200" dirty="0">
-                <a:solidFill>
-                  <a:srgbClr val="009DE0"/>
-                </a:solidFill>
-              </a:rPr>
-              <a:t>% </a:t>
+              <a:t>26% </a:t>
             </a:r>
             <a:r>
               <a:rPr lang="fr-FR" sz="3200" dirty="0"/>
@@ -17271,15 +16515,7 @@
             </a:r>
             <a:r>
               <a:rPr lang="fr-FR" sz="3200" dirty="0"/>
-              <a:t> - [6 </a:t>
-            </a:r>
-            <a:r>
-              <a:rPr lang="fr-FR" sz="3200" dirty="0" smtClean="0"/>
-              <a:t>millions articles en </a:t>
-            </a:r>
-            <a:r>
-              <a:rPr lang="fr-FR" sz="3200" dirty="0"/>
-              <a:t>2020-03]</a:t>
+              <a:t> - [6 millions articles en 2020-03]</a:t>
             </a:r>
           </a:p>
           <a:p>
@@ -17316,13 +16552,6 @@
   <p:clrMapOvr>
     <a:masterClrMapping/>
   </p:clrMapOvr>
-  <p:timing>
-    <p:tnLst>
-      <p:par>
-        <p:cTn id="1" dur="indefinite" restart="never" nodeType="tmRoot"/>
-      </p:par>
-    </p:tnLst>
-  </p:timing>
 </p:sld>
 </file>
 
@@ -17364,11 +16593,11 @@
           <a:lstStyle/>
           <a:p>
             <a:r>
-              <a:rPr lang="fr-FR" dirty="0" smtClean="0"/>
+              <a:rPr lang="fr-FR" dirty="0"/>
               <a:t>Couverture : le contenu de </a:t>
             </a:r>
             <a:r>
-              <a:rPr lang="fr-FR" dirty="0" err="1" smtClean="0"/>
+              <a:rPr lang="fr-FR" dirty="0" err="1"/>
               <a:t>PubMed</a:t>
             </a:r>
             <a:endParaRPr lang="fr-FR" dirty="0"/>
@@ -17391,10 +16620,9 @@
           <a:lstStyle/>
           <a:p>
             <a:r>
-              <a:rPr lang="fr-FR" smtClean="0"/>
-              <a:t>F. Flamerie - Trucs et astuces de PubMed - 2021-06-10</a:t>
-            </a:r>
-            <a:endParaRPr lang="fr-FR"/>
+              <a:rPr lang="fr-FR"/>
+              <a:t>F. Flamerie - Trucs et astuces de PubMed - 2022-05-24</a:t>
+            </a:r>
           </a:p>
         </p:txBody>
       </p:sp>
@@ -17447,15 +16675,15 @@
               <a:buNone/>
             </a:pPr>
             <a:r>
-              <a:rPr lang="fr-FR" sz="3400" dirty="0" smtClean="0"/>
+              <a:rPr lang="fr-FR" sz="3400" dirty="0"/>
               <a:t>Autres cas d’articles indexés dans </a:t>
             </a:r>
             <a:r>
-              <a:rPr lang="fr-FR" sz="3400" dirty="0" err="1" smtClean="0"/>
+              <a:rPr lang="fr-FR" sz="3400" dirty="0" err="1"/>
               <a:t>PubMed</a:t>
             </a:r>
             <a:r>
-              <a:rPr lang="fr-FR" sz="3400" dirty="0" smtClean="0"/>
+              <a:rPr lang="fr-FR" sz="3400" dirty="0"/>
               <a:t> et non dans MEDLINE</a:t>
             </a:r>
           </a:p>
@@ -17592,7 +16820,7 @@
           <a:lstStyle/>
           <a:p>
             <a:r>
-              <a:rPr lang="fr-FR" sz="1600" dirty="0" smtClean="0">
+              <a:rPr lang="fr-FR" sz="1600" dirty="0">
                 <a:solidFill>
                   <a:schemeClr val="tx2">
                     <a:lumMod val="75000"/>
@@ -17606,19 +16834,19 @@
               <a:rPr lang="en-US" sz="1600" dirty="0">
                 <a:latin typeface="Corbel" panose="020B0503020204020204" pitchFamily="34" charset="0"/>
               </a:rPr>
-              <a:t>National Library of Medicine. (2020, </a:t>
+              <a:t>National Library of Medicine. (2021, </a:t>
             </a:r>
             <a:r>
               <a:rPr lang="en-US" sz="1600" dirty="0" err="1">
                 <a:latin typeface="Corbel" panose="020B0503020204020204" pitchFamily="34" charset="0"/>
               </a:rPr>
-              <a:t>septembre</a:t>
+              <a:t>octobre</a:t>
             </a:r>
             <a:r>
               <a:rPr lang="en-US" sz="1600" dirty="0">
                 <a:latin typeface="Corbel" panose="020B0503020204020204" pitchFamily="34" charset="0"/>
               </a:rPr>
-              <a:t> 11). </a:t>
+              <a:t> 13). </a:t>
             </a:r>
             <a:r>
               <a:rPr lang="en-US" sz="1600" i="1" dirty="0">
@@ -17665,13 +16893,6 @@
   <p:clrMapOvr>
     <a:masterClrMapping/>
   </p:clrMapOvr>
-  <p:timing>
-    <p:tnLst>
-      <p:par>
-        <p:cTn id="1" dur="indefinite" restart="never" nodeType="tmRoot"/>
-      </p:par>
-    </p:tnLst>
-  </p:timing>
 </p:sld>
 </file>
 
@@ -17713,11 +16934,11 @@
           <a:lstStyle/>
           <a:p>
             <a:r>
-              <a:rPr lang="fr-FR" dirty="0" smtClean="0"/>
+              <a:rPr lang="fr-FR" dirty="0"/>
               <a:t>Couverture : le contenu de </a:t>
             </a:r>
             <a:r>
-              <a:rPr lang="fr-FR" dirty="0" err="1" smtClean="0"/>
+              <a:rPr lang="fr-FR" dirty="0" err="1"/>
               <a:t>PubMed</a:t>
             </a:r>
             <a:endParaRPr lang="fr-FR" dirty="0"/>
@@ -17740,10 +16961,9 @@
           <a:lstStyle/>
           <a:p>
             <a:r>
-              <a:rPr lang="fr-FR" smtClean="0"/>
-              <a:t>F. Flamerie - Trucs et astuces de PubMed - 2021-06-10</a:t>
-            </a:r>
-            <a:endParaRPr lang="fr-FR"/>
+              <a:rPr lang="fr-FR"/>
+              <a:t>F. Flamerie - Trucs et astuces de PubMed - 2022-05-24</a:t>
+            </a:r>
           </a:p>
         </p:txBody>
       </p:sp>
@@ -17799,11 +17019,11 @@
               <a:buNone/>
             </a:pPr>
             <a:r>
-              <a:rPr lang="fr-FR" dirty="0" smtClean="0"/>
+              <a:rPr lang="fr-FR" dirty="0"/>
               <a:t>Ces différents sous-ensembles peuvent être repérés et ciblés (pour inclusion ou exclusion) grâce notamment au critère </a:t>
             </a:r>
             <a:r>
-              <a:rPr lang="fr-FR" dirty="0" err="1" smtClean="0">
+              <a:rPr lang="fr-FR" dirty="0" err="1">
                 <a:solidFill>
                   <a:srgbClr val="009DE0"/>
                 </a:solidFill>
@@ -17811,7 +17031,7 @@
               <a:t>subset</a:t>
             </a:r>
             <a:r>
-              <a:rPr lang="fr-FR" dirty="0" smtClean="0">
+              <a:rPr lang="fr-FR" dirty="0">
                 <a:solidFill>
                   <a:srgbClr val="009DE0"/>
                 </a:solidFill>
@@ -17819,7 +17039,7 @@
               <a:t> [</a:t>
             </a:r>
             <a:r>
-              <a:rPr lang="fr-FR" dirty="0" err="1" smtClean="0">
+              <a:rPr lang="fr-FR" dirty="0" err="1">
                 <a:solidFill>
                   <a:srgbClr val="009DE0"/>
                 </a:solidFill>
@@ -17827,7 +17047,7 @@
               <a:t>sb</a:t>
             </a:r>
             <a:r>
-              <a:rPr lang="fr-FR" dirty="0" smtClean="0">
+              <a:rPr lang="fr-FR" dirty="0">
                 <a:solidFill>
                   <a:srgbClr val="009DE0"/>
                 </a:solidFill>
@@ -17835,22 +17055,22 @@
               <a:t>] </a:t>
             </a:r>
             <a:r>
-              <a:rPr lang="fr-FR" sz="2000" dirty="0" smtClean="0"/>
+              <a:rPr lang="fr-FR" sz="2000" dirty="0"/>
               <a:t>- cf. tableau ci-contre issu de la </a:t>
             </a:r>
             <a:r>
-              <a:rPr lang="fr-FR" sz="2000" dirty="0" smtClean="0">
+              <a:rPr lang="fr-FR" sz="2000" dirty="0">
                 <a:hlinkClick r:id="rId2"/>
               </a:rPr>
               <a:t>documentation </a:t>
             </a:r>
             <a:r>
-              <a:rPr lang="fr-FR" sz="2000" dirty="0" err="1" smtClean="0">
+              <a:rPr lang="fr-FR" sz="2000" dirty="0" err="1">
                 <a:hlinkClick r:id="rId2"/>
               </a:rPr>
               <a:t>PubMed</a:t>
             </a:r>
-            <a:endParaRPr lang="fr-FR" sz="2000" dirty="0" smtClean="0"/>
+            <a:endParaRPr lang="fr-FR" sz="2000" dirty="0"/>
           </a:p>
           <a:p>
             <a:pPr>
@@ -17887,8 +17107,20 @@
                 <a:tableStyleId>{073A0DAA-6AF3-43AB-8588-CEC1D06C72B9}</a:tableStyleId>
               </a:tblPr>
               <a:tblGrid>
-                <a:gridCol w="2251825"/>
-                <a:gridCol w="6125557"/>
+                <a:gridCol w="2251825">
+                  <a:extLst>
+                    <a:ext uri="{9D8B030D-6E8A-4147-A177-3AD203B41FA5}">
+                      <a16:colId xmlns="" xmlns:a16="http://schemas.microsoft.com/office/drawing/2014/main" val="20000"/>
+                    </a:ext>
+                  </a:extLst>
+                </a:gridCol>
+                <a:gridCol w="6125557">
+                  <a:extLst>
+                    <a:ext uri="{9D8B030D-6E8A-4147-A177-3AD203B41FA5}">
+                      <a16:colId xmlns="" xmlns:a16="http://schemas.microsoft.com/office/drawing/2014/main" val="20001"/>
+                    </a:ext>
+                  </a:extLst>
+                </a:gridCol>
               </a:tblGrid>
               <a:tr h="386469">
                 <a:tc>
@@ -17939,6 +17171,11 @@
                   </a:txBody>
                   <a:tcPr marL="45804" marR="45804" marT="22902" marB="22902" anchor="ctr"/>
                 </a:tc>
+                <a:extLst>
+                  <a:ext uri="{0D108BD9-81ED-4DB2-BD59-A6C34878D82A}">
+                    <a16:rowId xmlns="" xmlns:a16="http://schemas.microsoft.com/office/drawing/2014/main" val="10000"/>
+                  </a:ext>
+                </a:extLst>
               </a:tr>
               <a:tr h="1270527">
                 <a:tc>
@@ -18016,6 +17253,11 @@
                   </a:txBody>
                   <a:tcPr marL="45804" marR="45804" marT="22902" marB="22902" anchor="ctr"/>
                 </a:tc>
+                <a:extLst>
+                  <a:ext uri="{0D108BD9-81ED-4DB2-BD59-A6C34878D82A}">
+                    <a16:rowId xmlns="" xmlns:a16="http://schemas.microsoft.com/office/drawing/2014/main" val="10001"/>
+                  </a:ext>
+                </a:extLst>
               </a:tr>
               <a:tr h="355748">
                 <a:tc>
@@ -18066,6 +17308,11 @@
                   </a:txBody>
                   <a:tcPr marL="45804" marR="45804" marT="22902" marB="22902" anchor="ctr"/>
                 </a:tc>
+                <a:extLst>
+                  <a:ext uri="{0D108BD9-81ED-4DB2-BD59-A6C34878D82A}">
+                    <a16:rowId xmlns="" xmlns:a16="http://schemas.microsoft.com/office/drawing/2014/main" val="10002"/>
+                  </a:ext>
+                </a:extLst>
               </a:tr>
               <a:tr h="355748">
                 <a:tc>
@@ -18140,6 +17387,11 @@
                   </a:txBody>
                   <a:tcPr marL="45804" marR="45804" marT="22902" marB="22902" anchor="ctr"/>
                 </a:tc>
+                <a:extLst>
+                  <a:ext uri="{0D108BD9-81ED-4DB2-BD59-A6C34878D82A}">
+                    <a16:rowId xmlns="" xmlns:a16="http://schemas.microsoft.com/office/drawing/2014/main" val="10003"/>
+                  </a:ext>
+                </a:extLst>
               </a:tr>
               <a:tr h="355748">
                 <a:tc>
@@ -18202,6 +17454,11 @@
                   </a:txBody>
                   <a:tcPr marL="45804" marR="45804" marT="22902" marB="22902" anchor="ctr"/>
                 </a:tc>
+                <a:extLst>
+                  <a:ext uri="{0D108BD9-81ED-4DB2-BD59-A6C34878D82A}">
+                    <a16:rowId xmlns="" xmlns:a16="http://schemas.microsoft.com/office/drawing/2014/main" val="10004"/>
+                  </a:ext>
+                </a:extLst>
               </a:tr>
               <a:tr h="660674">
                 <a:tc>
@@ -18234,6 +17491,11 @@
                   </a:txBody>
                   <a:tcPr marL="45804" marR="45804" marT="22902" marB="22902" anchor="ctr"/>
                 </a:tc>
+                <a:extLst>
+                  <a:ext uri="{0D108BD9-81ED-4DB2-BD59-A6C34878D82A}">
+                    <a16:rowId xmlns="" xmlns:a16="http://schemas.microsoft.com/office/drawing/2014/main" val="10005"/>
+                  </a:ext>
+                </a:extLst>
               </a:tr>
               <a:tr h="355748">
                 <a:tc>
@@ -18266,6 +17528,11 @@
                   </a:txBody>
                   <a:tcPr marL="45804" marR="45804" marT="22902" marB="22902" anchor="ctr"/>
                 </a:tc>
+                <a:extLst>
+                  <a:ext uri="{0D108BD9-81ED-4DB2-BD59-A6C34878D82A}">
+                    <a16:rowId xmlns="" xmlns:a16="http://schemas.microsoft.com/office/drawing/2014/main" val="10006"/>
+                  </a:ext>
+                </a:extLst>
               </a:tr>
               <a:tr h="1270527">
                 <a:tc>
@@ -18316,6 +17583,11 @@
                   </a:txBody>
                   <a:tcPr marL="45804" marR="45804" marT="22902" marB="22902" anchor="ctr"/>
                 </a:tc>
+                <a:extLst>
+                  <a:ext uri="{0D108BD9-81ED-4DB2-BD59-A6C34878D82A}">
+                    <a16:rowId xmlns="" xmlns:a16="http://schemas.microsoft.com/office/drawing/2014/main" val="10007"/>
+                  </a:ext>
+                </a:extLst>
               </a:tr>
             </a:tbl>
           </a:graphicData>
@@ -18399,7 +17671,7 @@
                 <a:tabLst/>
                 <a:defRPr/>
               </a:pPr>
-              <a:endParaRPr kumimoji="0" lang="fr-FR" sz="1800" b="0" i="0" u="none" strike="noStrike" kern="1200" cap="none" spc="0" normalizeH="0" baseline="0" noProof="0">
+              <a:endParaRPr kumimoji="0" lang="fr-FR" sz="1800" b="0" i="0" u="none" strike="noStrike" kern="1200" cap="none" spc="0" normalizeH="0" baseline="0" noProof="0" dirty="0">
                 <a:ln>
                   <a:noFill/>
                 </a:ln>
@@ -18409,7 +17681,7 @@
                 <a:effectLst/>
                 <a:uLnTx/>
                 <a:uFillTx/>
-                <a:latin typeface="Calibri" panose="020F0502020204030204"/>
+                <a:latin typeface="Corbel" panose="020B0503020204020204" pitchFamily="34" charset="0"/>
                 <a:ea typeface="+mn-ea"/>
                 <a:cs typeface="+mn-cs"/>
               </a:endParaRPr>
@@ -18478,7 +17750,7 @@
                 <a:tabLst/>
                 <a:defRPr/>
               </a:pPr>
-              <a:endParaRPr kumimoji="0" lang="fr-FR" sz="1800" b="0" i="0" u="none" strike="noStrike" kern="1200" cap="none" spc="0" normalizeH="0" baseline="0" noProof="0">
+              <a:endParaRPr kumimoji="0" lang="fr-FR" sz="1800" b="0" i="0" u="none" strike="noStrike" kern="1200" cap="none" spc="0" normalizeH="0" baseline="0" noProof="0" dirty="0">
                 <a:ln>
                   <a:noFill/>
                 </a:ln>
@@ -18488,7 +17760,7 @@
                 <a:effectLst/>
                 <a:uLnTx/>
                 <a:uFillTx/>
-                <a:latin typeface="Calibri" panose="020F0502020204030204"/>
+                <a:latin typeface="Corbel" panose="020B0503020204020204" pitchFamily="34" charset="0"/>
                 <a:ea typeface="+mn-ea"/>
                 <a:cs typeface="+mn-cs"/>
               </a:endParaRPr>
@@ -18506,13 +17778,6 @@
   <p:clrMapOvr>
     <a:masterClrMapping/>
   </p:clrMapOvr>
-  <p:timing>
-    <p:tnLst>
-      <p:par>
-        <p:cTn id="1" dur="indefinite" restart="never" nodeType="tmRoot"/>
-      </p:par>
-    </p:tnLst>
-  </p:timing>
 </p:sld>
 </file>
 
@@ -18549,11 +17814,11 @@
           <a:lstStyle/>
           <a:p>
             <a:r>
-              <a:rPr lang="fr-FR" dirty="0" smtClean="0"/>
+              <a:rPr lang="fr-FR" dirty="0"/>
               <a:t>Fonctionnalités : le thésaurus </a:t>
             </a:r>
             <a:r>
-              <a:rPr lang="fr-FR" dirty="0" err="1" smtClean="0"/>
+              <a:rPr lang="fr-FR" dirty="0" err="1"/>
               <a:t>MeSH</a:t>
             </a:r>
             <a:endParaRPr lang="fr-FR" dirty="0"/>
@@ -18592,19 +17857,19 @@
               <a:t> </a:t>
             </a:r>
             <a:r>
-              <a:rPr lang="fr-FR" sz="3000" dirty="0" smtClean="0"/>
+              <a:rPr lang="fr-FR" sz="3000" dirty="0"/>
               <a:t>Le thésaurus </a:t>
             </a:r>
             <a:r>
-              <a:rPr lang="fr-FR" sz="3000" dirty="0" err="1" smtClean="0"/>
+              <a:rPr lang="fr-FR" sz="3000" dirty="0" err="1"/>
               <a:t>MeSH</a:t>
             </a:r>
             <a:r>
-              <a:rPr lang="fr-FR" sz="3000" dirty="0" smtClean="0"/>
+              <a:rPr lang="fr-FR" sz="3000" dirty="0"/>
               <a:t> est un </a:t>
             </a:r>
             <a:r>
-              <a:rPr lang="fr-FR" sz="3000" dirty="0" smtClean="0">
+              <a:rPr lang="fr-FR" sz="3000" dirty="0">
                 <a:solidFill>
                   <a:srgbClr val="009DE0"/>
                 </a:solidFill>
@@ -18612,11 +17877,11 @@
               <a:t>vocabulaire contrôlé</a:t>
             </a:r>
             <a:r>
-              <a:rPr lang="fr-FR" sz="3000" dirty="0" smtClean="0"/>
+              <a:rPr lang="fr-FR" sz="3000" dirty="0"/>
               <a:t>, constitué de termes organisés par des relations de </a:t>
             </a:r>
             <a:r>
-              <a:rPr lang="fr-FR" sz="3000" dirty="0" smtClean="0">
+              <a:rPr lang="fr-FR" sz="3000" dirty="0">
                 <a:solidFill>
                   <a:srgbClr val="009DE0"/>
                 </a:solidFill>
@@ -18624,11 +17889,11 @@
               <a:t>hiérarchie</a:t>
             </a:r>
             <a:r>
-              <a:rPr lang="fr-FR" sz="3000" dirty="0" smtClean="0"/>
+              <a:rPr lang="fr-FR" sz="3000" dirty="0"/>
               <a:t> et d’</a:t>
             </a:r>
             <a:r>
-              <a:rPr lang="fr-FR" sz="3000" dirty="0" smtClean="0">
+              <a:rPr lang="fr-FR" sz="3000" dirty="0">
                 <a:solidFill>
                   <a:srgbClr val="009DE0"/>
                 </a:solidFill>
@@ -18636,7 +17901,7 @@
               <a:t>association</a:t>
             </a:r>
             <a:r>
-              <a:rPr lang="fr-FR" sz="3000" dirty="0" smtClean="0"/>
+              <a:rPr lang="fr-FR" sz="3000" dirty="0"/>
               <a:t>.</a:t>
             </a:r>
           </a:p>
@@ -18647,15 +17912,15 @@
               </a:lnSpc>
             </a:pPr>
             <a:r>
-              <a:rPr lang="fr-FR" sz="3000" dirty="0" smtClean="0"/>
+              <a:rPr lang="fr-FR" sz="3000" dirty="0"/>
               <a:t> Qu’est-ce qu’un terme </a:t>
             </a:r>
             <a:r>
-              <a:rPr lang="fr-FR" sz="3000" dirty="0" err="1" smtClean="0"/>
+              <a:rPr lang="fr-FR" sz="3000" dirty="0" err="1"/>
               <a:t>MeSH</a:t>
             </a:r>
             <a:r>
-              <a:rPr lang="fr-FR" sz="3000" dirty="0" smtClean="0"/>
+              <a:rPr lang="fr-FR" sz="3000" dirty="0"/>
               <a:t>?</a:t>
             </a:r>
           </a:p>
@@ -18667,7 +17932,7 @@
               <a:buNone/>
             </a:pPr>
             <a:r>
-              <a:rPr lang="en-US" sz="3000" dirty="0" smtClean="0">
+              <a:rPr lang="en-US" sz="3000" dirty="0">
                 <a:solidFill>
                   <a:schemeClr val="tx1">
                     <a:lumMod val="75000"/>
@@ -18678,7 +17943,7 @@
               <a:t>“</a:t>
             </a:r>
             <a:r>
-              <a:rPr lang="en-US" sz="3000" dirty="0" err="1" smtClean="0">
+              <a:rPr lang="en-US" sz="3000" dirty="0" err="1">
                 <a:solidFill>
                   <a:schemeClr val="tx1">
                     <a:lumMod val="75000"/>
@@ -18689,7 +17954,7 @@
               <a:t>MeSH</a:t>
             </a:r>
             <a:r>
-              <a:rPr lang="en-US" sz="3000" dirty="0" smtClean="0">
+              <a:rPr lang="en-US" sz="3000" dirty="0">
                 <a:solidFill>
                   <a:schemeClr val="tx1">
                     <a:lumMod val="75000"/>
@@ -18697,10 +17962,10 @@
                   </a:schemeClr>
                 </a:solidFill>
               </a:rPr>
-              <a:t> </a:t>
-            </a:r>
-            <a:r>
-              <a:rPr lang="en-US" sz="3000" dirty="0">
+              <a:t> terms are official words or phrases selected to represent particular biomedical concepts. When labelling an article, indexers select terms only from the official </a:t>
+            </a:r>
+            <a:r>
+              <a:rPr lang="en-US" sz="3000" dirty="0" err="1">
                 <a:solidFill>
                   <a:schemeClr val="tx1">
                     <a:lumMod val="75000"/>
@@ -18708,10 +17973,10 @@
                   </a:schemeClr>
                 </a:solidFill>
               </a:rPr>
-              <a:t>terms are official words or phrases selected to represent particular </a:t>
-            </a:r>
-            <a:r>
-              <a:rPr lang="en-US" sz="3000" dirty="0" smtClean="0">
+              <a:t>MeSH</a:t>
+            </a:r>
+            <a:r>
+              <a:rPr lang="en-US" sz="3000" dirty="0">
                 <a:solidFill>
                   <a:schemeClr val="tx1">
                     <a:lumMod val="75000"/>
@@ -18719,10 +17984,10 @@
                   </a:schemeClr>
                 </a:solidFill>
               </a:rPr>
-              <a:t>biomedical </a:t>
-            </a:r>
-            <a:r>
-              <a:rPr lang="en-US" sz="3000" dirty="0">
+              <a:t> list – never other spellings or variations. For instance, an article would not be labelled with the term heart attack, because indexers must always use the official </a:t>
+            </a:r>
+            <a:r>
+              <a:rPr lang="en-US" sz="3000" dirty="0" err="1">
                 <a:solidFill>
                   <a:schemeClr val="tx1">
                     <a:lumMod val="75000"/>
@@ -18730,10 +17995,10 @@
                   </a:schemeClr>
                 </a:solidFill>
               </a:rPr>
-              <a:t>concepts. When labelling an article, indexers select terms only </a:t>
-            </a:r>
-            <a:r>
-              <a:rPr lang="en-US" sz="3000" dirty="0" smtClean="0">
+              <a:t>MeSH</a:t>
+            </a:r>
+            <a:r>
+              <a:rPr lang="en-US" sz="3000" dirty="0">
                 <a:solidFill>
                   <a:schemeClr val="tx1">
                     <a:lumMod val="75000"/>
@@ -18741,10 +18006,10 @@
                   </a:schemeClr>
                 </a:solidFill>
               </a:rPr>
-              <a:t>from </a:t>
-            </a:r>
-            <a:r>
-              <a:rPr lang="en-US" sz="3000" dirty="0">
+              <a:t> term, </a:t>
+            </a:r>
+            <a:r>
+              <a:rPr lang="en-US" sz="3000" b="1" i="1" dirty="0">
                 <a:solidFill>
                   <a:schemeClr val="tx1">
                     <a:lumMod val="75000"/>
@@ -18752,10 +18017,10 @@
                   </a:schemeClr>
                 </a:solidFill>
               </a:rPr>
-              <a:t>the official </a:t>
-            </a:r>
-            <a:r>
-              <a:rPr lang="en-US" sz="3000" dirty="0" err="1">
+              <a:t>Myocardial</a:t>
+            </a:r>
+            <a:r>
+              <a:rPr lang="en-US" sz="3000" i="1" dirty="0">
                 <a:solidFill>
                   <a:schemeClr val="tx1">
                     <a:lumMod val="75000"/>
@@ -18763,10 +18028,10 @@
                   </a:schemeClr>
                 </a:solidFill>
               </a:rPr>
-              <a:t>MeSH</a:t>
-            </a:r>
-            <a:r>
-              <a:rPr lang="en-US" sz="3000" dirty="0">
+              <a:t> </a:t>
+            </a:r>
+            <a:r>
+              <a:rPr lang="en-US" sz="3000" b="1" i="1" dirty="0">
                 <a:solidFill>
                   <a:schemeClr val="tx1">
                     <a:lumMod val="75000"/>
@@ -18774,109 +18039,10 @@
                   </a:schemeClr>
                 </a:solidFill>
               </a:rPr>
-              <a:t> list – never other spellings or variations. For </a:t>
-            </a:r>
-            <a:r>
-              <a:rPr lang="en-US" sz="3000" dirty="0" smtClean="0">
-                <a:solidFill>
-                  <a:schemeClr val="tx1">
-                    <a:lumMod val="75000"/>
-                    <a:lumOff val="25000"/>
-                  </a:schemeClr>
-                </a:solidFill>
-              </a:rPr>
-              <a:t>instance</a:t>
+              <a:t>Infarction</a:t>
             </a:r>
             <a:r>
               <a:rPr lang="en-US" sz="3000" dirty="0">
-                <a:solidFill>
-                  <a:schemeClr val="tx1">
-                    <a:lumMod val="75000"/>
-                    <a:lumOff val="25000"/>
-                  </a:schemeClr>
-                </a:solidFill>
-              </a:rPr>
-              <a:t>, an article would not be labelled with the term heart attack, </a:t>
-            </a:r>
-            <a:r>
-              <a:rPr lang="en-US" sz="3000" dirty="0" smtClean="0">
-                <a:solidFill>
-                  <a:schemeClr val="tx1">
-                    <a:lumMod val="75000"/>
-                    <a:lumOff val="25000"/>
-                  </a:schemeClr>
-                </a:solidFill>
-              </a:rPr>
-              <a:t>because </a:t>
-            </a:r>
-            <a:r>
-              <a:rPr lang="en-US" sz="3000" dirty="0">
-                <a:solidFill>
-                  <a:schemeClr val="tx1">
-                    <a:lumMod val="75000"/>
-                    <a:lumOff val="25000"/>
-                  </a:schemeClr>
-                </a:solidFill>
-              </a:rPr>
-              <a:t>indexers must always use the official </a:t>
-            </a:r>
-            <a:r>
-              <a:rPr lang="en-US" sz="3000" dirty="0" err="1">
-                <a:solidFill>
-                  <a:schemeClr val="tx1">
-                    <a:lumMod val="75000"/>
-                    <a:lumOff val="25000"/>
-                  </a:schemeClr>
-                </a:solidFill>
-              </a:rPr>
-              <a:t>MeSH</a:t>
-            </a:r>
-            <a:r>
-              <a:rPr lang="en-US" sz="3000" dirty="0">
-                <a:solidFill>
-                  <a:schemeClr val="tx1">
-                    <a:lumMod val="75000"/>
-                    <a:lumOff val="25000"/>
-                  </a:schemeClr>
-                </a:solidFill>
-              </a:rPr>
-              <a:t> term, </a:t>
-            </a:r>
-            <a:r>
-              <a:rPr lang="en-US" sz="3000" b="1" i="1" dirty="0">
-                <a:solidFill>
-                  <a:schemeClr val="tx1">
-                    <a:lumMod val="75000"/>
-                    <a:lumOff val="25000"/>
-                  </a:schemeClr>
-                </a:solidFill>
-              </a:rPr>
-              <a:t>Myocardial</a:t>
-            </a:r>
-            <a:r>
-              <a:rPr lang="en-US" sz="3000" i="1" dirty="0">
-                <a:solidFill>
-                  <a:schemeClr val="tx1">
-                    <a:lumMod val="75000"/>
-                    <a:lumOff val="25000"/>
-                  </a:schemeClr>
-                </a:solidFill>
-              </a:rPr>
-              <a:t> </a:t>
-            </a:r>
-            <a:r>
-              <a:rPr lang="en-US" sz="3000" b="1" i="1" dirty="0">
-                <a:solidFill>
-                  <a:schemeClr val="tx1">
-                    <a:lumMod val="75000"/>
-                    <a:lumOff val="25000"/>
-                  </a:schemeClr>
-                </a:solidFill>
-              </a:rPr>
-              <a:t>Infarction</a:t>
-            </a:r>
-            <a:r>
-              <a:rPr lang="en-US" sz="3000" dirty="0" smtClean="0">
                 <a:solidFill>
                   <a:schemeClr val="tx1">
                     <a:lumMod val="75000"/>
@@ -18895,12 +18061,8 @@
               <a:buNone/>
             </a:pPr>
             <a:r>
-              <a:rPr lang="en-US" sz="1700" dirty="0" smtClean="0"/>
-              <a:t>Source : </a:t>
-            </a:r>
-            <a:r>
               <a:rPr lang="en-US" sz="1700" dirty="0"/>
-              <a:t>Baumann, N. (2016). How to use the medical subject headings (</a:t>
+              <a:t>Source : Baumann, N. (2016). How to use the medical subject headings (</a:t>
             </a:r>
             <a:r>
               <a:rPr lang="en-US" sz="1700" dirty="0" err="1"/>
@@ -18930,15 +18092,9 @@
               <a:rPr lang="en-US" sz="1700" dirty="0">
                 <a:hlinkClick r:id="rId2"/>
               </a:rPr>
-              <a:t>https://</a:t>
-            </a:r>
-            <a:r>
-              <a:rPr lang="en-US" sz="1700" dirty="0" smtClean="0">
-                <a:hlinkClick r:id="rId2"/>
-              </a:rPr>
-              <a:t>doi.org/10.1111/ijcp.12767</a:t>
-            </a:r>
-            <a:endParaRPr lang="fr-FR" sz="1700" dirty="0" smtClean="0"/>
+              <a:t>https://doi.org/10.1111/ijcp.12767</a:t>
+            </a:r>
+            <a:endParaRPr lang="fr-FR" sz="1700" dirty="0"/>
           </a:p>
           <a:p>
             <a:pPr>
@@ -18966,8 +18122,8 @@
           <a:lstStyle/>
           <a:p>
             <a:r>
-              <a:rPr lang="fr-FR" smtClean="0"/>
-              <a:t>F. Flamerie - Trucs et astuces de PubMed - 2021-06-10</a:t>
+              <a:rPr lang="fr-FR"/>
+              <a:t>F. Flamerie - Trucs et astuces de PubMed - 2022-05-24</a:t>
             </a:r>
             <a:endParaRPr lang="fr-FR" dirty="0"/>
           </a:p>
@@ -19007,13 +18163,6 @@
   <p:clrMapOvr>
     <a:masterClrMapping/>
   </p:clrMapOvr>
-  <p:timing>
-    <p:tnLst>
-      <p:par>
-        <p:cTn id="1" dur="indefinite" restart="never" nodeType="tmRoot"/>
-      </p:par>
-    </p:tnLst>
-  </p:timing>
 </p:sld>
 </file>
 
@@ -19055,11 +18204,11 @@
           <a:lstStyle/>
           <a:p>
             <a:r>
-              <a:rPr lang="fr-FR" dirty="0" smtClean="0"/>
+              <a:rPr lang="fr-FR" dirty="0"/>
               <a:t>Fonctionnalités : le thésaurus </a:t>
             </a:r>
             <a:r>
-              <a:rPr lang="fr-FR" dirty="0" err="1" smtClean="0"/>
+              <a:rPr lang="fr-FR" dirty="0" err="1"/>
               <a:t>MeSH</a:t>
             </a:r>
             <a:endParaRPr lang="fr-FR" dirty="0"/>
@@ -19082,8 +18231,8 @@
           <a:lstStyle/>
           <a:p>
             <a:r>
-              <a:rPr lang="fr-FR" smtClean="0"/>
-              <a:t>F. Flamerie - Trucs et astuces de PubMed - 2021-06-10</a:t>
+              <a:rPr lang="fr-FR"/>
+              <a:t>F. Flamerie - Trucs et astuces de PubMed - 2022-05-24</a:t>
             </a:r>
             <a:endParaRPr lang="fr-FR" dirty="0"/>
           </a:p>
@@ -19297,11 +18446,11 @@
               <a:pPr>
                 <a:defRPr/>
               </a:pPr>
-              <a:endParaRPr lang="fr-FR">
+              <a:endParaRPr lang="fr-FR" dirty="0">
                 <a:solidFill>
                   <a:prstClr val="black"/>
                 </a:solidFill>
-                <a:latin typeface="Calibri" panose="020F0502020204030204"/>
+                <a:latin typeface="Corbel" panose="020B0503020204020204" pitchFamily="34" charset="0"/>
               </a:endParaRPr>
             </a:p>
           </p:txBody>
@@ -19435,11 +18584,11 @@
               <a:pPr>
                 <a:defRPr/>
               </a:pPr>
-              <a:endParaRPr lang="fr-FR">
+              <a:endParaRPr lang="fr-FR" dirty="0">
                 <a:solidFill>
                   <a:prstClr val="black"/>
                 </a:solidFill>
-                <a:latin typeface="Calibri" panose="020F0502020204030204"/>
+                <a:latin typeface="Corbel" panose="020B0503020204020204" pitchFamily="34" charset="0"/>
               </a:endParaRPr>
             </a:p>
           </p:txBody>
@@ -19569,11 +18718,11 @@
               <a:pPr>
                 <a:defRPr/>
               </a:pPr>
-              <a:endParaRPr lang="fr-FR">
+              <a:endParaRPr lang="fr-FR" dirty="0">
                 <a:solidFill>
                   <a:prstClr val="black"/>
                 </a:solidFill>
-                <a:latin typeface="Calibri" panose="020F0502020204030204"/>
+                <a:latin typeface="Corbel" panose="020B0503020204020204" pitchFamily="34" charset="0"/>
               </a:endParaRPr>
             </a:p>
           </p:txBody>
@@ -19739,11 +18888,11 @@
               <a:pPr>
                 <a:defRPr/>
               </a:pPr>
-              <a:endParaRPr lang="fr-FR">
+              <a:endParaRPr lang="fr-FR" dirty="0">
                 <a:solidFill>
                   <a:prstClr val="black"/>
                 </a:solidFill>
-                <a:latin typeface="Calibri" panose="020F0502020204030204"/>
+                <a:latin typeface="Corbel" panose="020B0503020204020204" pitchFamily="34" charset="0"/>
               </a:endParaRPr>
             </a:p>
           </p:txBody>
@@ -19778,44 +18927,32 @@
               <a:buNone/>
             </a:pPr>
             <a:r>
-              <a:rPr lang="fr-FR" sz="2400" dirty="0" smtClean="0"/>
+              <a:rPr lang="fr-FR" sz="2400" dirty="0"/>
               <a:t>Accéder au </a:t>
             </a:r>
             <a:r>
-              <a:rPr lang="fr-FR" sz="2400" dirty="0" err="1" smtClean="0"/>
+              <a:rPr lang="fr-FR" sz="2400" dirty="0" err="1"/>
               <a:t>MeSH</a:t>
             </a:r>
             <a:r>
-              <a:rPr lang="fr-FR" sz="2400" dirty="0" smtClean="0"/>
+              <a:rPr lang="fr-FR" sz="2400" dirty="0"/>
               <a:t> : </a:t>
-            </a:r>
-            <a:r>
-              <a:rPr lang="fr-FR" sz="2400" dirty="0" smtClean="0">
-                <a:hlinkClick r:id="rId3"/>
-              </a:rPr>
-              <a:t>https</a:t>
             </a:r>
             <a:r>
               <a:rPr lang="fr-FR" sz="2400" dirty="0">
                 <a:hlinkClick r:id="rId3"/>
               </a:rPr>
-              <a:t>://www.ncbi.nlm.nih.gov/mesh</a:t>
-            </a:r>
-            <a:r>
-              <a:rPr lang="fr-FR" sz="2400" dirty="0" smtClean="0">
-                <a:hlinkClick r:id="rId3"/>
-              </a:rPr>
-              <a:t>/</a:t>
-            </a:r>
-            <a:r>
-              <a:rPr lang="fr-FR" sz="2400" dirty="0" smtClean="0"/>
+              <a:t>https://www.ncbi.nlm.nih.gov/mesh/</a:t>
+            </a:r>
+            <a:r>
+              <a:rPr lang="fr-FR" sz="2400" dirty="0"/>
               <a:t> ou depuis la page d’accueil de </a:t>
             </a:r>
             <a:r>
-              <a:rPr lang="fr-FR" sz="2400" dirty="0" err="1" smtClean="0"/>
+              <a:rPr lang="fr-FR" sz="2400" dirty="0" err="1"/>
               <a:t>PubMed</a:t>
             </a:r>
-            <a:endParaRPr lang="fr-FR" sz="2400" dirty="0" smtClean="0"/>
+            <a:endParaRPr lang="fr-FR" sz="2400" dirty="0"/>
           </a:p>
           <a:p>
             <a:pPr marL="0" indent="0">
@@ -19847,13 +18984,6 @@
   <p:clrMapOvr>
     <a:masterClrMapping/>
   </p:clrMapOvr>
-  <p:timing>
-    <p:tnLst>
-      <p:par>
-        <p:cTn id="1" dur="indefinite" restart="never" nodeType="tmRoot"/>
-      </p:par>
-    </p:tnLst>
-  </p:timing>
 </p:sld>
 </file>
 
@@ -19897,11 +19027,11 @@
           <a:lstStyle/>
           <a:p>
             <a:r>
-              <a:rPr lang="fr-FR" dirty="0" smtClean="0"/>
+              <a:rPr lang="fr-FR" dirty="0"/>
               <a:t>Détails d’un terme </a:t>
             </a:r>
             <a:r>
-              <a:rPr lang="fr-FR" dirty="0" err="1" smtClean="0"/>
+              <a:rPr lang="fr-FR" dirty="0" err="1"/>
               <a:t>MeSH</a:t>
             </a:r>
             <a:endParaRPr lang="fr-FR" dirty="0"/>
@@ -19929,16 +19059,8 @@
           <a:lstStyle/>
           <a:p>
             <a:r>
-              <a:rPr lang="fr-FR" dirty="0" smtClean="0"/>
-              <a:t>F. Flamerie - Trucs et astuces de </a:t>
-            </a:r>
-            <a:r>
-              <a:rPr lang="fr-FR" dirty="0" err="1" smtClean="0"/>
-              <a:t>PubMed</a:t>
-            </a:r>
-            <a:r>
-              <a:rPr lang="fr-FR" dirty="0" smtClean="0"/>
-              <a:t> - 2021-06-10</a:t>
+              <a:rPr lang="fr-FR"/>
+              <a:t>F. Flamerie - Trucs et astuces de PubMed - 2022-05-24</a:t>
             </a:r>
             <a:endParaRPr lang="fr-FR" dirty="0"/>
           </a:p>
@@ -20065,7 +19187,9 @@
             <a:pPr algn="ctr">
               <a:defRPr/>
             </a:pPr>
-            <a:endParaRPr lang="fr-FR"/>
+            <a:endParaRPr lang="fr-FR" dirty="0">
+              <a:latin typeface="Corbel" panose="020B0503020204020204" pitchFamily="34" charset="0"/>
+            </a:endParaRPr>
           </a:p>
         </p:txBody>
       </p:sp>
@@ -20112,7 +19236,9 @@
           <a:lstStyle/>
           <a:p>
             <a:pPr algn="ctr"/>
-            <a:endParaRPr lang="fr-FR"/>
+            <a:endParaRPr lang="fr-FR" dirty="0">
+              <a:latin typeface="Corbel" panose="020B0503020204020204" pitchFamily="34" charset="0"/>
+            </a:endParaRPr>
           </a:p>
         </p:txBody>
       </p:sp>
@@ -20159,7 +19285,9 @@
           <a:lstStyle/>
           <a:p>
             <a:pPr algn="ctr"/>
-            <a:endParaRPr lang="fr-FR"/>
+            <a:endParaRPr lang="fr-FR" dirty="0">
+              <a:latin typeface="Corbel" panose="020B0503020204020204" pitchFamily="34" charset="0"/>
+            </a:endParaRPr>
           </a:p>
         </p:txBody>
       </p:sp>
@@ -20206,7 +19334,9 @@
           <a:lstStyle/>
           <a:p>
             <a:pPr algn="ctr"/>
-            <a:endParaRPr lang="fr-FR"/>
+            <a:endParaRPr lang="fr-FR" dirty="0">
+              <a:latin typeface="Corbel" panose="020B0503020204020204" pitchFamily="34" charset="0"/>
+            </a:endParaRPr>
           </a:p>
         </p:txBody>
       </p:sp>
@@ -20253,7 +19383,9 @@
           <a:lstStyle/>
           <a:p>
             <a:pPr algn="ctr"/>
-            <a:endParaRPr lang="fr-FR"/>
+            <a:endParaRPr lang="fr-FR" dirty="0">
+              <a:latin typeface="Corbel" panose="020B0503020204020204" pitchFamily="34" charset="0"/>
+            </a:endParaRPr>
           </a:p>
         </p:txBody>
       </p:sp>
@@ -20481,7 +19613,9 @@
           <a:lstStyle/>
           <a:p>
             <a:pPr algn="ctr"/>
-            <a:endParaRPr lang="fr-FR"/>
+            <a:endParaRPr lang="fr-FR" dirty="0">
+              <a:latin typeface="Corbel" panose="020B0503020204020204" pitchFamily="34" charset="0"/>
+            </a:endParaRPr>
           </a:p>
         </p:txBody>
       </p:sp>
@@ -20661,23 +19795,8 @@
                 </a:solidFill>
                 <a:latin typeface="Corbel" panose="020B0503020204020204" pitchFamily="34" charset="0"/>
               </a:rPr>
-              <a:t>Qualificatifs </a:t>
-            </a:r>
-            <a:r>
-              <a:rPr lang="fr-FR" altLang="fr-FR" sz="2000" dirty="0" smtClean="0">
-                <a:solidFill>
-                  <a:srgbClr val="FF6600"/>
-                </a:solidFill>
-                <a:latin typeface="Corbel" panose="020B0503020204020204" pitchFamily="34" charset="0"/>
-              </a:rPr>
-              <a:t>applicables</a:t>
-            </a:r>
-            <a:endParaRPr lang="fr-FR" altLang="fr-FR" sz="2000" dirty="0">
-              <a:solidFill>
-                <a:srgbClr val="FF6600"/>
-              </a:solidFill>
-              <a:latin typeface="Corbel" panose="020B0503020204020204" pitchFamily="34" charset="0"/>
-            </a:endParaRPr>
+              <a:t>Qualificatifs applicables</a:t>
+            </a:r>
           </a:p>
         </p:txBody>
       </p:sp>
@@ -21466,7 +20585,9 @@
             <a:pPr algn="ctr">
               <a:defRPr/>
             </a:pPr>
-            <a:endParaRPr lang="fr-FR"/>
+            <a:endParaRPr lang="fr-FR" dirty="0">
+              <a:latin typeface="Corbel" panose="020B0503020204020204" pitchFamily="34" charset="0"/>
+            </a:endParaRPr>
           </a:p>
         </p:txBody>
       </p:sp>
@@ -21805,11 +20926,11 @@
               <a:pPr>
                 <a:defRPr/>
               </a:pPr>
-              <a:endParaRPr lang="fr-FR">
+              <a:endParaRPr lang="fr-FR" dirty="0">
                 <a:solidFill>
                   <a:prstClr val="black"/>
                 </a:solidFill>
-                <a:latin typeface="Calibri" panose="020F0502020204030204"/>
+                <a:latin typeface="Corbel" panose="020B0503020204020204" pitchFamily="34" charset="0"/>
               </a:endParaRPr>
             </a:p>
           </p:txBody>
@@ -21943,11 +21064,11 @@
               <a:pPr>
                 <a:defRPr/>
               </a:pPr>
-              <a:endParaRPr lang="fr-FR">
+              <a:endParaRPr lang="fr-FR" dirty="0">
                 <a:solidFill>
                   <a:prstClr val="black"/>
                 </a:solidFill>
-                <a:latin typeface="Calibri" panose="020F0502020204030204"/>
+                <a:latin typeface="Corbel" panose="020B0503020204020204" pitchFamily="34" charset="0"/>
               </a:endParaRPr>
             </a:p>
           </p:txBody>
@@ -22077,11 +21198,11 @@
               <a:pPr>
                 <a:defRPr/>
               </a:pPr>
-              <a:endParaRPr lang="fr-FR">
+              <a:endParaRPr lang="fr-FR" dirty="0">
                 <a:solidFill>
                   <a:prstClr val="black"/>
                 </a:solidFill>
-                <a:latin typeface="Calibri" panose="020F0502020204030204"/>
+                <a:latin typeface="Corbel" panose="020B0503020204020204" pitchFamily="34" charset="0"/>
               </a:endParaRPr>
             </a:p>
           </p:txBody>
@@ -22247,11 +21368,11 @@
               <a:pPr>
                 <a:defRPr/>
               </a:pPr>
-              <a:endParaRPr lang="fr-FR">
+              <a:endParaRPr lang="fr-FR" dirty="0">
                 <a:solidFill>
                   <a:prstClr val="black"/>
                 </a:solidFill>
-                <a:latin typeface="Calibri" panose="020F0502020204030204"/>
+                <a:latin typeface="Corbel" panose="020B0503020204020204" pitchFamily="34" charset="0"/>
               </a:endParaRPr>
             </a:p>
           </p:txBody>
@@ -22377,7 +21498,9 @@
             <a:pPr>
               <a:defRPr/>
             </a:pPr>
-            <a:endParaRPr lang="fr-FR" dirty="0"/>
+            <a:endParaRPr lang="fr-FR" dirty="0">
+              <a:latin typeface="Corbel" panose="020B0503020204020204" pitchFamily="34" charset="0"/>
+            </a:endParaRPr>
           </a:p>
         </p:txBody>
       </p:sp>
@@ -22407,11 +21530,11 @@
               <a:buNone/>
             </a:pPr>
             <a:r>
-              <a:rPr lang="fr-FR" altLang="fr-FR" sz="1600" dirty="0" smtClean="0"/>
+              <a:rPr lang="fr-FR" altLang="fr-FR" sz="1600" dirty="0"/>
               <a:t>Une recherche </a:t>
             </a:r>
             <a:r>
-              <a:rPr lang="fr-FR" altLang="fr-FR" sz="1600" dirty="0" smtClean="0">
+              <a:rPr lang="fr-FR" altLang="fr-FR" sz="1600" dirty="0">
                 <a:solidFill>
                   <a:srgbClr val="009DE0"/>
                 </a:solidFill>
@@ -22419,7 +21542,7 @@
               <a:t>"</a:t>
             </a:r>
             <a:r>
-              <a:rPr lang="fr-FR" altLang="fr-FR" sz="1600" dirty="0" err="1" smtClean="0">
+              <a:rPr lang="fr-FR" altLang="fr-FR" sz="1600" dirty="0" err="1">
                 <a:solidFill>
                   <a:srgbClr val="009DE0"/>
                 </a:solidFill>
@@ -22427,7 +21550,7 @@
               <a:t>Diabetes</a:t>
             </a:r>
             <a:r>
-              <a:rPr lang="fr-FR" altLang="fr-FR" sz="1600" dirty="0" smtClean="0">
+              <a:rPr lang="fr-FR" altLang="fr-FR" sz="1600" dirty="0">
                 <a:solidFill>
                   <a:srgbClr val="009DE0"/>
                 </a:solidFill>
@@ -22435,7 +21558,7 @@
               <a:t> </a:t>
             </a:r>
             <a:r>
-              <a:rPr lang="fr-FR" altLang="fr-FR" sz="1600" dirty="0" err="1" smtClean="0">
+              <a:rPr lang="fr-FR" altLang="fr-FR" sz="1600" dirty="0" err="1">
                 <a:solidFill>
                   <a:srgbClr val="009DE0"/>
                 </a:solidFill>
@@ -22443,7 +21566,7 @@
               <a:t>Mellitus</a:t>
             </a:r>
             <a:r>
-              <a:rPr lang="fr-FR" altLang="fr-FR" sz="1600" dirty="0" smtClean="0">
+              <a:rPr lang="fr-FR" altLang="fr-FR" sz="1600" dirty="0">
                 <a:solidFill>
                   <a:srgbClr val="009DE0"/>
                 </a:solidFill>
@@ -22451,7 +21574,7 @@
               <a:t>/</a:t>
             </a:r>
             <a:r>
-              <a:rPr lang="fr-FR" altLang="fr-FR" sz="1600" dirty="0" err="1" smtClean="0">
+              <a:rPr lang="fr-FR" altLang="fr-FR" sz="1600" dirty="0" err="1">
                 <a:solidFill>
                   <a:srgbClr val="009DE0"/>
                 </a:solidFill>
@@ -22459,7 +21582,7 @@
               <a:t>etiology</a:t>
             </a:r>
             <a:r>
-              <a:rPr lang="fr-FR" altLang="fr-FR" sz="1600" dirty="0" smtClean="0">
+              <a:rPr lang="fr-FR" altLang="fr-FR" sz="1600" dirty="0">
                 <a:solidFill>
                   <a:srgbClr val="009DE0"/>
                 </a:solidFill>
@@ -22467,7 +21590,7 @@
               <a:t>"[</a:t>
             </a:r>
             <a:r>
-              <a:rPr lang="fr-FR" altLang="fr-FR" sz="1600" dirty="0" err="1" smtClean="0">
+              <a:rPr lang="fr-FR" altLang="fr-FR" sz="1600" dirty="0" err="1">
                 <a:solidFill>
                   <a:srgbClr val="009DE0"/>
                 </a:solidFill>
@@ -22475,7 +21598,7 @@
               <a:t>Mesh</a:t>
             </a:r>
             <a:r>
-              <a:rPr lang="fr-FR" altLang="fr-FR" sz="1600" dirty="0" smtClean="0">
+              <a:rPr lang="fr-FR" altLang="fr-FR" sz="1600" dirty="0">
                 <a:solidFill>
                   <a:srgbClr val="009DE0"/>
                 </a:solidFill>
@@ -22483,19 +21606,19 @@
               <a:t>] </a:t>
             </a:r>
             <a:r>
-              <a:rPr lang="fr-FR" altLang="fr-FR" sz="1600" dirty="0" smtClean="0"/>
+              <a:rPr lang="fr-FR" altLang="fr-FR" sz="1600" dirty="0"/>
               <a:t>retrouvera des articles indexés avec le terme </a:t>
             </a:r>
             <a:r>
-              <a:rPr lang="fr-FR" altLang="fr-FR" sz="1600" dirty="0" err="1" smtClean="0"/>
+              <a:rPr lang="fr-FR" altLang="fr-FR" sz="1600" dirty="0" err="1"/>
               <a:t>MeSH</a:t>
             </a:r>
             <a:r>
-              <a:rPr lang="fr-FR" altLang="fr-FR" sz="1600" dirty="0" smtClean="0"/>
+              <a:rPr lang="fr-FR" altLang="fr-FR" sz="1600" dirty="0"/>
               <a:t> </a:t>
             </a:r>
             <a:r>
-              <a:rPr lang="fr-FR" altLang="fr-FR" sz="1600" dirty="0" smtClean="0">
+              <a:rPr lang="fr-FR" altLang="fr-FR" sz="1600" dirty="0">
                 <a:solidFill>
                   <a:srgbClr val="009DE0"/>
                 </a:solidFill>
@@ -22503,7 +21626,7 @@
               <a:t>"</a:t>
             </a:r>
             <a:r>
-              <a:rPr lang="fr-FR" altLang="fr-FR" sz="1600" dirty="0" err="1" smtClean="0">
+              <a:rPr lang="fr-FR" altLang="fr-FR" sz="1600" dirty="0" err="1">
                 <a:solidFill>
                   <a:srgbClr val="009DE0"/>
                 </a:solidFill>
@@ -22511,7 +21634,7 @@
               <a:t>Diabetes</a:t>
             </a:r>
             <a:r>
-              <a:rPr lang="fr-FR" altLang="fr-FR" sz="1600" dirty="0" smtClean="0">
+              <a:rPr lang="fr-FR" altLang="fr-FR" sz="1600" dirty="0">
                 <a:solidFill>
                   <a:srgbClr val="009DE0"/>
                 </a:solidFill>
@@ -22519,7 +21642,7 @@
               <a:t> </a:t>
             </a:r>
             <a:r>
-              <a:rPr lang="fr-FR" altLang="fr-FR" sz="1600" dirty="0" err="1" smtClean="0">
+              <a:rPr lang="fr-FR" altLang="fr-FR" sz="1600" dirty="0" err="1">
                 <a:solidFill>
                   <a:srgbClr val="009DE0"/>
                 </a:solidFill>
@@ -22527,7 +21650,7 @@
               <a:t>Mellitus</a:t>
             </a:r>
             <a:r>
-              <a:rPr lang="fr-FR" altLang="fr-FR" sz="1600" dirty="0" smtClean="0">
+              <a:rPr lang="fr-FR" altLang="fr-FR" sz="1600" dirty="0">
                 <a:solidFill>
                   <a:srgbClr val="009DE0"/>
                 </a:solidFill>
@@ -22535,11 +21658,11 @@
               <a:t>"</a:t>
             </a:r>
             <a:r>
-              <a:rPr lang="fr-FR" altLang="fr-FR" sz="1600" dirty="0" smtClean="0"/>
+              <a:rPr lang="fr-FR" altLang="fr-FR" sz="1600" dirty="0"/>
               <a:t>,</a:t>
             </a:r>
             <a:r>
-              <a:rPr lang="fr-FR" altLang="fr-FR" sz="1600" dirty="0" smtClean="0">
+              <a:rPr lang="fr-FR" altLang="fr-FR" sz="1600" dirty="0">
                 <a:solidFill>
                   <a:srgbClr val="009DE0"/>
                 </a:solidFill>
@@ -22547,11 +21670,11 @@
               <a:t> </a:t>
             </a:r>
             <a:r>
-              <a:rPr lang="fr-FR" altLang="fr-FR" sz="1600" dirty="0" smtClean="0"/>
+              <a:rPr lang="fr-FR" altLang="fr-FR" sz="1600" dirty="0"/>
               <a:t>mais le qualificatif</a:t>
             </a:r>
             <a:r>
-              <a:rPr lang="fr-FR" altLang="fr-FR" sz="1600" dirty="0" smtClean="0">
+              <a:rPr lang="fr-FR" altLang="fr-FR" sz="1600" dirty="0">
                 <a:solidFill>
                   <a:srgbClr val="009DE0"/>
                 </a:solidFill>
@@ -22559,7 +21682,7 @@
               <a:t> "</a:t>
             </a:r>
             <a:r>
-              <a:rPr lang="fr-FR" altLang="fr-FR" sz="1600" dirty="0" err="1" smtClean="0">
+              <a:rPr lang="fr-FR" altLang="fr-FR" sz="1600" dirty="0" err="1">
                 <a:solidFill>
                   <a:srgbClr val="009DE0"/>
                 </a:solidFill>
@@ -22567,7 +21690,7 @@
               <a:t>etiology</a:t>
             </a:r>
             <a:r>
-              <a:rPr lang="fr-FR" altLang="fr-FR" sz="1600" dirty="0" smtClean="0">
+              <a:rPr lang="fr-FR" altLang="fr-FR" sz="1600" dirty="0">
                 <a:solidFill>
                   <a:srgbClr val="009DE0"/>
                 </a:solidFill>
@@ -22575,19 +21698,19 @@
               <a:t>" </a:t>
             </a:r>
             <a:r>
-              <a:rPr lang="fr-FR" altLang="fr-FR" sz="1600" dirty="0" smtClean="0"/>
+              <a:rPr lang="fr-FR" altLang="fr-FR" sz="1600" dirty="0"/>
               <a:t>pourra être appliqué à un autre terme </a:t>
             </a:r>
             <a:r>
-              <a:rPr lang="fr-FR" altLang="fr-FR" sz="1600" dirty="0" err="1" smtClean="0"/>
+              <a:rPr lang="fr-FR" altLang="fr-FR" sz="1600" dirty="0" err="1"/>
               <a:t>MeSH</a:t>
             </a:r>
             <a:r>
-              <a:rPr lang="fr-FR" altLang="fr-FR" sz="1600" dirty="0" smtClean="0"/>
+              <a:rPr lang="fr-FR" altLang="fr-FR" sz="1600" dirty="0"/>
               <a:t> que </a:t>
             </a:r>
             <a:r>
-              <a:rPr lang="fr-FR" altLang="fr-FR" sz="1600" dirty="0" smtClean="0">
+              <a:rPr lang="fr-FR" altLang="fr-FR" sz="1600" dirty="0">
                 <a:solidFill>
                   <a:srgbClr val="009DE0"/>
                 </a:solidFill>
@@ -22595,7 +21718,7 @@
               <a:t>"</a:t>
             </a:r>
             <a:r>
-              <a:rPr lang="fr-FR" altLang="fr-FR" sz="1600" dirty="0" err="1" smtClean="0">
+              <a:rPr lang="fr-FR" altLang="fr-FR" sz="1600" dirty="0" err="1">
                 <a:solidFill>
                   <a:srgbClr val="009DE0"/>
                 </a:solidFill>
@@ -22603,7 +21726,7 @@
               <a:t>Diabetes</a:t>
             </a:r>
             <a:r>
-              <a:rPr lang="fr-FR" altLang="fr-FR" sz="1600" dirty="0" smtClean="0">
+              <a:rPr lang="fr-FR" altLang="fr-FR" sz="1600" dirty="0">
                 <a:solidFill>
                   <a:srgbClr val="009DE0"/>
                 </a:solidFill>
@@ -22611,7 +21734,7 @@
               <a:t> </a:t>
             </a:r>
             <a:r>
-              <a:rPr lang="fr-FR" altLang="fr-FR" sz="1600" dirty="0" err="1" smtClean="0">
+              <a:rPr lang="fr-FR" altLang="fr-FR" sz="1600" dirty="0" err="1">
                 <a:solidFill>
                   <a:srgbClr val="009DE0"/>
                 </a:solidFill>
@@ -22619,7 +21742,7 @@
               <a:t>Mellitus</a:t>
             </a:r>
             <a:r>
-              <a:rPr lang="fr-FR" altLang="fr-FR" sz="1600" dirty="0" smtClean="0">
+              <a:rPr lang="fr-FR" altLang="fr-FR" sz="1600" dirty="0">
                 <a:solidFill>
                   <a:srgbClr val="009DE0"/>
                 </a:solidFill>
@@ -22627,7 +21750,7 @@
               <a:t>"</a:t>
             </a:r>
             <a:r>
-              <a:rPr lang="fr-FR" altLang="fr-FR" sz="1600" dirty="0" smtClean="0"/>
+              <a:rPr lang="fr-FR" altLang="fr-FR" sz="1600" dirty="0"/>
               <a:t>.</a:t>
             </a:r>
           </a:p>
@@ -22636,36 +21759,35 @@
               <a:buNone/>
             </a:pPr>
             <a:r>
-              <a:rPr lang="fr-FR" altLang="fr-FR" sz="1600" dirty="0" smtClean="0"/>
+              <a:rPr lang="fr-FR" altLang="fr-FR" sz="1600" dirty="0"/>
               <a:t>Exemple : </a:t>
             </a:r>
             <a:r>
-              <a:rPr lang="fr-FR" altLang="fr-FR" sz="1600" dirty="0" smtClean="0">
+              <a:rPr lang="fr-FR" altLang="fr-FR" sz="1600" dirty="0">
                 <a:hlinkClick r:id="rId3"/>
               </a:rPr>
               <a:t>https://pubmed.ncbi.nlm.nih.gov/33592860/</a:t>
             </a:r>
             <a:r>
-              <a:rPr lang="fr-FR" altLang="fr-FR" sz="1600" dirty="0" smtClean="0"/>
+              <a:rPr lang="fr-FR" altLang="fr-FR" sz="1600" dirty="0"/>
               <a:t>-&gt; </a:t>
             </a:r>
             <a:r>
-              <a:rPr lang="fr-FR" sz="1600" dirty="0" err="1" smtClean="0"/>
+              <a:rPr lang="fr-FR" sz="1600" dirty="0" err="1"/>
               <a:t>Hypoglycemia</a:t>
             </a:r>
             <a:r>
-              <a:rPr lang="fr-FR" sz="1600" dirty="0" smtClean="0"/>
+              <a:rPr lang="fr-FR" sz="1600" dirty="0"/>
               <a:t>*/ </a:t>
             </a:r>
             <a:r>
-              <a:rPr lang="fr-FR" sz="1600" dirty="0" err="1" smtClean="0"/>
+              <a:rPr lang="fr-FR" sz="1600" dirty="0" err="1"/>
               <a:t>etiology</a:t>
             </a:r>
             <a:r>
-              <a:rPr lang="fr-FR" altLang="fr-FR" sz="1600" dirty="0" smtClean="0"/>
+              <a:rPr lang="fr-FR" altLang="fr-FR" sz="1600" dirty="0"/>
               <a:t> </a:t>
             </a:r>
-            <a:endParaRPr lang="fr-FR" altLang="fr-FR" sz="1600" dirty="0"/>
           </a:p>
         </p:txBody>
       </p:sp>
@@ -22701,43 +21823,7 @@
               <a:rPr lang="fr-FR" altLang="fr-FR" sz="2400" dirty="0">
                 <a:latin typeface="Corbel" panose="020B0503020204020204" pitchFamily="34" charset="0"/>
               </a:rPr>
-              <a:t> La </a:t>
-            </a:r>
-            <a:r>
-              <a:rPr lang="fr-FR" altLang="fr-FR" sz="2400" dirty="0" smtClean="0">
-                <a:latin typeface="Corbel" panose="020B0503020204020204" pitchFamily="34" charset="0"/>
-              </a:rPr>
-              <a:t>fonctionnalité </a:t>
-            </a:r>
-            <a:r>
-              <a:rPr lang="fr-FR" altLang="fr-FR" sz="2400" dirty="0">
-                <a:latin typeface="Corbel" panose="020B0503020204020204" pitchFamily="34" charset="0"/>
-              </a:rPr>
-              <a:t>de MEDLINE de restriction </a:t>
-            </a:r>
-            <a:r>
-              <a:rPr lang="fr-FR" altLang="fr-FR" sz="2400" dirty="0" smtClean="0">
-                <a:latin typeface="Corbel" panose="020B0503020204020204" pitchFamily="34" charset="0"/>
-              </a:rPr>
-              <a:t>sur </a:t>
-            </a:r>
-            <a:r>
-              <a:rPr lang="fr-FR" altLang="fr-FR" sz="2400" dirty="0">
-                <a:latin typeface="Corbel" panose="020B0503020204020204" pitchFamily="34" charset="0"/>
-              </a:rPr>
-              <a:t>un qualificatif n’est pas entièrement opérationnelle dans </a:t>
-            </a:r>
-            <a:r>
-              <a:rPr lang="fr-FR" altLang="fr-FR" sz="2400" dirty="0" err="1">
-                <a:latin typeface="Corbel" panose="020B0503020204020204" pitchFamily="34" charset="0"/>
-              </a:rPr>
-              <a:t>PubMed</a:t>
-            </a:r>
-            <a:r>
-              <a:rPr lang="fr-FR" altLang="fr-FR" sz="2400" dirty="0">
-                <a:latin typeface="Corbel" panose="020B0503020204020204" pitchFamily="34" charset="0"/>
-              </a:rPr>
-              <a:t> </a:t>
+              <a:t> La fonctionnalité de MEDLINE de restriction sur un qualificatif n’est pas entièrement opérationnelle dans PubMed. </a:t>
             </a:r>
           </a:p>
           <a:p>
@@ -22757,13 +21843,6 @@
   <p:clrMapOvr>
     <a:masterClrMapping/>
   </p:clrMapOvr>
-  <p:timing>
-    <p:tnLst>
-      <p:par>
-        <p:cTn id="1" dur="indefinite" restart="never" nodeType="tmRoot"/>
-      </p:par>
-    </p:tnLst>
-  </p:timing>
 </p:sld>
 </file>
 

--- a/docs/module1-2_pubmed.pptx
+++ b/docs/module1-2_pubmed.pptx
@@ -5,7 +5,7 @@
     <p:sldMasterId id="2147483648" r:id="rId1"/>
   </p:sldMasterIdLst>
   <p:notesMasterIdLst>
-    <p:notesMasterId r:id="rId35"/>
+    <p:notesMasterId r:id="rId37"/>
   </p:notesMasterIdLst>
   <p:sldIdLst>
     <p:sldId id="256" r:id="rId2"/>
@@ -32,15 +32,17 @@
     <p:sldId id="331" r:id="rId23"/>
     <p:sldId id="333" r:id="rId24"/>
     <p:sldId id="307" r:id="rId25"/>
-    <p:sldId id="332" r:id="rId26"/>
-    <p:sldId id="321" r:id="rId27"/>
-    <p:sldId id="338" r:id="rId28"/>
-    <p:sldId id="339" r:id="rId29"/>
-    <p:sldId id="342" r:id="rId30"/>
-    <p:sldId id="334" r:id="rId31"/>
-    <p:sldId id="335" r:id="rId32"/>
-    <p:sldId id="336" r:id="rId33"/>
-    <p:sldId id="284" r:id="rId34"/>
+    <p:sldId id="343" r:id="rId26"/>
+    <p:sldId id="344" r:id="rId27"/>
+    <p:sldId id="332" r:id="rId28"/>
+    <p:sldId id="321" r:id="rId29"/>
+    <p:sldId id="338" r:id="rId30"/>
+    <p:sldId id="342" r:id="rId31"/>
+    <p:sldId id="339" r:id="rId32"/>
+    <p:sldId id="334" r:id="rId33"/>
+    <p:sldId id="335" r:id="rId34"/>
+    <p:sldId id="336" r:id="rId35"/>
+    <p:sldId id="284" r:id="rId36"/>
   </p:sldIdLst>
   <p:sldSz cx="12192000" cy="6858000"/>
   <p:notesSz cx="6858000" cy="9144000"/>
@@ -234,7 +236,7 @@
             <a:fld id="{91E9DC1B-7AD4-4493-BE2D-19F04AF919E8}" type="datetimeFigureOut">
               <a:rPr lang="fr-FR" smtClean="0"/>
               <a:pPr/>
-              <a:t>15/06/2022</a:t>
+              <a:t>07/12/2022</a:t>
             </a:fld>
             <a:endParaRPr lang="fr-FR" dirty="0"/>
           </a:p>
@@ -298,37 +300,38 @@
           <a:p>
             <a:pPr lvl="0"/>
             <a:r>
-              <a:rPr lang="fr-FR" dirty="0"/>
+              <a:rPr lang="fr-FR" dirty="0" smtClean="0"/>
               <a:t>Modifiez les styles du texte du masque</a:t>
             </a:r>
           </a:p>
           <a:p>
             <a:pPr lvl="1"/>
             <a:r>
-              <a:rPr lang="fr-FR" dirty="0"/>
+              <a:rPr lang="fr-FR" dirty="0" smtClean="0"/>
               <a:t>Deuxième niveau</a:t>
             </a:r>
           </a:p>
           <a:p>
             <a:pPr lvl="2"/>
             <a:r>
-              <a:rPr lang="fr-FR" dirty="0"/>
+              <a:rPr lang="fr-FR" dirty="0" smtClean="0"/>
               <a:t>Troisième niveau</a:t>
             </a:r>
           </a:p>
           <a:p>
             <a:pPr lvl="3"/>
             <a:r>
-              <a:rPr lang="fr-FR" dirty="0"/>
+              <a:rPr lang="fr-FR" dirty="0" smtClean="0"/>
               <a:t>Quatrième niveau</a:t>
             </a:r>
           </a:p>
           <a:p>
             <a:pPr lvl="4"/>
             <a:r>
-              <a:rPr lang="fr-FR" dirty="0"/>
+              <a:rPr lang="fr-FR" dirty="0" smtClean="0"/>
               <a:t>Cinquième niveau</a:t>
             </a:r>
+            <a:endParaRPr lang="fr-FR" dirty="0"/>
           </a:p>
         </p:txBody>
       </p:sp>
@@ -664,7 +667,7 @@
     </p:spTree>
     <p:extLst>
       <p:ext uri="{BB962C8B-B14F-4D97-AF65-F5344CB8AC3E}">
-        <p14:creationId xmlns:p14="http://schemas.microsoft.com/office/powerpoint/2010/main" val="3164832776"/>
+        <p14:creationId xmlns:p14="http://schemas.microsoft.com/office/powerpoint/2010/main" val="4087811489"/>
       </p:ext>
     </p:extLst>
   </p:cSld>
@@ -1001,15 +1004,10 @@
           <a:bodyPr/>
           <a:lstStyle/>
           <a:p>
-            <a:pPr>
-              <a:defRPr/>
-            </a:pPr>
-            <a:fld id="{446BB3F5-7F95-443B-9EA3-5D030DF8A9DE}" type="slidenum">
+            <a:fld id="{0145B376-959C-4F10-BF50-4FF0FAF5ADD9}" type="slidenum">
               <a:rPr lang="fr-FR" smtClean="0"/>
-              <a:pPr>
-                <a:defRPr/>
-              </a:pPr>
-              <a:t>25</a:t>
+              <a:pPr/>
+              <a:t>26</a:t>
             </a:fld>
             <a:endParaRPr lang="fr-FR" dirty="0"/>
           </a:p>
@@ -1018,7 +1016,7 @@
     </p:spTree>
     <p:extLst>
       <p:ext uri="{BB962C8B-B14F-4D97-AF65-F5344CB8AC3E}">
-        <p14:creationId xmlns:p14="http://schemas.microsoft.com/office/powerpoint/2010/main" val="999282510"/>
+        <p14:creationId xmlns:p14="http://schemas.microsoft.com/office/powerpoint/2010/main" val="482762015"/>
       </p:ext>
     </p:extLst>
   </p:cSld>
@@ -1091,9 +1089,99 @@
           <a:bodyPr/>
           <a:lstStyle/>
           <a:p>
+            <a:pPr>
+              <a:defRPr/>
+            </a:pPr>
+            <a:fld id="{446BB3F5-7F95-443B-9EA3-5D030DF8A9DE}" type="slidenum">
+              <a:rPr lang="fr-FR" smtClean="0"/>
+              <a:pPr>
+                <a:defRPr/>
+              </a:pPr>
+              <a:t>27</a:t>
+            </a:fld>
+            <a:endParaRPr lang="fr-FR" dirty="0"/>
+          </a:p>
+        </p:txBody>
+      </p:sp>
+    </p:spTree>
+    <p:extLst>
+      <p:ext uri="{BB962C8B-B14F-4D97-AF65-F5344CB8AC3E}">
+        <p14:creationId xmlns:p14="http://schemas.microsoft.com/office/powerpoint/2010/main" val="999282510"/>
+      </p:ext>
+    </p:extLst>
+  </p:cSld>
+  <p:clrMapOvr>
+    <a:masterClrMapping/>
+  </p:clrMapOvr>
+</p:notes>
+</file>
+
+<file path=ppt/notesSlides/notesSlide8.xml><?xml version="1.0" encoding="utf-8"?>
+<p:notes xmlns:a="http://schemas.openxmlformats.org/drawingml/2006/main" xmlns:r="http://schemas.openxmlformats.org/officeDocument/2006/relationships" xmlns:p="http://schemas.openxmlformats.org/presentationml/2006/main">
+  <p:cSld>
+    <p:spTree>
+      <p:nvGrpSpPr>
+        <p:cNvPr id="1" name=""/>
+        <p:cNvGrpSpPr/>
+        <p:nvPr/>
+      </p:nvGrpSpPr>
+      <p:grpSpPr>
+        <a:xfrm>
+          <a:off x="0" y="0"/>
+          <a:ext cx="0" cy="0"/>
+          <a:chOff x="0" y="0"/>
+          <a:chExt cx="0" cy="0"/>
+        </a:xfrm>
+      </p:grpSpPr>
+      <p:sp>
+        <p:nvSpPr>
+          <p:cNvPr id="2" name="Espace réservé de l'image des diapositives 1"/>
+          <p:cNvSpPr>
+            <a:spLocks noGrp="1" noRot="1" noChangeAspect="1"/>
+          </p:cNvSpPr>
+          <p:nvPr>
+            <p:ph type="sldImg"/>
+          </p:nvPr>
+        </p:nvSpPr>
+        <p:spPr/>
+      </p:sp>
+      <p:sp>
+        <p:nvSpPr>
+          <p:cNvPr id="3" name="Espace réservé des commentaires 2"/>
+          <p:cNvSpPr>
+            <a:spLocks noGrp="1"/>
+          </p:cNvSpPr>
+          <p:nvPr>
+            <p:ph type="body" idx="1"/>
+          </p:nvPr>
+        </p:nvSpPr>
+        <p:spPr/>
+        <p:txBody>
+          <a:bodyPr/>
+          <a:lstStyle/>
+          <a:p>
+            <a:endParaRPr lang="fr-FR"/>
+          </a:p>
+        </p:txBody>
+      </p:sp>
+      <p:sp>
+        <p:nvSpPr>
+          <p:cNvPr id="4" name="Espace réservé du numéro de diapositive 3"/>
+          <p:cNvSpPr>
+            <a:spLocks noGrp="1"/>
+          </p:cNvSpPr>
+          <p:nvPr>
+            <p:ph type="sldNum" sz="quarter" idx="10"/>
+          </p:nvPr>
+        </p:nvSpPr>
+        <p:spPr/>
+        <p:txBody>
+          <a:bodyPr/>
+          <a:lstStyle/>
+          <a:p>
             <a:fld id="{0145B376-959C-4F10-BF50-4FF0FAF5ADD9}" type="slidenum">
               <a:rPr lang="fr-FR" smtClean="0"/>
-              <a:t>33</a:t>
+              <a:t>35</a:t>
             </a:fld>
             <a:endParaRPr lang="fr-FR"/>
           </a:p>
@@ -1158,9 +1246,10 @@
           </a:lstStyle>
           <a:p>
             <a:r>
-              <a:rPr lang="fr-FR" dirty="0"/>
+              <a:rPr lang="fr-FR" dirty="0" smtClean="0"/>
               <a:t>Modifiez le style du titre</a:t>
             </a:r>
+            <a:endParaRPr lang="fr-FR" dirty="0"/>
           </a:p>
         </p:txBody>
       </p:sp>
@@ -1226,9 +1315,10 @@
           </a:lstStyle>
           <a:p>
             <a:r>
-              <a:rPr lang="fr-FR" dirty="0"/>
+              <a:rPr lang="fr-FR" dirty="0" smtClean="0"/>
               <a:t>Modifiez le style des sous-titres du masque</a:t>
             </a:r>
+            <a:endParaRPr lang="fr-FR" dirty="0"/>
           </a:p>
         </p:txBody>
       </p:sp>
@@ -1261,10 +1351,9 @@
             </a:lvl1pPr>
           </a:lstStyle>
           <a:p>
-            <a:fld id="{1B4A5C45-E30F-4336-845C-DF2A58FF99F2}" type="datetime1">
+            <a:fld id="{342243CC-54E8-4E1C-938E-36B7FA003D13}" type="datetime1">
               <a:rPr lang="fr-FR" smtClean="0"/>
-              <a:pPr/>
-              <a:t>15/06/2022</a:t>
+              <a:t>07/12/2022</a:t>
             </a:fld>
             <a:endParaRPr lang="fr-FR" dirty="0"/>
           </a:p>
@@ -1286,9 +1375,10 @@
           <a:lstStyle/>
           <a:p>
             <a:r>
-              <a:rPr lang="fr-FR"/>
-              <a:t>F. Flamerie - Trucs et astuces de PubMed - 2022-05-24</a:t>
-            </a:r>
+              <a:rPr lang="fr-FR" smtClean="0"/>
+              <a:t>F. Flamerie - Trucs et astuces de PubMed - màj : 2022-12-07</a:t>
+            </a:r>
+            <a:endParaRPr lang="fr-FR"/>
           </a:p>
         </p:txBody>
       </p:sp>
@@ -1361,9 +1451,10 @@
           <a:lstStyle/>
           <a:p>
             <a:r>
-              <a:rPr lang="fr-FR"/>
+              <a:rPr lang="fr-FR" smtClean="0"/>
               <a:t>Modifiez le style du titre</a:t>
             </a:r>
+            <a:endParaRPr lang="fr-FR"/>
           </a:p>
         </p:txBody>
       </p:sp>
@@ -1384,37 +1475,38 @@
           <a:p>
             <a:pPr lvl="0"/>
             <a:r>
-              <a:rPr lang="fr-FR"/>
+              <a:rPr lang="fr-FR" smtClean="0"/>
               <a:t>Modifiez les styles du texte du masque</a:t>
             </a:r>
           </a:p>
           <a:p>
             <a:pPr lvl="1"/>
             <a:r>
-              <a:rPr lang="fr-FR"/>
+              <a:rPr lang="fr-FR" smtClean="0"/>
               <a:t>Deuxième niveau</a:t>
             </a:r>
           </a:p>
           <a:p>
             <a:pPr lvl="2"/>
             <a:r>
-              <a:rPr lang="fr-FR"/>
+              <a:rPr lang="fr-FR" smtClean="0"/>
               <a:t>Troisième niveau</a:t>
             </a:r>
           </a:p>
           <a:p>
             <a:pPr lvl="3"/>
             <a:r>
-              <a:rPr lang="fr-FR"/>
+              <a:rPr lang="fr-FR" smtClean="0"/>
               <a:t>Quatrième niveau</a:t>
             </a:r>
           </a:p>
           <a:p>
             <a:pPr lvl="4"/>
             <a:r>
-              <a:rPr lang="fr-FR"/>
+              <a:rPr lang="fr-FR" smtClean="0"/>
               <a:t>Cinquième niveau</a:t>
             </a:r>
+            <a:endParaRPr lang="fr-FR"/>
           </a:p>
         </p:txBody>
       </p:sp>
@@ -1447,10 +1539,9 @@
             </a:lvl1pPr>
           </a:lstStyle>
           <a:p>
-            <a:fld id="{F36F1235-58F1-4A13-83D2-578DB75B6816}" type="datetime1">
+            <a:fld id="{49063A1F-B522-4CD5-AD74-C77785914C96}" type="datetime1">
               <a:rPr lang="fr-FR" smtClean="0"/>
-              <a:pPr/>
-              <a:t>15/06/2022</a:t>
+              <a:t>07/12/2022</a:t>
             </a:fld>
             <a:endParaRPr lang="fr-FR" dirty="0"/>
           </a:p>
@@ -1472,9 +1563,10 @@
           <a:lstStyle/>
           <a:p>
             <a:r>
-              <a:rPr lang="fr-FR"/>
-              <a:t>F. Flamerie - Trucs et astuces de PubMed - 2022-05-24</a:t>
-            </a:r>
+              <a:rPr lang="fr-FR" smtClean="0"/>
+              <a:t>F. Flamerie - Trucs et astuces de PubMed - màj : 2022-12-07</a:t>
+            </a:r>
+            <a:endParaRPr lang="fr-FR"/>
           </a:p>
         </p:txBody>
       </p:sp>
@@ -1552,9 +1644,10 @@
           <a:lstStyle/>
           <a:p>
             <a:r>
-              <a:rPr lang="fr-FR"/>
+              <a:rPr lang="fr-FR" smtClean="0"/>
               <a:t>Modifiez le style du titre</a:t>
             </a:r>
+            <a:endParaRPr lang="fr-FR"/>
           </a:p>
         </p:txBody>
       </p:sp>
@@ -1580,37 +1673,38 @@
           <a:p>
             <a:pPr lvl="0"/>
             <a:r>
-              <a:rPr lang="fr-FR"/>
+              <a:rPr lang="fr-FR" smtClean="0"/>
               <a:t>Modifiez les styles du texte du masque</a:t>
             </a:r>
           </a:p>
           <a:p>
             <a:pPr lvl="1"/>
             <a:r>
-              <a:rPr lang="fr-FR"/>
+              <a:rPr lang="fr-FR" smtClean="0"/>
               <a:t>Deuxième niveau</a:t>
             </a:r>
           </a:p>
           <a:p>
             <a:pPr lvl="2"/>
             <a:r>
-              <a:rPr lang="fr-FR"/>
+              <a:rPr lang="fr-FR" smtClean="0"/>
               <a:t>Troisième niveau</a:t>
             </a:r>
           </a:p>
           <a:p>
             <a:pPr lvl="3"/>
             <a:r>
-              <a:rPr lang="fr-FR"/>
+              <a:rPr lang="fr-FR" smtClean="0"/>
               <a:t>Quatrième niveau</a:t>
             </a:r>
           </a:p>
           <a:p>
             <a:pPr lvl="4"/>
             <a:r>
-              <a:rPr lang="fr-FR"/>
+              <a:rPr lang="fr-FR" smtClean="0"/>
               <a:t>Cinquième niveau</a:t>
             </a:r>
+            <a:endParaRPr lang="fr-FR"/>
           </a:p>
         </p:txBody>
       </p:sp>
@@ -1643,10 +1737,9 @@
             </a:lvl1pPr>
           </a:lstStyle>
           <a:p>
-            <a:fld id="{0457EAB5-1071-41DD-B3C9-AB69C0576E24}" type="datetime1">
+            <a:fld id="{F0452FA0-E874-4026-97FF-8B75822B41A6}" type="datetime1">
               <a:rPr lang="fr-FR" smtClean="0"/>
-              <a:pPr/>
-              <a:t>15/06/2022</a:t>
+              <a:t>07/12/2022</a:t>
             </a:fld>
             <a:endParaRPr lang="fr-FR" dirty="0"/>
           </a:p>
@@ -1668,9 +1761,10 @@
           <a:lstStyle/>
           <a:p>
             <a:r>
-              <a:rPr lang="fr-FR"/>
-              <a:t>F. Flamerie - Trucs et astuces de PubMed - 2022-05-24</a:t>
-            </a:r>
+              <a:rPr lang="fr-FR" smtClean="0"/>
+              <a:t>F. Flamerie - Trucs et astuces de PubMed - màj : 2022-12-07</a:t>
+            </a:r>
+            <a:endParaRPr lang="fr-FR"/>
           </a:p>
         </p:txBody>
       </p:sp>
@@ -1751,9 +1845,10 @@
           </a:lstStyle>
           <a:p>
             <a:r>
-              <a:rPr lang="fr-FR" dirty="0"/>
+              <a:rPr lang="fr-FR" dirty="0" smtClean="0"/>
               <a:t>Modifiez le style du titre</a:t>
             </a:r>
+            <a:endParaRPr lang="fr-FR" dirty="0"/>
           </a:p>
         </p:txBody>
       </p:sp>
@@ -1804,37 +1899,38 @@
           <a:p>
             <a:pPr lvl="0"/>
             <a:r>
-              <a:rPr lang="fr-FR" dirty="0"/>
+              <a:rPr lang="fr-FR" dirty="0" smtClean="0"/>
               <a:t>Modifiez les styles du texte du masque</a:t>
             </a:r>
           </a:p>
           <a:p>
             <a:pPr lvl="1"/>
             <a:r>
-              <a:rPr lang="fr-FR" dirty="0"/>
+              <a:rPr lang="fr-FR" dirty="0" smtClean="0"/>
               <a:t>Deuxième niveau</a:t>
             </a:r>
           </a:p>
           <a:p>
             <a:pPr lvl="2"/>
             <a:r>
-              <a:rPr lang="fr-FR" dirty="0"/>
+              <a:rPr lang="fr-FR" dirty="0" smtClean="0"/>
               <a:t>Troisième niveau</a:t>
             </a:r>
           </a:p>
           <a:p>
             <a:pPr lvl="3"/>
             <a:r>
-              <a:rPr lang="fr-FR" dirty="0"/>
+              <a:rPr lang="fr-FR" dirty="0" smtClean="0"/>
               <a:t>Quatrième niveau</a:t>
             </a:r>
           </a:p>
           <a:p>
             <a:pPr lvl="4"/>
             <a:r>
-              <a:rPr lang="fr-FR" dirty="0"/>
+              <a:rPr lang="fr-FR" dirty="0" smtClean="0"/>
               <a:t>Cinquième niveau</a:t>
             </a:r>
+            <a:endParaRPr lang="fr-FR" dirty="0"/>
           </a:p>
         </p:txBody>
       </p:sp>
@@ -1867,9 +1963,9 @@
             </a:lvl1pPr>
           </a:lstStyle>
           <a:p>
-            <a:fld id="{F4CB8314-C098-46E3-A3FC-AE230473FCF7}" type="datetime1">
+            <a:fld id="{4B310437-24B1-4BB4-A6C0-46A6A78CB6E4}" type="datetime1">
               <a:rPr lang="fr-FR" smtClean="0"/>
-              <a:t>15/06/2022</a:t>
+              <a:t>07/12/2022</a:t>
             </a:fld>
             <a:endParaRPr lang="fr-FR" dirty="0"/>
           </a:p>
@@ -1897,8 +1993,8 @@
           </a:lstStyle>
           <a:p>
             <a:r>
-              <a:rPr lang="fr-FR"/>
-              <a:t>F. Flamerie - Trucs et astuces de PubMed - 2022-05-24</a:t>
+              <a:rPr lang="fr-FR" smtClean="0"/>
+              <a:t>F. Flamerie - Trucs et astuces de PubMed - màj : 2022-12-07</a:t>
             </a:r>
             <a:endParaRPr lang="fr-FR" dirty="0"/>
           </a:p>
@@ -1993,9 +2089,10 @@
           </a:lstStyle>
           <a:p>
             <a:r>
-              <a:rPr lang="fr-FR" dirty="0"/>
+              <a:rPr lang="fr-FR" dirty="0" smtClean="0"/>
               <a:t>Modifiez le style du titre</a:t>
             </a:r>
+            <a:endParaRPr lang="fr-FR" dirty="0"/>
           </a:p>
         </p:txBody>
       </p:sp>
@@ -2115,7 +2212,7 @@
           <a:p>
             <a:pPr lvl="0"/>
             <a:r>
-              <a:rPr lang="fr-FR" dirty="0"/>
+              <a:rPr lang="fr-FR" dirty="0" smtClean="0"/>
               <a:t>Modifiez les styles du texte du masque</a:t>
             </a:r>
           </a:p>
@@ -2150,10 +2247,9 @@
             </a:lvl1pPr>
           </a:lstStyle>
           <a:p>
-            <a:fld id="{053ABC9A-2CF7-4610-B8EF-56484E8A4E93}" type="datetime1">
+            <a:fld id="{51255EA5-F36F-4293-8011-D1772CD2E9CE}" type="datetime1">
               <a:rPr lang="fr-FR" smtClean="0"/>
-              <a:pPr/>
-              <a:t>15/06/2022</a:t>
+              <a:t>07/12/2022</a:t>
             </a:fld>
             <a:endParaRPr lang="fr-FR" dirty="0"/>
           </a:p>
@@ -2175,9 +2271,10 @@
           <a:lstStyle/>
           <a:p>
             <a:r>
-              <a:rPr lang="fr-FR"/>
-              <a:t>F. Flamerie - Trucs et astuces de PubMed - 2022-05-24</a:t>
-            </a:r>
+              <a:rPr lang="fr-FR" smtClean="0"/>
+              <a:t>F. Flamerie - Trucs et astuces de PubMed - màj : 2022-12-07</a:t>
+            </a:r>
+            <a:endParaRPr lang="fr-FR"/>
           </a:p>
         </p:txBody>
       </p:sp>
@@ -2258,9 +2355,10 @@
           </a:lstStyle>
           <a:p>
             <a:r>
-              <a:rPr lang="fr-FR" dirty="0"/>
+              <a:rPr lang="fr-FR" dirty="0" smtClean="0"/>
               <a:t>Modifiez le style du titre</a:t>
             </a:r>
+            <a:endParaRPr lang="fr-FR" dirty="0"/>
           </a:p>
         </p:txBody>
       </p:sp>
@@ -2316,37 +2414,38 @@
           <a:p>
             <a:pPr lvl="0"/>
             <a:r>
-              <a:rPr lang="fr-FR" dirty="0"/>
+              <a:rPr lang="fr-FR" dirty="0" smtClean="0"/>
               <a:t>Modifiez les styles du texte du masque</a:t>
             </a:r>
           </a:p>
           <a:p>
             <a:pPr lvl="1"/>
             <a:r>
-              <a:rPr lang="fr-FR" dirty="0"/>
+              <a:rPr lang="fr-FR" dirty="0" smtClean="0"/>
               <a:t>Deuxième niveau</a:t>
             </a:r>
           </a:p>
           <a:p>
             <a:pPr lvl="2"/>
             <a:r>
-              <a:rPr lang="fr-FR" dirty="0"/>
+              <a:rPr lang="fr-FR" dirty="0" smtClean="0"/>
               <a:t>Troisième niveau</a:t>
             </a:r>
           </a:p>
           <a:p>
             <a:pPr lvl="3"/>
             <a:r>
-              <a:rPr lang="fr-FR" dirty="0"/>
+              <a:rPr lang="fr-FR" dirty="0" smtClean="0"/>
               <a:t>Quatrième niveau</a:t>
             </a:r>
           </a:p>
           <a:p>
             <a:pPr lvl="4"/>
             <a:r>
-              <a:rPr lang="fr-FR" dirty="0"/>
+              <a:rPr lang="fr-FR" dirty="0" smtClean="0"/>
               <a:t>Cinquième niveau</a:t>
             </a:r>
+            <a:endParaRPr lang="fr-FR" dirty="0"/>
           </a:p>
         </p:txBody>
       </p:sp>
@@ -2398,37 +2497,38 @@
           <a:p>
             <a:pPr lvl="0"/>
             <a:r>
-              <a:rPr lang="fr-FR" dirty="0"/>
+              <a:rPr lang="fr-FR" dirty="0" smtClean="0"/>
               <a:t>Modifiez les styles du texte du masque</a:t>
             </a:r>
           </a:p>
           <a:p>
             <a:pPr lvl="1"/>
             <a:r>
-              <a:rPr lang="fr-FR" dirty="0"/>
+              <a:rPr lang="fr-FR" dirty="0" smtClean="0"/>
               <a:t>Deuxième niveau</a:t>
             </a:r>
           </a:p>
           <a:p>
             <a:pPr lvl="2"/>
             <a:r>
-              <a:rPr lang="fr-FR" dirty="0"/>
+              <a:rPr lang="fr-FR" dirty="0" smtClean="0"/>
               <a:t>Troisième niveau</a:t>
             </a:r>
           </a:p>
           <a:p>
             <a:pPr lvl="3"/>
             <a:r>
-              <a:rPr lang="fr-FR" dirty="0"/>
+              <a:rPr lang="fr-FR" dirty="0" smtClean="0"/>
               <a:t>Quatrième niveau</a:t>
             </a:r>
           </a:p>
           <a:p>
             <a:pPr lvl="4"/>
             <a:r>
-              <a:rPr lang="fr-FR" dirty="0"/>
+              <a:rPr lang="fr-FR" dirty="0" smtClean="0"/>
               <a:t>Cinquième niveau</a:t>
             </a:r>
+            <a:endParaRPr lang="fr-FR" dirty="0"/>
           </a:p>
         </p:txBody>
       </p:sp>
@@ -2461,10 +2561,9 @@
             </a:lvl1pPr>
           </a:lstStyle>
           <a:p>
-            <a:fld id="{24191F90-06CD-4E36-B025-A3FFFA64ACB0}" type="datetime1">
+            <a:fld id="{B1B81A07-ECFE-42C8-A866-F689C5012D1A}" type="datetime1">
               <a:rPr lang="fr-FR" smtClean="0"/>
-              <a:pPr/>
-              <a:t>15/06/2022</a:t>
+              <a:t>07/12/2022</a:t>
             </a:fld>
             <a:endParaRPr lang="fr-FR" dirty="0"/>
           </a:p>
@@ -2486,9 +2585,10 @@
           <a:lstStyle/>
           <a:p>
             <a:r>
-              <a:rPr lang="fr-FR"/>
-              <a:t>F. Flamerie - Trucs et astuces de PubMed - 2022-05-24</a:t>
-            </a:r>
+              <a:rPr lang="fr-FR" smtClean="0"/>
+              <a:t>F. Flamerie - Trucs et astuces de PubMed - màj : 2022-12-07</a:t>
+            </a:r>
+            <a:endParaRPr lang="fr-FR"/>
           </a:p>
         </p:txBody>
       </p:sp>
@@ -2566,9 +2666,10 @@
           <a:lstStyle/>
           <a:p>
             <a:r>
-              <a:rPr lang="fr-FR"/>
+              <a:rPr lang="fr-FR" smtClean="0"/>
               <a:t>Modifiez le style du titre</a:t>
             </a:r>
+            <a:endParaRPr lang="fr-FR"/>
           </a:p>
         </p:txBody>
       </p:sp>
@@ -2631,7 +2732,7 @@
           <a:p>
             <a:pPr lvl="0"/>
             <a:r>
-              <a:rPr lang="fr-FR"/>
+              <a:rPr lang="fr-FR" smtClean="0"/>
               <a:t>Modifiez les styles du texte du masque</a:t>
             </a:r>
           </a:p>
@@ -2659,37 +2760,38 @@
           <a:p>
             <a:pPr lvl="0"/>
             <a:r>
-              <a:rPr lang="fr-FR"/>
+              <a:rPr lang="fr-FR" smtClean="0"/>
               <a:t>Modifiez les styles du texte du masque</a:t>
             </a:r>
           </a:p>
           <a:p>
             <a:pPr lvl="1"/>
             <a:r>
-              <a:rPr lang="fr-FR"/>
+              <a:rPr lang="fr-FR" smtClean="0"/>
               <a:t>Deuxième niveau</a:t>
             </a:r>
           </a:p>
           <a:p>
             <a:pPr lvl="2"/>
             <a:r>
-              <a:rPr lang="fr-FR"/>
+              <a:rPr lang="fr-FR" smtClean="0"/>
               <a:t>Troisième niveau</a:t>
             </a:r>
           </a:p>
           <a:p>
             <a:pPr lvl="3"/>
             <a:r>
-              <a:rPr lang="fr-FR"/>
+              <a:rPr lang="fr-FR" smtClean="0"/>
               <a:t>Quatrième niveau</a:t>
             </a:r>
           </a:p>
           <a:p>
             <a:pPr lvl="4"/>
             <a:r>
-              <a:rPr lang="fr-FR"/>
+              <a:rPr lang="fr-FR" smtClean="0"/>
               <a:t>Cinquième niveau</a:t>
             </a:r>
+            <a:endParaRPr lang="fr-FR"/>
           </a:p>
         </p:txBody>
       </p:sp>
@@ -2752,7 +2854,7 @@
           <a:p>
             <a:pPr lvl="0"/>
             <a:r>
-              <a:rPr lang="fr-FR"/>
+              <a:rPr lang="fr-FR" smtClean="0"/>
               <a:t>Modifiez les styles du texte du masque</a:t>
             </a:r>
           </a:p>
@@ -2780,37 +2882,38 @@
           <a:p>
             <a:pPr lvl="0"/>
             <a:r>
-              <a:rPr lang="fr-FR"/>
+              <a:rPr lang="fr-FR" smtClean="0"/>
               <a:t>Modifiez les styles du texte du masque</a:t>
             </a:r>
           </a:p>
           <a:p>
             <a:pPr lvl="1"/>
             <a:r>
-              <a:rPr lang="fr-FR"/>
+              <a:rPr lang="fr-FR" smtClean="0"/>
               <a:t>Deuxième niveau</a:t>
             </a:r>
           </a:p>
           <a:p>
             <a:pPr lvl="2"/>
             <a:r>
-              <a:rPr lang="fr-FR"/>
+              <a:rPr lang="fr-FR" smtClean="0"/>
               <a:t>Troisième niveau</a:t>
             </a:r>
           </a:p>
           <a:p>
             <a:pPr lvl="3"/>
             <a:r>
-              <a:rPr lang="fr-FR"/>
+              <a:rPr lang="fr-FR" smtClean="0"/>
               <a:t>Quatrième niveau</a:t>
             </a:r>
           </a:p>
           <a:p>
             <a:pPr lvl="4"/>
             <a:r>
-              <a:rPr lang="fr-FR"/>
+              <a:rPr lang="fr-FR" smtClean="0"/>
               <a:t>Cinquième niveau</a:t>
             </a:r>
+            <a:endParaRPr lang="fr-FR"/>
           </a:p>
         </p:txBody>
       </p:sp>
@@ -2843,10 +2946,9 @@
             </a:lvl1pPr>
           </a:lstStyle>
           <a:p>
-            <a:fld id="{B53BEB79-FA74-4ECB-9C22-BEACA3BFCF15}" type="datetime1">
+            <a:fld id="{B08D882F-B8B5-417F-8B74-CB9D139764D9}" type="datetime1">
               <a:rPr lang="fr-FR" smtClean="0"/>
-              <a:pPr/>
-              <a:t>15/06/2022</a:t>
+              <a:t>07/12/2022</a:t>
             </a:fld>
             <a:endParaRPr lang="fr-FR" dirty="0"/>
           </a:p>
@@ -2868,9 +2970,10 @@
           <a:lstStyle/>
           <a:p>
             <a:r>
-              <a:rPr lang="fr-FR"/>
-              <a:t>F. Flamerie - Trucs et astuces de PubMed - 2022-05-24</a:t>
-            </a:r>
+              <a:rPr lang="fr-FR" smtClean="0"/>
+              <a:t>F. Flamerie - Trucs et astuces de PubMed - màj : 2022-12-07</a:t>
+            </a:r>
+            <a:endParaRPr lang="fr-FR"/>
           </a:p>
         </p:txBody>
       </p:sp>
@@ -2943,9 +3046,10 @@
           <a:lstStyle/>
           <a:p>
             <a:r>
-              <a:rPr lang="fr-FR"/>
+              <a:rPr lang="fr-FR" smtClean="0"/>
               <a:t>Modifiez le style du titre</a:t>
             </a:r>
+            <a:endParaRPr lang="fr-FR"/>
           </a:p>
         </p:txBody>
       </p:sp>
@@ -2978,10 +3082,9 @@
             </a:lvl1pPr>
           </a:lstStyle>
           <a:p>
-            <a:fld id="{ACFC686D-2246-4E85-B9F8-A2D1978D048A}" type="datetime1">
+            <a:fld id="{7D62040E-D260-4B2C-AC49-1FB5F94A0FEC}" type="datetime1">
               <a:rPr lang="fr-FR" smtClean="0"/>
-              <a:pPr/>
-              <a:t>15/06/2022</a:t>
+              <a:t>07/12/2022</a:t>
             </a:fld>
             <a:endParaRPr lang="fr-FR" dirty="0"/>
           </a:p>
@@ -3003,9 +3106,10 @@
           <a:lstStyle/>
           <a:p>
             <a:r>
-              <a:rPr lang="fr-FR"/>
-              <a:t>F. Flamerie - Trucs et astuces de PubMed - 2022-05-24</a:t>
-            </a:r>
+              <a:rPr lang="fr-FR" smtClean="0"/>
+              <a:t>F. Flamerie - Trucs et astuces de PubMed - màj : 2022-12-07</a:t>
+            </a:r>
+            <a:endParaRPr lang="fr-FR"/>
           </a:p>
         </p:txBody>
       </p:sp>
@@ -3091,10 +3195,9 @@
             </a:lvl1pPr>
           </a:lstStyle>
           <a:p>
-            <a:fld id="{103B3C81-F5DF-4133-A52A-0DE0A298B578}" type="datetime1">
+            <a:fld id="{F23C652B-B5E6-47C8-A0D4-9E821FDA3975}" type="datetime1">
               <a:rPr lang="fr-FR" smtClean="0"/>
-              <a:pPr/>
-              <a:t>15/06/2022</a:t>
+              <a:t>07/12/2022</a:t>
             </a:fld>
             <a:endParaRPr lang="fr-FR" dirty="0"/>
           </a:p>
@@ -3116,9 +3219,10 @@
           <a:lstStyle/>
           <a:p>
             <a:r>
-              <a:rPr lang="fr-FR"/>
-              <a:t>F. Flamerie - Trucs et astuces de PubMed - 2022-05-24</a:t>
-            </a:r>
+              <a:rPr lang="fr-FR" smtClean="0"/>
+              <a:t>F. Flamerie - Trucs et astuces de PubMed - màj : 2022-12-07</a:t>
+            </a:r>
+            <a:endParaRPr lang="fr-FR"/>
           </a:p>
         </p:txBody>
       </p:sp>
@@ -3200,9 +3304,10 @@
           </a:lstStyle>
           <a:p>
             <a:r>
-              <a:rPr lang="fr-FR"/>
+              <a:rPr lang="fr-FR" smtClean="0"/>
               <a:t>Modifiez le style du titre</a:t>
             </a:r>
+            <a:endParaRPr lang="fr-FR"/>
           </a:p>
         </p:txBody>
       </p:sp>
@@ -3256,37 +3361,38 @@
           <a:p>
             <a:pPr lvl="0"/>
             <a:r>
-              <a:rPr lang="fr-FR"/>
+              <a:rPr lang="fr-FR" smtClean="0"/>
               <a:t>Modifiez les styles du texte du masque</a:t>
             </a:r>
           </a:p>
           <a:p>
             <a:pPr lvl="1"/>
             <a:r>
-              <a:rPr lang="fr-FR"/>
+              <a:rPr lang="fr-FR" smtClean="0"/>
               <a:t>Deuxième niveau</a:t>
             </a:r>
           </a:p>
           <a:p>
             <a:pPr lvl="2"/>
             <a:r>
-              <a:rPr lang="fr-FR"/>
+              <a:rPr lang="fr-FR" smtClean="0"/>
               <a:t>Troisième niveau</a:t>
             </a:r>
           </a:p>
           <a:p>
             <a:pPr lvl="3"/>
             <a:r>
-              <a:rPr lang="fr-FR"/>
+              <a:rPr lang="fr-FR" smtClean="0"/>
               <a:t>Quatrième niveau</a:t>
             </a:r>
           </a:p>
           <a:p>
             <a:pPr lvl="4"/>
             <a:r>
-              <a:rPr lang="fr-FR"/>
+              <a:rPr lang="fr-FR" smtClean="0"/>
               <a:t>Cinquième niveau</a:t>
             </a:r>
+            <a:endParaRPr lang="fr-FR"/>
           </a:p>
         </p:txBody>
       </p:sp>
@@ -3349,7 +3455,7 @@
           <a:p>
             <a:pPr lvl="0"/>
             <a:r>
-              <a:rPr lang="fr-FR"/>
+              <a:rPr lang="fr-FR" smtClean="0"/>
               <a:t>Modifiez les styles du texte du masque</a:t>
             </a:r>
           </a:p>
@@ -3384,10 +3490,9 @@
             </a:lvl1pPr>
           </a:lstStyle>
           <a:p>
-            <a:fld id="{333A1330-84BA-4488-B8B2-D6C6D19B82D7}" type="datetime1">
+            <a:fld id="{57408C29-02A2-4E55-BE76-F36C178084CD}" type="datetime1">
               <a:rPr lang="fr-FR" smtClean="0"/>
-              <a:pPr/>
-              <a:t>15/06/2022</a:t>
+              <a:t>07/12/2022</a:t>
             </a:fld>
             <a:endParaRPr lang="fr-FR" dirty="0"/>
           </a:p>
@@ -3409,9 +3514,10 @@
           <a:lstStyle/>
           <a:p>
             <a:r>
-              <a:rPr lang="fr-FR"/>
-              <a:t>F. Flamerie - Trucs et astuces de PubMed - 2022-05-24</a:t>
-            </a:r>
+              <a:rPr lang="fr-FR" smtClean="0"/>
+              <a:t>F. Flamerie - Trucs et astuces de PubMed - màj : 2022-12-07</a:t>
+            </a:r>
+            <a:endParaRPr lang="fr-FR"/>
           </a:p>
         </p:txBody>
       </p:sp>
@@ -3493,9 +3599,10 @@
           </a:lstStyle>
           <a:p>
             <a:r>
-              <a:rPr lang="fr-FR"/>
+              <a:rPr lang="fr-FR" smtClean="0"/>
               <a:t>Modifiez le style du titre</a:t>
             </a:r>
+            <a:endParaRPr lang="fr-FR"/>
           </a:p>
         </p:txBody>
       </p:sp>
@@ -3619,7 +3726,7 @@
           <a:p>
             <a:pPr lvl="0"/>
             <a:r>
-              <a:rPr lang="fr-FR"/>
+              <a:rPr lang="fr-FR" smtClean="0"/>
               <a:t>Modifiez les styles du texte du masque</a:t>
             </a:r>
           </a:p>
@@ -3654,10 +3761,9 @@
             </a:lvl1pPr>
           </a:lstStyle>
           <a:p>
-            <a:fld id="{E896B25A-4007-4AA0-8186-28F75AB21078}" type="datetime1">
+            <a:fld id="{0BF5C518-52BA-4870-A202-2AE791650430}" type="datetime1">
               <a:rPr lang="fr-FR" smtClean="0"/>
-              <a:pPr/>
-              <a:t>15/06/2022</a:t>
+              <a:t>07/12/2022</a:t>
             </a:fld>
             <a:endParaRPr lang="fr-FR" dirty="0"/>
           </a:p>
@@ -3679,9 +3785,10 @@
           <a:lstStyle/>
           <a:p>
             <a:r>
-              <a:rPr lang="fr-FR"/>
-              <a:t>F. Flamerie - Trucs et astuces de PubMed - 2022-05-24</a:t>
-            </a:r>
+              <a:rPr lang="fr-FR" smtClean="0"/>
+              <a:t>F. Flamerie - Trucs et astuces de PubMed - màj : 2022-12-07</a:t>
+            </a:r>
+            <a:endParaRPr lang="fr-FR"/>
           </a:p>
         </p:txBody>
       </p:sp>
@@ -3769,9 +3876,10 @@
           <a:lstStyle/>
           <a:p>
             <a:r>
-              <a:rPr lang="fr-FR"/>
+              <a:rPr lang="fr-FR" smtClean="0"/>
               <a:t>Modifiez le style du titre</a:t>
             </a:r>
+            <a:endParaRPr lang="fr-FR"/>
           </a:p>
         </p:txBody>
       </p:sp>
@@ -3802,37 +3910,38 @@
           <a:p>
             <a:pPr lvl="0"/>
             <a:r>
-              <a:rPr lang="fr-FR" dirty="0"/>
+              <a:rPr lang="fr-FR" dirty="0" smtClean="0"/>
               <a:t>Modifiez les styles du texte du masque</a:t>
             </a:r>
           </a:p>
           <a:p>
             <a:pPr lvl="1"/>
             <a:r>
-              <a:rPr lang="fr-FR" dirty="0"/>
+              <a:rPr lang="fr-FR" dirty="0" smtClean="0"/>
               <a:t>Deuxième niveau</a:t>
             </a:r>
           </a:p>
           <a:p>
             <a:pPr lvl="2"/>
             <a:r>
-              <a:rPr lang="fr-FR" dirty="0"/>
+              <a:rPr lang="fr-FR" dirty="0" smtClean="0"/>
               <a:t>Troisième niveau</a:t>
             </a:r>
           </a:p>
           <a:p>
             <a:pPr lvl="3"/>
             <a:r>
-              <a:rPr lang="fr-FR" dirty="0"/>
+              <a:rPr lang="fr-FR" dirty="0" smtClean="0"/>
               <a:t>Quatrième niveau</a:t>
             </a:r>
           </a:p>
           <a:p>
             <a:pPr lvl="4"/>
             <a:r>
-              <a:rPr lang="fr-FR" dirty="0"/>
+              <a:rPr lang="fr-FR" dirty="0" smtClean="0"/>
               <a:t>Cinquième niveau</a:t>
             </a:r>
+            <a:endParaRPr lang="fr-FR" dirty="0"/>
           </a:p>
         </p:txBody>
       </p:sp>
@@ -3871,17 +3980,10 @@
           </a:lstStyle>
           <a:p>
             <a:r>
-              <a:rPr lang="fr-FR" dirty="0"/>
-              <a:t>F. Flamerie - Trucs et astuces de </a:t>
-            </a:r>
-            <a:r>
-              <a:rPr lang="fr-FR" dirty="0" err="1"/>
-              <a:t>PubMed</a:t>
-            </a:r>
-            <a:r>
-              <a:rPr lang="fr-FR" dirty="0"/>
-              <a:t> - 2022-05-24</a:t>
-            </a:r>
+              <a:rPr lang="fr-FR" smtClean="0"/>
+              <a:t>F. Flamerie - Trucs et astuces de PubMed - màj : 2022-12-07</a:t>
+            </a:r>
+            <a:endParaRPr lang="fr-FR" dirty="0"/>
           </a:p>
         </p:txBody>
       </p:sp>
@@ -4274,42 +4376,14 @@
           <a:p>
             <a:pPr algn="l"/>
             <a:r>
-              <a:rPr lang="fr-FR" dirty="0"/>
+              <a:rPr lang="fr-FR" dirty="0" smtClean="0"/>
               <a:t>Trucs et astuces de </a:t>
             </a:r>
             <a:r>
-              <a:rPr lang="fr-FR" dirty="0" err="1"/>
+              <a:rPr lang="fr-FR" dirty="0" err="1" smtClean="0"/>
               <a:t>PubMed</a:t>
             </a:r>
             <a:endParaRPr lang="fr-FR" dirty="0"/>
-          </a:p>
-        </p:txBody>
-      </p:sp>
-      <p:sp>
-        <p:nvSpPr>
-          <p:cNvPr id="3" name="Sous-titre 2"/>
-          <p:cNvSpPr>
-            <a:spLocks noGrp="1"/>
-          </p:cNvSpPr>
-          <p:nvPr>
-            <p:ph type="subTitle" idx="1"/>
-          </p:nvPr>
-        </p:nvSpPr>
-        <p:spPr>
-          <a:xfrm>
-            <a:off x="560029" y="4369619"/>
-            <a:ext cx="9144000" cy="1655762"/>
-          </a:xfrm>
-        </p:spPr>
-        <p:txBody>
-          <a:bodyPr/>
-          <a:lstStyle/>
-          <a:p>
-            <a:pPr algn="l"/>
-            <a:r>
-              <a:rPr lang="fr-FR" dirty="0"/>
-              <a:t>Module 1.2 </a:t>
-            </a:r>
           </a:p>
         </p:txBody>
       </p:sp>
@@ -4501,6 +4575,13 @@
   <p:clrMapOvr>
     <a:masterClrMapping/>
   </p:clrMapOvr>
+  <p:timing>
+    <p:tnLst>
+      <p:par>
+        <p:cTn id="1" dur="indefinite" restart="never" nodeType="tmRoot"/>
+      </p:par>
+    </p:tnLst>
+  </p:timing>
 </p:sld>
 </file>
 
@@ -4542,11 +4623,11 @@
           <a:lstStyle/>
           <a:p>
             <a:r>
-              <a:rPr lang="fr-FR" dirty="0"/>
+              <a:rPr lang="fr-FR" dirty="0" smtClean="0"/>
               <a:t>Fonctionnalités : le thésaurus </a:t>
             </a:r>
             <a:r>
-              <a:rPr lang="fr-FR" dirty="0" err="1"/>
+              <a:rPr lang="fr-FR" dirty="0" err="1" smtClean="0"/>
               <a:t>MeSH</a:t>
             </a:r>
             <a:endParaRPr lang="fr-FR" dirty="0"/>
@@ -4581,8 +4662,8 @@
               </a:lnSpc>
             </a:pPr>
             <a:r>
-              <a:rPr lang="fr-FR" dirty="0"/>
-              <a:t> Avantages</a:t>
+              <a:rPr lang="fr-FR" dirty="0" smtClean="0"/>
+              <a:t>Avantages</a:t>
             </a:r>
           </a:p>
           <a:p>
@@ -4592,11 +4673,11 @@
               </a:lnSpc>
             </a:pPr>
             <a:r>
-              <a:rPr lang="fr-FR" dirty="0"/>
+              <a:rPr lang="fr-FR" dirty="0" smtClean="0"/>
               <a:t>Evite le travail de </a:t>
             </a:r>
             <a:r>
-              <a:rPr lang="fr-FR" dirty="0">
+              <a:rPr lang="fr-FR" dirty="0" smtClean="0">
                 <a:solidFill>
                   <a:srgbClr val="009DE0"/>
                 </a:solidFill>
@@ -4604,7 +4685,7 @@
               <a:t>recherche des synonymes </a:t>
             </a:r>
             <a:r>
-              <a:rPr lang="fr-FR" dirty="0"/>
+              <a:rPr lang="fr-FR" dirty="0" smtClean="0"/>
               <a:t>d’un terme, qu’ils résultent de variations lexicales ou de tendances terminologiques</a:t>
             </a:r>
           </a:p>
@@ -4615,11 +4696,11 @@
               </a:lnSpc>
             </a:pPr>
             <a:r>
-              <a:rPr lang="fr-FR" dirty="0"/>
+              <a:rPr lang="fr-FR" dirty="0" smtClean="0"/>
               <a:t>Evite d’énumérer tous les </a:t>
             </a:r>
             <a:r>
-              <a:rPr lang="fr-FR" dirty="0">
+              <a:rPr lang="fr-FR" dirty="0" smtClean="0">
                 <a:solidFill>
                   <a:srgbClr val="009DE0"/>
                 </a:solidFill>
@@ -4627,7 +4708,7 @@
               <a:t>termes spécifiques </a:t>
             </a:r>
             <a:r>
-              <a:rPr lang="fr-FR" dirty="0"/>
+              <a:rPr lang="fr-FR" dirty="0" smtClean="0"/>
               <a:t>d’un concept général</a:t>
             </a:r>
           </a:p>
@@ -4638,7 +4719,7 @@
               </a:lnSpc>
             </a:pPr>
             <a:r>
-              <a:rPr lang="fr-FR" dirty="0"/>
+              <a:rPr lang="fr-FR" dirty="0" smtClean="0"/>
               <a:t>Identifie les articles pour lesquels le terme constitue un sujet, et n’est pas seulement mentionné par exemple dans le résumé</a:t>
             </a:r>
           </a:p>
@@ -4649,8 +4730,8 @@
               </a:lnSpc>
             </a:pPr>
             <a:r>
-              <a:rPr lang="fr-FR" dirty="0"/>
-              <a:t> Limites</a:t>
+              <a:rPr lang="fr-FR" dirty="0" smtClean="0"/>
+              <a:t>Limites</a:t>
             </a:r>
           </a:p>
           <a:p>
@@ -4660,23 +4741,23 @@
               </a:lnSpc>
             </a:pPr>
             <a:r>
-              <a:rPr lang="fr-FR" dirty="0"/>
+              <a:rPr lang="fr-FR" dirty="0" smtClean="0"/>
               <a:t>Tous les documents recensés dans </a:t>
             </a:r>
             <a:r>
-              <a:rPr lang="fr-FR" dirty="0" err="1"/>
+              <a:rPr lang="fr-FR" dirty="0" err="1" smtClean="0"/>
               <a:t>PubMed</a:t>
             </a:r>
             <a:r>
-              <a:rPr lang="fr-FR" dirty="0"/>
+              <a:rPr lang="fr-FR" dirty="0" smtClean="0"/>
               <a:t> n’ont pas d’indexation </a:t>
             </a:r>
             <a:r>
-              <a:rPr lang="fr-FR" dirty="0" err="1"/>
+              <a:rPr lang="fr-FR" dirty="0" err="1" smtClean="0"/>
               <a:t>MeSH</a:t>
             </a:r>
             <a:r>
-              <a:rPr lang="fr-FR" dirty="0"/>
+              <a:rPr lang="fr-FR" dirty="0" smtClean="0"/>
               <a:t> </a:t>
             </a:r>
           </a:p>
@@ -4687,11 +4768,11 @@
               </a:lnSpc>
             </a:pPr>
             <a:r>
-              <a:rPr lang="fr-FR" dirty="0"/>
+              <a:rPr lang="fr-FR" dirty="0" smtClean="0"/>
               <a:t>Tous les mots n’ont pas d’équivalent </a:t>
             </a:r>
             <a:r>
-              <a:rPr lang="fr-FR" dirty="0" err="1"/>
+              <a:rPr lang="fr-FR" dirty="0" err="1" smtClean="0"/>
               <a:t>MeSH</a:t>
             </a:r>
             <a:endParaRPr lang="fr-FR" dirty="0"/>
@@ -4714,8 +4795,8 @@
           <a:lstStyle/>
           <a:p>
             <a:r>
-              <a:rPr lang="fr-FR"/>
-              <a:t>F. Flamerie - Trucs et astuces de PubMed - 2022-05-24</a:t>
+              <a:rPr lang="fr-FR" smtClean="0"/>
+              <a:t>F. Flamerie - Trucs et astuces de PubMed - màj : 2022-12-07</a:t>
             </a:r>
             <a:endParaRPr lang="fr-FR" dirty="0"/>
           </a:p>
@@ -4755,6 +4836,13 @@
   <p:clrMapOvr>
     <a:masterClrMapping/>
   </p:clrMapOvr>
+  <p:timing>
+    <p:tnLst>
+      <p:par>
+        <p:cTn id="1" dur="indefinite" restart="never" nodeType="tmRoot"/>
+      </p:par>
+    </p:tnLst>
+  </p:timing>
 </p:sld>
 </file>
 
@@ -4796,17 +4884,18 @@
           <a:lstStyle/>
           <a:p>
             <a:r>
-              <a:rPr lang="fr-FR" dirty="0"/>
+              <a:rPr lang="fr-FR" dirty="0" smtClean="0"/>
               <a:t>Pertinence du recours au </a:t>
             </a:r>
             <a:r>
-              <a:rPr lang="fr-FR" dirty="0" err="1"/>
+              <a:rPr lang="fr-FR" dirty="0" err="1" smtClean="0"/>
               <a:t>MeSH</a:t>
             </a:r>
             <a:r>
-              <a:rPr lang="fr-FR" dirty="0"/>
+              <a:rPr lang="fr-FR" dirty="0" smtClean="0"/>
               <a:t>?</a:t>
             </a:r>
+            <a:endParaRPr lang="fr-FR" dirty="0"/>
           </a:p>
         </p:txBody>
       </p:sp>
@@ -4836,20 +4925,28 @@
               <a:buNone/>
             </a:pPr>
             <a:r>
+              <a:rPr lang="fr-FR" sz="3200" dirty="0" smtClean="0"/>
+              <a:t>Exemple avec les 2 termes suivants : pour chacun des termes, indiquez s’il vous semble pertinent de l’utiliser.</a:t>
+            </a:r>
+          </a:p>
+          <a:p>
+            <a:r>
+              <a:rPr lang="fr-FR" sz="3200" dirty="0" smtClean="0"/>
+              <a:t>Pour une recherche sur les </a:t>
+            </a:r>
+            <a:r>
               <a:rPr lang="fr-FR" sz="3200" dirty="0"/>
-              <a:t>Exemple avec les 2 termes suivants : pour chacun des termes, indiquez dans le sondage Zoom s’il vous semble pertinent de l’utiliser.</a:t>
-            </a:r>
-          </a:p>
-          <a:p>
-            <a:r>
-              <a:rPr lang="fr-FR" sz="3200" dirty="0"/>
-              <a:t>Pour une recherche sur les indicateurs de santé prédictifs de l'absentéisme au travail  </a:t>
+              <a:t>indicateurs de santé prédictifs de l'absentéisme au travail </a:t>
+            </a:r>
+            <a:r>
+              <a:rPr lang="fr-FR" sz="3200" dirty="0" smtClean="0"/>
+              <a:t> </a:t>
             </a:r>
           </a:p>
           <a:p>
             <a:pPr lvl="1"/>
             <a:r>
-              <a:rPr lang="fr-FR" sz="3200" dirty="0">
+              <a:rPr lang="fr-FR" sz="3200" dirty="0" smtClean="0">
                 <a:solidFill>
                   <a:srgbClr val="009DE0"/>
                 </a:solidFill>
@@ -4857,7 +4954,7 @@
               <a:t>absentéisme professionnel -&gt; </a:t>
             </a:r>
             <a:r>
-              <a:rPr lang="fr-FR" sz="3200" dirty="0" err="1">
+              <a:rPr lang="fr-FR" sz="3200" dirty="0" err="1" smtClean="0">
                 <a:solidFill>
                   <a:srgbClr val="009DE0"/>
                 </a:solidFill>
@@ -4865,7 +4962,7 @@
               <a:t>absenteeism</a:t>
             </a:r>
             <a:r>
-              <a:rPr lang="fr-FR" sz="3200" dirty="0">
+              <a:rPr lang="fr-FR" sz="3200" dirty="0" smtClean="0">
                 <a:solidFill>
                   <a:srgbClr val="009DE0"/>
                 </a:solidFill>
@@ -4873,33 +4970,33 @@
               <a:t> </a:t>
             </a:r>
             <a:r>
-              <a:rPr lang="fr-FR" sz="3200" dirty="0"/>
+              <a:rPr lang="fr-FR" sz="3200" dirty="0" smtClean="0"/>
               <a:t>- </a:t>
             </a:r>
             <a:r>
-              <a:rPr lang="fr-FR" sz="3200" dirty="0">
+              <a:rPr lang="fr-FR" sz="3200" dirty="0" smtClean="0">
                 <a:hlinkClick r:id="rId2"/>
               </a:rPr>
               <a:t>lien fiche </a:t>
             </a:r>
             <a:r>
-              <a:rPr lang="fr-FR" sz="3200" dirty="0" err="1">
+              <a:rPr lang="fr-FR" sz="3200" dirty="0" err="1" smtClean="0">
                 <a:hlinkClick r:id="rId2"/>
               </a:rPr>
               <a:t>MeSH</a:t>
             </a:r>
-            <a:endParaRPr lang="fr-FR" sz="3200" dirty="0"/>
-          </a:p>
-          <a:p>
-            <a:r>
-              <a:rPr lang="fr-FR" sz="3200" dirty="0"/>
+            <a:endParaRPr lang="fr-FR" sz="3200" dirty="0" smtClean="0"/>
+          </a:p>
+          <a:p>
+            <a:r>
+              <a:rPr lang="fr-FR" sz="3200" dirty="0" smtClean="0"/>
               <a:t>Pour une recherche sur l’impact de l’activité physique sur la qualité de vie des personnes âgées</a:t>
             </a:r>
           </a:p>
           <a:p>
             <a:pPr lvl="1"/>
             <a:r>
-              <a:rPr lang="fr-FR" sz="3200" dirty="0">
+              <a:rPr lang="fr-FR" sz="3200" dirty="0" smtClean="0">
                 <a:solidFill>
                   <a:srgbClr val="009DE0"/>
                 </a:solidFill>
@@ -4907,7 +5004,7 @@
               <a:t>activité physique -&gt; </a:t>
             </a:r>
             <a:r>
-              <a:rPr lang="fr-FR" sz="3200" dirty="0" err="1">
+              <a:rPr lang="fr-FR" sz="3200" dirty="0" err="1" smtClean="0">
                 <a:solidFill>
                   <a:srgbClr val="009DE0"/>
                 </a:solidFill>
@@ -4915,7 +5012,7 @@
               <a:t>exercise</a:t>
             </a:r>
             <a:r>
-              <a:rPr lang="fr-FR" sz="3200" dirty="0">
+              <a:rPr lang="fr-FR" sz="3200" dirty="0" smtClean="0">
                 <a:solidFill>
                   <a:srgbClr val="009DE0"/>
                 </a:solidFill>
@@ -4923,22 +5020,22 @@
               <a:t> </a:t>
             </a:r>
             <a:r>
-              <a:rPr lang="fr-FR" sz="3200" dirty="0"/>
+              <a:rPr lang="fr-FR" sz="3200" dirty="0" smtClean="0"/>
               <a:t>- </a:t>
             </a:r>
             <a:r>
-              <a:rPr lang="fr-FR" sz="3200" dirty="0">
+              <a:rPr lang="fr-FR" sz="3200" dirty="0" smtClean="0">
                 <a:hlinkClick r:id="rId3"/>
               </a:rPr>
               <a:t>lien fiche </a:t>
             </a:r>
             <a:r>
-              <a:rPr lang="fr-FR" sz="3200" dirty="0" err="1">
+              <a:rPr lang="fr-FR" sz="3200" dirty="0" err="1" smtClean="0">
                 <a:hlinkClick r:id="rId3"/>
               </a:rPr>
               <a:t>MeSH</a:t>
             </a:r>
-            <a:endParaRPr lang="fr-FR" sz="3200" dirty="0"/>
+            <a:endParaRPr lang="fr-FR" sz="3200" dirty="0" smtClean="0"/>
           </a:p>
           <a:p>
             <a:pPr lvl="1"/>
@@ -4962,8 +5059,8 @@
           <a:lstStyle/>
           <a:p>
             <a:r>
-              <a:rPr lang="fr-FR"/>
-              <a:t>F. Flamerie - Trucs et astuces de PubMed - 2022-05-24</a:t>
+              <a:rPr lang="fr-FR" smtClean="0"/>
+              <a:t>F. Flamerie - Trucs et astuces de PubMed - màj : 2022-12-07</a:t>
             </a:r>
             <a:endParaRPr lang="fr-FR" dirty="0"/>
           </a:p>
@@ -5003,6 +5100,13 @@
   <p:clrMapOvr>
     <a:masterClrMapping/>
   </p:clrMapOvr>
+  <p:timing>
+    <p:tnLst>
+      <p:par>
+        <p:cTn id="1" dur="indefinite" restart="never" nodeType="tmRoot"/>
+      </p:par>
+    </p:tnLst>
+  </p:timing>
 </p:sld>
 </file>
 
@@ -5044,17 +5148,18 @@
           <a:lstStyle/>
           <a:p>
             <a:r>
-              <a:rPr lang="fr-FR" dirty="0"/>
+              <a:rPr lang="fr-FR" dirty="0" smtClean="0"/>
               <a:t>Pertinence du recours au </a:t>
             </a:r>
             <a:r>
-              <a:rPr lang="fr-FR" dirty="0" err="1"/>
+              <a:rPr lang="fr-FR" dirty="0" err="1" smtClean="0"/>
               <a:t>MeSH</a:t>
             </a:r>
             <a:r>
-              <a:rPr lang="fr-FR" dirty="0"/>
+              <a:rPr lang="fr-FR" dirty="0" smtClean="0"/>
               <a:t>?</a:t>
             </a:r>
+            <a:endParaRPr lang="fr-FR" dirty="0"/>
           </a:p>
         </p:txBody>
       </p:sp>
@@ -5084,31 +5189,39 @@
               <a:buNone/>
             </a:pPr>
             <a:r>
+              <a:rPr lang="fr-FR" sz="2400" dirty="0" smtClean="0"/>
+              <a:t>Le recours au </a:t>
+            </a:r>
+            <a:r>
+              <a:rPr lang="fr-FR" sz="2400" dirty="0" err="1" smtClean="0"/>
+              <a:t>MeSH</a:t>
+            </a:r>
+            <a:r>
+              <a:rPr lang="fr-FR" sz="2400" dirty="0" smtClean="0"/>
+              <a:t> et la façon de l’utiliser peuvent ainsi varier en fonction </a:t>
+            </a:r>
+          </a:p>
+          <a:p>
+            <a:r>
               <a:rPr lang="fr-FR" sz="2400" dirty="0"/>
-              <a:t>Le recours au </a:t>
-            </a:r>
-            <a:r>
-              <a:rPr lang="fr-FR" sz="2400" dirty="0" err="1"/>
-              <a:t>MeSH</a:t>
-            </a:r>
+              <a:t> </a:t>
+            </a:r>
+            <a:r>
+              <a:rPr lang="fr-FR" sz="2400" dirty="0" smtClean="0"/>
+              <a:t>du sujet,</a:t>
+            </a:r>
+          </a:p>
+          <a:p>
             <a:r>
               <a:rPr lang="fr-FR" sz="2400" dirty="0"/>
-              <a:t> et la façon de l’utiliser peuvent ainsi varier en fonction </a:t>
-            </a:r>
-          </a:p>
-          <a:p>
-            <a:r>
-              <a:rPr lang="fr-FR" sz="2400" dirty="0"/>
-              <a:t> du sujet,</a:t>
-            </a:r>
-          </a:p>
-          <a:p>
-            <a:r>
-              <a:rPr lang="fr-FR" sz="2400" dirty="0"/>
-              <a:t> du degré de </a:t>
-            </a:r>
-            <a:r>
-              <a:rPr lang="fr-FR" sz="2400" dirty="0">
+              <a:t> </a:t>
+            </a:r>
+            <a:r>
+              <a:rPr lang="fr-FR" sz="2400" dirty="0" smtClean="0"/>
+              <a:t>du degré de </a:t>
+            </a:r>
+            <a:r>
+              <a:rPr lang="fr-FR" sz="2400" dirty="0" smtClean="0">
                 <a:solidFill>
                   <a:srgbClr val="009DE0"/>
                 </a:solidFill>
@@ -5116,11 +5229,11 @@
               <a:t>précision</a:t>
             </a:r>
             <a:r>
-              <a:rPr lang="fr-FR" sz="2400" dirty="0"/>
+              <a:rPr lang="fr-FR" sz="2400" dirty="0" smtClean="0"/>
               <a:t> et de </a:t>
             </a:r>
             <a:r>
-              <a:rPr lang="fr-FR" sz="2400" dirty="0">
+              <a:rPr lang="fr-FR" sz="2400" dirty="0" smtClean="0">
                 <a:solidFill>
                   <a:srgbClr val="009DE0"/>
                 </a:solidFill>
@@ -5128,7 +5241,7 @@
               <a:t>sensibilité</a:t>
             </a:r>
             <a:r>
-              <a:rPr lang="fr-FR" sz="2400" dirty="0"/>
+              <a:rPr lang="fr-FR" sz="2400" dirty="0" smtClean="0"/>
               <a:t> souhaité.</a:t>
             </a:r>
           </a:p>
@@ -5150,8 +5263,8 @@
           <a:lstStyle/>
           <a:p>
             <a:r>
-              <a:rPr lang="fr-FR"/>
-              <a:t>F. Flamerie - Trucs et astuces de PubMed - 2022-05-24</a:t>
+              <a:rPr lang="fr-FR" smtClean="0"/>
+              <a:t>F. Flamerie - Trucs et astuces de PubMed - màj : 2022-12-07</a:t>
             </a:r>
             <a:endParaRPr lang="fr-FR" dirty="0"/>
           </a:p>
@@ -5206,20 +5319,8 @@
                 <a:tableStyleId>{9D7B26C5-4107-4FEC-AEDC-1716B250A1EF}</a:tableStyleId>
               </a:tblPr>
               <a:tblGrid>
-                <a:gridCol w="5319443">
-                  <a:extLst>
-                    <a:ext uri="{9D8B030D-6E8A-4147-A177-3AD203B41FA5}">
-                      <a16:colId xmlns="" xmlns:a16="http://schemas.microsoft.com/office/drawing/2014/main" val="20000"/>
-                    </a:ext>
-                  </a:extLst>
-                </a:gridCol>
-                <a:gridCol w="6128142">
-                  <a:extLst>
-                    <a:ext uri="{9D8B030D-6E8A-4147-A177-3AD203B41FA5}">
-                      <a16:colId xmlns="" xmlns:a16="http://schemas.microsoft.com/office/drawing/2014/main" val="20001"/>
-                    </a:ext>
-                  </a:extLst>
-                </a:gridCol>
+                <a:gridCol w="5319443"/>
+                <a:gridCol w="6128142"/>
               </a:tblGrid>
               <a:tr h="1852620">
                 <a:tc>
@@ -5354,11 +5455,6 @@
                   </a:txBody>
                   <a:tcPr anchor="ctr"/>
                 </a:tc>
-                <a:extLst>
-                  <a:ext uri="{0D108BD9-81ED-4DB2-BD59-A6C34878D82A}">
-                    <a16:rowId xmlns="" xmlns:a16="http://schemas.microsoft.com/office/drawing/2014/main" val="10000"/>
-                  </a:ext>
-                </a:extLst>
               </a:tr>
               <a:tr h="1524129">
                 <a:tc>
@@ -5466,11 +5562,6 @@
                   </a:txBody>
                   <a:tcPr anchor="ctr"/>
                 </a:tc>
-                <a:extLst>
-                  <a:ext uri="{0D108BD9-81ED-4DB2-BD59-A6C34878D82A}">
-                    <a16:rowId xmlns="" xmlns:a16="http://schemas.microsoft.com/office/drawing/2014/main" val="10001"/>
-                  </a:ext>
-                </a:extLst>
               </a:tr>
             </a:tbl>
           </a:graphicData>
@@ -5499,7 +5590,7 @@
           <a:lstStyle/>
           <a:p>
             <a:r>
-              <a:rPr lang="fr-FR" sz="1200" dirty="0">
+              <a:rPr lang="fr-FR" sz="1200" dirty="0" smtClean="0">
                 <a:latin typeface="Corbel" panose="020B0503020204020204" pitchFamily="34" charset="0"/>
               </a:rPr>
               <a:t>Source :</a:t>
@@ -5520,19 +5611,13 @@
               <a:rPr lang="en-US" sz="1200" dirty="0">
                 <a:latin typeface="Corbel" panose="020B0503020204020204" pitchFamily="34" charset="0"/>
               </a:rPr>
-              <a:t>, E. (2022, </a:t>
-            </a:r>
-            <a:r>
-              <a:rPr lang="en-US" sz="1200" dirty="0" err="1">
+              <a:t>, E. </a:t>
+            </a:r>
+            <a:r>
+              <a:rPr lang="en-US" sz="1200" dirty="0" smtClean="0">
                 <a:latin typeface="Corbel" panose="020B0503020204020204" pitchFamily="34" charset="0"/>
               </a:rPr>
-              <a:t>mai</a:t>
-            </a:r>
-            <a:r>
-              <a:rPr lang="en-US" sz="1200" dirty="0">
-                <a:latin typeface="Corbel" panose="020B0503020204020204" pitchFamily="34" charset="0"/>
-              </a:rPr>
-              <a:t>). </a:t>
+              <a:t>(2022). </a:t>
             </a:r>
             <a:r>
               <a:rPr lang="en-US" sz="1200" i="1" dirty="0">
@@ -5574,6 +5659,13 @@
   <p:clrMapOvr>
     <a:masterClrMapping/>
   </p:clrMapOvr>
+  <p:timing>
+    <p:tnLst>
+      <p:par>
+        <p:cTn id="1" dur="indefinite" restart="never" nodeType="tmRoot"/>
+      </p:par>
+    </p:tnLst>
+  </p:timing>
 </p:sld>
 </file>
 
@@ -5615,13 +5707,14 @@
           <a:lstStyle/>
           <a:p>
             <a:r>
-              <a:rPr lang="fr-FR" dirty="0" err="1"/>
+              <a:rPr lang="fr-FR" dirty="0" err="1" smtClean="0"/>
               <a:t>MeSH</a:t>
             </a:r>
             <a:r>
-              <a:rPr lang="fr-FR" dirty="0"/>
+              <a:rPr lang="fr-FR" dirty="0" smtClean="0"/>
               <a:t> : ressources complémentaires</a:t>
             </a:r>
+            <a:endParaRPr lang="fr-FR" dirty="0"/>
           </a:p>
         </p:txBody>
       </p:sp>
@@ -5651,42 +5744,42 @@
               <a:buNone/>
             </a:pPr>
             <a:r>
-              <a:rPr lang="fr-FR" sz="2400" dirty="0"/>
+              <a:rPr lang="fr-FR" sz="2400" dirty="0" smtClean="0"/>
               <a:t>Règles d’indexation </a:t>
             </a:r>
             <a:r>
-              <a:rPr lang="fr-FR" sz="2400" dirty="0" err="1"/>
+              <a:rPr lang="fr-FR" sz="2400" dirty="0" err="1" smtClean="0"/>
               <a:t>MeSH</a:t>
             </a:r>
             <a:r>
-              <a:rPr lang="fr-FR" sz="2400" dirty="0"/>
+              <a:rPr lang="fr-FR" sz="2400" dirty="0" smtClean="0"/>
               <a:t> sur le site de </a:t>
             </a:r>
             <a:r>
-              <a:rPr lang="fr-FR" sz="2400" dirty="0" err="1"/>
+              <a:rPr lang="fr-FR" sz="2400" dirty="0" err="1" smtClean="0"/>
               <a:t>PubMed</a:t>
             </a:r>
             <a:r>
-              <a:rPr lang="fr-FR" sz="2400" dirty="0"/>
+              <a:rPr lang="fr-FR" sz="2400" dirty="0" smtClean="0"/>
               <a:t> : </a:t>
             </a:r>
             <a:r>
-              <a:rPr lang="en-US" sz="2400" dirty="0">
+              <a:rPr lang="en-US" sz="2400" dirty="0" smtClean="0">
                 <a:hlinkClick r:id="rId2"/>
               </a:rPr>
               <a:t>MEDLINE Indexing Online Training Course</a:t>
             </a:r>
             <a:r>
-              <a:rPr lang="en-US" sz="2400" dirty="0"/>
+              <a:rPr lang="en-US" sz="2400" dirty="0" smtClean="0"/>
               <a:t> &gt; The Indexing Process &gt; </a:t>
             </a:r>
             <a:r>
-              <a:rPr lang="en-US" sz="2400" dirty="0">
+              <a:rPr lang="en-US" sz="2400" dirty="0" smtClean="0">
                 <a:hlinkClick r:id="rId3"/>
               </a:rPr>
               <a:t>A Good indexer</a:t>
             </a:r>
-            <a:endParaRPr lang="en-US" sz="2400" dirty="0"/>
+            <a:endParaRPr lang="en-US" sz="2400" dirty="0" smtClean="0"/>
           </a:p>
           <a:p>
             <a:pPr lvl="1">
@@ -5724,7 +5817,18 @@
                   </a:schemeClr>
                 </a:solidFill>
               </a:rPr>
-              <a:t>index only what the article says</a:t>
+              <a:t>index only what the article </a:t>
+            </a:r>
+            <a:r>
+              <a:rPr lang="en-US" sz="2000" i="1" dirty="0" smtClean="0">
+                <a:solidFill>
+                  <a:schemeClr val="tx1">
+                    <a:lumMod val="75000"/>
+                    <a:lumOff val="25000"/>
+                  </a:schemeClr>
+                </a:solidFill>
+              </a:rPr>
+              <a:t>says</a:t>
             </a:r>
             <a:endParaRPr lang="en-US" sz="2000" dirty="0">
               <a:solidFill>
@@ -5750,10 +5854,10 @@
                   </a:schemeClr>
                 </a:solidFill>
               </a:rPr>
-              <a:t>Does not read the article word for word</a:t>
-            </a:r>
-            <a:br>
-              <a:rPr lang="en-US" sz="2000" dirty="0">
+              <a:t>Does not read the article word for </a:t>
+            </a:r>
+            <a:r>
+              <a:rPr lang="en-US" sz="2000" dirty="0" smtClean="0">
                 <a:solidFill>
                   <a:schemeClr val="tx1">
                     <a:lumMod val="75000"/>
@@ -5761,9 +5865,10 @@
                   </a:schemeClr>
                 </a:solidFill>
               </a:rPr>
-            </a:br>
-            <a:r>
-              <a:rPr lang="en-US" sz="2000" i="1" dirty="0">
+              <a:t>word</a:t>
+            </a:r>
+            <a:r>
+              <a:rPr lang="en-US" sz="2000" dirty="0">
                 <a:solidFill>
                   <a:schemeClr val="tx1">
                     <a:lumMod val="75000"/>
@@ -5771,7 +5876,39 @@
                   </a:schemeClr>
                 </a:solidFill>
               </a:rPr>
-              <a:t>This takes time and does not always provide better indexing</a:t>
+              <a:t/>
+            </a:r>
+            <a:br>
+              <a:rPr lang="en-US" sz="2000" dirty="0">
+                <a:solidFill>
+                  <a:schemeClr val="tx1">
+                    <a:lumMod val="75000"/>
+                    <a:lumOff val="25000"/>
+                  </a:schemeClr>
+                </a:solidFill>
+              </a:rPr>
+            </a:br>
+            <a:r>
+              <a:rPr lang="en-US" sz="2000" i="1" dirty="0">
+                <a:solidFill>
+                  <a:schemeClr val="tx1">
+                    <a:lumMod val="75000"/>
+                    <a:lumOff val="25000"/>
+                  </a:schemeClr>
+                </a:solidFill>
+              </a:rPr>
+              <a:t>This takes time and does not always provide better </a:t>
+            </a:r>
+            <a:r>
+              <a:rPr lang="en-US" sz="2000" i="1" dirty="0" smtClean="0">
+                <a:solidFill>
+                  <a:schemeClr val="tx1">
+                    <a:lumMod val="75000"/>
+                    <a:lumOff val="25000"/>
+                  </a:schemeClr>
+                </a:solidFill>
+              </a:rPr>
+              <a:t>indexing</a:t>
             </a:r>
             <a:endParaRPr lang="en-US" sz="2000" dirty="0">
               <a:solidFill>
@@ -5818,7 +5955,18 @@
                   </a:schemeClr>
                 </a:solidFill>
               </a:rPr>
-              <a:t>Do not attempt to correct bad science or point out mistakes</a:t>
+              <a:t>Do not attempt to correct bad science or point out </a:t>
+            </a:r>
+            <a:r>
+              <a:rPr lang="en-US" sz="2000" i="1" dirty="0" smtClean="0">
+                <a:solidFill>
+                  <a:schemeClr val="tx1">
+                    <a:lumMod val="75000"/>
+                    <a:lumOff val="25000"/>
+                  </a:schemeClr>
+                </a:solidFill>
+              </a:rPr>
+              <a:t>mistakes</a:t>
             </a:r>
             <a:endParaRPr lang="en-US" sz="2000" dirty="0">
               <a:solidFill>
@@ -5909,7 +6057,18 @@
                   </a:schemeClr>
                 </a:solidFill>
               </a:rPr>
-              <a:t>, be aware of the terms available before you request a new term or use a general term</a:t>
+              <a:t>, be aware of the terms available before you request a new term or use a general </a:t>
+            </a:r>
+            <a:r>
+              <a:rPr lang="en-US" sz="2000" i="1" dirty="0" smtClean="0">
+                <a:solidFill>
+                  <a:schemeClr val="tx1">
+                    <a:lumMod val="75000"/>
+                    <a:lumOff val="25000"/>
+                  </a:schemeClr>
+                </a:solidFill>
+              </a:rPr>
+              <a:t>term</a:t>
             </a:r>
             <a:endParaRPr lang="en-US" sz="2000" dirty="0">
               <a:solidFill>
@@ -5935,10 +6094,10 @@
                   </a:schemeClr>
                 </a:solidFill>
               </a:rPr>
-              <a:t>Always indexes using the most specific term</a:t>
-            </a:r>
-            <a:br>
-              <a:rPr lang="en-US" sz="2000" dirty="0">
+              <a:t>Always indexes using the most specific </a:t>
+            </a:r>
+            <a:r>
+              <a:rPr lang="en-US" sz="2000" dirty="0" smtClean="0">
                 <a:solidFill>
                   <a:schemeClr val="tx1">
                     <a:lumMod val="75000"/>
@@ -5946,9 +6105,10 @@
                   </a:schemeClr>
                 </a:solidFill>
               </a:rPr>
-            </a:br>
-            <a:r>
-              <a:rPr lang="en-US" sz="2000" i="1" dirty="0">
+              <a:t>term</a:t>
+            </a:r>
+            <a:r>
+              <a:rPr lang="en-US" sz="2000" dirty="0">
                 <a:solidFill>
                   <a:schemeClr val="tx1">
                     <a:lumMod val="75000"/>
@@ -5956,10 +6116,10 @@
                   </a:schemeClr>
                 </a:solidFill>
               </a:rPr>
-              <a:t>Examine the </a:t>
-            </a:r>
-            <a:r>
-              <a:rPr lang="en-US" sz="2000" i="1" dirty="0" err="1">
+              <a:t/>
+            </a:r>
+            <a:br>
+              <a:rPr lang="en-US" sz="2000" dirty="0">
                 <a:solidFill>
                   <a:schemeClr val="tx1">
                     <a:lumMod val="75000"/>
@@ -5967,8 +6127,7 @@
                   </a:schemeClr>
                 </a:solidFill>
               </a:rPr>
-              <a:t>MeSH</a:t>
-            </a:r>
+            </a:br>
             <a:r>
               <a:rPr lang="en-US" sz="2000" i="1" dirty="0">
                 <a:solidFill>
@@ -5978,9 +6137,31 @@
                   </a:schemeClr>
                 </a:solidFill>
               </a:rPr>
+              <a:t>Examine the </a:t>
+            </a:r>
+            <a:r>
+              <a:rPr lang="en-US" sz="2000" i="1" dirty="0" err="1">
+                <a:solidFill>
+                  <a:schemeClr val="tx1">
+                    <a:lumMod val="75000"/>
+                    <a:lumOff val="25000"/>
+                  </a:schemeClr>
+                </a:solidFill>
+              </a:rPr>
+              <a:t>MeSH</a:t>
+            </a:r>
+            <a:r>
+              <a:rPr lang="en-US" sz="2000" i="1" dirty="0">
+                <a:solidFill>
+                  <a:schemeClr val="tx1">
+                    <a:lumMod val="75000"/>
+                    <a:lumOff val="25000"/>
+                  </a:schemeClr>
+                </a:solidFill>
+              </a:rPr>
               <a:t> tree structure to ensure that you are using the most specific term possible </a:t>
             </a:r>
-            <a:endParaRPr lang="en-US" sz="2000" dirty="0">
+            <a:endParaRPr lang="en-US" sz="2000" dirty="0" smtClean="0">
               <a:solidFill>
                 <a:schemeClr val="tx1">
                   <a:lumMod val="75000"/>
@@ -6007,8 +6188,8 @@
           <a:lstStyle/>
           <a:p>
             <a:r>
-              <a:rPr lang="fr-FR"/>
-              <a:t>F. Flamerie - Trucs et astuces de PubMed - 2022-05-24</a:t>
+              <a:rPr lang="fr-FR" smtClean="0"/>
+              <a:t>F. Flamerie - Trucs et astuces de PubMed - màj : 2022-12-07</a:t>
             </a:r>
             <a:endParaRPr lang="fr-FR" dirty="0"/>
           </a:p>
@@ -6048,6 +6229,13 @@
   <p:clrMapOvr>
     <a:masterClrMapping/>
   </p:clrMapOvr>
+  <p:timing>
+    <p:tnLst>
+      <p:par>
+        <p:cTn id="1" dur="indefinite" restart="never" nodeType="tmRoot"/>
+      </p:par>
+    </p:tnLst>
+  </p:timing>
 </p:sld>
 </file>
 
@@ -6089,13 +6277,14 @@
           <a:lstStyle/>
           <a:p>
             <a:r>
-              <a:rPr lang="fr-FR" dirty="0" err="1"/>
+              <a:rPr lang="fr-FR" dirty="0" err="1" smtClean="0"/>
               <a:t>MeSH</a:t>
             </a:r>
             <a:r>
-              <a:rPr lang="fr-FR" dirty="0"/>
+              <a:rPr lang="fr-FR" dirty="0" smtClean="0"/>
               <a:t> : ressources complémentaires</a:t>
             </a:r>
+            <a:endParaRPr lang="fr-FR" dirty="0"/>
           </a:p>
         </p:txBody>
       </p:sp>
@@ -6128,16 +6317,8 @@
               <a:buNone/>
             </a:pPr>
             <a:r>
-              <a:rPr lang="en-US" sz="2400" dirty="0"/>
-              <a:t>Impact de la </a:t>
-            </a:r>
-            <a:r>
-              <a:rPr lang="en-US" sz="2400" dirty="0" err="1"/>
-              <a:t>pondération</a:t>
-            </a:r>
-            <a:r>
-              <a:rPr lang="en-US" sz="2400" dirty="0"/>
-              <a:t> “Major topic” </a:t>
+              <a:rPr lang="en-US" sz="2400" dirty="0" smtClean="0"/>
+              <a:t>Impact de la ponderation “Major topic” </a:t>
             </a:r>
           </a:p>
           <a:p>
@@ -6148,23 +6329,23 @@
               <a:buNone/>
             </a:pPr>
             <a:r>
-              <a:rPr lang="en-US" sz="2400" dirty="0"/>
+              <a:rPr lang="en-US" sz="2400" dirty="0" smtClean="0"/>
               <a:t>/!\ </a:t>
             </a:r>
             <a:r>
-              <a:rPr lang="en-US" sz="2400" dirty="0" err="1"/>
+              <a:rPr lang="en-US" sz="2400" dirty="0" err="1" smtClean="0"/>
               <a:t>Cet</a:t>
             </a:r>
             <a:r>
-              <a:rPr lang="en-US" sz="2400" dirty="0"/>
+              <a:rPr lang="en-US" sz="2400" dirty="0" smtClean="0"/>
               <a:t> article </a:t>
             </a:r>
             <a:r>
-              <a:rPr lang="en-US" sz="2400" dirty="0" err="1"/>
+              <a:rPr lang="en-US" sz="2400" dirty="0" err="1" smtClean="0"/>
               <a:t>considère</a:t>
             </a:r>
             <a:r>
-              <a:rPr lang="en-US" sz="2400" dirty="0"/>
+              <a:rPr lang="en-US" sz="2400" dirty="0" smtClean="0"/>
               <a:t> MEDLINE et non PubMed </a:t>
             </a:r>
           </a:p>
@@ -6176,7 +6357,7 @@
               <a:buNone/>
             </a:pPr>
             <a:r>
-              <a:rPr lang="en-US" sz="2000" dirty="0" err="1"/>
+              <a:rPr lang="en-US" sz="2000" dirty="0" err="1" smtClean="0"/>
               <a:t>Bramer</a:t>
             </a:r>
             <a:r>
@@ -6239,7 +6420,7 @@
               <a:buNone/>
             </a:pPr>
             <a:r>
-              <a:rPr lang="en-US" sz="2000" dirty="0">
+              <a:rPr lang="en-US" sz="2000" dirty="0" smtClean="0">
                 <a:solidFill>
                   <a:schemeClr val="tx1">
                     <a:lumMod val="75000"/>
@@ -6247,7 +6428,18 @@
                   </a:schemeClr>
                 </a:solidFill>
               </a:rPr>
-              <a:t>	RESULTS: For 73 SRs, we limited </a:t>
+              <a:t>	RESULTS</a:t>
+            </a:r>
+            <a:r>
+              <a:rPr lang="en-US" sz="2000" dirty="0">
+                <a:solidFill>
+                  <a:schemeClr val="tx1">
+                    <a:lumMod val="75000"/>
+                    <a:lumOff val="25000"/>
+                  </a:schemeClr>
+                </a:solidFill>
+              </a:rPr>
+              <a:t>: For 73 SRs, we limited </a:t>
             </a:r>
             <a:r>
               <a:rPr lang="en-US" sz="2000" dirty="0" err="1">
@@ -6364,8 +6556,8 @@
           <a:lstStyle/>
           <a:p>
             <a:r>
-              <a:rPr lang="fr-FR"/>
-              <a:t>F. Flamerie - Trucs et astuces de PubMed - 2022-05-24</a:t>
+              <a:rPr lang="fr-FR" smtClean="0"/>
+              <a:t>F. Flamerie - Trucs et astuces de PubMed - màj : 2022-12-07</a:t>
             </a:r>
             <a:endParaRPr lang="fr-FR" dirty="0"/>
           </a:p>
@@ -6405,6 +6597,13 @@
   <p:clrMapOvr>
     <a:masterClrMapping/>
   </p:clrMapOvr>
+  <p:timing>
+    <p:tnLst>
+      <p:par>
+        <p:cTn id="1" dur="indefinite" restart="never" nodeType="tmRoot"/>
+      </p:par>
+    </p:tnLst>
+  </p:timing>
 </p:sld>
 </file>
 
@@ -6446,9 +6645,10 @@
           <a:lstStyle/>
           <a:p>
             <a:r>
-              <a:rPr lang="fr-FR" dirty="0"/>
+              <a:rPr lang="fr-FR" dirty="0" smtClean="0"/>
               <a:t>Fonctionnalités</a:t>
             </a:r>
+            <a:endParaRPr lang="fr-FR" dirty="0"/>
           </a:p>
         </p:txBody>
       </p:sp>
@@ -6464,8 +6664,8 @@
         </p:nvSpPr>
         <p:spPr>
           <a:xfrm>
-            <a:off x="838200" y="1217268"/>
-            <a:ext cx="10515600" cy="5398135"/>
+            <a:off x="838200" y="999248"/>
+            <a:ext cx="10515600" cy="5683418"/>
           </a:xfrm>
         </p:spPr>
         <p:txBody>
@@ -6480,15 +6680,15 @@
               </a:lnSpc>
             </a:pPr>
             <a:r>
-              <a:rPr lang="fr-FR" dirty="0"/>
+              <a:rPr lang="fr-FR" dirty="0" smtClean="0"/>
               <a:t> Récapitulatifs des modifications/nouveautés dans la navigation, l’affichage, les exports, induites par le nouveau </a:t>
             </a:r>
             <a:r>
-              <a:rPr lang="fr-FR" dirty="0" err="1"/>
+              <a:rPr lang="fr-FR" dirty="0" err="1" smtClean="0"/>
               <a:t>PubMed</a:t>
             </a:r>
             <a:r>
-              <a:rPr lang="fr-FR" dirty="0"/>
+              <a:rPr lang="fr-FR" dirty="0" smtClean="0"/>
               <a:t> </a:t>
             </a:r>
           </a:p>
@@ -6499,7 +6699,7 @@
               </a:lnSpc>
             </a:pPr>
             <a:r>
-              <a:rPr lang="fr-FR" dirty="0" err="1"/>
+              <a:rPr lang="fr-FR" dirty="0" err="1" smtClean="0"/>
               <a:t>Elmers</a:t>
             </a:r>
             <a:r>
@@ -6534,9 +6734,15 @@
               <a:rPr lang="fr-FR" dirty="0">
                 <a:hlinkClick r:id="rId2"/>
               </a:rPr>
-              <a:t>https://www.bium.ch/newpubmed/</a:t>
-            </a:r>
-            <a:endParaRPr lang="fr-FR" dirty="0"/>
+              <a:t>https://www.bium.ch/newpubmed</a:t>
+            </a:r>
+            <a:r>
+              <a:rPr lang="fr-FR" dirty="0" smtClean="0">
+                <a:hlinkClick r:id="rId2"/>
+              </a:rPr>
+              <a:t>/</a:t>
+            </a:r>
+            <a:endParaRPr lang="fr-FR" dirty="0" smtClean="0"/>
           </a:p>
           <a:p>
             <a:pPr lvl="1">
@@ -6554,7 +6760,15 @@
             </a:r>
             <a:r>
               <a:rPr lang="fr-FR" dirty="0"/>
-              <a:t> : Ce qu’il faut savoir. (2020, septembre 28). </a:t>
+              <a:t> : Ce qu’il faut </a:t>
+            </a:r>
+            <a:r>
+              <a:rPr lang="fr-FR" dirty="0" smtClean="0"/>
+              <a:t>savoir. </a:t>
+            </a:r>
+            <a:r>
+              <a:rPr lang="fr-FR" dirty="0"/>
+              <a:t>(2020, septembre 28). </a:t>
             </a:r>
             <a:r>
               <a:rPr lang="fr-FR" i="1" dirty="0"/>
@@ -6568,9 +6782,15 @@
               <a:rPr lang="fr-FR" dirty="0">
                 <a:hlinkClick r:id="rId3"/>
               </a:rPr>
-              <a:t>https://www.biusante.parisdescartes.fr/blog/index.php/nouveau-pubmed-ce-quil-faut-savoir/</a:t>
-            </a:r>
-            <a:endParaRPr lang="fr-FR" dirty="0"/>
+              <a:t>https://www.biusante.parisdescartes.fr/blog/index.php/nouveau-pubmed-ce-quil-faut-savoir</a:t>
+            </a:r>
+            <a:r>
+              <a:rPr lang="fr-FR" dirty="0" smtClean="0">
+                <a:hlinkClick r:id="rId3"/>
+              </a:rPr>
+              <a:t>/</a:t>
+            </a:r>
+            <a:endParaRPr lang="fr-FR" dirty="0" smtClean="0"/>
           </a:p>
           <a:p>
             <a:pPr>
@@ -6580,13 +6800,17 @@
             </a:pPr>
             <a:r>
               <a:rPr lang="fr-FR" dirty="0"/>
-              <a:t> Dans la section suivante nous détaillerons les fonctionnalités liées à la recherche impactées par le nouveau </a:t>
-            </a:r>
-            <a:r>
-              <a:rPr lang="fr-FR" dirty="0" err="1"/>
+              <a:t> </a:t>
+            </a:r>
+            <a:r>
+              <a:rPr lang="fr-FR" dirty="0" smtClean="0"/>
+              <a:t>Dans la section suivante nous détaillerons les fonctionnalités liées à la recherche impactées par le nouveau </a:t>
+            </a:r>
+            <a:r>
+              <a:rPr lang="fr-FR" dirty="0" err="1" smtClean="0"/>
               <a:t>PubMed</a:t>
             </a:r>
-            <a:endParaRPr lang="fr-FR" dirty="0"/>
+            <a:endParaRPr lang="fr-FR" dirty="0" smtClean="0"/>
           </a:p>
           <a:p>
             <a:pPr lvl="1">
@@ -6595,30 +6819,30 @@
               </a:lnSpc>
             </a:pPr>
             <a:r>
-              <a:rPr lang="fr-FR" dirty="0"/>
+              <a:rPr lang="fr-FR" dirty="0" smtClean="0"/>
               <a:t>L’algorithme </a:t>
             </a:r>
             <a:r>
-              <a:rPr lang="fr-FR" i="1" dirty="0" err="1"/>
+              <a:rPr lang="fr-FR" i="1" dirty="0" err="1" smtClean="0"/>
               <a:t>Automatic</a:t>
             </a:r>
             <a:r>
-              <a:rPr lang="fr-FR" i="1" dirty="0"/>
+              <a:rPr lang="fr-FR" i="1" dirty="0" smtClean="0"/>
               <a:t> </a:t>
             </a:r>
             <a:r>
-              <a:rPr lang="fr-FR" i="1" dirty="0" err="1"/>
+              <a:rPr lang="fr-FR" i="1" dirty="0" err="1" smtClean="0"/>
               <a:t>Term</a:t>
             </a:r>
             <a:r>
-              <a:rPr lang="fr-FR" i="1" dirty="0"/>
+              <a:rPr lang="fr-FR" i="1" dirty="0" smtClean="0"/>
               <a:t> </a:t>
             </a:r>
             <a:r>
-              <a:rPr lang="fr-FR" i="1" dirty="0" err="1"/>
+              <a:rPr lang="fr-FR" i="1" dirty="0" err="1" smtClean="0"/>
               <a:t>Mapping</a:t>
             </a:r>
-            <a:endParaRPr lang="fr-FR" i="1" dirty="0"/>
+            <a:endParaRPr lang="fr-FR" i="1" dirty="0" smtClean="0"/>
           </a:p>
           <a:p>
             <a:pPr lvl="1">
@@ -6627,11 +6851,11 @@
               </a:lnSpc>
             </a:pPr>
             <a:r>
-              <a:rPr lang="fr-FR" dirty="0"/>
+              <a:rPr lang="fr-FR" dirty="0" smtClean="0"/>
               <a:t>L’algorithme </a:t>
             </a:r>
             <a:r>
-              <a:rPr lang="fr-FR" i="1" dirty="0"/>
+              <a:rPr lang="fr-FR" i="1" dirty="0" smtClean="0"/>
               <a:t>Best match</a:t>
             </a:r>
           </a:p>
@@ -6642,9 +6866,25 @@
               </a:lnSpc>
             </a:pPr>
             <a:r>
-              <a:rPr lang="fr-FR" dirty="0"/>
-              <a:t>La troncature</a:t>
-            </a:r>
+              <a:rPr lang="fr-FR" dirty="0" smtClean="0"/>
+              <a:t>La </a:t>
+            </a:r>
+            <a:r>
+              <a:rPr lang="fr-FR" dirty="0" smtClean="0"/>
+              <a:t>troncature</a:t>
+            </a:r>
+          </a:p>
+          <a:p>
+            <a:pPr lvl="1">
+              <a:lnSpc>
+                <a:spcPct val="110000"/>
+              </a:lnSpc>
+            </a:pPr>
+            <a:r>
+              <a:rPr lang="fr-FR" dirty="0" smtClean="0"/>
+              <a:t>La recherche par proximité (nouveauté 2022)</a:t>
+            </a:r>
+            <a:endParaRPr lang="fr-FR" dirty="0"/>
           </a:p>
           <a:p>
             <a:pPr>
@@ -6672,8 +6912,8 @@
           <a:lstStyle/>
           <a:p>
             <a:r>
-              <a:rPr lang="fr-FR"/>
-              <a:t>F. Flamerie - Trucs et astuces de PubMed - 2022-05-24</a:t>
+              <a:rPr lang="fr-FR" smtClean="0"/>
+              <a:t>F. Flamerie - Trucs et astuces de PubMed - màj : 2022-12-07</a:t>
             </a:r>
             <a:endParaRPr lang="fr-FR" dirty="0"/>
           </a:p>
@@ -6713,6 +6953,13 @@
   <p:clrMapOvr>
     <a:masterClrMapping/>
   </p:clrMapOvr>
+  <p:timing>
+    <p:tnLst>
+      <p:par>
+        <p:cTn id="1" dur="indefinite" restart="never" nodeType="tmRoot"/>
+      </p:par>
+    </p:tnLst>
+  </p:timing>
 </p:sld>
 </file>
 
@@ -6751,11 +6998,11 @@
           <a:lstStyle/>
           <a:p>
             <a:r>
-              <a:rPr lang="fr-FR" dirty="0"/>
+              <a:rPr lang="fr-FR" dirty="0" smtClean="0"/>
               <a:t>Chercher dans </a:t>
             </a:r>
             <a:r>
-              <a:rPr lang="fr-FR" dirty="0" err="1"/>
+              <a:rPr lang="fr-FR" dirty="0" err="1" smtClean="0"/>
               <a:t>PubMed</a:t>
             </a:r>
             <a:endParaRPr lang="fr-FR" dirty="0"/>
@@ -6780,40 +7027,41 @@
           <a:lstStyle/>
           <a:p>
             <a:r>
-              <a:rPr lang="fr-FR" dirty="0"/>
+              <a:rPr lang="fr-FR" dirty="0" smtClean="0"/>
               <a:t>3 modes de recherche, de l’automatique au manuel</a:t>
             </a:r>
           </a:p>
           <a:p>
             <a:r>
-              <a:rPr lang="fr-FR" dirty="0"/>
+              <a:rPr lang="fr-FR" dirty="0" smtClean="0"/>
               <a:t>Mode tout automatique : la recherche simple</a:t>
             </a:r>
           </a:p>
           <a:p>
             <a:r>
-              <a:rPr lang="fr-FR" dirty="0"/>
+              <a:rPr lang="fr-FR" dirty="0" smtClean="0"/>
               <a:t>Mode guidé : le </a:t>
             </a:r>
             <a:r>
-              <a:rPr lang="fr-FR" i="1" dirty="0" err="1"/>
+              <a:rPr lang="fr-FR" i="1" dirty="0" err="1" smtClean="0"/>
               <a:t>Search</a:t>
             </a:r>
             <a:r>
-              <a:rPr lang="fr-FR" i="1" dirty="0"/>
+              <a:rPr lang="fr-FR" i="1" dirty="0" smtClean="0"/>
               <a:t> </a:t>
             </a:r>
             <a:r>
-              <a:rPr lang="fr-FR" i="1" dirty="0" err="1"/>
+              <a:rPr lang="fr-FR" i="1" dirty="0" err="1" smtClean="0"/>
               <a:t>builder</a:t>
             </a:r>
-            <a:endParaRPr lang="fr-FR" i="1" dirty="0"/>
-          </a:p>
-          <a:p>
-            <a:r>
-              <a:rPr lang="fr-FR" dirty="0"/>
+            <a:endParaRPr lang="fr-FR" i="1" dirty="0" smtClean="0"/>
+          </a:p>
+          <a:p>
+            <a:r>
+              <a:rPr lang="fr-FR" dirty="0" smtClean="0"/>
               <a:t>Mode manuel</a:t>
             </a:r>
+            <a:endParaRPr lang="fr-FR" dirty="0"/>
           </a:p>
         </p:txBody>
       </p:sp>
@@ -6833,8 +7081,8 @@
           <a:lstStyle/>
           <a:p>
             <a:r>
-              <a:rPr lang="fr-FR"/>
-              <a:t>F. Flamerie - Trucs et astuces de PubMed - 2022-05-24</a:t>
+              <a:rPr lang="fr-FR" smtClean="0"/>
+              <a:t>F. Flamerie - Trucs et astuces de PubMed - màj : 2022-12-07</a:t>
             </a:r>
             <a:endParaRPr lang="fr-FR" dirty="0"/>
           </a:p>
@@ -7367,6 +7615,13 @@
   <p:clrMapOvr>
     <a:masterClrMapping/>
   </p:clrMapOvr>
+  <p:timing>
+    <p:tnLst>
+      <p:par>
+        <p:cTn id="1" dur="indefinite" restart="never" nodeType="tmRoot"/>
+      </p:par>
+    </p:tnLst>
+  </p:timing>
 </p:sld>
 </file>
 
@@ -7408,13 +7663,14 @@
           <a:lstStyle/>
           <a:p>
             <a:r>
-              <a:rPr lang="fr-FR" dirty="0" err="1"/>
+              <a:rPr lang="fr-FR" dirty="0" err="1" smtClean="0"/>
               <a:t>PubMed</a:t>
             </a:r>
             <a:r>
-              <a:rPr lang="fr-FR" dirty="0"/>
+              <a:rPr lang="fr-FR" dirty="0" smtClean="0"/>
               <a:t> : rappel des URL d’accès</a:t>
             </a:r>
+            <a:endParaRPr lang="fr-FR" dirty="0"/>
           </a:p>
         </p:txBody>
       </p:sp>
@@ -7450,28 +7706,38 @@
               <a:t> </a:t>
             </a:r>
             <a:r>
-              <a:rPr lang="fr-FR" sz="2400" dirty="0" err="1"/>
+              <a:rPr lang="fr-FR" sz="2400" dirty="0" err="1" smtClean="0"/>
               <a:t>PubMed</a:t>
             </a:r>
             <a:r>
+              <a:rPr lang="fr-FR" sz="2400" dirty="0" smtClean="0"/>
+              <a:t> </a:t>
+            </a:r>
+            <a:r>
+              <a:rPr lang="fr-FR" sz="2400" dirty="0" err="1" smtClean="0"/>
+              <a:t>Univ</a:t>
+            </a:r>
+            <a:r>
+              <a:rPr lang="fr-FR" sz="2400" dirty="0" smtClean="0"/>
+              <a:t>. </a:t>
+            </a:r>
+            <a:r>
               <a:rPr lang="fr-FR" sz="2400" dirty="0"/>
-              <a:t> </a:t>
-            </a:r>
-            <a:r>
-              <a:rPr lang="fr-FR" sz="2400" dirty="0" err="1"/>
-              <a:t>Univ</a:t>
-            </a:r>
-            <a:r>
-              <a:rPr lang="fr-FR" sz="2400" dirty="0"/>
-              <a:t>. Bordeaux : </a:t>
+              <a:t>Bordeaux : </a:t>
             </a:r>
             <a:r>
               <a:rPr lang="fr-FR" sz="2400" dirty="0">
                 <a:hlinkClick r:id="rId2"/>
               </a:rPr>
-              <a:t>https://www.ncbi.nlm.nih.gov/pubmed/?otool=ifruvsblib</a:t>
-            </a:r>
-            <a:endParaRPr lang="fr-FR" sz="2400" dirty="0"/>
+              <a:t>https://www.ncbi.nlm.nih.gov/pubmed/?</a:t>
+            </a:r>
+            <a:r>
+              <a:rPr lang="fr-FR" sz="2400" dirty="0" smtClean="0">
+                <a:hlinkClick r:id="rId2"/>
+              </a:rPr>
+              <a:t>otool=ifruvsblib</a:t>
+            </a:r>
+            <a:endParaRPr lang="fr-FR" sz="2400" dirty="0" smtClean="0"/>
           </a:p>
           <a:p>
             <a:pPr>
@@ -7480,20 +7746,36 @@
               </a:lnSpc>
             </a:pPr>
             <a:r>
-              <a:rPr lang="fr-FR" sz="2400" dirty="0" err="1"/>
+              <a:rPr lang="fr-FR" sz="2400" dirty="0" err="1" smtClean="0"/>
               <a:t>PubMed</a:t>
             </a:r>
             <a:r>
+              <a:rPr lang="fr-FR" sz="2400" dirty="0" smtClean="0"/>
+              <a:t> Inserm </a:t>
+            </a:r>
+            <a:r>
               <a:rPr lang="fr-FR" sz="2400" dirty="0"/>
-              <a:t> Inserm : </a:t>
+              <a:t>: </a:t>
+            </a:r>
+            <a:r>
+              <a:rPr lang="fr-FR" sz="2400" dirty="0" smtClean="0">
+                <a:hlinkClick r:id="rId3"/>
+              </a:rPr>
+              <a:t>https</a:t>
             </a:r>
             <a:r>
               <a:rPr lang="fr-FR" sz="2400" dirty="0">
                 <a:hlinkClick r:id="rId3"/>
               </a:rPr>
-              <a:t>https://pubmed.ncbi.nlm.nih.gov/?otool=ifrinsblib</a:t>
-            </a:r>
-            <a:endParaRPr lang="fr-FR" sz="2400" dirty="0"/>
+              <a:t>://pubmed.ncbi.nlm.nih.gov/?</a:t>
+            </a:r>
+            <a:r>
+              <a:rPr lang="fr-FR" sz="2400" dirty="0" smtClean="0">
+                <a:hlinkClick r:id="rId3"/>
+              </a:rPr>
+              <a:t>otool=ifrinsblib</a:t>
+            </a:r>
+            <a:endParaRPr lang="fr-FR" sz="2400" dirty="0" smtClean="0"/>
           </a:p>
           <a:p>
             <a:pPr>
@@ -7503,16 +7785,21 @@
             </a:pPr>
             <a:r>
               <a:rPr lang="fr-FR" sz="2400" dirty="0"/>
-              <a:t> Affiche les liens contextuels d’accès de l’établissement choisi - ex : </a:t>
-            </a:r>
-            <a:r>
-              <a:rPr lang="fr-FR" sz="2400" dirty="0" err="1"/>
+              <a:t> </a:t>
+            </a:r>
+            <a:r>
+              <a:rPr lang="fr-FR" sz="2400" dirty="0" smtClean="0"/>
+              <a:t>Affiche les liens contextuels d’accès de l’établissement choisi - ex : </a:t>
+            </a:r>
+            <a:r>
+              <a:rPr lang="fr-FR" sz="2400" dirty="0" err="1" smtClean="0"/>
               <a:t>univ</a:t>
             </a:r>
             <a:r>
-              <a:rPr lang="fr-FR" sz="2400" dirty="0"/>
+              <a:rPr lang="fr-FR" sz="2400" dirty="0" smtClean="0"/>
               <a:t> Bordeaux</a:t>
             </a:r>
+            <a:endParaRPr lang="fr-FR" sz="2400" dirty="0"/>
           </a:p>
         </p:txBody>
       </p:sp>
@@ -7532,9 +7819,10 @@
           <a:lstStyle/>
           <a:p>
             <a:r>
-              <a:rPr lang="fr-FR"/>
-              <a:t>F. Flamerie - Trucs et astuces de PubMed - 2022-05-24</a:t>
-            </a:r>
+              <a:rPr lang="fr-FR" smtClean="0"/>
+              <a:t>F. Flamerie - Trucs et astuces de PubMed - màj : 2022-12-07</a:t>
+            </a:r>
+            <a:endParaRPr lang="fr-FR"/>
           </a:p>
         </p:txBody>
       </p:sp>
@@ -7649,6 +7937,13 @@
   <p:clrMapOvr>
     <a:masterClrMapping/>
   </p:clrMapOvr>
+  <p:timing>
+    <p:tnLst>
+      <p:par>
+        <p:cTn id="1" dur="indefinite" restart="never" nodeType="tmRoot"/>
+      </p:par>
+    </p:tnLst>
+  </p:timing>
 </p:sld>
 </file>
 
@@ -7690,13 +7985,14 @@
           <a:lstStyle/>
           <a:p>
             <a:r>
-              <a:rPr lang="fr-FR" dirty="0" err="1"/>
+              <a:rPr lang="fr-FR" dirty="0" err="1" smtClean="0"/>
               <a:t>PubMed</a:t>
             </a:r>
             <a:r>
-              <a:rPr lang="fr-FR" dirty="0"/>
+              <a:rPr lang="fr-FR" dirty="0" smtClean="0"/>
               <a:t> : 3 modes de recherche</a:t>
             </a:r>
+            <a:endParaRPr lang="fr-FR" dirty="0"/>
           </a:p>
         </p:txBody>
       </p:sp>
@@ -7728,20 +8024,24 @@
               </a:lnSpc>
             </a:pPr>
             <a:r>
+              <a:rPr lang="fr-FR" dirty="0" smtClean="0"/>
+              <a:t>Mode </a:t>
+            </a:r>
+            <a:r>
+              <a:rPr lang="fr-FR" dirty="0">
+                <a:solidFill>
+                  <a:srgbClr val="009DE0"/>
+                </a:solidFill>
+              </a:rPr>
+              <a:t>tout automatique </a:t>
+            </a:r>
+            <a:r>
               <a:rPr lang="fr-FR" dirty="0"/>
-              <a:t>Mode </a:t>
-            </a:r>
-            <a:r>
-              <a:rPr lang="fr-FR" dirty="0">
-                <a:solidFill>
-                  <a:srgbClr val="009DE0"/>
-                </a:solidFill>
-              </a:rPr>
-              <a:t>tout automatique </a:t>
-            </a:r>
-            <a:r>
-              <a:rPr lang="fr-FR" dirty="0"/>
-              <a:t>: la recherche simple</a:t>
+              <a:t>: la recherche </a:t>
+            </a:r>
+            <a:r>
+              <a:rPr lang="fr-FR" dirty="0" smtClean="0"/>
+              <a:t>simple</a:t>
             </a:r>
           </a:p>
           <a:p>
@@ -7751,35 +8051,35 @@
               </a:lnSpc>
             </a:pPr>
             <a:r>
-              <a:rPr lang="fr-FR" dirty="0"/>
+              <a:rPr lang="fr-FR" dirty="0" smtClean="0"/>
               <a:t>C’est l’algorithme </a:t>
             </a:r>
             <a:r>
-              <a:rPr lang="fr-FR" i="1" dirty="0" err="1"/>
+              <a:rPr lang="fr-FR" i="1" dirty="0" err="1" smtClean="0"/>
               <a:t>Automatic</a:t>
             </a:r>
             <a:r>
-              <a:rPr lang="fr-FR" i="1" dirty="0"/>
+              <a:rPr lang="fr-FR" i="1" dirty="0" smtClean="0"/>
               <a:t>  </a:t>
             </a:r>
             <a:r>
-              <a:rPr lang="fr-FR" i="1" dirty="0" err="1"/>
+              <a:rPr lang="fr-FR" i="1" dirty="0" err="1" smtClean="0"/>
               <a:t>Term</a:t>
             </a:r>
             <a:r>
-              <a:rPr lang="fr-FR" i="1" dirty="0"/>
+              <a:rPr lang="fr-FR" i="1" dirty="0" smtClean="0"/>
               <a:t> </a:t>
             </a:r>
             <a:r>
-              <a:rPr lang="fr-FR" i="1" dirty="0" err="1"/>
+              <a:rPr lang="fr-FR" i="1" dirty="0" err="1" smtClean="0"/>
               <a:t>Mapping</a:t>
             </a:r>
             <a:r>
-              <a:rPr lang="fr-FR" i="1" dirty="0"/>
+              <a:rPr lang="fr-FR" i="1" dirty="0" smtClean="0"/>
               <a:t> </a:t>
             </a:r>
             <a:r>
-              <a:rPr lang="fr-FR" dirty="0"/>
+              <a:rPr lang="fr-FR" dirty="0" smtClean="0"/>
               <a:t>qui construit la requête en interprétant les mots saisis dans la boîte de recherche</a:t>
             </a:r>
           </a:p>
@@ -7790,9 +8090,10 @@
               </a:lnSpc>
             </a:pPr>
             <a:r>
-              <a:rPr lang="fr-FR" dirty="0"/>
+              <a:rPr lang="fr-FR" dirty="0" smtClean="0"/>
               <a:t>Cet algorithme est désactivé par l’usage de la troncature, des guillemets ou des codes de champs</a:t>
             </a:r>
+            <a:endParaRPr lang="fr-FR" dirty="0"/>
           </a:p>
           <a:p>
             <a:pPr>
@@ -7817,18 +8118,18 @@
               <a:t> : le </a:t>
             </a:r>
             <a:r>
-              <a:rPr lang="fr-FR" i="1" dirty="0" err="1"/>
+              <a:rPr lang="fr-FR" i="1" dirty="0" err="1" smtClean="0"/>
               <a:t>Search</a:t>
             </a:r>
             <a:r>
-              <a:rPr lang="fr-FR" i="1" dirty="0"/>
+              <a:rPr lang="fr-FR" i="1" dirty="0" smtClean="0"/>
               <a:t> </a:t>
             </a:r>
             <a:r>
-              <a:rPr lang="fr-FR" i="1" dirty="0" err="1"/>
+              <a:rPr lang="fr-FR" i="1" dirty="0" err="1" smtClean="0"/>
               <a:t>builder</a:t>
             </a:r>
-            <a:endParaRPr lang="fr-FR" i="1" dirty="0"/>
+            <a:endParaRPr lang="fr-FR" i="1" dirty="0" smtClean="0"/>
           </a:p>
           <a:p>
             <a:pPr lvl="1">
@@ -7837,22 +8138,22 @@
               </a:lnSpc>
             </a:pPr>
             <a:r>
-              <a:rPr lang="fr-FR" dirty="0"/>
+              <a:rPr lang="fr-FR" dirty="0" smtClean="0"/>
               <a:t>Accessible depuis </a:t>
             </a:r>
             <a:r>
-              <a:rPr lang="fr-FR" dirty="0" err="1"/>
+              <a:rPr lang="fr-FR" dirty="0" err="1" smtClean="0"/>
               <a:t>PubMed</a:t>
             </a:r>
             <a:r>
-              <a:rPr lang="fr-FR" dirty="0"/>
+              <a:rPr lang="fr-FR" dirty="0" smtClean="0"/>
               <a:t> et le </a:t>
             </a:r>
             <a:r>
-              <a:rPr lang="fr-FR" dirty="0" err="1"/>
+              <a:rPr lang="fr-FR" dirty="0" err="1" smtClean="0"/>
               <a:t>MeSH</a:t>
             </a:r>
-            <a:endParaRPr lang="fr-FR" dirty="0"/>
+            <a:endParaRPr lang="fr-FR" dirty="0" smtClean="0"/>
           </a:p>
           <a:p>
             <a:pPr lvl="1">
@@ -7861,9 +8162,10 @@
               </a:lnSpc>
             </a:pPr>
             <a:r>
-              <a:rPr lang="fr-FR" dirty="0"/>
+              <a:rPr lang="fr-FR" dirty="0" smtClean="0"/>
               <a:t>Permet de spécifier les champs interrogés, de combiner des requêtes existantes</a:t>
             </a:r>
+            <a:endParaRPr lang="fr-FR" dirty="0"/>
           </a:p>
           <a:p>
             <a:pPr>
@@ -7876,7 +8178,7 @@
               <a:t>Mode </a:t>
             </a:r>
             <a:r>
-              <a:rPr lang="fr-FR" dirty="0">
+              <a:rPr lang="fr-FR" dirty="0" smtClean="0">
                 <a:solidFill>
                   <a:srgbClr val="009DE0"/>
                 </a:solidFill>
@@ -7884,7 +8186,7 @@
               <a:t>manuel</a:t>
             </a:r>
             <a:r>
-              <a:rPr lang="fr-FR" dirty="0"/>
+              <a:rPr lang="fr-FR" dirty="0" smtClean="0"/>
               <a:t> : création ou modification manuelle d’une équation de recherche </a:t>
             </a:r>
           </a:p>
@@ -7895,45 +8197,46 @@
               </a:lnSpc>
             </a:pPr>
             <a:r>
-              <a:rPr lang="fr-FR" dirty="0"/>
+              <a:rPr lang="fr-FR" dirty="0" smtClean="0"/>
               <a:t>Permet d’ajouter des critères non proposés par le formulaire du </a:t>
             </a:r>
             <a:r>
-              <a:rPr lang="fr-FR" i="1" dirty="0" err="1"/>
+              <a:rPr lang="fr-FR" i="1" dirty="0" err="1" smtClean="0"/>
               <a:t>Search</a:t>
             </a:r>
             <a:r>
-              <a:rPr lang="fr-FR" i="1" dirty="0"/>
+              <a:rPr lang="fr-FR" i="1" dirty="0" smtClean="0"/>
               <a:t> </a:t>
             </a:r>
             <a:r>
-              <a:rPr lang="fr-FR" i="1" dirty="0" err="1"/>
+              <a:rPr lang="fr-FR" i="1" dirty="0" err="1" smtClean="0"/>
               <a:t>builder</a:t>
             </a:r>
             <a:r>
-              <a:rPr lang="fr-FR" i="1" dirty="0"/>
+              <a:rPr lang="fr-FR" i="1" dirty="0" smtClean="0"/>
               <a:t> </a:t>
             </a:r>
             <a:r>
-              <a:rPr lang="fr-FR" dirty="0"/>
+              <a:rPr lang="fr-FR" dirty="0" smtClean="0"/>
               <a:t>; par exemple le critère </a:t>
             </a:r>
             <a:r>
-              <a:rPr lang="fr-FR" dirty="0" err="1"/>
+              <a:rPr lang="fr-FR" dirty="0" err="1" smtClean="0"/>
               <a:t>subset</a:t>
             </a:r>
             <a:r>
-              <a:rPr lang="fr-FR" dirty="0"/>
+              <a:rPr lang="fr-FR" dirty="0" smtClean="0"/>
               <a:t> [</a:t>
             </a:r>
             <a:r>
-              <a:rPr lang="fr-FR" dirty="0" err="1"/>
+              <a:rPr lang="fr-FR" dirty="0" err="1" smtClean="0"/>
               <a:t>sb</a:t>
             </a:r>
             <a:r>
-              <a:rPr lang="fr-FR" dirty="0"/>
+              <a:rPr lang="fr-FR" dirty="0" smtClean="0"/>
               <a:t>]</a:t>
             </a:r>
+            <a:endParaRPr lang="fr-FR" dirty="0"/>
           </a:p>
         </p:txBody>
       </p:sp>
@@ -7953,9 +8256,10 @@
           <a:lstStyle/>
           <a:p>
             <a:r>
-              <a:rPr lang="fr-FR"/>
-              <a:t>F. Flamerie - Trucs et astuces de PubMed - 2022-05-24</a:t>
-            </a:r>
+              <a:rPr lang="fr-FR" smtClean="0"/>
+              <a:t>F. Flamerie - Trucs et astuces de PubMed - màj : 2022-12-07</a:t>
+            </a:r>
+            <a:endParaRPr lang="fr-FR"/>
           </a:p>
         </p:txBody>
       </p:sp>
@@ -8378,6 +8682,13 @@
   <p:clrMapOvr>
     <a:masterClrMapping/>
   </p:clrMapOvr>
+  <p:timing>
+    <p:tnLst>
+      <p:par>
+        <p:cTn id="1" dur="indefinite" restart="never" nodeType="tmRoot"/>
+      </p:par>
+    </p:tnLst>
+  </p:timing>
 </p:sld>
 </file>
 
@@ -8414,9 +8725,10 @@
           <a:lstStyle/>
           <a:p>
             <a:r>
-              <a:rPr lang="fr-FR" dirty="0"/>
+              <a:rPr lang="fr-FR" dirty="0" smtClean="0"/>
               <a:t>Mode 1 : la recherche simple</a:t>
             </a:r>
+            <a:endParaRPr lang="fr-FR" dirty="0"/>
           </a:p>
         </p:txBody>
       </p:sp>
@@ -8452,8 +8764,12 @@
               <a:defRPr/>
             </a:pPr>
             <a:r>
+              <a:rPr lang="fr-FR" dirty="0" smtClean="0"/>
+              <a:t> Dans </a:t>
+            </a:r>
+            <a:r>
               <a:rPr lang="fr-FR" dirty="0"/>
-              <a:t> Dans ce mode de recherche, </a:t>
+              <a:t>ce mode de recherche, </a:t>
             </a:r>
             <a:r>
               <a:rPr lang="fr-FR" dirty="0" err="1"/>
@@ -8461,7 +8777,11 @@
             </a:r>
             <a:r>
               <a:rPr lang="fr-FR" dirty="0"/>
-              <a:t> cherche automatiquement une correspondance avec les termes saisis :</a:t>
+              <a:t> cherche automatiquement une correspondance avec les termes </a:t>
+            </a:r>
+            <a:r>
+              <a:rPr lang="fr-FR" dirty="0" smtClean="0"/>
+              <a:t>saisis :</a:t>
             </a:r>
           </a:p>
           <a:p>
@@ -8475,8 +8795,12 @@
               <a:defRPr/>
             </a:pPr>
             <a:r>
+              <a:rPr lang="fr-FR" dirty="0" smtClean="0"/>
+              <a:t>dans </a:t>
+            </a:r>
+            <a:r>
               <a:rPr lang="fr-FR" dirty="0"/>
-              <a:t>dans le </a:t>
+              <a:t>le </a:t>
             </a:r>
             <a:r>
               <a:rPr lang="fr-FR" dirty="0" err="1">
@@ -8490,6 +8814,7 @@
               <a:rPr lang="fr-FR" dirty="0"/>
               <a:t>, </a:t>
             </a:r>
+            <a:endParaRPr lang="fr-FR" dirty="0" smtClean="0"/>
           </a:p>
           <a:p>
             <a:pPr lvl="1">
@@ -8502,8 +8827,12 @@
               <a:defRPr/>
             </a:pPr>
             <a:r>
+              <a:rPr lang="fr-FR" dirty="0" smtClean="0"/>
+              <a:t>puis </a:t>
+            </a:r>
+            <a:r>
               <a:rPr lang="fr-FR" dirty="0"/>
-              <a:t>puis dans l’index des </a:t>
+              <a:t>dans l’index des </a:t>
             </a:r>
             <a:r>
               <a:rPr lang="fr-FR" dirty="0">
@@ -8517,6 +8846,7 @@
               <a:rPr lang="fr-FR" dirty="0"/>
               <a:t>, </a:t>
             </a:r>
+            <a:endParaRPr lang="fr-FR" dirty="0" smtClean="0"/>
           </a:p>
           <a:p>
             <a:pPr lvl="1">
@@ -8529,8 +8859,12 @@
               <a:defRPr/>
             </a:pPr>
             <a:r>
+              <a:rPr lang="fr-FR" dirty="0" smtClean="0"/>
+              <a:t>puis </a:t>
+            </a:r>
+            <a:r>
               <a:rPr lang="fr-FR" dirty="0"/>
-              <a:t>puis dans l’index des </a:t>
+              <a:t>dans l’index des </a:t>
             </a:r>
             <a:r>
               <a:rPr lang="fr-FR" dirty="0">
@@ -8555,7 +8889,11 @@
             </a:pPr>
             <a:r>
               <a:rPr lang="fr-FR" dirty="0"/>
-              <a:t>La recherche est lancée en plus </a:t>
+              <a:t>La recherche est lancée en </a:t>
+            </a:r>
+            <a:r>
+              <a:rPr lang="fr-FR" dirty="0" smtClean="0"/>
+              <a:t>plus </a:t>
             </a:r>
             <a:r>
               <a:rPr lang="fr-FR" dirty="0">
@@ -8567,7 +8905,11 @@
             </a:r>
             <a:r>
               <a:rPr lang="fr-FR" dirty="0"/>
-              <a:t> (résumé, auteur, etc.). </a:t>
+              <a:t> (résumé, auteur, etc</a:t>
+            </a:r>
+            <a:r>
+              <a:rPr lang="fr-FR" dirty="0" smtClean="0"/>
+              <a:t>.). </a:t>
             </a:r>
           </a:p>
           <a:p>
@@ -8577,15 +8919,15 @@
               </a:lnSpc>
             </a:pPr>
             <a:r>
-              <a:rPr lang="fr-FR" dirty="0"/>
+              <a:rPr lang="fr-FR" dirty="0" smtClean="0"/>
               <a:t> Dans le nouveau </a:t>
             </a:r>
             <a:r>
-              <a:rPr lang="fr-FR" dirty="0" err="1"/>
+              <a:rPr lang="fr-FR" dirty="0" err="1" smtClean="0"/>
               <a:t>PubMed</a:t>
             </a:r>
             <a:r>
-              <a:rPr lang="fr-FR" dirty="0"/>
+              <a:rPr lang="fr-FR" dirty="0" smtClean="0"/>
               <a:t>, l’ATM a été enrichi pour prendre notamment en compte :</a:t>
             </a:r>
           </a:p>
@@ -8596,8 +8938,16 @@
               </a:lnSpc>
             </a:pPr>
             <a:r>
+              <a:rPr lang="fr-FR" dirty="0" smtClean="0"/>
+              <a:t>davantage </a:t>
+            </a:r>
+            <a:r>
               <a:rPr lang="fr-FR" dirty="0"/>
-              <a:t>davantage de variations et de synonymes,</a:t>
+              <a:t>de variations et de </a:t>
+            </a:r>
+            <a:r>
+              <a:rPr lang="fr-FR" dirty="0" smtClean="0"/>
+              <a:t>synonymes,</a:t>
             </a:r>
           </a:p>
           <a:p>
@@ -8607,7 +8957,7 @@
               </a:lnSpc>
             </a:pPr>
             <a:r>
-              <a:rPr lang="fr-FR" dirty="0"/>
+              <a:rPr lang="fr-FR" dirty="0" smtClean="0"/>
               <a:t>les variations singulier/pluriel,</a:t>
             </a:r>
           </a:p>
@@ -8618,8 +8968,16 @@
               </a:lnSpc>
             </a:pPr>
             <a:r>
+              <a:rPr lang="fr-FR" dirty="0" smtClean="0"/>
+              <a:t>les </a:t>
+            </a:r>
+            <a:r>
               <a:rPr lang="fr-FR" dirty="0"/>
-              <a:t>les équivalents anglais et américains d’un même mot.</a:t>
+              <a:t>équivalents anglais et américains d’un même </a:t>
+            </a:r>
+            <a:r>
+              <a:rPr lang="fr-FR" dirty="0" smtClean="0"/>
+              <a:t>mot.</a:t>
             </a:r>
           </a:p>
           <a:p>
@@ -8629,18 +8987,18 @@
               </a:lnSpc>
             </a:pPr>
             <a:r>
-              <a:rPr lang="fr-FR" dirty="0">
+              <a:rPr lang="fr-FR" dirty="0" smtClean="0">
                 <a:hlinkClick r:id="rId2"/>
               </a:rPr>
               <a:t> En savoir plus sur l’ATM sur le site de </a:t>
             </a:r>
             <a:r>
-              <a:rPr lang="fr-FR" dirty="0" err="1">
+              <a:rPr lang="fr-FR" dirty="0" err="1" smtClean="0">
                 <a:hlinkClick r:id="rId2"/>
               </a:rPr>
               <a:t>PubMed</a:t>
             </a:r>
-            <a:endParaRPr lang="fr-FR" dirty="0"/>
+            <a:endParaRPr lang="fr-FR" dirty="0" smtClean="0"/>
           </a:p>
           <a:p>
             <a:pPr marL="0" indent="0">
@@ -8678,8 +9036,8 @@
           <a:lstStyle/>
           <a:p>
             <a:r>
-              <a:rPr lang="fr-FR"/>
-              <a:t>F. Flamerie - Trucs et astuces de PubMed - 2022-05-24</a:t>
+              <a:rPr lang="fr-FR" smtClean="0"/>
+              <a:t>F. Flamerie - Trucs et astuces de PubMed - màj : 2022-12-07</a:t>
             </a:r>
             <a:endParaRPr lang="fr-FR" dirty="0"/>
           </a:p>
@@ -8719,6 +9077,13 @@
   <p:clrMapOvr>
     <a:masterClrMapping/>
   </p:clrMapOvr>
+  <p:timing>
+    <p:tnLst>
+      <p:par>
+        <p:cTn id="1" dur="indefinite" restart="never" nodeType="tmRoot"/>
+      </p:par>
+    </p:tnLst>
+  </p:timing>
 </p:sld>
 </file>
 
@@ -8760,9 +9125,10 @@
           <a:lstStyle/>
           <a:p>
             <a:r>
-              <a:rPr lang="fr-FR" dirty="0"/>
+              <a:rPr lang="fr-FR" dirty="0" smtClean="0"/>
               <a:t>Programme</a:t>
             </a:r>
+            <a:endParaRPr lang="fr-FR" dirty="0"/>
           </a:p>
         </p:txBody>
       </p:sp>
@@ -8809,18 +9175,22 @@
             </a:r>
             <a:r>
               <a:rPr lang="fr-FR" sz="2000" i="1" dirty="0"/>
-              <a:t>, des fonctionnalités de l’interface et des principales nouveautés introduites en 2020.</a:t>
+              <a:t>, des fonctionnalités de l’interface et des principales nouveautés introduites en 2020</a:t>
+            </a:r>
+            <a:r>
+              <a:rPr lang="fr-FR" sz="2000" i="1" dirty="0" smtClean="0"/>
+              <a:t>.</a:t>
             </a:r>
           </a:p>
           <a:p>
             <a:pPr marL="0" indent="0">
               <a:buNone/>
             </a:pPr>
-            <a:endParaRPr lang="fr-FR" sz="2000" i="1" dirty="0"/>
-          </a:p>
-          <a:p>
-            <a:r>
-              <a:rPr lang="fr-FR" dirty="0"/>
+            <a:endParaRPr lang="fr-FR" sz="2000" i="1" dirty="0" smtClean="0"/>
+          </a:p>
+          <a:p>
+            <a:r>
+              <a:rPr lang="fr-FR" dirty="0" smtClean="0"/>
               <a:t> </a:t>
             </a:r>
             <a:r>
@@ -8833,13 +9203,33 @@
             </a:r>
             <a:r>
               <a:rPr lang="fr-FR" sz="3600" dirty="0"/>
-              <a:t> : couverture et fonctionnalités</a:t>
-            </a:r>
-          </a:p>
-          <a:p>
+              <a:t> : </a:t>
+            </a:r>
+            <a:r>
+              <a:rPr lang="fr-FR" sz="3600" dirty="0" smtClean="0"/>
+              <a:t>couverture </a:t>
+            </a:r>
             <a:r>
               <a:rPr lang="fr-FR" sz="3600" dirty="0"/>
-              <a:t> Rechercher dans </a:t>
+              <a:t>et </a:t>
+            </a:r>
+            <a:r>
+              <a:rPr lang="fr-FR" sz="3600" dirty="0" smtClean="0"/>
+              <a:t>fonctionnalités</a:t>
+            </a:r>
+          </a:p>
+          <a:p>
+            <a:r>
+              <a:rPr lang="fr-FR" sz="3600" dirty="0"/>
+              <a:t> </a:t>
+            </a:r>
+            <a:r>
+              <a:rPr lang="fr-FR" sz="3600" dirty="0" smtClean="0"/>
+              <a:t>Rechercher </a:t>
+            </a:r>
+            <a:r>
+              <a:rPr lang="fr-FR" sz="3600" dirty="0"/>
+              <a:t>dans </a:t>
             </a:r>
             <a:r>
               <a:rPr lang="fr-FR" sz="3600" dirty="0" err="1"/>
@@ -8852,7 +9242,7 @@
           </a:p>
           <a:p>
             <a:r>
-              <a:rPr lang="fr-FR" sz="3600" dirty="0"/>
+              <a:rPr lang="fr-FR" sz="3600" dirty="0" smtClean="0"/>
               <a:t> Miscellanées</a:t>
             </a:r>
           </a:p>
@@ -8874,8 +9264,28 @@
           <a:lstStyle/>
           <a:p>
             <a:r>
-              <a:rPr lang="fr-FR"/>
-              <a:t>F. Flamerie - Trucs et astuces de PubMed - 2022-05-24</a:t>
+              <a:rPr lang="fr-FR" dirty="0" smtClean="0"/>
+              <a:t>F. Flamerie - Trucs et astuces de </a:t>
+            </a:r>
+            <a:r>
+              <a:rPr lang="fr-FR" dirty="0" err="1" smtClean="0"/>
+              <a:t>PubMed</a:t>
+            </a:r>
+            <a:r>
+              <a:rPr lang="fr-FR" dirty="0" smtClean="0"/>
+              <a:t> - </a:t>
+            </a:r>
+            <a:r>
+              <a:rPr lang="fr-FR" dirty="0" err="1" smtClean="0"/>
+              <a:t>màj</a:t>
+            </a:r>
+            <a:r>
+              <a:rPr lang="fr-FR" dirty="0" smtClean="0"/>
+              <a:t> : </a:t>
+            </a:r>
+            <a:r>
+              <a:rPr lang="fr-FR" dirty="0" smtClean="0"/>
+              <a:t>2022-12-07</a:t>
             </a:r>
             <a:endParaRPr lang="fr-FR" dirty="0"/>
           </a:p>
@@ -8914,6 +9324,13 @@
   <p:clrMapOvr>
     <a:masterClrMapping/>
   </p:clrMapOvr>
+  <p:timing>
+    <p:tnLst>
+      <p:par>
+        <p:cTn id="1" dur="indefinite" restart="never" nodeType="tmRoot"/>
+      </p:par>
+    </p:tnLst>
+  </p:timing>
 </p:sld>
 </file>
 
@@ -8955,9 +9372,10 @@
           <a:lstStyle/>
           <a:p>
             <a:r>
-              <a:rPr lang="fr-FR" dirty="0"/>
+              <a:rPr lang="fr-FR" dirty="0" smtClean="0"/>
               <a:t>Mode 1 : la recherche simple</a:t>
             </a:r>
+            <a:endParaRPr lang="fr-FR" dirty="0"/>
           </a:p>
         </p:txBody>
       </p:sp>
@@ -8991,54 +9409,54 @@
               <a:defRPr/>
             </a:pPr>
             <a:r>
-              <a:rPr lang="fr-FR" dirty="0"/>
+              <a:rPr lang="fr-FR" dirty="0" smtClean="0"/>
               <a:t>Dans le nouveau </a:t>
             </a:r>
             <a:r>
-              <a:rPr lang="fr-FR" dirty="0" err="1"/>
+              <a:rPr lang="fr-FR" dirty="0" err="1" smtClean="0"/>
               <a:t>PubMed</a:t>
             </a:r>
             <a:r>
-              <a:rPr lang="fr-FR" dirty="0"/>
+              <a:rPr lang="fr-FR" dirty="0" smtClean="0"/>
               <a:t>, les détails d’une requête sont accessibles depuis l’historique de recherche : </a:t>
             </a:r>
             <a:r>
-              <a:rPr lang="fr-FR" i="1" dirty="0"/>
+              <a:rPr lang="fr-FR" i="1" dirty="0" smtClean="0"/>
               <a:t>Advanced</a:t>
             </a:r>
             <a:r>
-              <a:rPr lang="fr-FR" dirty="0"/>
+              <a:rPr lang="fr-FR" dirty="0" smtClean="0"/>
               <a:t> &gt; </a:t>
             </a:r>
             <a:r>
-              <a:rPr lang="fr-FR" i="1" dirty="0" err="1"/>
+              <a:rPr lang="fr-FR" i="1" dirty="0" err="1" smtClean="0"/>
               <a:t>History</a:t>
             </a:r>
             <a:r>
-              <a:rPr lang="fr-FR" i="1" dirty="0"/>
+              <a:rPr lang="fr-FR" i="1" dirty="0" smtClean="0"/>
               <a:t> and </a:t>
             </a:r>
             <a:r>
-              <a:rPr lang="fr-FR" i="1" dirty="0" err="1"/>
+              <a:rPr lang="fr-FR" i="1" dirty="0" err="1" smtClean="0"/>
               <a:t>search</a:t>
             </a:r>
             <a:r>
-              <a:rPr lang="fr-FR" i="1" dirty="0"/>
+              <a:rPr lang="fr-FR" i="1" dirty="0" smtClean="0"/>
               <a:t> </a:t>
             </a:r>
             <a:r>
-              <a:rPr lang="fr-FR" i="1" dirty="0" err="1"/>
+              <a:rPr lang="fr-FR" i="1" dirty="0" err="1" smtClean="0"/>
               <a:t>details</a:t>
             </a:r>
             <a:r>
-              <a:rPr lang="fr-FR" i="1" dirty="0"/>
+              <a:rPr lang="fr-FR" i="1" dirty="0" smtClean="0"/>
               <a:t> &gt; </a:t>
             </a:r>
             <a:r>
-              <a:rPr lang="fr-FR" i="1" dirty="0" err="1"/>
+              <a:rPr lang="fr-FR" i="1" dirty="0" err="1" smtClean="0"/>
               <a:t>Details</a:t>
             </a:r>
-            <a:endParaRPr lang="fr-FR" dirty="0"/>
+            <a:endParaRPr lang="fr-FR" dirty="0" smtClean="0"/>
           </a:p>
           <a:p>
             <a:pPr marL="0" indent="0">
@@ -9068,8 +9486,8 @@
           <a:lstStyle/>
           <a:p>
             <a:r>
-              <a:rPr lang="fr-FR"/>
-              <a:t>F. Flamerie - Trucs et astuces de PubMed - 2022-05-24</a:t>
+              <a:rPr lang="fr-FR" smtClean="0"/>
+              <a:t>F. Flamerie - Trucs et astuces de PubMed - màj : 2022-12-07</a:t>
             </a:r>
             <a:endParaRPr lang="fr-FR" dirty="0"/>
           </a:p>
@@ -9188,6 +9606,13 @@
   <p:clrMapOvr>
     <a:masterClrMapping/>
   </p:clrMapOvr>
+  <p:timing>
+    <p:tnLst>
+      <p:par>
+        <p:cTn id="1" dur="indefinite" restart="never" nodeType="tmRoot"/>
+      </p:par>
+    </p:tnLst>
+  </p:timing>
 </p:sld>
 </file>
 
@@ -9229,19 +9654,19 @@
           <a:lstStyle/>
           <a:p>
             <a:r>
-              <a:rPr lang="fr-FR" dirty="0"/>
+              <a:rPr lang="fr-FR" dirty="0" smtClean="0"/>
               <a:t>Mode 2 : le </a:t>
             </a:r>
             <a:r>
-              <a:rPr lang="fr-FR" i="1" dirty="0" err="1"/>
+              <a:rPr lang="fr-FR" i="1" dirty="0" err="1" smtClean="0"/>
               <a:t>Search</a:t>
             </a:r>
             <a:r>
-              <a:rPr lang="fr-FR" i="1" dirty="0"/>
+              <a:rPr lang="fr-FR" i="1" dirty="0" smtClean="0"/>
               <a:t> </a:t>
             </a:r>
             <a:r>
-              <a:rPr lang="fr-FR" i="1" dirty="0" err="1"/>
+              <a:rPr lang="fr-FR" i="1" dirty="0" err="1" smtClean="0"/>
               <a:t>builder</a:t>
             </a:r>
             <a:endParaRPr lang="fr-FR" i="1" dirty="0"/>
@@ -9269,60 +9694,62 @@
           <a:lstStyle/>
           <a:p>
             <a:r>
-              <a:rPr lang="fr-FR" dirty="0"/>
+              <a:rPr lang="fr-FR" dirty="0" smtClean="0"/>
               <a:t> Construire une équation de recherche</a:t>
             </a:r>
           </a:p>
           <a:p>
             <a:pPr lvl="1"/>
             <a:r>
-              <a:rPr lang="fr-FR" dirty="0"/>
+              <a:rPr lang="fr-FR" dirty="0" smtClean="0"/>
               <a:t>En choisissant les champs interrogés ; le système génère et positionne correctement les parenthèses et les opérateurs booléens</a:t>
             </a:r>
           </a:p>
           <a:p>
             <a:pPr lvl="1"/>
             <a:r>
-              <a:rPr lang="fr-FR" dirty="0"/>
+              <a:rPr lang="fr-FR" dirty="0" smtClean="0"/>
               <a:t>En combinant des équations de recherche</a:t>
             </a:r>
-          </a:p>
-          <a:p>
-            <a:r>
-              <a:rPr lang="fr-FR" dirty="0"/>
+            <a:endParaRPr lang="fr-FR" dirty="0"/>
+          </a:p>
+          <a:p>
+            <a:r>
+              <a:rPr lang="fr-FR" dirty="0" smtClean="0"/>
               <a:t>Toujours disponible : </a:t>
             </a:r>
             <a:r>
-              <a:rPr lang="fr-FR" i="1" dirty="0" err="1"/>
+              <a:rPr lang="fr-FR" i="1" dirty="0" err="1" smtClean="0"/>
               <a:t>Add</a:t>
             </a:r>
             <a:r>
-              <a:rPr lang="fr-FR" i="1" dirty="0"/>
+              <a:rPr lang="fr-FR" i="1" dirty="0" smtClean="0"/>
               <a:t> to </a:t>
             </a:r>
             <a:r>
-              <a:rPr lang="fr-FR" i="1" dirty="0" err="1"/>
+              <a:rPr lang="fr-FR" i="1" dirty="0" err="1" smtClean="0"/>
               <a:t>history</a:t>
             </a:r>
             <a:r>
-              <a:rPr lang="fr-FR" i="1" dirty="0"/>
+              <a:rPr lang="fr-FR" i="1" dirty="0" smtClean="0"/>
               <a:t> </a:t>
             </a:r>
             <a:r>
-              <a:rPr lang="fr-FR" dirty="0"/>
+              <a:rPr lang="fr-FR" dirty="0" smtClean="0"/>
               <a:t>plutôt que </a:t>
             </a:r>
             <a:r>
-              <a:rPr lang="fr-FR" i="1" dirty="0" err="1"/>
+              <a:rPr lang="fr-FR" i="1" dirty="0" err="1" smtClean="0"/>
               <a:t>Search</a:t>
             </a:r>
             <a:r>
-              <a:rPr lang="fr-FR" dirty="0"/>
+              <a:rPr lang="fr-FR" dirty="0" smtClean="0"/>
               <a:t> pour afficher seulement le nombre de résultats d’une requête et non la liste des résultats</a:t>
             </a:r>
-          </a:p>
-          <a:p>
             <a:endParaRPr lang="fr-FR" dirty="0"/>
+          </a:p>
+          <a:p>
+            <a:endParaRPr lang="fr-FR" dirty="0" smtClean="0"/>
           </a:p>
         </p:txBody>
       </p:sp>
@@ -9342,8 +9769,8 @@
           <a:lstStyle/>
           <a:p>
             <a:r>
-              <a:rPr lang="fr-FR"/>
-              <a:t>F. Flamerie - Trucs et astuces de PubMed - 2022-05-24</a:t>
+              <a:rPr lang="fr-FR" smtClean="0"/>
+              <a:t>F. Flamerie - Trucs et astuces de PubMed - màj : 2022-12-07</a:t>
             </a:r>
             <a:endParaRPr lang="fr-FR" dirty="0"/>
           </a:p>
@@ -9402,7 +9829,7 @@
           <p:cNvPr id="7" name="Arrow34" descr="{&quot;Key&quot;:&quot;POWER_USER_SHAPE_ICON&quot;,&quot;Value&quot;:&quot;POWER_USER_SHAPE_ICON_STYLE_1&quot;}">
             <a:extLst>
               <a:ext uri="{FF2B5EF4-FFF2-40B4-BE49-F238E27FC236}">
-                <a16:creationId xmlns="" xmlns:a16="http://schemas.microsoft.com/office/drawing/2014/main" id="{43E68E00-EA18-49EE-91A7-B065011E5152}"/>
+                <a16:creationId xmlns:a16="http://schemas.microsoft.com/office/drawing/2014/main" xmlns="" id="{43E68E00-EA18-49EE-91A7-B065011E5152}"/>
               </a:ext>
             </a:extLst>
           </p:cNvPr>
@@ -9427,7 +9854,7 @@
             <p:cNvPr id="8" name="Freeform 195">
               <a:extLst>
                 <a:ext uri="{FF2B5EF4-FFF2-40B4-BE49-F238E27FC236}">
-                  <a16:creationId xmlns="" xmlns:a16="http://schemas.microsoft.com/office/drawing/2014/main" id="{B426E1A2-1601-4CCF-ADA5-FD9317539629}"/>
+                  <a16:creationId xmlns:a16="http://schemas.microsoft.com/office/drawing/2014/main" xmlns="" id="{B426E1A2-1601-4CCF-ADA5-FD9317539629}"/>
                 </a:ext>
               </a:extLst>
             </p:cNvPr>
@@ -9587,7 +10014,7 @@
             <p:cNvPr id="9" name="Freeform 196">
               <a:extLst>
                 <a:ext uri="{FF2B5EF4-FFF2-40B4-BE49-F238E27FC236}">
-                  <a16:creationId xmlns="" xmlns:a16="http://schemas.microsoft.com/office/drawing/2014/main" id="{7CA8E433-9ACF-4A11-B832-05AE8A209954}"/>
+                  <a16:creationId xmlns:a16="http://schemas.microsoft.com/office/drawing/2014/main" xmlns="" id="{7CA8E433-9ACF-4A11-B832-05AE8A209954}"/>
                 </a:ext>
               </a:extLst>
             </p:cNvPr>
@@ -9747,7 +10174,7 @@
             <p:cNvPr id="10" name="Freeform 197">
               <a:extLst>
                 <a:ext uri="{FF2B5EF4-FFF2-40B4-BE49-F238E27FC236}">
-                  <a16:creationId xmlns="" xmlns:a16="http://schemas.microsoft.com/office/drawing/2014/main" id="{B1AA219A-44DC-4DD1-B062-924FC970BD8C}"/>
+                  <a16:creationId xmlns:a16="http://schemas.microsoft.com/office/drawing/2014/main" xmlns="" id="{B1AA219A-44DC-4DD1-B062-924FC970BD8C}"/>
                 </a:ext>
               </a:extLst>
             </p:cNvPr>
@@ -9903,7 +10330,7 @@
             <p:cNvPr id="11" name="Freeform 198">
               <a:extLst>
                 <a:ext uri="{FF2B5EF4-FFF2-40B4-BE49-F238E27FC236}">
-                  <a16:creationId xmlns="" xmlns:a16="http://schemas.microsoft.com/office/drawing/2014/main" id="{D93843A3-5211-4329-AAB5-9A71A272F9BF}"/>
+                  <a16:creationId xmlns:a16="http://schemas.microsoft.com/office/drawing/2014/main" xmlns="" id="{D93843A3-5211-4329-AAB5-9A71A272F9BF}"/>
                 </a:ext>
               </a:extLst>
             </p:cNvPr>
@@ -10101,6 +10528,13 @@
   <p:clrMapOvr>
     <a:masterClrMapping/>
   </p:clrMapOvr>
+  <p:timing>
+    <p:tnLst>
+      <p:par>
+        <p:cTn id="1" dur="indefinite" restart="never" nodeType="tmRoot"/>
+      </p:par>
+    </p:tnLst>
+  </p:timing>
 </p:sld>
 </file>
 
@@ -10137,25 +10571,26 @@
           <a:lstStyle/>
           <a:p>
             <a:r>
-              <a:rPr lang="fr-FR" dirty="0"/>
+              <a:rPr lang="fr-FR" dirty="0" smtClean="0"/>
               <a:t>Mode 2 : le </a:t>
             </a:r>
             <a:r>
-              <a:rPr lang="fr-FR" i="1" dirty="0" err="1"/>
+              <a:rPr lang="fr-FR" i="1" dirty="0" err="1" smtClean="0"/>
               <a:t>Search</a:t>
             </a:r>
             <a:r>
-              <a:rPr lang="fr-FR" i="1" dirty="0"/>
+              <a:rPr lang="fr-FR" i="1" dirty="0" smtClean="0"/>
               <a:t> </a:t>
             </a:r>
             <a:r>
-              <a:rPr lang="fr-FR" i="1" dirty="0" err="1"/>
+              <a:rPr lang="fr-FR" i="1" dirty="0" err="1" smtClean="0"/>
               <a:t>builder</a:t>
             </a:r>
             <a:r>
-              <a:rPr lang="fr-FR" i="1" dirty="0"/>
+              <a:rPr lang="fr-FR" i="1" dirty="0" smtClean="0"/>
               <a:t> </a:t>
             </a:r>
+            <a:endParaRPr lang="fr-FR" i="1" dirty="0"/>
           </a:p>
         </p:txBody>
       </p:sp>
@@ -10177,16 +10612,24 @@
           <a:lstStyle/>
           <a:p>
             <a:r>
-              <a:rPr lang="fr-FR" dirty="0"/>
+              <a:rPr lang="fr-FR" dirty="0" smtClean="0"/>
               <a:t> Guillemets </a:t>
             </a:r>
             <a:r>
+              <a:rPr lang="fr-FR" b="1" dirty="0" smtClean="0">
+                <a:solidFill>
+                  <a:srgbClr val="009DE0"/>
+                </a:solidFill>
+              </a:rPr>
+              <a:t>"</a:t>
+            </a:r>
+            <a:r>
               <a:rPr lang="fr-FR" b="1" dirty="0">
                 <a:solidFill>
                   <a:srgbClr val="009DE0"/>
                 </a:solidFill>
               </a:rPr>
-              <a:t>"  "</a:t>
+              <a:t>  "</a:t>
             </a:r>
             <a:r>
               <a:rPr lang="fr-FR" b="1" dirty="0"/>
@@ -10199,11 +10642,11 @@
           </a:p>
           <a:p>
             <a:r>
-              <a:rPr lang="fr-FR" dirty="0"/>
+              <a:rPr lang="fr-FR" dirty="0" smtClean="0"/>
               <a:t> Troncature </a:t>
             </a:r>
             <a:r>
-              <a:rPr lang="fr-FR" b="1" dirty="0">
+              <a:rPr lang="fr-FR" b="1" dirty="0" smtClean="0">
                 <a:solidFill>
                   <a:srgbClr val="009DE0"/>
                 </a:solidFill>
@@ -10211,35 +10654,114 @@
               <a:t>*</a:t>
             </a:r>
             <a:r>
-              <a:rPr lang="fr-FR" dirty="0"/>
+              <a:rPr lang="fr-FR" dirty="0" smtClean="0"/>
               <a:t> </a:t>
             </a:r>
           </a:p>
           <a:p>
             <a:pPr lvl="1"/>
             <a:r>
-              <a:rPr lang="fr-FR" dirty="0"/>
+              <a:rPr lang="fr-FR" dirty="0" smtClean="0"/>
               <a:t>Seulement </a:t>
             </a:r>
             <a:r>
+              <a:rPr lang="fr-FR" dirty="0" smtClean="0">
+                <a:solidFill>
+                  <a:srgbClr val="009DE0"/>
+                </a:solidFill>
+              </a:rPr>
+              <a:t>à droite</a:t>
+            </a:r>
+            <a:r>
+              <a:rPr lang="fr-FR" dirty="0" smtClean="0"/>
+              <a:t>, </a:t>
+            </a:r>
+            <a:r>
+              <a:rPr lang="fr-FR" i="1" dirty="0" smtClean="0"/>
+              <a:t>i. e. </a:t>
+            </a:r>
+            <a:r>
+              <a:rPr lang="fr-FR" dirty="0" smtClean="0"/>
+              <a:t>à la fin d’un mot, elle doit être </a:t>
+            </a:r>
+            <a:r>
+              <a:rPr lang="fr-FR" dirty="0" smtClean="0">
+                <a:solidFill>
+                  <a:srgbClr val="009DE0"/>
+                </a:solidFill>
+              </a:rPr>
+              <a:t>précédée de 4 lettres </a:t>
+            </a:r>
+            <a:r>
+              <a:rPr lang="fr-FR" dirty="0" smtClean="0"/>
+              <a:t>au moins</a:t>
+            </a:r>
+          </a:p>
+          <a:p>
+            <a:pPr lvl="1"/>
+            <a:r>
+              <a:rPr lang="fr-FR" dirty="0" smtClean="0"/>
+              <a:t>Nouveau </a:t>
+            </a:r>
+            <a:r>
+              <a:rPr lang="fr-FR" dirty="0" err="1" smtClean="0"/>
+              <a:t>PubMed</a:t>
+            </a:r>
+            <a:r>
+              <a:rPr lang="fr-FR" dirty="0" smtClean="0"/>
+              <a:t> : acceptée dans une </a:t>
+            </a:r>
+            <a:r>
+              <a:rPr lang="fr-FR" dirty="0" smtClean="0">
+                <a:solidFill>
+                  <a:srgbClr val="009DE0"/>
+                </a:solidFill>
+              </a:rPr>
+              <a:t>expression exacte</a:t>
+            </a:r>
+            <a:r>
+              <a:rPr lang="fr-FR" dirty="0" smtClean="0"/>
+              <a:t>, mais seulement à la fin du dernier mot : "</a:t>
+            </a:r>
+            <a:r>
+              <a:rPr lang="fr-FR" strike="sngStrike" dirty="0" err="1" smtClean="0"/>
+              <a:t>determinant</a:t>
+            </a:r>
+            <a:r>
+              <a:rPr lang="fr-FR" strike="sngStrike" dirty="0" smtClean="0"/>
+              <a:t>* of </a:t>
+            </a:r>
+            <a:r>
+              <a:rPr lang="fr-FR" strike="sngStrike" dirty="0" err="1" smtClean="0"/>
+              <a:t>health</a:t>
+            </a:r>
+            <a:r>
+              <a:rPr lang="fr-FR" dirty="0" smtClean="0"/>
+              <a:t>" à remplacer par </a:t>
+            </a:r>
+            <a:r>
               <a:rPr lang="fr-FR" dirty="0">
                 <a:solidFill>
                   <a:srgbClr val="009DE0"/>
                 </a:solidFill>
               </a:rPr>
-              <a:t>à droite</a:t>
-            </a:r>
-            <a:r>
-              <a:rPr lang="fr-FR" dirty="0"/>
-              <a:t>, </a:t>
-            </a:r>
-            <a:r>
-              <a:rPr lang="fr-FR" i="1" dirty="0"/>
-              <a:t>i. e. </a:t>
-            </a:r>
-            <a:r>
-              <a:rPr lang="fr-FR" dirty="0"/>
-              <a:t>à la fin d’un mot, elle doit être </a:t>
+              <a:t>"</a:t>
+            </a:r>
+            <a:r>
+              <a:rPr lang="fr-FR" dirty="0" err="1" smtClean="0">
+                <a:solidFill>
+                  <a:srgbClr val="009DE0"/>
+                </a:solidFill>
+              </a:rPr>
+              <a:t>determinant</a:t>
+            </a:r>
+            <a:r>
+              <a:rPr lang="fr-FR" dirty="0" smtClean="0">
+                <a:solidFill>
+                  <a:srgbClr val="009DE0"/>
+                </a:solidFill>
+              </a:rPr>
+              <a:t> </a:t>
             </a:r>
             <a:r>
               <a:rPr lang="fr-FR" dirty="0">
@@ -10247,161 +10769,119 @@
                   <a:srgbClr val="009DE0"/>
                 </a:solidFill>
               </a:rPr>
-              <a:t>précédée de 4 lettres </a:t>
-            </a:r>
-            <a:r>
-              <a:rPr lang="fr-FR" dirty="0"/>
-              <a:t>au moins</a:t>
-            </a:r>
+              <a:t>of </a:t>
+            </a:r>
+            <a:r>
+              <a:rPr lang="fr-FR" dirty="0" err="1">
+                <a:solidFill>
+                  <a:srgbClr val="009DE0"/>
+                </a:solidFill>
+              </a:rPr>
+              <a:t>health</a:t>
+            </a:r>
+            <a:r>
+              <a:rPr lang="fr-FR" dirty="0">
+                <a:solidFill>
+                  <a:srgbClr val="009DE0"/>
+                </a:solidFill>
+              </a:rPr>
+              <a:t>" </a:t>
+            </a:r>
+            <a:r>
+              <a:rPr lang="fr-FR" dirty="0" smtClean="0">
+                <a:solidFill>
+                  <a:srgbClr val="009DE0"/>
+                </a:solidFill>
+              </a:rPr>
+              <a:t>OR </a:t>
+            </a:r>
+            <a:r>
+              <a:rPr lang="fr-FR" dirty="0">
+                <a:solidFill>
+                  <a:srgbClr val="009DE0"/>
+                </a:solidFill>
+              </a:rPr>
+              <a:t>"</a:t>
+            </a:r>
+            <a:r>
+              <a:rPr lang="fr-FR" dirty="0" err="1" smtClean="0">
+                <a:solidFill>
+                  <a:srgbClr val="009DE0"/>
+                </a:solidFill>
+              </a:rPr>
+              <a:t>determinants</a:t>
+            </a:r>
+            <a:r>
+              <a:rPr lang="fr-FR" dirty="0" smtClean="0">
+                <a:solidFill>
+                  <a:srgbClr val="009DE0"/>
+                </a:solidFill>
+              </a:rPr>
+              <a:t> </a:t>
+            </a:r>
+            <a:r>
+              <a:rPr lang="fr-FR" dirty="0">
+                <a:solidFill>
+                  <a:srgbClr val="009DE0"/>
+                </a:solidFill>
+              </a:rPr>
+              <a:t>of </a:t>
+            </a:r>
+            <a:r>
+              <a:rPr lang="fr-FR" dirty="0" err="1">
+                <a:solidFill>
+                  <a:srgbClr val="009DE0"/>
+                </a:solidFill>
+              </a:rPr>
+              <a:t>health</a:t>
+            </a:r>
+            <a:r>
+              <a:rPr lang="fr-FR" dirty="0">
+                <a:solidFill>
+                  <a:srgbClr val="009DE0"/>
+                </a:solidFill>
+              </a:rPr>
+              <a:t>" </a:t>
+            </a:r>
+            <a:endParaRPr lang="fr-FR" dirty="0" smtClean="0">
+              <a:solidFill>
+                <a:srgbClr val="009DE0"/>
+              </a:solidFill>
+            </a:endParaRPr>
           </a:p>
           <a:p>
             <a:pPr lvl="1"/>
             <a:r>
-              <a:rPr lang="fr-FR" dirty="0"/>
+              <a:rPr lang="fr-FR" dirty="0" smtClean="0"/>
               <a:t>Nouveau </a:t>
             </a:r>
             <a:r>
-              <a:rPr lang="fr-FR" dirty="0" err="1"/>
+              <a:rPr lang="fr-FR" dirty="0" err="1" smtClean="0"/>
               <a:t>PubMed</a:t>
             </a:r>
             <a:r>
-              <a:rPr lang="fr-FR" dirty="0"/>
-              <a:t> : acceptée dans une </a:t>
-            </a:r>
-            <a:r>
-              <a:rPr lang="fr-FR" dirty="0">
-                <a:solidFill>
-                  <a:srgbClr val="009DE0"/>
-                </a:solidFill>
-              </a:rPr>
-              <a:t>expression exacte</a:t>
-            </a:r>
-            <a:r>
-              <a:rPr lang="fr-FR" dirty="0"/>
-              <a:t>, mais seulement à la fin du dernier mot : "</a:t>
-            </a:r>
-            <a:r>
-              <a:rPr lang="fr-FR" strike="sngStrike" dirty="0" err="1"/>
-              <a:t>determinant</a:t>
-            </a:r>
-            <a:r>
-              <a:rPr lang="fr-FR" strike="sngStrike" dirty="0"/>
-              <a:t>* of </a:t>
-            </a:r>
-            <a:r>
-              <a:rPr lang="fr-FR" strike="sngStrike" dirty="0" err="1"/>
-              <a:t>health</a:t>
-            </a:r>
-            <a:r>
-              <a:rPr lang="fr-FR" dirty="0"/>
-              <a:t>" à remplacer par </a:t>
-            </a:r>
-            <a:r>
-              <a:rPr lang="fr-FR" dirty="0">
-                <a:solidFill>
-                  <a:srgbClr val="009DE0"/>
-                </a:solidFill>
-              </a:rPr>
-              <a:t>"</a:t>
-            </a:r>
-            <a:r>
-              <a:rPr lang="fr-FR" dirty="0" err="1">
-                <a:solidFill>
-                  <a:srgbClr val="009DE0"/>
-                </a:solidFill>
-              </a:rPr>
-              <a:t>determinant</a:t>
-            </a:r>
-            <a:r>
-              <a:rPr lang="fr-FR" dirty="0">
-                <a:solidFill>
-                  <a:srgbClr val="009DE0"/>
-                </a:solidFill>
-              </a:rPr>
-              <a:t> of </a:t>
-            </a:r>
-            <a:r>
-              <a:rPr lang="fr-FR" dirty="0" err="1">
-                <a:solidFill>
-                  <a:srgbClr val="009DE0"/>
-                </a:solidFill>
-              </a:rPr>
-              <a:t>health</a:t>
-            </a:r>
-            <a:r>
-              <a:rPr lang="fr-FR" dirty="0">
-                <a:solidFill>
-                  <a:srgbClr val="009DE0"/>
-                </a:solidFill>
-              </a:rPr>
-              <a:t>" OR "</a:t>
-            </a:r>
-            <a:r>
-              <a:rPr lang="fr-FR" dirty="0" err="1">
-                <a:solidFill>
-                  <a:srgbClr val="009DE0"/>
-                </a:solidFill>
-              </a:rPr>
-              <a:t>determinants</a:t>
-            </a:r>
-            <a:r>
-              <a:rPr lang="fr-FR" dirty="0">
-                <a:solidFill>
-                  <a:srgbClr val="009DE0"/>
-                </a:solidFill>
-              </a:rPr>
-              <a:t> of </a:t>
-            </a:r>
-            <a:r>
-              <a:rPr lang="fr-FR" dirty="0" err="1">
-                <a:solidFill>
-                  <a:srgbClr val="009DE0"/>
-                </a:solidFill>
-              </a:rPr>
-              <a:t>health</a:t>
-            </a:r>
-            <a:r>
-              <a:rPr lang="fr-FR" dirty="0">
-                <a:solidFill>
-                  <a:srgbClr val="009DE0"/>
-                </a:solidFill>
-              </a:rPr>
-              <a:t>" </a:t>
+              <a:rPr lang="fr-FR" dirty="0" smtClean="0"/>
+              <a:t> : plus de limitations dans le nombre de variantes retrouvées (600 auparavant)</a:t>
             </a:r>
           </a:p>
           <a:p>
             <a:pPr lvl="1"/>
             <a:r>
-              <a:rPr lang="fr-FR" dirty="0"/>
+              <a:rPr lang="fr-FR" dirty="0" smtClean="0"/>
               <a:t>Nouveau </a:t>
             </a:r>
             <a:r>
-              <a:rPr lang="fr-FR" dirty="0" err="1"/>
+              <a:rPr lang="fr-FR" dirty="0" err="1" smtClean="0"/>
               <a:t>PubMed</a:t>
             </a:r>
             <a:r>
-              <a:rPr lang="fr-FR" dirty="0"/>
-              <a:t> : plus de limitations dans le nombre de variantes retrouvées (600 auparavant)</a:t>
+              <a:rPr lang="fr-FR" dirty="0" smtClean="0"/>
+              <a:t> : les variations retrouvées ne sont plus affichées dans les détails de la recherche</a:t>
             </a:r>
           </a:p>
           <a:p>
             <a:pPr lvl="1"/>
-            <a:r>
-              <a:rPr lang="fr-FR" dirty="0"/>
-              <a:t>Nouveau </a:t>
-            </a:r>
-            <a:r>
-              <a:rPr lang="fr-FR" dirty="0" err="1"/>
-              <a:t>PubMed</a:t>
-            </a:r>
-            <a:r>
-              <a:rPr lang="fr-FR" dirty="0"/>
-              <a:t> : les variations retrouvées ne sont plus affichées dans les détails de la recherche</a:t>
-            </a:r>
-          </a:p>
-          <a:p>
-            <a:pPr lvl="1"/>
-            <a:endParaRPr lang="fr-FR" dirty="0"/>
+            <a:endParaRPr lang="fr-FR" dirty="0" smtClean="0"/>
           </a:p>
           <a:p>
             <a:pPr lvl="1"/>
@@ -10435,8 +10915,8 @@
               <a:defRPr/>
             </a:pPr>
             <a:r>
-              <a:rPr lang="fr-FR"/>
-              <a:t>F. Flamerie - Trucs et astuces de PubMed - 2022-05-24</a:t>
+              <a:rPr lang="fr-FR" smtClean="0"/>
+              <a:t>F. Flamerie - Trucs et astuces de PubMed - màj : 2022-12-07</a:t>
             </a:r>
             <a:endParaRPr lang="fr-FR" dirty="0"/>
           </a:p>
@@ -10476,6 +10956,13 @@
   <p:clrMapOvr>
     <a:masterClrMapping/>
   </p:clrMapOvr>
+  <p:timing>
+    <p:tnLst>
+      <p:par>
+        <p:cTn id="1" dur="indefinite" restart="never" nodeType="tmRoot"/>
+      </p:par>
+    </p:tnLst>
+  </p:timing>
 </p:sld>
 </file>
 
@@ -10517,9 +11004,10 @@
           <a:lstStyle/>
           <a:p>
             <a:r>
-              <a:rPr lang="fr-FR" dirty="0"/>
+              <a:rPr lang="fr-FR" dirty="0" smtClean="0"/>
               <a:t>Mode 3 : création ou édition manuelle</a:t>
             </a:r>
+            <a:endParaRPr lang="fr-FR" dirty="0"/>
           </a:p>
         </p:txBody>
       </p:sp>
@@ -10544,8 +11032,8 @@
           <a:lstStyle/>
           <a:p>
             <a:r>
-              <a:rPr lang="fr-FR"/>
-              <a:t>F. Flamerie - Trucs et astuces de PubMed - 2022-05-24</a:t>
+              <a:rPr lang="fr-FR" smtClean="0"/>
+              <a:t>F. Flamerie - Trucs et astuces de PubMed - màj : 2022-12-07</a:t>
             </a:r>
             <a:endParaRPr lang="fr-FR" dirty="0"/>
           </a:p>
@@ -10615,7 +11103,7 @@
           <p:cNvPr id="7" name="Arrow34" descr="{&quot;Key&quot;:&quot;POWER_USER_SHAPE_ICON&quot;,&quot;Value&quot;:&quot;POWER_USER_SHAPE_ICON_STYLE_1&quot;}">
             <a:extLst>
               <a:ext uri="{FF2B5EF4-FFF2-40B4-BE49-F238E27FC236}">
-                <a16:creationId xmlns="" xmlns:a16="http://schemas.microsoft.com/office/drawing/2014/main" id="{43E68E00-EA18-49EE-91A7-B065011E5152}"/>
+                <a16:creationId xmlns:a16="http://schemas.microsoft.com/office/drawing/2014/main" xmlns="" id="{43E68E00-EA18-49EE-91A7-B065011E5152}"/>
               </a:ext>
             </a:extLst>
           </p:cNvPr>
@@ -10640,7 +11128,7 @@
             <p:cNvPr id="8" name="Freeform 195">
               <a:extLst>
                 <a:ext uri="{FF2B5EF4-FFF2-40B4-BE49-F238E27FC236}">
-                  <a16:creationId xmlns="" xmlns:a16="http://schemas.microsoft.com/office/drawing/2014/main" id="{B426E1A2-1601-4CCF-ADA5-FD9317539629}"/>
+                  <a16:creationId xmlns:a16="http://schemas.microsoft.com/office/drawing/2014/main" xmlns="" id="{B426E1A2-1601-4CCF-ADA5-FD9317539629}"/>
                 </a:ext>
               </a:extLst>
             </p:cNvPr>
@@ -10800,7 +11288,7 @@
             <p:cNvPr id="9" name="Freeform 196">
               <a:extLst>
                 <a:ext uri="{FF2B5EF4-FFF2-40B4-BE49-F238E27FC236}">
-                  <a16:creationId xmlns="" xmlns:a16="http://schemas.microsoft.com/office/drawing/2014/main" id="{7CA8E433-9ACF-4A11-B832-05AE8A209954}"/>
+                  <a16:creationId xmlns:a16="http://schemas.microsoft.com/office/drawing/2014/main" xmlns="" id="{7CA8E433-9ACF-4A11-B832-05AE8A209954}"/>
                 </a:ext>
               </a:extLst>
             </p:cNvPr>
@@ -10960,7 +11448,7 @@
             <p:cNvPr id="10" name="Freeform 197">
               <a:extLst>
                 <a:ext uri="{FF2B5EF4-FFF2-40B4-BE49-F238E27FC236}">
-                  <a16:creationId xmlns="" xmlns:a16="http://schemas.microsoft.com/office/drawing/2014/main" id="{B1AA219A-44DC-4DD1-B062-924FC970BD8C}"/>
+                  <a16:creationId xmlns:a16="http://schemas.microsoft.com/office/drawing/2014/main" xmlns="" id="{B1AA219A-44DC-4DD1-B062-924FC970BD8C}"/>
                 </a:ext>
               </a:extLst>
             </p:cNvPr>
@@ -11116,7 +11604,7 @@
             <p:cNvPr id="11" name="Freeform 198">
               <a:extLst>
                 <a:ext uri="{FF2B5EF4-FFF2-40B4-BE49-F238E27FC236}">
-                  <a16:creationId xmlns="" xmlns:a16="http://schemas.microsoft.com/office/drawing/2014/main" id="{D93843A3-5211-4329-AAB5-9A71A272F9BF}"/>
+                  <a16:creationId xmlns:a16="http://schemas.microsoft.com/office/drawing/2014/main" xmlns="" id="{D93843A3-5211-4329-AAB5-9A71A272F9BF}"/>
                 </a:ext>
               </a:extLst>
             </p:cNvPr>
@@ -11365,8 +11853,8 @@
         </p:nvSpPr>
         <p:spPr>
           <a:xfrm>
-            <a:off x="7469777" y="2769746"/>
-            <a:ext cx="4539341" cy="1797410"/>
+            <a:off x="7469777" y="2769745"/>
+            <a:ext cx="4539341" cy="2743031"/>
           </a:xfrm>
           <a:solidFill>
             <a:schemeClr val="bg1"/>
@@ -11380,49 +11868,57 @@
         </p:spPr>
         <p:txBody>
           <a:bodyPr>
-            <a:normAutofit/>
+            <a:normAutofit lnSpcReduction="10000"/>
           </a:bodyPr>
           <a:lstStyle/>
           <a:p>
             <a:pPr marL="0" indent="0">
+              <a:lnSpc>
+                <a:spcPct val="110000"/>
+              </a:lnSpc>
               <a:buNone/>
             </a:pPr>
             <a:r>
-              <a:rPr lang="fr-FR" dirty="0"/>
+              <a:rPr lang="fr-FR" dirty="0" smtClean="0"/>
               <a:t>Depuis le </a:t>
             </a:r>
             <a:r>
-              <a:rPr lang="fr-FR" i="1" dirty="0" err="1"/>
+              <a:rPr lang="fr-FR" i="1" dirty="0" err="1" smtClean="0"/>
               <a:t>Search</a:t>
             </a:r>
             <a:r>
-              <a:rPr lang="fr-FR" i="1" dirty="0"/>
+              <a:rPr lang="fr-FR" i="1" dirty="0" smtClean="0"/>
               <a:t> </a:t>
             </a:r>
             <a:r>
-              <a:rPr lang="fr-FR" i="1" dirty="0" err="1"/>
+              <a:rPr lang="fr-FR" i="1" dirty="0" err="1" smtClean="0"/>
               <a:t>builder</a:t>
             </a:r>
             <a:r>
-              <a:rPr lang="fr-FR" i="1" dirty="0"/>
+              <a:rPr lang="fr-FR" i="1" dirty="0" smtClean="0"/>
               <a:t> : </a:t>
             </a:r>
             <a:r>
-              <a:rPr lang="fr-FR" dirty="0"/>
+              <a:rPr lang="fr-FR" dirty="0" smtClean="0"/>
               <a:t>ajouter la requête dans la </a:t>
             </a:r>
             <a:r>
-              <a:rPr lang="fr-FR" i="1" dirty="0" err="1"/>
+              <a:rPr lang="fr-FR" i="1" dirty="0" err="1" smtClean="0"/>
               <a:t>Query</a:t>
             </a:r>
             <a:r>
-              <a:rPr lang="fr-FR" i="1" dirty="0"/>
+              <a:rPr lang="fr-FR" i="1" dirty="0" smtClean="0"/>
               <a:t> box </a:t>
             </a:r>
             <a:r>
-              <a:rPr lang="fr-FR" dirty="0"/>
-              <a:t>pour la modifier manuellement.</a:t>
-            </a:r>
+              <a:rPr lang="fr-FR" dirty="0" smtClean="0"/>
+              <a:t>pour la modifier </a:t>
+            </a:r>
+            <a:r>
+              <a:rPr lang="fr-FR" dirty="0" smtClean="0"/>
+              <a:t>manuellement, et utiliser par exemple la recherche par proximité.</a:t>
+            </a:r>
+            <a:endParaRPr lang="fr-FR" dirty="0"/>
           </a:p>
         </p:txBody>
       </p:sp>
@@ -11436,6 +11932,13 @@
   <p:clrMapOvr>
     <a:masterClrMapping/>
   </p:clrMapOvr>
+  <p:timing>
+    <p:tnLst>
+      <p:par>
+        <p:cTn id="1" dur="indefinite" restart="never" nodeType="tmRoot"/>
+      </p:par>
+    </p:tnLst>
+  </p:timing>
 </p:sld>
 </file>
 
@@ -11483,8 +11986,8 @@
               <a:defRPr/>
             </a:pPr>
             <a:r>
-              <a:rPr lang="fr-FR"/>
-              <a:t>F. Flamerie - Trucs et astuces de PubMed - 2022-05-24</a:t>
+              <a:rPr lang="fr-FR" smtClean="0"/>
+              <a:t>F. Flamerie - Trucs et astuces de PubMed - màj : 2022-12-07</a:t>
             </a:r>
             <a:endParaRPr lang="fr-FR" dirty="0"/>
           </a:p>
@@ -11552,11 +12055,19 @@
               <a:defRPr/>
             </a:pPr>
             <a:r>
-              <a:rPr lang="fr-FR" sz="2000" dirty="0">
+              <a:rPr lang="fr-FR" sz="2000" dirty="0" smtClean="0">
                 <a:latin typeface="Corbel" panose="020B0503020204020204" pitchFamily="34" charset="0"/>
                 <a:cs typeface="Calibri" panose="020F0502020204030204" pitchFamily="34" charset="0"/>
               </a:rPr>
               <a:t>Codes de champ utilisables: </a:t>
+            </a:r>
+            <a:r>
+              <a:rPr lang="en-US" sz="2000" dirty="0" smtClean="0">
+                <a:latin typeface="Corbel" panose="020B0503020204020204" pitchFamily="34" charset="0"/>
+                <a:cs typeface="Calibri" panose="020F0502020204030204" pitchFamily="34" charset="0"/>
+                <a:hlinkClick r:id="rId4"/>
+              </a:rPr>
+              <a:t>Search </a:t>
             </a:r>
             <a:r>
               <a:rPr lang="en-US" sz="2000" dirty="0">
@@ -11564,9 +12075,17 @@
                 <a:cs typeface="Calibri" panose="020F0502020204030204" pitchFamily="34" charset="0"/>
                 <a:hlinkClick r:id="rId4"/>
               </a:rPr>
-              <a:t>Search Field descriptions and tags</a:t>
-            </a:r>
-            <a:endParaRPr lang="en-US" sz="2000" dirty="0">
+              <a:t>Field descriptions and </a:t>
+            </a:r>
+            <a:r>
+              <a:rPr lang="en-US" sz="2000" dirty="0" smtClean="0">
+                <a:latin typeface="Corbel" panose="020B0503020204020204" pitchFamily="34" charset="0"/>
+                <a:cs typeface="Calibri" panose="020F0502020204030204" pitchFamily="34" charset="0"/>
+                <a:hlinkClick r:id="rId4"/>
+              </a:rPr>
+              <a:t>tags</a:t>
+            </a:r>
+            <a:endParaRPr lang="en-US" sz="2000" dirty="0" smtClean="0">
               <a:latin typeface="Corbel" panose="020B0503020204020204" pitchFamily="34" charset="0"/>
               <a:cs typeface="Calibri" panose="020F0502020204030204" pitchFamily="34" charset="0"/>
             </a:endParaRPr>
@@ -11721,9 +12240,16 @@
                 <a:latin typeface="Corbel" panose="020B0503020204020204" pitchFamily="34" charset="0"/>
                 <a:cs typeface="Calibri" panose="020F0502020204030204" pitchFamily="34" charset="0"/>
               </a:rPr>
-              <a:t>, les mots-clés auteurs, les types de publication, les noms de substance, etc.</a:t>
-            </a:r>
-            <a:endParaRPr lang="en-US" sz="2000" dirty="0">
+              <a:t>, les mots-clés auteurs, les types de publication, les noms de substance, etc</a:t>
+            </a:r>
+            <a:r>
+              <a:rPr lang="fr-FR" altLang="fr-FR" sz="2000" dirty="0" smtClean="0">
+                <a:latin typeface="Corbel" panose="020B0503020204020204" pitchFamily="34" charset="0"/>
+                <a:cs typeface="Calibri" panose="020F0502020204030204" pitchFamily="34" charset="0"/>
+              </a:rPr>
+              <a:t>.</a:t>
+            </a:r>
+            <a:endParaRPr lang="en-US" sz="2000" dirty="0" smtClean="0">
               <a:latin typeface="Corbel" panose="020B0503020204020204" pitchFamily="34" charset="0"/>
               <a:cs typeface="Calibri" panose="020F0502020204030204" pitchFamily="34" charset="0"/>
             </a:endParaRPr>
@@ -11735,91 +12261,91 @@
               <a:defRPr/>
             </a:pPr>
             <a:r>
-              <a:rPr lang="en-US" sz="2000" dirty="0" err="1">
+              <a:rPr lang="en-US" sz="2000" dirty="0" err="1" smtClean="0">
                 <a:latin typeface="Corbel" panose="020B0503020204020204" pitchFamily="34" charset="0"/>
                 <a:cs typeface="Calibri" panose="020F0502020204030204" pitchFamily="34" charset="0"/>
               </a:rPr>
               <a:t>Certains</a:t>
             </a:r>
             <a:r>
-              <a:rPr lang="en-US" sz="2000" dirty="0">
+              <a:rPr lang="en-US" sz="2000" dirty="0" smtClean="0">
                 <a:latin typeface="Corbel" panose="020B0503020204020204" pitchFamily="34" charset="0"/>
                 <a:cs typeface="Calibri" panose="020F0502020204030204" pitchFamily="34" charset="0"/>
               </a:rPr>
               <a:t> de </a:t>
             </a:r>
             <a:r>
-              <a:rPr lang="en-US" sz="2000" dirty="0" err="1">
+              <a:rPr lang="en-US" sz="2000" dirty="0" err="1" smtClean="0">
                 <a:latin typeface="Corbel" panose="020B0503020204020204" pitchFamily="34" charset="0"/>
                 <a:cs typeface="Calibri" panose="020F0502020204030204" pitchFamily="34" charset="0"/>
               </a:rPr>
               <a:t>ces</a:t>
             </a:r>
             <a:r>
-              <a:rPr lang="en-US" sz="2000" dirty="0">
+              <a:rPr lang="en-US" sz="2000" dirty="0" smtClean="0">
                 <a:latin typeface="Corbel" panose="020B0503020204020204" pitchFamily="34" charset="0"/>
                 <a:cs typeface="Calibri" panose="020F0502020204030204" pitchFamily="34" charset="0"/>
               </a:rPr>
               <a:t> champs </a:t>
             </a:r>
             <a:r>
-              <a:rPr lang="en-US" sz="2000" dirty="0" err="1">
+              <a:rPr lang="en-US" sz="2000" dirty="0" err="1" smtClean="0">
                 <a:latin typeface="Corbel" panose="020B0503020204020204" pitchFamily="34" charset="0"/>
                 <a:cs typeface="Calibri" panose="020F0502020204030204" pitchFamily="34" charset="0"/>
               </a:rPr>
               <a:t>sont</a:t>
             </a:r>
             <a:r>
-              <a:rPr lang="en-US" sz="2000" dirty="0">
+              <a:rPr lang="en-US" sz="2000" dirty="0" smtClean="0">
                 <a:latin typeface="Corbel" panose="020B0503020204020204" pitchFamily="34" charset="0"/>
                 <a:cs typeface="Calibri" panose="020F0502020204030204" pitchFamily="34" charset="0"/>
               </a:rPr>
               <a:t> </a:t>
             </a:r>
             <a:r>
-              <a:rPr lang="en-US" sz="2000" dirty="0" err="1">
+              <a:rPr lang="en-US" sz="2000" dirty="0" err="1" smtClean="0">
                 <a:latin typeface="Corbel" panose="020B0503020204020204" pitchFamily="34" charset="0"/>
                 <a:cs typeface="Calibri" panose="020F0502020204030204" pitchFamily="34" charset="0"/>
               </a:rPr>
               <a:t>également</a:t>
             </a:r>
             <a:r>
-              <a:rPr lang="en-US" sz="2000" dirty="0">
+              <a:rPr lang="en-US" sz="2000" dirty="0" smtClean="0">
                 <a:latin typeface="Corbel" panose="020B0503020204020204" pitchFamily="34" charset="0"/>
                 <a:cs typeface="Calibri" panose="020F0502020204030204" pitchFamily="34" charset="0"/>
               </a:rPr>
               <a:t> </a:t>
             </a:r>
             <a:r>
-              <a:rPr lang="en-US" sz="2000" dirty="0" err="1">
+              <a:rPr lang="en-US" sz="2000" dirty="0" err="1" smtClean="0">
                 <a:latin typeface="Corbel" panose="020B0503020204020204" pitchFamily="34" charset="0"/>
                 <a:cs typeface="Calibri" panose="020F0502020204030204" pitchFamily="34" charset="0"/>
               </a:rPr>
               <a:t>disponibles</a:t>
             </a:r>
             <a:r>
-              <a:rPr lang="en-US" sz="2000" dirty="0">
+              <a:rPr lang="en-US" sz="2000" dirty="0" smtClean="0">
                 <a:latin typeface="Corbel" panose="020B0503020204020204" pitchFamily="34" charset="0"/>
                 <a:cs typeface="Calibri" panose="020F0502020204030204" pitchFamily="34" charset="0"/>
               </a:rPr>
               <a:t> sous </a:t>
             </a:r>
             <a:r>
-              <a:rPr lang="en-US" sz="2000" dirty="0" err="1">
+              <a:rPr lang="en-US" sz="2000" dirty="0" err="1" smtClean="0">
                 <a:latin typeface="Corbel" panose="020B0503020204020204" pitchFamily="34" charset="0"/>
                 <a:cs typeface="Calibri" panose="020F0502020204030204" pitchFamily="34" charset="0"/>
               </a:rPr>
               <a:t>forme</a:t>
             </a:r>
             <a:r>
-              <a:rPr lang="en-US" sz="2000" dirty="0">
+              <a:rPr lang="en-US" sz="2000" dirty="0" smtClean="0">
                 <a:latin typeface="Corbel" panose="020B0503020204020204" pitchFamily="34" charset="0"/>
                 <a:cs typeface="Calibri" panose="020F0502020204030204" pitchFamily="34" charset="0"/>
               </a:rPr>
               <a:t> de </a:t>
             </a:r>
             <a:r>
-              <a:rPr lang="en-US" sz="2000" dirty="0" err="1">
+              <a:rPr lang="en-US" sz="2000" dirty="0" err="1" smtClean="0">
                 <a:solidFill>
                   <a:srgbClr val="009DE0"/>
                 </a:solidFill>
@@ -11828,7 +12354,7 @@
               </a:rPr>
               <a:t>filtres</a:t>
             </a:r>
-            <a:endParaRPr lang="en-US" sz="2000" dirty="0">
+            <a:endParaRPr lang="en-US" sz="2000" dirty="0" smtClean="0">
               <a:solidFill>
                 <a:srgbClr val="009DE0"/>
               </a:solidFill>
@@ -11870,9 +12396,10 @@
           <a:lstStyle/>
           <a:p>
             <a:r>
-              <a:rPr lang="fr-FR" dirty="0"/>
+              <a:rPr lang="fr-FR" dirty="0" smtClean="0"/>
               <a:t>Mode 3 : création ou édition manuelle</a:t>
             </a:r>
+            <a:endParaRPr lang="fr-FR" dirty="0"/>
           </a:p>
         </p:txBody>
       </p:sp>
@@ -11910,6 +12437,13 @@
   <p:clrMapOvr>
     <a:masterClrMapping/>
   </p:clrMapOvr>
+  <p:timing>
+    <p:tnLst>
+      <p:par>
+        <p:cTn id="1" dur="indefinite" restart="never" nodeType="tmRoot"/>
+      </p:par>
+    </p:tnLst>
+  </p:timing>
 </p:sld>
 </file>
 
@@ -11932,7 +12466,7 @@
       </p:grpSpPr>
       <p:sp>
         <p:nvSpPr>
-          <p:cNvPr id="9" name="Titre 1"/>
+          <p:cNvPr id="2" name="Titre 1"/>
           <p:cNvSpPr>
             <a:spLocks noGrp="1"/>
           </p:cNvSpPr>
@@ -11940,129 +12474,24 @@
             <p:ph type="title"/>
           </p:nvPr>
         </p:nvSpPr>
-        <p:spPr/>
+        <p:spPr>
+          <a:xfrm>
+            <a:off x="827314" y="76202"/>
+            <a:ext cx="10515600" cy="1325563"/>
+          </a:xfrm>
+        </p:spPr>
         <p:txBody>
           <a:bodyPr/>
           <a:lstStyle/>
           <a:p>
             <a:r>
-              <a:rPr lang="fr-FR" dirty="0"/>
-              <a:t>Modes 1, 2, 3 : algorithme </a:t>
-            </a:r>
-            <a:r>
-              <a:rPr lang="fr-FR" i="1" dirty="0"/>
-              <a:t>Best match</a:t>
-            </a:r>
-          </a:p>
-        </p:txBody>
-      </p:sp>
-      <p:sp>
-        <p:nvSpPr>
-          <p:cNvPr id="2" name="Espace réservé du contenu 1"/>
-          <p:cNvSpPr>
-            <a:spLocks noGrp="1"/>
-          </p:cNvSpPr>
-          <p:nvPr>
-            <p:ph idx="1"/>
-          </p:nvPr>
-        </p:nvSpPr>
-        <p:spPr>
-          <a:xfrm>
-            <a:off x="838200" y="1594132"/>
-            <a:ext cx="10515600" cy="4351338"/>
-          </a:xfrm>
-        </p:spPr>
-        <p:txBody>
-          <a:bodyPr>
-            <a:normAutofit/>
-          </a:bodyPr>
-          <a:lstStyle/>
-          <a:p>
-            <a:r>
-              <a:rPr lang="fr-FR" dirty="0"/>
-              <a:t> L’algorithme de pertinence précédent utilisé pour classer les résultats de recherche était fondé sur la </a:t>
-            </a:r>
-            <a:r>
-              <a:rPr lang="fr-FR" dirty="0">
-                <a:solidFill>
-                  <a:srgbClr val="009DE0"/>
-                </a:solidFill>
-              </a:rPr>
-              <a:t>fréquence d’utilisation </a:t>
-            </a:r>
-            <a:r>
-              <a:rPr lang="fr-FR" dirty="0"/>
-              <a:t>des mots-clés et leur </a:t>
-            </a:r>
-            <a:r>
-              <a:rPr lang="fr-FR" dirty="0">
-                <a:solidFill>
-                  <a:srgbClr val="009DE0"/>
-                </a:solidFill>
-              </a:rPr>
-              <a:t>emplacement</a:t>
-            </a:r>
-            <a:r>
-              <a:rPr lang="fr-FR" dirty="0"/>
-              <a:t> (titre, résumé, etc.).</a:t>
-            </a:r>
-          </a:p>
-          <a:p>
-            <a:r>
-              <a:rPr lang="fr-FR" dirty="0"/>
-              <a:t> Le nouvel algorithme </a:t>
-            </a:r>
-            <a:r>
-              <a:rPr lang="fr-FR" i="1" dirty="0"/>
-              <a:t>Best match</a:t>
-            </a:r>
-            <a:r>
-              <a:rPr lang="fr-FR" dirty="0"/>
-              <a:t>, utilisant l’apprentissage automatique,  prend en compte </a:t>
-            </a:r>
-            <a:r>
-              <a:rPr lang="fr-FR" dirty="0">
-                <a:solidFill>
-                  <a:srgbClr val="009DE0"/>
-                </a:solidFill>
-              </a:rPr>
-              <a:t>plus de 150 signaux </a:t>
-            </a:r>
-            <a:r>
-              <a:rPr lang="fr-FR" dirty="0"/>
-              <a:t>pour classer les résultats :  année de publication, type de publication, etc. </a:t>
-            </a:r>
-          </a:p>
-          <a:p>
-            <a:r>
-              <a:rPr lang="fr-FR" dirty="0"/>
-              <a:t> Les résultats les plus récents ou disposant du plus haut niveau de preuve (revues systématiques et méta-analyses) sont favorisés.</a:t>
-            </a:r>
-          </a:p>
-          <a:p>
-            <a:r>
-              <a:rPr lang="fr-FR" dirty="0">
-                <a:hlinkClick r:id="rId3"/>
-              </a:rPr>
-              <a:t> En savoir plus sur le Best match sur le site de </a:t>
-            </a:r>
-            <a:r>
-              <a:rPr lang="fr-FR" dirty="0" err="1">
-                <a:hlinkClick r:id="rId3"/>
-              </a:rPr>
-              <a:t>PubMed</a:t>
-            </a:r>
-            <a:endParaRPr lang="fr-FR" dirty="0"/>
-          </a:p>
-          <a:p>
-            <a:pPr lvl="1"/>
-            <a:endParaRPr lang="fr-FR" dirty="0"/>
-          </a:p>
-          <a:p>
-            <a:pPr lvl="1"/>
-            <a:endParaRPr lang="fr-FR" dirty="0"/>
-          </a:p>
-          <a:p>
+              <a:rPr lang="fr-FR" dirty="0" smtClean="0"/>
+              <a:t>Mode 3 : </a:t>
+            </a:r>
+            <a:r>
+              <a:rPr lang="fr-FR" dirty="0" smtClean="0"/>
+              <a:t>recherche par proximité 1/2 </a:t>
+            </a:r>
             <a:endParaRPr lang="fr-FR" dirty="0"/>
           </a:p>
         </p:txBody>
@@ -12078,20 +12507,18 @@
           </p:nvPr>
         </p:nvSpPr>
         <p:spPr>
-          <a:prstGeom prst="rect">
-            <a:avLst/>
-          </a:prstGeom>
+          <a:xfrm>
+            <a:off x="4027714" y="6492875"/>
+            <a:ext cx="4114800" cy="365125"/>
+          </a:xfrm>
         </p:spPr>
         <p:txBody>
           <a:bodyPr/>
           <a:lstStyle/>
           <a:p>
-            <a:pPr>
-              <a:defRPr/>
-            </a:pPr>
-            <a:r>
-              <a:rPr lang="fr-FR"/>
-              <a:t>F. Flamerie - Trucs et astuces de PubMed - 2022-05-24</a:t>
+            <a:r>
+              <a:rPr lang="fr-FR" smtClean="0"/>
+              <a:t>F. Flamerie - Trucs et astuces de PubMed - màj : 2022-12-07</a:t>
             </a:r>
             <a:endParaRPr lang="fr-FR" dirty="0"/>
           </a:p>
@@ -12099,7 +12526,7 @@
       </p:sp>
       <p:sp>
         <p:nvSpPr>
-          <p:cNvPr id="3" name="Espace réservé du numéro de diapositive 2"/>
+          <p:cNvPr id="5" name="Espace réservé du numéro de diapositive 4"/>
           <p:cNvSpPr>
             <a:spLocks noGrp="1"/>
           </p:cNvSpPr>
@@ -12107,7 +12534,12 @@
             <p:ph type="sldNum" sz="quarter" idx="12"/>
           </p:nvPr>
         </p:nvSpPr>
-        <p:spPr/>
+        <p:spPr>
+          <a:xfrm>
+            <a:off x="8599714" y="6595838"/>
+            <a:ext cx="2743200" cy="365125"/>
+          </a:xfrm>
+        </p:spPr>
         <p:txBody>
           <a:bodyPr/>
           <a:lstStyle/>
@@ -12121,16 +12553,648 @@
           </a:p>
         </p:txBody>
       </p:sp>
+      <p:sp>
+        <p:nvSpPr>
+          <p:cNvPr id="13" name="Espace réservé du contenu 12"/>
+          <p:cNvSpPr>
+            <a:spLocks noGrp="1"/>
+          </p:cNvSpPr>
+          <p:nvPr>
+            <p:ph idx="1"/>
+          </p:nvPr>
+        </p:nvSpPr>
+        <p:spPr>
+          <a:xfrm>
+            <a:off x="934916" y="1333255"/>
+            <a:ext cx="10890738" cy="5049959"/>
+          </a:xfrm>
+        </p:spPr>
+        <p:txBody>
+          <a:bodyPr>
+            <a:normAutofit fontScale="85000" lnSpcReduction="10000"/>
+          </a:bodyPr>
+          <a:lstStyle/>
+          <a:p>
+            <a:pPr>
+              <a:lnSpc>
+                <a:spcPct val="110000"/>
+              </a:lnSpc>
+            </a:pPr>
+            <a:r>
+              <a:rPr lang="fr-FR" dirty="0" smtClean="0"/>
+              <a:t> La recherche par proximité consiste à définir </a:t>
+            </a:r>
+            <a:r>
+              <a:rPr lang="fr-FR" b="1" dirty="0" smtClean="0"/>
+              <a:t>un écart maximal</a:t>
+            </a:r>
+            <a:r>
+              <a:rPr lang="fr-FR" dirty="0" smtClean="0"/>
+              <a:t>, exprimé en termes de mots, entre les termes recherchés.</a:t>
+            </a:r>
+          </a:p>
+          <a:p>
+            <a:pPr>
+              <a:lnSpc>
+                <a:spcPct val="110000"/>
+              </a:lnSpc>
+            </a:pPr>
+            <a:r>
+              <a:rPr lang="fr-FR" dirty="0" smtClean="0"/>
+              <a:t> Format de saisie : </a:t>
+            </a:r>
+            <a:r>
+              <a:rPr lang="en-US" b="1" dirty="0"/>
+              <a:t>"</a:t>
+            </a:r>
+            <a:r>
+              <a:rPr lang="en-US" b="1" dirty="0" err="1" smtClean="0"/>
+              <a:t>termes</a:t>
+            </a:r>
+            <a:r>
+              <a:rPr lang="en-US" b="1" dirty="0" smtClean="0"/>
+              <a:t> </a:t>
+            </a:r>
+            <a:r>
+              <a:rPr lang="en-US" b="1" dirty="0" err="1" smtClean="0"/>
+              <a:t>recherchés</a:t>
+            </a:r>
+            <a:r>
+              <a:rPr lang="en-US" b="1" dirty="0" smtClean="0"/>
+              <a:t>"[champ:~</a:t>
+            </a:r>
+            <a:r>
+              <a:rPr lang="en-US" b="1" dirty="0"/>
+              <a:t>N]</a:t>
+            </a:r>
+          </a:p>
+          <a:p>
+            <a:pPr lvl="1">
+              <a:lnSpc>
+                <a:spcPct val="110000"/>
+              </a:lnSpc>
+            </a:pPr>
+            <a:r>
+              <a:rPr lang="en-US" dirty="0" err="1" smtClean="0"/>
+              <a:t>termes</a:t>
+            </a:r>
+            <a:r>
+              <a:rPr lang="en-US" dirty="0" smtClean="0"/>
+              <a:t>  </a:t>
+            </a:r>
+            <a:r>
+              <a:rPr lang="en-US" dirty="0" err="1" smtClean="0"/>
+              <a:t>recherchés</a:t>
+            </a:r>
+            <a:r>
+              <a:rPr lang="en-US" dirty="0" smtClean="0"/>
+              <a:t> = au </a:t>
+            </a:r>
+            <a:r>
+              <a:rPr lang="en-US" dirty="0" err="1" smtClean="0"/>
+              <a:t>moins</a:t>
+            </a:r>
+            <a:r>
+              <a:rPr lang="en-US" dirty="0" smtClean="0"/>
+              <a:t> </a:t>
+            </a:r>
+            <a:r>
+              <a:rPr lang="en-US" dirty="0" err="1" smtClean="0"/>
+              <a:t>deux</a:t>
+            </a:r>
+            <a:r>
+              <a:rPr lang="en-US" dirty="0" smtClean="0"/>
+              <a:t> mots, entre guillemets.</a:t>
+            </a:r>
+          </a:p>
+          <a:p>
+            <a:pPr lvl="1">
+              <a:lnSpc>
+                <a:spcPct val="110000"/>
+              </a:lnSpc>
+            </a:pPr>
+            <a:r>
+              <a:rPr lang="en-US" dirty="0" smtClean="0"/>
+              <a:t>champ </a:t>
+            </a:r>
+            <a:r>
+              <a:rPr lang="en-US" dirty="0"/>
+              <a:t>= </a:t>
+            </a:r>
+            <a:r>
+              <a:rPr lang="en-US" dirty="0" smtClean="0"/>
+              <a:t>le code de champ </a:t>
+            </a:r>
+            <a:r>
+              <a:rPr lang="en-US" dirty="0" err="1" smtClean="0"/>
+              <a:t>correspondant</a:t>
+            </a:r>
+            <a:r>
+              <a:rPr lang="en-US" dirty="0" smtClean="0"/>
+              <a:t> à </a:t>
+            </a:r>
+            <a:r>
+              <a:rPr lang="en-US" dirty="0" err="1" smtClean="0"/>
+              <a:t>l’un</a:t>
+            </a:r>
+            <a:r>
+              <a:rPr lang="en-US" dirty="0" smtClean="0"/>
+              <a:t> des 2 champs pour </a:t>
+            </a:r>
+            <a:r>
+              <a:rPr lang="en-US" dirty="0" err="1" smtClean="0"/>
+              <a:t>lesquels</a:t>
+            </a:r>
+            <a:r>
+              <a:rPr lang="en-US" dirty="0" smtClean="0"/>
+              <a:t> </a:t>
+            </a:r>
+            <a:r>
+              <a:rPr lang="en-US" dirty="0" err="1" smtClean="0"/>
+              <a:t>cette</a:t>
+            </a:r>
+            <a:r>
+              <a:rPr lang="en-US" dirty="0" smtClean="0"/>
+              <a:t> </a:t>
+            </a:r>
+            <a:r>
+              <a:rPr lang="en-US" dirty="0" err="1" smtClean="0"/>
+              <a:t>fonctionnalité</a:t>
+            </a:r>
+            <a:r>
+              <a:rPr lang="en-US" dirty="0" smtClean="0"/>
+              <a:t> </a:t>
+            </a:r>
+            <a:r>
+              <a:rPr lang="en-US" dirty="0" err="1" smtClean="0"/>
+              <a:t>est</a:t>
+            </a:r>
+            <a:r>
+              <a:rPr lang="en-US" dirty="0" smtClean="0"/>
+              <a:t> </a:t>
+            </a:r>
+            <a:r>
+              <a:rPr lang="en-US" dirty="0" err="1" smtClean="0"/>
+              <a:t>disponible</a:t>
+            </a:r>
+            <a:r>
+              <a:rPr lang="en-US" dirty="0" smtClean="0"/>
+              <a:t>, i.e. </a:t>
+            </a:r>
+            <a:r>
+              <a:rPr lang="en-US" dirty="0" err="1" smtClean="0"/>
+              <a:t>titre</a:t>
+            </a:r>
+            <a:r>
+              <a:rPr lang="en-US" dirty="0" smtClean="0"/>
+              <a:t> </a:t>
+            </a:r>
+            <a:r>
+              <a:rPr lang="en-US" b="1" dirty="0"/>
+              <a:t>[Title] </a:t>
+            </a:r>
+            <a:r>
+              <a:rPr lang="en-US" dirty="0" err="1" smtClean="0"/>
+              <a:t>ou</a:t>
+            </a:r>
+            <a:r>
+              <a:rPr lang="en-US" b="1" dirty="0" smtClean="0"/>
+              <a:t> [</a:t>
+            </a:r>
+            <a:r>
+              <a:rPr lang="en-US" b="1" dirty="0" err="1" smtClean="0"/>
+              <a:t>ti</a:t>
+            </a:r>
+            <a:r>
+              <a:rPr lang="en-US" b="1" dirty="0" smtClean="0"/>
+              <a:t>] </a:t>
+            </a:r>
+            <a:r>
+              <a:rPr lang="en-US" dirty="0" smtClean="0"/>
+              <a:t>et </a:t>
+            </a:r>
+            <a:r>
+              <a:rPr lang="en-US" dirty="0" err="1" smtClean="0"/>
+              <a:t>titre</a:t>
+            </a:r>
+            <a:r>
+              <a:rPr lang="en-US" dirty="0" smtClean="0"/>
+              <a:t>/résumé </a:t>
+            </a:r>
+            <a:r>
+              <a:rPr lang="en-US" b="1" dirty="0" smtClean="0"/>
+              <a:t>[Title/Abstract</a:t>
+            </a:r>
+            <a:r>
+              <a:rPr lang="en-US" b="1" dirty="0"/>
+              <a:t>]</a:t>
+            </a:r>
+            <a:r>
+              <a:rPr lang="en-US" dirty="0"/>
+              <a:t> </a:t>
+            </a:r>
+            <a:r>
+              <a:rPr lang="en-US" dirty="0" err="1" smtClean="0"/>
+              <a:t>ou</a:t>
+            </a:r>
+            <a:r>
+              <a:rPr lang="en-US" dirty="0" smtClean="0"/>
+              <a:t> </a:t>
+            </a:r>
+            <a:r>
+              <a:rPr lang="en-US" b="1" dirty="0" smtClean="0"/>
+              <a:t>[</a:t>
+            </a:r>
+            <a:r>
+              <a:rPr lang="en-US" b="1" dirty="0" err="1" smtClean="0"/>
+              <a:t>tiab</a:t>
+            </a:r>
+            <a:r>
+              <a:rPr lang="en-US" b="1" dirty="0" smtClean="0"/>
+              <a:t>]</a:t>
+            </a:r>
+            <a:r>
+              <a:rPr lang="en-US" dirty="0" smtClean="0"/>
+              <a:t>.</a:t>
+            </a:r>
+          </a:p>
+          <a:p>
+            <a:pPr lvl="1">
+              <a:lnSpc>
+                <a:spcPct val="110000"/>
+              </a:lnSpc>
+            </a:pPr>
+            <a:r>
+              <a:rPr lang="en-US" dirty="0" smtClean="0"/>
+              <a:t> N </a:t>
+            </a:r>
+            <a:r>
+              <a:rPr lang="en-US" dirty="0"/>
+              <a:t>= </a:t>
+            </a:r>
+            <a:r>
+              <a:rPr lang="en-US" dirty="0" smtClean="0"/>
+              <a:t>le </a:t>
+            </a:r>
+            <a:r>
+              <a:rPr lang="en-US" dirty="0" err="1" smtClean="0"/>
+              <a:t>nombre</a:t>
+            </a:r>
+            <a:r>
+              <a:rPr lang="en-US" dirty="0" smtClean="0"/>
+              <a:t> maximal de mots qui </a:t>
+            </a:r>
+            <a:r>
+              <a:rPr lang="en-US" dirty="0" err="1" smtClean="0"/>
+              <a:t>peuvent</a:t>
+            </a:r>
+            <a:r>
+              <a:rPr lang="en-US" dirty="0" smtClean="0"/>
+              <a:t> </a:t>
+            </a:r>
+            <a:r>
+              <a:rPr lang="en-US" dirty="0" err="1" smtClean="0"/>
+              <a:t>apparaître</a:t>
+            </a:r>
+            <a:r>
+              <a:rPr lang="en-US" dirty="0" smtClean="0"/>
+              <a:t> entre les </a:t>
+            </a:r>
+            <a:r>
+              <a:rPr lang="en-US" dirty="0" err="1" smtClean="0"/>
+              <a:t>termes</a:t>
+            </a:r>
+            <a:r>
+              <a:rPr lang="en-US" dirty="0" smtClean="0"/>
+              <a:t> </a:t>
+            </a:r>
+            <a:r>
+              <a:rPr lang="en-US" dirty="0" err="1" smtClean="0"/>
+              <a:t>recherchés</a:t>
+            </a:r>
+            <a:r>
+              <a:rPr lang="en-US" dirty="0" smtClean="0"/>
+              <a:t>.</a:t>
+            </a:r>
+            <a:endParaRPr lang="fr-FR" b="1" dirty="0" smtClean="0"/>
+          </a:p>
+          <a:p>
+            <a:pPr>
+              <a:lnSpc>
+                <a:spcPct val="110000"/>
+              </a:lnSpc>
+            </a:pPr>
+            <a:r>
+              <a:rPr lang="fr-FR" b="1" dirty="0"/>
+              <a:t> </a:t>
+            </a:r>
+            <a:r>
+              <a:rPr lang="fr-FR" dirty="0" smtClean="0"/>
+              <a:t>Exemples pour une recherche sur titre et résumé</a:t>
+            </a:r>
+          </a:p>
+          <a:p>
+            <a:pPr lvl="1">
+              <a:lnSpc>
+                <a:spcPct val="110000"/>
+              </a:lnSpc>
+            </a:pPr>
+            <a:r>
+              <a:rPr lang="fr-FR" b="1" dirty="0"/>
+              <a:t>"</a:t>
+            </a:r>
+            <a:r>
+              <a:rPr lang="fr-FR" b="1" dirty="0" err="1"/>
+              <a:t>rationing</a:t>
+            </a:r>
+            <a:r>
+              <a:rPr lang="fr-FR" b="1" dirty="0"/>
+              <a:t> </a:t>
+            </a:r>
+            <a:r>
+              <a:rPr lang="fr-FR" b="1" dirty="0" err="1" smtClean="0"/>
+              <a:t>healthcare</a:t>
+            </a:r>
+            <a:r>
+              <a:rPr lang="fr-FR" b="1" dirty="0" smtClean="0"/>
+              <a:t>" [</a:t>
+            </a:r>
+            <a:r>
+              <a:rPr lang="fr-FR" b="1" dirty="0" err="1" smtClean="0"/>
+              <a:t>tiab</a:t>
+            </a:r>
+            <a:r>
+              <a:rPr lang="fr-FR" b="1" dirty="0" smtClean="0"/>
+              <a:t>:~0] </a:t>
+            </a:r>
+            <a:r>
+              <a:rPr lang="fr-FR" dirty="0" smtClean="0"/>
+              <a:t>: retrouve </a:t>
+            </a:r>
+            <a:r>
+              <a:rPr lang="fr-FR" dirty="0"/>
+              <a:t>"</a:t>
+            </a:r>
+            <a:r>
+              <a:rPr lang="fr-FR" dirty="0" err="1"/>
+              <a:t>rationing</a:t>
+            </a:r>
+            <a:r>
+              <a:rPr lang="fr-FR" dirty="0"/>
+              <a:t> </a:t>
+            </a:r>
+            <a:r>
+              <a:rPr lang="fr-FR" dirty="0" err="1" smtClean="0"/>
+              <a:t>healthcare</a:t>
+            </a:r>
+            <a:r>
+              <a:rPr lang="fr-FR" dirty="0" smtClean="0"/>
+              <a:t>" et "</a:t>
+            </a:r>
+            <a:r>
+              <a:rPr lang="fr-FR" dirty="0" err="1" smtClean="0"/>
+              <a:t>healthcare</a:t>
+            </a:r>
+            <a:r>
+              <a:rPr lang="fr-FR" dirty="0" smtClean="0"/>
+              <a:t> </a:t>
+            </a:r>
+            <a:r>
+              <a:rPr lang="fr-FR" dirty="0" err="1" smtClean="0"/>
+              <a:t>rationing</a:t>
+            </a:r>
+            <a:r>
+              <a:rPr lang="fr-FR" dirty="0" smtClean="0"/>
+              <a:t>"</a:t>
+            </a:r>
+          </a:p>
+          <a:p>
+            <a:pPr lvl="1">
+              <a:lnSpc>
+                <a:spcPct val="110000"/>
+              </a:lnSpc>
+            </a:pPr>
+            <a:r>
+              <a:rPr lang="fr-FR" b="1" dirty="0"/>
+              <a:t>"</a:t>
+            </a:r>
+            <a:r>
+              <a:rPr lang="fr-FR" b="1" dirty="0" err="1"/>
+              <a:t>rationing</a:t>
+            </a:r>
+            <a:r>
+              <a:rPr lang="fr-FR" b="1" dirty="0"/>
+              <a:t> </a:t>
+            </a:r>
+            <a:r>
+              <a:rPr lang="fr-FR" b="1" dirty="0" err="1"/>
+              <a:t>healthcare</a:t>
+            </a:r>
+            <a:r>
+              <a:rPr lang="fr-FR" b="1" dirty="0"/>
+              <a:t>" [</a:t>
+            </a:r>
+            <a:r>
+              <a:rPr lang="fr-FR" b="1" dirty="0" err="1"/>
+              <a:t>tiab</a:t>
+            </a:r>
+            <a:r>
+              <a:rPr lang="fr-FR" b="1" dirty="0" smtClean="0"/>
+              <a:t>:~1] </a:t>
+            </a:r>
+            <a:r>
+              <a:rPr lang="fr-FR" dirty="0" smtClean="0"/>
+              <a:t>: retrouve en plus </a:t>
+            </a:r>
+            <a:r>
+              <a:rPr lang="fr-FR" dirty="0"/>
+              <a:t>"</a:t>
+            </a:r>
+            <a:r>
+              <a:rPr lang="fr-FR" dirty="0" err="1"/>
+              <a:t>rationing</a:t>
+            </a:r>
+            <a:r>
+              <a:rPr lang="fr-FR" dirty="0"/>
+              <a:t> </a:t>
+            </a:r>
+            <a:r>
+              <a:rPr lang="fr-FR" dirty="0" smtClean="0"/>
+              <a:t>of </a:t>
+            </a:r>
+            <a:r>
+              <a:rPr lang="fr-FR" dirty="0" err="1" smtClean="0"/>
+              <a:t>healthcare</a:t>
+            </a:r>
+            <a:r>
+              <a:rPr lang="fr-FR" dirty="0"/>
+              <a:t>"</a:t>
+            </a:r>
+            <a:r>
+              <a:rPr lang="fr-FR" dirty="0" smtClean="0"/>
+              <a:t> , </a:t>
+            </a:r>
+            <a:r>
+              <a:rPr lang="fr-FR" dirty="0"/>
+              <a:t>"</a:t>
+            </a:r>
+            <a:r>
+              <a:rPr lang="fr-FR" dirty="0" err="1"/>
+              <a:t>rationing</a:t>
+            </a:r>
+            <a:r>
+              <a:rPr lang="fr-FR" dirty="0"/>
+              <a:t> </a:t>
+            </a:r>
+            <a:r>
+              <a:rPr lang="fr-FR" dirty="0" err="1"/>
+              <a:t>limited</a:t>
+            </a:r>
+            <a:r>
+              <a:rPr lang="fr-FR" dirty="0"/>
+              <a:t> </a:t>
+            </a:r>
+            <a:r>
+              <a:rPr lang="fr-FR" dirty="0" err="1" smtClean="0"/>
+              <a:t>healthcare</a:t>
+            </a:r>
+            <a:r>
+              <a:rPr lang="fr-FR" dirty="0" smtClean="0"/>
+              <a:t>", etc.</a:t>
+            </a:r>
+            <a:endParaRPr lang="fr-FR" dirty="0"/>
+          </a:p>
+          <a:p>
+            <a:pPr lvl="1">
+              <a:lnSpc>
+                <a:spcPct val="110000"/>
+              </a:lnSpc>
+            </a:pPr>
+            <a:r>
+              <a:rPr lang="fr-FR" dirty="0" smtClean="0"/>
+              <a:t> </a:t>
+            </a:r>
+            <a:r>
+              <a:rPr lang="fr-FR" b="1" dirty="0"/>
+              <a:t>"</a:t>
+            </a:r>
+            <a:r>
+              <a:rPr lang="fr-FR" b="1" dirty="0" err="1"/>
+              <a:t>rationing</a:t>
+            </a:r>
+            <a:r>
+              <a:rPr lang="fr-FR" b="1" dirty="0"/>
+              <a:t> </a:t>
+            </a:r>
+            <a:r>
+              <a:rPr lang="fr-FR" b="1" dirty="0" err="1"/>
+              <a:t>healthcare</a:t>
+            </a:r>
+            <a:r>
+              <a:rPr lang="fr-FR" b="1" dirty="0"/>
+              <a:t>" [</a:t>
+            </a:r>
+            <a:r>
+              <a:rPr lang="fr-FR" b="1" dirty="0" err="1"/>
+              <a:t>tiab</a:t>
+            </a:r>
+            <a:r>
+              <a:rPr lang="fr-FR" b="1" dirty="0" smtClean="0"/>
+              <a:t>:~2] </a:t>
+            </a:r>
+            <a:r>
+              <a:rPr lang="fr-FR" dirty="0"/>
+              <a:t>: </a:t>
+            </a:r>
+            <a:r>
+              <a:rPr lang="fr-FR" dirty="0" smtClean="0"/>
+              <a:t>retrouve </a:t>
+            </a:r>
+            <a:r>
+              <a:rPr lang="fr-FR" dirty="0"/>
+              <a:t>en plus "</a:t>
+            </a:r>
+            <a:r>
+              <a:rPr lang="fr-FR" dirty="0" err="1"/>
+              <a:t>rationing</a:t>
+            </a:r>
+            <a:r>
+              <a:rPr lang="fr-FR" dirty="0"/>
+              <a:t> </a:t>
+            </a:r>
+            <a:r>
+              <a:rPr lang="fr-FR" dirty="0" err="1" smtClean="0"/>
+              <a:t>strategies</a:t>
+            </a:r>
+            <a:r>
+              <a:rPr lang="fr-FR" dirty="0" smtClean="0"/>
+              <a:t> in </a:t>
+            </a:r>
+            <a:r>
+              <a:rPr lang="fr-FR" dirty="0" err="1" smtClean="0"/>
+              <a:t>healthcare</a:t>
+            </a:r>
+            <a:r>
+              <a:rPr lang="fr-FR" dirty="0" smtClean="0"/>
+              <a:t>"</a:t>
+            </a:r>
+            <a:r>
+              <a:rPr lang="fr-FR" dirty="0"/>
+              <a:t> , "</a:t>
+            </a:r>
+            <a:r>
+              <a:rPr lang="fr-FR" dirty="0" err="1"/>
+              <a:t>healthcare</a:t>
+            </a:r>
+            <a:r>
+              <a:rPr lang="fr-FR" dirty="0"/>
+              <a:t> </a:t>
+            </a:r>
+            <a:r>
+              <a:rPr lang="fr-FR" dirty="0" err="1"/>
+              <a:t>reform</a:t>
+            </a:r>
+            <a:r>
+              <a:rPr lang="fr-FR" dirty="0"/>
+              <a:t> </a:t>
+            </a:r>
+            <a:r>
+              <a:rPr lang="fr-FR" dirty="0" err="1"/>
+              <a:t>through</a:t>
+            </a:r>
+            <a:r>
+              <a:rPr lang="fr-FR" dirty="0"/>
+              <a:t> </a:t>
+            </a:r>
+            <a:r>
+              <a:rPr lang="fr-FR" dirty="0" err="1" smtClean="0"/>
+              <a:t>rationing</a:t>
+            </a:r>
+            <a:r>
+              <a:rPr lang="fr-FR" dirty="0" smtClean="0"/>
+              <a:t>" , etc. </a:t>
+            </a:r>
+            <a:endParaRPr lang="fr-FR" dirty="0"/>
+          </a:p>
+        </p:txBody>
+      </p:sp>
     </p:spTree>
     <p:extLst>
       <p:ext uri="{BB962C8B-B14F-4D97-AF65-F5344CB8AC3E}">
-        <p14:creationId xmlns:p14="http://schemas.microsoft.com/office/powerpoint/2010/main" val="1850995331"/>
+        <p14:creationId xmlns:p14="http://schemas.microsoft.com/office/powerpoint/2010/main" val="2554649621"/>
       </p:ext>
     </p:extLst>
   </p:cSld>
   <p:clrMapOvr>
     <a:masterClrMapping/>
   </p:clrMapOvr>
+  <p:timing>
+    <p:tnLst>
+      <p:par>
+        <p:cTn id="1" dur="indefinite" restart="never" nodeType="tmRoot"/>
+      </p:par>
+    </p:tnLst>
+  </p:timing>
 </p:sld>
 </file>
 
@@ -12161,6 +13225,680 @@
             <p:ph type="title"/>
           </p:nvPr>
         </p:nvSpPr>
+        <p:spPr>
+          <a:xfrm>
+            <a:off x="827314" y="76202"/>
+            <a:ext cx="10515600" cy="1325563"/>
+          </a:xfrm>
+        </p:spPr>
+        <p:txBody>
+          <a:bodyPr/>
+          <a:lstStyle/>
+          <a:p>
+            <a:r>
+              <a:rPr lang="fr-FR" dirty="0" smtClean="0"/>
+              <a:t>Mode 3 : </a:t>
+            </a:r>
+            <a:r>
+              <a:rPr lang="fr-FR" dirty="0" smtClean="0"/>
+              <a:t>recherche par proximité 2/2 </a:t>
+            </a:r>
+            <a:endParaRPr lang="fr-FR" dirty="0"/>
+          </a:p>
+        </p:txBody>
+      </p:sp>
+      <p:sp>
+        <p:nvSpPr>
+          <p:cNvPr id="4" name="Espace réservé du pied de page 3"/>
+          <p:cNvSpPr>
+            <a:spLocks noGrp="1"/>
+          </p:cNvSpPr>
+          <p:nvPr>
+            <p:ph type="ftr" sz="quarter" idx="11"/>
+          </p:nvPr>
+        </p:nvSpPr>
+        <p:spPr>
+          <a:xfrm>
+            <a:off x="4027714" y="6492875"/>
+            <a:ext cx="4114800" cy="365125"/>
+          </a:xfrm>
+        </p:spPr>
+        <p:txBody>
+          <a:bodyPr/>
+          <a:lstStyle/>
+          <a:p>
+            <a:r>
+              <a:rPr lang="fr-FR" smtClean="0"/>
+              <a:t>F. Flamerie - Trucs et astuces de PubMed - màj : 2022-12-07</a:t>
+            </a:r>
+            <a:endParaRPr lang="fr-FR" dirty="0"/>
+          </a:p>
+        </p:txBody>
+      </p:sp>
+      <p:sp>
+        <p:nvSpPr>
+          <p:cNvPr id="5" name="Espace réservé du numéro de diapositive 4"/>
+          <p:cNvSpPr>
+            <a:spLocks noGrp="1"/>
+          </p:cNvSpPr>
+          <p:nvPr>
+            <p:ph type="sldNum" sz="quarter" idx="12"/>
+          </p:nvPr>
+        </p:nvSpPr>
+        <p:spPr>
+          <a:xfrm>
+            <a:off x="8599714" y="6595838"/>
+            <a:ext cx="2743200" cy="365125"/>
+          </a:xfrm>
+        </p:spPr>
+        <p:txBody>
+          <a:bodyPr/>
+          <a:lstStyle/>
+          <a:p>
+            <a:fld id="{99E13252-68E5-4994-B57B-B03F39B52C7D}" type="slidenum">
+              <a:rPr lang="fr-FR" smtClean="0"/>
+              <a:pPr/>
+              <a:t>26</a:t>
+            </a:fld>
+            <a:endParaRPr lang="fr-FR" dirty="0"/>
+          </a:p>
+        </p:txBody>
+      </p:sp>
+      <p:sp>
+        <p:nvSpPr>
+          <p:cNvPr id="13" name="Espace réservé du contenu 12"/>
+          <p:cNvSpPr>
+            <a:spLocks noGrp="1"/>
+          </p:cNvSpPr>
+          <p:nvPr>
+            <p:ph idx="1"/>
+          </p:nvPr>
+        </p:nvSpPr>
+        <p:spPr>
+          <a:xfrm>
+            <a:off x="934916" y="1333255"/>
+            <a:ext cx="10515600" cy="4596205"/>
+          </a:xfrm>
+        </p:spPr>
+        <p:txBody>
+          <a:bodyPr>
+            <a:normAutofit/>
+          </a:bodyPr>
+          <a:lstStyle/>
+          <a:p>
+            <a:r>
+              <a:rPr lang="fr-FR" dirty="0" smtClean="0"/>
+              <a:t> Limitations :</a:t>
+            </a:r>
+          </a:p>
+          <a:p>
+            <a:pPr lvl="1"/>
+            <a:r>
+              <a:rPr lang="fr-FR" dirty="0" smtClean="0"/>
+              <a:t>Disponible seulement pour les champs titre et titre/résumé</a:t>
+            </a:r>
+          </a:p>
+          <a:p>
+            <a:pPr lvl="1"/>
+            <a:r>
+              <a:rPr lang="fr-FR" dirty="0" smtClean="0"/>
+              <a:t>Non compatible avec la </a:t>
+            </a:r>
+            <a:r>
+              <a:rPr lang="fr-FR" b="1" dirty="0" smtClean="0"/>
+              <a:t>troncature</a:t>
+            </a:r>
+            <a:r>
+              <a:rPr lang="fr-FR" dirty="0" smtClean="0"/>
+              <a:t> : </a:t>
+            </a:r>
+          </a:p>
+          <a:p>
+            <a:pPr marL="914400" lvl="2" indent="0">
+              <a:buNone/>
+            </a:pPr>
+            <a:r>
+              <a:rPr lang="fr-FR" dirty="0" smtClean="0"/>
+              <a:t>Il faut </a:t>
+            </a:r>
+            <a:r>
+              <a:rPr lang="fr-FR" dirty="0"/>
+              <a:t>saisir </a:t>
+            </a:r>
+            <a:r>
+              <a:rPr lang="fr-FR" b="1" dirty="0"/>
+              <a:t>"</a:t>
+            </a:r>
+            <a:r>
+              <a:rPr lang="fr-FR" b="1" dirty="0" err="1"/>
+              <a:t>cardiovascular</a:t>
+            </a:r>
+            <a:r>
+              <a:rPr lang="fr-FR" b="1" dirty="0"/>
+              <a:t> </a:t>
+            </a:r>
+            <a:r>
+              <a:rPr lang="fr-FR" b="1" dirty="0" err="1"/>
+              <a:t>risk</a:t>
+            </a:r>
+            <a:r>
+              <a:rPr lang="fr-FR" b="1" dirty="0"/>
+              <a:t>"[ti:~2] OR "</a:t>
+            </a:r>
+            <a:r>
+              <a:rPr lang="fr-FR" b="1" dirty="0" err="1"/>
+              <a:t>cardiovascular</a:t>
+            </a:r>
+            <a:r>
+              <a:rPr lang="fr-FR" b="1" dirty="0"/>
+              <a:t> </a:t>
+            </a:r>
+            <a:r>
+              <a:rPr lang="fr-FR" b="1" dirty="0" err="1"/>
+              <a:t>risks</a:t>
+            </a:r>
+            <a:r>
+              <a:rPr lang="fr-FR" b="1" dirty="0"/>
+              <a:t>"[ti:~2]</a:t>
+            </a:r>
+            <a:r>
+              <a:rPr lang="fr-FR" dirty="0"/>
+              <a:t> </a:t>
+            </a:r>
+            <a:r>
+              <a:rPr lang="fr-FR" dirty="0" smtClean="0"/>
+              <a:t>et non "</a:t>
+            </a:r>
+            <a:r>
+              <a:rPr lang="fr-FR" dirty="0" err="1" smtClean="0"/>
+              <a:t>cardiovascular</a:t>
+            </a:r>
+            <a:r>
+              <a:rPr lang="fr-FR" dirty="0" smtClean="0"/>
+              <a:t> </a:t>
+            </a:r>
+            <a:r>
+              <a:rPr lang="fr-FR" dirty="0" err="1"/>
+              <a:t>risk</a:t>
+            </a:r>
+            <a:r>
+              <a:rPr lang="fr-FR" dirty="0"/>
+              <a:t>*"[ti:~2</a:t>
+            </a:r>
+            <a:r>
+              <a:rPr lang="fr-FR" dirty="0" smtClean="0"/>
+              <a:t>]</a:t>
+            </a:r>
+          </a:p>
+          <a:p>
+            <a:pPr lvl="1"/>
+            <a:r>
+              <a:rPr lang="fr-FR" dirty="0" smtClean="0"/>
+              <a:t>Ne peut pas inclure une expression exacte</a:t>
+            </a:r>
+          </a:p>
+          <a:p>
+            <a:r>
+              <a:rPr lang="fr-FR" dirty="0" smtClean="0"/>
+              <a:t> Veiller à déterminer une valeur N appropriée :</a:t>
+            </a:r>
+          </a:p>
+          <a:p>
+            <a:pPr lvl="1"/>
+            <a:r>
+              <a:rPr lang="fr-FR" dirty="0" smtClean="0"/>
+              <a:t>plus </a:t>
+            </a:r>
+            <a:r>
+              <a:rPr lang="fr-FR" dirty="0"/>
+              <a:t>la valeur N est faible, plus la recherche est précise;</a:t>
+            </a:r>
+          </a:p>
+          <a:p>
+            <a:pPr lvl="1"/>
+            <a:r>
+              <a:rPr lang="fr-FR" dirty="0"/>
+              <a:t>plus la valeur N est élevée plus la recherche est large, mais il est alors parfois préférable de combiner les termes avec AND</a:t>
+            </a:r>
+          </a:p>
+          <a:p>
+            <a:r>
+              <a:rPr lang="fr-FR" dirty="0" smtClean="0"/>
+              <a:t> De même pour le choix et le nombre des termes recherchés</a:t>
+            </a:r>
+          </a:p>
+        </p:txBody>
+      </p:sp>
+      <p:sp>
+        <p:nvSpPr>
+          <p:cNvPr id="3" name="ZoneTexte 2"/>
+          <p:cNvSpPr txBox="1"/>
+          <p:nvPr/>
+        </p:nvSpPr>
+        <p:spPr>
+          <a:xfrm>
+            <a:off x="725367" y="5969655"/>
+            <a:ext cx="11110546" cy="523220"/>
+          </a:xfrm>
+          <a:prstGeom prst="rect">
+            <a:avLst/>
+          </a:prstGeom>
+          <a:noFill/>
+        </p:spPr>
+        <p:txBody>
+          <a:bodyPr wrap="square" rtlCol="0">
+            <a:spAutoFit/>
+          </a:bodyPr>
+          <a:lstStyle/>
+          <a:p>
+            <a:r>
+              <a:rPr lang="fr-FR" sz="1400" dirty="0" smtClean="0">
+                <a:solidFill>
+                  <a:schemeClr val="bg2">
+                    <a:lumMod val="50000"/>
+                  </a:schemeClr>
+                </a:solidFill>
+                <a:latin typeface="Corbel" panose="020B0503020204020204" pitchFamily="34" charset="0"/>
+              </a:rPr>
+              <a:t>Informations complètes : </a:t>
+            </a:r>
+            <a:r>
+              <a:rPr lang="en-US" sz="1400" dirty="0">
+                <a:solidFill>
+                  <a:schemeClr val="bg2">
+                    <a:lumMod val="50000"/>
+                  </a:schemeClr>
+                </a:solidFill>
+                <a:latin typeface="Corbel" panose="020B0503020204020204" pitchFamily="34" charset="0"/>
+              </a:rPr>
+              <a:t>PubMed Update : Proximity Search Now Available in PubMed. (2022). </a:t>
+            </a:r>
+            <a:r>
+              <a:rPr lang="en-US" sz="1400" i="1" dirty="0">
+                <a:solidFill>
+                  <a:schemeClr val="bg2">
+                    <a:lumMod val="50000"/>
+                  </a:schemeClr>
+                </a:solidFill>
+                <a:latin typeface="Corbel" panose="020B0503020204020204" pitchFamily="34" charset="0"/>
+              </a:rPr>
+              <a:t>NLM Technical Bulletin</a:t>
+            </a:r>
+            <a:r>
+              <a:rPr lang="en-US" sz="1400" dirty="0">
+                <a:solidFill>
+                  <a:schemeClr val="bg2">
+                    <a:lumMod val="50000"/>
+                  </a:schemeClr>
+                </a:solidFill>
+                <a:latin typeface="Corbel" panose="020B0503020204020204" pitchFamily="34" charset="0"/>
+              </a:rPr>
+              <a:t>, </a:t>
+            </a:r>
+            <a:r>
+              <a:rPr lang="en-US" sz="1400" i="1" dirty="0">
+                <a:solidFill>
+                  <a:schemeClr val="bg2">
+                    <a:lumMod val="50000"/>
+                  </a:schemeClr>
+                </a:solidFill>
+                <a:latin typeface="Corbel" panose="020B0503020204020204" pitchFamily="34" charset="0"/>
+              </a:rPr>
+              <a:t>449</a:t>
+            </a:r>
+            <a:r>
+              <a:rPr lang="en-US" sz="1400" dirty="0">
+                <a:solidFill>
+                  <a:schemeClr val="bg2">
+                    <a:lumMod val="50000"/>
+                  </a:schemeClr>
+                </a:solidFill>
+                <a:latin typeface="Corbel" panose="020B0503020204020204" pitchFamily="34" charset="0"/>
+              </a:rPr>
+              <a:t>, e4. https://www.nlm.nih.gov/pubs/techbull/nd22/nd22_pubmed_proximity_search_available.html</a:t>
+            </a:r>
+          </a:p>
+        </p:txBody>
+      </p:sp>
+    </p:spTree>
+    <p:extLst>
+      <p:ext uri="{BB962C8B-B14F-4D97-AF65-F5344CB8AC3E}">
+        <p14:creationId xmlns:p14="http://schemas.microsoft.com/office/powerpoint/2010/main" val="688693199"/>
+      </p:ext>
+    </p:extLst>
+  </p:cSld>
+  <p:clrMapOvr>
+    <a:masterClrMapping/>
+  </p:clrMapOvr>
+  <p:timing>
+    <p:tnLst>
+      <p:par>
+        <p:cTn id="1" dur="indefinite" restart="never" nodeType="tmRoot"/>
+      </p:par>
+    </p:tnLst>
+  </p:timing>
+</p:sld>
+</file>
+
+<file path=ppt/slides/slide27.xml><?xml version="1.0" encoding="utf-8"?>
+<p:sld xmlns:a="http://schemas.openxmlformats.org/drawingml/2006/main" xmlns:r="http://schemas.openxmlformats.org/officeDocument/2006/relationships" xmlns:p="http://schemas.openxmlformats.org/presentationml/2006/main">
+  <p:cSld>
+    <p:spTree>
+      <p:nvGrpSpPr>
+        <p:cNvPr id="1" name=""/>
+        <p:cNvGrpSpPr/>
+        <p:nvPr/>
+      </p:nvGrpSpPr>
+      <p:grpSpPr>
+        <a:xfrm>
+          <a:off x="0" y="0"/>
+          <a:ext cx="0" cy="0"/>
+          <a:chOff x="0" y="0"/>
+          <a:chExt cx="0" cy="0"/>
+        </a:xfrm>
+      </p:grpSpPr>
+      <p:sp>
+        <p:nvSpPr>
+          <p:cNvPr id="9" name="Titre 1"/>
+          <p:cNvSpPr>
+            <a:spLocks noGrp="1"/>
+          </p:cNvSpPr>
+          <p:nvPr>
+            <p:ph type="title"/>
+          </p:nvPr>
+        </p:nvSpPr>
+        <p:spPr/>
+        <p:txBody>
+          <a:bodyPr/>
+          <a:lstStyle/>
+          <a:p>
+            <a:r>
+              <a:rPr lang="fr-FR" dirty="0" smtClean="0"/>
+              <a:t>Modes 1, 2, 3 : algorithme </a:t>
+            </a:r>
+            <a:r>
+              <a:rPr lang="fr-FR" i="1" dirty="0" smtClean="0"/>
+              <a:t>Best match</a:t>
+            </a:r>
+            <a:endParaRPr lang="fr-FR" i="1" dirty="0"/>
+          </a:p>
+        </p:txBody>
+      </p:sp>
+      <p:sp>
+        <p:nvSpPr>
+          <p:cNvPr id="2" name="Espace réservé du contenu 1"/>
+          <p:cNvSpPr>
+            <a:spLocks noGrp="1"/>
+          </p:cNvSpPr>
+          <p:nvPr>
+            <p:ph idx="1"/>
+          </p:nvPr>
+        </p:nvSpPr>
+        <p:spPr>
+          <a:xfrm>
+            <a:off x="838200" y="1594132"/>
+            <a:ext cx="10515600" cy="4351338"/>
+          </a:xfrm>
+        </p:spPr>
+        <p:txBody>
+          <a:bodyPr>
+            <a:normAutofit/>
+          </a:bodyPr>
+          <a:lstStyle/>
+          <a:p>
+            <a:r>
+              <a:rPr lang="fr-FR" dirty="0" smtClean="0"/>
+              <a:t>L’algorithme de pertinence précédent utilisé pour classer les résultats de recherche était fondé sur la </a:t>
+            </a:r>
+            <a:r>
+              <a:rPr lang="fr-FR" dirty="0" smtClean="0">
+                <a:solidFill>
+                  <a:srgbClr val="009DE0"/>
+                </a:solidFill>
+              </a:rPr>
+              <a:t>fréquence </a:t>
+            </a:r>
+            <a:r>
+              <a:rPr lang="fr-FR" dirty="0">
+                <a:solidFill>
+                  <a:srgbClr val="009DE0"/>
+                </a:solidFill>
+              </a:rPr>
+              <a:t>d’utilisation </a:t>
+            </a:r>
+            <a:r>
+              <a:rPr lang="fr-FR" dirty="0" smtClean="0"/>
+              <a:t>des mots-clés et leur </a:t>
+            </a:r>
+            <a:r>
+              <a:rPr lang="fr-FR" dirty="0" smtClean="0">
+                <a:solidFill>
+                  <a:srgbClr val="009DE0"/>
+                </a:solidFill>
+              </a:rPr>
+              <a:t>emplacement</a:t>
+            </a:r>
+            <a:r>
+              <a:rPr lang="fr-FR" dirty="0" smtClean="0"/>
+              <a:t> (titre</a:t>
+            </a:r>
+            <a:r>
+              <a:rPr lang="fr-FR" dirty="0"/>
+              <a:t>, </a:t>
+            </a:r>
+            <a:r>
+              <a:rPr lang="fr-FR" dirty="0" smtClean="0"/>
+              <a:t>résumé, etc.).</a:t>
+            </a:r>
+          </a:p>
+          <a:p>
+            <a:r>
+              <a:rPr lang="fr-FR" dirty="0"/>
+              <a:t> </a:t>
+            </a:r>
+            <a:r>
+              <a:rPr lang="fr-FR" dirty="0" smtClean="0"/>
+              <a:t>Le nouvel algorithme </a:t>
+            </a:r>
+            <a:r>
+              <a:rPr lang="fr-FR" i="1" dirty="0"/>
+              <a:t>Best </a:t>
+            </a:r>
+            <a:r>
+              <a:rPr lang="fr-FR" i="1" dirty="0" smtClean="0"/>
+              <a:t>match</a:t>
+            </a:r>
+            <a:r>
+              <a:rPr lang="fr-FR" dirty="0" smtClean="0"/>
+              <a:t>, utilisant l’apprentissage automatique,  prend en compte </a:t>
+            </a:r>
+            <a:r>
+              <a:rPr lang="fr-FR" dirty="0" smtClean="0">
+                <a:solidFill>
+                  <a:srgbClr val="009DE0"/>
+                </a:solidFill>
+              </a:rPr>
+              <a:t>plus de 150 signaux </a:t>
+            </a:r>
+            <a:r>
+              <a:rPr lang="fr-FR" dirty="0" smtClean="0"/>
+              <a:t>pour classer les résultats :  année </a:t>
+            </a:r>
+            <a:r>
+              <a:rPr lang="fr-FR" dirty="0"/>
+              <a:t>de </a:t>
+            </a:r>
+            <a:r>
+              <a:rPr lang="fr-FR" dirty="0" smtClean="0"/>
+              <a:t>publication, </a:t>
+            </a:r>
+            <a:r>
+              <a:rPr lang="fr-FR" dirty="0"/>
+              <a:t>type de publication, </a:t>
+            </a:r>
+            <a:r>
+              <a:rPr lang="fr-FR" dirty="0" smtClean="0"/>
+              <a:t>etc</a:t>
+            </a:r>
+            <a:r>
+              <a:rPr lang="fr-FR" dirty="0"/>
+              <a:t>. </a:t>
+            </a:r>
+            <a:endParaRPr lang="fr-FR" dirty="0" smtClean="0"/>
+          </a:p>
+          <a:p>
+            <a:r>
+              <a:rPr lang="fr-FR" dirty="0"/>
+              <a:t> </a:t>
+            </a:r>
+            <a:r>
+              <a:rPr lang="fr-FR" dirty="0" smtClean="0"/>
+              <a:t>Les </a:t>
+            </a:r>
+            <a:r>
+              <a:rPr lang="fr-FR" dirty="0"/>
+              <a:t>résultats les plus récents ou disposant du plus haut niveau de preuve (revues systématiques et méta-analyses</a:t>
+            </a:r>
+            <a:r>
+              <a:rPr lang="fr-FR" dirty="0" smtClean="0"/>
+              <a:t>) sont favorisés.</a:t>
+            </a:r>
+          </a:p>
+          <a:p>
+            <a:r>
+              <a:rPr lang="fr-FR" dirty="0">
+                <a:hlinkClick r:id="rId3"/>
+              </a:rPr>
+              <a:t> </a:t>
+            </a:r>
+            <a:r>
+              <a:rPr lang="fr-FR" dirty="0" smtClean="0">
+                <a:hlinkClick r:id="rId3"/>
+              </a:rPr>
+              <a:t>En savoir plus sur le Best match sur le site de </a:t>
+            </a:r>
+            <a:r>
+              <a:rPr lang="fr-FR" dirty="0" err="1" smtClean="0">
+                <a:hlinkClick r:id="rId3"/>
+              </a:rPr>
+              <a:t>PubMed</a:t>
+            </a:r>
+            <a:endParaRPr lang="fr-FR" dirty="0" smtClean="0"/>
+          </a:p>
+          <a:p>
+            <a:pPr lvl="1"/>
+            <a:endParaRPr lang="fr-FR" dirty="0" smtClean="0"/>
+          </a:p>
+          <a:p>
+            <a:pPr lvl="1"/>
+            <a:endParaRPr lang="fr-FR" dirty="0"/>
+          </a:p>
+          <a:p>
+            <a:endParaRPr lang="fr-FR" dirty="0"/>
+          </a:p>
+        </p:txBody>
+      </p:sp>
+      <p:sp>
+        <p:nvSpPr>
+          <p:cNvPr id="4" name="Espace réservé du pied de page 3"/>
+          <p:cNvSpPr>
+            <a:spLocks noGrp="1"/>
+          </p:cNvSpPr>
+          <p:nvPr>
+            <p:ph type="ftr" sz="quarter" idx="11"/>
+          </p:nvPr>
+        </p:nvSpPr>
+        <p:spPr>
+          <a:prstGeom prst="rect">
+            <a:avLst/>
+          </a:prstGeom>
+        </p:spPr>
+        <p:txBody>
+          <a:bodyPr/>
+          <a:lstStyle/>
+          <a:p>
+            <a:pPr>
+              <a:defRPr/>
+            </a:pPr>
+            <a:r>
+              <a:rPr lang="fr-FR" smtClean="0"/>
+              <a:t>F. Flamerie - Trucs et astuces de PubMed - màj : 2022-12-07</a:t>
+            </a:r>
+            <a:endParaRPr lang="fr-FR" dirty="0"/>
+          </a:p>
+        </p:txBody>
+      </p:sp>
+      <p:sp>
+        <p:nvSpPr>
+          <p:cNvPr id="3" name="Espace réservé du numéro de diapositive 2"/>
+          <p:cNvSpPr>
+            <a:spLocks noGrp="1"/>
+          </p:cNvSpPr>
+          <p:nvPr>
+            <p:ph type="sldNum" sz="quarter" idx="12"/>
+          </p:nvPr>
+        </p:nvSpPr>
+        <p:spPr/>
+        <p:txBody>
+          <a:bodyPr/>
+          <a:lstStyle/>
+          <a:p>
+            <a:fld id="{99E13252-68E5-4994-B57B-B03F39B52C7D}" type="slidenum">
+              <a:rPr lang="fr-FR" smtClean="0"/>
+              <a:pPr/>
+              <a:t>27</a:t>
+            </a:fld>
+            <a:endParaRPr lang="fr-FR" dirty="0"/>
+          </a:p>
+        </p:txBody>
+      </p:sp>
+    </p:spTree>
+    <p:extLst>
+      <p:ext uri="{BB962C8B-B14F-4D97-AF65-F5344CB8AC3E}">
+        <p14:creationId xmlns:p14="http://schemas.microsoft.com/office/powerpoint/2010/main" val="1850995331"/>
+      </p:ext>
+    </p:extLst>
+  </p:cSld>
+  <p:clrMapOvr>
+    <a:masterClrMapping/>
+  </p:clrMapOvr>
+  <p:timing>
+    <p:tnLst>
+      <p:par>
+        <p:cTn id="1" dur="indefinite" restart="never" nodeType="tmRoot"/>
+      </p:par>
+    </p:tnLst>
+  </p:timing>
+</p:sld>
+</file>
+
+<file path=ppt/slides/slide28.xml><?xml version="1.0" encoding="utf-8"?>
+<p:sld xmlns:a="http://schemas.openxmlformats.org/drawingml/2006/main" xmlns:r="http://schemas.openxmlformats.org/officeDocument/2006/relationships" xmlns:p="http://schemas.openxmlformats.org/presentationml/2006/main">
+  <p:cSld>
+    <p:spTree>
+      <p:nvGrpSpPr>
+        <p:cNvPr id="1" name=""/>
+        <p:cNvGrpSpPr/>
+        <p:nvPr/>
+      </p:nvGrpSpPr>
+      <p:grpSpPr>
+        <a:xfrm>
+          <a:off x="0" y="0"/>
+          <a:ext cx="0" cy="0"/>
+          <a:chOff x="0" y="0"/>
+          <a:chExt cx="0" cy="0"/>
+        </a:xfrm>
+      </p:grpSpPr>
+      <p:sp>
+        <p:nvSpPr>
+          <p:cNvPr id="2" name="Titre 1"/>
+          <p:cNvSpPr>
+            <a:spLocks noGrp="1"/>
+          </p:cNvSpPr>
+          <p:nvPr>
+            <p:ph type="title"/>
+          </p:nvPr>
+        </p:nvSpPr>
         <p:spPr/>
         <p:txBody>
           <a:bodyPr>
@@ -12191,56 +13929,56 @@
           <a:lstStyle/>
           <a:p>
             <a:r>
-              <a:rPr lang="fr-FR" i="1" dirty="0" err="1"/>
+              <a:rPr lang="fr-FR" i="1" dirty="0" err="1" smtClean="0"/>
               <a:t>Find</a:t>
             </a:r>
             <a:r>
-              <a:rPr lang="fr-FR" dirty="0"/>
+              <a:rPr lang="fr-FR" dirty="0" smtClean="0"/>
               <a:t> : </a:t>
             </a:r>
             <a:r>
-              <a:rPr lang="fr-FR" i="1" dirty="0" err="1"/>
+              <a:rPr lang="fr-FR" i="1" dirty="0" err="1" smtClean="0"/>
               <a:t>Clinical</a:t>
             </a:r>
             <a:r>
-              <a:rPr lang="fr-FR" i="1" dirty="0"/>
+              <a:rPr lang="fr-FR" i="1" dirty="0" smtClean="0"/>
               <a:t> </a:t>
             </a:r>
             <a:r>
-              <a:rPr lang="fr-FR" i="1" dirty="0" err="1"/>
+              <a:rPr lang="fr-FR" i="1" dirty="0" err="1" smtClean="0"/>
               <a:t>Queries</a:t>
             </a:r>
             <a:r>
-              <a:rPr lang="fr-FR" dirty="0"/>
+              <a:rPr lang="fr-FR" dirty="0" smtClean="0"/>
               <a:t> et </a:t>
             </a:r>
             <a:r>
-              <a:rPr lang="fr-FR" i="1" dirty="0"/>
+              <a:rPr lang="fr-FR" i="1" dirty="0" smtClean="0"/>
               <a:t>Single Citation Matcher</a:t>
             </a:r>
           </a:p>
           <a:p>
             <a:r>
-              <a:rPr lang="fr-FR" dirty="0"/>
+              <a:rPr lang="fr-FR" dirty="0" smtClean="0"/>
               <a:t>Compte </a:t>
             </a:r>
             <a:r>
-              <a:rPr lang="fr-FR" dirty="0" err="1"/>
+              <a:rPr lang="fr-FR" dirty="0" err="1" smtClean="0"/>
               <a:t>MyNCBI</a:t>
             </a:r>
-            <a:endParaRPr lang="fr-FR" dirty="0"/>
-          </a:p>
-          <a:p>
-            <a:r>
-              <a:rPr lang="fr-FR" dirty="0"/>
+            <a:endParaRPr lang="fr-FR" dirty="0" smtClean="0"/>
+          </a:p>
+          <a:p>
+            <a:r>
+              <a:rPr lang="fr-FR" dirty="0" smtClean="0"/>
               <a:t>Yale </a:t>
             </a:r>
             <a:r>
-              <a:rPr lang="fr-FR" dirty="0" err="1"/>
+              <a:rPr lang="fr-FR" dirty="0" err="1" smtClean="0"/>
               <a:t>MeSH</a:t>
             </a:r>
             <a:r>
-              <a:rPr lang="fr-FR" dirty="0"/>
+              <a:rPr lang="fr-FR" dirty="0" smtClean="0"/>
               <a:t> Analyzer</a:t>
             </a:r>
           </a:p>
@@ -12262,8 +14000,8 @@
           <a:lstStyle/>
           <a:p>
             <a:r>
-              <a:rPr lang="fr-FR"/>
-              <a:t>F. Flamerie - Trucs et astuces de PubMed - 2022-05-24</a:t>
+              <a:rPr lang="fr-FR" smtClean="0"/>
+              <a:t>F. Flamerie - Trucs et astuces de PubMed - màj : 2022-12-07</a:t>
             </a:r>
             <a:endParaRPr lang="fr-FR" dirty="0"/>
           </a:p>
@@ -12287,7 +14025,7 @@
             <a:fld id="{99E13252-68E5-4994-B57B-B03F39B52C7D}" type="slidenum">
               <a:rPr lang="fr-FR" smtClean="0"/>
               <a:pPr/>
-              <a:t>26</a:t>
+              <a:t>28</a:t>
             </a:fld>
             <a:endParaRPr lang="fr-FR" dirty="0"/>
           </a:p>
@@ -12796,10 +14534,17 @@
   <p:clrMapOvr>
     <a:masterClrMapping/>
   </p:clrMapOvr>
+  <p:timing>
+    <p:tnLst>
+      <p:par>
+        <p:cTn id="1" dur="indefinite" restart="never" nodeType="tmRoot"/>
+      </p:par>
+    </p:tnLst>
+  </p:timing>
 </p:sld>
 </file>
 
-<file path=ppt/slides/slide27.xml><?xml version="1.0" encoding="utf-8"?>
+<file path=ppt/slides/slide29.xml><?xml version="1.0" encoding="utf-8"?>
 <p:sld xmlns:a="http://schemas.openxmlformats.org/drawingml/2006/main" xmlns:r="http://schemas.openxmlformats.org/officeDocument/2006/relationships" xmlns:p="http://schemas.openxmlformats.org/presentationml/2006/main">
   <p:cSld>
     <p:spTree>
@@ -12837,7 +14582,7 @@
           <a:lstStyle/>
           <a:p>
             <a:r>
-              <a:rPr lang="fr-FR" i="1" dirty="0" err="1"/>
+              <a:rPr lang="fr-FR" i="1" dirty="0" err="1" smtClean="0"/>
               <a:t>Find</a:t>
             </a:r>
             <a:endParaRPr lang="fr-FR" i="1" dirty="0"/>
@@ -12860,8 +14605,8 @@
           <a:lstStyle/>
           <a:p>
             <a:r>
-              <a:rPr lang="fr-FR"/>
-              <a:t>F. Flamerie - Trucs et astuces de PubMed - 2022-05-24</a:t>
+              <a:rPr lang="fr-FR" smtClean="0"/>
+              <a:t>F. Flamerie - Trucs et astuces de PubMed - màj : 2022-12-07</a:t>
             </a:r>
             <a:endParaRPr lang="fr-FR" dirty="0"/>
           </a:p>
@@ -12884,7 +14629,7 @@
           <a:p>
             <a:fld id="{99E13252-68E5-4994-B57B-B03F39B52C7D}" type="slidenum">
               <a:rPr lang="fr-FR" smtClean="0"/>
-              <a:t>27</a:t>
+              <a:t>29</a:t>
             </a:fld>
             <a:endParaRPr lang="fr-FR"/>
           </a:p>
@@ -13549,61 +15294,62 @@
           <a:lstStyle/>
           <a:p>
             <a:r>
-              <a:rPr lang="fr-FR" dirty="0"/>
+              <a:rPr lang="fr-FR" dirty="0" smtClean="0"/>
               <a:t> </a:t>
             </a:r>
             <a:r>
-              <a:rPr lang="fr-FR" i="1" dirty="0" err="1"/>
+              <a:rPr lang="fr-FR" i="1" dirty="0" err="1" smtClean="0"/>
               <a:t>Clinical</a:t>
             </a:r>
             <a:r>
-              <a:rPr lang="fr-FR" i="1" dirty="0"/>
+              <a:rPr lang="fr-FR" i="1" dirty="0" smtClean="0"/>
               <a:t> </a:t>
             </a:r>
             <a:r>
-              <a:rPr lang="fr-FR" i="1" dirty="0" err="1"/>
+              <a:rPr lang="fr-FR" i="1" dirty="0" err="1" smtClean="0"/>
               <a:t>Queries</a:t>
             </a:r>
             <a:r>
-              <a:rPr lang="fr-FR" i="1" dirty="0"/>
+              <a:rPr lang="fr-FR" i="1" dirty="0" smtClean="0"/>
               <a:t> </a:t>
             </a:r>
             <a:r>
-              <a:rPr lang="fr-FR" dirty="0"/>
+              <a:rPr lang="fr-FR" dirty="0" smtClean="0"/>
               <a:t>: ajout d’une rubrique </a:t>
             </a:r>
             <a:r>
-              <a:rPr lang="fr-FR" i="1" dirty="0"/>
+              <a:rPr lang="fr-FR" i="1" dirty="0" smtClean="0"/>
               <a:t>COVID-19 Articles</a:t>
             </a:r>
           </a:p>
           <a:p>
             <a:pPr lvl="1"/>
             <a:r>
-              <a:rPr lang="fr-FR" dirty="0">
+              <a:rPr lang="fr-FR" dirty="0" smtClean="0">
                 <a:hlinkClick r:id="rId3"/>
               </a:rPr>
               <a:t>Détails de la construction des filtres COVID-19 </a:t>
             </a:r>
             <a:r>
-              <a:rPr lang="fr-FR" dirty="0"/>
+              <a:rPr lang="fr-FR" dirty="0" smtClean="0"/>
               <a:t>sur le site de </a:t>
             </a:r>
             <a:r>
-              <a:rPr lang="fr-FR" dirty="0" err="1"/>
+              <a:rPr lang="fr-FR" dirty="0" err="1" smtClean="0"/>
               <a:t>PubMed</a:t>
             </a:r>
+            <a:endParaRPr lang="fr-FR" dirty="0" smtClean="0"/>
+          </a:p>
+          <a:p>
+            <a:r>
+              <a:rPr lang="fr-FR" i="1" dirty="0" smtClean="0"/>
+              <a:t>Single Citation Matcher </a:t>
+            </a:r>
+            <a:r>
+              <a:rPr lang="fr-FR" dirty="0" smtClean="0"/>
+              <a:t>pour retrouver rapidement un article à partir d’une réf biblio incomplète ou erronée</a:t>
+            </a:r>
             <a:endParaRPr lang="fr-FR" dirty="0"/>
-          </a:p>
-          <a:p>
-            <a:r>
-              <a:rPr lang="fr-FR" i="1" dirty="0"/>
-              <a:t>Single Citation Matcher </a:t>
-            </a:r>
-            <a:r>
-              <a:rPr lang="fr-FR" dirty="0"/>
-              <a:t>pour retrouver rapidement un article à partir d’une réf biblio incomplète ou erronée</a:t>
-            </a:r>
           </a:p>
         </p:txBody>
       </p:sp>
@@ -13617,519 +15363,13 @@
   <p:clrMapOvr>
     <a:masterClrMapping/>
   </p:clrMapOvr>
-</p:sld>
-</file>
-
-<file path=ppt/slides/slide28.xml><?xml version="1.0" encoding="utf-8"?>
-<p:sld xmlns:a="http://schemas.openxmlformats.org/drawingml/2006/main" xmlns:r="http://schemas.openxmlformats.org/officeDocument/2006/relationships" xmlns:p="http://schemas.openxmlformats.org/presentationml/2006/main">
-  <p:cSld>
-    <p:spTree>
-      <p:nvGrpSpPr>
-        <p:cNvPr id="1" name=""/>
-        <p:cNvGrpSpPr/>
-        <p:nvPr/>
-      </p:nvGrpSpPr>
-      <p:grpSpPr>
-        <a:xfrm>
-          <a:off x="0" y="0"/>
-          <a:ext cx="0" cy="0"/>
-          <a:chOff x="0" y="0"/>
-          <a:chExt cx="0" cy="0"/>
-        </a:xfrm>
-      </p:grpSpPr>
-      <p:sp>
-        <p:nvSpPr>
-          <p:cNvPr id="6" name="Titre 5"/>
-          <p:cNvSpPr>
-            <a:spLocks noGrp="1"/>
-          </p:cNvSpPr>
-          <p:nvPr>
-            <p:ph type="title"/>
-          </p:nvPr>
-        </p:nvSpPr>
-        <p:spPr>
-          <a:xfrm>
-            <a:off x="405113" y="-16647"/>
-            <a:ext cx="6137546" cy="1325563"/>
-          </a:xfrm>
-        </p:spPr>
-        <p:txBody>
-          <a:bodyPr>
-            <a:normAutofit/>
-          </a:bodyPr>
-          <a:lstStyle/>
-          <a:p>
-            <a:r>
-              <a:rPr lang="fr-FR" i="1" dirty="0" err="1"/>
-              <a:t>Find</a:t>
-            </a:r>
-            <a:r>
-              <a:rPr lang="fr-FR" i="1" dirty="0"/>
-              <a:t> : </a:t>
-            </a:r>
-            <a:r>
-              <a:rPr lang="fr-FR" i="1" dirty="0" err="1"/>
-              <a:t>Clinical</a:t>
-            </a:r>
-            <a:r>
-              <a:rPr lang="fr-FR" i="1" dirty="0"/>
-              <a:t> </a:t>
-            </a:r>
-            <a:r>
-              <a:rPr lang="fr-FR" i="1" dirty="0" err="1"/>
-              <a:t>Queries</a:t>
-            </a:r>
-            <a:endParaRPr lang="fr-FR" i="1" dirty="0"/>
-          </a:p>
-        </p:txBody>
-      </p:sp>
-      <p:sp>
-        <p:nvSpPr>
-          <p:cNvPr id="4" name="Espace réservé du pied de page 3"/>
-          <p:cNvSpPr>
-            <a:spLocks noGrp="1"/>
-          </p:cNvSpPr>
-          <p:nvPr>
-            <p:ph type="ftr" sz="quarter" idx="11"/>
-          </p:nvPr>
-        </p:nvSpPr>
-        <p:spPr/>
-        <p:txBody>
-          <a:bodyPr/>
-          <a:lstStyle/>
-          <a:p>
-            <a:r>
-              <a:rPr lang="fr-FR"/>
-              <a:t>F. Flamerie - Trucs et astuces de PubMed - 2022-05-24</a:t>
-            </a:r>
-            <a:endParaRPr lang="fr-FR" dirty="0"/>
-          </a:p>
-        </p:txBody>
-      </p:sp>
-      <p:sp>
-        <p:nvSpPr>
-          <p:cNvPr id="5" name="Espace réservé du numéro de diapositive 4"/>
-          <p:cNvSpPr>
-            <a:spLocks noGrp="1"/>
-          </p:cNvSpPr>
-          <p:nvPr>
-            <p:ph type="sldNum" sz="quarter" idx="12"/>
-          </p:nvPr>
-        </p:nvSpPr>
-        <p:spPr/>
-        <p:txBody>
-          <a:bodyPr/>
-          <a:lstStyle/>
-          <a:p>
-            <a:fld id="{99E13252-68E5-4994-B57B-B03F39B52C7D}" type="slidenum">
-              <a:rPr lang="fr-FR" smtClean="0"/>
-              <a:t>28</a:t>
-            </a:fld>
-            <a:endParaRPr lang="fr-FR"/>
-          </a:p>
-        </p:txBody>
-      </p:sp>
-      <p:sp>
-        <p:nvSpPr>
-          <p:cNvPr id="7" name="Espace réservé du contenu 6"/>
-          <p:cNvSpPr>
-            <a:spLocks noGrp="1"/>
-          </p:cNvSpPr>
-          <p:nvPr>
-            <p:ph idx="1"/>
-          </p:nvPr>
-        </p:nvSpPr>
-        <p:spPr>
-          <a:xfrm>
-            <a:off x="405113" y="1320037"/>
-            <a:ext cx="2013992" cy="3813596"/>
-          </a:xfrm>
-        </p:spPr>
-        <p:txBody>
-          <a:bodyPr>
-            <a:normAutofit/>
-          </a:bodyPr>
-          <a:lstStyle/>
-          <a:p>
-            <a:pPr marL="0" indent="0">
-              <a:buNone/>
-            </a:pPr>
-            <a:r>
-              <a:rPr lang="fr-FR" dirty="0"/>
-              <a:t>Exemple :  recherche sur l’efficacité des traitements à la vitamine D sur la DMLA</a:t>
-            </a:r>
-          </a:p>
-          <a:p>
-            <a:pPr marL="0" indent="0">
-              <a:buNone/>
-            </a:pPr>
-            <a:endParaRPr lang="fr-FR" dirty="0"/>
-          </a:p>
-          <a:p>
-            <a:pPr marL="457200" lvl="1" indent="0">
-              <a:buNone/>
-            </a:pPr>
-            <a:endParaRPr lang="fr-FR" dirty="0" err="1"/>
-          </a:p>
-        </p:txBody>
-      </p:sp>
-      <p:sp>
-        <p:nvSpPr>
-          <p:cNvPr id="2" name="ZoneTexte 1"/>
-          <p:cNvSpPr txBox="1"/>
-          <p:nvPr/>
-        </p:nvSpPr>
-        <p:spPr>
-          <a:xfrm>
-            <a:off x="405113" y="5778123"/>
-            <a:ext cx="11424214" cy="923330"/>
-          </a:xfrm>
-          <a:prstGeom prst="rect">
-            <a:avLst/>
-          </a:prstGeom>
-          <a:solidFill>
-            <a:schemeClr val="bg1"/>
-          </a:solidFill>
-        </p:spPr>
-        <p:txBody>
-          <a:bodyPr wrap="square" rtlCol="0">
-            <a:spAutoFit/>
-          </a:bodyPr>
-          <a:lstStyle/>
-          <a:p>
-            <a:r>
-              <a:rPr lang="fr-FR" dirty="0">
-                <a:latin typeface="Corbel" panose="020B0503020204020204" pitchFamily="34" charset="0"/>
-              </a:rPr>
-              <a:t>Détails de la recherche concernant cet exemple et autres exemples dans la section </a:t>
-            </a:r>
-            <a:r>
-              <a:rPr lang="fr-FR" i="1" dirty="0" err="1">
-                <a:latin typeface="Corbel" panose="020B0503020204020204" pitchFamily="34" charset="0"/>
-              </a:rPr>
-              <a:t>Supplement</a:t>
-            </a:r>
-            <a:r>
-              <a:rPr lang="fr-FR" dirty="0">
-                <a:latin typeface="Corbel" panose="020B0503020204020204" pitchFamily="34" charset="0"/>
-              </a:rPr>
-              <a:t> de : </a:t>
-            </a:r>
-            <a:r>
-              <a:rPr lang="en-US" dirty="0">
-                <a:latin typeface="Corbel" panose="020B0503020204020204" pitchFamily="34" charset="0"/>
-              </a:rPr>
-              <a:t>Kang, P., </a:t>
-            </a:r>
-            <a:r>
-              <a:rPr lang="en-US" dirty="0" err="1">
-                <a:latin typeface="Corbel" panose="020B0503020204020204" pitchFamily="34" charset="0"/>
-              </a:rPr>
-              <a:t>Kalloniatis</a:t>
-            </a:r>
-            <a:r>
-              <a:rPr lang="en-US" dirty="0">
-                <a:latin typeface="Corbel" panose="020B0503020204020204" pitchFamily="34" charset="0"/>
-              </a:rPr>
-              <a:t>, M., &amp; </a:t>
-            </a:r>
-            <a:r>
-              <a:rPr lang="en-US" dirty="0" err="1">
-                <a:latin typeface="Corbel" panose="020B0503020204020204" pitchFamily="34" charset="0"/>
-              </a:rPr>
-              <a:t>Doig</a:t>
-            </a:r>
-            <a:r>
-              <a:rPr lang="en-US" dirty="0">
-                <a:latin typeface="Corbel" panose="020B0503020204020204" pitchFamily="34" charset="0"/>
-              </a:rPr>
-              <a:t>, G. S. (2021). Using Updated PubMed : New Features and Functions to Enhance Literature Searches. </a:t>
-            </a:r>
-            <a:r>
-              <a:rPr lang="en-US" i="1" dirty="0">
-                <a:latin typeface="Corbel" panose="020B0503020204020204" pitchFamily="34" charset="0"/>
-              </a:rPr>
-              <a:t>JAMA</a:t>
-            </a:r>
-            <a:r>
-              <a:rPr lang="en-US" dirty="0">
-                <a:latin typeface="Corbel" panose="020B0503020204020204" pitchFamily="34" charset="0"/>
-              </a:rPr>
-              <a:t>, </a:t>
-            </a:r>
-            <a:r>
-              <a:rPr lang="en-US" i="1" dirty="0">
-                <a:latin typeface="Corbel" panose="020B0503020204020204" pitchFamily="34" charset="0"/>
-              </a:rPr>
-              <a:t>326</a:t>
-            </a:r>
-            <a:r>
-              <a:rPr lang="en-US" dirty="0">
-                <a:latin typeface="Corbel" panose="020B0503020204020204" pitchFamily="34" charset="0"/>
-              </a:rPr>
-              <a:t>(6), 479‑480. </a:t>
-            </a:r>
-            <a:r>
-              <a:rPr lang="en-US" dirty="0">
-                <a:latin typeface="Corbel" panose="020B0503020204020204" pitchFamily="34" charset="0"/>
-                <a:hlinkClick r:id="rId2"/>
-              </a:rPr>
-              <a:t>https://doi.org/10.1001/jama.2021.12021</a:t>
-            </a:r>
-            <a:endParaRPr lang="fr-FR" dirty="0"/>
-          </a:p>
-        </p:txBody>
-      </p:sp>
-      <p:pic>
-        <p:nvPicPr>
-          <p:cNvPr id="8" name="Image 7"/>
-          <p:cNvPicPr>
-            <a:picLocks noChangeAspect="1"/>
-          </p:cNvPicPr>
-          <p:nvPr/>
-        </p:nvPicPr>
-        <p:blipFill rotWithShape="1">
-          <a:blip r:embed="rId3">
-            <a:extLst>
-              <a:ext uri="{28A0092B-C50C-407E-A947-70E740481C1C}">
-                <a14:useLocalDpi xmlns:a14="http://schemas.microsoft.com/office/drawing/2010/main" val="0"/>
-              </a:ext>
-            </a:extLst>
-          </a:blip>
-          <a:srcRect l="1019"/>
-          <a:stretch/>
-        </p:blipFill>
-        <p:spPr>
-          <a:xfrm>
-            <a:off x="2419105" y="1308916"/>
-            <a:ext cx="9564547" cy="4458086"/>
-          </a:xfrm>
-          <a:prstGeom prst="rect">
-            <a:avLst/>
-          </a:prstGeom>
-        </p:spPr>
-      </p:pic>
-    </p:spTree>
-    <p:extLst>
-      <p:ext uri="{BB962C8B-B14F-4D97-AF65-F5344CB8AC3E}">
-        <p14:creationId xmlns:p14="http://schemas.microsoft.com/office/powerpoint/2010/main" val="517517424"/>
-      </p:ext>
-    </p:extLst>
-  </p:cSld>
-  <p:clrMapOvr>
-    <a:masterClrMapping/>
-  </p:clrMapOvr>
-</p:sld>
-</file>
-
-<file path=ppt/slides/slide29.xml><?xml version="1.0" encoding="utf-8"?>
-<p:sld xmlns:a="http://schemas.openxmlformats.org/drawingml/2006/main" xmlns:r="http://schemas.openxmlformats.org/officeDocument/2006/relationships" xmlns:p="http://schemas.openxmlformats.org/presentationml/2006/main">
-  <p:cSld>
-    <p:spTree>
-      <p:nvGrpSpPr>
-        <p:cNvPr id="1" name=""/>
-        <p:cNvGrpSpPr/>
-        <p:nvPr/>
-      </p:nvGrpSpPr>
-      <p:grpSpPr>
-        <a:xfrm>
-          <a:off x="0" y="0"/>
-          <a:ext cx="0" cy="0"/>
-          <a:chOff x="0" y="0"/>
-          <a:chExt cx="0" cy="0"/>
-        </a:xfrm>
-      </p:grpSpPr>
-      <p:sp>
-        <p:nvSpPr>
-          <p:cNvPr id="6" name="Titre 5"/>
-          <p:cNvSpPr>
-            <a:spLocks noGrp="1"/>
-          </p:cNvSpPr>
-          <p:nvPr>
-            <p:ph type="title"/>
-          </p:nvPr>
-        </p:nvSpPr>
-        <p:spPr>
-          <a:xfrm>
-            <a:off x="101208" y="339924"/>
-            <a:ext cx="3353156" cy="1325563"/>
-          </a:xfrm>
-        </p:spPr>
-        <p:txBody>
-          <a:bodyPr>
-            <a:normAutofit fontScale="90000"/>
-          </a:bodyPr>
-          <a:lstStyle/>
-          <a:p>
-            <a:r>
-              <a:rPr lang="fr-FR" i="1" dirty="0" err="1"/>
-              <a:t>Find</a:t>
-            </a:r>
-            <a:r>
-              <a:rPr lang="fr-FR" i="1" dirty="0"/>
-              <a:t> : Single Citation Matcher</a:t>
-            </a:r>
-          </a:p>
-        </p:txBody>
-      </p:sp>
-      <p:sp>
-        <p:nvSpPr>
-          <p:cNvPr id="4" name="Espace réservé du pied de page 3"/>
-          <p:cNvSpPr>
-            <a:spLocks noGrp="1"/>
-          </p:cNvSpPr>
-          <p:nvPr>
-            <p:ph type="ftr" sz="quarter" idx="11"/>
-          </p:nvPr>
-        </p:nvSpPr>
-        <p:spPr/>
-        <p:txBody>
-          <a:bodyPr/>
-          <a:lstStyle/>
-          <a:p>
-            <a:r>
-              <a:rPr lang="fr-FR"/>
-              <a:t>F. Flamerie - Trucs et astuces de PubMed - 2022-05-24</a:t>
-            </a:r>
-            <a:endParaRPr lang="fr-FR" dirty="0"/>
-          </a:p>
-        </p:txBody>
-      </p:sp>
-      <p:sp>
-        <p:nvSpPr>
-          <p:cNvPr id="5" name="Espace réservé du numéro de diapositive 4"/>
-          <p:cNvSpPr>
-            <a:spLocks noGrp="1"/>
-          </p:cNvSpPr>
-          <p:nvPr>
-            <p:ph type="sldNum" sz="quarter" idx="12"/>
-          </p:nvPr>
-        </p:nvSpPr>
-        <p:spPr/>
-        <p:txBody>
-          <a:bodyPr/>
-          <a:lstStyle/>
-          <a:p>
-            <a:fld id="{99E13252-68E5-4994-B57B-B03F39B52C7D}" type="slidenum">
-              <a:rPr lang="fr-FR" smtClean="0"/>
-              <a:t>29</a:t>
-            </a:fld>
-            <a:endParaRPr lang="fr-FR"/>
-          </a:p>
-        </p:txBody>
-      </p:sp>
-      <p:sp>
-        <p:nvSpPr>
-          <p:cNvPr id="7" name="Espace réservé du contenu 6"/>
-          <p:cNvSpPr>
-            <a:spLocks noGrp="1"/>
-          </p:cNvSpPr>
-          <p:nvPr>
-            <p:ph idx="1"/>
-          </p:nvPr>
-        </p:nvSpPr>
-        <p:spPr>
-          <a:xfrm>
-            <a:off x="101208" y="2514697"/>
-            <a:ext cx="2327991" cy="4351338"/>
-          </a:xfrm>
-        </p:spPr>
-        <p:txBody>
-          <a:bodyPr>
-            <a:normAutofit/>
-          </a:bodyPr>
-          <a:lstStyle/>
-          <a:p>
-            <a:r>
-              <a:rPr lang="fr-FR" dirty="0"/>
-              <a:t> Exemple :</a:t>
-            </a:r>
-          </a:p>
-          <a:p>
-            <a:pPr lvl="1"/>
-            <a:r>
-              <a:rPr lang="fr-FR" dirty="0" err="1"/>
-              <a:t>Sheeran</a:t>
-            </a:r>
-            <a:endParaRPr lang="fr-FR" dirty="0"/>
-          </a:p>
-          <a:p>
-            <a:pPr lvl="1"/>
-            <a:r>
-              <a:rPr lang="fr-FR" dirty="0"/>
-              <a:t>1</a:t>
-            </a:r>
-            <a:r>
-              <a:rPr lang="fr-FR" baseline="30000" dirty="0"/>
-              <a:t>er</a:t>
-            </a:r>
-            <a:r>
-              <a:rPr lang="fr-FR" dirty="0"/>
-              <a:t> auteur</a:t>
-            </a:r>
-          </a:p>
-          <a:p>
-            <a:pPr lvl="1"/>
-            <a:r>
-              <a:rPr lang="fr-FR" dirty="0"/>
-              <a:t>2019</a:t>
-            </a:r>
-          </a:p>
-          <a:p>
-            <a:r>
-              <a:rPr lang="fr-FR" dirty="0"/>
-              <a:t>6 résultats // 40 en recherche simple </a:t>
-            </a:r>
-            <a:r>
-              <a:rPr lang="fr-FR" dirty="0" err="1"/>
-              <a:t>Sheeran</a:t>
-            </a:r>
-            <a:r>
-              <a:rPr lang="fr-FR" dirty="0"/>
-              <a:t> 2019</a:t>
-            </a:r>
-          </a:p>
-        </p:txBody>
-      </p:sp>
-      <p:pic>
-        <p:nvPicPr>
-          <p:cNvPr id="3" name="Image 2"/>
-          <p:cNvPicPr>
-            <a:picLocks noChangeAspect="1"/>
-          </p:cNvPicPr>
-          <p:nvPr/>
-        </p:nvPicPr>
-        <p:blipFill rotWithShape="1">
-          <a:blip r:embed="rId2">
-            <a:extLst>
-              <a:ext uri="{28A0092B-C50C-407E-A947-70E740481C1C}">
-                <a14:useLocalDpi xmlns:a14="http://schemas.microsoft.com/office/drawing/2010/main" val="0"/>
-              </a:ext>
-            </a:extLst>
-          </a:blip>
-          <a:srcRect t="3038"/>
-          <a:stretch/>
-        </p:blipFill>
-        <p:spPr>
-          <a:xfrm>
-            <a:off x="3093341" y="71819"/>
-            <a:ext cx="8924601" cy="6649656"/>
-          </a:xfrm>
-          <a:prstGeom prst="rect">
-            <a:avLst/>
-          </a:prstGeom>
-        </p:spPr>
-      </p:pic>
-    </p:spTree>
-    <p:extLst>
-      <p:ext uri="{BB962C8B-B14F-4D97-AF65-F5344CB8AC3E}">
-        <p14:creationId xmlns:p14="http://schemas.microsoft.com/office/powerpoint/2010/main" val="2913456843"/>
-      </p:ext>
-    </p:extLst>
-  </p:cSld>
-  <p:clrMapOvr>
-    <a:masterClrMapping/>
-  </p:clrMapOvr>
+  <p:timing>
+    <p:tnLst>
+      <p:par>
+        <p:cTn id="1" dur="indefinite" restart="never" nodeType="tmRoot"/>
+      </p:par>
+    </p:tnLst>
+  </p:timing>
 </p:sld>
 </file>
 
@@ -14193,15 +15433,16 @@
           <a:lstStyle/>
           <a:p>
             <a:r>
-              <a:rPr lang="fr-FR" dirty="0"/>
+              <a:rPr lang="fr-FR" dirty="0" smtClean="0"/>
               <a:t>Couverture</a:t>
             </a:r>
           </a:p>
           <a:p>
             <a:r>
-              <a:rPr lang="fr-FR" dirty="0"/>
+              <a:rPr lang="fr-FR" dirty="0" smtClean="0"/>
               <a:t>Fonctionnalités</a:t>
             </a:r>
+            <a:endParaRPr lang="fr-FR" dirty="0"/>
           </a:p>
         </p:txBody>
       </p:sp>
@@ -14221,17 +15462,10 @@
           <a:lstStyle/>
           <a:p>
             <a:r>
-              <a:rPr lang="fr-FR" dirty="0"/>
-              <a:t>F. Flamerie - Trucs et astuces de </a:t>
-            </a:r>
-            <a:r>
-              <a:rPr lang="fr-FR" dirty="0" err="1"/>
-              <a:t>PubMed</a:t>
-            </a:r>
-            <a:r>
-              <a:rPr lang="fr-FR" dirty="0"/>
-              <a:t> - 2022-05-24</a:t>
-            </a:r>
+              <a:rPr lang="fr-FR" smtClean="0"/>
+              <a:t>F. Flamerie - Trucs et astuces de PubMed - màj : 2022-12-07</a:t>
+            </a:r>
+            <a:endParaRPr lang="fr-FR" dirty="0"/>
           </a:p>
         </p:txBody>
       </p:sp>
@@ -14762,6 +15996,13 @@
   <p:clrMapOvr>
     <a:masterClrMapping/>
   </p:clrMapOvr>
+  <p:timing>
+    <p:tnLst>
+      <p:par>
+        <p:cTn id="1" dur="indefinite" restart="never" nodeType="tmRoot"/>
+      </p:par>
+    </p:tnLst>
+  </p:timing>
 </p:sld>
 </file>
 
@@ -14794,6 +16035,1136 @@
         </p:nvSpPr>
         <p:spPr>
           <a:xfrm>
+            <a:off x="405113" y="-16647"/>
+            <a:ext cx="6137546" cy="1325563"/>
+          </a:xfrm>
+        </p:spPr>
+        <p:txBody>
+          <a:bodyPr>
+            <a:normAutofit/>
+          </a:bodyPr>
+          <a:lstStyle/>
+          <a:p>
+            <a:r>
+              <a:rPr lang="fr-FR" i="1" dirty="0" err="1"/>
+              <a:t>Find</a:t>
+            </a:r>
+            <a:r>
+              <a:rPr lang="fr-FR" i="1" dirty="0"/>
+              <a:t> : </a:t>
+            </a:r>
+            <a:r>
+              <a:rPr lang="fr-FR" i="1" dirty="0" err="1"/>
+              <a:t>Clinical</a:t>
+            </a:r>
+            <a:r>
+              <a:rPr lang="fr-FR" i="1" dirty="0"/>
+              <a:t> </a:t>
+            </a:r>
+            <a:r>
+              <a:rPr lang="fr-FR" i="1" dirty="0" err="1"/>
+              <a:t>Queries</a:t>
+            </a:r>
+            <a:endParaRPr lang="fr-FR" i="1" dirty="0"/>
+          </a:p>
+        </p:txBody>
+      </p:sp>
+      <p:sp>
+        <p:nvSpPr>
+          <p:cNvPr id="4" name="Espace réservé du pied de page 3"/>
+          <p:cNvSpPr>
+            <a:spLocks noGrp="1"/>
+          </p:cNvSpPr>
+          <p:nvPr>
+            <p:ph type="ftr" sz="quarter" idx="11"/>
+          </p:nvPr>
+        </p:nvSpPr>
+        <p:spPr/>
+        <p:txBody>
+          <a:bodyPr/>
+          <a:lstStyle/>
+          <a:p>
+            <a:r>
+              <a:rPr lang="fr-FR" smtClean="0"/>
+              <a:t>F. Flamerie - Trucs et astuces de PubMed - màj : 2022-12-07</a:t>
+            </a:r>
+            <a:endParaRPr lang="fr-FR" dirty="0"/>
+          </a:p>
+        </p:txBody>
+      </p:sp>
+      <p:sp>
+        <p:nvSpPr>
+          <p:cNvPr id="5" name="Espace réservé du numéro de diapositive 4"/>
+          <p:cNvSpPr>
+            <a:spLocks noGrp="1"/>
+          </p:cNvSpPr>
+          <p:nvPr>
+            <p:ph type="sldNum" sz="quarter" idx="12"/>
+          </p:nvPr>
+        </p:nvSpPr>
+        <p:spPr/>
+        <p:txBody>
+          <a:bodyPr/>
+          <a:lstStyle/>
+          <a:p>
+            <a:fld id="{99E13252-68E5-4994-B57B-B03F39B52C7D}" type="slidenum">
+              <a:rPr lang="fr-FR" smtClean="0"/>
+              <a:t>30</a:t>
+            </a:fld>
+            <a:endParaRPr lang="fr-FR"/>
+          </a:p>
+        </p:txBody>
+      </p:sp>
+      <p:sp>
+        <p:nvSpPr>
+          <p:cNvPr id="7" name="Espace réservé du contenu 6"/>
+          <p:cNvSpPr>
+            <a:spLocks noGrp="1"/>
+          </p:cNvSpPr>
+          <p:nvPr>
+            <p:ph idx="1"/>
+          </p:nvPr>
+        </p:nvSpPr>
+        <p:spPr>
+          <a:xfrm>
+            <a:off x="405113" y="1320037"/>
+            <a:ext cx="2013992" cy="3813596"/>
+          </a:xfrm>
+        </p:spPr>
+        <p:txBody>
+          <a:bodyPr>
+            <a:normAutofit/>
+          </a:bodyPr>
+          <a:lstStyle/>
+          <a:p>
+            <a:pPr marL="0" indent="0">
+              <a:buNone/>
+            </a:pPr>
+            <a:r>
+              <a:rPr lang="fr-FR" dirty="0"/>
+              <a:t>Exemple :  recherche sur l’efficacité des traitements à la vitamine D sur la DMLA</a:t>
+            </a:r>
+          </a:p>
+          <a:p>
+            <a:pPr marL="0" indent="0">
+              <a:buNone/>
+            </a:pPr>
+            <a:endParaRPr lang="fr-FR" dirty="0"/>
+          </a:p>
+          <a:p>
+            <a:pPr marL="457200" lvl="1" indent="0">
+              <a:buNone/>
+            </a:pPr>
+            <a:endParaRPr lang="fr-FR" dirty="0" err="1"/>
+          </a:p>
+        </p:txBody>
+      </p:sp>
+      <p:sp>
+        <p:nvSpPr>
+          <p:cNvPr id="2" name="ZoneTexte 1"/>
+          <p:cNvSpPr txBox="1"/>
+          <p:nvPr/>
+        </p:nvSpPr>
+        <p:spPr>
+          <a:xfrm>
+            <a:off x="405113" y="5778123"/>
+            <a:ext cx="11424214" cy="923330"/>
+          </a:xfrm>
+          <a:prstGeom prst="rect">
+            <a:avLst/>
+          </a:prstGeom>
+          <a:solidFill>
+            <a:schemeClr val="bg1"/>
+          </a:solidFill>
+        </p:spPr>
+        <p:txBody>
+          <a:bodyPr wrap="square" rtlCol="0">
+            <a:spAutoFit/>
+          </a:bodyPr>
+          <a:lstStyle/>
+          <a:p>
+            <a:r>
+              <a:rPr lang="fr-FR" dirty="0">
+                <a:latin typeface="Corbel" panose="020B0503020204020204" pitchFamily="34" charset="0"/>
+              </a:rPr>
+              <a:t>Détails de la recherche concernant cet exemple et autres exemples dans la section </a:t>
+            </a:r>
+            <a:r>
+              <a:rPr lang="fr-FR" i="1" dirty="0" err="1">
+                <a:latin typeface="Corbel" panose="020B0503020204020204" pitchFamily="34" charset="0"/>
+              </a:rPr>
+              <a:t>Supplement</a:t>
+            </a:r>
+            <a:r>
+              <a:rPr lang="fr-FR" dirty="0">
+                <a:latin typeface="Corbel" panose="020B0503020204020204" pitchFamily="34" charset="0"/>
+              </a:rPr>
+              <a:t> de : </a:t>
+            </a:r>
+            <a:r>
+              <a:rPr lang="en-US" dirty="0">
+                <a:latin typeface="Corbel" panose="020B0503020204020204" pitchFamily="34" charset="0"/>
+              </a:rPr>
+              <a:t>Kang, P., </a:t>
+            </a:r>
+            <a:r>
+              <a:rPr lang="en-US" dirty="0" err="1">
+                <a:latin typeface="Corbel" panose="020B0503020204020204" pitchFamily="34" charset="0"/>
+              </a:rPr>
+              <a:t>Kalloniatis</a:t>
+            </a:r>
+            <a:r>
+              <a:rPr lang="en-US" dirty="0">
+                <a:latin typeface="Corbel" panose="020B0503020204020204" pitchFamily="34" charset="0"/>
+              </a:rPr>
+              <a:t>, M., &amp; </a:t>
+            </a:r>
+            <a:r>
+              <a:rPr lang="en-US" dirty="0" err="1">
+                <a:latin typeface="Corbel" panose="020B0503020204020204" pitchFamily="34" charset="0"/>
+              </a:rPr>
+              <a:t>Doig</a:t>
+            </a:r>
+            <a:r>
+              <a:rPr lang="en-US" dirty="0">
+                <a:latin typeface="Corbel" panose="020B0503020204020204" pitchFamily="34" charset="0"/>
+              </a:rPr>
+              <a:t>, G. S. (2021). Using Updated PubMed : New Features and Functions to Enhance Literature Searches. </a:t>
+            </a:r>
+            <a:r>
+              <a:rPr lang="en-US" i="1" dirty="0">
+                <a:latin typeface="Corbel" panose="020B0503020204020204" pitchFamily="34" charset="0"/>
+              </a:rPr>
+              <a:t>JAMA</a:t>
+            </a:r>
+            <a:r>
+              <a:rPr lang="en-US" dirty="0">
+                <a:latin typeface="Corbel" panose="020B0503020204020204" pitchFamily="34" charset="0"/>
+              </a:rPr>
+              <a:t>, </a:t>
+            </a:r>
+            <a:r>
+              <a:rPr lang="en-US" i="1" dirty="0">
+                <a:latin typeface="Corbel" panose="020B0503020204020204" pitchFamily="34" charset="0"/>
+              </a:rPr>
+              <a:t>326</a:t>
+            </a:r>
+            <a:r>
+              <a:rPr lang="en-US" dirty="0">
+                <a:latin typeface="Corbel" panose="020B0503020204020204" pitchFamily="34" charset="0"/>
+              </a:rPr>
+              <a:t>(6), 479‑480. </a:t>
+            </a:r>
+            <a:r>
+              <a:rPr lang="en-US" dirty="0">
+                <a:latin typeface="Corbel" panose="020B0503020204020204" pitchFamily="34" charset="0"/>
+                <a:hlinkClick r:id="rId2"/>
+              </a:rPr>
+              <a:t>https://doi.org/10.1001/jama.2021.12021</a:t>
+            </a:r>
+            <a:endParaRPr lang="fr-FR" dirty="0">
+              <a:latin typeface="Corbel" panose="020B0503020204020204" pitchFamily="34" charset="0"/>
+            </a:endParaRPr>
+          </a:p>
+        </p:txBody>
+      </p:sp>
+      <p:pic>
+        <p:nvPicPr>
+          <p:cNvPr id="8" name="Image 7"/>
+          <p:cNvPicPr>
+            <a:picLocks noChangeAspect="1"/>
+          </p:cNvPicPr>
+          <p:nvPr/>
+        </p:nvPicPr>
+        <p:blipFill rotWithShape="1">
+          <a:blip r:embed="rId3">
+            <a:extLst>
+              <a:ext uri="{28A0092B-C50C-407E-A947-70E740481C1C}">
+                <a14:useLocalDpi xmlns:a14="http://schemas.microsoft.com/office/drawing/2010/main" val="0"/>
+              </a:ext>
+            </a:extLst>
+          </a:blip>
+          <a:srcRect l="1019"/>
+          <a:stretch/>
+        </p:blipFill>
+        <p:spPr>
+          <a:xfrm>
+            <a:off x="2419105" y="1308916"/>
+            <a:ext cx="9564547" cy="4458086"/>
+          </a:xfrm>
+          <a:prstGeom prst="rect">
+            <a:avLst/>
+          </a:prstGeom>
+        </p:spPr>
+      </p:pic>
+    </p:spTree>
+    <p:extLst>
+      <p:ext uri="{BB962C8B-B14F-4D97-AF65-F5344CB8AC3E}">
+        <p14:creationId xmlns:p14="http://schemas.microsoft.com/office/powerpoint/2010/main" val="4029540729"/>
+      </p:ext>
+    </p:extLst>
+  </p:cSld>
+  <p:clrMapOvr>
+    <a:masterClrMapping/>
+  </p:clrMapOvr>
+</p:sld>
+</file>
+
+<file path=ppt/slides/slide31.xml><?xml version="1.0" encoding="utf-8"?>
+<p:sld xmlns:a="http://schemas.openxmlformats.org/drawingml/2006/main" xmlns:r="http://schemas.openxmlformats.org/officeDocument/2006/relationships" xmlns:p="http://schemas.openxmlformats.org/presentationml/2006/main">
+  <p:cSld>
+    <p:spTree>
+      <p:nvGrpSpPr>
+        <p:cNvPr id="1" name=""/>
+        <p:cNvGrpSpPr/>
+        <p:nvPr/>
+      </p:nvGrpSpPr>
+      <p:grpSpPr>
+        <a:xfrm>
+          <a:off x="0" y="0"/>
+          <a:ext cx="0" cy="0"/>
+          <a:chOff x="0" y="0"/>
+          <a:chExt cx="0" cy="0"/>
+        </a:xfrm>
+      </p:grpSpPr>
+      <p:sp>
+        <p:nvSpPr>
+          <p:cNvPr id="6" name="Titre 5"/>
+          <p:cNvSpPr>
+            <a:spLocks noGrp="1"/>
+          </p:cNvSpPr>
+          <p:nvPr>
+            <p:ph type="title"/>
+          </p:nvPr>
+        </p:nvSpPr>
+        <p:spPr>
+          <a:xfrm>
+            <a:off x="101208" y="339924"/>
+            <a:ext cx="3353156" cy="1325563"/>
+          </a:xfrm>
+        </p:spPr>
+        <p:txBody>
+          <a:bodyPr>
+            <a:normAutofit fontScale="90000"/>
+          </a:bodyPr>
+          <a:lstStyle/>
+          <a:p>
+            <a:r>
+              <a:rPr lang="fr-FR" i="1" dirty="0" err="1" smtClean="0"/>
+              <a:t>Find</a:t>
+            </a:r>
+            <a:r>
+              <a:rPr lang="fr-FR" i="1" dirty="0" smtClean="0"/>
+              <a:t> : Single Citation Matcher</a:t>
+            </a:r>
+            <a:endParaRPr lang="fr-FR" i="1" dirty="0"/>
+          </a:p>
+        </p:txBody>
+      </p:sp>
+      <p:sp>
+        <p:nvSpPr>
+          <p:cNvPr id="4" name="Espace réservé du pied de page 3"/>
+          <p:cNvSpPr>
+            <a:spLocks noGrp="1"/>
+          </p:cNvSpPr>
+          <p:nvPr>
+            <p:ph type="ftr" sz="quarter" idx="11"/>
+          </p:nvPr>
+        </p:nvSpPr>
+        <p:spPr/>
+        <p:txBody>
+          <a:bodyPr/>
+          <a:lstStyle/>
+          <a:p>
+            <a:r>
+              <a:rPr lang="fr-FR" smtClean="0"/>
+              <a:t>F. Flamerie - Trucs et astuces de PubMed - màj : 2022-12-07</a:t>
+            </a:r>
+            <a:endParaRPr lang="fr-FR" dirty="0"/>
+          </a:p>
+        </p:txBody>
+      </p:sp>
+      <p:sp>
+        <p:nvSpPr>
+          <p:cNvPr id="5" name="Espace réservé du numéro de diapositive 4"/>
+          <p:cNvSpPr>
+            <a:spLocks noGrp="1"/>
+          </p:cNvSpPr>
+          <p:nvPr>
+            <p:ph type="sldNum" sz="quarter" idx="12"/>
+          </p:nvPr>
+        </p:nvSpPr>
+        <p:spPr/>
+        <p:txBody>
+          <a:bodyPr/>
+          <a:lstStyle/>
+          <a:p>
+            <a:fld id="{99E13252-68E5-4994-B57B-B03F39B52C7D}" type="slidenum">
+              <a:rPr lang="fr-FR" smtClean="0"/>
+              <a:t>31</a:t>
+            </a:fld>
+            <a:endParaRPr lang="fr-FR"/>
+          </a:p>
+        </p:txBody>
+      </p:sp>
+      <p:grpSp>
+        <p:nvGrpSpPr>
+          <p:cNvPr id="11" name="Arrow34" descr="{&quot;Key&quot;:&quot;POWER_USER_SHAPE_ICON&quot;,&quot;Value&quot;:&quot;POWER_USER_SHAPE_ICON_STYLE_1&quot;}">
+            <a:extLst>
+              <a:ext uri="{FF2B5EF4-FFF2-40B4-BE49-F238E27FC236}">
+                <a16:creationId xmlns="" xmlns:a16="http://schemas.microsoft.com/office/drawing/2014/main" id="{43E68E00-EA18-49EE-91A7-B065011E5152}"/>
+              </a:ext>
+            </a:extLst>
+          </p:cNvPr>
+          <p:cNvGrpSpPr>
+            <a:grpSpLocks noChangeAspect="1"/>
+          </p:cNvGrpSpPr>
+          <p:nvPr/>
+        </p:nvGrpSpPr>
+        <p:grpSpPr>
+          <a:xfrm>
+            <a:off x="5352342" y="5304445"/>
+            <a:ext cx="547953" cy="542925"/>
+            <a:chOff x="6004176" y="1690066"/>
+            <a:chExt cx="1039285" cy="1029748"/>
+          </a:xfrm>
+          <a:solidFill>
+            <a:srgbClr val="FF6600"/>
+          </a:solidFill>
+        </p:grpSpPr>
+        <p:sp>
+          <p:nvSpPr>
+            <p:cNvPr id="12" name="Freeform 195">
+              <a:extLst>
+                <a:ext uri="{FF2B5EF4-FFF2-40B4-BE49-F238E27FC236}">
+                  <a16:creationId xmlns="" xmlns:a16="http://schemas.microsoft.com/office/drawing/2014/main" id="{B426E1A2-1601-4CCF-ADA5-FD9317539629}"/>
+                </a:ext>
+              </a:extLst>
+            </p:cNvPr>
+            <p:cNvSpPr>
+              <a:spLocks/>
+            </p:cNvSpPr>
+            <p:nvPr/>
+          </p:nvSpPr>
+          <p:spPr bwMode="auto">
+            <a:xfrm>
+              <a:off x="6213939" y="1880760"/>
+              <a:ext cx="781845" cy="476735"/>
+            </a:xfrm>
+            <a:custGeom>
+              <a:avLst/>
+              <a:gdLst>
+                <a:gd name="T0" fmla="*/ 81 w 1018"/>
+                <a:gd name="T1" fmla="*/ 623 h 623"/>
+                <a:gd name="T2" fmla="*/ 34 w 1018"/>
+                <a:gd name="T3" fmla="*/ 606 h 623"/>
+                <a:gd name="T4" fmla="*/ 26 w 1018"/>
+                <a:gd name="T5" fmla="*/ 504 h 623"/>
+                <a:gd name="T6" fmla="*/ 933 w 1018"/>
+                <a:gd name="T7" fmla="*/ 4 h 623"/>
+                <a:gd name="T8" fmla="*/ 1013 w 1018"/>
+                <a:gd name="T9" fmla="*/ 68 h 623"/>
+                <a:gd name="T10" fmla="*/ 949 w 1018"/>
+                <a:gd name="T11" fmla="*/ 148 h 623"/>
+                <a:gd name="T12" fmla="*/ 136 w 1018"/>
+                <a:gd name="T13" fmla="*/ 598 h 623"/>
+                <a:gd name="T14" fmla="*/ 81 w 1018"/>
+                <a:gd name="T15" fmla="*/ 623 h 623"/>
+              </a:gdLst>
+              <a:ahLst/>
+              <a:cxnLst>
+                <a:cxn ang="0">
+                  <a:pos x="T0" y="T1"/>
+                </a:cxn>
+                <a:cxn ang="0">
+                  <a:pos x="T2" y="T3"/>
+                </a:cxn>
+                <a:cxn ang="0">
+                  <a:pos x="T4" y="T5"/>
+                </a:cxn>
+                <a:cxn ang="0">
+                  <a:pos x="T6" y="T7"/>
+                </a:cxn>
+                <a:cxn ang="0">
+                  <a:pos x="T8" y="T9"/>
+                </a:cxn>
+                <a:cxn ang="0">
+                  <a:pos x="T10" y="T11"/>
+                </a:cxn>
+                <a:cxn ang="0">
+                  <a:pos x="T12" y="T13"/>
+                </a:cxn>
+                <a:cxn ang="0">
+                  <a:pos x="T14" y="T15"/>
+                </a:cxn>
+              </a:cxnLst>
+              <a:rect l="0" t="0" r="r" b="b"/>
+              <a:pathLst>
+                <a:path w="1018" h="623">
+                  <a:moveTo>
+                    <a:pt x="81" y="623"/>
+                  </a:moveTo>
+                  <a:cubicBezTo>
+                    <a:pt x="65" y="623"/>
+                    <a:pt x="48" y="618"/>
+                    <a:pt x="34" y="606"/>
+                  </a:cubicBezTo>
+                  <a:cubicBezTo>
+                    <a:pt x="4" y="580"/>
+                    <a:pt x="0" y="534"/>
+                    <a:pt x="26" y="504"/>
+                  </a:cubicBezTo>
+                  <a:cubicBezTo>
+                    <a:pt x="282" y="206"/>
+                    <a:pt x="578" y="43"/>
+                    <a:pt x="933" y="4"/>
+                  </a:cubicBezTo>
+                  <a:cubicBezTo>
+                    <a:pt x="973" y="0"/>
+                    <a:pt x="1009" y="29"/>
+                    <a:pt x="1013" y="68"/>
+                  </a:cubicBezTo>
+                  <a:cubicBezTo>
+                    <a:pt x="1018" y="108"/>
+                    <a:pt x="989" y="144"/>
+                    <a:pt x="949" y="148"/>
+                  </a:cubicBezTo>
+                  <a:cubicBezTo>
+                    <a:pt x="628" y="183"/>
+                    <a:pt x="370" y="326"/>
+                    <a:pt x="136" y="598"/>
+                  </a:cubicBezTo>
+                  <a:cubicBezTo>
+                    <a:pt x="122" y="615"/>
+                    <a:pt x="102" y="623"/>
+                    <a:pt x="81" y="623"/>
+                  </a:cubicBezTo>
+                </a:path>
+              </a:pathLst>
+            </a:custGeom>
+            <a:grpFill/>
+            <a:ln w="9525">
+              <a:noFill/>
+              <a:round/>
+              <a:headEnd/>
+              <a:tailEnd/>
+            </a:ln>
+          </p:spPr>
+          <p:txBody>
+            <a:bodyPr vert="horz" wrap="square" lIns="91440" tIns="45720" rIns="91440" bIns="45720" numCol="1" anchor="t" anchorCtr="0" compatLnSpc="1">
+              <a:prstTxWarp prst="textNoShape">
+                <a:avLst/>
+              </a:prstTxWarp>
+            </a:bodyPr>
+            <a:lstStyle/>
+            <a:p>
+              <a:pPr>
+                <a:defRPr/>
+              </a:pPr>
+              <a:endParaRPr lang="fr-FR" dirty="0">
+                <a:solidFill>
+                  <a:prstClr val="black"/>
+                </a:solidFill>
+                <a:latin typeface="Corbel" panose="020B0503020204020204" pitchFamily="34" charset="0"/>
+              </a:endParaRPr>
+            </a:p>
+          </p:txBody>
+        </p:sp>
+        <p:sp>
+          <p:nvSpPr>
+            <p:cNvPr id="13" name="Freeform 196">
+              <a:extLst>
+                <a:ext uri="{FF2B5EF4-FFF2-40B4-BE49-F238E27FC236}">
+                  <a16:creationId xmlns="" xmlns:a16="http://schemas.microsoft.com/office/drawing/2014/main" id="{7CA8E433-9ACF-4A11-B832-05AE8A209954}"/>
+                </a:ext>
+              </a:extLst>
+            </p:cNvPr>
+            <p:cNvSpPr>
+              <a:spLocks/>
+            </p:cNvSpPr>
+            <p:nvPr/>
+          </p:nvSpPr>
+          <p:spPr bwMode="auto">
+            <a:xfrm>
+              <a:off x="6080453" y="2376565"/>
+              <a:ext cx="152555" cy="171625"/>
+            </a:xfrm>
+            <a:custGeom>
+              <a:avLst/>
+              <a:gdLst>
+                <a:gd name="T0" fmla="*/ 83 w 205"/>
+                <a:gd name="T1" fmla="*/ 223 h 223"/>
+                <a:gd name="T2" fmla="*/ 48 w 205"/>
+                <a:gd name="T3" fmla="*/ 214 h 223"/>
+                <a:gd name="T4" fmla="*/ 19 w 205"/>
+                <a:gd name="T5" fmla="*/ 116 h 223"/>
+                <a:gd name="T6" fmla="*/ 61 w 205"/>
+                <a:gd name="T7" fmla="*/ 45 h 223"/>
+                <a:gd name="T8" fmla="*/ 160 w 205"/>
+                <a:gd name="T9" fmla="*/ 22 h 223"/>
+                <a:gd name="T10" fmla="*/ 184 w 205"/>
+                <a:gd name="T11" fmla="*/ 121 h 223"/>
+                <a:gd name="T12" fmla="*/ 146 w 205"/>
+                <a:gd name="T13" fmla="*/ 186 h 223"/>
+                <a:gd name="T14" fmla="*/ 83 w 205"/>
+                <a:gd name="T15" fmla="*/ 223 h 223"/>
+              </a:gdLst>
+              <a:ahLst/>
+              <a:cxnLst>
+                <a:cxn ang="0">
+                  <a:pos x="T0" y="T1"/>
+                </a:cxn>
+                <a:cxn ang="0">
+                  <a:pos x="T2" y="T3"/>
+                </a:cxn>
+                <a:cxn ang="0">
+                  <a:pos x="T4" y="T5"/>
+                </a:cxn>
+                <a:cxn ang="0">
+                  <a:pos x="T6" y="T7"/>
+                </a:cxn>
+                <a:cxn ang="0">
+                  <a:pos x="T8" y="T9"/>
+                </a:cxn>
+                <a:cxn ang="0">
+                  <a:pos x="T10" y="T11"/>
+                </a:cxn>
+                <a:cxn ang="0">
+                  <a:pos x="T12" y="T13"/>
+                </a:cxn>
+                <a:cxn ang="0">
+                  <a:pos x="T14" y="T15"/>
+                </a:cxn>
+              </a:cxnLst>
+              <a:rect l="0" t="0" r="r" b="b"/>
+              <a:pathLst>
+                <a:path w="205" h="223">
+                  <a:moveTo>
+                    <a:pt x="83" y="223"/>
+                  </a:moveTo>
+                  <a:cubicBezTo>
+                    <a:pt x="71" y="223"/>
+                    <a:pt x="59" y="220"/>
+                    <a:pt x="48" y="214"/>
+                  </a:cubicBezTo>
+                  <a:cubicBezTo>
+                    <a:pt x="13" y="195"/>
+                    <a:pt x="0" y="151"/>
+                    <a:pt x="19" y="116"/>
+                  </a:cubicBezTo>
+                  <a:cubicBezTo>
+                    <a:pt x="32" y="92"/>
+                    <a:pt x="46" y="68"/>
+                    <a:pt x="61" y="45"/>
+                  </a:cubicBezTo>
+                  <a:cubicBezTo>
+                    <a:pt x="82" y="11"/>
+                    <a:pt x="126" y="0"/>
+                    <a:pt x="160" y="22"/>
+                  </a:cubicBezTo>
+                  <a:cubicBezTo>
+                    <a:pt x="194" y="42"/>
+                    <a:pt x="205" y="87"/>
+                    <a:pt x="184" y="121"/>
+                  </a:cubicBezTo>
+                  <a:cubicBezTo>
+                    <a:pt x="171" y="142"/>
+                    <a:pt x="158" y="164"/>
+                    <a:pt x="146" y="186"/>
+                  </a:cubicBezTo>
+                  <a:cubicBezTo>
+                    <a:pt x="133" y="210"/>
+                    <a:pt x="108" y="223"/>
+                    <a:pt x="83" y="223"/>
+                  </a:cubicBezTo>
+                </a:path>
+              </a:pathLst>
+            </a:custGeom>
+            <a:grpFill/>
+            <a:ln w="9525">
+              <a:noFill/>
+              <a:round/>
+              <a:headEnd/>
+              <a:tailEnd/>
+            </a:ln>
+          </p:spPr>
+          <p:txBody>
+            <a:bodyPr vert="horz" wrap="square" lIns="91440" tIns="45720" rIns="91440" bIns="45720" numCol="1" anchor="t" anchorCtr="0" compatLnSpc="1">
+              <a:prstTxWarp prst="textNoShape">
+                <a:avLst/>
+              </a:prstTxWarp>
+            </a:bodyPr>
+            <a:lstStyle/>
+            <a:p>
+              <a:pPr>
+                <a:defRPr/>
+              </a:pPr>
+              <a:endParaRPr lang="fr-FR" dirty="0">
+                <a:solidFill>
+                  <a:prstClr val="black"/>
+                </a:solidFill>
+                <a:latin typeface="Corbel" panose="020B0503020204020204" pitchFamily="34" charset="0"/>
+              </a:endParaRPr>
+            </a:p>
+          </p:txBody>
+        </p:sp>
+        <p:sp>
+          <p:nvSpPr>
+            <p:cNvPr id="14" name="Freeform 197">
+              <a:extLst>
+                <a:ext uri="{FF2B5EF4-FFF2-40B4-BE49-F238E27FC236}">
+                  <a16:creationId xmlns="" xmlns:a16="http://schemas.microsoft.com/office/drawing/2014/main" id="{B1AA219A-44DC-4DD1-B062-924FC970BD8C}"/>
+                </a:ext>
+              </a:extLst>
+            </p:cNvPr>
+            <p:cNvSpPr>
+              <a:spLocks/>
+            </p:cNvSpPr>
+            <p:nvPr/>
+          </p:nvSpPr>
+          <p:spPr bwMode="auto">
+            <a:xfrm>
+              <a:off x="6004176" y="2586328"/>
+              <a:ext cx="133486" cy="133486"/>
+            </a:xfrm>
+            <a:custGeom>
+              <a:avLst/>
+              <a:gdLst>
+                <a:gd name="T0" fmla="*/ 81 w 167"/>
+                <a:gd name="T1" fmla="*/ 169 h 169"/>
+                <a:gd name="T2" fmla="*/ 59 w 167"/>
+                <a:gd name="T3" fmla="*/ 166 h 169"/>
+                <a:gd name="T4" fmla="*/ 12 w 167"/>
+                <a:gd name="T5" fmla="*/ 75 h 169"/>
+                <a:gd name="T6" fmla="*/ 17 w 167"/>
+                <a:gd name="T7" fmla="*/ 60 h 169"/>
+                <a:gd name="T8" fmla="*/ 108 w 167"/>
+                <a:gd name="T9" fmla="*/ 12 h 169"/>
+                <a:gd name="T10" fmla="*/ 155 w 167"/>
+                <a:gd name="T11" fmla="*/ 103 h 169"/>
+                <a:gd name="T12" fmla="*/ 150 w 167"/>
+                <a:gd name="T13" fmla="*/ 118 h 169"/>
+                <a:gd name="T14" fmla="*/ 81 w 167"/>
+                <a:gd name="T15" fmla="*/ 169 h 169"/>
+              </a:gdLst>
+              <a:ahLst/>
+              <a:cxnLst>
+                <a:cxn ang="0">
+                  <a:pos x="T0" y="T1"/>
+                </a:cxn>
+                <a:cxn ang="0">
+                  <a:pos x="T2" y="T3"/>
+                </a:cxn>
+                <a:cxn ang="0">
+                  <a:pos x="T4" y="T5"/>
+                </a:cxn>
+                <a:cxn ang="0">
+                  <a:pos x="T6" y="T7"/>
+                </a:cxn>
+                <a:cxn ang="0">
+                  <a:pos x="T8" y="T9"/>
+                </a:cxn>
+                <a:cxn ang="0">
+                  <a:pos x="T10" y="T11"/>
+                </a:cxn>
+                <a:cxn ang="0">
+                  <a:pos x="T12" y="T13"/>
+                </a:cxn>
+                <a:cxn ang="0">
+                  <a:pos x="T14" y="T15"/>
+                </a:cxn>
+              </a:cxnLst>
+              <a:rect l="0" t="0" r="r" b="b"/>
+              <a:pathLst>
+                <a:path w="167" h="169">
+                  <a:moveTo>
+                    <a:pt x="81" y="169"/>
+                  </a:moveTo>
+                  <a:cubicBezTo>
+                    <a:pt x="74" y="169"/>
+                    <a:pt x="67" y="168"/>
+                    <a:pt x="59" y="166"/>
+                  </a:cubicBezTo>
+                  <a:cubicBezTo>
+                    <a:pt x="21" y="154"/>
+                    <a:pt x="0" y="113"/>
+                    <a:pt x="12" y="75"/>
+                  </a:cubicBezTo>
+                  <a:lnTo>
+                    <a:pt x="17" y="60"/>
+                  </a:lnTo>
+                  <a:cubicBezTo>
+                    <a:pt x="29" y="21"/>
+                    <a:pt x="69" y="0"/>
+                    <a:pt x="108" y="12"/>
+                  </a:cubicBezTo>
+                  <a:cubicBezTo>
+                    <a:pt x="146" y="24"/>
+                    <a:pt x="167" y="65"/>
+                    <a:pt x="155" y="103"/>
+                  </a:cubicBezTo>
+                  <a:lnTo>
+                    <a:pt x="150" y="118"/>
+                  </a:lnTo>
+                  <a:cubicBezTo>
+                    <a:pt x="140" y="149"/>
+                    <a:pt x="112" y="169"/>
+                    <a:pt x="81" y="169"/>
+                  </a:cubicBezTo>
+                </a:path>
+              </a:pathLst>
+            </a:custGeom>
+            <a:grpFill/>
+            <a:ln w="9525">
+              <a:noFill/>
+              <a:round/>
+              <a:headEnd/>
+              <a:tailEnd/>
+            </a:ln>
+          </p:spPr>
+          <p:txBody>
+            <a:bodyPr vert="horz" wrap="square" lIns="91440" tIns="45720" rIns="91440" bIns="45720" numCol="1" anchor="t" anchorCtr="0" compatLnSpc="1">
+              <a:prstTxWarp prst="textNoShape">
+                <a:avLst/>
+              </a:prstTxWarp>
+            </a:bodyPr>
+            <a:lstStyle/>
+            <a:p>
+              <a:pPr>
+                <a:defRPr/>
+              </a:pPr>
+              <a:endParaRPr lang="fr-FR" dirty="0">
+                <a:solidFill>
+                  <a:prstClr val="black"/>
+                </a:solidFill>
+                <a:latin typeface="Corbel" panose="020B0503020204020204" pitchFamily="34" charset="0"/>
+              </a:endParaRPr>
+            </a:p>
+          </p:txBody>
+        </p:sp>
+        <p:sp>
+          <p:nvSpPr>
+            <p:cNvPr id="15" name="Freeform 198">
+              <a:extLst>
+                <a:ext uri="{FF2B5EF4-FFF2-40B4-BE49-F238E27FC236}">
+                  <a16:creationId xmlns="" xmlns:a16="http://schemas.microsoft.com/office/drawing/2014/main" id="{D93843A3-5211-4329-AAB5-9A71A272F9BF}"/>
+                </a:ext>
+              </a:extLst>
+            </p:cNvPr>
+            <p:cNvSpPr>
+              <a:spLocks/>
+            </p:cNvSpPr>
+            <p:nvPr/>
+          </p:nvSpPr>
+          <p:spPr bwMode="auto">
+            <a:xfrm>
+              <a:off x="6652535" y="1690066"/>
+              <a:ext cx="390926" cy="562551"/>
+            </a:xfrm>
+            <a:custGeom>
+              <a:avLst/>
+              <a:gdLst>
+                <a:gd name="T0" fmla="*/ 197 w 510"/>
+                <a:gd name="T1" fmla="*/ 738 h 738"/>
+                <a:gd name="T2" fmla="*/ 156 w 510"/>
+                <a:gd name="T3" fmla="*/ 726 h 738"/>
+                <a:gd name="T4" fmla="*/ 137 w 510"/>
+                <a:gd name="T5" fmla="*/ 625 h 738"/>
+                <a:gd name="T6" fmla="*/ 334 w 510"/>
+                <a:gd name="T7" fmla="*/ 336 h 738"/>
+                <a:gd name="T8" fmla="*/ 42 w 510"/>
+                <a:gd name="T9" fmla="*/ 143 h 738"/>
+                <a:gd name="T10" fmla="*/ 22 w 510"/>
+                <a:gd name="T11" fmla="*/ 42 h 738"/>
+                <a:gd name="T12" fmla="*/ 123 w 510"/>
+                <a:gd name="T13" fmla="*/ 22 h 738"/>
+                <a:gd name="T14" fmla="*/ 476 w 510"/>
+                <a:gd name="T15" fmla="*/ 256 h 738"/>
+                <a:gd name="T16" fmla="*/ 507 w 510"/>
+                <a:gd name="T17" fmla="*/ 303 h 738"/>
+                <a:gd name="T18" fmla="*/ 495 w 510"/>
+                <a:gd name="T19" fmla="*/ 358 h 738"/>
+                <a:gd name="T20" fmla="*/ 257 w 510"/>
+                <a:gd name="T21" fmla="*/ 707 h 738"/>
+                <a:gd name="T22" fmla="*/ 197 w 510"/>
+                <a:gd name="T23" fmla="*/ 738 h 738"/>
+              </a:gdLst>
+              <a:ahLst/>
+              <a:cxnLst>
+                <a:cxn ang="0">
+                  <a:pos x="T0" y="T1"/>
+                </a:cxn>
+                <a:cxn ang="0">
+                  <a:pos x="T2" y="T3"/>
+                </a:cxn>
+                <a:cxn ang="0">
+                  <a:pos x="T4" y="T5"/>
+                </a:cxn>
+                <a:cxn ang="0">
+                  <a:pos x="T6" y="T7"/>
+                </a:cxn>
+                <a:cxn ang="0">
+                  <a:pos x="T8" y="T9"/>
+                </a:cxn>
+                <a:cxn ang="0">
+                  <a:pos x="T10" y="T11"/>
+                </a:cxn>
+                <a:cxn ang="0">
+                  <a:pos x="T12" y="T13"/>
+                </a:cxn>
+                <a:cxn ang="0">
+                  <a:pos x="T14" y="T15"/>
+                </a:cxn>
+                <a:cxn ang="0">
+                  <a:pos x="T16" y="T17"/>
+                </a:cxn>
+                <a:cxn ang="0">
+                  <a:pos x="T18" y="T19"/>
+                </a:cxn>
+                <a:cxn ang="0">
+                  <a:pos x="T20" y="T21"/>
+                </a:cxn>
+                <a:cxn ang="0">
+                  <a:pos x="T22" y="T23"/>
+                </a:cxn>
+              </a:cxnLst>
+              <a:rect l="0" t="0" r="r" b="b"/>
+              <a:pathLst>
+                <a:path w="510" h="738">
+                  <a:moveTo>
+                    <a:pt x="197" y="738"/>
+                  </a:moveTo>
+                  <a:cubicBezTo>
+                    <a:pt x="183" y="738"/>
+                    <a:pt x="169" y="734"/>
+                    <a:pt x="156" y="726"/>
+                  </a:cubicBezTo>
+                  <a:cubicBezTo>
+                    <a:pt x="123" y="703"/>
+                    <a:pt x="115" y="658"/>
+                    <a:pt x="137" y="625"/>
+                  </a:cubicBezTo>
+                  <a:lnTo>
+                    <a:pt x="334" y="336"/>
+                  </a:lnTo>
+                  <a:lnTo>
+                    <a:pt x="42" y="143"/>
+                  </a:lnTo>
+                  <a:cubicBezTo>
+                    <a:pt x="9" y="120"/>
+                    <a:pt x="0" y="75"/>
+                    <a:pt x="22" y="42"/>
+                  </a:cubicBezTo>
+                  <a:cubicBezTo>
+                    <a:pt x="44" y="9"/>
+                    <a:pt x="89" y="0"/>
+                    <a:pt x="123" y="22"/>
+                  </a:cubicBezTo>
+                  <a:lnTo>
+                    <a:pt x="476" y="256"/>
+                  </a:lnTo>
+                  <a:cubicBezTo>
+                    <a:pt x="492" y="267"/>
+                    <a:pt x="503" y="284"/>
+                    <a:pt x="507" y="303"/>
+                  </a:cubicBezTo>
+                  <a:cubicBezTo>
+                    <a:pt x="510" y="322"/>
+                    <a:pt x="506" y="342"/>
+                    <a:pt x="495" y="358"/>
+                  </a:cubicBezTo>
+                  <a:lnTo>
+                    <a:pt x="257" y="707"/>
+                  </a:lnTo>
+                  <a:cubicBezTo>
+                    <a:pt x="243" y="727"/>
+                    <a:pt x="220" y="738"/>
+                    <a:pt x="197" y="738"/>
+                  </a:cubicBezTo>
+                </a:path>
+              </a:pathLst>
+            </a:custGeom>
+            <a:grpFill/>
+            <a:ln w="9525">
+              <a:noFill/>
+              <a:round/>
+              <a:headEnd/>
+              <a:tailEnd/>
+            </a:ln>
+          </p:spPr>
+          <p:txBody>
+            <a:bodyPr vert="horz" wrap="square" lIns="91440" tIns="45720" rIns="91440" bIns="45720" numCol="1" anchor="t" anchorCtr="0" compatLnSpc="1">
+              <a:prstTxWarp prst="textNoShape">
+                <a:avLst/>
+              </a:prstTxWarp>
+            </a:bodyPr>
+            <a:lstStyle/>
+            <a:p>
+              <a:pPr>
+                <a:defRPr/>
+              </a:pPr>
+              <a:endParaRPr lang="fr-FR" dirty="0">
+                <a:solidFill>
+                  <a:prstClr val="black"/>
+                </a:solidFill>
+                <a:latin typeface="Corbel" panose="020B0503020204020204" pitchFamily="34" charset="0"/>
+              </a:endParaRPr>
+            </a:p>
+          </p:txBody>
+        </p:sp>
+      </p:grpSp>
+      <p:sp>
+        <p:nvSpPr>
+          <p:cNvPr id="7" name="Espace réservé du contenu 6"/>
+          <p:cNvSpPr>
+            <a:spLocks noGrp="1"/>
+          </p:cNvSpPr>
+          <p:nvPr>
+            <p:ph idx="1"/>
+          </p:nvPr>
+        </p:nvSpPr>
+        <p:spPr>
+          <a:xfrm>
+            <a:off x="101208" y="2514697"/>
+            <a:ext cx="2327991" cy="4351338"/>
+          </a:xfrm>
+        </p:spPr>
+        <p:txBody>
+          <a:bodyPr>
+            <a:normAutofit/>
+          </a:bodyPr>
+          <a:lstStyle/>
+          <a:p>
+            <a:r>
+              <a:rPr lang="fr-FR" dirty="0" smtClean="0"/>
+              <a:t> Exemple :</a:t>
+            </a:r>
+          </a:p>
+          <a:p>
+            <a:pPr lvl="1"/>
+            <a:r>
+              <a:rPr lang="fr-FR" dirty="0" err="1" smtClean="0"/>
+              <a:t>Sheeran</a:t>
+            </a:r>
+            <a:endParaRPr lang="fr-FR" dirty="0" smtClean="0"/>
+          </a:p>
+          <a:p>
+            <a:pPr lvl="1"/>
+            <a:r>
+              <a:rPr lang="fr-FR" dirty="0" smtClean="0"/>
+              <a:t>1</a:t>
+            </a:r>
+            <a:r>
+              <a:rPr lang="fr-FR" baseline="30000" dirty="0" smtClean="0"/>
+              <a:t>er</a:t>
+            </a:r>
+            <a:r>
+              <a:rPr lang="fr-FR" dirty="0" smtClean="0"/>
+              <a:t> auteur</a:t>
+            </a:r>
+          </a:p>
+          <a:p>
+            <a:pPr lvl="1"/>
+            <a:r>
+              <a:rPr lang="fr-FR" dirty="0" smtClean="0"/>
+              <a:t>2019</a:t>
+            </a:r>
+          </a:p>
+          <a:p>
+            <a:r>
+              <a:rPr lang="fr-FR" dirty="0" smtClean="0"/>
+              <a:t>6 résultats // 40 en recherche simple </a:t>
+            </a:r>
+            <a:r>
+              <a:rPr lang="fr-FR" dirty="0" err="1" smtClean="0"/>
+              <a:t>Sheeran</a:t>
+            </a:r>
+            <a:r>
+              <a:rPr lang="fr-FR" dirty="0" smtClean="0"/>
+              <a:t> 2019</a:t>
+            </a:r>
+            <a:endParaRPr lang="fr-FR" dirty="0"/>
+          </a:p>
+        </p:txBody>
+      </p:sp>
+      <p:pic>
+        <p:nvPicPr>
+          <p:cNvPr id="3" name="Image 2"/>
+          <p:cNvPicPr>
+            <a:picLocks noChangeAspect="1"/>
+          </p:cNvPicPr>
+          <p:nvPr/>
+        </p:nvPicPr>
+        <p:blipFill rotWithShape="1">
+          <a:blip r:embed="rId2">
+            <a:extLst>
+              <a:ext uri="{28A0092B-C50C-407E-A947-70E740481C1C}">
+                <a14:useLocalDpi xmlns:a14="http://schemas.microsoft.com/office/drawing/2010/main" val="0"/>
+              </a:ext>
+            </a:extLst>
+          </a:blip>
+          <a:srcRect t="3038"/>
+          <a:stretch/>
+        </p:blipFill>
+        <p:spPr>
+          <a:xfrm>
+            <a:off x="3128065" y="187271"/>
+            <a:ext cx="8924601" cy="6649656"/>
+          </a:xfrm>
+          <a:prstGeom prst="rect">
+            <a:avLst/>
+          </a:prstGeom>
+        </p:spPr>
+      </p:pic>
+    </p:spTree>
+    <p:extLst>
+      <p:ext uri="{BB962C8B-B14F-4D97-AF65-F5344CB8AC3E}">
+        <p14:creationId xmlns:p14="http://schemas.microsoft.com/office/powerpoint/2010/main" val="517517424"/>
+      </p:ext>
+    </p:extLst>
+  </p:cSld>
+  <p:clrMapOvr>
+    <a:masterClrMapping/>
+  </p:clrMapOvr>
+  <p:timing>
+    <p:tnLst>
+      <p:par>
+        <p:cTn id="1" dur="indefinite" restart="never" nodeType="tmRoot"/>
+      </p:par>
+    </p:tnLst>
+  </p:timing>
+</p:sld>
+</file>
+
+<file path=ppt/slides/slide32.xml><?xml version="1.0" encoding="utf-8"?>
+<p:sld xmlns:a="http://schemas.openxmlformats.org/drawingml/2006/main" xmlns:r="http://schemas.openxmlformats.org/officeDocument/2006/relationships" xmlns:p="http://schemas.openxmlformats.org/presentationml/2006/main">
+  <p:cSld>
+    <p:spTree>
+      <p:nvGrpSpPr>
+        <p:cNvPr id="1" name=""/>
+        <p:cNvGrpSpPr/>
+        <p:nvPr/>
+      </p:nvGrpSpPr>
+      <p:grpSpPr>
+        <a:xfrm>
+          <a:off x="0" y="0"/>
+          <a:ext cx="0" cy="0"/>
+          <a:chOff x="0" y="0"/>
+          <a:chExt cx="0" cy="0"/>
+        </a:xfrm>
+      </p:grpSpPr>
+      <p:sp>
+        <p:nvSpPr>
+          <p:cNvPr id="6" name="Titre 5"/>
+          <p:cNvSpPr>
+            <a:spLocks noGrp="1"/>
+          </p:cNvSpPr>
+          <p:nvPr>
+            <p:ph type="title"/>
+          </p:nvPr>
+        </p:nvSpPr>
+        <p:spPr>
+          <a:xfrm>
             <a:off x="408616" y="38281"/>
             <a:ext cx="10515600" cy="1325563"/>
           </a:xfrm>
@@ -14803,11 +17174,11 @@
           <a:lstStyle/>
           <a:p>
             <a:r>
-              <a:rPr lang="fr-FR" dirty="0"/>
+              <a:rPr lang="fr-FR" dirty="0" smtClean="0"/>
               <a:t>Compte </a:t>
             </a:r>
             <a:r>
-              <a:rPr lang="fr-FR" dirty="0" err="1"/>
+              <a:rPr lang="fr-FR" dirty="0" err="1" smtClean="0"/>
               <a:t>MyNCBI</a:t>
             </a:r>
             <a:endParaRPr lang="fr-FR" dirty="0"/>
@@ -14837,54 +17208,59 @@
           <a:lstStyle/>
           <a:p>
             <a:r>
+              <a:rPr lang="fr-FR" dirty="0" smtClean="0"/>
+              <a:t> Sauvegarder vos historiques de recherche</a:t>
+            </a:r>
+          </a:p>
+          <a:p>
+            <a:r>
+              <a:rPr lang="fr-FR" dirty="0" smtClean="0"/>
+              <a:t> Personnaliser </a:t>
+            </a:r>
+            <a:r>
               <a:rPr lang="fr-FR" dirty="0"/>
-              <a:t> Sauvegarder vos historiques de recherche</a:t>
-            </a:r>
-          </a:p>
-          <a:p>
-            <a:r>
-              <a:rPr lang="fr-FR" dirty="0"/>
-              <a:t> Personnaliser les filtres affichés dans </a:t>
-            </a:r>
-            <a:r>
-              <a:rPr lang="fr-FR" dirty="0" err="1"/>
+              <a:t>les filtres affichés dans </a:t>
+            </a:r>
+            <a:r>
+              <a:rPr lang="fr-FR" dirty="0" err="1" smtClean="0"/>
               <a:t>PubMed</a:t>
             </a:r>
             <a:r>
-              <a:rPr lang="fr-FR" dirty="0"/>
+              <a:rPr lang="fr-FR" dirty="0" smtClean="0"/>
               <a:t> (15 max.)</a:t>
             </a:r>
-          </a:p>
-          <a:p>
-            <a:r>
-              <a:rPr lang="fr-FR" dirty="0"/>
+            <a:endParaRPr lang="fr-FR" dirty="0"/>
+          </a:p>
+          <a:p>
+            <a:r>
+              <a:rPr lang="fr-FR" dirty="0" smtClean="0"/>
               <a:t> Créer et gérer des alertes courriel</a:t>
             </a:r>
           </a:p>
           <a:p>
             <a:pPr lvl="1"/>
             <a:r>
-              <a:rPr lang="fr-FR" dirty="0"/>
+              <a:rPr lang="fr-FR" dirty="0" smtClean="0"/>
               <a:t>NB alertes RSS ne nécessitent pas de compte </a:t>
             </a:r>
             <a:r>
-              <a:rPr lang="fr-FR" dirty="0" err="1"/>
+              <a:rPr lang="fr-FR" dirty="0" err="1" smtClean="0"/>
               <a:t>MyNCBI</a:t>
             </a:r>
-            <a:endParaRPr lang="fr-FR" dirty="0"/>
+            <a:endParaRPr lang="fr-FR" dirty="0" smtClean="0"/>
           </a:p>
           <a:p>
             <a:pPr lvl="1"/>
             <a:r>
-              <a:rPr lang="fr-FR" dirty="0"/>
+              <a:rPr lang="fr-FR" dirty="0" smtClean="0"/>
               <a:t>Voir le tuto </a:t>
             </a:r>
             <a:r>
-              <a:rPr lang="fr-FR" dirty="0" err="1"/>
+              <a:rPr lang="fr-FR" dirty="0" err="1" smtClean="0"/>
               <a:t>doc’Isped</a:t>
             </a:r>
             <a:r>
-              <a:rPr lang="fr-FR" dirty="0"/>
+              <a:rPr lang="fr-FR" dirty="0" smtClean="0"/>
               <a:t> </a:t>
             </a:r>
             <a:r>
@@ -14899,7 +17275,7 @@
               </a:rPr>
               <a:t>PubMed</a:t>
             </a:r>
-            <a:endParaRPr lang="fr-FR" dirty="0"/>
+            <a:endParaRPr lang="fr-FR" dirty="0" smtClean="0"/>
           </a:p>
         </p:txBody>
       </p:sp>
@@ -14919,8 +17295,8 @@
           <a:lstStyle/>
           <a:p>
             <a:r>
-              <a:rPr lang="fr-FR"/>
-              <a:t>F. Flamerie - Trucs et astuces de PubMed - 2022-05-24</a:t>
+              <a:rPr lang="fr-FR" smtClean="0"/>
+              <a:t>F. Flamerie - Trucs et astuces de PubMed - màj : 2022-12-07</a:t>
             </a:r>
             <a:endParaRPr lang="fr-FR" dirty="0"/>
           </a:p>
@@ -14943,7 +17319,7 @@
           <a:p>
             <a:fld id="{99E13252-68E5-4994-B57B-B03F39B52C7D}" type="slidenum">
               <a:rPr lang="fr-FR" smtClean="0"/>
-              <a:t>30</a:t>
+              <a:t>32</a:t>
             </a:fld>
             <a:endParaRPr lang="fr-FR"/>
           </a:p>
@@ -15087,10 +17463,17 @@
   <p:clrMapOvr>
     <a:masterClrMapping/>
   </p:clrMapOvr>
+  <p:timing>
+    <p:tnLst>
+      <p:par>
+        <p:cTn id="1" dur="indefinite" restart="never" nodeType="tmRoot"/>
+      </p:par>
+    </p:tnLst>
+  </p:timing>
 </p:sld>
 </file>
 
-<file path=ppt/slides/slide31.xml><?xml version="1.0" encoding="utf-8"?>
+<file path=ppt/slides/slide33.xml><?xml version="1.0" encoding="utf-8"?>
 <p:sld xmlns:a="http://schemas.openxmlformats.org/drawingml/2006/main" xmlns:r="http://schemas.openxmlformats.org/officeDocument/2006/relationships" xmlns:p="http://schemas.openxmlformats.org/presentationml/2006/main">
   <p:cSld>
     <p:spTree>
@@ -15128,17 +17511,18 @@
           <a:lstStyle/>
           <a:p>
             <a:r>
-              <a:rPr lang="fr-FR" dirty="0"/>
+              <a:rPr lang="fr-FR" dirty="0" smtClean="0"/>
               <a:t>Yale </a:t>
             </a:r>
             <a:r>
-              <a:rPr lang="fr-FR" dirty="0" err="1"/>
+              <a:rPr lang="fr-FR" dirty="0" err="1" smtClean="0"/>
               <a:t>MeSH</a:t>
             </a:r>
             <a:r>
-              <a:rPr lang="fr-FR" dirty="0"/>
+              <a:rPr lang="fr-FR" dirty="0" smtClean="0"/>
               <a:t> Analyzer</a:t>
             </a:r>
+            <a:endParaRPr lang="fr-FR" dirty="0"/>
           </a:p>
         </p:txBody>
       </p:sp>
@@ -15206,9 +17590,15 @@
               <a:rPr lang="en-US" dirty="0">
                 <a:hlinkClick r:id="rId2"/>
               </a:rPr>
-              <a:t>https://mesh.med.yale.edu/</a:t>
-            </a:r>
-            <a:endParaRPr lang="fr-FR" dirty="0"/>
+              <a:t>https://mesh.med.yale.edu</a:t>
+            </a:r>
+            <a:r>
+              <a:rPr lang="en-US" dirty="0" smtClean="0">
+                <a:hlinkClick r:id="rId2"/>
+              </a:rPr>
+              <a:t>/</a:t>
+            </a:r>
+            <a:endParaRPr lang="fr-FR" dirty="0" smtClean="0"/>
           </a:p>
           <a:p>
             <a:pPr>
@@ -15217,8 +17607,12 @@
               </a:lnSpc>
             </a:pPr>
             <a:r>
+              <a:rPr lang="fr-FR" dirty="0" smtClean="0"/>
+              <a:t> Permet de visualiser et d’exporter sous forme tabulaire, pour un </a:t>
+            </a:r>
+            <a:r>
               <a:rPr lang="fr-FR" dirty="0"/>
-              <a:t> Permet de visualiser et d’exporter sous forme tabulaire, pour un lot d’articles (jusqu’à 20) dans </a:t>
+              <a:t>lot d’articles (jusqu’à 20) dans </a:t>
             </a:r>
             <a:r>
               <a:rPr lang="fr-FR" dirty="0" err="1"/>
@@ -15228,6 +17622,7 @@
               <a:rPr lang="fr-FR" dirty="0"/>
               <a:t> </a:t>
             </a:r>
+            <a:endParaRPr lang="fr-FR" dirty="0" smtClean="0"/>
           </a:p>
           <a:p>
             <a:pPr lvl="1">
@@ -15236,7 +17631,7 @@
               </a:lnSpc>
             </a:pPr>
             <a:r>
-              <a:rPr lang="fr-FR" dirty="0"/>
+              <a:rPr lang="fr-FR" dirty="0" smtClean="0"/>
               <a:t>le titre, </a:t>
             </a:r>
           </a:p>
@@ -15247,7 +17642,7 @@
               </a:lnSpc>
             </a:pPr>
             <a:r>
-              <a:rPr lang="fr-FR" dirty="0"/>
+              <a:rPr lang="fr-FR" dirty="0" smtClean="0"/>
               <a:t>le résumé, </a:t>
             </a:r>
           </a:p>
@@ -15258,7 +17653,7 @@
               </a:lnSpc>
             </a:pPr>
             <a:r>
-              <a:rPr lang="fr-FR" dirty="0"/>
+              <a:rPr lang="fr-FR" dirty="0" smtClean="0"/>
               <a:t>le titre de la revue, </a:t>
             </a:r>
           </a:p>
@@ -15269,15 +17664,15 @@
               </a:lnSpc>
             </a:pPr>
             <a:r>
-              <a:rPr lang="fr-FR" dirty="0"/>
+              <a:rPr lang="fr-FR" dirty="0" smtClean="0"/>
               <a:t>les termes </a:t>
             </a:r>
             <a:r>
-              <a:rPr lang="fr-FR" dirty="0" err="1"/>
+              <a:rPr lang="fr-FR" dirty="0" err="1" smtClean="0"/>
               <a:t>MeSH</a:t>
             </a:r>
             <a:r>
-              <a:rPr lang="fr-FR" dirty="0"/>
+              <a:rPr lang="fr-FR" dirty="0" smtClean="0"/>
               <a:t>, </a:t>
             </a:r>
           </a:p>
@@ -15288,7 +17683,7 @@
               </a:lnSpc>
             </a:pPr>
             <a:r>
-              <a:rPr lang="fr-FR" dirty="0"/>
+              <a:rPr lang="fr-FR" dirty="0" smtClean="0"/>
               <a:t>et/ou les mots-clés auteurs. </a:t>
             </a:r>
           </a:p>
@@ -15299,15 +17694,15 @@
               </a:lnSpc>
             </a:pPr>
             <a:r>
-              <a:rPr lang="fr-FR" dirty="0"/>
+              <a:rPr lang="fr-FR" dirty="0" smtClean="0"/>
               <a:t> Les termes </a:t>
             </a:r>
             <a:r>
-              <a:rPr lang="fr-FR" dirty="0" err="1"/>
+              <a:rPr lang="fr-FR" dirty="0" err="1" smtClean="0"/>
               <a:t>MeSH</a:t>
             </a:r>
             <a:r>
-              <a:rPr lang="fr-FR" dirty="0"/>
+              <a:rPr lang="fr-FR" dirty="0" smtClean="0"/>
               <a:t> sont triés et regroupés par ordre alphabétique pour faciliter la lecture.</a:t>
             </a:r>
           </a:p>
@@ -15318,25 +17713,25 @@
               </a:lnSpc>
             </a:pPr>
             <a:r>
-              <a:rPr lang="fr-FR" dirty="0"/>
+              <a:rPr lang="fr-FR" dirty="0" smtClean="0"/>
               <a:t> Disponible également sous forme d’</a:t>
             </a:r>
             <a:r>
-              <a:rPr lang="fr-FR" dirty="0" err="1">
+              <a:rPr lang="fr-FR" dirty="0" err="1" smtClean="0">
                 <a:hlinkClick r:id="rId3"/>
               </a:rPr>
               <a:t>applisignet</a:t>
             </a:r>
             <a:r>
-              <a:rPr lang="fr-FR" dirty="0"/>
+              <a:rPr lang="fr-FR" dirty="0" smtClean="0"/>
               <a:t> ,pour lancer l’analyse directement depuis une liste de résultats </a:t>
             </a:r>
             <a:r>
-              <a:rPr lang="fr-FR" dirty="0" err="1"/>
+              <a:rPr lang="fr-FR" dirty="0" err="1" smtClean="0"/>
               <a:t>PubMed</a:t>
             </a:r>
             <a:r>
-              <a:rPr lang="fr-FR" dirty="0"/>
+              <a:rPr lang="fr-FR" dirty="0" smtClean="0"/>
               <a:t>.</a:t>
             </a:r>
           </a:p>
@@ -15366,9 +17761,10 @@
           <a:lstStyle/>
           <a:p>
             <a:r>
-              <a:rPr lang="fr-FR"/>
-              <a:t>F. Flamerie - Trucs et astuces de PubMed - 2022-05-24</a:t>
-            </a:r>
+              <a:rPr lang="fr-FR" smtClean="0"/>
+              <a:t>F. Flamerie - Trucs et astuces de PubMed - màj : 2022-12-07</a:t>
+            </a:r>
+            <a:endParaRPr lang="fr-FR"/>
           </a:p>
         </p:txBody>
       </p:sp>
@@ -15389,7 +17785,7 @@
           <a:p>
             <a:fld id="{99E13252-68E5-4994-B57B-B03F39B52C7D}" type="slidenum">
               <a:rPr lang="fr-FR" smtClean="0"/>
-              <a:t>31</a:t>
+              <a:t>33</a:t>
             </a:fld>
             <a:endParaRPr lang="fr-FR"/>
           </a:p>
@@ -15405,10 +17801,17 @@
   <p:clrMapOvr>
     <a:masterClrMapping/>
   </p:clrMapOvr>
+  <p:timing>
+    <p:tnLst>
+      <p:par>
+        <p:cTn id="1" dur="indefinite" restart="never" nodeType="tmRoot"/>
+      </p:par>
+    </p:tnLst>
+  </p:timing>
 </p:sld>
 </file>
 
-<file path=ppt/slides/slide32.xml><?xml version="1.0" encoding="utf-8"?>
+<file path=ppt/slides/slide34.xml><?xml version="1.0" encoding="utf-8"?>
 <p:sld xmlns:a="http://schemas.openxmlformats.org/drawingml/2006/main" xmlns:r="http://schemas.openxmlformats.org/officeDocument/2006/relationships" xmlns:p="http://schemas.openxmlformats.org/presentationml/2006/main">
   <p:cSld>
     <p:spTree>
@@ -15446,17 +17849,18 @@
           <a:lstStyle/>
           <a:p>
             <a:r>
-              <a:rPr lang="fr-FR" dirty="0"/>
+              <a:rPr lang="fr-FR" dirty="0" smtClean="0"/>
               <a:t>Yale </a:t>
             </a:r>
             <a:r>
-              <a:rPr lang="fr-FR" dirty="0" err="1"/>
+              <a:rPr lang="fr-FR" dirty="0" err="1" smtClean="0"/>
               <a:t>MeSH</a:t>
             </a:r>
             <a:r>
-              <a:rPr lang="fr-FR" dirty="0"/>
+              <a:rPr lang="fr-FR" dirty="0" smtClean="0"/>
               <a:t> Analyzer</a:t>
             </a:r>
+            <a:endParaRPr lang="fr-FR" dirty="0"/>
           </a:p>
         </p:txBody>
       </p:sp>
@@ -15476,9 +17880,10 @@
           <a:lstStyle/>
           <a:p>
             <a:r>
-              <a:rPr lang="fr-FR"/>
-              <a:t>F. Flamerie - Trucs et astuces de PubMed - 2022-05-24</a:t>
-            </a:r>
+              <a:rPr lang="fr-FR" smtClean="0"/>
+              <a:t>F. Flamerie - Trucs et astuces de PubMed - màj : 2022-12-07</a:t>
+            </a:r>
+            <a:endParaRPr lang="fr-FR"/>
           </a:p>
         </p:txBody>
       </p:sp>
@@ -15499,7 +17904,7 @@
           <a:p>
             <a:fld id="{99E13252-68E5-4994-B57B-B03F39B52C7D}" type="slidenum">
               <a:rPr lang="fr-FR" smtClean="0"/>
-              <a:t>32</a:t>
+              <a:t>34</a:t>
             </a:fld>
             <a:endParaRPr lang="fr-FR"/>
           </a:p>
@@ -15564,11 +17969,11 @@
               <a:buNone/>
             </a:pPr>
             <a:r>
-              <a:rPr lang="en-US" dirty="0" err="1"/>
+              <a:rPr lang="en-US" dirty="0" err="1" smtClean="0"/>
               <a:t>Exemple</a:t>
             </a:r>
             <a:r>
-              <a:rPr lang="en-US" dirty="0"/>
+              <a:rPr lang="en-US" dirty="0" smtClean="0"/>
               <a:t> </a:t>
             </a:r>
           </a:p>
@@ -15580,51 +17985,51 @@
               <a:buNone/>
             </a:pPr>
             <a:r>
-              <a:rPr lang="en-US" dirty="0" err="1"/>
+              <a:rPr lang="en-US" dirty="0" err="1" smtClean="0"/>
               <a:t>Voir</a:t>
             </a:r>
             <a:r>
-              <a:rPr lang="en-US" dirty="0"/>
+              <a:rPr lang="en-US" dirty="0" smtClean="0"/>
               <a:t> </a:t>
             </a:r>
             <a:r>
-              <a:rPr lang="en-US" dirty="0">
+              <a:rPr lang="en-US" dirty="0" smtClean="0">
                 <a:hlinkClick r:id="rId3"/>
               </a:rPr>
               <a:t>un </a:t>
             </a:r>
             <a:r>
-              <a:rPr lang="en-US" dirty="0" err="1">
+              <a:rPr lang="en-US" dirty="0" err="1" smtClean="0">
                 <a:hlinkClick r:id="rId3"/>
               </a:rPr>
               <a:t>autre</a:t>
             </a:r>
             <a:r>
-              <a:rPr lang="en-US" dirty="0">
+              <a:rPr lang="en-US" dirty="0" smtClean="0">
                 <a:hlinkClick r:id="rId3"/>
               </a:rPr>
               <a:t> </a:t>
             </a:r>
             <a:r>
-              <a:rPr lang="en-US" dirty="0" err="1">
+              <a:rPr lang="en-US" dirty="0" err="1" smtClean="0">
                 <a:hlinkClick r:id="rId3"/>
               </a:rPr>
               <a:t>exemple</a:t>
             </a:r>
             <a:r>
-              <a:rPr lang="en-US" dirty="0">
+              <a:rPr lang="en-US" dirty="0" smtClean="0">
                 <a:hlinkClick r:id="rId3"/>
               </a:rPr>
               <a:t> sur le site Yale </a:t>
             </a:r>
             <a:r>
-              <a:rPr lang="en-US" dirty="0" err="1">
+              <a:rPr lang="en-US" dirty="0" err="1" smtClean="0">
                 <a:hlinkClick r:id="rId3"/>
               </a:rPr>
               <a:t>MeSH</a:t>
             </a:r>
             <a:r>
-              <a:rPr lang="en-US" dirty="0">
+              <a:rPr lang="en-US" dirty="0" smtClean="0">
                 <a:hlinkClick r:id="rId3"/>
               </a:rPr>
               <a:t> Analyzer </a:t>
@@ -15638,7 +18043,7 @@
               </a:lnSpc>
               <a:buNone/>
             </a:pPr>
-            <a:endParaRPr lang="fr-FR" dirty="0"/>
+            <a:endParaRPr lang="fr-FR" dirty="0" smtClean="0"/>
           </a:p>
           <a:p>
             <a:pPr marL="0" indent="0">
@@ -15661,10 +18066,17 @@
   <p:clrMapOvr>
     <a:masterClrMapping/>
   </p:clrMapOvr>
+  <p:timing>
+    <p:tnLst>
+      <p:par>
+        <p:cTn id="1" dur="indefinite" restart="never" nodeType="tmRoot"/>
+      </p:par>
+    </p:tnLst>
+  </p:timing>
 </p:sld>
 </file>
 
-<file path=ppt/slides/slide33.xml><?xml version="1.0" encoding="utf-8"?>
+<file path=ppt/slides/slide35.xml><?xml version="1.0" encoding="utf-8"?>
 <p:sld xmlns:a="http://schemas.openxmlformats.org/drawingml/2006/main" xmlns:r="http://schemas.openxmlformats.org/officeDocument/2006/relationships" xmlns:p="http://schemas.openxmlformats.org/presentationml/2006/main">
   <p:cSld>
     <p:spTree>
@@ -15697,9 +18109,10 @@
           <a:lstStyle/>
           <a:p>
             <a:r>
-              <a:rPr lang="fr-FR" dirty="0"/>
+              <a:rPr lang="fr-FR" dirty="0" smtClean="0"/>
               <a:t>Merci pour votre attention</a:t>
             </a:r>
+            <a:endParaRPr lang="fr-FR" dirty="0"/>
           </a:p>
         </p:txBody>
       </p:sp>
@@ -15719,7 +18132,7 @@
           <a:lstStyle/>
           <a:p>
             <a:r>
-              <a:rPr lang="fr-FR" dirty="0"/>
+              <a:rPr lang="fr-FR" dirty="0" smtClean="0"/>
               <a:t> Des questions?</a:t>
             </a:r>
           </a:p>
@@ -15729,14 +18142,9 @@
               <a:t> </a:t>
             </a:r>
             <a:r>
-              <a:rPr lang="fr-FR"/>
-              <a:t>Contact </a:t>
-            </a:r>
-            <a:r>
-              <a:rPr lang="fr-FR" smtClean="0"/>
-              <a:t>:</a:t>
-            </a:r>
-            <a:endParaRPr lang="fr-FR" dirty="0"/>
+              <a:rPr lang="fr-FR" dirty="0" smtClean="0"/>
+              <a:t>Contact : doc.isped@u-bordeaux.fr</a:t>
+            </a:r>
           </a:p>
         </p:txBody>
       </p:sp>
@@ -15756,8 +18164,8 @@
           <a:lstStyle/>
           <a:p>
             <a:r>
-              <a:rPr lang="fr-FR"/>
-              <a:t>F. Flamerie - Trucs et astuces de PubMed - 2022-05-24</a:t>
+              <a:rPr lang="fr-FR" smtClean="0"/>
+              <a:t>F. Flamerie - Trucs et astuces de PubMed - màj : 2022-12-07</a:t>
             </a:r>
             <a:endParaRPr lang="fr-FR" dirty="0"/>
           </a:p>
@@ -15781,7 +18189,7 @@
             <a:fld id="{99E13252-68E5-4994-B57B-B03F39B52C7D}" type="slidenum">
               <a:rPr lang="fr-FR" smtClean="0"/>
               <a:pPr/>
-              <a:t>33</a:t>
+              <a:t>35</a:t>
             </a:fld>
             <a:endParaRPr lang="fr-FR" dirty="0"/>
           </a:p>
@@ -16290,6 +18698,13 @@
   <p:clrMapOvr>
     <a:masterClrMapping/>
   </p:clrMapOvr>
+  <p:timing>
+    <p:tnLst>
+      <p:par>
+        <p:cTn id="1" dur="indefinite" restart="never" nodeType="tmRoot"/>
+      </p:par>
+    </p:tnLst>
+  </p:timing>
 </p:sld>
 </file>
 
@@ -16331,11 +18746,11 @@
           <a:lstStyle/>
           <a:p>
             <a:r>
-              <a:rPr lang="fr-FR" dirty="0"/>
+              <a:rPr lang="fr-FR" dirty="0" smtClean="0"/>
               <a:t>Couverture : le contenu de </a:t>
             </a:r>
             <a:r>
-              <a:rPr lang="fr-FR" dirty="0" err="1"/>
+              <a:rPr lang="fr-FR" dirty="0" err="1" smtClean="0"/>
               <a:t>PubMed</a:t>
             </a:r>
             <a:endParaRPr lang="fr-FR" dirty="0"/>
@@ -16358,9 +18773,10 @@
           <a:lstStyle/>
           <a:p>
             <a:r>
-              <a:rPr lang="fr-FR"/>
-              <a:t>F. Flamerie - Trucs et astuces de PubMed - 2022-05-24</a:t>
-            </a:r>
+              <a:rPr lang="fr-FR" smtClean="0"/>
+              <a:t>F. Flamerie - Trucs et astuces de PubMed - màj : 2022-12-07</a:t>
+            </a:r>
+            <a:endParaRPr lang="fr-FR"/>
           </a:p>
         </p:txBody>
       </p:sp>
@@ -16416,7 +18832,7 @@
               <a:buNone/>
             </a:pPr>
             <a:r>
-              <a:rPr lang="fr-FR" sz="3200" dirty="0"/>
+              <a:rPr lang="fr-FR" sz="3200" dirty="0" smtClean="0"/>
               <a:t>3 sous-ensembles principaux</a:t>
             </a:r>
           </a:p>
@@ -16427,7 +18843,7 @@
               </a:lnSpc>
             </a:pPr>
             <a:r>
-              <a:rPr lang="fr-FR" sz="3200" dirty="0"/>
+              <a:rPr lang="fr-FR" sz="3200" dirty="0" smtClean="0"/>
               <a:t> </a:t>
             </a:r>
             <a:r>
@@ -16490,12 +18906,20 @@
               <a:t>= articles en libre accès - majoritairement déposés par revues + manuscrits déposés par auteurs - </a:t>
             </a:r>
             <a:r>
+              <a:rPr lang="fr-FR" sz="3200" dirty="0" smtClean="0">
+                <a:solidFill>
+                  <a:srgbClr val="009DE0"/>
+                </a:solidFill>
+              </a:rPr>
+              <a:t>26</a:t>
+            </a:r>
+            <a:r>
               <a:rPr lang="fr-FR" sz="3200" dirty="0">
                 <a:solidFill>
                   <a:srgbClr val="009DE0"/>
                 </a:solidFill>
               </a:rPr>
-              <a:t>26% </a:t>
+              <a:t>% </a:t>
             </a:r>
             <a:r>
               <a:rPr lang="fr-FR" sz="3200" dirty="0"/>
@@ -16515,8 +18939,29 @@
             </a:r>
             <a:r>
               <a:rPr lang="fr-FR" sz="3200" dirty="0"/>
-              <a:t> - [6 millions articles en 2020-03]</a:t>
-            </a:r>
+              <a:t> - </a:t>
+            </a:r>
+            <a:r>
+              <a:rPr lang="fr-FR" sz="3200" dirty="0" smtClean="0"/>
+              <a:t>[8,5 </a:t>
+            </a:r>
+            <a:r>
+              <a:rPr lang="fr-FR" sz="3200" dirty="0" smtClean="0"/>
+              <a:t>millions </a:t>
+            </a:r>
+            <a:r>
+              <a:rPr lang="fr-FR" sz="3200" dirty="0" smtClean="0"/>
+              <a:t>d’articles </a:t>
+            </a:r>
+            <a:r>
+              <a:rPr lang="fr-FR" sz="3200" dirty="0" smtClean="0"/>
+              <a:t>en </a:t>
+            </a:r>
+            <a:r>
+              <a:rPr lang="fr-FR" sz="3200" dirty="0" smtClean="0"/>
+              <a:t>2022-12]</a:t>
+            </a:r>
+            <a:endParaRPr lang="fr-FR" sz="3200" dirty="0"/>
           </a:p>
           <a:p>
             <a:pPr>
@@ -16534,7 +18979,15 @@
             </a:r>
             <a:r>
               <a:rPr lang="fr-FR" sz="3200" dirty="0"/>
-              <a:t>= livres, rapports, etc. [7500]</a:t>
+              <a:t>= livres, rapports, etc. </a:t>
+            </a:r>
+            <a:r>
+              <a:rPr lang="fr-FR" sz="3200" dirty="0" smtClean="0"/>
+              <a:t>[&gt;7500</a:t>
+            </a:r>
+            <a:r>
+              <a:rPr lang="fr-FR" sz="3200" dirty="0"/>
+              <a:t>]</a:t>
             </a:r>
           </a:p>
           <a:p>
@@ -16552,6 +19005,13 @@
   <p:clrMapOvr>
     <a:masterClrMapping/>
   </p:clrMapOvr>
+  <p:timing>
+    <p:tnLst>
+      <p:par>
+        <p:cTn id="1" dur="indefinite" restart="never" nodeType="tmRoot"/>
+      </p:par>
+    </p:tnLst>
+  </p:timing>
 </p:sld>
 </file>
 
@@ -16593,11 +19053,11 @@
           <a:lstStyle/>
           <a:p>
             <a:r>
-              <a:rPr lang="fr-FR" dirty="0"/>
+              <a:rPr lang="fr-FR" dirty="0" smtClean="0"/>
               <a:t>Couverture : le contenu de </a:t>
             </a:r>
             <a:r>
-              <a:rPr lang="fr-FR" dirty="0" err="1"/>
+              <a:rPr lang="fr-FR" dirty="0" err="1" smtClean="0"/>
               <a:t>PubMed</a:t>
             </a:r>
             <a:endParaRPr lang="fr-FR" dirty="0"/>
@@ -16620,9 +19080,10 @@
           <a:lstStyle/>
           <a:p>
             <a:r>
-              <a:rPr lang="fr-FR"/>
-              <a:t>F. Flamerie - Trucs et astuces de PubMed - 2022-05-24</a:t>
-            </a:r>
+              <a:rPr lang="fr-FR" smtClean="0"/>
+              <a:t>F. Flamerie - Trucs et astuces de PubMed - màj : 2022-12-07</a:t>
+            </a:r>
+            <a:endParaRPr lang="fr-FR"/>
           </a:p>
         </p:txBody>
       </p:sp>
@@ -16675,15 +19136,15 @@
               <a:buNone/>
             </a:pPr>
             <a:r>
-              <a:rPr lang="fr-FR" sz="3400" dirty="0"/>
+              <a:rPr lang="fr-FR" sz="3400" dirty="0" smtClean="0"/>
               <a:t>Autres cas d’articles indexés dans </a:t>
             </a:r>
             <a:r>
-              <a:rPr lang="fr-FR" sz="3400" dirty="0" err="1"/>
+              <a:rPr lang="fr-FR" sz="3400" dirty="0" err="1" smtClean="0"/>
               <a:t>PubMed</a:t>
             </a:r>
             <a:r>
-              <a:rPr lang="fr-FR" sz="3400" dirty="0"/>
+              <a:rPr lang="fr-FR" sz="3400" dirty="0" smtClean="0"/>
               <a:t> et non dans MEDLINE</a:t>
             </a:r>
           </a:p>
@@ -16820,7 +19281,7 @@
           <a:lstStyle/>
           <a:p>
             <a:r>
-              <a:rPr lang="fr-FR" sz="1600" dirty="0">
+              <a:rPr lang="fr-FR" sz="1600" dirty="0" smtClean="0">
                 <a:solidFill>
                   <a:schemeClr val="tx2">
                     <a:lumMod val="75000"/>
@@ -16834,19 +19295,25 @@
               <a:rPr lang="en-US" sz="1600" dirty="0">
                 <a:latin typeface="Corbel" panose="020B0503020204020204" pitchFamily="34" charset="0"/>
               </a:rPr>
-              <a:t>National Library of Medicine. (2021, </a:t>
-            </a:r>
-            <a:r>
-              <a:rPr lang="en-US" sz="1600" dirty="0" err="1">
+              <a:t>National Library of Medicine. (</a:t>
+            </a:r>
+            <a:r>
+              <a:rPr lang="en-US" sz="1600" dirty="0" smtClean="0">
                 <a:latin typeface="Corbel" panose="020B0503020204020204" pitchFamily="34" charset="0"/>
               </a:rPr>
+              <a:t>2022, </a:t>
+            </a:r>
+            <a:r>
+              <a:rPr lang="en-US" sz="1600" dirty="0" err="1" smtClean="0">
+                <a:latin typeface="Corbel" panose="020B0503020204020204" pitchFamily="34" charset="0"/>
+              </a:rPr>
               <a:t>octobre</a:t>
             </a:r>
             <a:r>
-              <a:rPr lang="en-US" sz="1600" dirty="0">
+              <a:rPr lang="en-US" sz="1600" dirty="0" smtClean="0">
                 <a:latin typeface="Corbel" panose="020B0503020204020204" pitchFamily="34" charset="0"/>
               </a:rPr>
-              <a:t> 13). </a:t>
+              <a:t> 25). </a:t>
             </a:r>
             <a:r>
               <a:rPr lang="en-US" sz="1600" i="1" dirty="0">
@@ -16893,6 +19360,13 @@
   <p:clrMapOvr>
     <a:masterClrMapping/>
   </p:clrMapOvr>
+  <p:timing>
+    <p:tnLst>
+      <p:par>
+        <p:cTn id="1" dur="indefinite" restart="never" nodeType="tmRoot"/>
+      </p:par>
+    </p:tnLst>
+  </p:timing>
 </p:sld>
 </file>
 
@@ -16934,11 +19408,11 @@
           <a:lstStyle/>
           <a:p>
             <a:r>
-              <a:rPr lang="fr-FR" dirty="0"/>
+              <a:rPr lang="fr-FR" dirty="0" smtClean="0"/>
               <a:t>Couverture : le contenu de </a:t>
             </a:r>
             <a:r>
-              <a:rPr lang="fr-FR" dirty="0" err="1"/>
+              <a:rPr lang="fr-FR" dirty="0" err="1" smtClean="0"/>
               <a:t>PubMed</a:t>
             </a:r>
             <a:endParaRPr lang="fr-FR" dirty="0"/>
@@ -16961,9 +19435,10 @@
           <a:lstStyle/>
           <a:p>
             <a:r>
-              <a:rPr lang="fr-FR"/>
-              <a:t>F. Flamerie - Trucs et astuces de PubMed - 2022-05-24</a:t>
-            </a:r>
+              <a:rPr lang="fr-FR" smtClean="0"/>
+              <a:t>F. Flamerie - Trucs et astuces de PubMed - màj : 2022-12-07</a:t>
+            </a:r>
+            <a:endParaRPr lang="fr-FR"/>
           </a:p>
         </p:txBody>
       </p:sp>
@@ -17019,11 +19494,11 @@
               <a:buNone/>
             </a:pPr>
             <a:r>
-              <a:rPr lang="fr-FR" dirty="0"/>
+              <a:rPr lang="fr-FR" dirty="0" smtClean="0"/>
               <a:t>Ces différents sous-ensembles peuvent être repérés et ciblés (pour inclusion ou exclusion) grâce notamment au critère </a:t>
             </a:r>
             <a:r>
-              <a:rPr lang="fr-FR" dirty="0" err="1">
+              <a:rPr lang="fr-FR" dirty="0" err="1" smtClean="0">
                 <a:solidFill>
                   <a:srgbClr val="009DE0"/>
                 </a:solidFill>
@@ -17031,7 +19506,7 @@
               <a:t>subset</a:t>
             </a:r>
             <a:r>
-              <a:rPr lang="fr-FR" dirty="0">
+              <a:rPr lang="fr-FR" dirty="0" smtClean="0">
                 <a:solidFill>
                   <a:srgbClr val="009DE0"/>
                 </a:solidFill>
@@ -17039,7 +19514,7 @@
               <a:t> [</a:t>
             </a:r>
             <a:r>
-              <a:rPr lang="fr-FR" dirty="0" err="1">
+              <a:rPr lang="fr-FR" dirty="0" err="1" smtClean="0">
                 <a:solidFill>
                   <a:srgbClr val="009DE0"/>
                 </a:solidFill>
@@ -17047,7 +19522,7 @@
               <a:t>sb</a:t>
             </a:r>
             <a:r>
-              <a:rPr lang="fr-FR" dirty="0">
+              <a:rPr lang="fr-FR" dirty="0" smtClean="0">
                 <a:solidFill>
                   <a:srgbClr val="009DE0"/>
                 </a:solidFill>
@@ -17055,22 +19530,22 @@
               <a:t>] </a:t>
             </a:r>
             <a:r>
-              <a:rPr lang="fr-FR" sz="2000" dirty="0"/>
+              <a:rPr lang="fr-FR" sz="2000" dirty="0" smtClean="0"/>
               <a:t>- cf. tableau ci-contre issu de la </a:t>
             </a:r>
             <a:r>
-              <a:rPr lang="fr-FR" sz="2000" dirty="0">
+              <a:rPr lang="fr-FR" sz="2000" dirty="0" smtClean="0">
                 <a:hlinkClick r:id="rId2"/>
               </a:rPr>
               <a:t>documentation </a:t>
             </a:r>
             <a:r>
-              <a:rPr lang="fr-FR" sz="2000" dirty="0" err="1">
+              <a:rPr lang="fr-FR" sz="2000" dirty="0" err="1" smtClean="0">
                 <a:hlinkClick r:id="rId2"/>
               </a:rPr>
               <a:t>PubMed</a:t>
             </a:r>
-            <a:endParaRPr lang="fr-FR" sz="2000" dirty="0"/>
+            <a:endParaRPr lang="fr-FR" sz="2000" dirty="0" smtClean="0"/>
           </a:p>
           <a:p>
             <a:pPr>
@@ -17107,20 +19582,8 @@
                 <a:tableStyleId>{073A0DAA-6AF3-43AB-8588-CEC1D06C72B9}</a:tableStyleId>
               </a:tblPr>
               <a:tblGrid>
-                <a:gridCol w="2251825">
-                  <a:extLst>
-                    <a:ext uri="{9D8B030D-6E8A-4147-A177-3AD203B41FA5}">
-                      <a16:colId xmlns="" xmlns:a16="http://schemas.microsoft.com/office/drawing/2014/main" val="20000"/>
-                    </a:ext>
-                  </a:extLst>
-                </a:gridCol>
-                <a:gridCol w="6125557">
-                  <a:extLst>
-                    <a:ext uri="{9D8B030D-6E8A-4147-A177-3AD203B41FA5}">
-                      <a16:colId xmlns="" xmlns:a16="http://schemas.microsoft.com/office/drawing/2014/main" val="20001"/>
-                    </a:ext>
-                  </a:extLst>
-                </a:gridCol>
+                <a:gridCol w="2251825"/>
+                <a:gridCol w="6125557"/>
               </a:tblGrid>
               <a:tr h="386469">
                 <a:tc>
@@ -17171,11 +19634,6 @@
                   </a:txBody>
                   <a:tcPr marL="45804" marR="45804" marT="22902" marB="22902" anchor="ctr"/>
                 </a:tc>
-                <a:extLst>
-                  <a:ext uri="{0D108BD9-81ED-4DB2-BD59-A6C34878D82A}">
-                    <a16:rowId xmlns="" xmlns:a16="http://schemas.microsoft.com/office/drawing/2014/main" val="10000"/>
-                  </a:ext>
-                </a:extLst>
               </a:tr>
               <a:tr h="1270527">
                 <a:tc>
@@ -17253,11 +19711,6 @@
                   </a:txBody>
                   <a:tcPr marL="45804" marR="45804" marT="22902" marB="22902" anchor="ctr"/>
                 </a:tc>
-                <a:extLst>
-                  <a:ext uri="{0D108BD9-81ED-4DB2-BD59-A6C34878D82A}">
-                    <a16:rowId xmlns="" xmlns:a16="http://schemas.microsoft.com/office/drawing/2014/main" val="10001"/>
-                  </a:ext>
-                </a:extLst>
               </a:tr>
               <a:tr h="355748">
                 <a:tc>
@@ -17308,11 +19761,6 @@
                   </a:txBody>
                   <a:tcPr marL="45804" marR="45804" marT="22902" marB="22902" anchor="ctr"/>
                 </a:tc>
-                <a:extLst>
-                  <a:ext uri="{0D108BD9-81ED-4DB2-BD59-A6C34878D82A}">
-                    <a16:rowId xmlns="" xmlns:a16="http://schemas.microsoft.com/office/drawing/2014/main" val="10002"/>
-                  </a:ext>
-                </a:extLst>
               </a:tr>
               <a:tr h="355748">
                 <a:tc>
@@ -17387,11 +19835,6 @@
                   </a:txBody>
                   <a:tcPr marL="45804" marR="45804" marT="22902" marB="22902" anchor="ctr"/>
                 </a:tc>
-                <a:extLst>
-                  <a:ext uri="{0D108BD9-81ED-4DB2-BD59-A6C34878D82A}">
-                    <a16:rowId xmlns="" xmlns:a16="http://schemas.microsoft.com/office/drawing/2014/main" val="10003"/>
-                  </a:ext>
-                </a:extLst>
               </a:tr>
               <a:tr h="355748">
                 <a:tc>
@@ -17454,11 +19897,6 @@
                   </a:txBody>
                   <a:tcPr marL="45804" marR="45804" marT="22902" marB="22902" anchor="ctr"/>
                 </a:tc>
-                <a:extLst>
-                  <a:ext uri="{0D108BD9-81ED-4DB2-BD59-A6C34878D82A}">
-                    <a16:rowId xmlns="" xmlns:a16="http://schemas.microsoft.com/office/drawing/2014/main" val="10004"/>
-                  </a:ext>
-                </a:extLst>
               </a:tr>
               <a:tr h="660674">
                 <a:tc>
@@ -17491,11 +19929,6 @@
                   </a:txBody>
                   <a:tcPr marL="45804" marR="45804" marT="22902" marB="22902" anchor="ctr"/>
                 </a:tc>
-                <a:extLst>
-                  <a:ext uri="{0D108BD9-81ED-4DB2-BD59-A6C34878D82A}">
-                    <a16:rowId xmlns="" xmlns:a16="http://schemas.microsoft.com/office/drawing/2014/main" val="10005"/>
-                  </a:ext>
-                </a:extLst>
               </a:tr>
               <a:tr h="355748">
                 <a:tc>
@@ -17528,11 +19961,6 @@
                   </a:txBody>
                   <a:tcPr marL="45804" marR="45804" marT="22902" marB="22902" anchor="ctr"/>
                 </a:tc>
-                <a:extLst>
-                  <a:ext uri="{0D108BD9-81ED-4DB2-BD59-A6C34878D82A}">
-                    <a16:rowId xmlns="" xmlns:a16="http://schemas.microsoft.com/office/drawing/2014/main" val="10006"/>
-                  </a:ext>
-                </a:extLst>
               </a:tr>
               <a:tr h="1270527">
                 <a:tc>
@@ -17583,11 +20011,6 @@
                   </a:txBody>
                   <a:tcPr marL="45804" marR="45804" marT="22902" marB="22902" anchor="ctr"/>
                 </a:tc>
-                <a:extLst>
-                  <a:ext uri="{0D108BD9-81ED-4DB2-BD59-A6C34878D82A}">
-                    <a16:rowId xmlns="" xmlns:a16="http://schemas.microsoft.com/office/drawing/2014/main" val="10007"/>
-                  </a:ext>
-                </a:extLst>
               </a:tr>
             </a:tbl>
           </a:graphicData>
@@ -17778,6 +20201,13 @@
   <p:clrMapOvr>
     <a:masterClrMapping/>
   </p:clrMapOvr>
+  <p:timing>
+    <p:tnLst>
+      <p:par>
+        <p:cTn id="1" dur="indefinite" restart="never" nodeType="tmRoot"/>
+      </p:par>
+    </p:tnLst>
+  </p:timing>
 </p:sld>
 </file>
 
@@ -17814,11 +20244,11 @@
           <a:lstStyle/>
           <a:p>
             <a:r>
-              <a:rPr lang="fr-FR" dirty="0"/>
+              <a:rPr lang="fr-FR" dirty="0" smtClean="0"/>
               <a:t>Fonctionnalités : le thésaurus </a:t>
             </a:r>
             <a:r>
-              <a:rPr lang="fr-FR" dirty="0" err="1"/>
+              <a:rPr lang="fr-FR" dirty="0" err="1" smtClean="0"/>
               <a:t>MeSH</a:t>
             </a:r>
             <a:endParaRPr lang="fr-FR" dirty="0"/>
@@ -17857,19 +20287,19 @@
               <a:t> </a:t>
             </a:r>
             <a:r>
-              <a:rPr lang="fr-FR" sz="3000" dirty="0"/>
+              <a:rPr lang="fr-FR" sz="3000" dirty="0" smtClean="0"/>
               <a:t>Le thésaurus </a:t>
             </a:r>
             <a:r>
-              <a:rPr lang="fr-FR" sz="3000" dirty="0" err="1"/>
+              <a:rPr lang="fr-FR" sz="3000" dirty="0" err="1" smtClean="0"/>
               <a:t>MeSH</a:t>
             </a:r>
             <a:r>
-              <a:rPr lang="fr-FR" sz="3000" dirty="0"/>
+              <a:rPr lang="fr-FR" sz="3000" dirty="0" smtClean="0"/>
               <a:t> est un </a:t>
             </a:r>
             <a:r>
-              <a:rPr lang="fr-FR" sz="3000" dirty="0">
+              <a:rPr lang="fr-FR" sz="3000" dirty="0" smtClean="0">
                 <a:solidFill>
                   <a:srgbClr val="009DE0"/>
                 </a:solidFill>
@@ -17877,11 +20307,11 @@
               <a:t>vocabulaire contrôlé</a:t>
             </a:r>
             <a:r>
-              <a:rPr lang="fr-FR" sz="3000" dirty="0"/>
+              <a:rPr lang="fr-FR" sz="3000" dirty="0" smtClean="0"/>
               <a:t>, constitué de termes organisés par des relations de </a:t>
             </a:r>
             <a:r>
-              <a:rPr lang="fr-FR" sz="3000" dirty="0">
+              <a:rPr lang="fr-FR" sz="3000" dirty="0" smtClean="0">
                 <a:solidFill>
                   <a:srgbClr val="009DE0"/>
                 </a:solidFill>
@@ -17889,11 +20319,11 @@
               <a:t>hiérarchie</a:t>
             </a:r>
             <a:r>
-              <a:rPr lang="fr-FR" sz="3000" dirty="0"/>
+              <a:rPr lang="fr-FR" sz="3000" dirty="0" smtClean="0"/>
               <a:t> et d’</a:t>
             </a:r>
             <a:r>
-              <a:rPr lang="fr-FR" sz="3000" dirty="0">
+              <a:rPr lang="fr-FR" sz="3000" dirty="0" smtClean="0">
                 <a:solidFill>
                   <a:srgbClr val="009DE0"/>
                 </a:solidFill>
@@ -17901,7 +20331,7 @@
               <a:t>association</a:t>
             </a:r>
             <a:r>
-              <a:rPr lang="fr-FR" sz="3000" dirty="0"/>
+              <a:rPr lang="fr-FR" sz="3000" dirty="0" smtClean="0"/>
               <a:t>.</a:t>
             </a:r>
           </a:p>
@@ -17912,15 +20342,15 @@
               </a:lnSpc>
             </a:pPr>
             <a:r>
-              <a:rPr lang="fr-FR" sz="3000" dirty="0"/>
+              <a:rPr lang="fr-FR" sz="3000" dirty="0" smtClean="0"/>
               <a:t> Qu’est-ce qu’un terme </a:t>
             </a:r>
             <a:r>
-              <a:rPr lang="fr-FR" sz="3000" dirty="0" err="1"/>
+              <a:rPr lang="fr-FR" sz="3000" dirty="0" err="1" smtClean="0"/>
               <a:t>MeSH</a:t>
             </a:r>
             <a:r>
-              <a:rPr lang="fr-FR" sz="3000" dirty="0"/>
+              <a:rPr lang="fr-FR" sz="3000" dirty="0" smtClean="0"/>
               <a:t>?</a:t>
             </a:r>
           </a:p>
@@ -17932,7 +20362,7 @@
               <a:buNone/>
             </a:pPr>
             <a:r>
-              <a:rPr lang="en-US" sz="3000" dirty="0">
+              <a:rPr lang="en-US" sz="3000" dirty="0" smtClean="0">
                 <a:solidFill>
                   <a:schemeClr val="tx1">
                     <a:lumMod val="75000"/>
@@ -17943,7 +20373,7 @@
               <a:t>“</a:t>
             </a:r>
             <a:r>
-              <a:rPr lang="en-US" sz="3000" dirty="0" err="1">
+              <a:rPr lang="en-US" sz="3000" dirty="0" err="1" smtClean="0">
                 <a:solidFill>
                   <a:schemeClr val="tx1">
                     <a:lumMod val="75000"/>
@@ -17954,7 +20384,7 @@
               <a:t>MeSH</a:t>
             </a:r>
             <a:r>
-              <a:rPr lang="en-US" sz="3000" dirty="0">
+              <a:rPr lang="en-US" sz="3000" dirty="0" smtClean="0">
                 <a:solidFill>
                   <a:schemeClr val="tx1">
                     <a:lumMod val="75000"/>
@@ -17962,10 +20392,10 @@
                   </a:schemeClr>
                 </a:solidFill>
               </a:rPr>
-              <a:t> terms are official words or phrases selected to represent particular biomedical concepts. When labelling an article, indexers select terms only from the official </a:t>
-            </a:r>
-            <a:r>
-              <a:rPr lang="en-US" sz="3000" dirty="0" err="1">
+              <a:t> </a:t>
+            </a:r>
+            <a:r>
+              <a:rPr lang="en-US" sz="3000" dirty="0">
                 <a:solidFill>
                   <a:schemeClr val="tx1">
                     <a:lumMod val="75000"/>
@@ -17973,10 +20403,10 @@
                   </a:schemeClr>
                 </a:solidFill>
               </a:rPr>
-              <a:t>MeSH</a:t>
-            </a:r>
-            <a:r>
-              <a:rPr lang="en-US" sz="3000" dirty="0">
+              <a:t>terms are official words or phrases selected to represent particular </a:t>
+            </a:r>
+            <a:r>
+              <a:rPr lang="en-US" sz="3000" dirty="0" smtClean="0">
                 <a:solidFill>
                   <a:schemeClr val="tx1">
                     <a:lumMod val="75000"/>
@@ -17984,10 +20414,10 @@
                   </a:schemeClr>
                 </a:solidFill>
               </a:rPr>
-              <a:t> list – never other spellings or variations. For instance, an article would not be labelled with the term heart attack, because indexers must always use the official </a:t>
-            </a:r>
-            <a:r>
-              <a:rPr lang="en-US" sz="3000" dirty="0" err="1">
+              <a:t>biomedical </a:t>
+            </a:r>
+            <a:r>
+              <a:rPr lang="en-US" sz="3000" dirty="0">
                 <a:solidFill>
                   <a:schemeClr val="tx1">
                     <a:lumMod val="75000"/>
@@ -17995,10 +20425,10 @@
                   </a:schemeClr>
                 </a:solidFill>
               </a:rPr>
-              <a:t>MeSH</a:t>
-            </a:r>
-            <a:r>
-              <a:rPr lang="en-US" sz="3000" dirty="0">
+              <a:t>concepts. When labelling an article, indexers select terms only </a:t>
+            </a:r>
+            <a:r>
+              <a:rPr lang="en-US" sz="3000" dirty="0" smtClean="0">
                 <a:solidFill>
                   <a:schemeClr val="tx1">
                     <a:lumMod val="75000"/>
@@ -18006,10 +20436,10 @@
                   </a:schemeClr>
                 </a:solidFill>
               </a:rPr>
-              <a:t> term, </a:t>
-            </a:r>
-            <a:r>
-              <a:rPr lang="en-US" sz="3000" b="1" i="1" dirty="0">
+              <a:t>from </a:t>
+            </a:r>
+            <a:r>
+              <a:rPr lang="en-US" sz="3000" dirty="0">
                 <a:solidFill>
                   <a:schemeClr val="tx1">
                     <a:lumMod val="75000"/>
@@ -18017,10 +20447,10 @@
                   </a:schemeClr>
                 </a:solidFill>
               </a:rPr>
-              <a:t>Myocardial</a:t>
-            </a:r>
-            <a:r>
-              <a:rPr lang="en-US" sz="3000" i="1" dirty="0">
+              <a:t>the official </a:t>
+            </a:r>
+            <a:r>
+              <a:rPr lang="en-US" sz="3000" dirty="0" err="1">
                 <a:solidFill>
                   <a:schemeClr val="tx1">
                     <a:lumMod val="75000"/>
@@ -18028,10 +20458,10 @@
                   </a:schemeClr>
                 </a:solidFill>
               </a:rPr>
-              <a:t> </a:t>
-            </a:r>
-            <a:r>
-              <a:rPr lang="en-US" sz="3000" b="1" i="1" dirty="0">
+              <a:t>MeSH</a:t>
+            </a:r>
+            <a:r>
+              <a:rPr lang="en-US" sz="3000" dirty="0">
                 <a:solidFill>
                   <a:schemeClr val="tx1">
                     <a:lumMod val="75000"/>
@@ -18039,10 +20469,109 @@
                   </a:schemeClr>
                 </a:solidFill>
               </a:rPr>
+              <a:t> list – never other spellings or variations. For </a:t>
+            </a:r>
+            <a:r>
+              <a:rPr lang="en-US" sz="3000" dirty="0" smtClean="0">
+                <a:solidFill>
+                  <a:schemeClr val="tx1">
+                    <a:lumMod val="75000"/>
+                    <a:lumOff val="25000"/>
+                  </a:schemeClr>
+                </a:solidFill>
+              </a:rPr>
+              <a:t>instance</a:t>
+            </a:r>
+            <a:r>
+              <a:rPr lang="en-US" sz="3000" dirty="0">
+                <a:solidFill>
+                  <a:schemeClr val="tx1">
+                    <a:lumMod val="75000"/>
+                    <a:lumOff val="25000"/>
+                  </a:schemeClr>
+                </a:solidFill>
+              </a:rPr>
+              <a:t>, an article would not be labelled with the term heart attack, </a:t>
+            </a:r>
+            <a:r>
+              <a:rPr lang="en-US" sz="3000" dirty="0" smtClean="0">
+                <a:solidFill>
+                  <a:schemeClr val="tx1">
+                    <a:lumMod val="75000"/>
+                    <a:lumOff val="25000"/>
+                  </a:schemeClr>
+                </a:solidFill>
+              </a:rPr>
+              <a:t>because </a:t>
+            </a:r>
+            <a:r>
+              <a:rPr lang="en-US" sz="3000" dirty="0">
+                <a:solidFill>
+                  <a:schemeClr val="tx1">
+                    <a:lumMod val="75000"/>
+                    <a:lumOff val="25000"/>
+                  </a:schemeClr>
+                </a:solidFill>
+              </a:rPr>
+              <a:t>indexers must always use the official </a:t>
+            </a:r>
+            <a:r>
+              <a:rPr lang="en-US" sz="3000" dirty="0" err="1">
+                <a:solidFill>
+                  <a:schemeClr val="tx1">
+                    <a:lumMod val="75000"/>
+                    <a:lumOff val="25000"/>
+                  </a:schemeClr>
+                </a:solidFill>
+              </a:rPr>
+              <a:t>MeSH</a:t>
+            </a:r>
+            <a:r>
+              <a:rPr lang="en-US" sz="3000" dirty="0">
+                <a:solidFill>
+                  <a:schemeClr val="tx1">
+                    <a:lumMod val="75000"/>
+                    <a:lumOff val="25000"/>
+                  </a:schemeClr>
+                </a:solidFill>
+              </a:rPr>
+              <a:t> term, </a:t>
+            </a:r>
+            <a:r>
+              <a:rPr lang="en-US" sz="3000" b="1" i="1" dirty="0">
+                <a:solidFill>
+                  <a:schemeClr val="tx1">
+                    <a:lumMod val="75000"/>
+                    <a:lumOff val="25000"/>
+                  </a:schemeClr>
+                </a:solidFill>
+              </a:rPr>
+              <a:t>Myocardial</a:t>
+            </a:r>
+            <a:r>
+              <a:rPr lang="en-US" sz="3000" i="1" dirty="0">
+                <a:solidFill>
+                  <a:schemeClr val="tx1">
+                    <a:lumMod val="75000"/>
+                    <a:lumOff val="25000"/>
+                  </a:schemeClr>
+                </a:solidFill>
+              </a:rPr>
+              <a:t> </a:t>
+            </a:r>
+            <a:r>
+              <a:rPr lang="en-US" sz="3000" b="1" i="1" dirty="0">
+                <a:solidFill>
+                  <a:schemeClr val="tx1">
+                    <a:lumMod val="75000"/>
+                    <a:lumOff val="25000"/>
+                  </a:schemeClr>
+                </a:solidFill>
+              </a:rPr>
               <a:t>Infarction</a:t>
             </a:r>
             <a:r>
-              <a:rPr lang="en-US" sz="3000" dirty="0">
+              <a:rPr lang="en-US" sz="3000" dirty="0" smtClean="0">
                 <a:solidFill>
                   <a:schemeClr val="tx1">
                     <a:lumMod val="75000"/>
@@ -18061,8 +20590,12 @@
               <a:buNone/>
             </a:pPr>
             <a:r>
+              <a:rPr lang="en-US" sz="1700" dirty="0" smtClean="0"/>
+              <a:t>Source : </a:t>
+            </a:r>
+            <a:r>
               <a:rPr lang="en-US" sz="1700" dirty="0"/>
-              <a:t>Source : Baumann, N. (2016). How to use the medical subject headings (</a:t>
+              <a:t>Baumann, N. (2016). How to use the medical subject headings (</a:t>
             </a:r>
             <a:r>
               <a:rPr lang="en-US" sz="1700" dirty="0" err="1"/>
@@ -18092,9 +20625,15 @@
               <a:rPr lang="en-US" sz="1700" dirty="0">
                 <a:hlinkClick r:id="rId2"/>
               </a:rPr>
-              <a:t>https://doi.org/10.1111/ijcp.12767</a:t>
-            </a:r>
-            <a:endParaRPr lang="fr-FR" sz="1700" dirty="0"/>
+              <a:t>https://</a:t>
+            </a:r>
+            <a:r>
+              <a:rPr lang="en-US" sz="1700" dirty="0" smtClean="0">
+                <a:hlinkClick r:id="rId2"/>
+              </a:rPr>
+              <a:t>doi.org/10.1111/ijcp.12767</a:t>
+            </a:r>
+            <a:endParaRPr lang="fr-FR" sz="1700" dirty="0" smtClean="0"/>
           </a:p>
           <a:p>
             <a:pPr>
@@ -18122,8 +20661,8 @@
           <a:lstStyle/>
           <a:p>
             <a:r>
-              <a:rPr lang="fr-FR"/>
-              <a:t>F. Flamerie - Trucs et astuces de PubMed - 2022-05-24</a:t>
+              <a:rPr lang="fr-FR" smtClean="0"/>
+              <a:t>F. Flamerie - Trucs et astuces de PubMed - màj : 2022-12-07</a:t>
             </a:r>
             <a:endParaRPr lang="fr-FR" dirty="0"/>
           </a:p>
@@ -18163,6 +20702,13 @@
   <p:clrMapOvr>
     <a:masterClrMapping/>
   </p:clrMapOvr>
+  <p:timing>
+    <p:tnLst>
+      <p:par>
+        <p:cTn id="1" dur="indefinite" restart="never" nodeType="tmRoot"/>
+      </p:par>
+    </p:tnLst>
+  </p:timing>
 </p:sld>
 </file>
 
@@ -18204,11 +20750,11 @@
           <a:lstStyle/>
           <a:p>
             <a:r>
-              <a:rPr lang="fr-FR" dirty="0"/>
+              <a:rPr lang="fr-FR" dirty="0" smtClean="0"/>
               <a:t>Fonctionnalités : le thésaurus </a:t>
             </a:r>
             <a:r>
-              <a:rPr lang="fr-FR" dirty="0" err="1"/>
+              <a:rPr lang="fr-FR" dirty="0" err="1" smtClean="0"/>
               <a:t>MeSH</a:t>
             </a:r>
             <a:endParaRPr lang="fr-FR" dirty="0"/>
@@ -18231,8 +20777,8 @@
           <a:lstStyle/>
           <a:p>
             <a:r>
-              <a:rPr lang="fr-FR"/>
-              <a:t>F. Flamerie - Trucs et astuces de PubMed - 2022-05-24</a:t>
+              <a:rPr lang="fr-FR" smtClean="0"/>
+              <a:t>F. Flamerie - Trucs et astuces de PubMed - màj : 2022-12-07</a:t>
             </a:r>
             <a:endParaRPr lang="fr-FR" dirty="0"/>
           </a:p>
@@ -18927,32 +21473,44 @@
               <a:buNone/>
             </a:pPr>
             <a:r>
-              <a:rPr lang="fr-FR" sz="2400" dirty="0"/>
+              <a:rPr lang="fr-FR" sz="2400" dirty="0" smtClean="0"/>
               <a:t>Accéder au </a:t>
             </a:r>
             <a:r>
-              <a:rPr lang="fr-FR" sz="2400" dirty="0" err="1"/>
+              <a:rPr lang="fr-FR" sz="2400" dirty="0" err="1" smtClean="0"/>
               <a:t>MeSH</a:t>
             </a:r>
             <a:r>
-              <a:rPr lang="fr-FR" sz="2400" dirty="0"/>
+              <a:rPr lang="fr-FR" sz="2400" dirty="0" smtClean="0"/>
               <a:t> : </a:t>
+            </a:r>
+            <a:r>
+              <a:rPr lang="fr-FR" sz="2400" dirty="0" smtClean="0">
+                <a:hlinkClick r:id="rId3"/>
+              </a:rPr>
+              <a:t>https</a:t>
             </a:r>
             <a:r>
               <a:rPr lang="fr-FR" sz="2400" dirty="0">
                 <a:hlinkClick r:id="rId3"/>
               </a:rPr>
-              <a:t>https://www.ncbi.nlm.nih.gov/mesh/</a:t>
-            </a:r>
-            <a:r>
-              <a:rPr lang="fr-FR" sz="2400" dirty="0"/>
+              <a:t>://www.ncbi.nlm.nih.gov/mesh</a:t>
+            </a:r>
+            <a:r>
+              <a:rPr lang="fr-FR" sz="2400" dirty="0" smtClean="0">
+                <a:hlinkClick r:id="rId3"/>
+              </a:rPr>
+              <a:t>/</a:t>
+            </a:r>
+            <a:r>
+              <a:rPr lang="fr-FR" sz="2400" dirty="0" smtClean="0"/>
               <a:t> ou depuis la page d’accueil de </a:t>
             </a:r>
             <a:r>
-              <a:rPr lang="fr-FR" sz="2400" dirty="0" err="1"/>
+              <a:rPr lang="fr-FR" sz="2400" dirty="0" err="1" smtClean="0"/>
               <a:t>PubMed</a:t>
             </a:r>
-            <a:endParaRPr lang="fr-FR" sz="2400" dirty="0"/>
+            <a:endParaRPr lang="fr-FR" sz="2400" dirty="0" smtClean="0"/>
           </a:p>
           <a:p>
             <a:pPr marL="0" indent="0">
@@ -18984,6 +21542,13 @@
   <p:clrMapOvr>
     <a:masterClrMapping/>
   </p:clrMapOvr>
+  <p:timing>
+    <p:tnLst>
+      <p:par>
+        <p:cTn id="1" dur="indefinite" restart="never" nodeType="tmRoot"/>
+      </p:par>
+    </p:tnLst>
+  </p:timing>
 </p:sld>
 </file>
 
@@ -19027,11 +21592,11 @@
           <a:lstStyle/>
           <a:p>
             <a:r>
-              <a:rPr lang="fr-FR" dirty="0"/>
+              <a:rPr lang="fr-FR" dirty="0" smtClean="0"/>
               <a:t>Détails d’un terme </a:t>
             </a:r>
             <a:r>
-              <a:rPr lang="fr-FR" dirty="0" err="1"/>
+              <a:rPr lang="fr-FR" dirty="0" err="1" smtClean="0"/>
               <a:t>MeSH</a:t>
             </a:r>
             <a:endParaRPr lang="fr-FR" dirty="0"/>
@@ -19059,8 +21624,8 @@
           <a:lstStyle/>
           <a:p>
             <a:r>
-              <a:rPr lang="fr-FR"/>
-              <a:t>F. Flamerie - Trucs et astuces de PubMed - 2022-05-24</a:t>
+              <a:rPr lang="fr-FR" smtClean="0"/>
+              <a:t>F. Flamerie - Trucs et astuces de PubMed - màj : 2022-12-07</a:t>
             </a:r>
             <a:endParaRPr lang="fr-FR" dirty="0"/>
           </a:p>
@@ -19795,8 +22360,23 @@
                 </a:solidFill>
                 <a:latin typeface="Corbel" panose="020B0503020204020204" pitchFamily="34" charset="0"/>
               </a:rPr>
-              <a:t>Qualificatifs applicables</a:t>
-            </a:r>
+              <a:t>Qualificatifs </a:t>
+            </a:r>
+            <a:r>
+              <a:rPr lang="fr-FR" altLang="fr-FR" sz="2000" dirty="0" smtClean="0">
+                <a:solidFill>
+                  <a:srgbClr val="FF6600"/>
+                </a:solidFill>
+                <a:latin typeface="Corbel" panose="020B0503020204020204" pitchFamily="34" charset="0"/>
+              </a:rPr>
+              <a:t>applicables</a:t>
+            </a:r>
+            <a:endParaRPr lang="fr-FR" altLang="fr-FR" sz="2000" dirty="0">
+              <a:solidFill>
+                <a:srgbClr val="FF6600"/>
+              </a:solidFill>
+              <a:latin typeface="Corbel" panose="020B0503020204020204" pitchFamily="34" charset="0"/>
+            </a:endParaRPr>
           </a:p>
         </p:txBody>
       </p:sp>
@@ -21530,11 +24110,11 @@
               <a:buNone/>
             </a:pPr>
             <a:r>
-              <a:rPr lang="fr-FR" altLang="fr-FR" sz="1600" dirty="0"/>
+              <a:rPr lang="fr-FR" altLang="fr-FR" sz="1600" dirty="0" smtClean="0"/>
               <a:t>Une recherche </a:t>
             </a:r>
             <a:r>
-              <a:rPr lang="fr-FR" altLang="fr-FR" sz="1600" dirty="0">
+              <a:rPr lang="fr-FR" altLang="fr-FR" sz="1600" dirty="0" smtClean="0">
                 <a:solidFill>
                   <a:srgbClr val="009DE0"/>
                 </a:solidFill>
@@ -21542,7 +24122,7 @@
               <a:t>"</a:t>
             </a:r>
             <a:r>
-              <a:rPr lang="fr-FR" altLang="fr-FR" sz="1600" dirty="0" err="1">
+              <a:rPr lang="fr-FR" altLang="fr-FR" sz="1600" dirty="0" err="1" smtClean="0">
                 <a:solidFill>
                   <a:srgbClr val="009DE0"/>
                 </a:solidFill>
@@ -21550,7 +24130,7 @@
               <a:t>Diabetes</a:t>
             </a:r>
             <a:r>
-              <a:rPr lang="fr-FR" altLang="fr-FR" sz="1600" dirty="0">
+              <a:rPr lang="fr-FR" altLang="fr-FR" sz="1600" dirty="0" smtClean="0">
                 <a:solidFill>
                   <a:srgbClr val="009DE0"/>
                 </a:solidFill>
@@ -21558,7 +24138,7 @@
               <a:t> </a:t>
             </a:r>
             <a:r>
-              <a:rPr lang="fr-FR" altLang="fr-FR" sz="1600" dirty="0" err="1">
+              <a:rPr lang="fr-FR" altLang="fr-FR" sz="1600" dirty="0" err="1" smtClean="0">
                 <a:solidFill>
                   <a:srgbClr val="009DE0"/>
                 </a:solidFill>
@@ -21566,7 +24146,7 @@
               <a:t>Mellitus</a:t>
             </a:r>
             <a:r>
-              <a:rPr lang="fr-FR" altLang="fr-FR" sz="1600" dirty="0">
+              <a:rPr lang="fr-FR" altLang="fr-FR" sz="1600" dirty="0" smtClean="0">
                 <a:solidFill>
                   <a:srgbClr val="009DE0"/>
                 </a:solidFill>
@@ -21574,7 +24154,7 @@
               <a:t>/</a:t>
             </a:r>
             <a:r>
-              <a:rPr lang="fr-FR" altLang="fr-FR" sz="1600" dirty="0" err="1">
+              <a:rPr lang="fr-FR" altLang="fr-FR" sz="1600" dirty="0" err="1" smtClean="0">
                 <a:solidFill>
                   <a:srgbClr val="009DE0"/>
                 </a:solidFill>
@@ -21582,7 +24162,7 @@
               <a:t>etiology</a:t>
             </a:r>
             <a:r>
-              <a:rPr lang="fr-FR" altLang="fr-FR" sz="1600" dirty="0">
+              <a:rPr lang="fr-FR" altLang="fr-FR" sz="1600" dirty="0" smtClean="0">
                 <a:solidFill>
                   <a:srgbClr val="009DE0"/>
                 </a:solidFill>
@@ -21590,7 +24170,7 @@
               <a:t>"[</a:t>
             </a:r>
             <a:r>
-              <a:rPr lang="fr-FR" altLang="fr-FR" sz="1600" dirty="0" err="1">
+              <a:rPr lang="fr-FR" altLang="fr-FR" sz="1600" dirty="0" err="1" smtClean="0">
                 <a:solidFill>
                   <a:srgbClr val="009DE0"/>
                 </a:solidFill>
@@ -21598,7 +24178,7 @@
               <a:t>Mesh</a:t>
             </a:r>
             <a:r>
-              <a:rPr lang="fr-FR" altLang="fr-FR" sz="1600" dirty="0">
+              <a:rPr lang="fr-FR" altLang="fr-FR" sz="1600" dirty="0" smtClean="0">
                 <a:solidFill>
                   <a:srgbClr val="009DE0"/>
                 </a:solidFill>
@@ -21606,19 +24186,19 @@
               <a:t>] </a:t>
             </a:r>
             <a:r>
-              <a:rPr lang="fr-FR" altLang="fr-FR" sz="1600" dirty="0"/>
+              <a:rPr lang="fr-FR" altLang="fr-FR" sz="1600" dirty="0" smtClean="0"/>
               <a:t>retrouvera des articles indexés avec le terme </a:t>
             </a:r>
             <a:r>
-              <a:rPr lang="fr-FR" altLang="fr-FR" sz="1600" dirty="0" err="1"/>
+              <a:rPr lang="fr-FR" altLang="fr-FR" sz="1600" dirty="0" err="1" smtClean="0"/>
               <a:t>MeSH</a:t>
             </a:r>
             <a:r>
-              <a:rPr lang="fr-FR" altLang="fr-FR" sz="1600" dirty="0"/>
+              <a:rPr lang="fr-FR" altLang="fr-FR" sz="1600" dirty="0" smtClean="0"/>
               <a:t> </a:t>
             </a:r>
             <a:r>
-              <a:rPr lang="fr-FR" altLang="fr-FR" sz="1600" dirty="0">
+              <a:rPr lang="fr-FR" altLang="fr-FR" sz="1600" dirty="0" smtClean="0">
                 <a:solidFill>
                   <a:srgbClr val="009DE0"/>
                 </a:solidFill>
@@ -21626,7 +24206,7 @@
               <a:t>"</a:t>
             </a:r>
             <a:r>
-              <a:rPr lang="fr-FR" altLang="fr-FR" sz="1600" dirty="0" err="1">
+              <a:rPr lang="fr-FR" altLang="fr-FR" sz="1600" dirty="0" err="1" smtClean="0">
                 <a:solidFill>
                   <a:srgbClr val="009DE0"/>
                 </a:solidFill>
@@ -21634,7 +24214,7 @@
               <a:t>Diabetes</a:t>
             </a:r>
             <a:r>
-              <a:rPr lang="fr-FR" altLang="fr-FR" sz="1600" dirty="0">
+              <a:rPr lang="fr-FR" altLang="fr-FR" sz="1600" dirty="0" smtClean="0">
                 <a:solidFill>
                   <a:srgbClr val="009DE0"/>
                 </a:solidFill>
@@ -21642,7 +24222,7 @@
               <a:t> </a:t>
             </a:r>
             <a:r>
-              <a:rPr lang="fr-FR" altLang="fr-FR" sz="1600" dirty="0" err="1">
+              <a:rPr lang="fr-FR" altLang="fr-FR" sz="1600" dirty="0" err="1" smtClean="0">
                 <a:solidFill>
                   <a:srgbClr val="009DE0"/>
                 </a:solidFill>
@@ -21650,7 +24230,7 @@
               <a:t>Mellitus</a:t>
             </a:r>
             <a:r>
-              <a:rPr lang="fr-FR" altLang="fr-FR" sz="1600" dirty="0">
+              <a:rPr lang="fr-FR" altLang="fr-FR" sz="1600" dirty="0" smtClean="0">
                 <a:solidFill>
                   <a:srgbClr val="009DE0"/>
                 </a:solidFill>
@@ -21658,11 +24238,11 @@
               <a:t>"</a:t>
             </a:r>
             <a:r>
-              <a:rPr lang="fr-FR" altLang="fr-FR" sz="1600" dirty="0"/>
+              <a:rPr lang="fr-FR" altLang="fr-FR" sz="1600" dirty="0" smtClean="0"/>
               <a:t>,</a:t>
             </a:r>
             <a:r>
-              <a:rPr lang="fr-FR" altLang="fr-FR" sz="1600" dirty="0">
+              <a:rPr lang="fr-FR" altLang="fr-FR" sz="1600" dirty="0" smtClean="0">
                 <a:solidFill>
                   <a:srgbClr val="009DE0"/>
                 </a:solidFill>
@@ -21670,11 +24250,11 @@
               <a:t> </a:t>
             </a:r>
             <a:r>
-              <a:rPr lang="fr-FR" altLang="fr-FR" sz="1600" dirty="0"/>
+              <a:rPr lang="fr-FR" altLang="fr-FR" sz="1600" dirty="0" smtClean="0"/>
               <a:t>mais le qualificatif</a:t>
             </a:r>
             <a:r>
-              <a:rPr lang="fr-FR" altLang="fr-FR" sz="1600" dirty="0">
+              <a:rPr lang="fr-FR" altLang="fr-FR" sz="1600" dirty="0" smtClean="0">
                 <a:solidFill>
                   <a:srgbClr val="009DE0"/>
                 </a:solidFill>
@@ -21682,7 +24262,7 @@
               <a:t> "</a:t>
             </a:r>
             <a:r>
-              <a:rPr lang="fr-FR" altLang="fr-FR" sz="1600" dirty="0" err="1">
+              <a:rPr lang="fr-FR" altLang="fr-FR" sz="1600" dirty="0" err="1" smtClean="0">
                 <a:solidFill>
                   <a:srgbClr val="009DE0"/>
                 </a:solidFill>
@@ -21690,7 +24270,7 @@
               <a:t>etiology</a:t>
             </a:r>
             <a:r>
-              <a:rPr lang="fr-FR" altLang="fr-FR" sz="1600" dirty="0">
+              <a:rPr lang="fr-FR" altLang="fr-FR" sz="1600" dirty="0" smtClean="0">
                 <a:solidFill>
                   <a:srgbClr val="009DE0"/>
                 </a:solidFill>
@@ -21698,19 +24278,19 @@
               <a:t>" </a:t>
             </a:r>
             <a:r>
-              <a:rPr lang="fr-FR" altLang="fr-FR" sz="1600" dirty="0"/>
+              <a:rPr lang="fr-FR" altLang="fr-FR" sz="1600" dirty="0" smtClean="0"/>
               <a:t>pourra être appliqué à un autre terme </a:t>
             </a:r>
             <a:r>
-              <a:rPr lang="fr-FR" altLang="fr-FR" sz="1600" dirty="0" err="1"/>
+              <a:rPr lang="fr-FR" altLang="fr-FR" sz="1600" dirty="0" err="1" smtClean="0"/>
               <a:t>MeSH</a:t>
             </a:r>
             <a:r>
-              <a:rPr lang="fr-FR" altLang="fr-FR" sz="1600" dirty="0"/>
+              <a:rPr lang="fr-FR" altLang="fr-FR" sz="1600" dirty="0" smtClean="0"/>
               <a:t> que </a:t>
             </a:r>
             <a:r>
-              <a:rPr lang="fr-FR" altLang="fr-FR" sz="1600" dirty="0">
+              <a:rPr lang="fr-FR" altLang="fr-FR" sz="1600" dirty="0" smtClean="0">
                 <a:solidFill>
                   <a:srgbClr val="009DE0"/>
                 </a:solidFill>
@@ -21718,7 +24298,7 @@
               <a:t>"</a:t>
             </a:r>
             <a:r>
-              <a:rPr lang="fr-FR" altLang="fr-FR" sz="1600" dirty="0" err="1">
+              <a:rPr lang="fr-FR" altLang="fr-FR" sz="1600" dirty="0" err="1" smtClean="0">
                 <a:solidFill>
                   <a:srgbClr val="009DE0"/>
                 </a:solidFill>
@@ -21726,7 +24306,7 @@
               <a:t>Diabetes</a:t>
             </a:r>
             <a:r>
-              <a:rPr lang="fr-FR" altLang="fr-FR" sz="1600" dirty="0">
+              <a:rPr lang="fr-FR" altLang="fr-FR" sz="1600" dirty="0" smtClean="0">
                 <a:solidFill>
                   <a:srgbClr val="009DE0"/>
                 </a:solidFill>
@@ -21734,7 +24314,7 @@
               <a:t> </a:t>
             </a:r>
             <a:r>
-              <a:rPr lang="fr-FR" altLang="fr-FR" sz="1600" dirty="0" err="1">
+              <a:rPr lang="fr-FR" altLang="fr-FR" sz="1600" dirty="0" err="1" smtClean="0">
                 <a:solidFill>
                   <a:srgbClr val="009DE0"/>
                 </a:solidFill>
@@ -21742,7 +24322,7 @@
               <a:t>Mellitus</a:t>
             </a:r>
             <a:r>
-              <a:rPr lang="fr-FR" altLang="fr-FR" sz="1600" dirty="0">
+              <a:rPr lang="fr-FR" altLang="fr-FR" sz="1600" dirty="0" smtClean="0">
                 <a:solidFill>
                   <a:srgbClr val="009DE0"/>
                 </a:solidFill>
@@ -21750,7 +24330,7 @@
               <a:t>"</a:t>
             </a:r>
             <a:r>
-              <a:rPr lang="fr-FR" altLang="fr-FR" sz="1600" dirty="0"/>
+              <a:rPr lang="fr-FR" altLang="fr-FR" sz="1600" dirty="0" smtClean="0"/>
               <a:t>.</a:t>
             </a:r>
           </a:p>
@@ -21759,35 +24339,36 @@
               <a:buNone/>
             </a:pPr>
             <a:r>
-              <a:rPr lang="fr-FR" altLang="fr-FR" sz="1600" dirty="0"/>
+              <a:rPr lang="fr-FR" altLang="fr-FR" sz="1600" dirty="0" smtClean="0"/>
               <a:t>Exemple : </a:t>
             </a:r>
             <a:r>
-              <a:rPr lang="fr-FR" altLang="fr-FR" sz="1600" dirty="0">
+              <a:rPr lang="fr-FR" altLang="fr-FR" sz="1600" dirty="0" smtClean="0">
                 <a:hlinkClick r:id="rId3"/>
               </a:rPr>
               <a:t>https://pubmed.ncbi.nlm.nih.gov/33592860/</a:t>
             </a:r>
             <a:r>
-              <a:rPr lang="fr-FR" altLang="fr-FR" sz="1600" dirty="0"/>
+              <a:rPr lang="fr-FR" altLang="fr-FR" sz="1600" dirty="0" smtClean="0"/>
               <a:t>-&gt; </a:t>
             </a:r>
             <a:r>
-              <a:rPr lang="fr-FR" sz="1600" dirty="0" err="1"/>
+              <a:rPr lang="fr-FR" sz="1600" dirty="0" err="1" smtClean="0"/>
               <a:t>Hypoglycemia</a:t>
             </a:r>
             <a:r>
-              <a:rPr lang="fr-FR" sz="1600" dirty="0"/>
+              <a:rPr lang="fr-FR" sz="1600" dirty="0" smtClean="0"/>
               <a:t>*/ </a:t>
             </a:r>
             <a:r>
-              <a:rPr lang="fr-FR" sz="1600" dirty="0" err="1"/>
+              <a:rPr lang="fr-FR" sz="1600" dirty="0" err="1" smtClean="0"/>
               <a:t>etiology</a:t>
             </a:r>
             <a:r>
-              <a:rPr lang="fr-FR" altLang="fr-FR" sz="1600" dirty="0"/>
+              <a:rPr lang="fr-FR" altLang="fr-FR" sz="1600" dirty="0" smtClean="0"/>
               <a:t> </a:t>
             </a:r>
+            <a:endParaRPr lang="fr-FR" altLang="fr-FR" sz="1600" dirty="0"/>
           </a:p>
         </p:txBody>
       </p:sp>
@@ -21823,7 +24404,43 @@
               <a:rPr lang="fr-FR" altLang="fr-FR" sz="2400" dirty="0">
                 <a:latin typeface="Corbel" panose="020B0503020204020204" pitchFamily="34" charset="0"/>
               </a:rPr>
-              <a:t> La fonctionnalité de MEDLINE de restriction sur un qualificatif n’est pas entièrement opérationnelle dans PubMed. </a:t>
+              <a:t> La </a:t>
+            </a:r>
+            <a:r>
+              <a:rPr lang="fr-FR" altLang="fr-FR" sz="2400" dirty="0" smtClean="0">
+                <a:latin typeface="Corbel" panose="020B0503020204020204" pitchFamily="34" charset="0"/>
+              </a:rPr>
+              <a:t>fonctionnalité </a:t>
+            </a:r>
+            <a:r>
+              <a:rPr lang="fr-FR" altLang="fr-FR" sz="2400" dirty="0">
+                <a:latin typeface="Corbel" panose="020B0503020204020204" pitchFamily="34" charset="0"/>
+              </a:rPr>
+              <a:t>de MEDLINE de restriction </a:t>
+            </a:r>
+            <a:r>
+              <a:rPr lang="fr-FR" altLang="fr-FR" sz="2400" dirty="0" smtClean="0">
+                <a:latin typeface="Corbel" panose="020B0503020204020204" pitchFamily="34" charset="0"/>
+              </a:rPr>
+              <a:t>sur </a:t>
+            </a:r>
+            <a:r>
+              <a:rPr lang="fr-FR" altLang="fr-FR" sz="2400" dirty="0">
+                <a:latin typeface="Corbel" panose="020B0503020204020204" pitchFamily="34" charset="0"/>
+              </a:rPr>
+              <a:t>un qualificatif n’est pas entièrement opérationnelle dans </a:t>
+            </a:r>
+            <a:r>
+              <a:rPr lang="fr-FR" altLang="fr-FR" sz="2400" dirty="0" err="1">
+                <a:latin typeface="Corbel" panose="020B0503020204020204" pitchFamily="34" charset="0"/>
+              </a:rPr>
+              <a:t>PubMed</a:t>
+            </a:r>
+            <a:r>
+              <a:rPr lang="fr-FR" altLang="fr-FR" sz="2400" dirty="0">
+                <a:latin typeface="Corbel" panose="020B0503020204020204" pitchFamily="34" charset="0"/>
+              </a:rPr>
+              <a:t> </a:t>
             </a:r>
           </a:p>
           <a:p>
@@ -21843,6 +24460,13 @@
   <p:clrMapOvr>
     <a:masterClrMapping/>
   </p:clrMapOvr>
+  <p:timing>
+    <p:tnLst>
+      <p:par>
+        <p:cTn id="1" dur="indefinite" restart="never" nodeType="tmRoot"/>
+      </p:par>
+    </p:tnLst>
+  </p:timing>
 </p:sld>
 </file>
 

--- a/docs/module1-2_pubmed.pptx
+++ b/docs/module1-2_pubmed.pptx
@@ -6867,11 +6867,7 @@
             </a:pPr>
             <a:r>
               <a:rPr lang="fr-FR" dirty="0" smtClean="0"/>
-              <a:t>La </a:t>
-            </a:r>
-            <a:r>
-              <a:rPr lang="fr-FR" dirty="0" smtClean="0"/>
-              <a:t>troncature</a:t>
+              <a:t>La troncature</a:t>
             </a:r>
           </a:p>
           <a:p>
@@ -9281,11 +9277,7 @@
             </a:r>
             <a:r>
               <a:rPr lang="fr-FR" dirty="0" smtClean="0"/>
-              <a:t> : </a:t>
-            </a:r>
-            <a:r>
-              <a:rPr lang="fr-FR" dirty="0" smtClean="0"/>
-              <a:t>2022-12-07</a:t>
+              <a:t> : 2022-12-07</a:t>
             </a:r>
             <a:endParaRPr lang="fr-FR" dirty="0"/>
           </a:p>
@@ -9829,7 +9821,7 @@
           <p:cNvPr id="7" name="Arrow34" descr="{&quot;Key&quot;:&quot;POWER_USER_SHAPE_ICON&quot;,&quot;Value&quot;:&quot;POWER_USER_SHAPE_ICON_STYLE_1&quot;}">
             <a:extLst>
               <a:ext uri="{FF2B5EF4-FFF2-40B4-BE49-F238E27FC236}">
-                <a16:creationId xmlns:a16="http://schemas.microsoft.com/office/drawing/2014/main" xmlns="" id="{43E68E00-EA18-49EE-91A7-B065011E5152}"/>
+                <a16:creationId xmlns="" xmlns:a16="http://schemas.microsoft.com/office/drawing/2014/main" id="{43E68E00-EA18-49EE-91A7-B065011E5152}"/>
               </a:ext>
             </a:extLst>
           </p:cNvPr>
@@ -9854,7 +9846,7 @@
             <p:cNvPr id="8" name="Freeform 195">
               <a:extLst>
                 <a:ext uri="{FF2B5EF4-FFF2-40B4-BE49-F238E27FC236}">
-                  <a16:creationId xmlns:a16="http://schemas.microsoft.com/office/drawing/2014/main" xmlns="" id="{B426E1A2-1601-4CCF-ADA5-FD9317539629}"/>
+                  <a16:creationId xmlns="" xmlns:a16="http://schemas.microsoft.com/office/drawing/2014/main" id="{B426E1A2-1601-4CCF-ADA5-FD9317539629}"/>
                 </a:ext>
               </a:extLst>
             </p:cNvPr>
@@ -10014,7 +10006,7 @@
             <p:cNvPr id="9" name="Freeform 196">
               <a:extLst>
                 <a:ext uri="{FF2B5EF4-FFF2-40B4-BE49-F238E27FC236}">
-                  <a16:creationId xmlns:a16="http://schemas.microsoft.com/office/drawing/2014/main" xmlns="" id="{7CA8E433-9ACF-4A11-B832-05AE8A209954}"/>
+                  <a16:creationId xmlns="" xmlns:a16="http://schemas.microsoft.com/office/drawing/2014/main" id="{7CA8E433-9ACF-4A11-B832-05AE8A209954}"/>
                 </a:ext>
               </a:extLst>
             </p:cNvPr>
@@ -10174,7 +10166,7 @@
             <p:cNvPr id="10" name="Freeform 197">
               <a:extLst>
                 <a:ext uri="{FF2B5EF4-FFF2-40B4-BE49-F238E27FC236}">
-                  <a16:creationId xmlns:a16="http://schemas.microsoft.com/office/drawing/2014/main" xmlns="" id="{B1AA219A-44DC-4DD1-B062-924FC970BD8C}"/>
+                  <a16:creationId xmlns="" xmlns:a16="http://schemas.microsoft.com/office/drawing/2014/main" id="{B1AA219A-44DC-4DD1-B062-924FC970BD8C}"/>
                 </a:ext>
               </a:extLst>
             </p:cNvPr>
@@ -10330,7 +10322,7 @@
             <p:cNvPr id="11" name="Freeform 198">
               <a:extLst>
                 <a:ext uri="{FF2B5EF4-FFF2-40B4-BE49-F238E27FC236}">
-                  <a16:creationId xmlns:a16="http://schemas.microsoft.com/office/drawing/2014/main" xmlns="" id="{D93843A3-5211-4329-AAB5-9A71A272F9BF}"/>
+                  <a16:creationId xmlns="" xmlns:a16="http://schemas.microsoft.com/office/drawing/2014/main" id="{D93843A3-5211-4329-AAB5-9A71A272F9BF}"/>
                 </a:ext>
               </a:extLst>
             </p:cNvPr>
@@ -11103,7 +11095,7 @@
           <p:cNvPr id="7" name="Arrow34" descr="{&quot;Key&quot;:&quot;POWER_USER_SHAPE_ICON&quot;,&quot;Value&quot;:&quot;POWER_USER_SHAPE_ICON_STYLE_1&quot;}">
             <a:extLst>
               <a:ext uri="{FF2B5EF4-FFF2-40B4-BE49-F238E27FC236}">
-                <a16:creationId xmlns:a16="http://schemas.microsoft.com/office/drawing/2014/main" xmlns="" id="{43E68E00-EA18-49EE-91A7-B065011E5152}"/>
+                <a16:creationId xmlns="" xmlns:a16="http://schemas.microsoft.com/office/drawing/2014/main" id="{43E68E00-EA18-49EE-91A7-B065011E5152}"/>
               </a:ext>
             </a:extLst>
           </p:cNvPr>
@@ -11128,7 +11120,7 @@
             <p:cNvPr id="8" name="Freeform 195">
               <a:extLst>
                 <a:ext uri="{FF2B5EF4-FFF2-40B4-BE49-F238E27FC236}">
-                  <a16:creationId xmlns:a16="http://schemas.microsoft.com/office/drawing/2014/main" xmlns="" id="{B426E1A2-1601-4CCF-ADA5-FD9317539629}"/>
+                  <a16:creationId xmlns="" xmlns:a16="http://schemas.microsoft.com/office/drawing/2014/main" id="{B426E1A2-1601-4CCF-ADA5-FD9317539629}"/>
                 </a:ext>
               </a:extLst>
             </p:cNvPr>
@@ -11288,7 +11280,7 @@
             <p:cNvPr id="9" name="Freeform 196">
               <a:extLst>
                 <a:ext uri="{FF2B5EF4-FFF2-40B4-BE49-F238E27FC236}">
-                  <a16:creationId xmlns:a16="http://schemas.microsoft.com/office/drawing/2014/main" xmlns="" id="{7CA8E433-9ACF-4A11-B832-05AE8A209954}"/>
+                  <a16:creationId xmlns="" xmlns:a16="http://schemas.microsoft.com/office/drawing/2014/main" id="{7CA8E433-9ACF-4A11-B832-05AE8A209954}"/>
                 </a:ext>
               </a:extLst>
             </p:cNvPr>
@@ -11448,7 +11440,7 @@
             <p:cNvPr id="10" name="Freeform 197">
               <a:extLst>
                 <a:ext uri="{FF2B5EF4-FFF2-40B4-BE49-F238E27FC236}">
-                  <a16:creationId xmlns:a16="http://schemas.microsoft.com/office/drawing/2014/main" xmlns="" id="{B1AA219A-44DC-4DD1-B062-924FC970BD8C}"/>
+                  <a16:creationId xmlns="" xmlns:a16="http://schemas.microsoft.com/office/drawing/2014/main" id="{B1AA219A-44DC-4DD1-B062-924FC970BD8C}"/>
                 </a:ext>
               </a:extLst>
             </p:cNvPr>
@@ -11604,7 +11596,7 @@
             <p:cNvPr id="11" name="Freeform 198">
               <a:extLst>
                 <a:ext uri="{FF2B5EF4-FFF2-40B4-BE49-F238E27FC236}">
-                  <a16:creationId xmlns:a16="http://schemas.microsoft.com/office/drawing/2014/main" xmlns="" id="{D93843A3-5211-4329-AAB5-9A71A272F9BF}"/>
+                  <a16:creationId xmlns="" xmlns:a16="http://schemas.microsoft.com/office/drawing/2014/main" id="{D93843A3-5211-4329-AAB5-9A71A272F9BF}"/>
                 </a:ext>
               </a:extLst>
             </p:cNvPr>
@@ -11912,11 +11904,7 @@
             </a:r>
             <a:r>
               <a:rPr lang="fr-FR" dirty="0" smtClean="0"/>
-              <a:t>pour la modifier </a:t>
-            </a:r>
-            <a:r>
-              <a:rPr lang="fr-FR" dirty="0" smtClean="0"/>
-              <a:t>manuellement, et utiliser par exemple la recherche par proximité.</a:t>
+              <a:t>pour la modifier manuellement, et utiliser par exemple la recherche par proximité.</a:t>
             </a:r>
             <a:endParaRPr lang="fr-FR" dirty="0"/>
           </a:p>
@@ -12486,11 +12474,7 @@
           <a:p>
             <a:r>
               <a:rPr lang="fr-FR" dirty="0" smtClean="0"/>
-              <a:t>Mode 3 : </a:t>
-            </a:r>
-            <a:r>
-              <a:rPr lang="fr-FR" dirty="0" smtClean="0"/>
-              <a:t>recherche par proximité 1/2 </a:t>
+              <a:t>Mode 3 : recherche par proximité 1/2 </a:t>
             </a:r>
             <a:endParaRPr lang="fr-FR" dirty="0"/>
           </a:p>
@@ -12917,7 +12901,7 @@
             </a:r>
             <a:r>
               <a:rPr lang="fr-FR" b="1" dirty="0" smtClean="0"/>
-              <a:t>" [</a:t>
+              <a:t>"[</a:t>
             </a:r>
             <a:r>
               <a:rPr lang="fr-FR" b="1" dirty="0" err="1" smtClean="0"/>
@@ -12991,8 +12975,8 @@
               <a:t>healthcare</a:t>
             </a:r>
             <a:r>
-              <a:rPr lang="fr-FR" b="1" dirty="0"/>
-              <a:t>" [</a:t>
+              <a:rPr lang="fr-FR" b="1" dirty="0" smtClean="0"/>
+              <a:t>"[</a:t>
             </a:r>
             <a:r>
               <a:rPr lang="fr-FR" b="1" dirty="0" err="1"/>
@@ -13091,8 +13075,8 @@
               <a:t>healthcare</a:t>
             </a:r>
             <a:r>
-              <a:rPr lang="fr-FR" b="1" dirty="0"/>
-              <a:t>" [</a:t>
+              <a:rPr lang="fr-FR" b="1" dirty="0" smtClean="0"/>
+              <a:t>"[</a:t>
             </a:r>
             <a:r>
               <a:rPr lang="fr-FR" b="1" dirty="0" err="1"/>
@@ -13237,11 +13221,7 @@
           <a:p>
             <a:r>
               <a:rPr lang="fr-FR" dirty="0" smtClean="0"/>
-              <a:t>Mode 3 : </a:t>
-            </a:r>
-            <a:r>
-              <a:rPr lang="fr-FR" dirty="0" smtClean="0"/>
-              <a:t>recherche par proximité 2/2 </a:t>
+              <a:t>Mode 3 : recherche par proximité 2/2 </a:t>
             </a:r>
             <a:endParaRPr lang="fr-FR" dirty="0"/>
           </a:p>
@@ -14670,7 +14650,7 @@
           <p:cNvPr id="11" name="Arrow34" descr="{&quot;Key&quot;:&quot;POWER_USER_SHAPE_ICON&quot;,&quot;Value&quot;:&quot;POWER_USER_SHAPE_ICON_STYLE_1&quot;}">
             <a:extLst>
               <a:ext uri="{FF2B5EF4-FFF2-40B4-BE49-F238E27FC236}">
-                <a16:creationId xmlns="" xmlns:a16="http://schemas.microsoft.com/office/drawing/2014/main" id="{43E68E00-EA18-49EE-91A7-B065011E5152}"/>
+                <a16:creationId xmlns:a16="http://schemas.microsoft.com/office/drawing/2014/main" xmlns="" id="{43E68E00-EA18-49EE-91A7-B065011E5152}"/>
               </a:ext>
             </a:extLst>
           </p:cNvPr>
@@ -14695,7 +14675,7 @@
             <p:cNvPr id="12" name="Freeform 195">
               <a:extLst>
                 <a:ext uri="{FF2B5EF4-FFF2-40B4-BE49-F238E27FC236}">
-                  <a16:creationId xmlns="" xmlns:a16="http://schemas.microsoft.com/office/drawing/2014/main" id="{B426E1A2-1601-4CCF-ADA5-FD9317539629}"/>
+                  <a16:creationId xmlns:a16="http://schemas.microsoft.com/office/drawing/2014/main" xmlns="" id="{B426E1A2-1601-4CCF-ADA5-FD9317539629}"/>
                 </a:ext>
               </a:extLst>
             </p:cNvPr>
@@ -14833,7 +14813,7 @@
             <p:cNvPr id="13" name="Freeform 196">
               <a:extLst>
                 <a:ext uri="{FF2B5EF4-FFF2-40B4-BE49-F238E27FC236}">
-                  <a16:creationId xmlns="" xmlns:a16="http://schemas.microsoft.com/office/drawing/2014/main" id="{7CA8E433-9ACF-4A11-B832-05AE8A209954}"/>
+                  <a16:creationId xmlns:a16="http://schemas.microsoft.com/office/drawing/2014/main" xmlns="" id="{7CA8E433-9ACF-4A11-B832-05AE8A209954}"/>
                 </a:ext>
               </a:extLst>
             </p:cNvPr>
@@ -14971,7 +14951,7 @@
             <p:cNvPr id="14" name="Freeform 197">
               <a:extLst>
                 <a:ext uri="{FF2B5EF4-FFF2-40B4-BE49-F238E27FC236}">
-                  <a16:creationId xmlns="" xmlns:a16="http://schemas.microsoft.com/office/drawing/2014/main" id="{B1AA219A-44DC-4DD1-B062-924FC970BD8C}"/>
+                  <a16:creationId xmlns:a16="http://schemas.microsoft.com/office/drawing/2014/main" xmlns="" id="{B1AA219A-44DC-4DD1-B062-924FC970BD8C}"/>
                 </a:ext>
               </a:extLst>
             </p:cNvPr>
@@ -15105,7 +15085,7 @@
             <p:cNvPr id="15" name="Freeform 198">
               <a:extLst>
                 <a:ext uri="{FF2B5EF4-FFF2-40B4-BE49-F238E27FC236}">
-                  <a16:creationId xmlns="" xmlns:a16="http://schemas.microsoft.com/office/drawing/2014/main" id="{D93843A3-5211-4329-AAB5-9A71A272F9BF}"/>
+                  <a16:creationId xmlns:a16="http://schemas.microsoft.com/office/drawing/2014/main" xmlns="" id="{D93843A3-5211-4329-AAB5-9A71A272F9BF}"/>
                 </a:ext>
               </a:extLst>
             </p:cNvPr>
@@ -16412,7 +16392,7 @@
           <p:cNvPr id="11" name="Arrow34" descr="{&quot;Key&quot;:&quot;POWER_USER_SHAPE_ICON&quot;,&quot;Value&quot;:&quot;POWER_USER_SHAPE_ICON_STYLE_1&quot;}">
             <a:extLst>
               <a:ext uri="{FF2B5EF4-FFF2-40B4-BE49-F238E27FC236}">
-                <a16:creationId xmlns="" xmlns:a16="http://schemas.microsoft.com/office/drawing/2014/main" id="{43E68E00-EA18-49EE-91A7-B065011E5152}"/>
+                <a16:creationId xmlns:a16="http://schemas.microsoft.com/office/drawing/2014/main" xmlns="" id="{43E68E00-EA18-49EE-91A7-B065011E5152}"/>
               </a:ext>
             </a:extLst>
           </p:cNvPr>
@@ -16437,7 +16417,7 @@
             <p:cNvPr id="12" name="Freeform 195">
               <a:extLst>
                 <a:ext uri="{FF2B5EF4-FFF2-40B4-BE49-F238E27FC236}">
-                  <a16:creationId xmlns="" xmlns:a16="http://schemas.microsoft.com/office/drawing/2014/main" id="{B426E1A2-1601-4CCF-ADA5-FD9317539629}"/>
+                  <a16:creationId xmlns:a16="http://schemas.microsoft.com/office/drawing/2014/main" xmlns="" id="{B426E1A2-1601-4CCF-ADA5-FD9317539629}"/>
                 </a:ext>
               </a:extLst>
             </p:cNvPr>
@@ -16575,7 +16555,7 @@
             <p:cNvPr id="13" name="Freeform 196">
               <a:extLst>
                 <a:ext uri="{FF2B5EF4-FFF2-40B4-BE49-F238E27FC236}">
-                  <a16:creationId xmlns="" xmlns:a16="http://schemas.microsoft.com/office/drawing/2014/main" id="{7CA8E433-9ACF-4A11-B832-05AE8A209954}"/>
+                  <a16:creationId xmlns:a16="http://schemas.microsoft.com/office/drawing/2014/main" xmlns="" id="{7CA8E433-9ACF-4A11-B832-05AE8A209954}"/>
                 </a:ext>
               </a:extLst>
             </p:cNvPr>
@@ -16713,7 +16693,7 @@
             <p:cNvPr id="14" name="Freeform 197">
               <a:extLst>
                 <a:ext uri="{FF2B5EF4-FFF2-40B4-BE49-F238E27FC236}">
-                  <a16:creationId xmlns="" xmlns:a16="http://schemas.microsoft.com/office/drawing/2014/main" id="{B1AA219A-44DC-4DD1-B062-924FC970BD8C}"/>
+                  <a16:creationId xmlns:a16="http://schemas.microsoft.com/office/drawing/2014/main" xmlns="" id="{B1AA219A-44DC-4DD1-B062-924FC970BD8C}"/>
                 </a:ext>
               </a:extLst>
             </p:cNvPr>
@@ -16847,7 +16827,7 @@
             <p:cNvPr id="15" name="Freeform 198">
               <a:extLst>
                 <a:ext uri="{FF2B5EF4-FFF2-40B4-BE49-F238E27FC236}">
-                  <a16:creationId xmlns="" xmlns:a16="http://schemas.microsoft.com/office/drawing/2014/main" id="{D93843A3-5211-4329-AAB5-9A71A272F9BF}"/>
+                  <a16:creationId xmlns:a16="http://schemas.microsoft.com/office/drawing/2014/main" xmlns="" id="{D93843A3-5211-4329-AAB5-9A71A272F9BF}"/>
                 </a:ext>
               </a:extLst>
             </p:cNvPr>
@@ -18943,23 +18923,7 @@
             </a:r>
             <a:r>
               <a:rPr lang="fr-FR" sz="3200" dirty="0" smtClean="0"/>
-              <a:t>[8,5 </a:t>
-            </a:r>
-            <a:r>
-              <a:rPr lang="fr-FR" sz="3200" dirty="0" smtClean="0"/>
-              <a:t>millions </a:t>
-            </a:r>
-            <a:r>
-              <a:rPr lang="fr-FR" sz="3200" dirty="0" smtClean="0"/>
-              <a:t>d’articles </a:t>
-            </a:r>
-            <a:r>
-              <a:rPr lang="fr-FR" sz="3200" dirty="0" smtClean="0"/>
-              <a:t>en </a:t>
-            </a:r>
-            <a:r>
-              <a:rPr lang="fr-FR" sz="3200" dirty="0" smtClean="0"/>
-              <a:t>2022-12]</a:t>
+              <a:t>[8,5 millions d’articles en 2022-12]</a:t>
             </a:r>
             <a:endParaRPr lang="fr-FR" sz="3200" dirty="0"/>
           </a:p>
@@ -20843,7 +20807,7 @@
           <p:cNvPr id="9" name="Arrow34" descr="{&quot;Key&quot;:&quot;POWER_USER_SHAPE_ICON&quot;,&quot;Value&quot;:&quot;POWER_USER_SHAPE_ICON_STYLE_1&quot;}">
             <a:extLst>
               <a:ext uri="{FF2B5EF4-FFF2-40B4-BE49-F238E27FC236}">
-                <a16:creationId xmlns="" xmlns:a16="http://schemas.microsoft.com/office/drawing/2014/main" id="{43E68E00-EA18-49EE-91A7-B065011E5152}"/>
+                <a16:creationId xmlns:a16="http://schemas.microsoft.com/office/drawing/2014/main" xmlns="" id="{43E68E00-EA18-49EE-91A7-B065011E5152}"/>
               </a:ext>
             </a:extLst>
           </p:cNvPr>
@@ -20868,7 +20832,7 @@
             <p:cNvPr id="10" name="Freeform 195">
               <a:extLst>
                 <a:ext uri="{FF2B5EF4-FFF2-40B4-BE49-F238E27FC236}">
-                  <a16:creationId xmlns="" xmlns:a16="http://schemas.microsoft.com/office/drawing/2014/main" id="{B426E1A2-1601-4CCF-ADA5-FD9317539629}"/>
+                  <a16:creationId xmlns:a16="http://schemas.microsoft.com/office/drawing/2014/main" xmlns="" id="{B426E1A2-1601-4CCF-ADA5-FD9317539629}"/>
                 </a:ext>
               </a:extLst>
             </p:cNvPr>
@@ -21006,7 +20970,7 @@
             <p:cNvPr id="11" name="Freeform 196">
               <a:extLst>
                 <a:ext uri="{FF2B5EF4-FFF2-40B4-BE49-F238E27FC236}">
-                  <a16:creationId xmlns="" xmlns:a16="http://schemas.microsoft.com/office/drawing/2014/main" id="{7CA8E433-9ACF-4A11-B832-05AE8A209954}"/>
+                  <a16:creationId xmlns:a16="http://schemas.microsoft.com/office/drawing/2014/main" xmlns="" id="{7CA8E433-9ACF-4A11-B832-05AE8A209954}"/>
                 </a:ext>
               </a:extLst>
             </p:cNvPr>
@@ -21144,7 +21108,7 @@
             <p:cNvPr id="12" name="Freeform 197">
               <a:extLst>
                 <a:ext uri="{FF2B5EF4-FFF2-40B4-BE49-F238E27FC236}">
-                  <a16:creationId xmlns="" xmlns:a16="http://schemas.microsoft.com/office/drawing/2014/main" id="{B1AA219A-44DC-4DD1-B062-924FC970BD8C}"/>
+                  <a16:creationId xmlns:a16="http://schemas.microsoft.com/office/drawing/2014/main" xmlns="" id="{B1AA219A-44DC-4DD1-B062-924FC970BD8C}"/>
                 </a:ext>
               </a:extLst>
             </p:cNvPr>
@@ -21278,7 +21242,7 @@
             <p:cNvPr id="13" name="Freeform 198">
               <a:extLst>
                 <a:ext uri="{FF2B5EF4-FFF2-40B4-BE49-F238E27FC236}">
-                  <a16:creationId xmlns="" xmlns:a16="http://schemas.microsoft.com/office/drawing/2014/main" id="{D93843A3-5211-4329-AAB5-9A71A272F9BF}"/>
+                  <a16:creationId xmlns:a16="http://schemas.microsoft.com/office/drawing/2014/main" xmlns="" id="{D93843A3-5211-4329-AAB5-9A71A272F9BF}"/>
                 </a:ext>
               </a:extLst>
             </p:cNvPr>
@@ -23357,7 +23321,7 @@
           <p:cNvPr id="31" name="Arrow34" descr="{&quot;Key&quot;:&quot;POWER_USER_SHAPE_ICON&quot;,&quot;Value&quot;:&quot;POWER_USER_SHAPE_ICON_STYLE_1&quot;}">
             <a:extLst>
               <a:ext uri="{FF2B5EF4-FFF2-40B4-BE49-F238E27FC236}">
-                <a16:creationId xmlns="" xmlns:a16="http://schemas.microsoft.com/office/drawing/2014/main" id="{43E68E00-EA18-49EE-91A7-B065011E5152}"/>
+                <a16:creationId xmlns:a16="http://schemas.microsoft.com/office/drawing/2014/main" xmlns="" id="{43E68E00-EA18-49EE-91A7-B065011E5152}"/>
               </a:ext>
             </a:extLst>
           </p:cNvPr>
@@ -23382,7 +23346,7 @@
             <p:cNvPr id="32" name="Freeform 195">
               <a:extLst>
                 <a:ext uri="{FF2B5EF4-FFF2-40B4-BE49-F238E27FC236}">
-                  <a16:creationId xmlns="" xmlns:a16="http://schemas.microsoft.com/office/drawing/2014/main" id="{B426E1A2-1601-4CCF-ADA5-FD9317539629}"/>
+                  <a16:creationId xmlns:a16="http://schemas.microsoft.com/office/drawing/2014/main" xmlns="" id="{B426E1A2-1601-4CCF-ADA5-FD9317539629}"/>
                 </a:ext>
               </a:extLst>
             </p:cNvPr>
@@ -23520,7 +23484,7 @@
             <p:cNvPr id="33" name="Freeform 196">
               <a:extLst>
                 <a:ext uri="{FF2B5EF4-FFF2-40B4-BE49-F238E27FC236}">
-                  <a16:creationId xmlns="" xmlns:a16="http://schemas.microsoft.com/office/drawing/2014/main" id="{7CA8E433-9ACF-4A11-B832-05AE8A209954}"/>
+                  <a16:creationId xmlns:a16="http://schemas.microsoft.com/office/drawing/2014/main" xmlns="" id="{7CA8E433-9ACF-4A11-B832-05AE8A209954}"/>
                 </a:ext>
               </a:extLst>
             </p:cNvPr>
@@ -23658,7 +23622,7 @@
             <p:cNvPr id="34" name="Freeform 197">
               <a:extLst>
                 <a:ext uri="{FF2B5EF4-FFF2-40B4-BE49-F238E27FC236}">
-                  <a16:creationId xmlns="" xmlns:a16="http://schemas.microsoft.com/office/drawing/2014/main" id="{B1AA219A-44DC-4DD1-B062-924FC970BD8C}"/>
+                  <a16:creationId xmlns:a16="http://schemas.microsoft.com/office/drawing/2014/main" xmlns="" id="{B1AA219A-44DC-4DD1-B062-924FC970BD8C}"/>
                 </a:ext>
               </a:extLst>
             </p:cNvPr>
@@ -23792,7 +23756,7 @@
             <p:cNvPr id="35" name="Freeform 198">
               <a:extLst>
                 <a:ext uri="{FF2B5EF4-FFF2-40B4-BE49-F238E27FC236}">
-                  <a16:creationId xmlns="" xmlns:a16="http://schemas.microsoft.com/office/drawing/2014/main" id="{D93843A3-5211-4329-AAB5-9A71A272F9BF}"/>
+                  <a16:creationId xmlns:a16="http://schemas.microsoft.com/office/drawing/2014/main" xmlns="" id="{D93843A3-5211-4329-AAB5-9A71A272F9BF}"/>
                 </a:ext>
               </a:extLst>
             </p:cNvPr>

--- a/docs/module1-2_pubmed.pptx
+++ b/docs/module1-2_pubmed.pptx
@@ -5,7 +5,7 @@
     <p:sldMasterId id="2147483648" r:id="rId1"/>
   </p:sldMasterIdLst>
   <p:notesMasterIdLst>
-    <p:notesMasterId r:id="rId40"/>
+    <p:notesMasterId r:id="rId41"/>
   </p:notesMasterIdLst>
   <p:sldIdLst>
     <p:sldId id="347" r:id="rId2"/>
@@ -17,35 +17,36 @@
     <p:sldId id="310" r:id="rId8"/>
     <p:sldId id="323" r:id="rId9"/>
     <p:sldId id="324" r:id="rId10"/>
-    <p:sldId id="322" r:id="rId11"/>
-    <p:sldId id="325" r:id="rId12"/>
-    <p:sldId id="326" r:id="rId13"/>
-    <p:sldId id="340" r:id="rId14"/>
-    <p:sldId id="341" r:id="rId15"/>
-    <p:sldId id="311" r:id="rId16"/>
-    <p:sldId id="320" r:id="rId17"/>
-    <p:sldId id="327" r:id="rId18"/>
-    <p:sldId id="337" r:id="rId19"/>
-    <p:sldId id="328" r:id="rId20"/>
-    <p:sldId id="329" r:id="rId21"/>
-    <p:sldId id="330" r:id="rId22"/>
-    <p:sldId id="331" r:id="rId23"/>
-    <p:sldId id="348" r:id="rId24"/>
-    <p:sldId id="333" r:id="rId25"/>
-    <p:sldId id="307" r:id="rId26"/>
-    <p:sldId id="343" r:id="rId27"/>
-    <p:sldId id="344" r:id="rId28"/>
-    <p:sldId id="332" r:id="rId29"/>
-    <p:sldId id="321" r:id="rId30"/>
-    <p:sldId id="338" r:id="rId31"/>
-    <p:sldId id="342" r:id="rId32"/>
-    <p:sldId id="339" r:id="rId33"/>
-    <p:sldId id="334" r:id="rId34"/>
-    <p:sldId id="335" r:id="rId35"/>
-    <p:sldId id="336" r:id="rId36"/>
-    <p:sldId id="345" r:id="rId37"/>
-    <p:sldId id="346" r:id="rId38"/>
-    <p:sldId id="284" r:id="rId39"/>
+    <p:sldId id="349" r:id="rId11"/>
+    <p:sldId id="322" r:id="rId12"/>
+    <p:sldId id="325" r:id="rId13"/>
+    <p:sldId id="326" r:id="rId14"/>
+    <p:sldId id="340" r:id="rId15"/>
+    <p:sldId id="341" r:id="rId16"/>
+    <p:sldId id="311" r:id="rId17"/>
+    <p:sldId id="320" r:id="rId18"/>
+    <p:sldId id="327" r:id="rId19"/>
+    <p:sldId id="337" r:id="rId20"/>
+    <p:sldId id="328" r:id="rId21"/>
+    <p:sldId id="329" r:id="rId22"/>
+    <p:sldId id="330" r:id="rId23"/>
+    <p:sldId id="331" r:id="rId24"/>
+    <p:sldId id="348" r:id="rId25"/>
+    <p:sldId id="333" r:id="rId26"/>
+    <p:sldId id="307" r:id="rId27"/>
+    <p:sldId id="343" r:id="rId28"/>
+    <p:sldId id="344" r:id="rId29"/>
+    <p:sldId id="332" r:id="rId30"/>
+    <p:sldId id="321" r:id="rId31"/>
+    <p:sldId id="338" r:id="rId32"/>
+    <p:sldId id="342" r:id="rId33"/>
+    <p:sldId id="339" r:id="rId34"/>
+    <p:sldId id="334" r:id="rId35"/>
+    <p:sldId id="335" r:id="rId36"/>
+    <p:sldId id="336" r:id="rId37"/>
+    <p:sldId id="345" r:id="rId38"/>
+    <p:sldId id="346" r:id="rId39"/>
+    <p:sldId id="284" r:id="rId40"/>
   </p:sldIdLst>
   <p:sldSz cx="12192000" cy="6858000"/>
   <p:notesSz cx="6858000" cy="9144000"/>
@@ -239,7 +240,7 @@
             <a:fld id="{91E9DC1B-7AD4-4493-BE2D-19F04AF919E8}" type="datetimeFigureOut">
               <a:rPr lang="fr-FR" smtClean="0"/>
               <a:pPr/>
-              <a:t>05/06/2023</a:t>
+              <a:t>24/11/2023</a:t>
             </a:fld>
             <a:endParaRPr lang="fr-FR" dirty="0"/>
           </a:p>
@@ -595,6 +596,90 @@
 </p:notes>
 </file>
 
+<file path=ppt/notesSlides/notesSlide10.xml><?xml version="1.0" encoding="utf-8"?>
+<p:notes xmlns:a="http://schemas.openxmlformats.org/drawingml/2006/main" xmlns:r="http://schemas.openxmlformats.org/officeDocument/2006/relationships" xmlns:p="http://schemas.openxmlformats.org/presentationml/2006/main">
+  <p:cSld>
+    <p:spTree>
+      <p:nvGrpSpPr>
+        <p:cNvPr id="1" name=""/>
+        <p:cNvGrpSpPr/>
+        <p:nvPr/>
+      </p:nvGrpSpPr>
+      <p:grpSpPr>
+        <a:xfrm>
+          <a:off x="0" y="0"/>
+          <a:ext cx="0" cy="0"/>
+          <a:chOff x="0" y="0"/>
+          <a:chExt cx="0" cy="0"/>
+        </a:xfrm>
+      </p:grpSpPr>
+      <p:sp>
+        <p:nvSpPr>
+          <p:cNvPr id="2" name="Espace réservé de l'image des diapositives 1"/>
+          <p:cNvSpPr>
+            <a:spLocks noGrp="1" noRot="1" noChangeAspect="1"/>
+          </p:cNvSpPr>
+          <p:nvPr>
+            <p:ph type="sldImg"/>
+          </p:nvPr>
+        </p:nvSpPr>
+        <p:spPr/>
+      </p:sp>
+      <p:sp>
+        <p:nvSpPr>
+          <p:cNvPr id="3" name="Espace réservé des commentaires 2"/>
+          <p:cNvSpPr>
+            <a:spLocks noGrp="1"/>
+          </p:cNvSpPr>
+          <p:nvPr>
+            <p:ph type="body" idx="1"/>
+          </p:nvPr>
+        </p:nvSpPr>
+        <p:spPr/>
+        <p:txBody>
+          <a:bodyPr/>
+          <a:lstStyle/>
+          <a:p>
+            <a:endParaRPr lang="fr-FR"/>
+          </a:p>
+        </p:txBody>
+      </p:sp>
+      <p:sp>
+        <p:nvSpPr>
+          <p:cNvPr id="4" name="Espace réservé du numéro de diapositive 3"/>
+          <p:cNvSpPr>
+            <a:spLocks noGrp="1"/>
+          </p:cNvSpPr>
+          <p:nvPr>
+            <p:ph type="sldNum" sz="quarter" idx="10"/>
+          </p:nvPr>
+        </p:nvSpPr>
+        <p:spPr/>
+        <p:txBody>
+          <a:bodyPr/>
+          <a:lstStyle/>
+          <a:p>
+            <a:fld id="{0145B376-959C-4F10-BF50-4FF0FAF5ADD9}" type="slidenum">
+              <a:rPr lang="fr-FR" smtClean="0"/>
+              <a:t>39</a:t>
+            </a:fld>
+            <a:endParaRPr lang="fr-FR"/>
+          </a:p>
+        </p:txBody>
+      </p:sp>
+    </p:spTree>
+    <p:extLst>
+      <p:ext uri="{BB962C8B-B14F-4D97-AF65-F5344CB8AC3E}">
+        <p14:creationId xmlns:p14="http://schemas.microsoft.com/office/powerpoint/2010/main" val="4287750957"/>
+      </p:ext>
+    </p:extLst>
+  </p:cSld>
+  <p:clrMapOvr>
+    <a:masterClrMapping/>
+  </p:clrMapOvr>
+</p:notes>
+</file>
+
 <file path=ppt/notesSlides/notesSlide2.xml><?xml version="1.0" encoding="utf-8"?>
 <p:notes xmlns:a="http://schemas.openxmlformats.org/drawingml/2006/main" xmlns:r="http://schemas.openxmlformats.org/officeDocument/2006/relationships" xmlns:p="http://schemas.openxmlformats.org/presentationml/2006/main">
   <p:cSld>
@@ -834,7 +919,7 @@
               <a:pPr>
                 <a:defRPr/>
               </a:pPr>
-              <a:t>22</a:t>
+              <a:t>10</a:t>
             </a:fld>
             <a:endParaRPr lang="fr-FR" dirty="0"/>
           </a:p>
@@ -843,7 +928,7 @@
     </p:spTree>
     <p:extLst>
       <p:ext uri="{BB962C8B-B14F-4D97-AF65-F5344CB8AC3E}">
-        <p14:creationId xmlns:p14="http://schemas.microsoft.com/office/powerpoint/2010/main" val="1844450632"/>
+        <p14:creationId xmlns:p14="http://schemas.microsoft.com/office/powerpoint/2010/main" val="1350729558"/>
       </p:ext>
     </p:extLst>
   </p:cSld>
@@ -897,7 +982,7 @@
           <a:bodyPr/>
           <a:lstStyle/>
           <a:p>
-            <a:endParaRPr lang="fr-FR" dirty="0"/>
+            <a:endParaRPr lang="fr-FR"/>
           </a:p>
         </p:txBody>
       </p:sp>
@@ -933,7 +1018,7 @@
     </p:spTree>
     <p:extLst>
       <p:ext uri="{BB962C8B-B14F-4D97-AF65-F5344CB8AC3E}">
-        <p14:creationId xmlns:p14="http://schemas.microsoft.com/office/powerpoint/2010/main" val="1450148354"/>
+        <p14:creationId xmlns:p14="http://schemas.microsoft.com/office/powerpoint/2010/main" val="1844450632"/>
       </p:ext>
     </p:extLst>
   </p:cSld>
@@ -987,7 +1072,7 @@
           <a:bodyPr/>
           <a:lstStyle/>
           <a:p>
-            <a:endParaRPr lang="fr-FR"/>
+            <a:endParaRPr lang="fr-FR" dirty="0"/>
           </a:p>
         </p:txBody>
       </p:sp>
@@ -1014,7 +1099,7 @@
               <a:pPr>
                 <a:defRPr/>
               </a:pPr>
-              <a:t>25</a:t>
+              <a:t>24</a:t>
             </a:fld>
             <a:endParaRPr lang="fr-FR" dirty="0"/>
           </a:p>
@@ -1023,7 +1108,7 @@
     </p:spTree>
     <p:extLst>
       <p:ext uri="{BB962C8B-B14F-4D97-AF65-F5344CB8AC3E}">
-        <p14:creationId xmlns:p14="http://schemas.microsoft.com/office/powerpoint/2010/main" val="2450761657"/>
+        <p14:creationId xmlns:p14="http://schemas.microsoft.com/office/powerpoint/2010/main" val="1450148354"/>
       </p:ext>
     </p:extLst>
   </p:cSld>
@@ -1096,10 +1181,15 @@
           <a:bodyPr/>
           <a:lstStyle/>
           <a:p>
-            <a:fld id="{0145B376-959C-4F10-BF50-4FF0FAF5ADD9}" type="slidenum">
+            <a:pPr>
+              <a:defRPr/>
+            </a:pPr>
+            <a:fld id="{446BB3F5-7F95-443B-9EA3-5D030DF8A9DE}" type="slidenum">
               <a:rPr lang="fr-FR" smtClean="0"/>
-              <a:pPr/>
-              <a:t>27</a:t>
+              <a:pPr>
+                <a:defRPr/>
+              </a:pPr>
+              <a:t>26</a:t>
             </a:fld>
             <a:endParaRPr lang="fr-FR" dirty="0"/>
           </a:p>
@@ -1108,7 +1198,7 @@
     </p:spTree>
     <p:extLst>
       <p:ext uri="{BB962C8B-B14F-4D97-AF65-F5344CB8AC3E}">
-        <p14:creationId xmlns:p14="http://schemas.microsoft.com/office/powerpoint/2010/main" val="482762015"/>
+        <p14:creationId xmlns:p14="http://schemas.microsoft.com/office/powerpoint/2010/main" val="2450761657"/>
       </p:ext>
     </p:extLst>
   </p:cSld>
@@ -1181,14 +1271,9 @@
           <a:bodyPr/>
           <a:lstStyle/>
           <a:p>
-            <a:pPr>
-              <a:defRPr/>
-            </a:pPr>
-            <a:fld id="{446BB3F5-7F95-443B-9EA3-5D030DF8A9DE}" type="slidenum">
+            <a:fld id="{0145B376-959C-4F10-BF50-4FF0FAF5ADD9}" type="slidenum">
               <a:rPr lang="fr-FR" smtClean="0"/>
-              <a:pPr>
-                <a:defRPr/>
-              </a:pPr>
+              <a:pPr/>
               <a:t>28</a:t>
             </a:fld>
             <a:endParaRPr lang="fr-FR" dirty="0"/>
@@ -1198,7 +1283,7 @@
     </p:spTree>
     <p:extLst>
       <p:ext uri="{BB962C8B-B14F-4D97-AF65-F5344CB8AC3E}">
-        <p14:creationId xmlns:p14="http://schemas.microsoft.com/office/powerpoint/2010/main" val="999282510"/>
+        <p14:creationId xmlns:p14="http://schemas.microsoft.com/office/powerpoint/2010/main" val="482762015"/>
       </p:ext>
     </p:extLst>
   </p:cSld>
@@ -1271,18 +1356,24 @@
           <a:bodyPr/>
           <a:lstStyle/>
           <a:p>
-            <a:fld id="{0145B376-959C-4F10-BF50-4FF0FAF5ADD9}" type="slidenum">
+            <a:pPr>
+              <a:defRPr/>
+            </a:pPr>
+            <a:fld id="{446BB3F5-7F95-443B-9EA3-5D030DF8A9DE}" type="slidenum">
               <a:rPr lang="fr-FR" smtClean="0"/>
-              <a:t>38</a:t>
+              <a:pPr>
+                <a:defRPr/>
+              </a:pPr>
+              <a:t>29</a:t>
             </a:fld>
-            <a:endParaRPr lang="fr-FR"/>
+            <a:endParaRPr lang="fr-FR" dirty="0"/>
           </a:p>
         </p:txBody>
       </p:sp>
     </p:spTree>
     <p:extLst>
       <p:ext uri="{BB962C8B-B14F-4D97-AF65-F5344CB8AC3E}">
-        <p14:creationId xmlns:p14="http://schemas.microsoft.com/office/powerpoint/2010/main" val="4287750957"/>
+        <p14:creationId xmlns:p14="http://schemas.microsoft.com/office/powerpoint/2010/main" val="999282510"/>
       </p:ext>
     </p:extLst>
   </p:cSld>
@@ -1441,9 +1532,9 @@
             </a:lvl1pPr>
           </a:lstStyle>
           <a:p>
-            <a:fld id="{07441356-AB75-4AD1-AEDB-4A23F0A55C48}" type="datetime1">
+            <a:fld id="{A9829778-E7C3-417A-857C-27B2273FD117}" type="datetime1">
               <a:rPr lang="fr-FR" smtClean="0"/>
-              <a:t>05/06/2023</a:t>
+              <a:t>24/11/2023</a:t>
             </a:fld>
             <a:endParaRPr lang="fr-FR" dirty="0"/>
           </a:p>
@@ -1466,7 +1557,7 @@
           <a:p>
             <a:r>
               <a:rPr lang="fr-FR" smtClean="0"/>
-              <a:t>F. Flamerie - Trucs et astuces de PubMed - màj : 2023-05-31</a:t>
+              <a:t>F. Flamerie - Trucs et astuces de PubMed - màj : 2023-11-24</a:t>
             </a:r>
             <a:endParaRPr lang="fr-FR"/>
           </a:p>
@@ -1627,9 +1718,9 @@
             </a:lvl1pPr>
           </a:lstStyle>
           <a:p>
-            <a:fld id="{8F9D2EB4-8C8F-41ED-8AD6-9F34BD808850}" type="datetime1">
+            <a:fld id="{AB6EB30C-7313-4381-919A-ACA2872EB926}" type="datetime1">
               <a:rPr lang="fr-FR" smtClean="0"/>
-              <a:t>05/06/2023</a:t>
+              <a:t>24/11/2023</a:t>
             </a:fld>
             <a:endParaRPr lang="fr-FR" dirty="0"/>
           </a:p>
@@ -1652,7 +1743,7 @@
           <a:p>
             <a:r>
               <a:rPr lang="fr-FR" smtClean="0"/>
-              <a:t>F. Flamerie - Trucs et astuces de PubMed - màj : 2023-05-31</a:t>
+              <a:t>F. Flamerie - Trucs et astuces de PubMed - màj : 2023-11-24</a:t>
             </a:r>
             <a:endParaRPr lang="fr-FR"/>
           </a:p>
@@ -1823,9 +1914,9 @@
             </a:lvl1pPr>
           </a:lstStyle>
           <a:p>
-            <a:fld id="{9B66B448-C2BF-4884-9478-47B7DA9722A9}" type="datetime1">
+            <a:fld id="{61672AAD-A608-4750-A2DC-871216D46A74}" type="datetime1">
               <a:rPr lang="fr-FR" smtClean="0"/>
-              <a:t>05/06/2023</a:t>
+              <a:t>24/11/2023</a:t>
             </a:fld>
             <a:endParaRPr lang="fr-FR" dirty="0"/>
           </a:p>
@@ -1848,7 +1939,7 @@
           <a:p>
             <a:r>
               <a:rPr lang="fr-FR" smtClean="0"/>
-              <a:t>F. Flamerie - Trucs et astuces de PubMed - màj : 2023-05-31</a:t>
+              <a:t>F. Flamerie - Trucs et astuces de PubMed - màj : 2023-11-24</a:t>
             </a:r>
             <a:endParaRPr lang="fr-FR"/>
           </a:p>
@@ -2047,9 +2138,9 @@
             </a:lvl1pPr>
           </a:lstStyle>
           <a:p>
-            <a:fld id="{E6D997E6-4DAA-4A47-ADEC-3D7957802209}" type="datetime1">
+            <a:fld id="{86204021-1966-4A94-8AB2-DE8DC4E43622}" type="datetime1">
               <a:rPr lang="fr-FR" smtClean="0"/>
-              <a:t>05/06/2023</a:t>
+              <a:t>24/11/2023</a:t>
             </a:fld>
             <a:endParaRPr lang="fr-FR" dirty="0"/>
           </a:p>
@@ -2078,7 +2169,7 @@
           <a:p>
             <a:r>
               <a:rPr lang="fr-FR" smtClean="0"/>
-              <a:t>F. Flamerie - Trucs et astuces de PubMed - màj : 2023-05-31</a:t>
+              <a:t>F. Flamerie - Trucs et astuces de PubMed - màj : 2023-11-24</a:t>
             </a:r>
             <a:endParaRPr lang="fr-FR" dirty="0"/>
           </a:p>
@@ -2330,9 +2421,9 @@
             </a:lvl1pPr>
           </a:lstStyle>
           <a:p>
-            <a:fld id="{5CE60C62-1DFE-4D95-9370-B4AF0FD6A9D0}" type="datetime1">
+            <a:fld id="{BEE9BA34-7538-43DE-B758-B5EA5EAFFDF7}" type="datetime1">
               <a:rPr lang="fr-FR" smtClean="0"/>
-              <a:t>05/06/2023</a:t>
+              <a:t>24/11/2023</a:t>
             </a:fld>
             <a:endParaRPr lang="fr-FR" dirty="0"/>
           </a:p>
@@ -2355,7 +2446,7 @@
           <a:p>
             <a:r>
               <a:rPr lang="fr-FR" smtClean="0"/>
-              <a:t>F. Flamerie - Trucs et astuces de PubMed - màj : 2023-05-31</a:t>
+              <a:t>F. Flamerie - Trucs et astuces de PubMed - màj : 2023-11-24</a:t>
             </a:r>
             <a:endParaRPr lang="fr-FR"/>
           </a:p>
@@ -2641,9 +2732,9 @@
             </a:lvl1pPr>
           </a:lstStyle>
           <a:p>
-            <a:fld id="{5579D2C6-E957-44CB-B5C3-1750F7DE22C0}" type="datetime1">
+            <a:fld id="{7E9BDAA9-293C-4A06-AB8B-A3D9E052AC10}" type="datetime1">
               <a:rPr lang="fr-FR" smtClean="0"/>
-              <a:t>05/06/2023</a:t>
+              <a:t>24/11/2023</a:t>
             </a:fld>
             <a:endParaRPr lang="fr-FR" dirty="0"/>
           </a:p>
@@ -2666,7 +2757,7 @@
           <a:p>
             <a:r>
               <a:rPr lang="fr-FR" smtClean="0"/>
-              <a:t>F. Flamerie - Trucs et astuces de PubMed - màj : 2023-05-31</a:t>
+              <a:t>F. Flamerie - Trucs et astuces de PubMed - màj : 2023-11-24</a:t>
             </a:r>
             <a:endParaRPr lang="fr-FR"/>
           </a:p>
@@ -3023,9 +3114,9 @@
             </a:lvl1pPr>
           </a:lstStyle>
           <a:p>
-            <a:fld id="{B4911394-A52B-4897-9EE8-4D4DACF48D81}" type="datetime1">
+            <a:fld id="{D5E93FA3-AA76-43D9-83B7-598FC3359178}" type="datetime1">
               <a:rPr lang="fr-FR" smtClean="0"/>
-              <a:t>05/06/2023</a:t>
+              <a:t>24/11/2023</a:t>
             </a:fld>
             <a:endParaRPr lang="fr-FR" dirty="0"/>
           </a:p>
@@ -3048,7 +3139,7 @@
           <a:p>
             <a:r>
               <a:rPr lang="fr-FR" smtClean="0"/>
-              <a:t>F. Flamerie - Trucs et astuces de PubMed - màj : 2023-05-31</a:t>
+              <a:t>F. Flamerie - Trucs et astuces de PubMed - màj : 2023-11-24</a:t>
             </a:r>
             <a:endParaRPr lang="fr-FR"/>
           </a:p>
@@ -3158,9 +3249,9 @@
             </a:lvl1pPr>
           </a:lstStyle>
           <a:p>
-            <a:fld id="{0B53C933-A5E9-4BC0-97DD-77A0B19EF229}" type="datetime1">
+            <a:fld id="{C05349C2-F1D6-40A5-9404-E58A26DAE8D7}" type="datetime1">
               <a:rPr lang="fr-FR" smtClean="0"/>
-              <a:t>05/06/2023</a:t>
+              <a:t>24/11/2023</a:t>
             </a:fld>
             <a:endParaRPr lang="fr-FR" dirty="0"/>
           </a:p>
@@ -3183,7 +3274,7 @@
           <a:p>
             <a:r>
               <a:rPr lang="fr-FR" smtClean="0"/>
-              <a:t>F. Flamerie - Trucs et astuces de PubMed - màj : 2023-05-31</a:t>
+              <a:t>F. Flamerie - Trucs et astuces de PubMed - màj : 2023-11-24</a:t>
             </a:r>
             <a:endParaRPr lang="fr-FR"/>
           </a:p>
@@ -3271,9 +3362,9 @@
             </a:lvl1pPr>
           </a:lstStyle>
           <a:p>
-            <a:fld id="{252D9B46-EDAF-4390-85BF-CA91E4E9119E}" type="datetime1">
+            <a:fld id="{538A2363-10F2-450F-835A-D674E9484DD7}" type="datetime1">
               <a:rPr lang="fr-FR" smtClean="0"/>
-              <a:t>05/06/2023</a:t>
+              <a:t>24/11/2023</a:t>
             </a:fld>
             <a:endParaRPr lang="fr-FR" dirty="0"/>
           </a:p>
@@ -3296,7 +3387,7 @@
           <a:p>
             <a:r>
               <a:rPr lang="fr-FR" smtClean="0"/>
-              <a:t>F. Flamerie - Trucs et astuces de PubMed - màj : 2023-05-31</a:t>
+              <a:t>F. Flamerie - Trucs et astuces de PubMed - màj : 2023-11-24</a:t>
             </a:r>
             <a:endParaRPr lang="fr-FR"/>
           </a:p>
@@ -3564,9 +3655,9 @@
             </a:lvl1pPr>
           </a:lstStyle>
           <a:p>
-            <a:fld id="{42DC87AE-0DCC-4D2C-BC93-328D5677E7E5}" type="datetime1">
+            <a:fld id="{6B8536B4-2B28-4845-9725-88DE572990BE}" type="datetime1">
               <a:rPr lang="fr-FR" smtClean="0"/>
-              <a:t>05/06/2023</a:t>
+              <a:t>24/11/2023</a:t>
             </a:fld>
             <a:endParaRPr lang="fr-FR" dirty="0"/>
           </a:p>
@@ -3589,7 +3680,7 @@
           <a:p>
             <a:r>
               <a:rPr lang="fr-FR" smtClean="0"/>
-              <a:t>F. Flamerie - Trucs et astuces de PubMed - màj : 2023-05-31</a:t>
+              <a:t>F. Flamerie - Trucs et astuces de PubMed - màj : 2023-11-24</a:t>
             </a:r>
             <a:endParaRPr lang="fr-FR"/>
           </a:p>
@@ -3834,9 +3925,9 @@
             </a:lvl1pPr>
           </a:lstStyle>
           <a:p>
-            <a:fld id="{E0D03253-DE48-4E1E-AA4E-7489AB3FAB1A}" type="datetime1">
+            <a:fld id="{311F20CF-3BB0-4559-80FC-8B691B2D2872}" type="datetime1">
               <a:rPr lang="fr-FR" smtClean="0"/>
-              <a:t>05/06/2023</a:t>
+              <a:t>24/11/2023</a:t>
             </a:fld>
             <a:endParaRPr lang="fr-FR" dirty="0"/>
           </a:p>
@@ -3859,7 +3950,7 @@
           <a:p>
             <a:r>
               <a:rPr lang="fr-FR" smtClean="0"/>
-              <a:t>F. Flamerie - Trucs et astuces de PubMed - màj : 2023-05-31</a:t>
+              <a:t>F. Flamerie - Trucs et astuces de PubMed - màj : 2023-11-24</a:t>
             </a:r>
             <a:endParaRPr lang="fr-FR"/>
           </a:p>
@@ -4052,7 +4143,7 @@
           <a:p>
             <a:r>
               <a:rPr lang="fr-FR" smtClean="0"/>
-              <a:t>F. Flamerie - Trucs et astuces de PubMed - màj : 2023-05-31</a:t>
+              <a:t>F. Flamerie - Trucs et astuces de PubMed - màj : 2023-11-24</a:t>
             </a:r>
             <a:endParaRPr lang="fr-FR" dirty="0"/>
           </a:p>
@@ -4460,34 +4551,6 @@
       </p:sp>
       <p:sp>
         <p:nvSpPr>
-          <p:cNvPr id="3" name="Sous-titre 2"/>
-          <p:cNvSpPr>
-            <a:spLocks noGrp="1"/>
-          </p:cNvSpPr>
-          <p:nvPr>
-            <p:ph type="subTitle" idx="1"/>
-          </p:nvPr>
-        </p:nvSpPr>
-        <p:spPr>
-          <a:xfrm>
-            <a:off x="560029" y="4369619"/>
-            <a:ext cx="9144000" cy="1655762"/>
-          </a:xfrm>
-        </p:spPr>
-        <p:txBody>
-          <a:bodyPr/>
-          <a:lstStyle/>
-          <a:p>
-            <a:pPr algn="l"/>
-            <a:r>
-              <a:rPr lang="fr-FR" dirty="0"/>
-              <a:t>Module 1.2 </a:t>
-            </a:r>
-          </a:p>
-        </p:txBody>
-      </p:sp>
-      <p:sp>
-        <p:nvSpPr>
           <p:cNvPr id="11" name="Rectangle 14"/>
           <p:cNvSpPr>
             <a:spLocks noChangeArrowheads="1"/>
@@ -4662,6 +4725,25 @@
           </a:p>
         </p:txBody>
       </p:sp>
+      <p:sp>
+        <p:nvSpPr>
+          <p:cNvPr id="4" name="Sous-titre 3"/>
+          <p:cNvSpPr>
+            <a:spLocks noGrp="1"/>
+          </p:cNvSpPr>
+          <p:nvPr>
+            <p:ph type="subTitle" idx="1"/>
+          </p:nvPr>
+        </p:nvSpPr>
+        <p:spPr/>
+        <p:txBody>
+          <a:bodyPr/>
+          <a:lstStyle/>
+          <a:p>
+            <a:endParaRPr lang="fr-FR"/>
+          </a:p>
+        </p:txBody>
+      </p:sp>
     </p:spTree>
     <p:extLst>
       <p:ext uri="{BB962C8B-B14F-4D97-AF65-F5344CB8AC3E}">
@@ -4676,6 +4758,714 @@
 </file>
 
 <file path=ppt/slides/slide10.xml><?xml version="1.0" encoding="utf-8"?>
+<p:sld xmlns:a="http://schemas.openxmlformats.org/drawingml/2006/main" xmlns:r="http://schemas.openxmlformats.org/officeDocument/2006/relationships" xmlns:p="http://schemas.openxmlformats.org/presentationml/2006/main">
+  <p:cSld>
+    <p:spTree>
+      <p:nvGrpSpPr>
+        <p:cNvPr id="1" name=""/>
+        <p:cNvGrpSpPr/>
+        <p:nvPr/>
+      </p:nvGrpSpPr>
+      <p:grpSpPr>
+        <a:xfrm>
+          <a:off x="0" y="0"/>
+          <a:ext cx="0" cy="0"/>
+          <a:chOff x="0" y="0"/>
+          <a:chExt cx="0" cy="0"/>
+        </a:xfrm>
+      </p:grpSpPr>
+      <p:pic>
+        <p:nvPicPr>
+          <p:cNvPr id="3" name="Image 2"/>
+          <p:cNvPicPr>
+            <a:picLocks noChangeAspect="1"/>
+          </p:cNvPicPr>
+          <p:nvPr/>
+        </p:nvPicPr>
+        <p:blipFill>
+          <a:blip r:embed="rId3">
+            <a:extLst>
+              <a:ext uri="{28A0092B-C50C-407E-A947-70E740481C1C}">
+                <a14:useLocalDpi xmlns:a14="http://schemas.microsoft.com/office/drawing/2010/main" val="0"/>
+              </a:ext>
+            </a:extLst>
+          </a:blip>
+          <a:stretch>
+            <a:fillRect/>
+          </a:stretch>
+        </p:blipFill>
+        <p:spPr>
+          <a:xfrm>
+            <a:off x="8716742" y="1636774"/>
+            <a:ext cx="2956816" cy="3162574"/>
+          </a:xfrm>
+          <a:prstGeom prst="rect">
+            <a:avLst/>
+          </a:prstGeom>
+          <a:ln>
+            <a:solidFill>
+              <a:srgbClr val="F27D38"/>
+            </a:solidFill>
+          </a:ln>
+        </p:spPr>
+      </p:pic>
+      <p:sp>
+        <p:nvSpPr>
+          <p:cNvPr id="32770" name="Rectangle 3"/>
+          <p:cNvSpPr>
+            <a:spLocks noGrp="1" noChangeArrowheads="1"/>
+          </p:cNvSpPr>
+          <p:nvPr>
+            <p:ph idx="1"/>
+          </p:nvPr>
+        </p:nvSpPr>
+        <p:spPr>
+          <a:xfrm>
+            <a:off x="595008" y="1328264"/>
+            <a:ext cx="7761914" cy="5210648"/>
+          </a:xfrm>
+          <a:noFill/>
+        </p:spPr>
+        <p:txBody>
+          <a:bodyPr>
+            <a:normAutofit/>
+          </a:bodyPr>
+          <a:lstStyle/>
+          <a:p>
+            <a:pPr marL="434975" indent="-434975" eaLnBrk="1" hangingPunct="1">
+              <a:lnSpc>
+                <a:spcPct val="100000"/>
+              </a:lnSpc>
+              <a:spcAft>
+                <a:spcPts val="600"/>
+              </a:spcAft>
+            </a:pPr>
+            <a:r>
+              <a:rPr lang="fr-FR" altLang="fr-FR" sz="2400" dirty="0"/>
+              <a:t>Les qualificatifs - </a:t>
+            </a:r>
+            <a:r>
+              <a:rPr lang="fr-FR" altLang="fr-FR" sz="2400" i="1" dirty="0" err="1"/>
+              <a:t>subheadings</a:t>
+            </a:r>
+            <a:r>
+              <a:rPr lang="fr-FR" altLang="fr-FR" sz="2400" dirty="0"/>
+              <a:t> - permettent de restreindre la recherche, en précisant l’aspect d’un sujet.</a:t>
+            </a:r>
+            <a:endParaRPr lang="fr-FR" altLang="fr-FR" sz="2400" b="1" dirty="0">
+              <a:solidFill>
+                <a:srgbClr val="0000CC"/>
+              </a:solidFill>
+            </a:endParaRPr>
+          </a:p>
+          <a:p>
+            <a:pPr marL="434975" indent="-434975" eaLnBrk="1" hangingPunct="1">
+              <a:lnSpc>
+                <a:spcPct val="100000"/>
+              </a:lnSpc>
+              <a:spcAft>
+                <a:spcPts val="600"/>
+              </a:spcAft>
+            </a:pPr>
+            <a:r>
+              <a:rPr lang="fr-FR" altLang="fr-FR" sz="2400" dirty="0"/>
+              <a:t>Ils sont comme les descripteurs organisés </a:t>
+            </a:r>
+            <a:r>
+              <a:rPr lang="fr-FR" altLang="fr-FR" sz="2400" dirty="0">
+                <a:solidFill>
+                  <a:srgbClr val="009DE0"/>
+                </a:solidFill>
+              </a:rPr>
+              <a:t>hiérarchiquement</a:t>
+            </a:r>
+            <a:r>
+              <a:rPr lang="fr-FR" altLang="fr-FR" sz="2400" dirty="0"/>
+              <a:t> : la recherche </a:t>
+            </a:r>
+            <a:r>
+              <a:rPr lang="fr-FR" altLang="fr-FR" sz="2400" dirty="0">
+                <a:solidFill>
+                  <a:srgbClr val="009DE0"/>
+                </a:solidFill>
+              </a:rPr>
+              <a:t>"</a:t>
+            </a:r>
+            <a:r>
+              <a:rPr lang="fr-FR" altLang="fr-FR" sz="2400" dirty="0" err="1">
+                <a:solidFill>
+                  <a:srgbClr val="009DE0"/>
+                </a:solidFill>
+              </a:rPr>
+              <a:t>Diabetes</a:t>
+            </a:r>
+            <a:r>
+              <a:rPr lang="fr-FR" altLang="fr-FR" sz="2400" dirty="0">
+                <a:solidFill>
+                  <a:srgbClr val="009DE0"/>
+                </a:solidFill>
+              </a:rPr>
+              <a:t> </a:t>
+            </a:r>
+            <a:r>
+              <a:rPr lang="fr-FR" altLang="fr-FR" sz="2400" dirty="0" err="1">
+                <a:solidFill>
+                  <a:srgbClr val="009DE0"/>
+                </a:solidFill>
+              </a:rPr>
+              <a:t>Mellitus</a:t>
+            </a:r>
+            <a:r>
+              <a:rPr lang="fr-FR" altLang="fr-FR" sz="2400" dirty="0">
+                <a:solidFill>
+                  <a:srgbClr val="009DE0"/>
+                </a:solidFill>
+              </a:rPr>
+              <a:t>/</a:t>
+            </a:r>
+            <a:r>
+              <a:rPr lang="fr-FR" altLang="fr-FR" sz="2400" dirty="0" err="1">
+                <a:solidFill>
+                  <a:srgbClr val="009DE0"/>
+                </a:solidFill>
+              </a:rPr>
+              <a:t>etiology</a:t>
+            </a:r>
+            <a:r>
+              <a:rPr lang="fr-FR" altLang="fr-FR" sz="2400" dirty="0">
+                <a:solidFill>
+                  <a:srgbClr val="009DE0"/>
+                </a:solidFill>
+              </a:rPr>
+              <a:t>"[</a:t>
+            </a:r>
+            <a:r>
+              <a:rPr lang="fr-FR" altLang="fr-FR" sz="2400" dirty="0" err="1">
+                <a:solidFill>
+                  <a:srgbClr val="009DE0"/>
+                </a:solidFill>
+              </a:rPr>
+              <a:t>Mesh</a:t>
+            </a:r>
+            <a:r>
+              <a:rPr lang="fr-FR" altLang="fr-FR" sz="2400" dirty="0">
+                <a:solidFill>
+                  <a:srgbClr val="009DE0"/>
+                </a:solidFill>
+              </a:rPr>
+              <a:t>]</a:t>
+            </a:r>
+            <a:r>
+              <a:rPr lang="fr-FR" altLang="fr-FR" sz="2400" dirty="0"/>
+              <a:t> retrouve </a:t>
+            </a:r>
+            <a:r>
+              <a:rPr lang="fr-FR" altLang="fr-FR" sz="2400" dirty="0"/>
+              <a:t>des articles indexés avec le terme </a:t>
+            </a:r>
+            <a:r>
+              <a:rPr lang="fr-FR" altLang="fr-FR" sz="2400" dirty="0" err="1"/>
+              <a:t>MeSH</a:t>
+            </a:r>
+            <a:r>
+              <a:rPr lang="fr-FR" altLang="fr-FR" sz="2400" dirty="0">
+                <a:solidFill>
+                  <a:srgbClr val="009DE0"/>
+                </a:solidFill>
+              </a:rPr>
+              <a:t> </a:t>
+            </a:r>
+            <a:r>
+              <a:rPr lang="fr-FR" altLang="fr-FR" sz="2400" dirty="0">
+                <a:solidFill>
+                  <a:srgbClr val="009DE0"/>
+                </a:solidFill>
+              </a:rPr>
+              <a:t>"</a:t>
+            </a:r>
+            <a:r>
+              <a:rPr lang="fr-FR" sz="2400" dirty="0" err="1">
+                <a:solidFill>
+                  <a:srgbClr val="009DE0"/>
+                </a:solidFill>
+              </a:rPr>
+              <a:t>Diabetes</a:t>
+            </a:r>
+            <a:r>
+              <a:rPr lang="fr-FR" sz="2400" dirty="0">
+                <a:solidFill>
+                  <a:srgbClr val="009DE0"/>
+                </a:solidFill>
+              </a:rPr>
+              <a:t> </a:t>
+            </a:r>
+            <a:r>
+              <a:rPr lang="fr-FR" sz="2400" dirty="0" err="1">
+                <a:solidFill>
+                  <a:srgbClr val="009DE0"/>
+                </a:solidFill>
+              </a:rPr>
+              <a:t>Mellitus</a:t>
+            </a:r>
+            <a:r>
+              <a:rPr lang="fr-FR" sz="2400" dirty="0">
+                <a:solidFill>
+                  <a:srgbClr val="009DE0"/>
+                </a:solidFill>
+              </a:rPr>
+              <a:t>, Type 1* / </a:t>
+            </a:r>
+            <a:r>
+              <a:rPr lang="fr-FR" sz="2400" dirty="0">
+                <a:solidFill>
+                  <a:srgbClr val="009DE0"/>
+                </a:solidFill>
+              </a:rPr>
+              <a:t>complications</a:t>
+            </a:r>
+            <a:r>
+              <a:rPr lang="fr-FR" altLang="fr-FR" sz="2400" dirty="0">
+                <a:solidFill>
+                  <a:srgbClr val="009DE0"/>
+                </a:solidFill>
+              </a:rPr>
+              <a:t>" </a:t>
+            </a:r>
+            <a:r>
+              <a:rPr lang="fr-FR" altLang="fr-FR" sz="2400" dirty="0"/>
+              <a:t>- exemple : </a:t>
+            </a:r>
+            <a:r>
+              <a:rPr lang="fr-FR" altLang="fr-FR" sz="2400" dirty="0">
+                <a:hlinkClick r:id="rId4"/>
+              </a:rPr>
+              <a:t>https://pubmed.ncbi.nlm.nih.gov/33592860</a:t>
+            </a:r>
+            <a:r>
+              <a:rPr lang="fr-FR" altLang="fr-FR" sz="2400" dirty="0">
+                <a:hlinkClick r:id="rId4"/>
+              </a:rPr>
+              <a:t>/</a:t>
+            </a:r>
+            <a:r>
+              <a:rPr lang="fr-FR" altLang="fr-FR" sz="2400" dirty="0"/>
+              <a:t> - car </a:t>
+            </a:r>
+            <a:r>
+              <a:rPr lang="fr-FR" altLang="fr-FR" sz="2400" dirty="0">
+                <a:solidFill>
+                  <a:srgbClr val="009DE0"/>
+                </a:solidFill>
+              </a:rPr>
+              <a:t>"complications"</a:t>
+            </a:r>
+            <a:r>
+              <a:rPr lang="fr-FR" altLang="fr-FR" sz="2400" dirty="0"/>
+              <a:t> est spécifique à </a:t>
+            </a:r>
+            <a:r>
+              <a:rPr lang="fr-FR" altLang="fr-FR" sz="2400" dirty="0">
+                <a:solidFill>
+                  <a:srgbClr val="009DE0"/>
+                </a:solidFill>
+              </a:rPr>
+              <a:t>"</a:t>
+            </a:r>
+            <a:r>
+              <a:rPr lang="fr-FR" altLang="fr-FR" sz="2400" dirty="0" err="1">
+                <a:solidFill>
+                  <a:srgbClr val="009DE0"/>
+                </a:solidFill>
+              </a:rPr>
+              <a:t>etiology</a:t>
+            </a:r>
+            <a:r>
+              <a:rPr lang="fr-FR" altLang="fr-FR" sz="2400" dirty="0">
+                <a:solidFill>
+                  <a:srgbClr val="009DE0"/>
+                </a:solidFill>
+              </a:rPr>
+              <a:t>" </a:t>
+            </a:r>
+            <a:endParaRPr lang="fr-FR" altLang="fr-FR" sz="2400" dirty="0"/>
+          </a:p>
+          <a:p>
+            <a:pPr marL="434975" lvl="1" indent="-434975">
+              <a:lnSpc>
+                <a:spcPct val="100000"/>
+              </a:lnSpc>
+              <a:spcAft>
+                <a:spcPts val="600"/>
+              </a:spcAft>
+              <a:buFont typeface="Calibri" panose="020F0502020204030204" pitchFamily="34" charset="0"/>
+              <a:buChar char="→"/>
+            </a:pPr>
+            <a:r>
+              <a:rPr lang="fr-FR" altLang="fr-FR" dirty="0"/>
+              <a:t>L’explosion ne peut pas être désactivée pour les qualificatifs lorsqu’ils sont appliqués à un descripteur, aussi faut-il veiller à les choisir </a:t>
+            </a:r>
+            <a:r>
+              <a:rPr lang="fr-FR" altLang="fr-FR" dirty="0" smtClean="0"/>
+              <a:t>au </a:t>
+            </a:r>
+            <a:r>
+              <a:rPr lang="fr-FR" altLang="fr-FR" dirty="0"/>
+              <a:t>niveau de précision </a:t>
+            </a:r>
+            <a:r>
+              <a:rPr lang="fr-FR" altLang="fr-FR" dirty="0" smtClean="0"/>
+              <a:t>adéquat.</a:t>
+            </a:r>
+            <a:endParaRPr lang="fr-FR" altLang="fr-FR" dirty="0"/>
+          </a:p>
+        </p:txBody>
+      </p:sp>
+      <p:sp>
+        <p:nvSpPr>
+          <p:cNvPr id="2" name="Espace réservé du pied de page 1"/>
+          <p:cNvSpPr>
+            <a:spLocks noGrp="1"/>
+          </p:cNvSpPr>
+          <p:nvPr>
+            <p:ph type="ftr" sz="quarter" idx="11"/>
+          </p:nvPr>
+        </p:nvSpPr>
+        <p:spPr/>
+        <p:txBody>
+          <a:bodyPr/>
+          <a:lstStyle/>
+          <a:p>
+            <a:pPr>
+              <a:defRPr/>
+            </a:pPr>
+            <a:r>
+              <a:rPr lang="fr-FR" smtClean="0"/>
+              <a:t>F. Flamerie - Trucs et astuces de PubMed - màj : 2023-11-24</a:t>
+            </a:r>
+            <a:endParaRPr lang="fr-FR" dirty="0"/>
+          </a:p>
+        </p:txBody>
+      </p:sp>
+      <p:sp>
+        <p:nvSpPr>
+          <p:cNvPr id="32773" name="Rectangle 3"/>
+          <p:cNvSpPr txBox="1">
+            <a:spLocks noChangeArrowheads="1"/>
+          </p:cNvSpPr>
+          <p:nvPr/>
+        </p:nvSpPr>
+        <p:spPr bwMode="auto">
+          <a:xfrm>
+            <a:off x="0" y="282102"/>
+            <a:ext cx="10668000" cy="863600"/>
+          </a:xfrm>
+          <a:prstGeom prst="rect">
+            <a:avLst/>
+          </a:prstGeom>
+          <a:noFill/>
+          <a:ln>
+            <a:noFill/>
+          </a:ln>
+          <a:extLst>
+            <a:ext uri="{909E8E84-426E-40DD-AFC4-6F175D3DCCD1}">
+              <a14:hiddenFill xmlns:a14="http://schemas.microsoft.com/office/drawing/2010/main">
+                <a:solidFill>
+                  <a:srgbClr val="FFFFFF"/>
+                </a:solidFill>
+              </a14:hiddenFill>
+            </a:ext>
+            <a:ext uri="{91240B29-F687-4F45-9708-019B960494DF}">
+              <a14:hiddenLine xmlns:a14="http://schemas.microsoft.com/office/drawing/2010/main" w="9525">
+                <a:solidFill>
+                  <a:srgbClr val="000000"/>
+                </a:solidFill>
+                <a:miter lim="800000"/>
+                <a:headEnd/>
+                <a:tailEnd/>
+              </a14:hiddenLine>
+            </a:ext>
+          </a:extLst>
+        </p:spPr>
+        <p:txBody>
+          <a:bodyPr/>
+          <a:lstStyle>
+            <a:lvl1pPr defTabSz="993775" eaLnBrk="0" hangingPunct="0">
+              <a:spcBef>
+                <a:spcPct val="20000"/>
+              </a:spcBef>
+              <a:buChar char="•"/>
+              <a:defRPr sz="3200">
+                <a:solidFill>
+                  <a:schemeClr val="accent2"/>
+                </a:solidFill>
+                <a:latin typeface="Calibri" panose="020F0502020204030204" pitchFamily="34" charset="0"/>
+              </a:defRPr>
+            </a:lvl1pPr>
+            <a:lvl2pPr marL="742950" indent="-285750" defTabSz="993775" eaLnBrk="0" hangingPunct="0">
+              <a:spcBef>
+                <a:spcPct val="20000"/>
+              </a:spcBef>
+              <a:buChar char="–"/>
+              <a:defRPr sz="2800">
+                <a:solidFill>
+                  <a:schemeClr val="accent2"/>
+                </a:solidFill>
+                <a:latin typeface="Calibri" panose="020F0502020204030204" pitchFamily="34" charset="0"/>
+              </a:defRPr>
+            </a:lvl2pPr>
+            <a:lvl3pPr marL="1143000" indent="-228600" defTabSz="993775" eaLnBrk="0" hangingPunct="0">
+              <a:spcBef>
+                <a:spcPct val="20000"/>
+              </a:spcBef>
+              <a:buChar char="•"/>
+              <a:defRPr sz="2400">
+                <a:solidFill>
+                  <a:schemeClr val="accent2"/>
+                </a:solidFill>
+                <a:latin typeface="Calibri" panose="020F0502020204030204" pitchFamily="34" charset="0"/>
+              </a:defRPr>
+            </a:lvl3pPr>
+            <a:lvl4pPr marL="1600200" indent="-228600" defTabSz="993775" eaLnBrk="0" hangingPunct="0">
+              <a:spcBef>
+                <a:spcPct val="20000"/>
+              </a:spcBef>
+              <a:buChar char="–"/>
+              <a:defRPr sz="2000">
+                <a:solidFill>
+                  <a:schemeClr val="accent2"/>
+                </a:solidFill>
+                <a:latin typeface="Calibri" panose="020F0502020204030204" pitchFamily="34" charset="0"/>
+              </a:defRPr>
+            </a:lvl4pPr>
+            <a:lvl5pPr marL="2057400" indent="-228600" defTabSz="993775" eaLnBrk="0" hangingPunct="0">
+              <a:spcBef>
+                <a:spcPct val="20000"/>
+              </a:spcBef>
+              <a:buChar char="»"/>
+              <a:defRPr sz="2000">
+                <a:solidFill>
+                  <a:schemeClr val="accent2"/>
+                </a:solidFill>
+                <a:latin typeface="Calibri" panose="020F0502020204030204" pitchFamily="34" charset="0"/>
+              </a:defRPr>
+            </a:lvl5pPr>
+            <a:lvl6pPr marL="2514600" indent="-228600" defTabSz="993775" eaLnBrk="0" fontAlgn="base" hangingPunct="0">
+              <a:spcBef>
+                <a:spcPct val="20000"/>
+              </a:spcBef>
+              <a:spcAft>
+                <a:spcPct val="0"/>
+              </a:spcAft>
+              <a:buChar char="»"/>
+              <a:defRPr sz="2000">
+                <a:solidFill>
+                  <a:schemeClr val="accent2"/>
+                </a:solidFill>
+                <a:latin typeface="Calibri" panose="020F0502020204030204" pitchFamily="34" charset="0"/>
+              </a:defRPr>
+            </a:lvl6pPr>
+            <a:lvl7pPr marL="2971800" indent="-228600" defTabSz="993775" eaLnBrk="0" fontAlgn="base" hangingPunct="0">
+              <a:spcBef>
+                <a:spcPct val="20000"/>
+              </a:spcBef>
+              <a:spcAft>
+                <a:spcPct val="0"/>
+              </a:spcAft>
+              <a:buChar char="»"/>
+              <a:defRPr sz="2000">
+                <a:solidFill>
+                  <a:schemeClr val="accent2"/>
+                </a:solidFill>
+                <a:latin typeface="Calibri" panose="020F0502020204030204" pitchFamily="34" charset="0"/>
+              </a:defRPr>
+            </a:lvl7pPr>
+            <a:lvl8pPr marL="3429000" indent="-228600" defTabSz="993775" eaLnBrk="0" fontAlgn="base" hangingPunct="0">
+              <a:spcBef>
+                <a:spcPct val="20000"/>
+              </a:spcBef>
+              <a:spcAft>
+                <a:spcPct val="0"/>
+              </a:spcAft>
+              <a:buChar char="»"/>
+              <a:defRPr sz="2000">
+                <a:solidFill>
+                  <a:schemeClr val="accent2"/>
+                </a:solidFill>
+                <a:latin typeface="Calibri" panose="020F0502020204030204" pitchFamily="34" charset="0"/>
+              </a:defRPr>
+            </a:lvl8pPr>
+            <a:lvl9pPr marL="3886200" indent="-228600" defTabSz="993775" eaLnBrk="0" fontAlgn="base" hangingPunct="0">
+              <a:spcBef>
+                <a:spcPct val="20000"/>
+              </a:spcBef>
+              <a:spcAft>
+                <a:spcPct val="0"/>
+              </a:spcAft>
+              <a:buChar char="»"/>
+              <a:defRPr sz="2000">
+                <a:solidFill>
+                  <a:schemeClr val="accent2"/>
+                </a:solidFill>
+                <a:latin typeface="Calibri" panose="020F0502020204030204" pitchFamily="34" charset="0"/>
+              </a:defRPr>
+            </a:lvl9pPr>
+          </a:lstStyle>
+          <a:p>
+            <a:pPr algn="ctr" eaLnBrk="1" hangingPunct="1">
+              <a:spcBef>
+                <a:spcPct val="0"/>
+              </a:spcBef>
+              <a:buFontTx/>
+              <a:buNone/>
+            </a:pPr>
+            <a:r>
+              <a:rPr lang="fr-FR" altLang="fr-FR" sz="4000" dirty="0">
+                <a:solidFill>
+                  <a:schemeClr val="tx1"/>
+                </a:solidFill>
+                <a:latin typeface="Tahoma" panose="020B0604030504040204" pitchFamily="34" charset="0"/>
+                <a:ea typeface="Tahoma" panose="020B0604030504040204" pitchFamily="34" charset="0"/>
+                <a:cs typeface="Tahoma" panose="020B0604030504040204" pitchFamily="34" charset="0"/>
+              </a:rPr>
+              <a:t>Détails </a:t>
+            </a:r>
+            <a:r>
+              <a:rPr lang="fr-FR" altLang="fr-FR" sz="4000" dirty="0">
+                <a:solidFill>
+                  <a:schemeClr val="tx1"/>
+                </a:solidFill>
+                <a:latin typeface="Tahoma" panose="020B0604030504040204" pitchFamily="34" charset="0"/>
+                <a:ea typeface="Tahoma" panose="020B0604030504040204" pitchFamily="34" charset="0"/>
+                <a:cs typeface="Tahoma" panose="020B0604030504040204" pitchFamily="34" charset="0"/>
+              </a:rPr>
+              <a:t>d’un terme </a:t>
+            </a:r>
+            <a:r>
+              <a:rPr lang="fr-FR" altLang="fr-FR" sz="4000" dirty="0" err="1">
+                <a:solidFill>
+                  <a:schemeClr val="tx1"/>
+                </a:solidFill>
+                <a:latin typeface="Tahoma" panose="020B0604030504040204" pitchFamily="34" charset="0"/>
+                <a:ea typeface="Tahoma" panose="020B0604030504040204" pitchFamily="34" charset="0"/>
+                <a:cs typeface="Tahoma" panose="020B0604030504040204" pitchFamily="34" charset="0"/>
+              </a:rPr>
+              <a:t>MeSH</a:t>
+            </a:r>
+            <a:r>
+              <a:rPr lang="fr-FR" altLang="fr-FR" sz="4000" dirty="0">
+                <a:solidFill>
+                  <a:schemeClr val="tx1"/>
+                </a:solidFill>
+                <a:latin typeface="Tahoma" panose="020B0604030504040204" pitchFamily="34" charset="0"/>
+                <a:ea typeface="Tahoma" panose="020B0604030504040204" pitchFamily="34" charset="0"/>
+                <a:cs typeface="Tahoma" panose="020B0604030504040204" pitchFamily="34" charset="0"/>
+              </a:rPr>
+              <a:t> : les qualificatifs</a:t>
+            </a:r>
+          </a:p>
+        </p:txBody>
+      </p:sp>
+      <p:sp>
+        <p:nvSpPr>
+          <p:cNvPr id="5" name="ZoneTexte 4"/>
+          <p:cNvSpPr txBox="1"/>
+          <p:nvPr/>
+        </p:nvSpPr>
+        <p:spPr>
+          <a:xfrm>
+            <a:off x="8716742" y="4931517"/>
+            <a:ext cx="2956816" cy="646331"/>
+          </a:xfrm>
+          <a:prstGeom prst="rect">
+            <a:avLst/>
+          </a:prstGeom>
+          <a:noFill/>
+        </p:spPr>
+        <p:txBody>
+          <a:bodyPr wrap="square" rtlCol="0">
+            <a:spAutoFit/>
+          </a:bodyPr>
+          <a:lstStyle/>
+          <a:p>
+            <a:r>
+              <a:rPr lang="fr-FR" dirty="0" smtClean="0">
+                <a:latin typeface="Corbel" panose="020B0503020204020204" pitchFamily="34" charset="0"/>
+                <a:hlinkClick r:id="rId5"/>
+              </a:rPr>
+              <a:t>Fiche du qualificatif </a:t>
+            </a:r>
+            <a:r>
+              <a:rPr lang="fr-FR" dirty="0" err="1" smtClean="0">
+                <a:latin typeface="Corbel" panose="020B0503020204020204" pitchFamily="34" charset="0"/>
+                <a:hlinkClick r:id="rId5"/>
+              </a:rPr>
+              <a:t>etiology</a:t>
+            </a:r>
+            <a:r>
+              <a:rPr lang="fr-FR" dirty="0" smtClean="0">
+                <a:latin typeface="Corbel" panose="020B0503020204020204" pitchFamily="34" charset="0"/>
+                <a:hlinkClick r:id="rId5"/>
+              </a:rPr>
+              <a:t> dans le </a:t>
+            </a:r>
+            <a:r>
+              <a:rPr lang="fr-FR" dirty="0" err="1" smtClean="0">
+                <a:latin typeface="Corbel" panose="020B0503020204020204" pitchFamily="34" charset="0"/>
+                <a:hlinkClick r:id="rId5"/>
+              </a:rPr>
+              <a:t>MeSH</a:t>
+            </a:r>
+            <a:endParaRPr lang="fr-FR" dirty="0">
+              <a:latin typeface="Corbel" panose="020B0503020204020204" pitchFamily="34" charset="0"/>
+            </a:endParaRPr>
+          </a:p>
+        </p:txBody>
+      </p:sp>
+      <p:sp>
+        <p:nvSpPr>
+          <p:cNvPr id="6" name="Espace réservé du numéro de diapositive 5"/>
+          <p:cNvSpPr>
+            <a:spLocks noGrp="1"/>
+          </p:cNvSpPr>
+          <p:nvPr>
+            <p:ph type="sldNum" sz="quarter" idx="12"/>
+          </p:nvPr>
+        </p:nvSpPr>
+        <p:spPr/>
+        <p:txBody>
+          <a:bodyPr/>
+          <a:lstStyle/>
+          <a:p>
+            <a:fld id="{99E13252-68E5-4994-B57B-B03F39B52C7D}" type="slidenum">
+              <a:rPr lang="fr-FR" smtClean="0"/>
+              <a:pPr/>
+              <a:t>10</a:t>
+            </a:fld>
+            <a:endParaRPr lang="fr-FR" dirty="0"/>
+          </a:p>
+        </p:txBody>
+      </p:sp>
+    </p:spTree>
+    <p:extLst>
+      <p:ext uri="{BB962C8B-B14F-4D97-AF65-F5344CB8AC3E}">
+        <p14:creationId xmlns:p14="http://schemas.microsoft.com/office/powerpoint/2010/main" val="1615692675"/>
+      </p:ext>
+    </p:extLst>
+  </p:cSld>
+  <p:clrMapOvr>
+    <a:masterClrMapping/>
+  </p:clrMapOvr>
+  <p:timing>
+    <p:tnLst>
+      <p:par>
+        <p:cTn id="1" dur="indefinite" restart="never" nodeType="tmRoot"/>
+      </p:par>
+    </p:tnLst>
+  </p:timing>
+</p:sld>
+</file>
+
+<file path=ppt/slides/slide11.xml><?xml version="1.0" encoding="utf-8"?>
 <p:sld xmlns:a="http://schemas.openxmlformats.org/drawingml/2006/main" xmlns:r="http://schemas.openxmlformats.org/officeDocument/2006/relationships" xmlns:p="http://schemas.openxmlformats.org/presentationml/2006/main">
   <p:cSld>
     <p:spTree>
@@ -4888,7 +5678,7 @@
           <a:p>
             <a:r>
               <a:rPr lang="fr-FR" smtClean="0"/>
-              <a:t>F. Flamerie - Trucs et astuces de PubMed - màj : 2023-05-31</a:t>
+              <a:t>F. Flamerie - Trucs et astuces de PubMed - màj : 2023-11-24</a:t>
             </a:r>
             <a:endParaRPr lang="fr-FR" dirty="0"/>
           </a:p>
@@ -4912,7 +5702,7 @@
             <a:fld id="{99E13252-68E5-4994-B57B-B03F39B52C7D}" type="slidenum">
               <a:rPr lang="fr-FR" smtClean="0"/>
               <a:pPr/>
-              <a:t>10</a:t>
+              <a:t>11</a:t>
             </a:fld>
             <a:endParaRPr lang="fr-FR" dirty="0"/>
           </a:p>
@@ -4922,254 +5712,6 @@
     <p:extLst>
       <p:ext uri="{BB962C8B-B14F-4D97-AF65-F5344CB8AC3E}">
         <p14:creationId xmlns:p14="http://schemas.microsoft.com/office/powerpoint/2010/main" val="3303390876"/>
-      </p:ext>
-    </p:extLst>
-  </p:cSld>
-  <p:clrMapOvr>
-    <a:masterClrMapping/>
-  </p:clrMapOvr>
-</p:sld>
-</file>
-
-<file path=ppt/slides/slide11.xml><?xml version="1.0" encoding="utf-8"?>
-<p:sld xmlns:a="http://schemas.openxmlformats.org/drawingml/2006/main" xmlns:r="http://schemas.openxmlformats.org/officeDocument/2006/relationships" xmlns:p="http://schemas.openxmlformats.org/presentationml/2006/main">
-  <p:cSld>
-    <p:spTree>
-      <p:nvGrpSpPr>
-        <p:cNvPr id="1" name=""/>
-        <p:cNvGrpSpPr/>
-        <p:nvPr/>
-      </p:nvGrpSpPr>
-      <p:grpSpPr>
-        <a:xfrm>
-          <a:off x="0" y="0"/>
-          <a:ext cx="0" cy="0"/>
-          <a:chOff x="0" y="0"/>
-          <a:chExt cx="0" cy="0"/>
-        </a:xfrm>
-      </p:grpSpPr>
-      <p:sp>
-        <p:nvSpPr>
-          <p:cNvPr id="2" name="Titre 1"/>
-          <p:cNvSpPr>
-            <a:spLocks noGrp="1"/>
-          </p:cNvSpPr>
-          <p:nvPr>
-            <p:ph type="title"/>
-          </p:nvPr>
-        </p:nvSpPr>
-        <p:spPr>
-          <a:xfrm>
-            <a:off x="838200" y="0"/>
-            <a:ext cx="10515600" cy="1325563"/>
-          </a:xfrm>
-        </p:spPr>
-        <p:txBody>
-          <a:bodyPr/>
-          <a:lstStyle/>
-          <a:p>
-            <a:r>
-              <a:rPr lang="fr-FR" dirty="0"/>
-              <a:t>Pertinence du recours au </a:t>
-            </a:r>
-            <a:r>
-              <a:rPr lang="fr-FR" dirty="0" err="1"/>
-              <a:t>MeSH</a:t>
-            </a:r>
-            <a:r>
-              <a:rPr lang="fr-FR" dirty="0"/>
-              <a:t>?</a:t>
-            </a:r>
-          </a:p>
-        </p:txBody>
-      </p:sp>
-      <p:sp>
-        <p:nvSpPr>
-          <p:cNvPr id="3" name="Espace réservé du contenu 2"/>
-          <p:cNvSpPr>
-            <a:spLocks noGrp="1"/>
-          </p:cNvSpPr>
-          <p:nvPr>
-            <p:ph idx="1"/>
-          </p:nvPr>
-        </p:nvSpPr>
-        <p:spPr>
-          <a:xfrm>
-            <a:off x="838200" y="1325563"/>
-            <a:ext cx="10515600" cy="4351338"/>
-          </a:xfrm>
-        </p:spPr>
-        <p:txBody>
-          <a:bodyPr>
-            <a:noAutofit/>
-          </a:bodyPr>
-          <a:lstStyle/>
-          <a:p>
-            <a:pPr marL="0" indent="0">
-              <a:buNone/>
-            </a:pPr>
-            <a:r>
-              <a:rPr lang="fr-FR" sz="3200" dirty="0"/>
-              <a:t>Exemple avec les 2 termes suivants : pour chacun des termes, indiquez s’il vous semble pertinent de l’utiliser.</a:t>
-            </a:r>
-          </a:p>
-          <a:p>
-            <a:r>
-              <a:rPr lang="fr-FR" sz="3200" dirty="0"/>
-              <a:t> Pour une recherche sur les indicateurs de santé prédictifs de l'absentéisme au travail  </a:t>
-            </a:r>
-          </a:p>
-          <a:p>
-            <a:pPr lvl="1"/>
-            <a:r>
-              <a:rPr lang="fr-FR" sz="3200" dirty="0">
-                <a:solidFill>
-                  <a:srgbClr val="009DE0"/>
-                </a:solidFill>
-              </a:rPr>
-              <a:t>absentéisme professionnel -&gt; </a:t>
-            </a:r>
-            <a:r>
-              <a:rPr lang="fr-FR" sz="3200" dirty="0" err="1">
-                <a:solidFill>
-                  <a:srgbClr val="009DE0"/>
-                </a:solidFill>
-              </a:rPr>
-              <a:t>absenteeism</a:t>
-            </a:r>
-            <a:r>
-              <a:rPr lang="fr-FR" sz="3200" dirty="0">
-                <a:solidFill>
-                  <a:srgbClr val="009DE0"/>
-                </a:solidFill>
-              </a:rPr>
-              <a:t> </a:t>
-            </a:r>
-            <a:r>
-              <a:rPr lang="fr-FR" sz="3200" dirty="0"/>
-              <a:t>- </a:t>
-            </a:r>
-            <a:r>
-              <a:rPr lang="fr-FR" sz="3200" dirty="0">
-                <a:hlinkClick r:id="rId2"/>
-              </a:rPr>
-              <a:t>lien fiche </a:t>
-            </a:r>
-            <a:r>
-              <a:rPr lang="fr-FR" sz="3200" dirty="0" err="1">
-                <a:hlinkClick r:id="rId2"/>
-              </a:rPr>
-              <a:t>MeSH</a:t>
-            </a:r>
-            <a:endParaRPr lang="fr-FR" sz="3200" dirty="0"/>
-          </a:p>
-          <a:p>
-            <a:r>
-              <a:rPr lang="fr-FR" sz="3200" dirty="0"/>
-              <a:t> Pour une recherche sur l’impact de l’activité physique sur la qualité de vie des personnes âgées</a:t>
-            </a:r>
-          </a:p>
-          <a:p>
-            <a:pPr lvl="1"/>
-            <a:r>
-              <a:rPr lang="fr-FR" sz="3200" dirty="0">
-                <a:solidFill>
-                  <a:srgbClr val="009DE0"/>
-                </a:solidFill>
-              </a:rPr>
-              <a:t>activité physique -&gt; </a:t>
-            </a:r>
-            <a:r>
-              <a:rPr lang="fr-FR" sz="3200" dirty="0" err="1">
-                <a:solidFill>
-                  <a:srgbClr val="009DE0"/>
-                </a:solidFill>
-              </a:rPr>
-              <a:t>exercise</a:t>
-            </a:r>
-            <a:r>
-              <a:rPr lang="fr-FR" sz="3200" dirty="0">
-                <a:solidFill>
-                  <a:srgbClr val="009DE0"/>
-                </a:solidFill>
-              </a:rPr>
-              <a:t> </a:t>
-            </a:r>
-            <a:r>
-              <a:rPr lang="fr-FR" sz="3200" dirty="0"/>
-              <a:t>- </a:t>
-            </a:r>
-            <a:r>
-              <a:rPr lang="fr-FR" sz="3200" dirty="0">
-                <a:hlinkClick r:id="rId3"/>
-              </a:rPr>
-              <a:t>lien fiche </a:t>
-            </a:r>
-            <a:r>
-              <a:rPr lang="fr-FR" sz="3200" dirty="0" err="1">
-                <a:hlinkClick r:id="rId3"/>
-              </a:rPr>
-              <a:t>MeSH</a:t>
-            </a:r>
-            <a:endParaRPr lang="fr-FR" sz="3200" dirty="0"/>
-          </a:p>
-          <a:p>
-            <a:pPr lvl="1"/>
-            <a:endParaRPr lang="fr-FR" sz="3200" dirty="0"/>
-          </a:p>
-        </p:txBody>
-      </p:sp>
-      <p:sp>
-        <p:nvSpPr>
-          <p:cNvPr id="4" name="Espace réservé du pied de page 3"/>
-          <p:cNvSpPr>
-            <a:spLocks noGrp="1"/>
-          </p:cNvSpPr>
-          <p:nvPr>
-            <p:ph type="ftr" sz="quarter" idx="11"/>
-          </p:nvPr>
-        </p:nvSpPr>
-        <p:spPr/>
-        <p:txBody>
-          <a:bodyPr/>
-          <a:lstStyle/>
-          <a:p>
-            <a:r>
-              <a:rPr lang="fr-FR" smtClean="0"/>
-              <a:t>F. Flamerie - Trucs et astuces de PubMed - màj : 2023-05-31</a:t>
-            </a:r>
-            <a:endParaRPr lang="fr-FR" dirty="0"/>
-          </a:p>
-        </p:txBody>
-      </p:sp>
-      <p:sp>
-        <p:nvSpPr>
-          <p:cNvPr id="5" name="Espace réservé du numéro de diapositive 4"/>
-          <p:cNvSpPr>
-            <a:spLocks noGrp="1"/>
-          </p:cNvSpPr>
-          <p:nvPr>
-            <p:ph type="sldNum" sz="quarter" idx="12"/>
-          </p:nvPr>
-        </p:nvSpPr>
-        <p:spPr/>
-        <p:txBody>
-          <a:bodyPr/>
-          <a:lstStyle/>
-          <a:p>
-            <a:fld id="{99E13252-68E5-4994-B57B-B03F39B52C7D}" type="slidenum">
-              <a:rPr lang="fr-FR" smtClean="0"/>
-              <a:pPr/>
-              <a:t>11</a:t>
-            </a:fld>
-            <a:endParaRPr lang="fr-FR" dirty="0"/>
-          </a:p>
-        </p:txBody>
-      </p:sp>
-    </p:spTree>
-    <p:extLst>
-      <p:ext uri="{BB962C8B-B14F-4D97-AF65-F5344CB8AC3E}">
-        <p14:creationId xmlns:p14="http://schemas.microsoft.com/office/powerpoint/2010/main" val="2941982749"/>
       </p:ext>
     </p:extLst>
   </p:cSld>
@@ -5208,6 +5750,254 @@
         </p:nvSpPr>
         <p:spPr>
           <a:xfrm>
+            <a:off x="838200" y="0"/>
+            <a:ext cx="10515600" cy="1325563"/>
+          </a:xfrm>
+        </p:spPr>
+        <p:txBody>
+          <a:bodyPr/>
+          <a:lstStyle/>
+          <a:p>
+            <a:r>
+              <a:rPr lang="fr-FR" dirty="0"/>
+              <a:t>Pertinence du recours au </a:t>
+            </a:r>
+            <a:r>
+              <a:rPr lang="fr-FR" dirty="0" err="1"/>
+              <a:t>MeSH</a:t>
+            </a:r>
+            <a:r>
+              <a:rPr lang="fr-FR" dirty="0"/>
+              <a:t>?</a:t>
+            </a:r>
+          </a:p>
+        </p:txBody>
+      </p:sp>
+      <p:sp>
+        <p:nvSpPr>
+          <p:cNvPr id="3" name="Espace réservé du contenu 2"/>
+          <p:cNvSpPr>
+            <a:spLocks noGrp="1"/>
+          </p:cNvSpPr>
+          <p:nvPr>
+            <p:ph idx="1"/>
+          </p:nvPr>
+        </p:nvSpPr>
+        <p:spPr>
+          <a:xfrm>
+            <a:off x="838200" y="1325563"/>
+            <a:ext cx="10515600" cy="4351338"/>
+          </a:xfrm>
+        </p:spPr>
+        <p:txBody>
+          <a:bodyPr>
+            <a:noAutofit/>
+          </a:bodyPr>
+          <a:lstStyle/>
+          <a:p>
+            <a:pPr marL="0" indent="0">
+              <a:buNone/>
+            </a:pPr>
+            <a:r>
+              <a:rPr lang="fr-FR" sz="3200" dirty="0"/>
+              <a:t>Exemple avec les 2 termes suivants : pour chacun des termes, indiquez s’il vous semble pertinent de l’utiliser.</a:t>
+            </a:r>
+          </a:p>
+          <a:p>
+            <a:r>
+              <a:rPr lang="fr-FR" sz="3200" dirty="0"/>
+              <a:t> Pour une recherche sur les indicateurs de santé prédictifs de l'absentéisme au travail  </a:t>
+            </a:r>
+          </a:p>
+          <a:p>
+            <a:pPr lvl="1"/>
+            <a:r>
+              <a:rPr lang="fr-FR" sz="3200" dirty="0">
+                <a:solidFill>
+                  <a:srgbClr val="009DE0"/>
+                </a:solidFill>
+              </a:rPr>
+              <a:t>absentéisme professionnel -&gt; </a:t>
+            </a:r>
+            <a:r>
+              <a:rPr lang="fr-FR" sz="3200" dirty="0" err="1">
+                <a:solidFill>
+                  <a:srgbClr val="009DE0"/>
+                </a:solidFill>
+              </a:rPr>
+              <a:t>absenteeism</a:t>
+            </a:r>
+            <a:r>
+              <a:rPr lang="fr-FR" sz="3200" dirty="0">
+                <a:solidFill>
+                  <a:srgbClr val="009DE0"/>
+                </a:solidFill>
+              </a:rPr>
+              <a:t> </a:t>
+            </a:r>
+            <a:r>
+              <a:rPr lang="fr-FR" sz="3200" dirty="0"/>
+              <a:t>- </a:t>
+            </a:r>
+            <a:r>
+              <a:rPr lang="fr-FR" sz="3200" dirty="0">
+                <a:hlinkClick r:id="rId2"/>
+              </a:rPr>
+              <a:t>lien fiche </a:t>
+            </a:r>
+            <a:r>
+              <a:rPr lang="fr-FR" sz="3200" dirty="0" err="1">
+                <a:hlinkClick r:id="rId2"/>
+              </a:rPr>
+              <a:t>MeSH</a:t>
+            </a:r>
+            <a:endParaRPr lang="fr-FR" sz="3200" dirty="0"/>
+          </a:p>
+          <a:p>
+            <a:r>
+              <a:rPr lang="fr-FR" sz="3200" dirty="0"/>
+              <a:t> Pour une recherche sur l’impact de l’activité physique sur la qualité de vie des personnes âgées</a:t>
+            </a:r>
+          </a:p>
+          <a:p>
+            <a:pPr lvl="1"/>
+            <a:r>
+              <a:rPr lang="fr-FR" sz="3200" dirty="0">
+                <a:solidFill>
+                  <a:srgbClr val="009DE0"/>
+                </a:solidFill>
+              </a:rPr>
+              <a:t>activité physique -&gt; </a:t>
+            </a:r>
+            <a:r>
+              <a:rPr lang="fr-FR" sz="3200" dirty="0" err="1">
+                <a:solidFill>
+                  <a:srgbClr val="009DE0"/>
+                </a:solidFill>
+              </a:rPr>
+              <a:t>exercise</a:t>
+            </a:r>
+            <a:r>
+              <a:rPr lang="fr-FR" sz="3200" dirty="0">
+                <a:solidFill>
+                  <a:srgbClr val="009DE0"/>
+                </a:solidFill>
+              </a:rPr>
+              <a:t> </a:t>
+            </a:r>
+            <a:r>
+              <a:rPr lang="fr-FR" sz="3200" dirty="0"/>
+              <a:t>- </a:t>
+            </a:r>
+            <a:r>
+              <a:rPr lang="fr-FR" sz="3200" dirty="0">
+                <a:hlinkClick r:id="rId3"/>
+              </a:rPr>
+              <a:t>lien fiche </a:t>
+            </a:r>
+            <a:r>
+              <a:rPr lang="fr-FR" sz="3200" dirty="0" err="1">
+                <a:hlinkClick r:id="rId3"/>
+              </a:rPr>
+              <a:t>MeSH</a:t>
+            </a:r>
+            <a:endParaRPr lang="fr-FR" sz="3200" dirty="0"/>
+          </a:p>
+          <a:p>
+            <a:pPr lvl="1"/>
+            <a:endParaRPr lang="fr-FR" sz="3200" dirty="0"/>
+          </a:p>
+        </p:txBody>
+      </p:sp>
+      <p:sp>
+        <p:nvSpPr>
+          <p:cNvPr id="4" name="Espace réservé du pied de page 3"/>
+          <p:cNvSpPr>
+            <a:spLocks noGrp="1"/>
+          </p:cNvSpPr>
+          <p:nvPr>
+            <p:ph type="ftr" sz="quarter" idx="11"/>
+          </p:nvPr>
+        </p:nvSpPr>
+        <p:spPr/>
+        <p:txBody>
+          <a:bodyPr/>
+          <a:lstStyle/>
+          <a:p>
+            <a:r>
+              <a:rPr lang="fr-FR" smtClean="0"/>
+              <a:t>F. Flamerie - Trucs et astuces de PubMed - màj : 2023-11-24</a:t>
+            </a:r>
+            <a:endParaRPr lang="fr-FR" dirty="0"/>
+          </a:p>
+        </p:txBody>
+      </p:sp>
+      <p:sp>
+        <p:nvSpPr>
+          <p:cNvPr id="5" name="Espace réservé du numéro de diapositive 4"/>
+          <p:cNvSpPr>
+            <a:spLocks noGrp="1"/>
+          </p:cNvSpPr>
+          <p:nvPr>
+            <p:ph type="sldNum" sz="quarter" idx="12"/>
+          </p:nvPr>
+        </p:nvSpPr>
+        <p:spPr/>
+        <p:txBody>
+          <a:bodyPr/>
+          <a:lstStyle/>
+          <a:p>
+            <a:fld id="{99E13252-68E5-4994-B57B-B03F39B52C7D}" type="slidenum">
+              <a:rPr lang="fr-FR" smtClean="0"/>
+              <a:pPr/>
+              <a:t>12</a:t>
+            </a:fld>
+            <a:endParaRPr lang="fr-FR" dirty="0"/>
+          </a:p>
+        </p:txBody>
+      </p:sp>
+    </p:spTree>
+    <p:extLst>
+      <p:ext uri="{BB962C8B-B14F-4D97-AF65-F5344CB8AC3E}">
+        <p14:creationId xmlns:p14="http://schemas.microsoft.com/office/powerpoint/2010/main" val="2941982749"/>
+      </p:ext>
+    </p:extLst>
+  </p:cSld>
+  <p:clrMapOvr>
+    <a:masterClrMapping/>
+  </p:clrMapOvr>
+</p:sld>
+</file>
+
+<file path=ppt/slides/slide13.xml><?xml version="1.0" encoding="utf-8"?>
+<p:sld xmlns:a="http://schemas.openxmlformats.org/drawingml/2006/main" xmlns:r="http://schemas.openxmlformats.org/officeDocument/2006/relationships" xmlns:p="http://schemas.openxmlformats.org/presentationml/2006/main">
+  <p:cSld>
+    <p:spTree>
+      <p:nvGrpSpPr>
+        <p:cNvPr id="1" name=""/>
+        <p:cNvGrpSpPr/>
+        <p:nvPr/>
+      </p:nvGrpSpPr>
+      <p:grpSpPr>
+        <a:xfrm>
+          <a:off x="0" y="0"/>
+          <a:ext cx="0" cy="0"/>
+          <a:chOff x="0" y="0"/>
+          <a:chExt cx="0" cy="0"/>
+        </a:xfrm>
+      </p:grpSpPr>
+      <p:sp>
+        <p:nvSpPr>
+          <p:cNvPr id="2" name="Titre 1"/>
+          <p:cNvSpPr>
+            <a:spLocks noGrp="1"/>
+          </p:cNvSpPr>
+          <p:nvPr>
+            <p:ph type="title"/>
+          </p:nvPr>
+        </p:nvSpPr>
+        <p:spPr>
+          <a:xfrm>
             <a:off x="776654" y="0"/>
             <a:ext cx="10515600" cy="1325563"/>
           </a:xfrm>
@@ -5324,7 +6114,7 @@
           <a:p>
             <a:r>
               <a:rPr lang="fr-FR" smtClean="0"/>
-              <a:t>F. Flamerie - Trucs et astuces de PubMed - màj : 2023-05-31</a:t>
+              <a:t>F. Flamerie - Trucs et astuces de PubMed - màj : 2023-11-24</a:t>
             </a:r>
             <a:endParaRPr lang="fr-FR" dirty="0"/>
           </a:p>
@@ -5348,7 +6138,7 @@
             <a:fld id="{99E13252-68E5-4994-B57B-B03F39B52C7D}" type="slidenum">
               <a:rPr lang="fr-FR" smtClean="0"/>
               <a:pPr/>
-              <a:t>12</a:t>
+              <a:t>13</a:t>
             </a:fld>
             <a:endParaRPr lang="fr-FR" dirty="0"/>
           </a:p>
@@ -5738,483 +6528,6 @@
 </p:sld>
 </file>
 
-<file path=ppt/slides/slide13.xml><?xml version="1.0" encoding="utf-8"?>
-<p:sld xmlns:a="http://schemas.openxmlformats.org/drawingml/2006/main" xmlns:r="http://schemas.openxmlformats.org/officeDocument/2006/relationships" xmlns:p="http://schemas.openxmlformats.org/presentationml/2006/main">
-  <p:cSld>
-    <p:spTree>
-      <p:nvGrpSpPr>
-        <p:cNvPr id="1" name=""/>
-        <p:cNvGrpSpPr/>
-        <p:nvPr/>
-      </p:nvGrpSpPr>
-      <p:grpSpPr>
-        <a:xfrm>
-          <a:off x="0" y="0"/>
-          <a:ext cx="0" cy="0"/>
-          <a:chOff x="0" y="0"/>
-          <a:chExt cx="0" cy="0"/>
-        </a:xfrm>
-      </p:grpSpPr>
-      <p:sp>
-        <p:nvSpPr>
-          <p:cNvPr id="2" name="Titre 1"/>
-          <p:cNvSpPr>
-            <a:spLocks noGrp="1"/>
-          </p:cNvSpPr>
-          <p:nvPr>
-            <p:ph type="title"/>
-          </p:nvPr>
-        </p:nvSpPr>
-        <p:spPr>
-          <a:xfrm>
-            <a:off x="776654" y="0"/>
-            <a:ext cx="10515600" cy="1325563"/>
-          </a:xfrm>
-        </p:spPr>
-        <p:txBody>
-          <a:bodyPr/>
-          <a:lstStyle/>
-          <a:p>
-            <a:r>
-              <a:rPr lang="fr-FR" dirty="0" err="1"/>
-              <a:t>MeSH</a:t>
-            </a:r>
-            <a:r>
-              <a:rPr lang="fr-FR" dirty="0"/>
-              <a:t> : ressources complémentaires</a:t>
-            </a:r>
-          </a:p>
-        </p:txBody>
-      </p:sp>
-      <p:sp>
-        <p:nvSpPr>
-          <p:cNvPr id="3" name="Espace réservé du contenu 2"/>
-          <p:cNvSpPr>
-            <a:spLocks noGrp="1"/>
-          </p:cNvSpPr>
-          <p:nvPr>
-            <p:ph idx="1"/>
-          </p:nvPr>
-        </p:nvSpPr>
-        <p:spPr>
-          <a:xfrm>
-            <a:off x="838200" y="1247199"/>
-            <a:ext cx="10515600" cy="6169601"/>
-          </a:xfrm>
-        </p:spPr>
-        <p:txBody>
-          <a:bodyPr>
-            <a:normAutofit/>
-          </a:bodyPr>
-          <a:lstStyle/>
-          <a:p>
-            <a:pPr marL="0" indent="0">
-              <a:lnSpc>
-                <a:spcPct val="100000"/>
-              </a:lnSpc>
-              <a:buNone/>
-            </a:pPr>
-            <a:r>
-              <a:rPr lang="fr-FR" sz="2400" dirty="0"/>
-              <a:t>Règles d’indexation </a:t>
-            </a:r>
-            <a:r>
-              <a:rPr lang="fr-FR" sz="2400" dirty="0" err="1"/>
-              <a:t>MeSH</a:t>
-            </a:r>
-            <a:r>
-              <a:rPr lang="fr-FR" sz="2400" dirty="0"/>
-              <a:t> sur le site de </a:t>
-            </a:r>
-            <a:r>
-              <a:rPr lang="fr-FR" sz="2400" dirty="0" err="1"/>
-              <a:t>PubMed</a:t>
-            </a:r>
-            <a:r>
-              <a:rPr lang="fr-FR" sz="2400" dirty="0"/>
-              <a:t> : </a:t>
-            </a:r>
-            <a:r>
-              <a:rPr lang="en-US" sz="2400" dirty="0">
-                <a:hlinkClick r:id="rId2"/>
-              </a:rPr>
-              <a:t>MEDLINE Indexing Online Training Course</a:t>
-            </a:r>
-            <a:r>
-              <a:rPr lang="en-US" sz="2400" dirty="0"/>
-              <a:t> &gt; The Indexing Process &gt; </a:t>
-            </a:r>
-            <a:r>
-              <a:rPr lang="en-US" sz="2400" dirty="0">
-                <a:hlinkClick r:id="rId3"/>
-              </a:rPr>
-              <a:t>A Good indexer</a:t>
-            </a:r>
-            <a:endParaRPr lang="en-US" sz="2400" dirty="0"/>
-          </a:p>
-          <a:p>
-            <a:pPr lvl="1">
-              <a:lnSpc>
-                <a:spcPct val="100000"/>
-              </a:lnSpc>
-            </a:pPr>
-            <a:r>
-              <a:rPr lang="en-US" sz="2000" dirty="0">
-                <a:solidFill>
-                  <a:schemeClr val="tx1">
-                    <a:lumMod val="75000"/>
-                    <a:lumOff val="25000"/>
-                  </a:schemeClr>
-                </a:solidFill>
-              </a:rPr>
-              <a:t>Does not let bias or knowledge of a subject alter how the article is indexed </a:t>
-            </a:r>
-            <a:br>
-              <a:rPr lang="en-US" sz="2000" dirty="0">
-                <a:solidFill>
-                  <a:schemeClr val="tx1">
-                    <a:lumMod val="75000"/>
-                    <a:lumOff val="25000"/>
-                  </a:schemeClr>
-                </a:solidFill>
-              </a:rPr>
-            </a:br>
-            <a:r>
-              <a:rPr lang="en-US" sz="2000" i="1" dirty="0">
-                <a:solidFill>
-                  <a:schemeClr val="tx1">
-                    <a:lumMod val="75000"/>
-                    <a:lumOff val="25000"/>
-                  </a:schemeClr>
-                </a:solidFill>
-              </a:rPr>
-              <a:t>index only what the article says</a:t>
-            </a:r>
-            <a:endParaRPr lang="en-US" sz="2000" dirty="0">
-              <a:solidFill>
-                <a:schemeClr val="tx1">
-                  <a:lumMod val="75000"/>
-                  <a:lumOff val="25000"/>
-                </a:schemeClr>
-              </a:solidFill>
-            </a:endParaRPr>
-          </a:p>
-          <a:p>
-            <a:pPr lvl="1">
-              <a:lnSpc>
-                <a:spcPct val="100000"/>
-              </a:lnSpc>
-            </a:pPr>
-            <a:r>
-              <a:rPr lang="en-US" sz="2000" dirty="0">
-                <a:solidFill>
-                  <a:schemeClr val="tx1">
-                    <a:lumMod val="75000"/>
-                    <a:lumOff val="25000"/>
-                  </a:schemeClr>
-                </a:solidFill>
-              </a:rPr>
-              <a:t>Does not read the article word for word</a:t>
-            </a:r>
-            <a:br>
-              <a:rPr lang="en-US" sz="2000" dirty="0">
-                <a:solidFill>
-                  <a:schemeClr val="tx1">
-                    <a:lumMod val="75000"/>
-                    <a:lumOff val="25000"/>
-                  </a:schemeClr>
-                </a:solidFill>
-              </a:rPr>
-            </a:br>
-            <a:r>
-              <a:rPr lang="en-US" sz="2000" i="1" dirty="0">
-                <a:solidFill>
-                  <a:schemeClr val="tx1">
-                    <a:lumMod val="75000"/>
-                    <a:lumOff val="25000"/>
-                  </a:schemeClr>
-                </a:solidFill>
-              </a:rPr>
-              <a:t>This takes time and does not always provide better indexing</a:t>
-            </a:r>
-            <a:endParaRPr lang="en-US" sz="2000" dirty="0">
-              <a:solidFill>
-                <a:schemeClr val="tx1">
-                  <a:lumMod val="75000"/>
-                  <a:lumOff val="25000"/>
-                </a:schemeClr>
-              </a:solidFill>
-            </a:endParaRPr>
-          </a:p>
-          <a:p>
-            <a:pPr lvl="1">
-              <a:lnSpc>
-                <a:spcPct val="100000"/>
-              </a:lnSpc>
-            </a:pPr>
-            <a:r>
-              <a:rPr lang="en-US" sz="2000" dirty="0">
-                <a:solidFill>
-                  <a:schemeClr val="tx1">
-                    <a:lumMod val="75000"/>
-                    <a:lumOff val="25000"/>
-                  </a:schemeClr>
-                </a:solidFill>
-              </a:rPr>
-              <a:t>Recognizes the authority of an article, and does not correct any of the assertions made in the article </a:t>
-            </a:r>
-            <a:br>
-              <a:rPr lang="en-US" sz="2000" dirty="0">
-                <a:solidFill>
-                  <a:schemeClr val="tx1">
-                    <a:lumMod val="75000"/>
-                    <a:lumOff val="25000"/>
-                  </a:schemeClr>
-                </a:solidFill>
-              </a:rPr>
-            </a:br>
-            <a:r>
-              <a:rPr lang="en-US" sz="2000" i="1" dirty="0">
-                <a:solidFill>
-                  <a:schemeClr val="tx1">
-                    <a:lumMod val="75000"/>
-                    <a:lumOff val="25000"/>
-                  </a:schemeClr>
-                </a:solidFill>
-              </a:rPr>
-              <a:t>Do not attempt to correct bad science or point out mistakes</a:t>
-            </a:r>
-            <a:endParaRPr lang="en-US" sz="2000" dirty="0">
-              <a:solidFill>
-                <a:schemeClr val="tx1">
-                  <a:lumMod val="75000"/>
-                  <a:lumOff val="25000"/>
-                </a:schemeClr>
-              </a:solidFill>
-            </a:endParaRPr>
-          </a:p>
-          <a:p>
-            <a:pPr lvl="1">
-              <a:lnSpc>
-                <a:spcPct val="100000"/>
-              </a:lnSpc>
-            </a:pPr>
-            <a:r>
-              <a:rPr lang="en-US" sz="2000" dirty="0">
-                <a:solidFill>
-                  <a:schemeClr val="tx1">
-                    <a:lumMod val="75000"/>
-                    <a:lumOff val="25000"/>
-                  </a:schemeClr>
-                </a:solidFill>
-              </a:rPr>
-              <a:t>Describes the concepts in an article using </a:t>
-            </a:r>
-            <a:r>
-              <a:rPr lang="en-US" sz="2000" dirty="0" err="1">
-                <a:solidFill>
-                  <a:schemeClr val="tx1">
-                    <a:lumMod val="75000"/>
-                    <a:lumOff val="25000"/>
-                  </a:schemeClr>
-                </a:solidFill>
-              </a:rPr>
-              <a:t>MeSH</a:t>
-            </a:r>
-            <a:r>
-              <a:rPr lang="en-US" sz="2000" dirty="0">
-                <a:solidFill>
-                  <a:schemeClr val="tx1">
-                    <a:lumMod val="75000"/>
-                    <a:lumOff val="25000"/>
-                  </a:schemeClr>
-                </a:solidFill>
-              </a:rPr>
-              <a:t> terms </a:t>
-            </a:r>
-            <a:br>
-              <a:rPr lang="en-US" sz="2000" dirty="0">
-                <a:solidFill>
-                  <a:schemeClr val="tx1">
-                    <a:lumMod val="75000"/>
-                    <a:lumOff val="25000"/>
-                  </a:schemeClr>
-                </a:solidFill>
-              </a:rPr>
-            </a:br>
-            <a:r>
-              <a:rPr lang="en-US" sz="2000" i="1" dirty="0">
-                <a:solidFill>
-                  <a:schemeClr val="tx1">
-                    <a:lumMod val="75000"/>
-                    <a:lumOff val="25000"/>
-                  </a:schemeClr>
-                </a:solidFill>
-              </a:rPr>
-              <a:t>Familiarize yourself with the </a:t>
-            </a:r>
-            <a:r>
-              <a:rPr lang="en-US" sz="2000" i="1" dirty="0" err="1">
-                <a:solidFill>
-                  <a:schemeClr val="tx1">
-                    <a:lumMod val="75000"/>
-                    <a:lumOff val="25000"/>
-                  </a:schemeClr>
-                </a:solidFill>
-              </a:rPr>
-              <a:t>MeSH</a:t>
-            </a:r>
-            <a:r>
-              <a:rPr lang="en-US" sz="2000" i="1" dirty="0">
-                <a:solidFill>
-                  <a:schemeClr val="tx1">
-                    <a:lumMod val="75000"/>
-                    <a:lumOff val="25000"/>
-                  </a:schemeClr>
-                </a:solidFill>
-              </a:rPr>
-              <a:t>, be aware of the terms available before you request a new term or use a general term</a:t>
-            </a:r>
-            <a:endParaRPr lang="en-US" sz="2000" dirty="0">
-              <a:solidFill>
-                <a:schemeClr val="tx1">
-                  <a:lumMod val="75000"/>
-                  <a:lumOff val="25000"/>
-                </a:schemeClr>
-              </a:solidFill>
-            </a:endParaRPr>
-          </a:p>
-          <a:p>
-            <a:pPr lvl="1">
-              <a:lnSpc>
-                <a:spcPct val="100000"/>
-              </a:lnSpc>
-            </a:pPr>
-            <a:r>
-              <a:rPr lang="en-US" sz="2000" dirty="0">
-                <a:solidFill>
-                  <a:schemeClr val="tx1">
-                    <a:lumMod val="75000"/>
-                    <a:lumOff val="25000"/>
-                  </a:schemeClr>
-                </a:solidFill>
-              </a:rPr>
-              <a:t>Always indexes using the most specific term</a:t>
-            </a:r>
-            <a:br>
-              <a:rPr lang="en-US" sz="2000" dirty="0">
-                <a:solidFill>
-                  <a:schemeClr val="tx1">
-                    <a:lumMod val="75000"/>
-                    <a:lumOff val="25000"/>
-                  </a:schemeClr>
-                </a:solidFill>
-              </a:rPr>
-            </a:br>
-            <a:r>
-              <a:rPr lang="en-US" sz="2000" i="1" dirty="0">
-                <a:solidFill>
-                  <a:schemeClr val="tx1">
-                    <a:lumMod val="75000"/>
-                    <a:lumOff val="25000"/>
-                  </a:schemeClr>
-                </a:solidFill>
-              </a:rPr>
-              <a:t>Examine the </a:t>
-            </a:r>
-            <a:r>
-              <a:rPr lang="en-US" sz="2000" i="1" dirty="0" err="1">
-                <a:solidFill>
-                  <a:schemeClr val="tx1">
-                    <a:lumMod val="75000"/>
-                    <a:lumOff val="25000"/>
-                  </a:schemeClr>
-                </a:solidFill>
-              </a:rPr>
-              <a:t>MeSH</a:t>
-            </a:r>
-            <a:r>
-              <a:rPr lang="en-US" sz="2000" i="1" dirty="0">
-                <a:solidFill>
-                  <a:schemeClr val="tx1">
-                    <a:lumMod val="75000"/>
-                    <a:lumOff val="25000"/>
-                  </a:schemeClr>
-                </a:solidFill>
-              </a:rPr>
-              <a:t> tree structure to ensure that you are using the most specific term possible </a:t>
-            </a:r>
-            <a:endParaRPr lang="en-US" sz="2000" dirty="0">
-              <a:solidFill>
-                <a:schemeClr val="tx1">
-                  <a:lumMod val="75000"/>
-                  <a:lumOff val="25000"/>
-                </a:schemeClr>
-              </a:solidFill>
-            </a:endParaRPr>
-          </a:p>
-        </p:txBody>
-      </p:sp>
-      <p:sp>
-        <p:nvSpPr>
-          <p:cNvPr id="4" name="Espace réservé du pied de page 3"/>
-          <p:cNvSpPr>
-            <a:spLocks noGrp="1"/>
-          </p:cNvSpPr>
-          <p:nvPr>
-            <p:ph type="ftr" sz="quarter" idx="11"/>
-          </p:nvPr>
-        </p:nvSpPr>
-        <p:spPr/>
-        <p:txBody>
-          <a:bodyPr/>
-          <a:lstStyle/>
-          <a:p>
-            <a:r>
-              <a:rPr lang="fr-FR" smtClean="0"/>
-              <a:t>F. Flamerie - Trucs et astuces de PubMed - màj : 2023-05-31</a:t>
-            </a:r>
-            <a:endParaRPr lang="fr-FR" dirty="0"/>
-          </a:p>
-        </p:txBody>
-      </p:sp>
-      <p:sp>
-        <p:nvSpPr>
-          <p:cNvPr id="5" name="Espace réservé du numéro de diapositive 4"/>
-          <p:cNvSpPr>
-            <a:spLocks noGrp="1"/>
-          </p:cNvSpPr>
-          <p:nvPr>
-            <p:ph type="sldNum" sz="quarter" idx="12"/>
-          </p:nvPr>
-        </p:nvSpPr>
-        <p:spPr/>
-        <p:txBody>
-          <a:bodyPr/>
-          <a:lstStyle/>
-          <a:p>
-            <a:fld id="{99E13252-68E5-4994-B57B-B03F39B52C7D}" type="slidenum">
-              <a:rPr lang="fr-FR" smtClean="0"/>
-              <a:pPr/>
-              <a:t>13</a:t>
-            </a:fld>
-            <a:endParaRPr lang="fr-FR" dirty="0"/>
-          </a:p>
-        </p:txBody>
-      </p:sp>
-    </p:spTree>
-    <p:extLst>
-      <p:ext uri="{BB962C8B-B14F-4D97-AF65-F5344CB8AC3E}">
-        <p14:creationId xmlns:p14="http://schemas.microsoft.com/office/powerpoint/2010/main" val="2882859030"/>
-      </p:ext>
-    </p:extLst>
-  </p:cSld>
-  <p:clrMapOvr>
-    <a:masterClrMapping/>
-  </p:clrMapOvr>
-</p:sld>
-</file>
-
 <file path=ppt/slides/slide14.xml><?xml version="1.0" encoding="utf-8"?>
 <p:sld xmlns:a="http://schemas.openxmlformats.org/drawingml/2006/main" xmlns:r="http://schemas.openxmlformats.org/officeDocument/2006/relationships" xmlns:p="http://schemas.openxmlformats.org/presentationml/2006/main">
   <p:cSld>
@@ -6275,7 +6588,7 @@
         </p:nvSpPr>
         <p:spPr>
           <a:xfrm>
-            <a:off x="838200" y="1325563"/>
+            <a:off x="838200" y="1247199"/>
             <a:ext cx="10515600" cy="6169601"/>
           </a:xfrm>
         </p:spPr>
@@ -6292,107 +6605,48 @@
               <a:buNone/>
             </a:pPr>
             <a:r>
+              <a:rPr lang="fr-FR" sz="2400" dirty="0"/>
+              <a:t>Règles d’indexation </a:t>
+            </a:r>
+            <a:r>
+              <a:rPr lang="fr-FR" sz="2400" dirty="0" err="1"/>
+              <a:t>MeSH</a:t>
+            </a:r>
+            <a:r>
+              <a:rPr lang="fr-FR" sz="2400" dirty="0"/>
+              <a:t> sur le site de </a:t>
+            </a:r>
+            <a:r>
+              <a:rPr lang="fr-FR" sz="2400" dirty="0" err="1"/>
+              <a:t>PubMed</a:t>
+            </a:r>
+            <a:r>
+              <a:rPr lang="fr-FR" sz="2400" dirty="0"/>
+              <a:t> : </a:t>
+            </a:r>
+            <a:r>
+              <a:rPr lang="en-US" sz="2400" dirty="0">
+                <a:hlinkClick r:id="rId2"/>
+              </a:rPr>
+              <a:t>MEDLINE Indexing Online Training Course</a:t>
+            </a:r>
+            <a:r>
               <a:rPr lang="en-US" sz="2400" dirty="0"/>
-              <a:t>Impact de la ponderation “Major topic” </a:t>
-            </a:r>
-          </a:p>
-          <a:p>
-            <a:pPr marL="0" indent="0">
+              <a:t> &gt; The Indexing Process &gt; </a:t>
+            </a:r>
+            <a:r>
+              <a:rPr lang="en-US" sz="2400" dirty="0">
+                <a:hlinkClick r:id="rId3"/>
+              </a:rPr>
+              <a:t>A Good indexer</a:t>
+            </a:r>
+            <a:endParaRPr lang="en-US" sz="2400" dirty="0"/>
+          </a:p>
+          <a:p>
+            <a:pPr lvl="1">
               <a:lnSpc>
                 <a:spcPct val="100000"/>
               </a:lnSpc>
-              <a:buNone/>
-            </a:pPr>
-            <a:r>
-              <a:rPr lang="en-US" sz="2400" dirty="0"/>
-              <a:t>/!\ </a:t>
-            </a:r>
-            <a:r>
-              <a:rPr lang="en-US" sz="2400" dirty="0" err="1"/>
-              <a:t>Cet</a:t>
-            </a:r>
-            <a:r>
-              <a:rPr lang="en-US" sz="2400" dirty="0"/>
-              <a:t> article </a:t>
-            </a:r>
-            <a:r>
-              <a:rPr lang="en-US" sz="2400" dirty="0" err="1"/>
-              <a:t>considère</a:t>
-            </a:r>
-            <a:r>
-              <a:rPr lang="en-US" sz="2400" dirty="0"/>
-              <a:t> MEDLINE et non PubMed </a:t>
-            </a:r>
-          </a:p>
-          <a:p>
-            <a:pPr marL="0" indent="0">
-              <a:lnSpc>
-                <a:spcPct val="100000"/>
-              </a:lnSpc>
-              <a:buNone/>
-            </a:pPr>
-            <a:r>
-              <a:rPr lang="en-US" sz="2000" dirty="0" err="1"/>
-              <a:t>Bramer</a:t>
-            </a:r>
-            <a:r>
-              <a:rPr lang="en-US" sz="2000" dirty="0"/>
-              <a:t>, W. M., </a:t>
-            </a:r>
-            <a:r>
-              <a:rPr lang="en-US" sz="2000" dirty="0" err="1"/>
-              <a:t>Giustini</a:t>
-            </a:r>
-            <a:r>
-              <a:rPr lang="en-US" sz="2000" dirty="0"/>
-              <a:t>, D., </a:t>
-            </a:r>
-            <a:r>
-              <a:rPr lang="en-US" sz="2000" dirty="0" err="1"/>
-              <a:t>Kleijnen</a:t>
-            </a:r>
-            <a:r>
-              <a:rPr lang="en-US" sz="2000" dirty="0"/>
-              <a:t>, J., &amp; Franco, O. H. (2018). Searching </a:t>
-            </a:r>
-            <a:r>
-              <a:rPr lang="en-US" sz="2000" dirty="0" err="1"/>
-              <a:t>Embase</a:t>
-            </a:r>
-            <a:r>
-              <a:rPr lang="en-US" sz="2000" dirty="0"/>
-              <a:t> and MEDLINE by using only major descriptors or title and abstract fields : A prospective exploratory study. </a:t>
-            </a:r>
-            <a:r>
-              <a:rPr lang="en-US" sz="2000" i="1" dirty="0"/>
-              <a:t>Systematic Reviews</a:t>
-            </a:r>
-            <a:r>
-              <a:rPr lang="en-US" sz="2000" dirty="0"/>
-              <a:t>, </a:t>
-            </a:r>
-            <a:r>
-              <a:rPr lang="en-US" sz="2000" i="1" dirty="0"/>
-              <a:t>7</a:t>
-            </a:r>
-            <a:r>
-              <a:rPr lang="en-US" sz="2000" dirty="0"/>
-              <a:t>(1), 200. </a:t>
-            </a:r>
-            <a:r>
-              <a:rPr lang="en-US" sz="2000" dirty="0">
-                <a:hlinkClick r:id="rId2"/>
-              </a:rPr>
-              <a:t>https://doi.org/10.1186/s13643-018-0864-9</a:t>
-            </a:r>
-            <a:endParaRPr lang="en-US" sz="2000" dirty="0"/>
-          </a:p>
-          <a:p>
-            <a:pPr marL="895350" indent="-895350">
-              <a:lnSpc>
-                <a:spcPct val="100000"/>
-              </a:lnSpc>
-              <a:buNone/>
             </a:pPr>
             <a:r>
               <a:rPr lang="en-US" sz="2000" dirty="0">
@@ -6403,10 +6657,10 @@
                   </a:schemeClr>
                 </a:solidFill>
               </a:rPr>
-              <a:t>	RESULTS: For 73 SRs, we limited </a:t>
-            </a:r>
-            <a:r>
-              <a:rPr lang="en-US" sz="2000" dirty="0" err="1">
+              <a:t>Does not let bias or knowledge of a subject alter how the article is indexed </a:t>
+            </a:r>
+            <a:br>
+              <a:rPr lang="en-US" sz="2000" dirty="0">
                 <a:solidFill>
                   <a:schemeClr val="tx1">
                     <a:lumMod val="75000"/>
@@ -6414,10 +6668,9 @@
                   </a:schemeClr>
                 </a:solidFill>
               </a:rPr>
-              <a:t>Embase</a:t>
-            </a:r>
-            <a:r>
-              <a:rPr lang="en-US" sz="2000" dirty="0">
+            </a:br>
+            <a:r>
+              <a:rPr lang="en-US" sz="2000" i="1" dirty="0">
                 <a:solidFill>
                   <a:schemeClr val="tx1">
                     <a:lumMod val="75000"/>
@@ -6425,10 +6678,25 @@
                   </a:schemeClr>
                 </a:solidFill>
               </a:rPr>
-              <a:t> searches to major terms only while keeping the search in MEDLINE and other databases such as Web of Science as they were. The overall search yield (or total number of search results) was reduced by 8%. Six reviews (9%) lost more than 5% of the relevant references. Limiting </a:t>
-            </a:r>
-            <a:r>
-              <a:rPr lang="en-US" sz="2000" dirty="0" err="1">
+              <a:t>index only what the article says</a:t>
+            </a:r>
+            <a:endParaRPr lang="en-US" sz="2000" dirty="0">
+              <a:solidFill>
+                <a:schemeClr val="tx1">
+                  <a:lumMod val="75000"/>
+                  <a:lumOff val="25000"/>
+                </a:schemeClr>
+              </a:solidFill>
+            </a:endParaRPr>
+          </a:p>
+          <a:p>
+            <a:pPr lvl="1">
+              <a:lnSpc>
+                <a:spcPct val="100000"/>
+              </a:lnSpc>
+            </a:pPr>
+            <a:r>
+              <a:rPr lang="en-US" sz="2000" dirty="0">
                 <a:solidFill>
                   <a:schemeClr val="tx1">
                     <a:lumMod val="75000"/>
@@ -6436,9 +6704,9 @@
                   </a:schemeClr>
                 </a:solidFill>
               </a:rPr>
-              <a:t>Embase</a:t>
-            </a:r>
-            <a:r>
+              <a:t>Does not read the article word for word</a:t>
+            </a:r>
+            <a:br>
               <a:rPr lang="en-US" sz="2000" dirty="0">
                 <a:solidFill>
                   <a:schemeClr val="tx1">
@@ -6447,10 +6715,9 @@
                   </a:schemeClr>
                 </a:solidFill>
               </a:rPr>
-              <a:t> and MEDLINE to major thesaurus terms, the number of references was 13% lower. For 15% of the reviews, the loss of relevant references was more than 5%. Searching </a:t>
-            </a:r>
-            <a:r>
-              <a:rPr lang="en-US" sz="2000" dirty="0" err="1">
+            </a:br>
+            <a:r>
+              <a:rPr lang="en-US" sz="2000" i="1" dirty="0">
                 <a:solidFill>
                   <a:schemeClr val="tx1">
                     <a:lumMod val="75000"/>
@@ -6458,8 +6725,23 @@
                   </a:schemeClr>
                 </a:solidFill>
               </a:rPr>
-              <a:t>Embase</a:t>
-            </a:r>
+              <a:t>This takes time and does not always provide better indexing</a:t>
+            </a:r>
+            <a:endParaRPr lang="en-US" sz="2000" dirty="0">
+              <a:solidFill>
+                <a:schemeClr val="tx1">
+                  <a:lumMod val="75000"/>
+                  <a:lumOff val="25000"/>
+                </a:schemeClr>
+              </a:solidFill>
+            </a:endParaRPr>
+          </a:p>
+          <a:p>
+            <a:pPr lvl="1">
+              <a:lnSpc>
+                <a:spcPct val="100000"/>
+              </a:lnSpc>
+            </a:pPr>
             <a:r>
               <a:rPr lang="en-US" sz="2000" dirty="0">
                 <a:solidFill>
@@ -6469,10 +6751,10 @@
                   </a:schemeClr>
                 </a:solidFill>
               </a:rPr>
-              <a:t> for title and abstract caused a loss of more than 5% in 16 reviews (22%), while limiting </a:t>
-            </a:r>
-            <a:r>
-              <a:rPr lang="en-US" sz="2000" dirty="0" err="1">
+              <a:t>Recognizes the authority of an article, and does not correct any of the assertions made in the article </a:t>
+            </a:r>
+            <a:br>
+              <a:rPr lang="en-US" sz="2000" dirty="0">
                 <a:solidFill>
                   <a:schemeClr val="tx1">
                     <a:lumMod val="75000"/>
@@ -6480,10 +6762,9 @@
                   </a:schemeClr>
                 </a:solidFill>
               </a:rPr>
-              <a:t>Embase</a:t>
-            </a:r>
-            <a:r>
-              <a:rPr lang="en-US" sz="2000" dirty="0">
+            </a:br>
+            <a:r>
+              <a:rPr lang="en-US" sz="2000" i="1" dirty="0">
                 <a:solidFill>
                   <a:schemeClr val="tx1">
                     <a:lumMod val="75000"/>
@@ -6491,9 +6772,169 @@
                   </a:schemeClr>
                 </a:solidFill>
               </a:rPr>
-              <a:t> and MEDLINE that way this happened in 24 reviews (33%).</a:t>
-            </a:r>
-            <a:endParaRPr lang="fr-FR" sz="2000" dirty="0">
+              <a:t>Do not attempt to correct bad science or point out mistakes</a:t>
+            </a:r>
+            <a:endParaRPr lang="en-US" sz="2000" dirty="0">
+              <a:solidFill>
+                <a:schemeClr val="tx1">
+                  <a:lumMod val="75000"/>
+                  <a:lumOff val="25000"/>
+                </a:schemeClr>
+              </a:solidFill>
+            </a:endParaRPr>
+          </a:p>
+          <a:p>
+            <a:pPr lvl="1">
+              <a:lnSpc>
+                <a:spcPct val="100000"/>
+              </a:lnSpc>
+            </a:pPr>
+            <a:r>
+              <a:rPr lang="en-US" sz="2000" dirty="0">
+                <a:solidFill>
+                  <a:schemeClr val="tx1">
+                    <a:lumMod val="75000"/>
+                    <a:lumOff val="25000"/>
+                  </a:schemeClr>
+                </a:solidFill>
+              </a:rPr>
+              <a:t>Describes the concepts in an article using </a:t>
+            </a:r>
+            <a:r>
+              <a:rPr lang="en-US" sz="2000" dirty="0" err="1">
+                <a:solidFill>
+                  <a:schemeClr val="tx1">
+                    <a:lumMod val="75000"/>
+                    <a:lumOff val="25000"/>
+                  </a:schemeClr>
+                </a:solidFill>
+              </a:rPr>
+              <a:t>MeSH</a:t>
+            </a:r>
+            <a:r>
+              <a:rPr lang="en-US" sz="2000" dirty="0">
+                <a:solidFill>
+                  <a:schemeClr val="tx1">
+                    <a:lumMod val="75000"/>
+                    <a:lumOff val="25000"/>
+                  </a:schemeClr>
+                </a:solidFill>
+              </a:rPr>
+              <a:t> terms </a:t>
+            </a:r>
+            <a:br>
+              <a:rPr lang="en-US" sz="2000" dirty="0">
+                <a:solidFill>
+                  <a:schemeClr val="tx1">
+                    <a:lumMod val="75000"/>
+                    <a:lumOff val="25000"/>
+                  </a:schemeClr>
+                </a:solidFill>
+              </a:rPr>
+            </a:br>
+            <a:r>
+              <a:rPr lang="en-US" sz="2000" i="1" dirty="0">
+                <a:solidFill>
+                  <a:schemeClr val="tx1">
+                    <a:lumMod val="75000"/>
+                    <a:lumOff val="25000"/>
+                  </a:schemeClr>
+                </a:solidFill>
+              </a:rPr>
+              <a:t>Familiarize yourself with the </a:t>
+            </a:r>
+            <a:r>
+              <a:rPr lang="en-US" sz="2000" i="1" dirty="0" err="1">
+                <a:solidFill>
+                  <a:schemeClr val="tx1">
+                    <a:lumMod val="75000"/>
+                    <a:lumOff val="25000"/>
+                  </a:schemeClr>
+                </a:solidFill>
+              </a:rPr>
+              <a:t>MeSH</a:t>
+            </a:r>
+            <a:r>
+              <a:rPr lang="en-US" sz="2000" i="1" dirty="0">
+                <a:solidFill>
+                  <a:schemeClr val="tx1">
+                    <a:lumMod val="75000"/>
+                    <a:lumOff val="25000"/>
+                  </a:schemeClr>
+                </a:solidFill>
+              </a:rPr>
+              <a:t>, be aware of the terms available before you request a new term or use a general term</a:t>
+            </a:r>
+            <a:endParaRPr lang="en-US" sz="2000" dirty="0">
+              <a:solidFill>
+                <a:schemeClr val="tx1">
+                  <a:lumMod val="75000"/>
+                  <a:lumOff val="25000"/>
+                </a:schemeClr>
+              </a:solidFill>
+            </a:endParaRPr>
+          </a:p>
+          <a:p>
+            <a:pPr lvl="1">
+              <a:lnSpc>
+                <a:spcPct val="100000"/>
+              </a:lnSpc>
+            </a:pPr>
+            <a:r>
+              <a:rPr lang="en-US" sz="2000" dirty="0">
+                <a:solidFill>
+                  <a:schemeClr val="tx1">
+                    <a:lumMod val="75000"/>
+                    <a:lumOff val="25000"/>
+                  </a:schemeClr>
+                </a:solidFill>
+              </a:rPr>
+              <a:t>Always indexes using the most specific term</a:t>
+            </a:r>
+            <a:br>
+              <a:rPr lang="en-US" sz="2000" dirty="0">
+                <a:solidFill>
+                  <a:schemeClr val="tx1">
+                    <a:lumMod val="75000"/>
+                    <a:lumOff val="25000"/>
+                  </a:schemeClr>
+                </a:solidFill>
+              </a:rPr>
+            </a:br>
+            <a:r>
+              <a:rPr lang="en-US" sz="2000" i="1" dirty="0">
+                <a:solidFill>
+                  <a:schemeClr val="tx1">
+                    <a:lumMod val="75000"/>
+                    <a:lumOff val="25000"/>
+                  </a:schemeClr>
+                </a:solidFill>
+              </a:rPr>
+              <a:t>Examine the </a:t>
+            </a:r>
+            <a:r>
+              <a:rPr lang="en-US" sz="2000" i="1" dirty="0" err="1">
+                <a:solidFill>
+                  <a:schemeClr val="tx1">
+                    <a:lumMod val="75000"/>
+                    <a:lumOff val="25000"/>
+                  </a:schemeClr>
+                </a:solidFill>
+              </a:rPr>
+              <a:t>MeSH</a:t>
+            </a:r>
+            <a:r>
+              <a:rPr lang="en-US" sz="2000" i="1" dirty="0">
+                <a:solidFill>
+                  <a:schemeClr val="tx1">
+                    <a:lumMod val="75000"/>
+                    <a:lumOff val="25000"/>
+                  </a:schemeClr>
+                </a:solidFill>
+              </a:rPr>
+              <a:t> tree structure to ensure that you are using the most specific term possible </a:t>
+            </a:r>
+            <a:endParaRPr lang="en-US" sz="2000" dirty="0">
               <a:solidFill>
                 <a:schemeClr val="tx1">
                   <a:lumMod val="75000"/>
@@ -6521,7 +6962,7 @@
           <a:p>
             <a:r>
               <a:rPr lang="fr-FR" smtClean="0"/>
-              <a:t>F. Flamerie - Trucs et astuces de PubMed - màj : 2023-05-31</a:t>
+              <a:t>F. Flamerie - Trucs et astuces de PubMed - màj : 2023-11-24</a:t>
             </a:r>
             <a:endParaRPr lang="fr-FR" dirty="0"/>
           </a:p>
@@ -6554,7 +6995,7 @@
     </p:spTree>
     <p:extLst>
       <p:ext uri="{BB962C8B-B14F-4D97-AF65-F5344CB8AC3E}">
-        <p14:creationId xmlns:p14="http://schemas.microsoft.com/office/powerpoint/2010/main" val="2580593466"/>
+        <p14:creationId xmlns:p14="http://schemas.microsoft.com/office/powerpoint/2010/main" val="2882859030"/>
       </p:ext>
     </p:extLst>
   </p:cSld>
@@ -6593,7 +7034,7 @@
         </p:nvSpPr>
         <p:spPr>
           <a:xfrm>
-            <a:off x="838200" y="0"/>
+            <a:off x="776654" y="0"/>
             <a:ext cx="10515600" cy="1325563"/>
           </a:xfrm>
         </p:spPr>
@@ -6602,8 +7043,12 @@
           <a:lstStyle/>
           <a:p>
             <a:r>
+              <a:rPr lang="fr-FR" dirty="0" err="1"/>
+              <a:t>MeSH</a:t>
+            </a:r>
+            <a:r>
               <a:rPr lang="fr-FR" dirty="0"/>
-              <a:t>Fonctionnalités</a:t>
+              <a:t> : ressources complémentaires</a:t>
             </a:r>
           </a:p>
         </p:txBody>
@@ -6620,8 +7065,8 @@
         </p:nvSpPr>
         <p:spPr>
           <a:xfrm>
-            <a:off x="838200" y="999248"/>
-            <a:ext cx="10515600" cy="5683418"/>
+            <a:off x="838200" y="1325563"/>
+            <a:ext cx="10515600" cy="6169601"/>
           </a:xfrm>
         </p:spPr>
         <p:txBody>
@@ -6630,196 +7075,222 @@
           </a:bodyPr>
           <a:lstStyle/>
           <a:p>
-            <a:pPr>
+            <a:pPr marL="0" indent="0">
               <a:lnSpc>
-                <a:spcPct val="110000"/>
+                <a:spcPct val="100000"/>
               </a:lnSpc>
+              <a:buNone/>
             </a:pPr>
             <a:r>
-              <a:rPr lang="fr-FR" dirty="0"/>
-              <a:t> Récapitulatifs des modifications/nouveautés dans la navigation, l’affichage, les exports, induites par le nouveau </a:t>
-            </a:r>
-            <a:r>
-              <a:rPr lang="fr-FR" dirty="0" err="1"/>
-              <a:t>PubMed</a:t>
-            </a:r>
-            <a:r>
-              <a:rPr lang="fr-FR" dirty="0"/>
-              <a:t> </a:t>
-            </a:r>
-          </a:p>
-          <a:p>
-            <a:pPr lvl="1">
+              <a:rPr lang="en-US" sz="2400" dirty="0"/>
+              <a:t>Impact de la ponderation “Major topic” </a:t>
+            </a:r>
+          </a:p>
+          <a:p>
+            <a:pPr marL="0" indent="0">
               <a:lnSpc>
-                <a:spcPct val="110000"/>
+                <a:spcPct val="100000"/>
               </a:lnSpc>
+              <a:buNone/>
             </a:pPr>
             <a:r>
-              <a:rPr lang="fr-FR" sz="1800" dirty="0" err="1"/>
-              <a:t>Elmers</a:t>
-            </a:r>
-            <a:r>
-              <a:rPr lang="fr-FR" sz="1800" dirty="0"/>
-              <a:t>, J., </a:t>
-            </a:r>
-            <a:r>
-              <a:rPr lang="fr-FR" sz="1800" dirty="0" err="1"/>
-              <a:t>Trombert</a:t>
-            </a:r>
-            <a:r>
-              <a:rPr lang="fr-FR" sz="1800" dirty="0"/>
-              <a:t>, A., &amp; Jaques, C. (2020). </a:t>
-            </a:r>
-            <a:r>
-              <a:rPr lang="fr-FR" sz="1800" i="1" dirty="0"/>
-              <a:t>Nouveau </a:t>
-            </a:r>
-            <a:r>
-              <a:rPr lang="fr-FR" sz="1800" i="1" dirty="0" err="1"/>
-              <a:t>PubMed</a:t>
-            </a:r>
-            <a:r>
-              <a:rPr lang="fr-FR" sz="1800" i="1" dirty="0"/>
-              <a:t> : Nouvelles fonctionnalités et améliorations</a:t>
-            </a:r>
-            <a:r>
-              <a:rPr lang="fr-FR" sz="1800" dirty="0"/>
-              <a:t>. Bibliothèque universitaire de médecine Lausanne. </a:t>
-            </a:r>
-            <a:r>
-              <a:rPr lang="fr-FR" sz="1800" dirty="0">
+              <a:rPr lang="en-US" sz="2400" dirty="0"/>
+              <a:t>/!\ </a:t>
+            </a:r>
+            <a:r>
+              <a:rPr lang="en-US" sz="2400" dirty="0" err="1"/>
+              <a:t>Cet</a:t>
+            </a:r>
+            <a:r>
+              <a:rPr lang="en-US" sz="2400" dirty="0"/>
+              <a:t> article </a:t>
+            </a:r>
+            <a:r>
+              <a:rPr lang="en-US" sz="2400" dirty="0" err="1"/>
+              <a:t>considère</a:t>
+            </a:r>
+            <a:r>
+              <a:rPr lang="en-US" sz="2400" dirty="0"/>
+              <a:t> MEDLINE et non PubMed </a:t>
+            </a:r>
+          </a:p>
+          <a:p>
+            <a:pPr marL="0" indent="0">
+              <a:lnSpc>
+                <a:spcPct val="100000"/>
+              </a:lnSpc>
+              <a:buNone/>
+            </a:pPr>
+            <a:r>
+              <a:rPr lang="en-US" sz="2000" dirty="0" err="1"/>
+              <a:t>Bramer</a:t>
+            </a:r>
+            <a:r>
+              <a:rPr lang="en-US" sz="2000" dirty="0"/>
+              <a:t>, W. M., </a:t>
+            </a:r>
+            <a:r>
+              <a:rPr lang="en-US" sz="2000" dirty="0" err="1"/>
+              <a:t>Giustini</a:t>
+            </a:r>
+            <a:r>
+              <a:rPr lang="en-US" sz="2000" dirty="0"/>
+              <a:t>, D., </a:t>
+            </a:r>
+            <a:r>
+              <a:rPr lang="en-US" sz="2000" dirty="0" err="1"/>
+              <a:t>Kleijnen</a:t>
+            </a:r>
+            <a:r>
+              <a:rPr lang="en-US" sz="2000" dirty="0"/>
+              <a:t>, J., &amp; Franco, O. H. (2018). Searching </a:t>
+            </a:r>
+            <a:r>
+              <a:rPr lang="en-US" sz="2000" dirty="0" err="1"/>
+              <a:t>Embase</a:t>
+            </a:r>
+            <a:r>
+              <a:rPr lang="en-US" sz="2000" dirty="0"/>
+              <a:t> and MEDLINE by using only major descriptors or title and abstract fields : A prospective exploratory study. </a:t>
+            </a:r>
+            <a:r>
+              <a:rPr lang="en-US" sz="2000" i="1" dirty="0"/>
+              <a:t>Systematic Reviews</a:t>
+            </a:r>
+            <a:r>
+              <a:rPr lang="en-US" sz="2000" dirty="0"/>
+              <a:t>, </a:t>
+            </a:r>
+            <a:r>
+              <a:rPr lang="en-US" sz="2000" i="1" dirty="0"/>
+              <a:t>7</a:t>
+            </a:r>
+            <a:r>
+              <a:rPr lang="en-US" sz="2000" dirty="0"/>
+              <a:t>(1), 200. </a:t>
+            </a:r>
+            <a:r>
+              <a:rPr lang="en-US" sz="2000" dirty="0">
                 <a:hlinkClick r:id="rId2"/>
               </a:rPr>
-              <a:t>https://www.bium.ch/newpubmed/</a:t>
-            </a:r>
-            <a:endParaRPr lang="fr-FR" sz="1800" dirty="0"/>
-          </a:p>
-          <a:p>
-            <a:pPr lvl="1">
+              <a:t>https://doi.org/10.1186/s13643-018-0864-9</a:t>
+            </a:r>
+            <a:endParaRPr lang="en-US" sz="2000" dirty="0"/>
+          </a:p>
+          <a:p>
+            <a:pPr marL="895350" indent="-895350">
               <a:lnSpc>
-                <a:spcPct val="110000"/>
+                <a:spcPct val="100000"/>
               </a:lnSpc>
+              <a:buNone/>
             </a:pPr>
             <a:r>
-              <a:rPr lang="fr-FR" sz="1800" dirty="0"/>
-              <a:t>Nouveau </a:t>
-            </a:r>
-            <a:r>
-              <a:rPr lang="fr-FR" sz="1800" dirty="0" err="1"/>
-              <a:t>Pubmed</a:t>
-            </a:r>
-            <a:r>
-              <a:rPr lang="fr-FR" sz="1800" dirty="0"/>
-              <a:t> : Ce qu’il faut savoir. (2020, septembre 28). </a:t>
-            </a:r>
-            <a:r>
-              <a:rPr lang="fr-FR" sz="1800" i="1" dirty="0"/>
-              <a:t>Le blog actualités de la BIU Santé</a:t>
-            </a:r>
-            <a:r>
-              <a:rPr lang="fr-FR" sz="1800" dirty="0"/>
-              <a:t>. </a:t>
-            </a:r>
-            <a:r>
-              <a:rPr lang="fr-FR" sz="1800" dirty="0">
-                <a:hlinkClick r:id="rId3"/>
-              </a:rPr>
-              <a:t>https://www.biusante.parisdescartes.fr/blog/index.php/nouveau-pubmed-ce-quil-faut-savoir/</a:t>
-            </a:r>
-            <a:endParaRPr lang="fr-FR" sz="1800" dirty="0"/>
-          </a:p>
-          <a:p>
-            <a:pPr>
-              <a:lnSpc>
-                <a:spcPct val="110000"/>
-              </a:lnSpc>
-            </a:pPr>
-            <a:r>
-              <a:rPr lang="fr-FR" dirty="0"/>
-              <a:t> Dans la section suivante nous détaillerons les fonctionnalités liées à la recherche impactées par le nouveau </a:t>
-            </a:r>
-            <a:r>
-              <a:rPr lang="fr-FR" dirty="0" err="1"/>
-              <a:t>PubMed</a:t>
-            </a:r>
-            <a:endParaRPr lang="fr-FR" dirty="0"/>
-          </a:p>
-          <a:p>
-            <a:pPr lvl="1">
-              <a:lnSpc>
-                <a:spcPct val="110000"/>
-              </a:lnSpc>
-            </a:pPr>
-            <a:r>
-              <a:rPr lang="fr-FR" dirty="0"/>
-              <a:t>L’algorithme </a:t>
-            </a:r>
-            <a:r>
-              <a:rPr lang="fr-FR" i="1" dirty="0" err="1"/>
-              <a:t>Automatic</a:t>
-            </a:r>
-            <a:r>
-              <a:rPr lang="fr-FR" i="1" dirty="0"/>
-              <a:t> </a:t>
-            </a:r>
-            <a:r>
-              <a:rPr lang="fr-FR" i="1" dirty="0" err="1"/>
-              <a:t>Term</a:t>
-            </a:r>
-            <a:r>
-              <a:rPr lang="fr-FR" i="1" dirty="0"/>
-              <a:t> </a:t>
-            </a:r>
-            <a:r>
-              <a:rPr lang="fr-FR" i="1" dirty="0" err="1"/>
-              <a:t>Mapping</a:t>
-            </a:r>
-            <a:endParaRPr lang="fr-FR" i="1" dirty="0"/>
-          </a:p>
-          <a:p>
-            <a:pPr lvl="1">
-              <a:lnSpc>
-                <a:spcPct val="110000"/>
-              </a:lnSpc>
-            </a:pPr>
-            <a:r>
-              <a:rPr lang="fr-FR" dirty="0"/>
-              <a:t>L’algorithme </a:t>
-            </a:r>
-            <a:r>
-              <a:rPr lang="fr-FR" i="1" dirty="0"/>
-              <a:t>Best match</a:t>
-            </a:r>
-          </a:p>
-          <a:p>
-            <a:pPr lvl="1">
-              <a:lnSpc>
-                <a:spcPct val="110000"/>
-              </a:lnSpc>
-            </a:pPr>
-            <a:r>
-              <a:rPr lang="fr-FR" dirty="0"/>
-              <a:t>La troncature</a:t>
-            </a:r>
-          </a:p>
-          <a:p>
-            <a:pPr lvl="1">
-              <a:lnSpc>
-                <a:spcPct val="110000"/>
-              </a:lnSpc>
-            </a:pPr>
-            <a:r>
-              <a:rPr lang="fr-FR" dirty="0"/>
-              <a:t>La recherche par proximité (nouveauté 2022)</a:t>
-            </a:r>
-          </a:p>
-          <a:p>
-            <a:pPr>
-              <a:lnSpc>
-                <a:spcPct val="110000"/>
-              </a:lnSpc>
-            </a:pPr>
-            <a:endParaRPr lang="fr-FR" dirty="0"/>
+              <a:rPr lang="en-US" sz="2000" dirty="0">
+                <a:solidFill>
+                  <a:schemeClr val="tx1">
+                    <a:lumMod val="75000"/>
+                    <a:lumOff val="25000"/>
+                  </a:schemeClr>
+                </a:solidFill>
+              </a:rPr>
+              <a:t>	RESULTS: For 73 SRs, we limited </a:t>
+            </a:r>
+            <a:r>
+              <a:rPr lang="en-US" sz="2000" dirty="0" err="1">
+                <a:solidFill>
+                  <a:schemeClr val="tx1">
+                    <a:lumMod val="75000"/>
+                    <a:lumOff val="25000"/>
+                  </a:schemeClr>
+                </a:solidFill>
+              </a:rPr>
+              <a:t>Embase</a:t>
+            </a:r>
+            <a:r>
+              <a:rPr lang="en-US" sz="2000" dirty="0">
+                <a:solidFill>
+                  <a:schemeClr val="tx1">
+                    <a:lumMod val="75000"/>
+                    <a:lumOff val="25000"/>
+                  </a:schemeClr>
+                </a:solidFill>
+              </a:rPr>
+              <a:t> searches to major terms only while keeping the search in MEDLINE and other databases such as Web of Science as they were. The overall search yield (or total number of search results) was reduced by 8%. Six reviews (9%) lost more than 5% of the relevant references. Limiting </a:t>
+            </a:r>
+            <a:r>
+              <a:rPr lang="en-US" sz="2000" dirty="0" err="1">
+                <a:solidFill>
+                  <a:schemeClr val="tx1">
+                    <a:lumMod val="75000"/>
+                    <a:lumOff val="25000"/>
+                  </a:schemeClr>
+                </a:solidFill>
+              </a:rPr>
+              <a:t>Embase</a:t>
+            </a:r>
+            <a:r>
+              <a:rPr lang="en-US" sz="2000" dirty="0">
+                <a:solidFill>
+                  <a:schemeClr val="tx1">
+                    <a:lumMod val="75000"/>
+                    <a:lumOff val="25000"/>
+                  </a:schemeClr>
+                </a:solidFill>
+              </a:rPr>
+              <a:t> and MEDLINE to major thesaurus terms, the number of references was 13% lower. For 15% of the reviews, the loss of relevant references was more than 5%. Searching </a:t>
+            </a:r>
+            <a:r>
+              <a:rPr lang="en-US" sz="2000" dirty="0" err="1">
+                <a:solidFill>
+                  <a:schemeClr val="tx1">
+                    <a:lumMod val="75000"/>
+                    <a:lumOff val="25000"/>
+                  </a:schemeClr>
+                </a:solidFill>
+              </a:rPr>
+              <a:t>Embase</a:t>
+            </a:r>
+            <a:r>
+              <a:rPr lang="en-US" sz="2000" dirty="0">
+                <a:solidFill>
+                  <a:schemeClr val="tx1">
+                    <a:lumMod val="75000"/>
+                    <a:lumOff val="25000"/>
+                  </a:schemeClr>
+                </a:solidFill>
+              </a:rPr>
+              <a:t> for title and abstract caused a loss of more than 5% in 16 reviews (22%), while limiting </a:t>
+            </a:r>
+            <a:r>
+              <a:rPr lang="en-US" sz="2000" dirty="0" err="1">
+                <a:solidFill>
+                  <a:schemeClr val="tx1">
+                    <a:lumMod val="75000"/>
+                    <a:lumOff val="25000"/>
+                  </a:schemeClr>
+                </a:solidFill>
+              </a:rPr>
+              <a:t>Embase</a:t>
+            </a:r>
+            <a:r>
+              <a:rPr lang="en-US" sz="2000" dirty="0">
+                <a:solidFill>
+                  <a:schemeClr val="tx1">
+                    <a:lumMod val="75000"/>
+                    <a:lumOff val="25000"/>
+                  </a:schemeClr>
+                </a:solidFill>
+              </a:rPr>
+              <a:t> and MEDLINE that way this happened in 24 reviews (33%).</a:t>
+            </a:r>
+            <a:endParaRPr lang="fr-FR" sz="2000" dirty="0">
+              <a:solidFill>
+                <a:schemeClr val="tx1">
+                  <a:lumMod val="75000"/>
+                  <a:lumOff val="25000"/>
+                </a:schemeClr>
+              </a:solidFill>
+            </a:endParaRPr>
           </a:p>
         </p:txBody>
       </p:sp>
@@ -6840,7 +7311,7 @@
           <a:p>
             <a:r>
               <a:rPr lang="fr-FR" smtClean="0"/>
-              <a:t>F. Flamerie - Trucs et astuces de PubMed - màj : 2023-05-31</a:t>
+              <a:t>F. Flamerie - Trucs et astuces de PubMed - màj : 2023-11-24</a:t>
             </a:r>
             <a:endParaRPr lang="fr-FR" dirty="0"/>
           </a:p>
@@ -6873,7 +7344,7 @@
     </p:spTree>
     <p:extLst>
       <p:ext uri="{BB962C8B-B14F-4D97-AF65-F5344CB8AC3E}">
-        <p14:creationId xmlns:p14="http://schemas.microsoft.com/office/powerpoint/2010/main" val="4114425955"/>
+        <p14:creationId xmlns:p14="http://schemas.microsoft.com/office/powerpoint/2010/main" val="2580593466"/>
       </p:ext>
     </p:extLst>
   </p:cSld>
@@ -6910,6 +7381,325 @@
             <p:ph type="title"/>
           </p:nvPr>
         </p:nvSpPr>
+        <p:spPr>
+          <a:xfrm>
+            <a:off x="838200" y="0"/>
+            <a:ext cx="10515600" cy="1325563"/>
+          </a:xfrm>
+        </p:spPr>
+        <p:txBody>
+          <a:bodyPr/>
+          <a:lstStyle/>
+          <a:p>
+            <a:r>
+              <a:rPr lang="fr-FR" dirty="0"/>
+              <a:t>Fonctionnalités</a:t>
+            </a:r>
+          </a:p>
+        </p:txBody>
+      </p:sp>
+      <p:sp>
+        <p:nvSpPr>
+          <p:cNvPr id="3" name="Espace réservé du contenu 2"/>
+          <p:cNvSpPr>
+            <a:spLocks noGrp="1"/>
+          </p:cNvSpPr>
+          <p:nvPr>
+            <p:ph idx="1"/>
+          </p:nvPr>
+        </p:nvSpPr>
+        <p:spPr>
+          <a:xfrm>
+            <a:off x="838200" y="999248"/>
+            <a:ext cx="10515600" cy="5683418"/>
+          </a:xfrm>
+        </p:spPr>
+        <p:txBody>
+          <a:bodyPr>
+            <a:normAutofit/>
+          </a:bodyPr>
+          <a:lstStyle/>
+          <a:p>
+            <a:pPr>
+              <a:lnSpc>
+                <a:spcPct val="110000"/>
+              </a:lnSpc>
+            </a:pPr>
+            <a:r>
+              <a:rPr lang="fr-FR" dirty="0"/>
+              <a:t> Récapitulatifs des modifications/nouveautés dans la navigation, l’affichage, les exports, induites par le nouveau </a:t>
+            </a:r>
+            <a:r>
+              <a:rPr lang="fr-FR" dirty="0" err="1"/>
+              <a:t>PubMed</a:t>
+            </a:r>
+            <a:r>
+              <a:rPr lang="fr-FR" dirty="0"/>
+              <a:t> </a:t>
+            </a:r>
+          </a:p>
+          <a:p>
+            <a:pPr lvl="1">
+              <a:lnSpc>
+                <a:spcPct val="110000"/>
+              </a:lnSpc>
+            </a:pPr>
+            <a:r>
+              <a:rPr lang="fr-FR" sz="1800" dirty="0" err="1"/>
+              <a:t>Elmers</a:t>
+            </a:r>
+            <a:r>
+              <a:rPr lang="fr-FR" sz="1800" dirty="0"/>
+              <a:t>, J., </a:t>
+            </a:r>
+            <a:r>
+              <a:rPr lang="fr-FR" sz="1800" dirty="0" err="1"/>
+              <a:t>Trombert</a:t>
+            </a:r>
+            <a:r>
+              <a:rPr lang="fr-FR" sz="1800" dirty="0"/>
+              <a:t>, A., &amp; Jaques, C. (2020). </a:t>
+            </a:r>
+            <a:r>
+              <a:rPr lang="fr-FR" sz="1800" i="1" dirty="0"/>
+              <a:t>Nouveau </a:t>
+            </a:r>
+            <a:r>
+              <a:rPr lang="fr-FR" sz="1800" i="1" dirty="0" err="1"/>
+              <a:t>PubMed</a:t>
+            </a:r>
+            <a:r>
+              <a:rPr lang="fr-FR" sz="1800" i="1" dirty="0"/>
+              <a:t> : Nouvelles fonctionnalités et améliorations</a:t>
+            </a:r>
+            <a:r>
+              <a:rPr lang="fr-FR" sz="1800" dirty="0"/>
+              <a:t>. Bibliothèque universitaire de médecine Lausanne. </a:t>
+            </a:r>
+            <a:r>
+              <a:rPr lang="fr-FR" sz="1800" dirty="0">
+                <a:hlinkClick r:id="rId2"/>
+              </a:rPr>
+              <a:t>https://www.bium.ch/newpubmed/</a:t>
+            </a:r>
+            <a:endParaRPr lang="fr-FR" sz="1800" dirty="0"/>
+          </a:p>
+          <a:p>
+            <a:pPr lvl="1">
+              <a:lnSpc>
+                <a:spcPct val="110000"/>
+              </a:lnSpc>
+            </a:pPr>
+            <a:r>
+              <a:rPr lang="fr-FR" sz="1800" dirty="0"/>
+              <a:t>Nouveau </a:t>
+            </a:r>
+            <a:r>
+              <a:rPr lang="fr-FR" sz="1800" dirty="0" err="1"/>
+              <a:t>Pubmed</a:t>
+            </a:r>
+            <a:r>
+              <a:rPr lang="fr-FR" sz="1800" dirty="0"/>
+              <a:t> : Ce qu’il faut savoir. (2020, septembre 28). </a:t>
+            </a:r>
+            <a:r>
+              <a:rPr lang="fr-FR" sz="1800" i="1" dirty="0"/>
+              <a:t>Le blog actualités de la BIU Santé</a:t>
+            </a:r>
+            <a:r>
+              <a:rPr lang="fr-FR" sz="1800" dirty="0"/>
+              <a:t>. </a:t>
+            </a:r>
+            <a:r>
+              <a:rPr lang="fr-FR" sz="1800" dirty="0">
+                <a:hlinkClick r:id="rId3"/>
+              </a:rPr>
+              <a:t>https://www.biusante.parisdescartes.fr/blog/index.php/nouveau-pubmed-ce-quil-faut-savoir/</a:t>
+            </a:r>
+            <a:endParaRPr lang="fr-FR" sz="1800" dirty="0"/>
+          </a:p>
+          <a:p>
+            <a:pPr>
+              <a:lnSpc>
+                <a:spcPct val="110000"/>
+              </a:lnSpc>
+            </a:pPr>
+            <a:r>
+              <a:rPr lang="fr-FR" dirty="0"/>
+              <a:t> Dans la section suivante nous détaillerons les fonctionnalités liées à la recherche impactées par le nouveau </a:t>
+            </a:r>
+            <a:r>
+              <a:rPr lang="fr-FR" dirty="0" err="1"/>
+              <a:t>PubMed</a:t>
+            </a:r>
+            <a:endParaRPr lang="fr-FR" dirty="0"/>
+          </a:p>
+          <a:p>
+            <a:pPr lvl="1">
+              <a:lnSpc>
+                <a:spcPct val="110000"/>
+              </a:lnSpc>
+            </a:pPr>
+            <a:r>
+              <a:rPr lang="fr-FR" dirty="0"/>
+              <a:t>L’algorithme </a:t>
+            </a:r>
+            <a:r>
+              <a:rPr lang="fr-FR" i="1" dirty="0" err="1"/>
+              <a:t>Automatic</a:t>
+            </a:r>
+            <a:r>
+              <a:rPr lang="fr-FR" i="1" dirty="0"/>
+              <a:t> </a:t>
+            </a:r>
+            <a:r>
+              <a:rPr lang="fr-FR" i="1" dirty="0" err="1"/>
+              <a:t>Term</a:t>
+            </a:r>
+            <a:r>
+              <a:rPr lang="fr-FR" i="1" dirty="0"/>
+              <a:t> </a:t>
+            </a:r>
+            <a:r>
+              <a:rPr lang="fr-FR" i="1" dirty="0" err="1"/>
+              <a:t>Mapping</a:t>
+            </a:r>
+            <a:endParaRPr lang="fr-FR" i="1" dirty="0"/>
+          </a:p>
+          <a:p>
+            <a:pPr lvl="1">
+              <a:lnSpc>
+                <a:spcPct val="110000"/>
+              </a:lnSpc>
+            </a:pPr>
+            <a:r>
+              <a:rPr lang="fr-FR" dirty="0"/>
+              <a:t>L’algorithme </a:t>
+            </a:r>
+            <a:r>
+              <a:rPr lang="fr-FR" i="1" dirty="0"/>
+              <a:t>Best match</a:t>
+            </a:r>
+          </a:p>
+          <a:p>
+            <a:pPr lvl="1">
+              <a:lnSpc>
+                <a:spcPct val="110000"/>
+              </a:lnSpc>
+            </a:pPr>
+            <a:r>
+              <a:rPr lang="fr-FR" dirty="0"/>
+              <a:t>La troncature</a:t>
+            </a:r>
+          </a:p>
+          <a:p>
+            <a:pPr lvl="1">
+              <a:lnSpc>
+                <a:spcPct val="110000"/>
+              </a:lnSpc>
+            </a:pPr>
+            <a:r>
+              <a:rPr lang="fr-FR" dirty="0"/>
+              <a:t>La recherche par proximité (nouveauté 2022)</a:t>
+            </a:r>
+          </a:p>
+          <a:p>
+            <a:pPr>
+              <a:lnSpc>
+                <a:spcPct val="110000"/>
+              </a:lnSpc>
+            </a:pPr>
+            <a:endParaRPr lang="fr-FR" dirty="0"/>
+          </a:p>
+        </p:txBody>
+      </p:sp>
+      <p:sp>
+        <p:nvSpPr>
+          <p:cNvPr id="4" name="Espace réservé du pied de page 3"/>
+          <p:cNvSpPr>
+            <a:spLocks noGrp="1"/>
+          </p:cNvSpPr>
+          <p:nvPr>
+            <p:ph type="ftr" sz="quarter" idx="11"/>
+          </p:nvPr>
+        </p:nvSpPr>
+        <p:spPr/>
+        <p:txBody>
+          <a:bodyPr/>
+          <a:lstStyle/>
+          <a:p>
+            <a:r>
+              <a:rPr lang="fr-FR" smtClean="0"/>
+              <a:t>F. Flamerie - Trucs et astuces de PubMed - màj : 2023-11-24</a:t>
+            </a:r>
+            <a:endParaRPr lang="fr-FR" dirty="0"/>
+          </a:p>
+        </p:txBody>
+      </p:sp>
+      <p:sp>
+        <p:nvSpPr>
+          <p:cNvPr id="5" name="Espace réservé du numéro de diapositive 4"/>
+          <p:cNvSpPr>
+            <a:spLocks noGrp="1"/>
+          </p:cNvSpPr>
+          <p:nvPr>
+            <p:ph type="sldNum" sz="quarter" idx="12"/>
+          </p:nvPr>
+        </p:nvSpPr>
+        <p:spPr/>
+        <p:txBody>
+          <a:bodyPr/>
+          <a:lstStyle/>
+          <a:p>
+            <a:fld id="{99E13252-68E5-4994-B57B-B03F39B52C7D}" type="slidenum">
+              <a:rPr lang="fr-FR" smtClean="0"/>
+              <a:pPr/>
+              <a:t>16</a:t>
+            </a:fld>
+            <a:endParaRPr lang="fr-FR" dirty="0"/>
+          </a:p>
+        </p:txBody>
+      </p:sp>
+    </p:spTree>
+    <p:extLst>
+      <p:ext uri="{BB962C8B-B14F-4D97-AF65-F5344CB8AC3E}">
+        <p14:creationId xmlns:p14="http://schemas.microsoft.com/office/powerpoint/2010/main" val="4114425955"/>
+      </p:ext>
+    </p:extLst>
+  </p:cSld>
+  <p:clrMapOvr>
+    <a:masterClrMapping/>
+  </p:clrMapOvr>
+</p:sld>
+</file>
+
+<file path=ppt/slides/slide17.xml><?xml version="1.0" encoding="utf-8"?>
+<p:sld xmlns:a="http://schemas.openxmlformats.org/drawingml/2006/main" xmlns:r="http://schemas.openxmlformats.org/officeDocument/2006/relationships" xmlns:p="http://schemas.openxmlformats.org/presentationml/2006/main">
+  <p:cSld>
+    <p:spTree>
+      <p:nvGrpSpPr>
+        <p:cNvPr id="1" name=""/>
+        <p:cNvGrpSpPr/>
+        <p:nvPr/>
+      </p:nvGrpSpPr>
+      <p:grpSpPr>
+        <a:xfrm>
+          <a:off x="0" y="0"/>
+          <a:ext cx="0" cy="0"/>
+          <a:chOff x="0" y="0"/>
+          <a:chExt cx="0" cy="0"/>
+        </a:xfrm>
+      </p:grpSpPr>
+      <p:sp>
+        <p:nvSpPr>
+          <p:cNvPr id="2" name="Titre 1"/>
+          <p:cNvSpPr>
+            <a:spLocks noGrp="1"/>
+          </p:cNvSpPr>
+          <p:nvPr>
+            <p:ph type="title"/>
+          </p:nvPr>
+        </p:nvSpPr>
         <p:spPr/>
         <p:txBody>
           <a:bodyPr>
@@ -7001,7 +7791,7 @@
           <a:p>
             <a:r>
               <a:rPr lang="fr-FR" smtClean="0"/>
-              <a:t>F. Flamerie - Trucs et astuces de PubMed - màj : 2023-05-31</a:t>
+              <a:t>F. Flamerie - Trucs et astuces de PubMed - màj : 2023-11-24</a:t>
             </a:r>
             <a:endParaRPr lang="fr-FR" dirty="0"/>
           </a:p>
@@ -7025,7 +7815,7 @@
             <a:fld id="{99E13252-68E5-4994-B57B-B03F39B52C7D}" type="slidenum">
               <a:rPr lang="fr-FR" smtClean="0"/>
               <a:pPr/>
-              <a:t>16</a:t>
+              <a:t>17</a:t>
             </a:fld>
             <a:endParaRPr lang="fr-FR" dirty="0"/>
           </a:p>
@@ -7537,7 +8327,7 @@
 </p:sld>
 </file>
 
-<file path=ppt/slides/slide17.xml><?xml version="1.0" encoding="utf-8"?>
+<file path=ppt/slides/slide18.xml><?xml version="1.0" encoding="utf-8"?>
 <p:sld xmlns:a="http://schemas.openxmlformats.org/drawingml/2006/main" xmlns:r="http://schemas.openxmlformats.org/officeDocument/2006/relationships" xmlns:p="http://schemas.openxmlformats.org/presentationml/2006/main">
   <p:cSld>
     <p:spTree>
@@ -7700,7 +8490,7 @@
           <a:p>
             <a:r>
               <a:rPr lang="fr-FR" smtClean="0"/>
-              <a:t>F. Flamerie - Trucs et astuces de PubMed - màj : 2023-05-31</a:t>
+              <a:t>F. Flamerie - Trucs et astuces de PubMed - màj : 2023-11-24</a:t>
             </a:r>
             <a:endParaRPr lang="fr-FR"/>
           </a:p>
@@ -7723,7 +8513,7 @@
           <a:p>
             <a:fld id="{99E13252-68E5-4994-B57B-B03F39B52C7D}" type="slidenum">
               <a:rPr lang="fr-FR" smtClean="0"/>
-              <a:t>17</a:t>
+              <a:t>18</a:t>
             </a:fld>
             <a:endParaRPr lang="fr-FR"/>
           </a:p>
@@ -7820,7 +8610,7 @@
 </p:sld>
 </file>
 
-<file path=ppt/slides/slide18.xml><?xml version="1.0" encoding="utf-8"?>
+<file path=ppt/slides/slide19.xml><?xml version="1.0" encoding="utf-8"?>
 <p:sld xmlns:a="http://schemas.openxmlformats.org/drawingml/2006/main" xmlns:r="http://schemas.openxmlformats.org/officeDocument/2006/relationships" xmlns:p="http://schemas.openxmlformats.org/presentationml/2006/main">
   <p:cSld>
     <p:spTree>
@@ -8122,7 +8912,7 @@
           <a:p>
             <a:r>
               <a:rPr lang="fr-FR" smtClean="0"/>
-              <a:t>F. Flamerie - Trucs et astuces de PubMed - màj : 2023-05-31</a:t>
+              <a:t>F. Flamerie - Trucs et astuces de PubMed - màj : 2023-11-24</a:t>
             </a:r>
             <a:endParaRPr lang="fr-FR"/>
           </a:p>
@@ -8145,7 +8935,7 @@
           <a:p>
             <a:fld id="{99E13252-68E5-4994-B57B-B03F39B52C7D}" type="slidenum">
               <a:rPr lang="fr-FR" smtClean="0"/>
-              <a:t>18</a:t>
+              <a:t>19</a:t>
             </a:fld>
             <a:endParaRPr lang="fr-FR"/>
           </a:p>
@@ -8548,347 +9338,6 @@
 </p:sld>
 </file>
 
-<file path=ppt/slides/slide19.xml><?xml version="1.0" encoding="utf-8"?>
-<p:sld xmlns:a="http://schemas.openxmlformats.org/drawingml/2006/main" xmlns:r="http://schemas.openxmlformats.org/officeDocument/2006/relationships" xmlns:p="http://schemas.openxmlformats.org/presentationml/2006/main">
-  <p:cSld>
-    <p:spTree>
-      <p:nvGrpSpPr>
-        <p:cNvPr id="1" name=""/>
-        <p:cNvGrpSpPr/>
-        <p:nvPr/>
-      </p:nvGrpSpPr>
-      <p:grpSpPr>
-        <a:xfrm>
-          <a:off x="0" y="0"/>
-          <a:ext cx="0" cy="0"/>
-          <a:chOff x="0" y="0"/>
-          <a:chExt cx="0" cy="0"/>
-        </a:xfrm>
-      </p:grpSpPr>
-      <p:sp>
-        <p:nvSpPr>
-          <p:cNvPr id="2" name="Titre 1"/>
-          <p:cNvSpPr>
-            <a:spLocks noGrp="1"/>
-          </p:cNvSpPr>
-          <p:nvPr>
-            <p:ph type="title"/>
-          </p:nvPr>
-        </p:nvSpPr>
-        <p:spPr/>
-        <p:txBody>
-          <a:bodyPr/>
-          <a:lstStyle/>
-          <a:p>
-            <a:r>
-              <a:rPr lang="fr-FR" dirty="0"/>
-              <a:t>Mode 1 : la recherche simple</a:t>
-            </a:r>
-          </a:p>
-        </p:txBody>
-      </p:sp>
-      <p:sp>
-        <p:nvSpPr>
-          <p:cNvPr id="3" name="Espace réservé du contenu 2"/>
-          <p:cNvSpPr>
-            <a:spLocks noGrp="1"/>
-          </p:cNvSpPr>
-          <p:nvPr>
-            <p:ph idx="1"/>
-          </p:nvPr>
-        </p:nvSpPr>
-        <p:spPr>
-          <a:xfrm>
-            <a:off x="838200" y="1561856"/>
-            <a:ext cx="10515600" cy="5070438"/>
-          </a:xfrm>
-        </p:spPr>
-        <p:txBody>
-          <a:bodyPr>
-            <a:normAutofit fontScale="85000" lnSpcReduction="20000"/>
-          </a:bodyPr>
-          <a:lstStyle/>
-          <a:p>
-            <a:pPr>
-              <a:lnSpc>
-                <a:spcPct val="120000"/>
-              </a:lnSpc>
-              <a:spcBef>
-                <a:spcPct val="0"/>
-              </a:spcBef>
-              <a:defRPr/>
-            </a:pPr>
-            <a:r>
-              <a:rPr lang="fr-FR" dirty="0"/>
-              <a:t> Dans ce mode de recherche, </a:t>
-            </a:r>
-            <a:r>
-              <a:rPr lang="fr-FR" dirty="0" err="1"/>
-              <a:t>PubMed</a:t>
-            </a:r>
-            <a:r>
-              <a:rPr lang="fr-FR" dirty="0"/>
-              <a:t> cherche automatiquement une correspondance avec les termes saisis :</a:t>
-            </a:r>
-          </a:p>
-          <a:p>
-            <a:pPr lvl="1">
-              <a:lnSpc>
-                <a:spcPct val="120000"/>
-              </a:lnSpc>
-              <a:spcBef>
-                <a:spcPct val="0"/>
-              </a:spcBef>
-              <a:defRPr/>
-            </a:pPr>
-            <a:r>
-              <a:rPr lang="fr-FR" dirty="0"/>
-              <a:t>dans le </a:t>
-            </a:r>
-            <a:r>
-              <a:rPr lang="fr-FR" dirty="0" err="1">
-                <a:solidFill>
-                  <a:srgbClr val="009DE0"/>
-                </a:solidFill>
-              </a:rPr>
-              <a:t>MeSH</a:t>
-            </a:r>
-            <a:r>
-              <a:rPr lang="fr-FR" dirty="0"/>
-              <a:t>, </a:t>
-            </a:r>
-          </a:p>
-          <a:p>
-            <a:pPr lvl="1">
-              <a:lnSpc>
-                <a:spcPct val="120000"/>
-              </a:lnSpc>
-              <a:spcBef>
-                <a:spcPct val="0"/>
-              </a:spcBef>
-              <a:defRPr/>
-            </a:pPr>
-            <a:r>
-              <a:rPr lang="fr-FR" dirty="0"/>
-              <a:t>puis dans l’index des </a:t>
-            </a:r>
-            <a:r>
-              <a:rPr lang="fr-FR" dirty="0">
-                <a:solidFill>
-                  <a:srgbClr val="009DE0"/>
-                </a:solidFill>
-              </a:rPr>
-              <a:t>titres de revue</a:t>
-            </a:r>
-            <a:r>
-              <a:rPr lang="fr-FR" dirty="0"/>
-              <a:t>, </a:t>
-            </a:r>
-          </a:p>
-          <a:p>
-            <a:pPr lvl="1">
-              <a:lnSpc>
-                <a:spcPct val="120000"/>
-              </a:lnSpc>
-              <a:spcBef>
-                <a:spcPct val="0"/>
-              </a:spcBef>
-              <a:defRPr/>
-            </a:pPr>
-            <a:r>
-              <a:rPr lang="fr-FR" dirty="0"/>
-              <a:t>puis dans l’index des </a:t>
-            </a:r>
-            <a:r>
-              <a:rPr lang="fr-FR" dirty="0">
-                <a:solidFill>
-                  <a:srgbClr val="009DE0"/>
-                </a:solidFill>
-              </a:rPr>
-              <a:t>auteurs</a:t>
-            </a:r>
-            <a:r>
-              <a:rPr lang="fr-FR" dirty="0"/>
-              <a:t>. </a:t>
-            </a:r>
-          </a:p>
-          <a:p>
-            <a:pPr marL="0" indent="0">
-              <a:lnSpc>
-                <a:spcPct val="120000"/>
-              </a:lnSpc>
-              <a:buNone/>
-              <a:defRPr/>
-            </a:pPr>
-            <a:r>
-              <a:rPr lang="fr-FR" dirty="0"/>
-              <a:t>La recherche est lancée en plus </a:t>
-            </a:r>
-            <a:r>
-              <a:rPr lang="fr-FR" dirty="0">
-                <a:solidFill>
-                  <a:srgbClr val="009DE0"/>
-                </a:solidFill>
-              </a:rPr>
-              <a:t>dans tous les champs</a:t>
-            </a:r>
-            <a:r>
-              <a:rPr lang="fr-FR" dirty="0"/>
-              <a:t> (résumé, auteur, etc.). </a:t>
-            </a:r>
-          </a:p>
-          <a:p>
-            <a:pPr>
-              <a:lnSpc>
-                <a:spcPct val="120000"/>
-              </a:lnSpc>
-            </a:pPr>
-            <a:r>
-              <a:rPr lang="fr-FR" dirty="0"/>
-              <a:t> Dans le nouveau </a:t>
-            </a:r>
-            <a:r>
-              <a:rPr lang="fr-FR" dirty="0" err="1"/>
-              <a:t>PubMed</a:t>
-            </a:r>
-            <a:r>
-              <a:rPr lang="fr-FR" dirty="0"/>
-              <a:t>, l’ATM a été enrichi pour prendre notamment en compte :</a:t>
-            </a:r>
-          </a:p>
-          <a:p>
-            <a:pPr lvl="1">
-              <a:lnSpc>
-                <a:spcPct val="120000"/>
-              </a:lnSpc>
-            </a:pPr>
-            <a:r>
-              <a:rPr lang="fr-FR" dirty="0"/>
-              <a:t>davantage de variations et de synonymes,</a:t>
-            </a:r>
-          </a:p>
-          <a:p>
-            <a:pPr lvl="1">
-              <a:lnSpc>
-                <a:spcPct val="120000"/>
-              </a:lnSpc>
-            </a:pPr>
-            <a:r>
-              <a:rPr lang="fr-FR" dirty="0"/>
-              <a:t>les variations singulier/pluriel,</a:t>
-            </a:r>
-          </a:p>
-          <a:p>
-            <a:pPr lvl="1">
-              <a:lnSpc>
-                <a:spcPct val="120000"/>
-              </a:lnSpc>
-            </a:pPr>
-            <a:r>
-              <a:rPr lang="fr-FR" dirty="0"/>
-              <a:t>les équivalents anglais et américains d’un même mot.</a:t>
-            </a:r>
-          </a:p>
-          <a:p>
-            <a:pPr>
-              <a:lnSpc>
-                <a:spcPct val="120000"/>
-              </a:lnSpc>
-            </a:pPr>
-            <a:r>
-              <a:rPr lang="fr-FR" dirty="0">
-                <a:hlinkClick r:id="rId2"/>
-              </a:rPr>
-              <a:t> En savoir plus sur l’ATM sur le site de </a:t>
-            </a:r>
-            <a:r>
-              <a:rPr lang="fr-FR" dirty="0" err="1">
-                <a:hlinkClick r:id="rId2"/>
-              </a:rPr>
-              <a:t>PubMed</a:t>
-            </a:r>
-            <a:endParaRPr lang="fr-FR" dirty="0"/>
-          </a:p>
-          <a:p>
-            <a:pPr marL="0" indent="0">
-              <a:lnSpc>
-                <a:spcPct val="120000"/>
-              </a:lnSpc>
-              <a:buNone/>
-              <a:defRPr/>
-            </a:pPr>
-            <a:endParaRPr lang="fr-FR" dirty="0"/>
-          </a:p>
-          <a:p>
-            <a:pPr>
-              <a:lnSpc>
-                <a:spcPct val="120000"/>
-              </a:lnSpc>
-            </a:pPr>
-            <a:endParaRPr lang="fr-FR" dirty="0"/>
-          </a:p>
-        </p:txBody>
-      </p:sp>
-      <p:sp>
-        <p:nvSpPr>
-          <p:cNvPr id="4" name="Espace réservé du pied de page 3"/>
-          <p:cNvSpPr>
-            <a:spLocks noGrp="1"/>
-          </p:cNvSpPr>
-          <p:nvPr>
-            <p:ph type="ftr" sz="quarter" idx="11"/>
-          </p:nvPr>
-        </p:nvSpPr>
-        <p:spPr/>
-        <p:txBody>
-          <a:bodyPr/>
-          <a:lstStyle/>
-          <a:p>
-            <a:r>
-              <a:rPr lang="fr-FR" smtClean="0"/>
-              <a:t>F. Flamerie - Trucs et astuces de PubMed - màj : 2023-05-31</a:t>
-            </a:r>
-            <a:endParaRPr lang="fr-FR" dirty="0"/>
-          </a:p>
-        </p:txBody>
-      </p:sp>
-      <p:sp>
-        <p:nvSpPr>
-          <p:cNvPr id="5" name="Espace réservé du numéro de diapositive 4"/>
-          <p:cNvSpPr>
-            <a:spLocks noGrp="1"/>
-          </p:cNvSpPr>
-          <p:nvPr>
-            <p:ph type="sldNum" sz="quarter" idx="12"/>
-          </p:nvPr>
-        </p:nvSpPr>
-        <p:spPr/>
-        <p:txBody>
-          <a:bodyPr/>
-          <a:lstStyle/>
-          <a:p>
-            <a:fld id="{99E13252-68E5-4994-B57B-B03F39B52C7D}" type="slidenum">
-              <a:rPr lang="fr-FR" smtClean="0"/>
-              <a:pPr/>
-              <a:t>19</a:t>
-            </a:fld>
-            <a:endParaRPr lang="fr-FR" dirty="0"/>
-          </a:p>
-        </p:txBody>
-      </p:sp>
-    </p:spTree>
-    <p:extLst>
-      <p:ext uri="{BB962C8B-B14F-4D97-AF65-F5344CB8AC3E}">
-        <p14:creationId xmlns:p14="http://schemas.microsoft.com/office/powerpoint/2010/main" val="1889610028"/>
-      </p:ext>
-    </p:extLst>
-  </p:cSld>
-  <p:clrMapOvr>
-    <a:masterClrMapping/>
-  </p:clrMapOvr>
-</p:sld>
-</file>
-
 <file path=ppt/slides/slide2.xml><?xml version="1.0" encoding="utf-8"?>
 <p:sld xmlns:a="http://schemas.openxmlformats.org/drawingml/2006/main" xmlns:r="http://schemas.openxmlformats.org/officeDocument/2006/relationships" xmlns:p="http://schemas.openxmlformats.org/presentationml/2006/main">
   <p:cSld>
@@ -9069,7 +9518,7 @@
           <a:p>
             <a:r>
               <a:rPr lang="fr-FR" smtClean="0"/>
-              <a:t>F. Flamerie - Trucs et astuces de PubMed - màj : 2023-05-31</a:t>
+              <a:t>F. Flamerie - Trucs et astuces de PubMed - màj : 2023-11-24</a:t>
             </a:r>
             <a:endParaRPr lang="fr-FR" dirty="0"/>
           </a:p>
@@ -9138,6 +9587,347 @@
             <p:ph type="title"/>
           </p:nvPr>
         </p:nvSpPr>
+        <p:spPr/>
+        <p:txBody>
+          <a:bodyPr/>
+          <a:lstStyle/>
+          <a:p>
+            <a:r>
+              <a:rPr lang="fr-FR" dirty="0"/>
+              <a:t>Mode 1 : la recherche simple</a:t>
+            </a:r>
+          </a:p>
+        </p:txBody>
+      </p:sp>
+      <p:sp>
+        <p:nvSpPr>
+          <p:cNvPr id="3" name="Espace réservé du contenu 2"/>
+          <p:cNvSpPr>
+            <a:spLocks noGrp="1"/>
+          </p:cNvSpPr>
+          <p:nvPr>
+            <p:ph idx="1"/>
+          </p:nvPr>
+        </p:nvSpPr>
+        <p:spPr>
+          <a:xfrm>
+            <a:off x="838200" y="1561856"/>
+            <a:ext cx="10515600" cy="5070438"/>
+          </a:xfrm>
+        </p:spPr>
+        <p:txBody>
+          <a:bodyPr>
+            <a:normAutofit fontScale="85000" lnSpcReduction="20000"/>
+          </a:bodyPr>
+          <a:lstStyle/>
+          <a:p>
+            <a:pPr>
+              <a:lnSpc>
+                <a:spcPct val="120000"/>
+              </a:lnSpc>
+              <a:spcBef>
+                <a:spcPct val="0"/>
+              </a:spcBef>
+              <a:defRPr/>
+            </a:pPr>
+            <a:r>
+              <a:rPr lang="fr-FR" dirty="0"/>
+              <a:t> Dans ce mode de recherche, </a:t>
+            </a:r>
+            <a:r>
+              <a:rPr lang="fr-FR" dirty="0" err="1"/>
+              <a:t>PubMed</a:t>
+            </a:r>
+            <a:r>
+              <a:rPr lang="fr-FR" dirty="0"/>
+              <a:t> cherche automatiquement une correspondance avec les termes saisis :</a:t>
+            </a:r>
+          </a:p>
+          <a:p>
+            <a:pPr lvl="1">
+              <a:lnSpc>
+                <a:spcPct val="120000"/>
+              </a:lnSpc>
+              <a:spcBef>
+                <a:spcPct val="0"/>
+              </a:spcBef>
+              <a:defRPr/>
+            </a:pPr>
+            <a:r>
+              <a:rPr lang="fr-FR" dirty="0"/>
+              <a:t>dans le </a:t>
+            </a:r>
+            <a:r>
+              <a:rPr lang="fr-FR" dirty="0" err="1">
+                <a:solidFill>
+                  <a:srgbClr val="009DE0"/>
+                </a:solidFill>
+              </a:rPr>
+              <a:t>MeSH</a:t>
+            </a:r>
+            <a:r>
+              <a:rPr lang="fr-FR" dirty="0"/>
+              <a:t>, </a:t>
+            </a:r>
+          </a:p>
+          <a:p>
+            <a:pPr lvl="1">
+              <a:lnSpc>
+                <a:spcPct val="120000"/>
+              </a:lnSpc>
+              <a:spcBef>
+                <a:spcPct val="0"/>
+              </a:spcBef>
+              <a:defRPr/>
+            </a:pPr>
+            <a:r>
+              <a:rPr lang="fr-FR" dirty="0"/>
+              <a:t>puis dans l’index des </a:t>
+            </a:r>
+            <a:r>
+              <a:rPr lang="fr-FR" dirty="0">
+                <a:solidFill>
+                  <a:srgbClr val="009DE0"/>
+                </a:solidFill>
+              </a:rPr>
+              <a:t>titres de revue</a:t>
+            </a:r>
+            <a:r>
+              <a:rPr lang="fr-FR" dirty="0"/>
+              <a:t>, </a:t>
+            </a:r>
+          </a:p>
+          <a:p>
+            <a:pPr lvl="1">
+              <a:lnSpc>
+                <a:spcPct val="120000"/>
+              </a:lnSpc>
+              <a:spcBef>
+                <a:spcPct val="0"/>
+              </a:spcBef>
+              <a:defRPr/>
+            </a:pPr>
+            <a:r>
+              <a:rPr lang="fr-FR" dirty="0"/>
+              <a:t>puis dans l’index des </a:t>
+            </a:r>
+            <a:r>
+              <a:rPr lang="fr-FR" dirty="0">
+                <a:solidFill>
+                  <a:srgbClr val="009DE0"/>
+                </a:solidFill>
+              </a:rPr>
+              <a:t>auteurs</a:t>
+            </a:r>
+            <a:r>
+              <a:rPr lang="fr-FR" dirty="0"/>
+              <a:t>. </a:t>
+            </a:r>
+          </a:p>
+          <a:p>
+            <a:pPr marL="0" indent="0">
+              <a:lnSpc>
+                <a:spcPct val="120000"/>
+              </a:lnSpc>
+              <a:buNone/>
+              <a:defRPr/>
+            </a:pPr>
+            <a:r>
+              <a:rPr lang="fr-FR" dirty="0"/>
+              <a:t>La recherche est lancée en plus </a:t>
+            </a:r>
+            <a:r>
+              <a:rPr lang="fr-FR" dirty="0">
+                <a:solidFill>
+                  <a:srgbClr val="009DE0"/>
+                </a:solidFill>
+              </a:rPr>
+              <a:t>dans tous les champs</a:t>
+            </a:r>
+            <a:r>
+              <a:rPr lang="fr-FR" dirty="0"/>
+              <a:t> (résumé, auteur, etc.). </a:t>
+            </a:r>
+          </a:p>
+          <a:p>
+            <a:pPr>
+              <a:lnSpc>
+                <a:spcPct val="120000"/>
+              </a:lnSpc>
+            </a:pPr>
+            <a:r>
+              <a:rPr lang="fr-FR" dirty="0"/>
+              <a:t> Dans le nouveau </a:t>
+            </a:r>
+            <a:r>
+              <a:rPr lang="fr-FR" dirty="0" err="1"/>
+              <a:t>PubMed</a:t>
+            </a:r>
+            <a:r>
+              <a:rPr lang="fr-FR" dirty="0"/>
+              <a:t>, l’ATM a été enrichi pour prendre notamment en compte :</a:t>
+            </a:r>
+          </a:p>
+          <a:p>
+            <a:pPr lvl="1">
+              <a:lnSpc>
+                <a:spcPct val="120000"/>
+              </a:lnSpc>
+            </a:pPr>
+            <a:r>
+              <a:rPr lang="fr-FR" dirty="0"/>
+              <a:t>davantage de variations et de synonymes,</a:t>
+            </a:r>
+          </a:p>
+          <a:p>
+            <a:pPr lvl="1">
+              <a:lnSpc>
+                <a:spcPct val="120000"/>
+              </a:lnSpc>
+            </a:pPr>
+            <a:r>
+              <a:rPr lang="fr-FR" dirty="0"/>
+              <a:t>les variations singulier/pluriel,</a:t>
+            </a:r>
+          </a:p>
+          <a:p>
+            <a:pPr lvl="1">
+              <a:lnSpc>
+                <a:spcPct val="120000"/>
+              </a:lnSpc>
+            </a:pPr>
+            <a:r>
+              <a:rPr lang="fr-FR" dirty="0"/>
+              <a:t>les équivalents anglais et américains d’un même mot.</a:t>
+            </a:r>
+          </a:p>
+          <a:p>
+            <a:pPr>
+              <a:lnSpc>
+                <a:spcPct val="120000"/>
+              </a:lnSpc>
+            </a:pPr>
+            <a:r>
+              <a:rPr lang="fr-FR" dirty="0">
+                <a:hlinkClick r:id="rId2"/>
+              </a:rPr>
+              <a:t> En savoir plus sur l’ATM sur le site de </a:t>
+            </a:r>
+            <a:r>
+              <a:rPr lang="fr-FR" dirty="0" err="1">
+                <a:hlinkClick r:id="rId2"/>
+              </a:rPr>
+              <a:t>PubMed</a:t>
+            </a:r>
+            <a:endParaRPr lang="fr-FR" dirty="0"/>
+          </a:p>
+          <a:p>
+            <a:pPr marL="0" indent="0">
+              <a:lnSpc>
+                <a:spcPct val="120000"/>
+              </a:lnSpc>
+              <a:buNone/>
+              <a:defRPr/>
+            </a:pPr>
+            <a:endParaRPr lang="fr-FR" dirty="0"/>
+          </a:p>
+          <a:p>
+            <a:pPr>
+              <a:lnSpc>
+                <a:spcPct val="120000"/>
+              </a:lnSpc>
+            </a:pPr>
+            <a:endParaRPr lang="fr-FR" dirty="0"/>
+          </a:p>
+        </p:txBody>
+      </p:sp>
+      <p:sp>
+        <p:nvSpPr>
+          <p:cNvPr id="4" name="Espace réservé du pied de page 3"/>
+          <p:cNvSpPr>
+            <a:spLocks noGrp="1"/>
+          </p:cNvSpPr>
+          <p:nvPr>
+            <p:ph type="ftr" sz="quarter" idx="11"/>
+          </p:nvPr>
+        </p:nvSpPr>
+        <p:spPr/>
+        <p:txBody>
+          <a:bodyPr/>
+          <a:lstStyle/>
+          <a:p>
+            <a:r>
+              <a:rPr lang="fr-FR" smtClean="0"/>
+              <a:t>F. Flamerie - Trucs et astuces de PubMed - màj : 2023-11-24</a:t>
+            </a:r>
+            <a:endParaRPr lang="fr-FR" dirty="0"/>
+          </a:p>
+        </p:txBody>
+      </p:sp>
+      <p:sp>
+        <p:nvSpPr>
+          <p:cNvPr id="5" name="Espace réservé du numéro de diapositive 4"/>
+          <p:cNvSpPr>
+            <a:spLocks noGrp="1"/>
+          </p:cNvSpPr>
+          <p:nvPr>
+            <p:ph type="sldNum" sz="quarter" idx="12"/>
+          </p:nvPr>
+        </p:nvSpPr>
+        <p:spPr/>
+        <p:txBody>
+          <a:bodyPr/>
+          <a:lstStyle/>
+          <a:p>
+            <a:fld id="{99E13252-68E5-4994-B57B-B03F39B52C7D}" type="slidenum">
+              <a:rPr lang="fr-FR" smtClean="0"/>
+              <a:pPr/>
+              <a:t>20</a:t>
+            </a:fld>
+            <a:endParaRPr lang="fr-FR" dirty="0"/>
+          </a:p>
+        </p:txBody>
+      </p:sp>
+    </p:spTree>
+    <p:extLst>
+      <p:ext uri="{BB962C8B-B14F-4D97-AF65-F5344CB8AC3E}">
+        <p14:creationId xmlns:p14="http://schemas.microsoft.com/office/powerpoint/2010/main" val="1889610028"/>
+      </p:ext>
+    </p:extLst>
+  </p:cSld>
+  <p:clrMapOvr>
+    <a:masterClrMapping/>
+  </p:clrMapOvr>
+</p:sld>
+</file>
+
+<file path=ppt/slides/slide21.xml><?xml version="1.0" encoding="utf-8"?>
+<p:sld xmlns:a="http://schemas.openxmlformats.org/drawingml/2006/main" xmlns:r="http://schemas.openxmlformats.org/officeDocument/2006/relationships" xmlns:p="http://schemas.openxmlformats.org/presentationml/2006/main">
+  <p:cSld>
+    <p:spTree>
+      <p:nvGrpSpPr>
+        <p:cNvPr id="1" name=""/>
+        <p:cNvGrpSpPr/>
+        <p:nvPr/>
+      </p:nvGrpSpPr>
+      <p:grpSpPr>
+        <a:xfrm>
+          <a:off x="0" y="0"/>
+          <a:ext cx="0" cy="0"/>
+          <a:chOff x="0" y="0"/>
+          <a:chExt cx="0" cy="0"/>
+        </a:xfrm>
+      </p:grpSpPr>
+      <p:sp>
+        <p:nvSpPr>
+          <p:cNvPr id="2" name="Titre 1"/>
+          <p:cNvSpPr>
+            <a:spLocks noGrp="1"/>
+          </p:cNvSpPr>
+          <p:nvPr>
+            <p:ph type="title"/>
+          </p:nvPr>
+        </p:nvSpPr>
         <p:spPr>
           <a:xfrm>
             <a:off x="838200" y="-51435"/>
@@ -9263,7 +10053,7 @@
           <a:p>
             <a:r>
               <a:rPr lang="fr-FR" smtClean="0"/>
-              <a:t>F. Flamerie - Trucs et astuces de PubMed - màj : 2023-05-31</a:t>
+              <a:t>F. Flamerie - Trucs et astuces de PubMed - màj : 2023-11-24</a:t>
             </a:r>
             <a:endParaRPr lang="fr-FR" dirty="0"/>
           </a:p>
@@ -9287,7 +10077,7 @@
             <a:fld id="{99E13252-68E5-4994-B57B-B03F39B52C7D}" type="slidenum">
               <a:rPr lang="fr-FR" smtClean="0"/>
               <a:pPr/>
-              <a:t>20</a:t>
+              <a:t>21</a:t>
             </a:fld>
             <a:endParaRPr lang="fr-FR" dirty="0"/>
           </a:p>
@@ -9385,7 +10175,7 @@
 </p:sld>
 </file>
 
-<file path=ppt/slides/slide21.xml><?xml version="1.0" encoding="utf-8"?>
+<file path=ppt/slides/slide22.xml><?xml version="1.0" encoding="utf-8"?>
 <p:sld xmlns:a="http://schemas.openxmlformats.org/drawingml/2006/main" xmlns:r="http://schemas.openxmlformats.org/officeDocument/2006/relationships" xmlns:p="http://schemas.openxmlformats.org/presentationml/2006/main">
   <p:cSld>
     <p:spTree>
@@ -9537,7 +10327,7 @@
           <a:p>
             <a:r>
               <a:rPr lang="fr-FR" smtClean="0"/>
-              <a:t>F. Flamerie - Trucs et astuces de PubMed - màj : 2023-05-31</a:t>
+              <a:t>F. Flamerie - Trucs et astuces de PubMed - màj : 2023-11-24</a:t>
             </a:r>
             <a:endParaRPr lang="fr-FR" dirty="0"/>
           </a:p>
@@ -9561,7 +10351,7 @@
             <a:fld id="{99E13252-68E5-4994-B57B-B03F39B52C7D}" type="slidenum">
               <a:rPr lang="fr-FR" smtClean="0"/>
               <a:pPr/>
-              <a:t>21</a:t>
+              <a:t>22</a:t>
             </a:fld>
             <a:endParaRPr lang="fr-FR" dirty="0"/>
           </a:p>
@@ -10298,7 +11088,7 @@
 </p:sld>
 </file>
 
-<file path=ppt/slides/slide22.xml><?xml version="1.0" encoding="utf-8"?>
+<file path=ppt/slides/slide23.xml><?xml version="1.0" encoding="utf-8"?>
 <p:sld xmlns:a="http://schemas.openxmlformats.org/drawingml/2006/main" xmlns:r="http://schemas.openxmlformats.org/officeDocument/2006/relationships" xmlns:p="http://schemas.openxmlformats.org/presentationml/2006/main">
   <p:cSld>
     <p:spTree>
@@ -10674,7 +11464,7 @@
             </a:pPr>
             <a:r>
               <a:rPr lang="fr-FR" smtClean="0"/>
-              <a:t>F. Flamerie - Trucs et astuces de PubMed - màj : 2023-05-31</a:t>
+              <a:t>F. Flamerie - Trucs et astuces de PubMed - màj : 2023-11-24</a:t>
             </a:r>
             <a:endParaRPr lang="fr-FR" dirty="0"/>
           </a:p>
@@ -10698,7 +11488,7 @@
             <a:fld id="{99E13252-68E5-4994-B57B-B03F39B52C7D}" type="slidenum">
               <a:rPr lang="fr-FR" smtClean="0"/>
               <a:pPr/>
-              <a:t>22</a:t>
+              <a:t>23</a:t>
             </a:fld>
             <a:endParaRPr lang="fr-FR" dirty="0"/>
           </a:p>
@@ -10717,7 +11507,7 @@
 </p:sld>
 </file>
 
-<file path=ppt/slides/slide23.xml><?xml version="1.0" encoding="utf-8"?>
+<file path=ppt/slides/slide24.xml><?xml version="1.0" encoding="utf-8"?>
 <p:sld xmlns:a="http://schemas.openxmlformats.org/drawingml/2006/main" xmlns:r="http://schemas.openxmlformats.org/officeDocument/2006/relationships" xmlns:p="http://schemas.openxmlformats.org/presentationml/2006/main">
   <p:cSld>
     <p:spTree>
@@ -10830,7 +11620,7 @@
           <a:p>
             <a:r>
               <a:rPr lang="fr-FR" smtClean="0"/>
-              <a:t>F. Flamerie - Trucs et astuces de PubMed - màj : 2023-05-31</a:t>
+              <a:t>F. Flamerie - Trucs et astuces de PubMed - màj : 2023-11-24</a:t>
             </a:r>
             <a:endParaRPr lang="fr-FR" dirty="0"/>
           </a:p>
@@ -11044,7 +11834,7 @@
             <a:fld id="{99E13252-68E5-4994-B57B-B03F39B52C7D}" type="slidenum">
               <a:rPr lang="fr-FR" smtClean="0"/>
               <a:pPr/>
-              <a:t>23</a:t>
+              <a:t>24</a:t>
             </a:fld>
             <a:endParaRPr lang="fr-FR" dirty="0"/>
           </a:p>
@@ -11669,7 +12459,7 @@
 </p:sld>
 </file>
 
-<file path=ppt/slides/slide24.xml><?xml version="1.0" encoding="utf-8"?>
+<file path=ppt/slides/slide25.xml><?xml version="1.0" encoding="utf-8"?>
 <p:sld xmlns:a="http://schemas.openxmlformats.org/drawingml/2006/main" xmlns:r="http://schemas.openxmlformats.org/officeDocument/2006/relationships" xmlns:p="http://schemas.openxmlformats.org/presentationml/2006/main">
   <p:cSld>
     <p:spTree>
@@ -11735,7 +12525,7 @@
           <a:p>
             <a:r>
               <a:rPr lang="fr-FR" smtClean="0"/>
-              <a:t>F. Flamerie - Trucs et astuces de PubMed - màj : 2023-05-31</a:t>
+              <a:t>F. Flamerie - Trucs et astuces de PubMed - màj : 2023-11-24</a:t>
             </a:r>
             <a:endParaRPr lang="fr-FR" dirty="0"/>
           </a:p>
@@ -11764,7 +12554,7 @@
             <a:fld id="{99E13252-68E5-4994-B57B-B03F39B52C7D}" type="slidenum">
               <a:rPr lang="fr-FR" smtClean="0"/>
               <a:pPr/>
-              <a:t>24</a:t>
+              <a:t>25</a:t>
             </a:fld>
             <a:endParaRPr lang="fr-FR" dirty="0"/>
           </a:p>
@@ -12632,7 +13422,7 @@
 </p:sld>
 </file>
 
-<file path=ppt/slides/slide25.xml><?xml version="1.0" encoding="utf-8"?>
+<file path=ppt/slides/slide26.xml><?xml version="1.0" encoding="utf-8"?>
 <p:sld xmlns:a="http://schemas.openxmlformats.org/drawingml/2006/main" xmlns:r="http://schemas.openxmlformats.org/officeDocument/2006/relationships" xmlns:p="http://schemas.openxmlformats.org/presentationml/2006/main">
   <p:cSld>
     <p:spTree>
@@ -12677,7 +13467,7 @@
             </a:pPr>
             <a:r>
               <a:rPr lang="fr-FR" smtClean="0"/>
-              <a:t>F. Flamerie - Trucs et astuces de PubMed - màj : 2023-05-31</a:t>
+              <a:t>F. Flamerie - Trucs et astuces de PubMed - màj : 2023-11-24</a:t>
             </a:r>
             <a:endParaRPr lang="fr-FR" dirty="0"/>
           </a:p>
@@ -13087,7 +13877,7 @@
             <a:fld id="{99E13252-68E5-4994-B57B-B03F39B52C7D}" type="slidenum">
               <a:rPr lang="fr-FR" smtClean="0"/>
               <a:pPr/>
-              <a:t>25</a:t>
+              <a:t>26</a:t>
             </a:fld>
             <a:endParaRPr lang="fr-FR" dirty="0"/>
           </a:p>
@@ -13097,687 +13887,6 @@
     <p:extLst>
       <p:ext uri="{BB962C8B-B14F-4D97-AF65-F5344CB8AC3E}">
         <p14:creationId xmlns:p14="http://schemas.microsoft.com/office/powerpoint/2010/main" val="3362289376"/>
-      </p:ext>
-    </p:extLst>
-  </p:cSld>
-  <p:clrMapOvr>
-    <a:masterClrMapping/>
-  </p:clrMapOvr>
-</p:sld>
-</file>
-
-<file path=ppt/slides/slide26.xml><?xml version="1.0" encoding="utf-8"?>
-<p:sld xmlns:a="http://schemas.openxmlformats.org/drawingml/2006/main" xmlns:r="http://schemas.openxmlformats.org/officeDocument/2006/relationships" xmlns:p="http://schemas.openxmlformats.org/presentationml/2006/main">
-  <p:cSld>
-    <p:spTree>
-      <p:nvGrpSpPr>
-        <p:cNvPr id="1" name=""/>
-        <p:cNvGrpSpPr/>
-        <p:nvPr/>
-      </p:nvGrpSpPr>
-      <p:grpSpPr>
-        <a:xfrm>
-          <a:off x="0" y="0"/>
-          <a:ext cx="0" cy="0"/>
-          <a:chOff x="0" y="0"/>
-          <a:chExt cx="0" cy="0"/>
-        </a:xfrm>
-      </p:grpSpPr>
-      <p:sp>
-        <p:nvSpPr>
-          <p:cNvPr id="2" name="Titre 1"/>
-          <p:cNvSpPr>
-            <a:spLocks noGrp="1"/>
-          </p:cNvSpPr>
-          <p:nvPr>
-            <p:ph type="title"/>
-          </p:nvPr>
-        </p:nvSpPr>
-        <p:spPr>
-          <a:xfrm>
-            <a:off x="827314" y="76202"/>
-            <a:ext cx="10515600" cy="1325563"/>
-          </a:xfrm>
-        </p:spPr>
-        <p:txBody>
-          <a:bodyPr/>
-          <a:lstStyle/>
-          <a:p>
-            <a:r>
-              <a:rPr lang="fr-FR" dirty="0"/>
-              <a:t>Mode 3 : recherche par proximité 1/2 </a:t>
-            </a:r>
-          </a:p>
-        </p:txBody>
-      </p:sp>
-      <p:sp>
-        <p:nvSpPr>
-          <p:cNvPr id="4" name="Espace réservé du pied de page 3"/>
-          <p:cNvSpPr>
-            <a:spLocks noGrp="1"/>
-          </p:cNvSpPr>
-          <p:nvPr>
-            <p:ph type="ftr" sz="quarter" idx="11"/>
-          </p:nvPr>
-        </p:nvSpPr>
-        <p:spPr>
-          <a:xfrm>
-            <a:off x="4027714" y="6492875"/>
-            <a:ext cx="4114800" cy="365125"/>
-          </a:xfrm>
-        </p:spPr>
-        <p:txBody>
-          <a:bodyPr/>
-          <a:lstStyle/>
-          <a:p>
-            <a:r>
-              <a:rPr lang="fr-FR" smtClean="0"/>
-              <a:t>F. Flamerie - Trucs et astuces de PubMed - màj : 2023-05-31</a:t>
-            </a:r>
-            <a:endParaRPr lang="fr-FR" dirty="0"/>
-          </a:p>
-        </p:txBody>
-      </p:sp>
-      <p:sp>
-        <p:nvSpPr>
-          <p:cNvPr id="5" name="Espace réservé du numéro de diapositive 4"/>
-          <p:cNvSpPr>
-            <a:spLocks noGrp="1"/>
-          </p:cNvSpPr>
-          <p:nvPr>
-            <p:ph type="sldNum" sz="quarter" idx="12"/>
-          </p:nvPr>
-        </p:nvSpPr>
-        <p:spPr>
-          <a:xfrm>
-            <a:off x="8599714" y="6595838"/>
-            <a:ext cx="2743200" cy="365125"/>
-          </a:xfrm>
-        </p:spPr>
-        <p:txBody>
-          <a:bodyPr/>
-          <a:lstStyle/>
-          <a:p>
-            <a:fld id="{99E13252-68E5-4994-B57B-B03F39B52C7D}" type="slidenum">
-              <a:rPr lang="fr-FR" smtClean="0"/>
-              <a:pPr/>
-              <a:t>26</a:t>
-            </a:fld>
-            <a:endParaRPr lang="fr-FR" dirty="0"/>
-          </a:p>
-        </p:txBody>
-      </p:sp>
-      <p:sp>
-        <p:nvSpPr>
-          <p:cNvPr id="13" name="Espace réservé du contenu 12"/>
-          <p:cNvSpPr>
-            <a:spLocks noGrp="1"/>
-          </p:cNvSpPr>
-          <p:nvPr>
-            <p:ph idx="1"/>
-          </p:nvPr>
-        </p:nvSpPr>
-        <p:spPr>
-          <a:xfrm>
-            <a:off x="934916" y="1333255"/>
-            <a:ext cx="10890738" cy="5049959"/>
-          </a:xfrm>
-        </p:spPr>
-        <p:txBody>
-          <a:bodyPr>
-            <a:normAutofit fontScale="85000" lnSpcReduction="10000"/>
-          </a:bodyPr>
-          <a:lstStyle/>
-          <a:p>
-            <a:pPr>
-              <a:lnSpc>
-                <a:spcPct val="110000"/>
-              </a:lnSpc>
-            </a:pPr>
-            <a:r>
-              <a:rPr lang="fr-FR" dirty="0"/>
-              <a:t> La recherche par proximité consiste à définir </a:t>
-            </a:r>
-            <a:r>
-              <a:rPr lang="fr-FR" b="1" dirty="0"/>
-              <a:t>un écart maximal</a:t>
-            </a:r>
-            <a:r>
-              <a:rPr lang="fr-FR" dirty="0"/>
-              <a:t>, exprimé en termes de mots, entre les termes recherchés.</a:t>
-            </a:r>
-          </a:p>
-          <a:p>
-            <a:pPr>
-              <a:lnSpc>
-                <a:spcPct val="110000"/>
-              </a:lnSpc>
-            </a:pPr>
-            <a:r>
-              <a:rPr lang="fr-FR" dirty="0"/>
-              <a:t> Format de saisie : </a:t>
-            </a:r>
-            <a:r>
-              <a:rPr lang="en-US" b="1" dirty="0"/>
-              <a:t>"</a:t>
-            </a:r>
-            <a:r>
-              <a:rPr lang="en-US" b="1" dirty="0" err="1"/>
-              <a:t>termes</a:t>
-            </a:r>
-            <a:r>
-              <a:rPr lang="en-US" b="1" dirty="0"/>
-              <a:t> </a:t>
-            </a:r>
-            <a:r>
-              <a:rPr lang="en-US" b="1" dirty="0" err="1"/>
-              <a:t>recherchés</a:t>
-            </a:r>
-            <a:r>
-              <a:rPr lang="en-US" b="1" dirty="0"/>
-              <a:t>"[champ:~N]</a:t>
-            </a:r>
-          </a:p>
-          <a:p>
-            <a:pPr lvl="1">
-              <a:lnSpc>
-                <a:spcPct val="110000"/>
-              </a:lnSpc>
-            </a:pPr>
-            <a:r>
-              <a:rPr lang="en-US" dirty="0" err="1"/>
-              <a:t>termes</a:t>
-            </a:r>
-            <a:r>
-              <a:rPr lang="en-US" dirty="0"/>
-              <a:t>  </a:t>
-            </a:r>
-            <a:r>
-              <a:rPr lang="en-US" dirty="0" err="1"/>
-              <a:t>recherchés</a:t>
-            </a:r>
-            <a:r>
-              <a:rPr lang="en-US" dirty="0"/>
-              <a:t> = au </a:t>
-            </a:r>
-            <a:r>
-              <a:rPr lang="en-US" dirty="0" err="1"/>
-              <a:t>moins</a:t>
-            </a:r>
-            <a:r>
-              <a:rPr lang="en-US" dirty="0"/>
-              <a:t> </a:t>
-            </a:r>
-            <a:r>
-              <a:rPr lang="en-US" dirty="0" err="1"/>
-              <a:t>deux</a:t>
-            </a:r>
-            <a:r>
-              <a:rPr lang="en-US" dirty="0"/>
-              <a:t> mots, entre guillemets.</a:t>
-            </a:r>
-          </a:p>
-          <a:p>
-            <a:pPr lvl="1">
-              <a:lnSpc>
-                <a:spcPct val="110000"/>
-              </a:lnSpc>
-            </a:pPr>
-            <a:r>
-              <a:rPr lang="en-US" dirty="0"/>
-              <a:t>champ = le code de champ </a:t>
-            </a:r>
-            <a:r>
-              <a:rPr lang="en-US" dirty="0" err="1"/>
-              <a:t>correspondant</a:t>
-            </a:r>
-            <a:r>
-              <a:rPr lang="en-US" dirty="0"/>
-              <a:t> à </a:t>
-            </a:r>
-            <a:r>
-              <a:rPr lang="en-US" dirty="0" err="1"/>
-              <a:t>l’un</a:t>
-            </a:r>
-            <a:r>
-              <a:rPr lang="en-US" dirty="0"/>
-              <a:t> des 2 champs pour </a:t>
-            </a:r>
-            <a:r>
-              <a:rPr lang="en-US" dirty="0" err="1"/>
-              <a:t>lesquels</a:t>
-            </a:r>
-            <a:r>
-              <a:rPr lang="en-US" dirty="0"/>
-              <a:t> </a:t>
-            </a:r>
-            <a:r>
-              <a:rPr lang="en-US" dirty="0" err="1"/>
-              <a:t>cette</a:t>
-            </a:r>
-            <a:r>
-              <a:rPr lang="en-US" dirty="0"/>
-              <a:t> </a:t>
-            </a:r>
-            <a:r>
-              <a:rPr lang="en-US" dirty="0" err="1"/>
-              <a:t>fonctionnalité</a:t>
-            </a:r>
-            <a:r>
-              <a:rPr lang="en-US" dirty="0"/>
-              <a:t> </a:t>
-            </a:r>
-            <a:r>
-              <a:rPr lang="en-US" dirty="0" err="1"/>
-              <a:t>est</a:t>
-            </a:r>
-            <a:r>
-              <a:rPr lang="en-US" dirty="0"/>
-              <a:t> </a:t>
-            </a:r>
-            <a:r>
-              <a:rPr lang="en-US" dirty="0" err="1"/>
-              <a:t>disponible</a:t>
-            </a:r>
-            <a:r>
-              <a:rPr lang="en-US" dirty="0"/>
-              <a:t>, i.e. </a:t>
-            </a:r>
-            <a:r>
-              <a:rPr lang="en-US" dirty="0" err="1"/>
-              <a:t>titre</a:t>
-            </a:r>
-            <a:r>
-              <a:rPr lang="en-US" dirty="0"/>
-              <a:t> </a:t>
-            </a:r>
-            <a:r>
-              <a:rPr lang="en-US" b="1" dirty="0"/>
-              <a:t>[Title] </a:t>
-            </a:r>
-            <a:r>
-              <a:rPr lang="en-US" dirty="0" err="1"/>
-              <a:t>ou</a:t>
-            </a:r>
-            <a:r>
-              <a:rPr lang="en-US" b="1" dirty="0"/>
-              <a:t> [</a:t>
-            </a:r>
-            <a:r>
-              <a:rPr lang="en-US" b="1" dirty="0" err="1"/>
-              <a:t>ti</a:t>
-            </a:r>
-            <a:r>
-              <a:rPr lang="en-US" b="1" dirty="0"/>
-              <a:t>] </a:t>
-            </a:r>
-            <a:r>
-              <a:rPr lang="en-US" dirty="0"/>
-              <a:t>et </a:t>
-            </a:r>
-            <a:r>
-              <a:rPr lang="en-US" dirty="0" err="1"/>
-              <a:t>titre</a:t>
-            </a:r>
-            <a:r>
-              <a:rPr lang="en-US" dirty="0"/>
-              <a:t>/résumé </a:t>
-            </a:r>
-            <a:r>
-              <a:rPr lang="en-US" b="1" dirty="0"/>
-              <a:t>[Title/Abstract]</a:t>
-            </a:r>
-            <a:r>
-              <a:rPr lang="en-US" dirty="0"/>
-              <a:t> </a:t>
-            </a:r>
-            <a:r>
-              <a:rPr lang="en-US" dirty="0" err="1"/>
-              <a:t>ou</a:t>
-            </a:r>
-            <a:r>
-              <a:rPr lang="en-US" dirty="0"/>
-              <a:t> </a:t>
-            </a:r>
-            <a:r>
-              <a:rPr lang="en-US" b="1" dirty="0"/>
-              <a:t>[</a:t>
-            </a:r>
-            <a:r>
-              <a:rPr lang="en-US" b="1" dirty="0" err="1"/>
-              <a:t>tiab</a:t>
-            </a:r>
-            <a:r>
-              <a:rPr lang="en-US" b="1" dirty="0"/>
-              <a:t>]</a:t>
-            </a:r>
-            <a:r>
-              <a:rPr lang="en-US" dirty="0"/>
-              <a:t>.</a:t>
-            </a:r>
-          </a:p>
-          <a:p>
-            <a:pPr lvl="1">
-              <a:lnSpc>
-                <a:spcPct val="110000"/>
-              </a:lnSpc>
-            </a:pPr>
-            <a:r>
-              <a:rPr lang="en-US" dirty="0"/>
-              <a:t> N = le </a:t>
-            </a:r>
-            <a:r>
-              <a:rPr lang="en-US" dirty="0" err="1"/>
-              <a:t>nombre</a:t>
-            </a:r>
-            <a:r>
-              <a:rPr lang="en-US" dirty="0"/>
-              <a:t> maximal de mots qui </a:t>
-            </a:r>
-            <a:r>
-              <a:rPr lang="en-US" dirty="0" err="1"/>
-              <a:t>peuvent</a:t>
-            </a:r>
-            <a:r>
-              <a:rPr lang="en-US" dirty="0"/>
-              <a:t> </a:t>
-            </a:r>
-            <a:r>
-              <a:rPr lang="en-US" dirty="0" err="1"/>
-              <a:t>apparaître</a:t>
-            </a:r>
-            <a:r>
-              <a:rPr lang="en-US" dirty="0"/>
-              <a:t> entre les </a:t>
-            </a:r>
-            <a:r>
-              <a:rPr lang="en-US" dirty="0" err="1"/>
-              <a:t>termes</a:t>
-            </a:r>
-            <a:r>
-              <a:rPr lang="en-US" dirty="0"/>
-              <a:t> </a:t>
-            </a:r>
-            <a:r>
-              <a:rPr lang="en-US" dirty="0" err="1"/>
-              <a:t>recherchés</a:t>
-            </a:r>
-            <a:r>
-              <a:rPr lang="en-US" dirty="0"/>
-              <a:t>.</a:t>
-            </a:r>
-            <a:endParaRPr lang="fr-FR" b="1" dirty="0"/>
-          </a:p>
-          <a:p>
-            <a:pPr>
-              <a:lnSpc>
-                <a:spcPct val="110000"/>
-              </a:lnSpc>
-            </a:pPr>
-            <a:r>
-              <a:rPr lang="fr-FR" b="1" dirty="0"/>
-              <a:t> </a:t>
-            </a:r>
-            <a:r>
-              <a:rPr lang="fr-FR" dirty="0"/>
-              <a:t>Exemples pour une recherche sur titre et résumé</a:t>
-            </a:r>
-          </a:p>
-          <a:p>
-            <a:pPr lvl="1">
-              <a:lnSpc>
-                <a:spcPct val="110000"/>
-              </a:lnSpc>
-            </a:pPr>
-            <a:r>
-              <a:rPr lang="fr-FR" b="1" dirty="0"/>
-              <a:t>"</a:t>
-            </a:r>
-            <a:r>
-              <a:rPr lang="fr-FR" b="1" dirty="0" err="1"/>
-              <a:t>rationing</a:t>
-            </a:r>
-            <a:r>
-              <a:rPr lang="fr-FR" b="1" dirty="0"/>
-              <a:t> </a:t>
-            </a:r>
-            <a:r>
-              <a:rPr lang="fr-FR" b="1" dirty="0" err="1"/>
-              <a:t>healthcare</a:t>
-            </a:r>
-            <a:r>
-              <a:rPr lang="fr-FR" b="1" dirty="0"/>
-              <a:t>"[</a:t>
-            </a:r>
-            <a:r>
-              <a:rPr lang="fr-FR" b="1" dirty="0" err="1"/>
-              <a:t>tiab</a:t>
-            </a:r>
-            <a:r>
-              <a:rPr lang="fr-FR" b="1" dirty="0"/>
-              <a:t>:~0] </a:t>
-            </a:r>
-            <a:r>
-              <a:rPr lang="fr-FR" dirty="0"/>
-              <a:t>: retrouve "</a:t>
-            </a:r>
-            <a:r>
-              <a:rPr lang="fr-FR" dirty="0" err="1"/>
-              <a:t>rationing</a:t>
-            </a:r>
-            <a:r>
-              <a:rPr lang="fr-FR" dirty="0"/>
-              <a:t> </a:t>
-            </a:r>
-            <a:r>
-              <a:rPr lang="fr-FR" dirty="0" err="1"/>
-              <a:t>healthcare</a:t>
-            </a:r>
-            <a:r>
-              <a:rPr lang="fr-FR" dirty="0"/>
-              <a:t>" et "</a:t>
-            </a:r>
-            <a:r>
-              <a:rPr lang="fr-FR" dirty="0" err="1"/>
-              <a:t>healthcare</a:t>
-            </a:r>
-            <a:r>
-              <a:rPr lang="fr-FR" dirty="0"/>
-              <a:t> </a:t>
-            </a:r>
-            <a:r>
-              <a:rPr lang="fr-FR" dirty="0" err="1"/>
-              <a:t>rationing</a:t>
-            </a:r>
-            <a:r>
-              <a:rPr lang="fr-FR" dirty="0"/>
-              <a:t>"</a:t>
-            </a:r>
-          </a:p>
-          <a:p>
-            <a:pPr lvl="1">
-              <a:lnSpc>
-                <a:spcPct val="110000"/>
-              </a:lnSpc>
-            </a:pPr>
-            <a:r>
-              <a:rPr lang="fr-FR" b="1" dirty="0"/>
-              <a:t>"</a:t>
-            </a:r>
-            <a:r>
-              <a:rPr lang="fr-FR" b="1" dirty="0" err="1"/>
-              <a:t>rationing</a:t>
-            </a:r>
-            <a:r>
-              <a:rPr lang="fr-FR" b="1" dirty="0"/>
-              <a:t> </a:t>
-            </a:r>
-            <a:r>
-              <a:rPr lang="fr-FR" b="1" dirty="0" err="1"/>
-              <a:t>healthcare</a:t>
-            </a:r>
-            <a:r>
-              <a:rPr lang="fr-FR" b="1" dirty="0"/>
-              <a:t>"[</a:t>
-            </a:r>
-            <a:r>
-              <a:rPr lang="fr-FR" b="1" dirty="0" err="1"/>
-              <a:t>tiab</a:t>
-            </a:r>
-            <a:r>
-              <a:rPr lang="fr-FR" b="1" dirty="0"/>
-              <a:t>:~1] </a:t>
-            </a:r>
-            <a:r>
-              <a:rPr lang="fr-FR" dirty="0"/>
-              <a:t>: retrouve en plus "</a:t>
-            </a:r>
-            <a:r>
-              <a:rPr lang="fr-FR" dirty="0" err="1"/>
-              <a:t>rationing</a:t>
-            </a:r>
-            <a:r>
-              <a:rPr lang="fr-FR" dirty="0"/>
-              <a:t> of </a:t>
-            </a:r>
-            <a:r>
-              <a:rPr lang="fr-FR" dirty="0" err="1"/>
-              <a:t>healthcare</a:t>
-            </a:r>
-            <a:r>
-              <a:rPr lang="fr-FR" dirty="0"/>
-              <a:t>" , "</a:t>
-            </a:r>
-            <a:r>
-              <a:rPr lang="fr-FR" dirty="0" err="1"/>
-              <a:t>rationing</a:t>
-            </a:r>
-            <a:r>
-              <a:rPr lang="fr-FR" dirty="0"/>
-              <a:t> </a:t>
-            </a:r>
-            <a:r>
-              <a:rPr lang="fr-FR" dirty="0" err="1"/>
-              <a:t>limited</a:t>
-            </a:r>
-            <a:r>
-              <a:rPr lang="fr-FR" dirty="0"/>
-              <a:t> </a:t>
-            </a:r>
-            <a:r>
-              <a:rPr lang="fr-FR" dirty="0" err="1"/>
-              <a:t>healthcare</a:t>
-            </a:r>
-            <a:r>
-              <a:rPr lang="fr-FR" dirty="0"/>
-              <a:t>", etc.</a:t>
-            </a:r>
-          </a:p>
-          <a:p>
-            <a:pPr lvl="1">
-              <a:lnSpc>
-                <a:spcPct val="110000"/>
-              </a:lnSpc>
-            </a:pPr>
-            <a:r>
-              <a:rPr lang="fr-FR" dirty="0"/>
-              <a:t> </a:t>
-            </a:r>
-            <a:r>
-              <a:rPr lang="fr-FR" b="1" dirty="0"/>
-              <a:t>"</a:t>
-            </a:r>
-            <a:r>
-              <a:rPr lang="fr-FR" b="1" dirty="0" err="1"/>
-              <a:t>rationing</a:t>
-            </a:r>
-            <a:r>
-              <a:rPr lang="fr-FR" b="1" dirty="0"/>
-              <a:t> </a:t>
-            </a:r>
-            <a:r>
-              <a:rPr lang="fr-FR" b="1" dirty="0" err="1"/>
-              <a:t>healthcare</a:t>
-            </a:r>
-            <a:r>
-              <a:rPr lang="fr-FR" b="1" dirty="0"/>
-              <a:t>"[</a:t>
-            </a:r>
-            <a:r>
-              <a:rPr lang="fr-FR" b="1" dirty="0" err="1"/>
-              <a:t>tiab</a:t>
-            </a:r>
-            <a:r>
-              <a:rPr lang="fr-FR" b="1" dirty="0"/>
-              <a:t>:~2] </a:t>
-            </a:r>
-            <a:r>
-              <a:rPr lang="fr-FR" dirty="0"/>
-              <a:t>: retrouve en plus "</a:t>
-            </a:r>
-            <a:r>
-              <a:rPr lang="fr-FR" dirty="0" err="1"/>
-              <a:t>rationing</a:t>
-            </a:r>
-            <a:r>
-              <a:rPr lang="fr-FR" dirty="0"/>
-              <a:t> </a:t>
-            </a:r>
-            <a:r>
-              <a:rPr lang="fr-FR" dirty="0" err="1"/>
-              <a:t>strategies</a:t>
-            </a:r>
-            <a:r>
-              <a:rPr lang="fr-FR" dirty="0"/>
-              <a:t> in </a:t>
-            </a:r>
-            <a:r>
-              <a:rPr lang="fr-FR" dirty="0" err="1"/>
-              <a:t>healthcare</a:t>
-            </a:r>
-            <a:r>
-              <a:rPr lang="fr-FR" dirty="0"/>
-              <a:t>" , "</a:t>
-            </a:r>
-            <a:r>
-              <a:rPr lang="fr-FR" dirty="0" err="1"/>
-              <a:t>healthcare</a:t>
-            </a:r>
-            <a:r>
-              <a:rPr lang="fr-FR" dirty="0"/>
-              <a:t> </a:t>
-            </a:r>
-            <a:r>
-              <a:rPr lang="fr-FR" dirty="0" err="1"/>
-              <a:t>reform</a:t>
-            </a:r>
-            <a:r>
-              <a:rPr lang="fr-FR" dirty="0"/>
-              <a:t> </a:t>
-            </a:r>
-            <a:r>
-              <a:rPr lang="fr-FR" dirty="0" err="1"/>
-              <a:t>through</a:t>
-            </a:r>
-            <a:r>
-              <a:rPr lang="fr-FR" dirty="0"/>
-              <a:t> </a:t>
-            </a:r>
-            <a:r>
-              <a:rPr lang="fr-FR" dirty="0" err="1"/>
-              <a:t>rationing</a:t>
-            </a:r>
-            <a:r>
-              <a:rPr lang="fr-FR" dirty="0"/>
-              <a:t>" , etc. </a:t>
-            </a:r>
-          </a:p>
-        </p:txBody>
-      </p:sp>
-    </p:spTree>
-    <p:extLst>
-      <p:ext uri="{BB962C8B-B14F-4D97-AF65-F5344CB8AC3E}">
-        <p14:creationId xmlns:p14="http://schemas.microsoft.com/office/powerpoint/2010/main" val="2554649621"/>
       </p:ext>
     </p:extLst>
   </p:cSld>
@@ -13826,7 +13935,7 @@
           <a:p>
             <a:r>
               <a:rPr lang="fr-FR" dirty="0"/>
-              <a:t>Mode 3 : recherche par proximité 2/2 </a:t>
+              <a:t>Mode 3 : recherche par proximité 1/2 </a:t>
             </a:r>
           </a:p>
         </p:txBody>
@@ -13853,7 +13962,7 @@
           <a:p>
             <a:r>
               <a:rPr lang="fr-FR" smtClean="0"/>
-              <a:t>F. Flamerie - Trucs et astuces de PubMed - màj : 2023-05-31</a:t>
+              <a:t>F. Flamerie - Trucs et astuces de PubMed - màj : 2023-11-24</a:t>
             </a:r>
             <a:endParaRPr lang="fr-FR" dirty="0"/>
           </a:p>
@@ -13883,6 +13992,687 @@
               <a:rPr lang="fr-FR" smtClean="0"/>
               <a:pPr/>
               <a:t>27</a:t>
+            </a:fld>
+            <a:endParaRPr lang="fr-FR" dirty="0"/>
+          </a:p>
+        </p:txBody>
+      </p:sp>
+      <p:sp>
+        <p:nvSpPr>
+          <p:cNvPr id="13" name="Espace réservé du contenu 12"/>
+          <p:cNvSpPr>
+            <a:spLocks noGrp="1"/>
+          </p:cNvSpPr>
+          <p:nvPr>
+            <p:ph idx="1"/>
+          </p:nvPr>
+        </p:nvSpPr>
+        <p:spPr>
+          <a:xfrm>
+            <a:off x="934916" y="1333255"/>
+            <a:ext cx="10890738" cy="5049959"/>
+          </a:xfrm>
+        </p:spPr>
+        <p:txBody>
+          <a:bodyPr>
+            <a:normAutofit fontScale="85000" lnSpcReduction="10000"/>
+          </a:bodyPr>
+          <a:lstStyle/>
+          <a:p>
+            <a:pPr>
+              <a:lnSpc>
+                <a:spcPct val="110000"/>
+              </a:lnSpc>
+            </a:pPr>
+            <a:r>
+              <a:rPr lang="fr-FR" dirty="0"/>
+              <a:t> La recherche par proximité consiste à définir </a:t>
+            </a:r>
+            <a:r>
+              <a:rPr lang="fr-FR" b="1" dirty="0"/>
+              <a:t>un écart maximal</a:t>
+            </a:r>
+            <a:r>
+              <a:rPr lang="fr-FR" dirty="0"/>
+              <a:t>, exprimé en termes de mots, entre les termes recherchés.</a:t>
+            </a:r>
+          </a:p>
+          <a:p>
+            <a:pPr>
+              <a:lnSpc>
+                <a:spcPct val="110000"/>
+              </a:lnSpc>
+            </a:pPr>
+            <a:r>
+              <a:rPr lang="fr-FR" dirty="0"/>
+              <a:t> Format de saisie : </a:t>
+            </a:r>
+            <a:r>
+              <a:rPr lang="en-US" b="1" dirty="0"/>
+              <a:t>"</a:t>
+            </a:r>
+            <a:r>
+              <a:rPr lang="en-US" b="1" dirty="0" err="1"/>
+              <a:t>termes</a:t>
+            </a:r>
+            <a:r>
+              <a:rPr lang="en-US" b="1" dirty="0"/>
+              <a:t> </a:t>
+            </a:r>
+            <a:r>
+              <a:rPr lang="en-US" b="1" dirty="0" err="1"/>
+              <a:t>recherchés</a:t>
+            </a:r>
+            <a:r>
+              <a:rPr lang="en-US" b="1" dirty="0"/>
+              <a:t>"[champ:~N]</a:t>
+            </a:r>
+          </a:p>
+          <a:p>
+            <a:pPr lvl="1">
+              <a:lnSpc>
+                <a:spcPct val="110000"/>
+              </a:lnSpc>
+            </a:pPr>
+            <a:r>
+              <a:rPr lang="en-US" dirty="0" err="1"/>
+              <a:t>termes</a:t>
+            </a:r>
+            <a:r>
+              <a:rPr lang="en-US" dirty="0"/>
+              <a:t>  </a:t>
+            </a:r>
+            <a:r>
+              <a:rPr lang="en-US" dirty="0" err="1"/>
+              <a:t>recherchés</a:t>
+            </a:r>
+            <a:r>
+              <a:rPr lang="en-US" dirty="0"/>
+              <a:t> = au </a:t>
+            </a:r>
+            <a:r>
+              <a:rPr lang="en-US" dirty="0" err="1"/>
+              <a:t>moins</a:t>
+            </a:r>
+            <a:r>
+              <a:rPr lang="en-US" dirty="0"/>
+              <a:t> </a:t>
+            </a:r>
+            <a:r>
+              <a:rPr lang="en-US" dirty="0" err="1"/>
+              <a:t>deux</a:t>
+            </a:r>
+            <a:r>
+              <a:rPr lang="en-US" dirty="0"/>
+              <a:t> mots, entre guillemets.</a:t>
+            </a:r>
+          </a:p>
+          <a:p>
+            <a:pPr lvl="1">
+              <a:lnSpc>
+                <a:spcPct val="110000"/>
+              </a:lnSpc>
+            </a:pPr>
+            <a:r>
+              <a:rPr lang="en-US" dirty="0"/>
+              <a:t>champ = le code de champ </a:t>
+            </a:r>
+            <a:r>
+              <a:rPr lang="en-US" dirty="0" err="1"/>
+              <a:t>correspondant</a:t>
+            </a:r>
+            <a:r>
+              <a:rPr lang="en-US" dirty="0"/>
+              <a:t> à </a:t>
+            </a:r>
+            <a:r>
+              <a:rPr lang="en-US" dirty="0" err="1"/>
+              <a:t>l’un</a:t>
+            </a:r>
+            <a:r>
+              <a:rPr lang="en-US" dirty="0"/>
+              <a:t> des 2 champs pour </a:t>
+            </a:r>
+            <a:r>
+              <a:rPr lang="en-US" dirty="0" err="1"/>
+              <a:t>lesquels</a:t>
+            </a:r>
+            <a:r>
+              <a:rPr lang="en-US" dirty="0"/>
+              <a:t> </a:t>
+            </a:r>
+            <a:r>
+              <a:rPr lang="en-US" dirty="0" err="1"/>
+              <a:t>cette</a:t>
+            </a:r>
+            <a:r>
+              <a:rPr lang="en-US" dirty="0"/>
+              <a:t> </a:t>
+            </a:r>
+            <a:r>
+              <a:rPr lang="en-US" dirty="0" err="1"/>
+              <a:t>fonctionnalité</a:t>
+            </a:r>
+            <a:r>
+              <a:rPr lang="en-US" dirty="0"/>
+              <a:t> </a:t>
+            </a:r>
+            <a:r>
+              <a:rPr lang="en-US" dirty="0" err="1"/>
+              <a:t>est</a:t>
+            </a:r>
+            <a:r>
+              <a:rPr lang="en-US" dirty="0"/>
+              <a:t> </a:t>
+            </a:r>
+            <a:r>
+              <a:rPr lang="en-US" dirty="0" err="1"/>
+              <a:t>disponible</a:t>
+            </a:r>
+            <a:r>
+              <a:rPr lang="en-US" dirty="0"/>
+              <a:t>, i.e. </a:t>
+            </a:r>
+            <a:r>
+              <a:rPr lang="en-US" dirty="0" err="1"/>
+              <a:t>titre</a:t>
+            </a:r>
+            <a:r>
+              <a:rPr lang="en-US" dirty="0"/>
+              <a:t> </a:t>
+            </a:r>
+            <a:r>
+              <a:rPr lang="en-US" b="1" dirty="0"/>
+              <a:t>[Title] </a:t>
+            </a:r>
+            <a:r>
+              <a:rPr lang="en-US" dirty="0" err="1"/>
+              <a:t>ou</a:t>
+            </a:r>
+            <a:r>
+              <a:rPr lang="en-US" b="1" dirty="0"/>
+              <a:t> [</a:t>
+            </a:r>
+            <a:r>
+              <a:rPr lang="en-US" b="1" dirty="0" err="1"/>
+              <a:t>ti</a:t>
+            </a:r>
+            <a:r>
+              <a:rPr lang="en-US" b="1" dirty="0"/>
+              <a:t>] </a:t>
+            </a:r>
+            <a:r>
+              <a:rPr lang="en-US" dirty="0"/>
+              <a:t>et </a:t>
+            </a:r>
+            <a:r>
+              <a:rPr lang="en-US" dirty="0" err="1"/>
+              <a:t>titre</a:t>
+            </a:r>
+            <a:r>
+              <a:rPr lang="en-US" dirty="0"/>
+              <a:t>/résumé </a:t>
+            </a:r>
+            <a:r>
+              <a:rPr lang="en-US" b="1" dirty="0"/>
+              <a:t>[Title/Abstract]</a:t>
+            </a:r>
+            <a:r>
+              <a:rPr lang="en-US" dirty="0"/>
+              <a:t> </a:t>
+            </a:r>
+            <a:r>
+              <a:rPr lang="en-US" dirty="0" err="1"/>
+              <a:t>ou</a:t>
+            </a:r>
+            <a:r>
+              <a:rPr lang="en-US" dirty="0"/>
+              <a:t> </a:t>
+            </a:r>
+            <a:r>
+              <a:rPr lang="en-US" b="1" dirty="0"/>
+              <a:t>[</a:t>
+            </a:r>
+            <a:r>
+              <a:rPr lang="en-US" b="1" dirty="0" err="1"/>
+              <a:t>tiab</a:t>
+            </a:r>
+            <a:r>
+              <a:rPr lang="en-US" b="1" dirty="0"/>
+              <a:t>]</a:t>
+            </a:r>
+            <a:r>
+              <a:rPr lang="en-US" dirty="0"/>
+              <a:t>.</a:t>
+            </a:r>
+          </a:p>
+          <a:p>
+            <a:pPr lvl="1">
+              <a:lnSpc>
+                <a:spcPct val="110000"/>
+              </a:lnSpc>
+            </a:pPr>
+            <a:r>
+              <a:rPr lang="en-US" dirty="0"/>
+              <a:t> N = le </a:t>
+            </a:r>
+            <a:r>
+              <a:rPr lang="en-US" dirty="0" err="1"/>
+              <a:t>nombre</a:t>
+            </a:r>
+            <a:r>
+              <a:rPr lang="en-US" dirty="0"/>
+              <a:t> maximal de mots qui </a:t>
+            </a:r>
+            <a:r>
+              <a:rPr lang="en-US" dirty="0" err="1"/>
+              <a:t>peuvent</a:t>
+            </a:r>
+            <a:r>
+              <a:rPr lang="en-US" dirty="0"/>
+              <a:t> </a:t>
+            </a:r>
+            <a:r>
+              <a:rPr lang="en-US" dirty="0" err="1"/>
+              <a:t>apparaître</a:t>
+            </a:r>
+            <a:r>
+              <a:rPr lang="en-US" dirty="0"/>
+              <a:t> entre les </a:t>
+            </a:r>
+            <a:r>
+              <a:rPr lang="en-US" dirty="0" err="1"/>
+              <a:t>termes</a:t>
+            </a:r>
+            <a:r>
+              <a:rPr lang="en-US" dirty="0"/>
+              <a:t> </a:t>
+            </a:r>
+            <a:r>
+              <a:rPr lang="en-US" dirty="0" err="1"/>
+              <a:t>recherchés</a:t>
+            </a:r>
+            <a:r>
+              <a:rPr lang="en-US" dirty="0"/>
+              <a:t>.</a:t>
+            </a:r>
+            <a:endParaRPr lang="fr-FR" b="1" dirty="0"/>
+          </a:p>
+          <a:p>
+            <a:pPr>
+              <a:lnSpc>
+                <a:spcPct val="110000"/>
+              </a:lnSpc>
+            </a:pPr>
+            <a:r>
+              <a:rPr lang="fr-FR" b="1" dirty="0"/>
+              <a:t> </a:t>
+            </a:r>
+            <a:r>
+              <a:rPr lang="fr-FR" dirty="0"/>
+              <a:t>Exemples pour une recherche sur titre et résumé</a:t>
+            </a:r>
+          </a:p>
+          <a:p>
+            <a:pPr lvl="1">
+              <a:lnSpc>
+                <a:spcPct val="110000"/>
+              </a:lnSpc>
+            </a:pPr>
+            <a:r>
+              <a:rPr lang="fr-FR" b="1" dirty="0"/>
+              <a:t>"</a:t>
+            </a:r>
+            <a:r>
+              <a:rPr lang="fr-FR" b="1" dirty="0" err="1"/>
+              <a:t>rationing</a:t>
+            </a:r>
+            <a:r>
+              <a:rPr lang="fr-FR" b="1" dirty="0"/>
+              <a:t> </a:t>
+            </a:r>
+            <a:r>
+              <a:rPr lang="fr-FR" b="1" dirty="0" err="1"/>
+              <a:t>healthcare</a:t>
+            </a:r>
+            <a:r>
+              <a:rPr lang="fr-FR" b="1" dirty="0"/>
+              <a:t>"[</a:t>
+            </a:r>
+            <a:r>
+              <a:rPr lang="fr-FR" b="1" dirty="0" err="1"/>
+              <a:t>tiab</a:t>
+            </a:r>
+            <a:r>
+              <a:rPr lang="fr-FR" b="1" dirty="0"/>
+              <a:t>:~0] </a:t>
+            </a:r>
+            <a:r>
+              <a:rPr lang="fr-FR" dirty="0"/>
+              <a:t>: retrouve "</a:t>
+            </a:r>
+            <a:r>
+              <a:rPr lang="fr-FR" dirty="0" err="1"/>
+              <a:t>rationing</a:t>
+            </a:r>
+            <a:r>
+              <a:rPr lang="fr-FR" dirty="0"/>
+              <a:t> </a:t>
+            </a:r>
+            <a:r>
+              <a:rPr lang="fr-FR" dirty="0" err="1"/>
+              <a:t>healthcare</a:t>
+            </a:r>
+            <a:r>
+              <a:rPr lang="fr-FR" dirty="0"/>
+              <a:t>" et "</a:t>
+            </a:r>
+            <a:r>
+              <a:rPr lang="fr-FR" dirty="0" err="1"/>
+              <a:t>healthcare</a:t>
+            </a:r>
+            <a:r>
+              <a:rPr lang="fr-FR" dirty="0"/>
+              <a:t> </a:t>
+            </a:r>
+            <a:r>
+              <a:rPr lang="fr-FR" dirty="0" err="1"/>
+              <a:t>rationing</a:t>
+            </a:r>
+            <a:r>
+              <a:rPr lang="fr-FR" dirty="0"/>
+              <a:t>"</a:t>
+            </a:r>
+          </a:p>
+          <a:p>
+            <a:pPr lvl="1">
+              <a:lnSpc>
+                <a:spcPct val="110000"/>
+              </a:lnSpc>
+            </a:pPr>
+            <a:r>
+              <a:rPr lang="fr-FR" b="1" dirty="0"/>
+              <a:t>"</a:t>
+            </a:r>
+            <a:r>
+              <a:rPr lang="fr-FR" b="1" dirty="0" err="1"/>
+              <a:t>rationing</a:t>
+            </a:r>
+            <a:r>
+              <a:rPr lang="fr-FR" b="1" dirty="0"/>
+              <a:t> </a:t>
+            </a:r>
+            <a:r>
+              <a:rPr lang="fr-FR" b="1" dirty="0" err="1"/>
+              <a:t>healthcare</a:t>
+            </a:r>
+            <a:r>
+              <a:rPr lang="fr-FR" b="1" dirty="0"/>
+              <a:t>"[</a:t>
+            </a:r>
+            <a:r>
+              <a:rPr lang="fr-FR" b="1" dirty="0" err="1"/>
+              <a:t>tiab</a:t>
+            </a:r>
+            <a:r>
+              <a:rPr lang="fr-FR" b="1" dirty="0"/>
+              <a:t>:~1] </a:t>
+            </a:r>
+            <a:r>
+              <a:rPr lang="fr-FR" dirty="0"/>
+              <a:t>: retrouve en plus "</a:t>
+            </a:r>
+            <a:r>
+              <a:rPr lang="fr-FR" dirty="0" err="1"/>
+              <a:t>rationing</a:t>
+            </a:r>
+            <a:r>
+              <a:rPr lang="fr-FR" dirty="0"/>
+              <a:t> of </a:t>
+            </a:r>
+            <a:r>
+              <a:rPr lang="fr-FR" dirty="0" err="1"/>
+              <a:t>healthcare</a:t>
+            </a:r>
+            <a:r>
+              <a:rPr lang="fr-FR" dirty="0"/>
+              <a:t>" , "</a:t>
+            </a:r>
+            <a:r>
+              <a:rPr lang="fr-FR" dirty="0" err="1"/>
+              <a:t>rationing</a:t>
+            </a:r>
+            <a:r>
+              <a:rPr lang="fr-FR" dirty="0"/>
+              <a:t> </a:t>
+            </a:r>
+            <a:r>
+              <a:rPr lang="fr-FR" dirty="0" err="1"/>
+              <a:t>limited</a:t>
+            </a:r>
+            <a:r>
+              <a:rPr lang="fr-FR" dirty="0"/>
+              <a:t> </a:t>
+            </a:r>
+            <a:r>
+              <a:rPr lang="fr-FR" dirty="0" err="1"/>
+              <a:t>healthcare</a:t>
+            </a:r>
+            <a:r>
+              <a:rPr lang="fr-FR" dirty="0"/>
+              <a:t>", etc.</a:t>
+            </a:r>
+          </a:p>
+          <a:p>
+            <a:pPr lvl="1">
+              <a:lnSpc>
+                <a:spcPct val="110000"/>
+              </a:lnSpc>
+            </a:pPr>
+            <a:r>
+              <a:rPr lang="fr-FR" dirty="0"/>
+              <a:t> </a:t>
+            </a:r>
+            <a:r>
+              <a:rPr lang="fr-FR" b="1" dirty="0"/>
+              <a:t>"</a:t>
+            </a:r>
+            <a:r>
+              <a:rPr lang="fr-FR" b="1" dirty="0" err="1"/>
+              <a:t>rationing</a:t>
+            </a:r>
+            <a:r>
+              <a:rPr lang="fr-FR" b="1" dirty="0"/>
+              <a:t> </a:t>
+            </a:r>
+            <a:r>
+              <a:rPr lang="fr-FR" b="1" dirty="0" err="1"/>
+              <a:t>healthcare</a:t>
+            </a:r>
+            <a:r>
+              <a:rPr lang="fr-FR" b="1" dirty="0"/>
+              <a:t>"[</a:t>
+            </a:r>
+            <a:r>
+              <a:rPr lang="fr-FR" b="1" dirty="0" err="1"/>
+              <a:t>tiab</a:t>
+            </a:r>
+            <a:r>
+              <a:rPr lang="fr-FR" b="1" dirty="0"/>
+              <a:t>:~2] </a:t>
+            </a:r>
+            <a:r>
+              <a:rPr lang="fr-FR" dirty="0"/>
+              <a:t>: retrouve en plus "</a:t>
+            </a:r>
+            <a:r>
+              <a:rPr lang="fr-FR" dirty="0" err="1"/>
+              <a:t>rationing</a:t>
+            </a:r>
+            <a:r>
+              <a:rPr lang="fr-FR" dirty="0"/>
+              <a:t> </a:t>
+            </a:r>
+            <a:r>
+              <a:rPr lang="fr-FR" dirty="0" err="1"/>
+              <a:t>strategies</a:t>
+            </a:r>
+            <a:r>
+              <a:rPr lang="fr-FR" dirty="0"/>
+              <a:t> in </a:t>
+            </a:r>
+            <a:r>
+              <a:rPr lang="fr-FR" dirty="0" err="1"/>
+              <a:t>healthcare</a:t>
+            </a:r>
+            <a:r>
+              <a:rPr lang="fr-FR" dirty="0"/>
+              <a:t>" , "</a:t>
+            </a:r>
+            <a:r>
+              <a:rPr lang="fr-FR" dirty="0" err="1"/>
+              <a:t>healthcare</a:t>
+            </a:r>
+            <a:r>
+              <a:rPr lang="fr-FR" dirty="0"/>
+              <a:t> </a:t>
+            </a:r>
+            <a:r>
+              <a:rPr lang="fr-FR" dirty="0" err="1"/>
+              <a:t>reform</a:t>
+            </a:r>
+            <a:r>
+              <a:rPr lang="fr-FR" dirty="0"/>
+              <a:t> </a:t>
+            </a:r>
+            <a:r>
+              <a:rPr lang="fr-FR" dirty="0" err="1"/>
+              <a:t>through</a:t>
+            </a:r>
+            <a:r>
+              <a:rPr lang="fr-FR" dirty="0"/>
+              <a:t> </a:t>
+            </a:r>
+            <a:r>
+              <a:rPr lang="fr-FR" dirty="0" err="1"/>
+              <a:t>rationing</a:t>
+            </a:r>
+            <a:r>
+              <a:rPr lang="fr-FR" dirty="0"/>
+              <a:t>" , etc. </a:t>
+            </a:r>
+          </a:p>
+        </p:txBody>
+      </p:sp>
+    </p:spTree>
+    <p:extLst>
+      <p:ext uri="{BB962C8B-B14F-4D97-AF65-F5344CB8AC3E}">
+        <p14:creationId xmlns:p14="http://schemas.microsoft.com/office/powerpoint/2010/main" val="2554649621"/>
+      </p:ext>
+    </p:extLst>
+  </p:cSld>
+  <p:clrMapOvr>
+    <a:masterClrMapping/>
+  </p:clrMapOvr>
+</p:sld>
+</file>
+
+<file path=ppt/slides/slide28.xml><?xml version="1.0" encoding="utf-8"?>
+<p:sld xmlns:a="http://schemas.openxmlformats.org/drawingml/2006/main" xmlns:r="http://schemas.openxmlformats.org/officeDocument/2006/relationships" xmlns:p="http://schemas.openxmlformats.org/presentationml/2006/main">
+  <p:cSld>
+    <p:spTree>
+      <p:nvGrpSpPr>
+        <p:cNvPr id="1" name=""/>
+        <p:cNvGrpSpPr/>
+        <p:nvPr/>
+      </p:nvGrpSpPr>
+      <p:grpSpPr>
+        <a:xfrm>
+          <a:off x="0" y="0"/>
+          <a:ext cx="0" cy="0"/>
+          <a:chOff x="0" y="0"/>
+          <a:chExt cx="0" cy="0"/>
+        </a:xfrm>
+      </p:grpSpPr>
+      <p:sp>
+        <p:nvSpPr>
+          <p:cNvPr id="2" name="Titre 1"/>
+          <p:cNvSpPr>
+            <a:spLocks noGrp="1"/>
+          </p:cNvSpPr>
+          <p:nvPr>
+            <p:ph type="title"/>
+          </p:nvPr>
+        </p:nvSpPr>
+        <p:spPr>
+          <a:xfrm>
+            <a:off x="827314" y="76202"/>
+            <a:ext cx="10515600" cy="1325563"/>
+          </a:xfrm>
+        </p:spPr>
+        <p:txBody>
+          <a:bodyPr/>
+          <a:lstStyle/>
+          <a:p>
+            <a:r>
+              <a:rPr lang="fr-FR" dirty="0"/>
+              <a:t>Mode 3 : recherche par proximité 2/2 </a:t>
+            </a:r>
+          </a:p>
+        </p:txBody>
+      </p:sp>
+      <p:sp>
+        <p:nvSpPr>
+          <p:cNvPr id="4" name="Espace réservé du pied de page 3"/>
+          <p:cNvSpPr>
+            <a:spLocks noGrp="1"/>
+          </p:cNvSpPr>
+          <p:nvPr>
+            <p:ph type="ftr" sz="quarter" idx="11"/>
+          </p:nvPr>
+        </p:nvSpPr>
+        <p:spPr>
+          <a:xfrm>
+            <a:off x="4027714" y="6492875"/>
+            <a:ext cx="4114800" cy="365125"/>
+          </a:xfrm>
+        </p:spPr>
+        <p:txBody>
+          <a:bodyPr/>
+          <a:lstStyle/>
+          <a:p>
+            <a:r>
+              <a:rPr lang="fr-FR" smtClean="0"/>
+              <a:t>F. Flamerie - Trucs et astuces de PubMed - màj : 2023-11-24</a:t>
+            </a:r>
+            <a:endParaRPr lang="fr-FR" dirty="0"/>
+          </a:p>
+        </p:txBody>
+      </p:sp>
+      <p:sp>
+        <p:nvSpPr>
+          <p:cNvPr id="5" name="Espace réservé du numéro de diapositive 4"/>
+          <p:cNvSpPr>
+            <a:spLocks noGrp="1"/>
+          </p:cNvSpPr>
+          <p:nvPr>
+            <p:ph type="sldNum" sz="quarter" idx="12"/>
+          </p:nvPr>
+        </p:nvSpPr>
+        <p:spPr>
+          <a:xfrm>
+            <a:off x="8599714" y="6595838"/>
+            <a:ext cx="2743200" cy="365125"/>
+          </a:xfrm>
+        </p:spPr>
+        <p:txBody>
+          <a:bodyPr/>
+          <a:lstStyle/>
+          <a:p>
+            <a:fld id="{99E13252-68E5-4994-B57B-B03F39B52C7D}" type="slidenum">
+              <a:rPr lang="fr-FR" smtClean="0"/>
+              <a:pPr/>
+              <a:t>28</a:t>
             </a:fld>
             <a:endParaRPr lang="fr-FR" dirty="0"/>
           </a:p>
@@ -14172,7 +14962,7 @@
 </p:sld>
 </file>
 
-<file path=ppt/slides/slide28.xml><?xml version="1.0" encoding="utf-8"?>
+<file path=ppt/slides/slide29.xml><?xml version="1.0" encoding="utf-8"?>
 <p:sld xmlns:a="http://schemas.openxmlformats.org/drawingml/2006/main" xmlns:r="http://schemas.openxmlformats.org/officeDocument/2006/relationships" xmlns:p="http://schemas.openxmlformats.org/presentationml/2006/main">
   <p:cSld>
     <p:spTree>
@@ -14374,7 +15164,7 @@
             </a:pPr>
             <a:r>
               <a:rPr lang="fr-FR" smtClean="0"/>
-              <a:t>F. Flamerie - Trucs et astuces de PubMed - màj : 2023-05-31</a:t>
+              <a:t>F. Flamerie - Trucs et astuces de PubMed - màj : 2023-11-24</a:t>
             </a:r>
             <a:endParaRPr lang="fr-FR" dirty="0"/>
           </a:p>
@@ -14398,7 +15188,7 @@
             <a:fld id="{99E13252-68E5-4994-B57B-B03F39B52C7D}" type="slidenum">
               <a:rPr lang="fr-FR" smtClean="0"/>
               <a:pPr/>
-              <a:t>28</a:t>
+              <a:t>29</a:t>
             </a:fld>
             <a:endParaRPr lang="fr-FR" dirty="0"/>
           </a:p>
@@ -14417,7 +15207,632 @@
 </p:sld>
 </file>
 
-<file path=ppt/slides/slide29.xml><?xml version="1.0" encoding="utf-8"?>
+<file path=ppt/slides/slide3.xml><?xml version="1.0" encoding="utf-8"?>
+<p:sld xmlns:a="http://schemas.openxmlformats.org/drawingml/2006/main" xmlns:r="http://schemas.openxmlformats.org/officeDocument/2006/relationships" xmlns:p="http://schemas.openxmlformats.org/presentationml/2006/main">
+  <p:cSld>
+    <p:spTree>
+      <p:nvGrpSpPr>
+        <p:cNvPr id="1" name=""/>
+        <p:cNvGrpSpPr/>
+        <p:nvPr/>
+      </p:nvGrpSpPr>
+      <p:grpSpPr>
+        <a:xfrm>
+          <a:off x="0" y="0"/>
+          <a:ext cx="0" cy="0"/>
+          <a:chOff x="0" y="0"/>
+          <a:chExt cx="0" cy="0"/>
+        </a:xfrm>
+      </p:grpSpPr>
+      <p:sp>
+        <p:nvSpPr>
+          <p:cNvPr id="2" name="Titre 1"/>
+          <p:cNvSpPr>
+            <a:spLocks noGrp="1"/>
+          </p:cNvSpPr>
+          <p:nvPr>
+            <p:ph type="title"/>
+          </p:nvPr>
+        </p:nvSpPr>
+        <p:spPr/>
+        <p:txBody>
+          <a:bodyPr/>
+          <a:lstStyle/>
+          <a:p>
+            <a:r>
+              <a:rPr lang="fr-FR" dirty="0"/>
+              <a:t>Les spécificités de </a:t>
+            </a:r>
+            <a:r>
+              <a:rPr lang="fr-FR" dirty="0" err="1"/>
+              <a:t>PubMed</a:t>
+            </a:r>
+            <a:endParaRPr lang="fr-FR" dirty="0"/>
+          </a:p>
+        </p:txBody>
+      </p:sp>
+      <p:sp>
+        <p:nvSpPr>
+          <p:cNvPr id="8" name="Espace réservé du texte 7"/>
+          <p:cNvSpPr>
+            <a:spLocks noGrp="1"/>
+          </p:cNvSpPr>
+          <p:nvPr>
+            <p:ph type="body" idx="1"/>
+          </p:nvPr>
+        </p:nvSpPr>
+        <p:spPr/>
+        <p:txBody>
+          <a:bodyPr/>
+          <a:lstStyle/>
+          <a:p>
+            <a:r>
+              <a:rPr lang="fr-FR" dirty="0"/>
+              <a:t>Couverture</a:t>
+            </a:r>
+          </a:p>
+          <a:p>
+            <a:r>
+              <a:rPr lang="fr-FR" dirty="0"/>
+              <a:t>Fonctionnalités</a:t>
+            </a:r>
+          </a:p>
+        </p:txBody>
+      </p:sp>
+      <p:sp>
+        <p:nvSpPr>
+          <p:cNvPr id="4" name="Espace réservé du pied de page 3"/>
+          <p:cNvSpPr>
+            <a:spLocks noGrp="1"/>
+          </p:cNvSpPr>
+          <p:nvPr>
+            <p:ph type="ftr" sz="quarter" idx="11"/>
+          </p:nvPr>
+        </p:nvSpPr>
+        <p:spPr/>
+        <p:txBody>
+          <a:bodyPr/>
+          <a:lstStyle/>
+          <a:p>
+            <a:r>
+              <a:rPr lang="fr-FR" smtClean="0"/>
+              <a:t>F. Flamerie - Trucs et astuces de PubMed - màj : 2023-11-24</a:t>
+            </a:r>
+            <a:endParaRPr lang="fr-FR" dirty="0"/>
+          </a:p>
+        </p:txBody>
+      </p:sp>
+      <p:sp>
+        <p:nvSpPr>
+          <p:cNvPr id="5" name="Espace réservé du numéro de diapositive 4"/>
+          <p:cNvSpPr>
+            <a:spLocks noGrp="1"/>
+          </p:cNvSpPr>
+          <p:nvPr>
+            <p:ph type="sldNum" sz="quarter" idx="12"/>
+          </p:nvPr>
+        </p:nvSpPr>
+        <p:spPr/>
+        <p:txBody>
+          <a:bodyPr/>
+          <a:lstStyle/>
+          <a:p>
+            <a:fld id="{99E13252-68E5-4994-B57B-B03F39B52C7D}" type="slidenum">
+              <a:rPr lang="fr-FR" smtClean="0"/>
+              <a:pPr/>
+              <a:t>3</a:t>
+            </a:fld>
+            <a:endParaRPr lang="fr-FR" dirty="0"/>
+          </a:p>
+        </p:txBody>
+      </p:sp>
+      <p:grpSp>
+        <p:nvGrpSpPr>
+          <p:cNvPr id="32" name="Zoom" descr="{&quot;Key&quot;:&quot;POWER_USER_SHAPE_ICON&quot;,&quot;Value&quot;:&quot;POWER_USER_SHAPE_ICON_STYLE_1&quot;}"/>
+          <p:cNvGrpSpPr>
+            <a:grpSpLocks noChangeAspect="1"/>
+          </p:cNvGrpSpPr>
+          <p:nvPr>
+            <p:custDataLst>
+              <p:tags r:id="rId1"/>
+            </p:custDataLst>
+          </p:nvPr>
+        </p:nvGrpSpPr>
+        <p:grpSpPr bwMode="auto">
+          <a:xfrm>
+            <a:off x="9519904" y="533644"/>
+            <a:ext cx="2367289" cy="2372393"/>
+            <a:chOff x="8" y="8"/>
+            <a:chExt cx="464" cy="465"/>
+          </a:xfrm>
+          <a:solidFill>
+            <a:srgbClr val="F27D38"/>
+          </a:solidFill>
+        </p:grpSpPr>
+        <p:sp>
+          <p:nvSpPr>
+            <p:cNvPr id="33" name="Zoom"/>
+            <p:cNvSpPr>
+              <a:spLocks noEditPoints="1"/>
+            </p:cNvSpPr>
+            <p:nvPr>
+              <p:custDataLst>
+                <p:tags r:id="rId2"/>
+              </p:custDataLst>
+            </p:nvPr>
+          </p:nvSpPr>
+          <p:spPr bwMode="auto">
+            <a:xfrm>
+              <a:off x="8" y="8"/>
+              <a:ext cx="464" cy="465"/>
+            </a:xfrm>
+            <a:custGeom>
+              <a:avLst/>
+              <a:gdLst>
+                <a:gd name="T0" fmla="*/ 928 w 1053"/>
+                <a:gd name="T1" fmla="*/ 125 h 1052"/>
+                <a:gd name="T2" fmla="*/ 625 w 1053"/>
+                <a:gd name="T3" fmla="*/ 0 h 1052"/>
+                <a:gd name="T4" fmla="*/ 323 w 1053"/>
+                <a:gd name="T5" fmla="*/ 125 h 1052"/>
+                <a:gd name="T6" fmla="*/ 198 w 1053"/>
+                <a:gd name="T7" fmla="*/ 428 h 1052"/>
+                <a:gd name="T8" fmla="*/ 279 w 1053"/>
+                <a:gd name="T9" fmla="*/ 679 h 1052"/>
+                <a:gd name="T10" fmla="*/ 0 w 1053"/>
+                <a:gd name="T11" fmla="*/ 957 h 1052"/>
+                <a:gd name="T12" fmla="*/ 95 w 1053"/>
+                <a:gd name="T13" fmla="*/ 1052 h 1052"/>
+                <a:gd name="T14" fmla="*/ 374 w 1053"/>
+                <a:gd name="T15" fmla="*/ 775 h 1052"/>
+                <a:gd name="T16" fmla="*/ 624 w 1053"/>
+                <a:gd name="T17" fmla="*/ 856 h 1052"/>
+                <a:gd name="T18" fmla="*/ 926 w 1053"/>
+                <a:gd name="T19" fmla="*/ 731 h 1052"/>
+                <a:gd name="T20" fmla="*/ 1051 w 1053"/>
+                <a:gd name="T21" fmla="*/ 429 h 1052"/>
+                <a:gd name="T22" fmla="*/ 928 w 1053"/>
+                <a:gd name="T23" fmla="*/ 125 h 1052"/>
+                <a:gd name="T24" fmla="*/ 874 w 1053"/>
+                <a:gd name="T25" fmla="*/ 676 h 1052"/>
+                <a:gd name="T26" fmla="*/ 625 w 1053"/>
+                <a:gd name="T27" fmla="*/ 779 h 1052"/>
+                <a:gd name="T28" fmla="*/ 376 w 1053"/>
+                <a:gd name="T29" fmla="*/ 676 h 1052"/>
+                <a:gd name="T30" fmla="*/ 274 w 1053"/>
+                <a:gd name="T31" fmla="*/ 427 h 1052"/>
+                <a:gd name="T32" fmla="*/ 376 w 1053"/>
+                <a:gd name="T33" fmla="*/ 179 h 1052"/>
+                <a:gd name="T34" fmla="*/ 625 w 1053"/>
+                <a:gd name="T35" fmla="*/ 76 h 1052"/>
+                <a:gd name="T36" fmla="*/ 874 w 1053"/>
+                <a:gd name="T37" fmla="*/ 179 h 1052"/>
+                <a:gd name="T38" fmla="*/ 976 w 1053"/>
+                <a:gd name="T39" fmla="*/ 428 h 1052"/>
+                <a:gd name="T40" fmla="*/ 874 w 1053"/>
+                <a:gd name="T41" fmla="*/ 676 h 1052"/>
+              </a:gdLst>
+              <a:ahLst/>
+              <a:cxnLst>
+                <a:cxn ang="0">
+                  <a:pos x="T0" y="T1"/>
+                </a:cxn>
+                <a:cxn ang="0">
+                  <a:pos x="T2" y="T3"/>
+                </a:cxn>
+                <a:cxn ang="0">
+                  <a:pos x="T4" y="T5"/>
+                </a:cxn>
+                <a:cxn ang="0">
+                  <a:pos x="T6" y="T7"/>
+                </a:cxn>
+                <a:cxn ang="0">
+                  <a:pos x="T8" y="T9"/>
+                </a:cxn>
+                <a:cxn ang="0">
+                  <a:pos x="T10" y="T11"/>
+                </a:cxn>
+                <a:cxn ang="0">
+                  <a:pos x="T12" y="T13"/>
+                </a:cxn>
+                <a:cxn ang="0">
+                  <a:pos x="T14" y="T15"/>
+                </a:cxn>
+                <a:cxn ang="0">
+                  <a:pos x="T16" y="T17"/>
+                </a:cxn>
+                <a:cxn ang="0">
+                  <a:pos x="T18" y="T19"/>
+                </a:cxn>
+                <a:cxn ang="0">
+                  <a:pos x="T20" y="T21"/>
+                </a:cxn>
+                <a:cxn ang="0">
+                  <a:pos x="T22" y="T23"/>
+                </a:cxn>
+                <a:cxn ang="0">
+                  <a:pos x="T24" y="T25"/>
+                </a:cxn>
+                <a:cxn ang="0">
+                  <a:pos x="T26" y="T27"/>
+                </a:cxn>
+                <a:cxn ang="0">
+                  <a:pos x="T28" y="T29"/>
+                </a:cxn>
+                <a:cxn ang="0">
+                  <a:pos x="T30" y="T31"/>
+                </a:cxn>
+                <a:cxn ang="0">
+                  <a:pos x="T32" y="T33"/>
+                </a:cxn>
+                <a:cxn ang="0">
+                  <a:pos x="T34" y="T35"/>
+                </a:cxn>
+                <a:cxn ang="0">
+                  <a:pos x="T36" y="T37"/>
+                </a:cxn>
+                <a:cxn ang="0">
+                  <a:pos x="T38" y="T39"/>
+                </a:cxn>
+                <a:cxn ang="0">
+                  <a:pos x="T40" y="T41"/>
+                </a:cxn>
+              </a:cxnLst>
+              <a:rect l="0" t="0" r="r" b="b"/>
+              <a:pathLst>
+                <a:path w="1053" h="1052">
+                  <a:moveTo>
+                    <a:pt x="928" y="125"/>
+                  </a:moveTo>
+                  <a:cubicBezTo>
+                    <a:pt x="846" y="45"/>
+                    <a:pt x="739" y="0"/>
+                    <a:pt x="625" y="0"/>
+                  </a:cubicBezTo>
+                  <a:cubicBezTo>
+                    <a:pt x="511" y="0"/>
+                    <a:pt x="404" y="45"/>
+                    <a:pt x="323" y="125"/>
+                  </a:cubicBezTo>
+                  <a:cubicBezTo>
+                    <a:pt x="241" y="206"/>
+                    <a:pt x="198" y="314"/>
+                    <a:pt x="198" y="428"/>
+                  </a:cubicBezTo>
+                  <a:cubicBezTo>
+                    <a:pt x="198" y="519"/>
+                    <a:pt x="226" y="606"/>
+                    <a:pt x="279" y="679"/>
+                  </a:cubicBezTo>
+                  <a:lnTo>
+                    <a:pt x="0" y="957"/>
+                  </a:lnTo>
+                  <a:lnTo>
+                    <a:pt x="95" y="1052"/>
+                  </a:lnTo>
+                  <a:lnTo>
+                    <a:pt x="374" y="775"/>
+                  </a:lnTo>
+                  <a:cubicBezTo>
+                    <a:pt x="446" y="828"/>
+                    <a:pt x="532" y="856"/>
+                    <a:pt x="624" y="856"/>
+                  </a:cubicBezTo>
+                  <a:cubicBezTo>
+                    <a:pt x="738" y="856"/>
+                    <a:pt x="845" y="811"/>
+                    <a:pt x="926" y="731"/>
+                  </a:cubicBezTo>
+                  <a:cubicBezTo>
+                    <a:pt x="1007" y="650"/>
+                    <a:pt x="1051" y="543"/>
+                    <a:pt x="1051" y="429"/>
+                  </a:cubicBezTo>
+                  <a:cubicBezTo>
+                    <a:pt x="1053" y="314"/>
+                    <a:pt x="1009" y="206"/>
+                    <a:pt x="928" y="125"/>
+                  </a:cubicBezTo>
+                  <a:close/>
+                  <a:moveTo>
+                    <a:pt x="874" y="676"/>
+                  </a:moveTo>
+                  <a:cubicBezTo>
+                    <a:pt x="808" y="743"/>
+                    <a:pt x="719" y="779"/>
+                    <a:pt x="625" y="779"/>
+                  </a:cubicBezTo>
+                  <a:cubicBezTo>
+                    <a:pt x="531" y="779"/>
+                    <a:pt x="443" y="743"/>
+                    <a:pt x="376" y="676"/>
+                  </a:cubicBezTo>
+                  <a:cubicBezTo>
+                    <a:pt x="310" y="610"/>
+                    <a:pt x="274" y="521"/>
+                    <a:pt x="274" y="427"/>
+                  </a:cubicBezTo>
+                  <a:cubicBezTo>
+                    <a:pt x="274" y="334"/>
+                    <a:pt x="310" y="245"/>
+                    <a:pt x="376" y="179"/>
+                  </a:cubicBezTo>
+                  <a:cubicBezTo>
+                    <a:pt x="443" y="113"/>
+                    <a:pt x="531" y="76"/>
+                    <a:pt x="625" y="76"/>
+                  </a:cubicBezTo>
+                  <a:cubicBezTo>
+                    <a:pt x="719" y="76"/>
+                    <a:pt x="807" y="113"/>
+                    <a:pt x="874" y="179"/>
+                  </a:cubicBezTo>
+                  <a:cubicBezTo>
+                    <a:pt x="940" y="245"/>
+                    <a:pt x="976" y="334"/>
+                    <a:pt x="976" y="428"/>
+                  </a:cubicBezTo>
+                  <a:cubicBezTo>
+                    <a:pt x="976" y="521"/>
+                    <a:pt x="940" y="610"/>
+                    <a:pt x="874" y="676"/>
+                  </a:cubicBezTo>
+                  <a:close/>
+                </a:path>
+              </a:pathLst>
+            </a:custGeom>
+            <a:grpFill/>
+            <a:ln w="0">
+              <a:noFill/>
+              <a:prstDash val="solid"/>
+              <a:round/>
+              <a:headEnd/>
+              <a:tailEnd/>
+            </a:ln>
+          </p:spPr>
+          <p:txBody>
+            <a:bodyPr vert="horz" wrap="square" lIns="91440" tIns="45720" rIns="91440" bIns="45720" numCol="1" anchor="t" anchorCtr="0" compatLnSpc="1">
+              <a:prstTxWarp prst="textNoShape">
+                <a:avLst/>
+              </a:prstTxWarp>
+            </a:bodyPr>
+            <a:lstStyle/>
+            <a:p>
+              <a:pPr marL="0" marR="0" lvl="0" indent="0" algn="l" defTabSz="914400" rtl="0" eaLnBrk="1" fontAlgn="auto" latinLnBrk="0" hangingPunct="1">
+                <a:lnSpc>
+                  <a:spcPct val="100000"/>
+                </a:lnSpc>
+                <a:spcBef>
+                  <a:spcPts val="0"/>
+                </a:spcBef>
+                <a:spcAft>
+                  <a:spcPts val="0"/>
+                </a:spcAft>
+                <a:buClrTx/>
+                <a:buSzTx/>
+                <a:buFontTx/>
+                <a:buNone/>
+                <a:tabLst/>
+                <a:defRPr/>
+              </a:pPr>
+              <a:endParaRPr kumimoji="0" lang="en-US" sz="1800" b="0" i="0" u="none" strike="noStrike" kern="1200" cap="none" spc="0" normalizeH="0" baseline="0" noProof="0" dirty="0">
+                <a:ln>
+                  <a:noFill/>
+                </a:ln>
+                <a:solidFill>
+                  <a:prstClr val="black"/>
+                </a:solidFill>
+                <a:effectLst/>
+                <a:uLnTx/>
+                <a:uFillTx/>
+                <a:latin typeface="Corbel" panose="020B0503020204020204" pitchFamily="34" charset="0"/>
+                <a:ea typeface="+mn-ea"/>
+                <a:cs typeface="+mn-cs"/>
+              </a:endParaRPr>
+            </a:p>
+          </p:txBody>
+        </p:sp>
+        <p:sp>
+          <p:nvSpPr>
+            <p:cNvPr id="34" name="Zoom"/>
+            <p:cNvSpPr>
+              <a:spLocks/>
+            </p:cNvSpPr>
+            <p:nvPr>
+              <p:custDataLst>
+                <p:tags r:id="rId3"/>
+              </p:custDataLst>
+            </p:nvPr>
+          </p:nvSpPr>
+          <p:spPr bwMode="auto">
+            <a:xfrm>
+              <a:off x="204" y="118"/>
+              <a:ext cx="161" cy="160"/>
+            </a:xfrm>
+            <a:custGeom>
+              <a:avLst/>
+              <a:gdLst>
+                <a:gd name="T0" fmla="*/ 231 w 364"/>
+                <a:gd name="T1" fmla="*/ 0 h 363"/>
+                <a:gd name="T2" fmla="*/ 133 w 364"/>
+                <a:gd name="T3" fmla="*/ 0 h 363"/>
+                <a:gd name="T4" fmla="*/ 133 w 364"/>
+                <a:gd name="T5" fmla="*/ 132 h 363"/>
+                <a:gd name="T6" fmla="*/ 0 w 364"/>
+                <a:gd name="T7" fmla="*/ 132 h 363"/>
+                <a:gd name="T8" fmla="*/ 0 w 364"/>
+                <a:gd name="T9" fmla="*/ 231 h 363"/>
+                <a:gd name="T10" fmla="*/ 133 w 364"/>
+                <a:gd name="T11" fmla="*/ 231 h 363"/>
+                <a:gd name="T12" fmla="*/ 133 w 364"/>
+                <a:gd name="T13" fmla="*/ 363 h 363"/>
+                <a:gd name="T14" fmla="*/ 231 w 364"/>
+                <a:gd name="T15" fmla="*/ 363 h 363"/>
+                <a:gd name="T16" fmla="*/ 231 w 364"/>
+                <a:gd name="T17" fmla="*/ 231 h 363"/>
+                <a:gd name="T18" fmla="*/ 364 w 364"/>
+                <a:gd name="T19" fmla="*/ 231 h 363"/>
+                <a:gd name="T20" fmla="*/ 364 w 364"/>
+                <a:gd name="T21" fmla="*/ 132 h 363"/>
+                <a:gd name="T22" fmla="*/ 231 w 364"/>
+                <a:gd name="T23" fmla="*/ 132 h 363"/>
+                <a:gd name="T24" fmla="*/ 231 w 364"/>
+                <a:gd name="T25" fmla="*/ 0 h 363"/>
+              </a:gdLst>
+              <a:ahLst/>
+              <a:cxnLst>
+                <a:cxn ang="0">
+                  <a:pos x="T0" y="T1"/>
+                </a:cxn>
+                <a:cxn ang="0">
+                  <a:pos x="T2" y="T3"/>
+                </a:cxn>
+                <a:cxn ang="0">
+                  <a:pos x="T4" y="T5"/>
+                </a:cxn>
+                <a:cxn ang="0">
+                  <a:pos x="T6" y="T7"/>
+                </a:cxn>
+                <a:cxn ang="0">
+                  <a:pos x="T8" y="T9"/>
+                </a:cxn>
+                <a:cxn ang="0">
+                  <a:pos x="T10" y="T11"/>
+                </a:cxn>
+                <a:cxn ang="0">
+                  <a:pos x="T12" y="T13"/>
+                </a:cxn>
+                <a:cxn ang="0">
+                  <a:pos x="T14" y="T15"/>
+                </a:cxn>
+                <a:cxn ang="0">
+                  <a:pos x="T16" y="T17"/>
+                </a:cxn>
+                <a:cxn ang="0">
+                  <a:pos x="T18" y="T19"/>
+                </a:cxn>
+                <a:cxn ang="0">
+                  <a:pos x="T20" y="T21"/>
+                </a:cxn>
+                <a:cxn ang="0">
+                  <a:pos x="T22" y="T23"/>
+                </a:cxn>
+                <a:cxn ang="0">
+                  <a:pos x="T24" y="T25"/>
+                </a:cxn>
+              </a:cxnLst>
+              <a:rect l="0" t="0" r="r" b="b"/>
+              <a:pathLst>
+                <a:path w="364" h="363">
+                  <a:moveTo>
+                    <a:pt x="231" y="0"/>
+                  </a:moveTo>
+                  <a:lnTo>
+                    <a:pt x="133" y="0"/>
+                  </a:lnTo>
+                  <a:lnTo>
+                    <a:pt x="133" y="132"/>
+                  </a:lnTo>
+                  <a:lnTo>
+                    <a:pt x="0" y="132"/>
+                  </a:lnTo>
+                  <a:lnTo>
+                    <a:pt x="0" y="231"/>
+                  </a:lnTo>
+                  <a:lnTo>
+                    <a:pt x="133" y="231"/>
+                  </a:lnTo>
+                  <a:lnTo>
+                    <a:pt x="133" y="363"/>
+                  </a:lnTo>
+                  <a:lnTo>
+                    <a:pt x="231" y="363"/>
+                  </a:lnTo>
+                  <a:lnTo>
+                    <a:pt x="231" y="231"/>
+                  </a:lnTo>
+                  <a:lnTo>
+                    <a:pt x="364" y="231"/>
+                  </a:lnTo>
+                  <a:lnTo>
+                    <a:pt x="364" y="132"/>
+                  </a:lnTo>
+                  <a:lnTo>
+                    <a:pt x="231" y="132"/>
+                  </a:lnTo>
+                  <a:lnTo>
+                    <a:pt x="231" y="0"/>
+                  </a:lnTo>
+                  <a:close/>
+                </a:path>
+              </a:pathLst>
+            </a:custGeom>
+            <a:grpFill/>
+            <a:ln w="0">
+              <a:noFill/>
+              <a:prstDash val="solid"/>
+              <a:round/>
+              <a:headEnd/>
+              <a:tailEnd/>
+            </a:ln>
+          </p:spPr>
+          <p:txBody>
+            <a:bodyPr vert="horz" wrap="square" lIns="91440" tIns="45720" rIns="91440" bIns="45720" numCol="1" anchor="t" anchorCtr="0" compatLnSpc="1">
+              <a:prstTxWarp prst="textNoShape">
+                <a:avLst/>
+              </a:prstTxWarp>
+            </a:bodyPr>
+            <a:lstStyle/>
+            <a:p>
+              <a:pPr marL="0" marR="0" lvl="0" indent="0" algn="l" defTabSz="914400" rtl="0" eaLnBrk="1" fontAlgn="auto" latinLnBrk="0" hangingPunct="1">
+                <a:lnSpc>
+                  <a:spcPct val="100000"/>
+                </a:lnSpc>
+                <a:spcBef>
+                  <a:spcPts val="0"/>
+                </a:spcBef>
+                <a:spcAft>
+                  <a:spcPts val="0"/>
+                </a:spcAft>
+                <a:buClrTx/>
+                <a:buSzTx/>
+                <a:buFontTx/>
+                <a:buNone/>
+                <a:tabLst/>
+                <a:defRPr/>
+              </a:pPr>
+              <a:endParaRPr kumimoji="0" lang="en-US" sz="1800" b="0" i="0" u="none" strike="noStrike" kern="1200" cap="none" spc="0" normalizeH="0" baseline="0" noProof="0" dirty="0">
+                <a:ln>
+                  <a:noFill/>
+                </a:ln>
+                <a:solidFill>
+                  <a:prstClr val="black"/>
+                </a:solidFill>
+                <a:effectLst/>
+                <a:uLnTx/>
+                <a:uFillTx/>
+                <a:latin typeface="Corbel" panose="020B0503020204020204" pitchFamily="34" charset="0"/>
+                <a:ea typeface="+mn-ea"/>
+                <a:cs typeface="+mn-cs"/>
+              </a:endParaRPr>
+            </a:p>
+          </p:txBody>
+        </p:sp>
+      </p:grpSp>
+    </p:spTree>
+    <p:extLst>
+      <p:ext uri="{BB962C8B-B14F-4D97-AF65-F5344CB8AC3E}">
+        <p14:creationId xmlns:p14="http://schemas.microsoft.com/office/powerpoint/2010/main" val="980970848"/>
+      </p:ext>
+    </p:extLst>
+  </p:cSld>
+  <p:clrMapOvr>
+    <a:masterClrMapping/>
+  </p:clrMapOvr>
+</p:sld>
+</file>
+
+<file path=ppt/slides/slide30.xml><?xml version="1.0" encoding="utf-8"?>
 <p:sld xmlns:a="http://schemas.openxmlformats.org/drawingml/2006/main" xmlns:r="http://schemas.openxmlformats.org/officeDocument/2006/relationships" xmlns:p="http://schemas.openxmlformats.org/presentationml/2006/main">
   <p:cSld>
     <p:spTree>
@@ -14566,7 +15981,7 @@
           <a:p>
             <a:r>
               <a:rPr lang="fr-FR" smtClean="0"/>
-              <a:t>F. Flamerie - Trucs et astuces de PubMed - màj : 2023-05-31</a:t>
+              <a:t>F. Flamerie - Trucs et astuces de PubMed - màj : 2023-11-24</a:t>
             </a:r>
             <a:endParaRPr lang="fr-FR" dirty="0"/>
           </a:p>
@@ -14590,7 +16005,7 @@
             <a:fld id="{99E13252-68E5-4994-B57B-B03F39B52C7D}" type="slidenum">
               <a:rPr lang="fr-FR" smtClean="0"/>
               <a:pPr/>
-              <a:t>29</a:t>
+              <a:t>30</a:t>
             </a:fld>
             <a:endParaRPr lang="fr-FR" dirty="0"/>
           </a:p>
@@ -15102,632 +16517,7 @@
 </p:sld>
 </file>
 
-<file path=ppt/slides/slide3.xml><?xml version="1.0" encoding="utf-8"?>
-<p:sld xmlns:a="http://schemas.openxmlformats.org/drawingml/2006/main" xmlns:r="http://schemas.openxmlformats.org/officeDocument/2006/relationships" xmlns:p="http://schemas.openxmlformats.org/presentationml/2006/main">
-  <p:cSld>
-    <p:spTree>
-      <p:nvGrpSpPr>
-        <p:cNvPr id="1" name=""/>
-        <p:cNvGrpSpPr/>
-        <p:nvPr/>
-      </p:nvGrpSpPr>
-      <p:grpSpPr>
-        <a:xfrm>
-          <a:off x="0" y="0"/>
-          <a:ext cx="0" cy="0"/>
-          <a:chOff x="0" y="0"/>
-          <a:chExt cx="0" cy="0"/>
-        </a:xfrm>
-      </p:grpSpPr>
-      <p:sp>
-        <p:nvSpPr>
-          <p:cNvPr id="2" name="Titre 1"/>
-          <p:cNvSpPr>
-            <a:spLocks noGrp="1"/>
-          </p:cNvSpPr>
-          <p:nvPr>
-            <p:ph type="title"/>
-          </p:nvPr>
-        </p:nvSpPr>
-        <p:spPr/>
-        <p:txBody>
-          <a:bodyPr/>
-          <a:lstStyle/>
-          <a:p>
-            <a:r>
-              <a:rPr lang="fr-FR" dirty="0"/>
-              <a:t>Les spécificités de </a:t>
-            </a:r>
-            <a:r>
-              <a:rPr lang="fr-FR" dirty="0" err="1"/>
-              <a:t>PubMed</a:t>
-            </a:r>
-            <a:endParaRPr lang="fr-FR" dirty="0"/>
-          </a:p>
-        </p:txBody>
-      </p:sp>
-      <p:sp>
-        <p:nvSpPr>
-          <p:cNvPr id="8" name="Espace réservé du texte 7"/>
-          <p:cNvSpPr>
-            <a:spLocks noGrp="1"/>
-          </p:cNvSpPr>
-          <p:nvPr>
-            <p:ph type="body" idx="1"/>
-          </p:nvPr>
-        </p:nvSpPr>
-        <p:spPr/>
-        <p:txBody>
-          <a:bodyPr/>
-          <a:lstStyle/>
-          <a:p>
-            <a:r>
-              <a:rPr lang="fr-FR" dirty="0"/>
-              <a:t>Couverture</a:t>
-            </a:r>
-          </a:p>
-          <a:p>
-            <a:r>
-              <a:rPr lang="fr-FR" dirty="0"/>
-              <a:t>Fonctionnalités</a:t>
-            </a:r>
-          </a:p>
-        </p:txBody>
-      </p:sp>
-      <p:sp>
-        <p:nvSpPr>
-          <p:cNvPr id="4" name="Espace réservé du pied de page 3"/>
-          <p:cNvSpPr>
-            <a:spLocks noGrp="1"/>
-          </p:cNvSpPr>
-          <p:nvPr>
-            <p:ph type="ftr" sz="quarter" idx="11"/>
-          </p:nvPr>
-        </p:nvSpPr>
-        <p:spPr/>
-        <p:txBody>
-          <a:bodyPr/>
-          <a:lstStyle/>
-          <a:p>
-            <a:r>
-              <a:rPr lang="fr-FR" smtClean="0"/>
-              <a:t>F. Flamerie - Trucs et astuces de PubMed - màj : 2023-05-31</a:t>
-            </a:r>
-            <a:endParaRPr lang="fr-FR" dirty="0"/>
-          </a:p>
-        </p:txBody>
-      </p:sp>
-      <p:sp>
-        <p:nvSpPr>
-          <p:cNvPr id="5" name="Espace réservé du numéro de diapositive 4"/>
-          <p:cNvSpPr>
-            <a:spLocks noGrp="1"/>
-          </p:cNvSpPr>
-          <p:nvPr>
-            <p:ph type="sldNum" sz="quarter" idx="12"/>
-          </p:nvPr>
-        </p:nvSpPr>
-        <p:spPr/>
-        <p:txBody>
-          <a:bodyPr/>
-          <a:lstStyle/>
-          <a:p>
-            <a:fld id="{99E13252-68E5-4994-B57B-B03F39B52C7D}" type="slidenum">
-              <a:rPr lang="fr-FR" smtClean="0"/>
-              <a:pPr/>
-              <a:t>3</a:t>
-            </a:fld>
-            <a:endParaRPr lang="fr-FR" dirty="0"/>
-          </a:p>
-        </p:txBody>
-      </p:sp>
-      <p:grpSp>
-        <p:nvGrpSpPr>
-          <p:cNvPr id="32" name="Zoom" descr="{&quot;Key&quot;:&quot;POWER_USER_SHAPE_ICON&quot;,&quot;Value&quot;:&quot;POWER_USER_SHAPE_ICON_STYLE_1&quot;}"/>
-          <p:cNvGrpSpPr>
-            <a:grpSpLocks noChangeAspect="1"/>
-          </p:cNvGrpSpPr>
-          <p:nvPr>
-            <p:custDataLst>
-              <p:tags r:id="rId1"/>
-            </p:custDataLst>
-          </p:nvPr>
-        </p:nvGrpSpPr>
-        <p:grpSpPr bwMode="auto">
-          <a:xfrm>
-            <a:off x="9519904" y="533644"/>
-            <a:ext cx="2367289" cy="2372393"/>
-            <a:chOff x="8" y="8"/>
-            <a:chExt cx="464" cy="465"/>
-          </a:xfrm>
-          <a:solidFill>
-            <a:srgbClr val="F27D38"/>
-          </a:solidFill>
-        </p:grpSpPr>
-        <p:sp>
-          <p:nvSpPr>
-            <p:cNvPr id="33" name="Zoom"/>
-            <p:cNvSpPr>
-              <a:spLocks noEditPoints="1"/>
-            </p:cNvSpPr>
-            <p:nvPr>
-              <p:custDataLst>
-                <p:tags r:id="rId2"/>
-              </p:custDataLst>
-            </p:nvPr>
-          </p:nvSpPr>
-          <p:spPr bwMode="auto">
-            <a:xfrm>
-              <a:off x="8" y="8"/>
-              <a:ext cx="464" cy="465"/>
-            </a:xfrm>
-            <a:custGeom>
-              <a:avLst/>
-              <a:gdLst>
-                <a:gd name="T0" fmla="*/ 928 w 1053"/>
-                <a:gd name="T1" fmla="*/ 125 h 1052"/>
-                <a:gd name="T2" fmla="*/ 625 w 1053"/>
-                <a:gd name="T3" fmla="*/ 0 h 1052"/>
-                <a:gd name="T4" fmla="*/ 323 w 1053"/>
-                <a:gd name="T5" fmla="*/ 125 h 1052"/>
-                <a:gd name="T6" fmla="*/ 198 w 1053"/>
-                <a:gd name="T7" fmla="*/ 428 h 1052"/>
-                <a:gd name="T8" fmla="*/ 279 w 1053"/>
-                <a:gd name="T9" fmla="*/ 679 h 1052"/>
-                <a:gd name="T10" fmla="*/ 0 w 1053"/>
-                <a:gd name="T11" fmla="*/ 957 h 1052"/>
-                <a:gd name="T12" fmla="*/ 95 w 1053"/>
-                <a:gd name="T13" fmla="*/ 1052 h 1052"/>
-                <a:gd name="T14" fmla="*/ 374 w 1053"/>
-                <a:gd name="T15" fmla="*/ 775 h 1052"/>
-                <a:gd name="T16" fmla="*/ 624 w 1053"/>
-                <a:gd name="T17" fmla="*/ 856 h 1052"/>
-                <a:gd name="T18" fmla="*/ 926 w 1053"/>
-                <a:gd name="T19" fmla="*/ 731 h 1052"/>
-                <a:gd name="T20" fmla="*/ 1051 w 1053"/>
-                <a:gd name="T21" fmla="*/ 429 h 1052"/>
-                <a:gd name="T22" fmla="*/ 928 w 1053"/>
-                <a:gd name="T23" fmla="*/ 125 h 1052"/>
-                <a:gd name="T24" fmla="*/ 874 w 1053"/>
-                <a:gd name="T25" fmla="*/ 676 h 1052"/>
-                <a:gd name="T26" fmla="*/ 625 w 1053"/>
-                <a:gd name="T27" fmla="*/ 779 h 1052"/>
-                <a:gd name="T28" fmla="*/ 376 w 1053"/>
-                <a:gd name="T29" fmla="*/ 676 h 1052"/>
-                <a:gd name="T30" fmla="*/ 274 w 1053"/>
-                <a:gd name="T31" fmla="*/ 427 h 1052"/>
-                <a:gd name="T32" fmla="*/ 376 w 1053"/>
-                <a:gd name="T33" fmla="*/ 179 h 1052"/>
-                <a:gd name="T34" fmla="*/ 625 w 1053"/>
-                <a:gd name="T35" fmla="*/ 76 h 1052"/>
-                <a:gd name="T36" fmla="*/ 874 w 1053"/>
-                <a:gd name="T37" fmla="*/ 179 h 1052"/>
-                <a:gd name="T38" fmla="*/ 976 w 1053"/>
-                <a:gd name="T39" fmla="*/ 428 h 1052"/>
-                <a:gd name="T40" fmla="*/ 874 w 1053"/>
-                <a:gd name="T41" fmla="*/ 676 h 1052"/>
-              </a:gdLst>
-              <a:ahLst/>
-              <a:cxnLst>
-                <a:cxn ang="0">
-                  <a:pos x="T0" y="T1"/>
-                </a:cxn>
-                <a:cxn ang="0">
-                  <a:pos x="T2" y="T3"/>
-                </a:cxn>
-                <a:cxn ang="0">
-                  <a:pos x="T4" y="T5"/>
-                </a:cxn>
-                <a:cxn ang="0">
-                  <a:pos x="T6" y="T7"/>
-                </a:cxn>
-                <a:cxn ang="0">
-                  <a:pos x="T8" y="T9"/>
-                </a:cxn>
-                <a:cxn ang="0">
-                  <a:pos x="T10" y="T11"/>
-                </a:cxn>
-                <a:cxn ang="0">
-                  <a:pos x="T12" y="T13"/>
-                </a:cxn>
-                <a:cxn ang="0">
-                  <a:pos x="T14" y="T15"/>
-                </a:cxn>
-                <a:cxn ang="0">
-                  <a:pos x="T16" y="T17"/>
-                </a:cxn>
-                <a:cxn ang="0">
-                  <a:pos x="T18" y="T19"/>
-                </a:cxn>
-                <a:cxn ang="0">
-                  <a:pos x="T20" y="T21"/>
-                </a:cxn>
-                <a:cxn ang="0">
-                  <a:pos x="T22" y="T23"/>
-                </a:cxn>
-                <a:cxn ang="0">
-                  <a:pos x="T24" y="T25"/>
-                </a:cxn>
-                <a:cxn ang="0">
-                  <a:pos x="T26" y="T27"/>
-                </a:cxn>
-                <a:cxn ang="0">
-                  <a:pos x="T28" y="T29"/>
-                </a:cxn>
-                <a:cxn ang="0">
-                  <a:pos x="T30" y="T31"/>
-                </a:cxn>
-                <a:cxn ang="0">
-                  <a:pos x="T32" y="T33"/>
-                </a:cxn>
-                <a:cxn ang="0">
-                  <a:pos x="T34" y="T35"/>
-                </a:cxn>
-                <a:cxn ang="0">
-                  <a:pos x="T36" y="T37"/>
-                </a:cxn>
-                <a:cxn ang="0">
-                  <a:pos x="T38" y="T39"/>
-                </a:cxn>
-                <a:cxn ang="0">
-                  <a:pos x="T40" y="T41"/>
-                </a:cxn>
-              </a:cxnLst>
-              <a:rect l="0" t="0" r="r" b="b"/>
-              <a:pathLst>
-                <a:path w="1053" h="1052">
-                  <a:moveTo>
-                    <a:pt x="928" y="125"/>
-                  </a:moveTo>
-                  <a:cubicBezTo>
-                    <a:pt x="846" y="45"/>
-                    <a:pt x="739" y="0"/>
-                    <a:pt x="625" y="0"/>
-                  </a:cubicBezTo>
-                  <a:cubicBezTo>
-                    <a:pt x="511" y="0"/>
-                    <a:pt x="404" y="45"/>
-                    <a:pt x="323" y="125"/>
-                  </a:cubicBezTo>
-                  <a:cubicBezTo>
-                    <a:pt x="241" y="206"/>
-                    <a:pt x="198" y="314"/>
-                    <a:pt x="198" y="428"/>
-                  </a:cubicBezTo>
-                  <a:cubicBezTo>
-                    <a:pt x="198" y="519"/>
-                    <a:pt x="226" y="606"/>
-                    <a:pt x="279" y="679"/>
-                  </a:cubicBezTo>
-                  <a:lnTo>
-                    <a:pt x="0" y="957"/>
-                  </a:lnTo>
-                  <a:lnTo>
-                    <a:pt x="95" y="1052"/>
-                  </a:lnTo>
-                  <a:lnTo>
-                    <a:pt x="374" y="775"/>
-                  </a:lnTo>
-                  <a:cubicBezTo>
-                    <a:pt x="446" y="828"/>
-                    <a:pt x="532" y="856"/>
-                    <a:pt x="624" y="856"/>
-                  </a:cubicBezTo>
-                  <a:cubicBezTo>
-                    <a:pt x="738" y="856"/>
-                    <a:pt x="845" y="811"/>
-                    <a:pt x="926" y="731"/>
-                  </a:cubicBezTo>
-                  <a:cubicBezTo>
-                    <a:pt x="1007" y="650"/>
-                    <a:pt x="1051" y="543"/>
-                    <a:pt x="1051" y="429"/>
-                  </a:cubicBezTo>
-                  <a:cubicBezTo>
-                    <a:pt x="1053" y="314"/>
-                    <a:pt x="1009" y="206"/>
-                    <a:pt x="928" y="125"/>
-                  </a:cubicBezTo>
-                  <a:close/>
-                  <a:moveTo>
-                    <a:pt x="874" y="676"/>
-                  </a:moveTo>
-                  <a:cubicBezTo>
-                    <a:pt x="808" y="743"/>
-                    <a:pt x="719" y="779"/>
-                    <a:pt x="625" y="779"/>
-                  </a:cubicBezTo>
-                  <a:cubicBezTo>
-                    <a:pt x="531" y="779"/>
-                    <a:pt x="443" y="743"/>
-                    <a:pt x="376" y="676"/>
-                  </a:cubicBezTo>
-                  <a:cubicBezTo>
-                    <a:pt x="310" y="610"/>
-                    <a:pt x="274" y="521"/>
-                    <a:pt x="274" y="427"/>
-                  </a:cubicBezTo>
-                  <a:cubicBezTo>
-                    <a:pt x="274" y="334"/>
-                    <a:pt x="310" y="245"/>
-                    <a:pt x="376" y="179"/>
-                  </a:cubicBezTo>
-                  <a:cubicBezTo>
-                    <a:pt x="443" y="113"/>
-                    <a:pt x="531" y="76"/>
-                    <a:pt x="625" y="76"/>
-                  </a:cubicBezTo>
-                  <a:cubicBezTo>
-                    <a:pt x="719" y="76"/>
-                    <a:pt x="807" y="113"/>
-                    <a:pt x="874" y="179"/>
-                  </a:cubicBezTo>
-                  <a:cubicBezTo>
-                    <a:pt x="940" y="245"/>
-                    <a:pt x="976" y="334"/>
-                    <a:pt x="976" y="428"/>
-                  </a:cubicBezTo>
-                  <a:cubicBezTo>
-                    <a:pt x="976" y="521"/>
-                    <a:pt x="940" y="610"/>
-                    <a:pt x="874" y="676"/>
-                  </a:cubicBezTo>
-                  <a:close/>
-                </a:path>
-              </a:pathLst>
-            </a:custGeom>
-            <a:grpFill/>
-            <a:ln w="0">
-              <a:noFill/>
-              <a:prstDash val="solid"/>
-              <a:round/>
-              <a:headEnd/>
-              <a:tailEnd/>
-            </a:ln>
-          </p:spPr>
-          <p:txBody>
-            <a:bodyPr vert="horz" wrap="square" lIns="91440" tIns="45720" rIns="91440" bIns="45720" numCol="1" anchor="t" anchorCtr="0" compatLnSpc="1">
-              <a:prstTxWarp prst="textNoShape">
-                <a:avLst/>
-              </a:prstTxWarp>
-            </a:bodyPr>
-            <a:lstStyle/>
-            <a:p>
-              <a:pPr marL="0" marR="0" lvl="0" indent="0" algn="l" defTabSz="914400" rtl="0" eaLnBrk="1" fontAlgn="auto" latinLnBrk="0" hangingPunct="1">
-                <a:lnSpc>
-                  <a:spcPct val="100000"/>
-                </a:lnSpc>
-                <a:spcBef>
-                  <a:spcPts val="0"/>
-                </a:spcBef>
-                <a:spcAft>
-                  <a:spcPts val="0"/>
-                </a:spcAft>
-                <a:buClrTx/>
-                <a:buSzTx/>
-                <a:buFontTx/>
-                <a:buNone/>
-                <a:tabLst/>
-                <a:defRPr/>
-              </a:pPr>
-              <a:endParaRPr kumimoji="0" lang="en-US" sz="1800" b="0" i="0" u="none" strike="noStrike" kern="1200" cap="none" spc="0" normalizeH="0" baseline="0" noProof="0" dirty="0">
-                <a:ln>
-                  <a:noFill/>
-                </a:ln>
-                <a:solidFill>
-                  <a:prstClr val="black"/>
-                </a:solidFill>
-                <a:effectLst/>
-                <a:uLnTx/>
-                <a:uFillTx/>
-                <a:latin typeface="Corbel" panose="020B0503020204020204" pitchFamily="34" charset="0"/>
-                <a:ea typeface="+mn-ea"/>
-                <a:cs typeface="+mn-cs"/>
-              </a:endParaRPr>
-            </a:p>
-          </p:txBody>
-        </p:sp>
-        <p:sp>
-          <p:nvSpPr>
-            <p:cNvPr id="34" name="Zoom"/>
-            <p:cNvSpPr>
-              <a:spLocks/>
-            </p:cNvSpPr>
-            <p:nvPr>
-              <p:custDataLst>
-                <p:tags r:id="rId3"/>
-              </p:custDataLst>
-            </p:nvPr>
-          </p:nvSpPr>
-          <p:spPr bwMode="auto">
-            <a:xfrm>
-              <a:off x="204" y="118"/>
-              <a:ext cx="161" cy="160"/>
-            </a:xfrm>
-            <a:custGeom>
-              <a:avLst/>
-              <a:gdLst>
-                <a:gd name="T0" fmla="*/ 231 w 364"/>
-                <a:gd name="T1" fmla="*/ 0 h 363"/>
-                <a:gd name="T2" fmla="*/ 133 w 364"/>
-                <a:gd name="T3" fmla="*/ 0 h 363"/>
-                <a:gd name="T4" fmla="*/ 133 w 364"/>
-                <a:gd name="T5" fmla="*/ 132 h 363"/>
-                <a:gd name="T6" fmla="*/ 0 w 364"/>
-                <a:gd name="T7" fmla="*/ 132 h 363"/>
-                <a:gd name="T8" fmla="*/ 0 w 364"/>
-                <a:gd name="T9" fmla="*/ 231 h 363"/>
-                <a:gd name="T10" fmla="*/ 133 w 364"/>
-                <a:gd name="T11" fmla="*/ 231 h 363"/>
-                <a:gd name="T12" fmla="*/ 133 w 364"/>
-                <a:gd name="T13" fmla="*/ 363 h 363"/>
-                <a:gd name="T14" fmla="*/ 231 w 364"/>
-                <a:gd name="T15" fmla="*/ 363 h 363"/>
-                <a:gd name="T16" fmla="*/ 231 w 364"/>
-                <a:gd name="T17" fmla="*/ 231 h 363"/>
-                <a:gd name="T18" fmla="*/ 364 w 364"/>
-                <a:gd name="T19" fmla="*/ 231 h 363"/>
-                <a:gd name="T20" fmla="*/ 364 w 364"/>
-                <a:gd name="T21" fmla="*/ 132 h 363"/>
-                <a:gd name="T22" fmla="*/ 231 w 364"/>
-                <a:gd name="T23" fmla="*/ 132 h 363"/>
-                <a:gd name="T24" fmla="*/ 231 w 364"/>
-                <a:gd name="T25" fmla="*/ 0 h 363"/>
-              </a:gdLst>
-              <a:ahLst/>
-              <a:cxnLst>
-                <a:cxn ang="0">
-                  <a:pos x="T0" y="T1"/>
-                </a:cxn>
-                <a:cxn ang="0">
-                  <a:pos x="T2" y="T3"/>
-                </a:cxn>
-                <a:cxn ang="0">
-                  <a:pos x="T4" y="T5"/>
-                </a:cxn>
-                <a:cxn ang="0">
-                  <a:pos x="T6" y="T7"/>
-                </a:cxn>
-                <a:cxn ang="0">
-                  <a:pos x="T8" y="T9"/>
-                </a:cxn>
-                <a:cxn ang="0">
-                  <a:pos x="T10" y="T11"/>
-                </a:cxn>
-                <a:cxn ang="0">
-                  <a:pos x="T12" y="T13"/>
-                </a:cxn>
-                <a:cxn ang="0">
-                  <a:pos x="T14" y="T15"/>
-                </a:cxn>
-                <a:cxn ang="0">
-                  <a:pos x="T16" y="T17"/>
-                </a:cxn>
-                <a:cxn ang="0">
-                  <a:pos x="T18" y="T19"/>
-                </a:cxn>
-                <a:cxn ang="0">
-                  <a:pos x="T20" y="T21"/>
-                </a:cxn>
-                <a:cxn ang="0">
-                  <a:pos x="T22" y="T23"/>
-                </a:cxn>
-                <a:cxn ang="0">
-                  <a:pos x="T24" y="T25"/>
-                </a:cxn>
-              </a:cxnLst>
-              <a:rect l="0" t="0" r="r" b="b"/>
-              <a:pathLst>
-                <a:path w="364" h="363">
-                  <a:moveTo>
-                    <a:pt x="231" y="0"/>
-                  </a:moveTo>
-                  <a:lnTo>
-                    <a:pt x="133" y="0"/>
-                  </a:lnTo>
-                  <a:lnTo>
-                    <a:pt x="133" y="132"/>
-                  </a:lnTo>
-                  <a:lnTo>
-                    <a:pt x="0" y="132"/>
-                  </a:lnTo>
-                  <a:lnTo>
-                    <a:pt x="0" y="231"/>
-                  </a:lnTo>
-                  <a:lnTo>
-                    <a:pt x="133" y="231"/>
-                  </a:lnTo>
-                  <a:lnTo>
-                    <a:pt x="133" y="363"/>
-                  </a:lnTo>
-                  <a:lnTo>
-                    <a:pt x="231" y="363"/>
-                  </a:lnTo>
-                  <a:lnTo>
-                    <a:pt x="231" y="231"/>
-                  </a:lnTo>
-                  <a:lnTo>
-                    <a:pt x="364" y="231"/>
-                  </a:lnTo>
-                  <a:lnTo>
-                    <a:pt x="364" y="132"/>
-                  </a:lnTo>
-                  <a:lnTo>
-                    <a:pt x="231" y="132"/>
-                  </a:lnTo>
-                  <a:lnTo>
-                    <a:pt x="231" y="0"/>
-                  </a:lnTo>
-                  <a:close/>
-                </a:path>
-              </a:pathLst>
-            </a:custGeom>
-            <a:grpFill/>
-            <a:ln w="0">
-              <a:noFill/>
-              <a:prstDash val="solid"/>
-              <a:round/>
-              <a:headEnd/>
-              <a:tailEnd/>
-            </a:ln>
-          </p:spPr>
-          <p:txBody>
-            <a:bodyPr vert="horz" wrap="square" lIns="91440" tIns="45720" rIns="91440" bIns="45720" numCol="1" anchor="t" anchorCtr="0" compatLnSpc="1">
-              <a:prstTxWarp prst="textNoShape">
-                <a:avLst/>
-              </a:prstTxWarp>
-            </a:bodyPr>
-            <a:lstStyle/>
-            <a:p>
-              <a:pPr marL="0" marR="0" lvl="0" indent="0" algn="l" defTabSz="914400" rtl="0" eaLnBrk="1" fontAlgn="auto" latinLnBrk="0" hangingPunct="1">
-                <a:lnSpc>
-                  <a:spcPct val="100000"/>
-                </a:lnSpc>
-                <a:spcBef>
-                  <a:spcPts val="0"/>
-                </a:spcBef>
-                <a:spcAft>
-                  <a:spcPts val="0"/>
-                </a:spcAft>
-                <a:buClrTx/>
-                <a:buSzTx/>
-                <a:buFontTx/>
-                <a:buNone/>
-                <a:tabLst/>
-                <a:defRPr/>
-              </a:pPr>
-              <a:endParaRPr kumimoji="0" lang="en-US" sz="1800" b="0" i="0" u="none" strike="noStrike" kern="1200" cap="none" spc="0" normalizeH="0" baseline="0" noProof="0" dirty="0">
-                <a:ln>
-                  <a:noFill/>
-                </a:ln>
-                <a:solidFill>
-                  <a:prstClr val="black"/>
-                </a:solidFill>
-                <a:effectLst/>
-                <a:uLnTx/>
-                <a:uFillTx/>
-                <a:latin typeface="Corbel" panose="020B0503020204020204" pitchFamily="34" charset="0"/>
-                <a:ea typeface="+mn-ea"/>
-                <a:cs typeface="+mn-cs"/>
-              </a:endParaRPr>
-            </a:p>
-          </p:txBody>
-        </p:sp>
-      </p:grpSp>
-    </p:spTree>
-    <p:extLst>
-      <p:ext uri="{BB962C8B-B14F-4D97-AF65-F5344CB8AC3E}">
-        <p14:creationId xmlns:p14="http://schemas.microsoft.com/office/powerpoint/2010/main" val="980970848"/>
-      </p:ext>
-    </p:extLst>
-  </p:cSld>
-  <p:clrMapOvr>
-    <a:masterClrMapping/>
-  </p:clrMapOvr>
-</p:sld>
-</file>
-
-<file path=ppt/slides/slide30.xml><?xml version="1.0" encoding="utf-8"?>
+<file path=ppt/slides/slide31.xml><?xml version="1.0" encoding="utf-8"?>
 <p:sld xmlns:a="http://schemas.openxmlformats.org/drawingml/2006/main" xmlns:r="http://schemas.openxmlformats.org/officeDocument/2006/relationships" xmlns:p="http://schemas.openxmlformats.org/presentationml/2006/main">
   <p:cSld>
     <p:spTree>
@@ -15789,7 +16579,7 @@
           <a:p>
             <a:r>
               <a:rPr lang="fr-FR" smtClean="0"/>
-              <a:t>F. Flamerie - Trucs et astuces de PubMed - màj : 2023-05-31</a:t>
+              <a:t>F. Flamerie - Trucs et astuces de PubMed - màj : 2023-11-24</a:t>
             </a:r>
             <a:endParaRPr lang="fr-FR" dirty="0"/>
           </a:p>
@@ -15812,7 +16602,7 @@
           <a:p>
             <a:fld id="{99E13252-68E5-4994-B57B-B03F39B52C7D}" type="slidenum">
               <a:rPr lang="fr-FR" smtClean="0"/>
-              <a:t>30</a:t>
+              <a:t>31</a:t>
             </a:fld>
             <a:endParaRPr lang="fr-FR"/>
           </a:p>
@@ -16557,7 +17347,7 @@
 </p:sld>
 </file>
 
-<file path=ppt/slides/slide31.xml><?xml version="1.0" encoding="utf-8"?>
+<file path=ppt/slides/slide32.xml><?xml version="1.0" encoding="utf-8"?>
 <p:sld xmlns:a="http://schemas.openxmlformats.org/drawingml/2006/main" xmlns:r="http://schemas.openxmlformats.org/officeDocument/2006/relationships" xmlns:p="http://schemas.openxmlformats.org/presentationml/2006/main">
   <p:cSld>
     <p:spTree>
@@ -16637,7 +17427,7 @@
           <a:p>
             <a:r>
               <a:rPr lang="fr-FR" smtClean="0"/>
-              <a:t>F. Flamerie - Trucs et astuces de PubMed - màj : 2023-05-31</a:t>
+              <a:t>F. Flamerie - Trucs et astuces de PubMed - màj : 2023-11-24</a:t>
             </a:r>
             <a:endParaRPr lang="fr-FR" dirty="0"/>
           </a:p>
@@ -16660,7 +17450,7 @@
           <a:p>
             <a:fld id="{99E13252-68E5-4994-B57B-B03F39B52C7D}" type="slidenum">
               <a:rPr lang="fr-FR" smtClean="0"/>
-              <a:t>31</a:t>
+              <a:t>32</a:t>
             </a:fld>
             <a:endParaRPr lang="fr-FR"/>
           </a:p>
@@ -16866,7 +17656,7 @@
 </p:sld>
 </file>
 
-<file path=ppt/slides/slide32.xml><?xml version="1.0" encoding="utf-8"?>
+<file path=ppt/slides/slide33.xml><?xml version="1.0" encoding="utf-8"?>
 <p:sld xmlns:a="http://schemas.openxmlformats.org/drawingml/2006/main" xmlns:r="http://schemas.openxmlformats.org/officeDocument/2006/relationships" xmlns:p="http://schemas.openxmlformats.org/presentationml/2006/main">
   <p:cSld>
     <p:spTree>
@@ -16967,7 +17757,7 @@
           <a:p>
             <a:r>
               <a:rPr lang="fr-FR" smtClean="0"/>
-              <a:t>F. Flamerie - Trucs et astuces de PubMed - màj : 2023-05-31</a:t>
+              <a:t>F. Flamerie - Trucs et astuces de PubMed - màj : 2023-11-24</a:t>
             </a:r>
             <a:endParaRPr lang="fr-FR" dirty="0"/>
           </a:p>
@@ -16990,7 +17780,7 @@
           <a:p>
             <a:fld id="{99E13252-68E5-4994-B57B-B03F39B52C7D}" type="slidenum">
               <a:rPr lang="fr-FR" smtClean="0"/>
-              <a:t>32</a:t>
+              <a:t>33</a:t>
             </a:fld>
             <a:endParaRPr lang="fr-FR"/>
           </a:p>
@@ -17696,7 +18486,7 @@
 </p:sld>
 </file>
 
-<file path=ppt/slides/slide33.xml><?xml version="1.0" encoding="utf-8"?>
+<file path=ppt/slides/slide34.xml><?xml version="1.0" encoding="utf-8"?>
 <p:sld xmlns:a="http://schemas.openxmlformats.org/drawingml/2006/main" xmlns:r="http://schemas.openxmlformats.org/officeDocument/2006/relationships" xmlns:p="http://schemas.openxmlformats.org/presentationml/2006/main">
   <p:cSld>
     <p:spTree>
@@ -17874,7 +18664,7 @@
           <a:p>
             <a:r>
               <a:rPr lang="fr-FR" smtClean="0"/>
-              <a:t>F. Flamerie - Trucs et astuces de PubMed - màj : 2023-05-31</a:t>
+              <a:t>F. Flamerie - Trucs et astuces de PubMed - màj : 2023-11-24</a:t>
             </a:r>
             <a:endParaRPr lang="fr-FR" dirty="0"/>
           </a:p>
@@ -17897,7 +18687,7 @@
           <a:p>
             <a:fld id="{99E13252-68E5-4994-B57B-B03F39B52C7D}" type="slidenum">
               <a:rPr lang="fr-FR" smtClean="0"/>
-              <a:t>33</a:t>
+              <a:t>34</a:t>
             </a:fld>
             <a:endParaRPr lang="fr-FR"/>
           </a:p>
@@ -18049,7 +18839,7 @@
 </p:sld>
 </file>
 
-<file path=ppt/slides/slide34.xml><?xml version="1.0" encoding="utf-8"?>
+<file path=ppt/slides/slide35.xml><?xml version="1.0" encoding="utf-8"?>
 <p:sld xmlns:a="http://schemas.openxmlformats.org/drawingml/2006/main" xmlns:r="http://schemas.openxmlformats.org/officeDocument/2006/relationships" xmlns:p="http://schemas.openxmlformats.org/presentationml/2006/main">
   <p:cSld>
     <p:spTree>
@@ -18395,7 +19185,7 @@
           <a:p>
             <a:r>
               <a:rPr lang="fr-FR" smtClean="0"/>
-              <a:t>F. Flamerie - Trucs et astuces de PubMed - màj : 2023-05-31</a:t>
+              <a:t>F. Flamerie - Trucs et astuces de PubMed - màj : 2023-11-24</a:t>
             </a:r>
             <a:endParaRPr lang="fr-FR"/>
           </a:p>
@@ -18418,7 +19208,7 @@
           <a:p>
             <a:fld id="{99E13252-68E5-4994-B57B-B03F39B52C7D}" type="slidenum">
               <a:rPr lang="fr-FR" smtClean="0"/>
-              <a:t>34</a:t>
+              <a:t>35</a:t>
             </a:fld>
             <a:endParaRPr lang="fr-FR"/>
           </a:p>
@@ -18437,7 +19227,7 @@
 </p:sld>
 </file>
 
-<file path=ppt/slides/slide35.xml><?xml version="1.0" encoding="utf-8"?>
+<file path=ppt/slides/slide36.xml><?xml version="1.0" encoding="utf-8"?>
 <p:sld xmlns:a="http://schemas.openxmlformats.org/drawingml/2006/main" xmlns:r="http://schemas.openxmlformats.org/officeDocument/2006/relationships" xmlns:p="http://schemas.openxmlformats.org/presentationml/2006/main">
   <p:cSld>
     <p:spTree>
@@ -18506,7 +19296,7 @@
           <a:p>
             <a:r>
               <a:rPr lang="fr-FR" smtClean="0"/>
-              <a:t>F. Flamerie - Trucs et astuces de PubMed - màj : 2023-05-31</a:t>
+              <a:t>F. Flamerie - Trucs et astuces de PubMed - màj : 2023-11-24</a:t>
             </a:r>
             <a:endParaRPr lang="fr-FR"/>
           </a:p>
@@ -18529,7 +19319,7 @@
           <a:p>
             <a:fld id="{99E13252-68E5-4994-B57B-B03F39B52C7D}" type="slidenum">
               <a:rPr lang="fr-FR" smtClean="0"/>
-              <a:t>35</a:t>
+              <a:t>36</a:t>
             </a:fld>
             <a:endParaRPr lang="fr-FR"/>
           </a:p>
@@ -18694,7 +19484,7 @@
 </p:sld>
 </file>
 
-<file path=ppt/slides/slide36.xml><?xml version="1.0" encoding="utf-8"?>
+<file path=ppt/slides/slide37.xml><?xml version="1.0" encoding="utf-8"?>
 <p:sld xmlns:a="http://schemas.openxmlformats.org/drawingml/2006/main" xmlns:r="http://schemas.openxmlformats.org/officeDocument/2006/relationships" xmlns:p="http://schemas.openxmlformats.org/presentationml/2006/main">
   <p:cSld>
     <p:spTree>
@@ -18868,7 +19658,7 @@
           <a:p>
             <a:r>
               <a:rPr lang="fr-FR" smtClean="0"/>
-              <a:t>F. Flamerie - Trucs et astuces de PubMed - màj : 2023-05-31</a:t>
+              <a:t>F. Flamerie - Trucs et astuces de PubMed - màj : 2023-11-24</a:t>
             </a:r>
             <a:endParaRPr lang="fr-FR"/>
           </a:p>
@@ -18891,7 +19681,7 @@
           <a:p>
             <a:fld id="{99E13252-68E5-4994-B57B-B03F39B52C7D}" type="slidenum">
               <a:rPr lang="fr-FR" smtClean="0"/>
-              <a:t>36</a:t>
+              <a:t>37</a:t>
             </a:fld>
             <a:endParaRPr lang="fr-FR"/>
           </a:p>
@@ -19400,7 +20190,7 @@
 </p:sld>
 </file>
 
-<file path=ppt/slides/slide37.xml><?xml version="1.0" encoding="utf-8"?>
+<file path=ppt/slides/slide38.xml><?xml version="1.0" encoding="utf-8"?>
 <p:sld xmlns:a="http://schemas.openxmlformats.org/drawingml/2006/main" xmlns:r="http://schemas.openxmlformats.org/officeDocument/2006/relationships" xmlns:p="http://schemas.openxmlformats.org/presentationml/2006/main">
   <p:cSld>
     <p:spTree>
@@ -19462,7 +20252,7 @@
           <a:p>
             <a:r>
               <a:rPr lang="fr-FR" smtClean="0"/>
-              <a:t>F. Flamerie - Trucs et astuces de PubMed - màj : 2023-05-31</a:t>
+              <a:t>F. Flamerie - Trucs et astuces de PubMed - màj : 2023-11-24</a:t>
             </a:r>
             <a:endParaRPr lang="fr-FR"/>
           </a:p>
@@ -19485,7 +20275,7 @@
           <a:p>
             <a:fld id="{99E13252-68E5-4994-B57B-B03F39B52C7D}" type="slidenum">
               <a:rPr lang="fr-FR" smtClean="0"/>
-              <a:t>37</a:t>
+              <a:t>38</a:t>
             </a:fld>
             <a:endParaRPr lang="fr-FR"/>
           </a:p>
@@ -21359,7 +22149,7 @@
 </p:sld>
 </file>
 
-<file path=ppt/slides/slide38.xml><?xml version="1.0" encoding="utf-8"?>
+<file path=ppt/slides/slide39.xml><?xml version="1.0" encoding="utf-8"?>
 <p:sld xmlns:a="http://schemas.openxmlformats.org/drawingml/2006/main" xmlns:r="http://schemas.openxmlformats.org/officeDocument/2006/relationships" xmlns:p="http://schemas.openxmlformats.org/presentationml/2006/main">
   <p:cSld>
     <p:spTree>
@@ -21443,7 +22233,7 @@
           <a:p>
             <a:r>
               <a:rPr lang="fr-FR" smtClean="0"/>
-              <a:t>F. Flamerie - Trucs et astuces de PubMed - màj : 2023-05-31</a:t>
+              <a:t>F. Flamerie - Trucs et astuces de PubMed - màj : 2023-11-24</a:t>
             </a:r>
             <a:endParaRPr lang="fr-FR" dirty="0"/>
           </a:p>
@@ -21467,7 +22257,7 @@
             <a:fld id="{99E13252-68E5-4994-B57B-B03F39B52C7D}" type="slidenum">
               <a:rPr lang="fr-FR" smtClean="0"/>
               <a:pPr/>
-              <a:t>38</a:t>
+              <a:t>39</a:t>
             </a:fld>
             <a:endParaRPr lang="fr-FR" dirty="0"/>
           </a:p>
@@ -22045,7 +22835,7 @@
           <a:p>
             <a:r>
               <a:rPr lang="fr-FR" smtClean="0"/>
-              <a:t>F. Flamerie - Trucs et astuces de PubMed - màj : 2023-05-31</a:t>
+              <a:t>F. Flamerie - Trucs et astuces de PubMed - màj : 2023-11-24</a:t>
             </a:r>
             <a:endParaRPr lang="fr-FR"/>
           </a:p>
@@ -22356,7 +23146,7 @@
           <a:p>
             <a:r>
               <a:rPr lang="fr-FR" smtClean="0"/>
-              <a:t>F. Flamerie - Trucs et astuces de PubMed - màj : 2023-05-31</a:t>
+              <a:t>F. Flamerie - Trucs et astuces de PubMed - màj : 2023-11-24</a:t>
             </a:r>
             <a:endParaRPr lang="fr-FR"/>
           </a:p>
@@ -22710,7 +23500,7 @@
           <a:p>
             <a:r>
               <a:rPr lang="fr-FR" smtClean="0"/>
-              <a:t>F. Flamerie - Trucs et astuces de PubMed - màj : 2023-05-31</a:t>
+              <a:t>F. Flamerie - Trucs et astuces de PubMed - màj : 2023-11-24</a:t>
             </a:r>
             <a:endParaRPr lang="fr-FR"/>
           </a:p>
@@ -23872,7 +24662,7 @@
           <a:p>
             <a:r>
               <a:rPr lang="fr-FR" smtClean="0"/>
-              <a:t>F. Flamerie - Trucs et astuces de PubMed - màj : 2023-05-31</a:t>
+              <a:t>F. Flamerie - Trucs et astuces de PubMed - màj : 2023-11-24</a:t>
             </a:r>
             <a:endParaRPr lang="fr-FR" dirty="0"/>
           </a:p>
@@ -23981,7 +24771,7 @@
           <a:p>
             <a:r>
               <a:rPr lang="fr-FR" smtClean="0"/>
-              <a:t>F. Flamerie - Trucs et astuces de PubMed - màj : 2023-05-31</a:t>
+              <a:t>F. Flamerie - Trucs et astuces de PubMed - màj : 2023-11-24</a:t>
             </a:r>
             <a:endParaRPr lang="fr-FR" dirty="0"/>
           </a:p>
@@ -24733,6 +25523,13 @@
   <p:clrMapOvr>
     <a:masterClrMapping/>
   </p:clrMapOvr>
+  <p:timing>
+    <p:tnLst>
+      <p:par>
+        <p:cTn id="1" dur="indefinite" restart="never" nodeType="tmRoot"/>
+      </p:par>
+    </p:tnLst>
+  </p:timing>
 </p:sld>
 </file>
 
@@ -24755,6 +25552,368 @@
       </p:grpSpPr>
       <p:sp>
         <p:nvSpPr>
+          <p:cNvPr id="23" name="ZoneTexte 13"/>
+          <p:cNvSpPr txBox="1">
+            <a:spLocks noChangeArrowheads="1"/>
+          </p:cNvSpPr>
+          <p:nvPr/>
+        </p:nvSpPr>
+        <p:spPr bwMode="auto">
+          <a:xfrm>
+            <a:off x="1159085" y="3111472"/>
+            <a:ext cx="1928014" cy="707886"/>
+          </a:xfrm>
+          <a:prstGeom prst="rect">
+            <a:avLst/>
+          </a:prstGeom>
+          <a:solidFill>
+            <a:schemeClr val="bg1"/>
+          </a:solidFill>
+          <a:ln>
+            <a:noFill/>
+          </a:ln>
+          <a:extLst>
+            <a:ext uri="{91240B29-F687-4F45-9708-019B960494DF}">
+              <a14:hiddenLine xmlns:a14="http://schemas.microsoft.com/office/drawing/2010/main" w="9525">
+                <a:solidFill>
+                  <a:srgbClr val="000000"/>
+                </a:solidFill>
+                <a:miter lim="800000"/>
+                <a:headEnd/>
+                <a:tailEnd/>
+              </a14:hiddenLine>
+            </a:ext>
+          </a:extLst>
+        </p:spPr>
+        <p:txBody>
+          <a:bodyPr wrap="square">
+            <a:spAutoFit/>
+          </a:bodyPr>
+          <a:lstStyle>
+            <a:lvl1pPr eaLnBrk="0" hangingPunct="0">
+              <a:spcBef>
+                <a:spcPct val="20000"/>
+              </a:spcBef>
+              <a:buChar char="•"/>
+              <a:defRPr sz="3200">
+                <a:solidFill>
+                  <a:schemeClr val="accent2"/>
+                </a:solidFill>
+                <a:latin typeface="Calibri" panose="020F0502020204030204" pitchFamily="34" charset="0"/>
+              </a:defRPr>
+            </a:lvl1pPr>
+            <a:lvl2pPr marL="742950" indent="-285750" eaLnBrk="0" hangingPunct="0">
+              <a:spcBef>
+                <a:spcPct val="20000"/>
+              </a:spcBef>
+              <a:buChar char="–"/>
+              <a:defRPr sz="2800">
+                <a:solidFill>
+                  <a:schemeClr val="accent2"/>
+                </a:solidFill>
+                <a:latin typeface="Calibri" panose="020F0502020204030204" pitchFamily="34" charset="0"/>
+              </a:defRPr>
+            </a:lvl2pPr>
+            <a:lvl3pPr marL="1143000" indent="-228600" eaLnBrk="0" hangingPunct="0">
+              <a:spcBef>
+                <a:spcPct val="20000"/>
+              </a:spcBef>
+              <a:buChar char="•"/>
+              <a:defRPr sz="2400">
+                <a:solidFill>
+                  <a:schemeClr val="accent2"/>
+                </a:solidFill>
+                <a:latin typeface="Calibri" panose="020F0502020204030204" pitchFamily="34" charset="0"/>
+              </a:defRPr>
+            </a:lvl3pPr>
+            <a:lvl4pPr marL="1600200" indent="-228600" eaLnBrk="0" hangingPunct="0">
+              <a:spcBef>
+                <a:spcPct val="20000"/>
+              </a:spcBef>
+              <a:buChar char="–"/>
+              <a:defRPr sz="2000">
+                <a:solidFill>
+                  <a:schemeClr val="accent2"/>
+                </a:solidFill>
+                <a:latin typeface="Calibri" panose="020F0502020204030204" pitchFamily="34" charset="0"/>
+              </a:defRPr>
+            </a:lvl4pPr>
+            <a:lvl5pPr marL="2057400" indent="-228600" eaLnBrk="0" hangingPunct="0">
+              <a:spcBef>
+                <a:spcPct val="20000"/>
+              </a:spcBef>
+              <a:buChar char="»"/>
+              <a:defRPr sz="2000">
+                <a:solidFill>
+                  <a:schemeClr val="accent2"/>
+                </a:solidFill>
+                <a:latin typeface="Calibri" panose="020F0502020204030204" pitchFamily="34" charset="0"/>
+              </a:defRPr>
+            </a:lvl5pPr>
+            <a:lvl6pPr marL="2514600" indent="-228600" eaLnBrk="0" fontAlgn="base" hangingPunct="0">
+              <a:spcBef>
+                <a:spcPct val="20000"/>
+              </a:spcBef>
+              <a:spcAft>
+                <a:spcPct val="0"/>
+              </a:spcAft>
+              <a:buChar char="»"/>
+              <a:defRPr sz="2000">
+                <a:solidFill>
+                  <a:schemeClr val="accent2"/>
+                </a:solidFill>
+                <a:latin typeface="Calibri" panose="020F0502020204030204" pitchFamily="34" charset="0"/>
+              </a:defRPr>
+            </a:lvl6pPr>
+            <a:lvl7pPr marL="2971800" indent="-228600" eaLnBrk="0" fontAlgn="base" hangingPunct="0">
+              <a:spcBef>
+                <a:spcPct val="20000"/>
+              </a:spcBef>
+              <a:spcAft>
+                <a:spcPct val="0"/>
+              </a:spcAft>
+              <a:buChar char="»"/>
+              <a:defRPr sz="2000">
+                <a:solidFill>
+                  <a:schemeClr val="accent2"/>
+                </a:solidFill>
+                <a:latin typeface="Calibri" panose="020F0502020204030204" pitchFamily="34" charset="0"/>
+              </a:defRPr>
+            </a:lvl7pPr>
+            <a:lvl8pPr marL="3429000" indent="-228600" eaLnBrk="0" fontAlgn="base" hangingPunct="0">
+              <a:spcBef>
+                <a:spcPct val="20000"/>
+              </a:spcBef>
+              <a:spcAft>
+                <a:spcPct val="0"/>
+              </a:spcAft>
+              <a:buChar char="»"/>
+              <a:defRPr sz="2000">
+                <a:solidFill>
+                  <a:schemeClr val="accent2"/>
+                </a:solidFill>
+                <a:latin typeface="Calibri" panose="020F0502020204030204" pitchFamily="34" charset="0"/>
+              </a:defRPr>
+            </a:lvl8pPr>
+            <a:lvl9pPr marL="3886200" indent="-228600" eaLnBrk="0" fontAlgn="base" hangingPunct="0">
+              <a:spcBef>
+                <a:spcPct val="20000"/>
+              </a:spcBef>
+              <a:spcAft>
+                <a:spcPct val="0"/>
+              </a:spcAft>
+              <a:buChar char="»"/>
+              <a:defRPr sz="2000">
+                <a:solidFill>
+                  <a:schemeClr val="accent2"/>
+                </a:solidFill>
+                <a:latin typeface="Calibri" panose="020F0502020204030204" pitchFamily="34" charset="0"/>
+              </a:defRPr>
+            </a:lvl9pPr>
+          </a:lstStyle>
+          <a:p>
+            <a:pPr algn="r" eaLnBrk="1" hangingPunct="1">
+              <a:spcBef>
+                <a:spcPct val="0"/>
+              </a:spcBef>
+              <a:buFontTx/>
+              <a:buNone/>
+            </a:pPr>
+            <a:r>
+              <a:rPr lang="fr-FR" altLang="fr-FR" sz="2000" dirty="0">
+                <a:solidFill>
+                  <a:srgbClr val="FF6600"/>
+                </a:solidFill>
+                <a:latin typeface="Corbel" panose="020B0503020204020204" pitchFamily="34" charset="0"/>
+              </a:rPr>
+              <a:t>Qualificatifs applicables</a:t>
+            </a:r>
+          </a:p>
+        </p:txBody>
+      </p:sp>
+      <p:sp>
+        <p:nvSpPr>
+          <p:cNvPr id="22" name="ZoneTexte 12"/>
+          <p:cNvSpPr txBox="1">
+            <a:spLocks noChangeArrowheads="1"/>
+          </p:cNvSpPr>
+          <p:nvPr/>
+        </p:nvSpPr>
+        <p:spPr bwMode="auto">
+          <a:xfrm>
+            <a:off x="37505" y="2045062"/>
+            <a:ext cx="3049594" cy="707886"/>
+          </a:xfrm>
+          <a:prstGeom prst="rect">
+            <a:avLst/>
+          </a:prstGeom>
+          <a:solidFill>
+            <a:schemeClr val="bg1"/>
+          </a:solidFill>
+          <a:ln>
+            <a:noFill/>
+          </a:ln>
+          <a:extLst>
+            <a:ext uri="{91240B29-F687-4F45-9708-019B960494DF}">
+              <a14:hiddenLine xmlns:a14="http://schemas.microsoft.com/office/drawing/2010/main" w="9525">
+                <a:solidFill>
+                  <a:srgbClr val="000000"/>
+                </a:solidFill>
+                <a:miter lim="800000"/>
+                <a:headEnd/>
+                <a:tailEnd/>
+              </a14:hiddenLine>
+            </a:ext>
+          </a:extLst>
+        </p:spPr>
+        <p:txBody>
+          <a:bodyPr wrap="square">
+            <a:spAutoFit/>
+          </a:bodyPr>
+          <a:lstStyle>
+            <a:lvl1pPr eaLnBrk="0" hangingPunct="0">
+              <a:spcBef>
+                <a:spcPct val="20000"/>
+              </a:spcBef>
+              <a:buChar char="•"/>
+              <a:defRPr sz="3200">
+                <a:solidFill>
+                  <a:schemeClr val="accent2"/>
+                </a:solidFill>
+                <a:latin typeface="Calibri" panose="020F0502020204030204" pitchFamily="34" charset="0"/>
+              </a:defRPr>
+            </a:lvl1pPr>
+            <a:lvl2pPr marL="742950" indent="-285750" eaLnBrk="0" hangingPunct="0">
+              <a:spcBef>
+                <a:spcPct val="20000"/>
+              </a:spcBef>
+              <a:buChar char="–"/>
+              <a:defRPr sz="2800">
+                <a:solidFill>
+                  <a:schemeClr val="accent2"/>
+                </a:solidFill>
+                <a:latin typeface="Calibri" panose="020F0502020204030204" pitchFamily="34" charset="0"/>
+              </a:defRPr>
+            </a:lvl2pPr>
+            <a:lvl3pPr marL="1143000" indent="-228600" eaLnBrk="0" hangingPunct="0">
+              <a:spcBef>
+                <a:spcPct val="20000"/>
+              </a:spcBef>
+              <a:buChar char="•"/>
+              <a:defRPr sz="2400">
+                <a:solidFill>
+                  <a:schemeClr val="accent2"/>
+                </a:solidFill>
+                <a:latin typeface="Calibri" panose="020F0502020204030204" pitchFamily="34" charset="0"/>
+              </a:defRPr>
+            </a:lvl3pPr>
+            <a:lvl4pPr marL="1600200" indent="-228600" eaLnBrk="0" hangingPunct="0">
+              <a:spcBef>
+                <a:spcPct val="20000"/>
+              </a:spcBef>
+              <a:buChar char="–"/>
+              <a:defRPr sz="2000">
+                <a:solidFill>
+                  <a:schemeClr val="accent2"/>
+                </a:solidFill>
+                <a:latin typeface="Calibri" panose="020F0502020204030204" pitchFamily="34" charset="0"/>
+              </a:defRPr>
+            </a:lvl4pPr>
+            <a:lvl5pPr marL="2057400" indent="-228600" eaLnBrk="0" hangingPunct="0">
+              <a:spcBef>
+                <a:spcPct val="20000"/>
+              </a:spcBef>
+              <a:buChar char="»"/>
+              <a:defRPr sz="2000">
+                <a:solidFill>
+                  <a:schemeClr val="accent2"/>
+                </a:solidFill>
+                <a:latin typeface="Calibri" panose="020F0502020204030204" pitchFamily="34" charset="0"/>
+              </a:defRPr>
+            </a:lvl5pPr>
+            <a:lvl6pPr marL="2514600" indent="-228600" eaLnBrk="0" fontAlgn="base" hangingPunct="0">
+              <a:spcBef>
+                <a:spcPct val="20000"/>
+              </a:spcBef>
+              <a:spcAft>
+                <a:spcPct val="0"/>
+              </a:spcAft>
+              <a:buChar char="»"/>
+              <a:defRPr sz="2000">
+                <a:solidFill>
+                  <a:schemeClr val="accent2"/>
+                </a:solidFill>
+                <a:latin typeface="Calibri" panose="020F0502020204030204" pitchFamily="34" charset="0"/>
+              </a:defRPr>
+            </a:lvl6pPr>
+            <a:lvl7pPr marL="2971800" indent="-228600" eaLnBrk="0" fontAlgn="base" hangingPunct="0">
+              <a:spcBef>
+                <a:spcPct val="20000"/>
+              </a:spcBef>
+              <a:spcAft>
+                <a:spcPct val="0"/>
+              </a:spcAft>
+              <a:buChar char="»"/>
+              <a:defRPr sz="2000">
+                <a:solidFill>
+                  <a:schemeClr val="accent2"/>
+                </a:solidFill>
+                <a:latin typeface="Calibri" panose="020F0502020204030204" pitchFamily="34" charset="0"/>
+              </a:defRPr>
+            </a:lvl7pPr>
+            <a:lvl8pPr marL="3429000" indent="-228600" eaLnBrk="0" fontAlgn="base" hangingPunct="0">
+              <a:spcBef>
+                <a:spcPct val="20000"/>
+              </a:spcBef>
+              <a:spcAft>
+                <a:spcPct val="0"/>
+              </a:spcAft>
+              <a:buChar char="»"/>
+              <a:defRPr sz="2000">
+                <a:solidFill>
+                  <a:schemeClr val="accent2"/>
+                </a:solidFill>
+                <a:latin typeface="Calibri" panose="020F0502020204030204" pitchFamily="34" charset="0"/>
+              </a:defRPr>
+            </a:lvl8pPr>
+            <a:lvl9pPr marL="3886200" indent="-228600" eaLnBrk="0" fontAlgn="base" hangingPunct="0">
+              <a:spcBef>
+                <a:spcPct val="20000"/>
+              </a:spcBef>
+              <a:spcAft>
+                <a:spcPct val="0"/>
+              </a:spcAft>
+              <a:buChar char="»"/>
+              <a:defRPr sz="2000">
+                <a:solidFill>
+                  <a:schemeClr val="accent2"/>
+                </a:solidFill>
+                <a:latin typeface="Calibri" panose="020F0502020204030204" pitchFamily="34" charset="0"/>
+              </a:defRPr>
+            </a:lvl9pPr>
+          </a:lstStyle>
+          <a:p>
+            <a:pPr algn="r" eaLnBrk="1" hangingPunct="1">
+              <a:spcBef>
+                <a:spcPct val="0"/>
+              </a:spcBef>
+              <a:buFontTx/>
+              <a:buNone/>
+            </a:pPr>
+            <a:r>
+              <a:rPr lang="fr-FR" altLang="fr-FR" sz="2000" dirty="0">
+                <a:solidFill>
+                  <a:srgbClr val="FF6600"/>
+                </a:solidFill>
+                <a:latin typeface="Corbel" panose="020B0503020204020204" pitchFamily="34" charset="0"/>
+              </a:rPr>
+              <a:t>Terme et champ d’application</a:t>
+            </a:r>
+          </a:p>
+        </p:txBody>
+      </p:sp>
+      <p:sp>
+        <p:nvSpPr>
           <p:cNvPr id="2" name="Titre 1"/>
           <p:cNvSpPr>
             <a:spLocks noGrp="1"/>
@@ -24765,13 +25924,13 @@
         </p:nvSpPr>
         <p:spPr>
           <a:xfrm>
-            <a:off x="214078" y="322828"/>
-            <a:ext cx="3094499" cy="1325563"/>
+            <a:off x="176401" y="20225"/>
+            <a:ext cx="10642371" cy="1325563"/>
           </a:xfrm>
         </p:spPr>
         <p:txBody>
           <a:bodyPr>
-            <a:normAutofit fontScale="90000"/>
+            <a:normAutofit/>
           </a:bodyPr>
           <a:lstStyle/>
           <a:p>
@@ -24799,7 +25958,7 @@
         </p:nvSpPr>
         <p:spPr>
           <a:xfrm>
-            <a:off x="4936077" y="6339361"/>
+            <a:off x="4458785" y="6284283"/>
             <a:ext cx="4114800" cy="365125"/>
           </a:xfrm>
         </p:spPr>
@@ -24808,8 +25967,24 @@
           <a:lstStyle/>
           <a:p>
             <a:r>
-              <a:rPr lang="fr-FR" smtClean="0"/>
-              <a:t>F. Flamerie - Trucs et astuces de PubMed - màj : 2023-05-31</a:t>
+              <a:rPr lang="fr-FR" dirty="0" smtClean="0"/>
+              <a:t>F. Flamerie - Trucs et astuces de </a:t>
+            </a:r>
+            <a:r>
+              <a:rPr lang="fr-FR" dirty="0" err="1" smtClean="0"/>
+              <a:t>PubMed</a:t>
+            </a:r>
+            <a:r>
+              <a:rPr lang="fr-FR" dirty="0" smtClean="0"/>
+              <a:t> - </a:t>
+            </a:r>
+            <a:r>
+              <a:rPr lang="fr-FR" dirty="0" err="1" smtClean="0"/>
+              <a:t>màj</a:t>
+            </a:r>
+            <a:r>
+              <a:rPr lang="fr-FR" dirty="0" smtClean="0"/>
+              <a:t> : 2023-11-24</a:t>
             </a:r>
             <a:endParaRPr lang="fr-FR" dirty="0"/>
           </a:p>
@@ -24827,7 +26002,7 @@
         </p:nvSpPr>
         <p:spPr>
           <a:xfrm>
-            <a:off x="9668602" y="6066983"/>
+            <a:off x="9321360" y="6624539"/>
             <a:ext cx="2743200" cy="365125"/>
           </a:xfrm>
         </p:spPr>
@@ -24867,7 +26042,7 @@
         </p:blipFill>
         <p:spPr bwMode="auto">
           <a:xfrm>
-            <a:off x="3523332" y="639845"/>
+            <a:off x="3176090" y="1197401"/>
             <a:ext cx="8640763" cy="5476875"/>
           </a:xfrm>
           <a:prstGeom prst="rect">
@@ -24875,7 +26050,9 @@
           </a:prstGeom>
           <a:noFill/>
           <a:ln w="9525">
-            <a:noFill/>
+            <a:solidFill>
+              <a:srgbClr val="F27D38"/>
+            </a:solidFill>
             <a:miter lim="800000"/>
             <a:headEnd/>
             <a:tailEnd/>
@@ -24899,7 +26076,7 @@
         </p:nvSpPr>
         <p:spPr>
           <a:xfrm>
-            <a:off x="3523331" y="1576470"/>
+            <a:off x="3176089" y="2134026"/>
             <a:ext cx="8280400" cy="503237"/>
           </a:xfrm>
           <a:prstGeom prst="rect">
@@ -24950,7 +26127,7 @@
         </p:nvSpPr>
         <p:spPr>
           <a:xfrm>
-            <a:off x="3523331" y="2224170"/>
+            <a:off x="3176089" y="2781726"/>
             <a:ext cx="6192838" cy="1800225"/>
           </a:xfrm>
           <a:prstGeom prst="rect">
@@ -24999,7 +26176,7 @@
         </p:nvSpPr>
         <p:spPr>
           <a:xfrm>
-            <a:off x="3523332" y="4087894"/>
+            <a:off x="3176090" y="4645450"/>
             <a:ext cx="2951163" cy="296862"/>
           </a:xfrm>
           <a:prstGeom prst="rect">
@@ -25048,7 +26225,7 @@
         </p:nvSpPr>
         <p:spPr>
           <a:xfrm>
-            <a:off x="3523332" y="4384756"/>
+            <a:off x="3176090" y="4942312"/>
             <a:ext cx="1439863" cy="431800"/>
           </a:xfrm>
           <a:prstGeom prst="rect">
@@ -25097,7 +26274,7 @@
         </p:nvSpPr>
         <p:spPr>
           <a:xfrm>
-            <a:off x="3594770" y="4816556"/>
+            <a:off x="3247528" y="5374112"/>
             <a:ext cx="1512887" cy="431800"/>
           </a:xfrm>
           <a:prstGeom prst="rect">
@@ -25140,194 +26317,13 @@
       </p:sp>
       <p:sp>
         <p:nvSpPr>
-          <p:cNvPr id="22" name="ZoneTexte 12"/>
-          <p:cNvSpPr txBox="1">
-            <a:spLocks noChangeArrowheads="1"/>
-          </p:cNvSpPr>
-          <p:nvPr/>
-        </p:nvSpPr>
-        <p:spPr bwMode="auto">
-          <a:xfrm>
-            <a:off x="9424546" y="796353"/>
-            <a:ext cx="2402453" cy="707886"/>
-          </a:xfrm>
-          <a:prstGeom prst="rect">
-            <a:avLst/>
-          </a:prstGeom>
-          <a:solidFill>
-            <a:schemeClr val="bg1"/>
-          </a:solidFill>
-          <a:ln>
-            <a:noFill/>
-          </a:ln>
-          <a:extLst>
-            <a:ext uri="{91240B29-F687-4F45-9708-019B960494DF}">
-              <a14:hiddenLine xmlns:a14="http://schemas.microsoft.com/office/drawing/2010/main" w="9525">
-                <a:solidFill>
-                  <a:srgbClr val="000000"/>
-                </a:solidFill>
-                <a:miter lim="800000"/>
-                <a:headEnd/>
-                <a:tailEnd/>
-              </a14:hiddenLine>
-            </a:ext>
-          </a:extLst>
-        </p:spPr>
-        <p:txBody>
-          <a:bodyPr wrap="square">
-            <a:spAutoFit/>
-          </a:bodyPr>
-          <a:lstStyle>
-            <a:lvl1pPr eaLnBrk="0" hangingPunct="0">
-              <a:spcBef>
-                <a:spcPct val="20000"/>
-              </a:spcBef>
-              <a:buChar char="•"/>
-              <a:defRPr sz="3200">
-                <a:solidFill>
-                  <a:schemeClr val="accent2"/>
-                </a:solidFill>
-                <a:latin typeface="Calibri" panose="020F0502020204030204" pitchFamily="34" charset="0"/>
-              </a:defRPr>
-            </a:lvl1pPr>
-            <a:lvl2pPr marL="742950" indent="-285750" eaLnBrk="0" hangingPunct="0">
-              <a:spcBef>
-                <a:spcPct val="20000"/>
-              </a:spcBef>
-              <a:buChar char="–"/>
-              <a:defRPr sz="2800">
-                <a:solidFill>
-                  <a:schemeClr val="accent2"/>
-                </a:solidFill>
-                <a:latin typeface="Calibri" panose="020F0502020204030204" pitchFamily="34" charset="0"/>
-              </a:defRPr>
-            </a:lvl2pPr>
-            <a:lvl3pPr marL="1143000" indent="-228600" eaLnBrk="0" hangingPunct="0">
-              <a:spcBef>
-                <a:spcPct val="20000"/>
-              </a:spcBef>
-              <a:buChar char="•"/>
-              <a:defRPr sz="2400">
-                <a:solidFill>
-                  <a:schemeClr val="accent2"/>
-                </a:solidFill>
-                <a:latin typeface="Calibri" panose="020F0502020204030204" pitchFamily="34" charset="0"/>
-              </a:defRPr>
-            </a:lvl3pPr>
-            <a:lvl4pPr marL="1600200" indent="-228600" eaLnBrk="0" hangingPunct="0">
-              <a:spcBef>
-                <a:spcPct val="20000"/>
-              </a:spcBef>
-              <a:buChar char="–"/>
-              <a:defRPr sz="2000">
-                <a:solidFill>
-                  <a:schemeClr val="accent2"/>
-                </a:solidFill>
-                <a:latin typeface="Calibri" panose="020F0502020204030204" pitchFamily="34" charset="0"/>
-              </a:defRPr>
-            </a:lvl4pPr>
-            <a:lvl5pPr marL="2057400" indent="-228600" eaLnBrk="0" hangingPunct="0">
-              <a:spcBef>
-                <a:spcPct val="20000"/>
-              </a:spcBef>
-              <a:buChar char="»"/>
-              <a:defRPr sz="2000">
-                <a:solidFill>
-                  <a:schemeClr val="accent2"/>
-                </a:solidFill>
-                <a:latin typeface="Calibri" panose="020F0502020204030204" pitchFamily="34" charset="0"/>
-              </a:defRPr>
-            </a:lvl5pPr>
-            <a:lvl6pPr marL="2514600" indent="-228600" eaLnBrk="0" fontAlgn="base" hangingPunct="0">
-              <a:spcBef>
-                <a:spcPct val="20000"/>
-              </a:spcBef>
-              <a:spcAft>
-                <a:spcPct val="0"/>
-              </a:spcAft>
-              <a:buChar char="»"/>
-              <a:defRPr sz="2000">
-                <a:solidFill>
-                  <a:schemeClr val="accent2"/>
-                </a:solidFill>
-                <a:latin typeface="Calibri" panose="020F0502020204030204" pitchFamily="34" charset="0"/>
-              </a:defRPr>
-            </a:lvl6pPr>
-            <a:lvl7pPr marL="2971800" indent="-228600" eaLnBrk="0" fontAlgn="base" hangingPunct="0">
-              <a:spcBef>
-                <a:spcPct val="20000"/>
-              </a:spcBef>
-              <a:spcAft>
-                <a:spcPct val="0"/>
-              </a:spcAft>
-              <a:buChar char="»"/>
-              <a:defRPr sz="2000">
-                <a:solidFill>
-                  <a:schemeClr val="accent2"/>
-                </a:solidFill>
-                <a:latin typeface="Calibri" panose="020F0502020204030204" pitchFamily="34" charset="0"/>
-              </a:defRPr>
-            </a:lvl7pPr>
-            <a:lvl8pPr marL="3429000" indent="-228600" eaLnBrk="0" fontAlgn="base" hangingPunct="0">
-              <a:spcBef>
-                <a:spcPct val="20000"/>
-              </a:spcBef>
-              <a:spcAft>
-                <a:spcPct val="0"/>
-              </a:spcAft>
-              <a:buChar char="»"/>
-              <a:defRPr sz="2000">
-                <a:solidFill>
-                  <a:schemeClr val="accent2"/>
-                </a:solidFill>
-                <a:latin typeface="Calibri" panose="020F0502020204030204" pitchFamily="34" charset="0"/>
-              </a:defRPr>
-            </a:lvl8pPr>
-            <a:lvl9pPr marL="3886200" indent="-228600" eaLnBrk="0" fontAlgn="base" hangingPunct="0">
-              <a:spcBef>
-                <a:spcPct val="20000"/>
-              </a:spcBef>
-              <a:spcAft>
-                <a:spcPct val="0"/>
-              </a:spcAft>
-              <a:buChar char="»"/>
-              <a:defRPr sz="2000">
-                <a:solidFill>
-                  <a:schemeClr val="accent2"/>
-                </a:solidFill>
-                <a:latin typeface="Calibri" panose="020F0502020204030204" pitchFamily="34" charset="0"/>
-              </a:defRPr>
-            </a:lvl9pPr>
-          </a:lstStyle>
-          <a:p>
-            <a:pPr eaLnBrk="1" hangingPunct="1">
-              <a:spcBef>
-                <a:spcPct val="0"/>
-              </a:spcBef>
-              <a:buFontTx/>
-              <a:buNone/>
-            </a:pPr>
-            <a:r>
-              <a:rPr lang="fr-FR" altLang="fr-FR" sz="2000" dirty="0">
-                <a:solidFill>
-                  <a:srgbClr val="FF6600"/>
-                </a:solidFill>
-                <a:latin typeface="Corbel" panose="020B0503020204020204" pitchFamily="34" charset="0"/>
-              </a:rPr>
-              <a:t>Terme et champ d’application</a:t>
-            </a:r>
-          </a:p>
-        </p:txBody>
-      </p:sp>
-      <p:sp>
-        <p:nvSpPr>
           <p:cNvPr id="21" name="Rectangle 20"/>
           <p:cNvSpPr/>
           <p:nvPr/>
         </p:nvSpPr>
         <p:spPr>
           <a:xfrm>
-            <a:off x="3739232" y="5248357"/>
+            <a:off x="3391990" y="5805913"/>
             <a:ext cx="2735263" cy="792163"/>
           </a:xfrm>
           <a:prstGeom prst="rect">
@@ -25370,7 +26366,7 @@
       </p:sp>
       <p:sp>
         <p:nvSpPr>
-          <p:cNvPr id="23" name="ZoneTexte 13"/>
+          <p:cNvPr id="24" name="ZoneTexte 14"/>
           <p:cNvSpPr txBox="1">
             <a:spLocks noChangeArrowheads="1"/>
           </p:cNvSpPr>
@@ -25378,19 +26374,396 @@
         </p:nvSpPr>
         <p:spPr bwMode="auto">
           <a:xfrm>
-            <a:off x="6993477" y="2416397"/>
-            <a:ext cx="1680333" cy="707886"/>
+            <a:off x="-1521413" y="4542202"/>
+            <a:ext cx="4608512" cy="400110"/>
           </a:xfrm>
           <a:prstGeom prst="rect">
             <a:avLst/>
           </a:prstGeom>
-          <a:solidFill>
-            <a:schemeClr val="bg1"/>
-          </a:solidFill>
+          <a:noFill/>
           <a:ln>
             <a:noFill/>
           </a:ln>
           <a:extLst>
+            <a:ext uri="{909E8E84-426E-40DD-AFC4-6F175D3DCCD1}">
+              <a14:hiddenFill xmlns:a14="http://schemas.microsoft.com/office/drawing/2010/main">
+                <a:solidFill>
+                  <a:srgbClr val="FFFFFF"/>
+                </a:solidFill>
+              </a14:hiddenFill>
+            </a:ext>
+            <a:ext uri="{91240B29-F687-4F45-9708-019B960494DF}">
+              <a14:hiddenLine xmlns:a14="http://schemas.microsoft.com/office/drawing/2010/main" w="9525">
+                <a:solidFill>
+                  <a:srgbClr val="000000"/>
+                </a:solidFill>
+                <a:miter lim="800000"/>
+                <a:headEnd/>
+                <a:tailEnd/>
+              </a14:hiddenLine>
+            </a:ext>
+          </a:extLst>
+        </p:spPr>
+        <p:txBody>
+          <a:bodyPr>
+            <a:spAutoFit/>
+          </a:bodyPr>
+          <a:lstStyle>
+            <a:lvl1pPr eaLnBrk="0" hangingPunct="0">
+              <a:spcBef>
+                <a:spcPct val="20000"/>
+              </a:spcBef>
+              <a:buChar char="•"/>
+              <a:defRPr sz="3200">
+                <a:solidFill>
+                  <a:schemeClr val="accent2"/>
+                </a:solidFill>
+                <a:latin typeface="Calibri" panose="020F0502020204030204" pitchFamily="34" charset="0"/>
+              </a:defRPr>
+            </a:lvl1pPr>
+            <a:lvl2pPr marL="742950" indent="-285750" eaLnBrk="0" hangingPunct="0">
+              <a:spcBef>
+                <a:spcPct val="20000"/>
+              </a:spcBef>
+              <a:buChar char="–"/>
+              <a:defRPr sz="2800">
+                <a:solidFill>
+                  <a:schemeClr val="accent2"/>
+                </a:solidFill>
+                <a:latin typeface="Calibri" panose="020F0502020204030204" pitchFamily="34" charset="0"/>
+              </a:defRPr>
+            </a:lvl2pPr>
+            <a:lvl3pPr marL="1143000" indent="-228600" eaLnBrk="0" hangingPunct="0">
+              <a:spcBef>
+                <a:spcPct val="20000"/>
+              </a:spcBef>
+              <a:buChar char="•"/>
+              <a:defRPr sz="2400">
+                <a:solidFill>
+                  <a:schemeClr val="accent2"/>
+                </a:solidFill>
+                <a:latin typeface="Calibri" panose="020F0502020204030204" pitchFamily="34" charset="0"/>
+              </a:defRPr>
+            </a:lvl3pPr>
+            <a:lvl4pPr marL="1600200" indent="-228600" eaLnBrk="0" hangingPunct="0">
+              <a:spcBef>
+                <a:spcPct val="20000"/>
+              </a:spcBef>
+              <a:buChar char="–"/>
+              <a:defRPr sz="2000">
+                <a:solidFill>
+                  <a:schemeClr val="accent2"/>
+                </a:solidFill>
+                <a:latin typeface="Calibri" panose="020F0502020204030204" pitchFamily="34" charset="0"/>
+              </a:defRPr>
+            </a:lvl4pPr>
+            <a:lvl5pPr marL="2057400" indent="-228600" eaLnBrk="0" hangingPunct="0">
+              <a:spcBef>
+                <a:spcPct val="20000"/>
+              </a:spcBef>
+              <a:buChar char="»"/>
+              <a:defRPr sz="2000">
+                <a:solidFill>
+                  <a:schemeClr val="accent2"/>
+                </a:solidFill>
+                <a:latin typeface="Calibri" panose="020F0502020204030204" pitchFamily="34" charset="0"/>
+              </a:defRPr>
+            </a:lvl5pPr>
+            <a:lvl6pPr marL="2514600" indent="-228600" eaLnBrk="0" fontAlgn="base" hangingPunct="0">
+              <a:spcBef>
+                <a:spcPct val="20000"/>
+              </a:spcBef>
+              <a:spcAft>
+                <a:spcPct val="0"/>
+              </a:spcAft>
+              <a:buChar char="»"/>
+              <a:defRPr sz="2000">
+                <a:solidFill>
+                  <a:schemeClr val="accent2"/>
+                </a:solidFill>
+                <a:latin typeface="Calibri" panose="020F0502020204030204" pitchFamily="34" charset="0"/>
+              </a:defRPr>
+            </a:lvl6pPr>
+            <a:lvl7pPr marL="2971800" indent="-228600" eaLnBrk="0" fontAlgn="base" hangingPunct="0">
+              <a:spcBef>
+                <a:spcPct val="20000"/>
+              </a:spcBef>
+              <a:spcAft>
+                <a:spcPct val="0"/>
+              </a:spcAft>
+              <a:buChar char="»"/>
+              <a:defRPr sz="2000">
+                <a:solidFill>
+                  <a:schemeClr val="accent2"/>
+                </a:solidFill>
+                <a:latin typeface="Calibri" panose="020F0502020204030204" pitchFamily="34" charset="0"/>
+              </a:defRPr>
+            </a:lvl7pPr>
+            <a:lvl8pPr marL="3429000" indent="-228600" eaLnBrk="0" fontAlgn="base" hangingPunct="0">
+              <a:spcBef>
+                <a:spcPct val="20000"/>
+              </a:spcBef>
+              <a:spcAft>
+                <a:spcPct val="0"/>
+              </a:spcAft>
+              <a:buChar char="»"/>
+              <a:defRPr sz="2000">
+                <a:solidFill>
+                  <a:schemeClr val="accent2"/>
+                </a:solidFill>
+                <a:latin typeface="Calibri" panose="020F0502020204030204" pitchFamily="34" charset="0"/>
+              </a:defRPr>
+            </a:lvl8pPr>
+            <a:lvl9pPr marL="3886200" indent="-228600" eaLnBrk="0" fontAlgn="base" hangingPunct="0">
+              <a:spcBef>
+                <a:spcPct val="20000"/>
+              </a:spcBef>
+              <a:spcAft>
+                <a:spcPct val="0"/>
+              </a:spcAft>
+              <a:buChar char="»"/>
+              <a:defRPr sz="2000">
+                <a:solidFill>
+                  <a:schemeClr val="accent2"/>
+                </a:solidFill>
+                <a:latin typeface="Calibri" panose="020F0502020204030204" pitchFamily="34" charset="0"/>
+              </a:defRPr>
+            </a:lvl9pPr>
+          </a:lstStyle>
+          <a:p>
+            <a:pPr algn="r" eaLnBrk="1" hangingPunct="1">
+              <a:spcBef>
+                <a:spcPct val="0"/>
+              </a:spcBef>
+              <a:buFontTx/>
+              <a:buNone/>
+            </a:pPr>
+            <a:r>
+              <a:rPr lang="fr-FR" altLang="fr-FR" sz="2000" dirty="0">
+                <a:solidFill>
+                  <a:srgbClr val="FF6600"/>
+                </a:solidFill>
+                <a:latin typeface="Corbel" panose="020B0503020204020204" pitchFamily="34" charset="0"/>
+              </a:rPr>
+              <a:t>Explosion et pondération</a:t>
+            </a:r>
+          </a:p>
+        </p:txBody>
+      </p:sp>
+      <p:sp>
+        <p:nvSpPr>
+          <p:cNvPr id="25" name="ZoneTexte 15"/>
+          <p:cNvSpPr txBox="1">
+            <a:spLocks noChangeArrowheads="1"/>
+          </p:cNvSpPr>
+          <p:nvPr/>
+        </p:nvSpPr>
+        <p:spPr bwMode="auto">
+          <a:xfrm>
+            <a:off x="-586376" y="4898907"/>
+            <a:ext cx="3673475" cy="400110"/>
+          </a:xfrm>
+          <a:prstGeom prst="rect">
+            <a:avLst/>
+          </a:prstGeom>
+          <a:noFill/>
+          <a:ln>
+            <a:noFill/>
+          </a:ln>
+          <a:extLst>
+            <a:ext uri="{909E8E84-426E-40DD-AFC4-6F175D3DCCD1}">
+              <a14:hiddenFill xmlns:a14="http://schemas.microsoft.com/office/drawing/2010/main">
+                <a:solidFill>
+                  <a:srgbClr val="FFFFFF"/>
+                </a:solidFill>
+              </a14:hiddenFill>
+            </a:ext>
+            <a:ext uri="{91240B29-F687-4F45-9708-019B960494DF}">
+              <a14:hiddenLine xmlns:a14="http://schemas.microsoft.com/office/drawing/2010/main" w="9525">
+                <a:solidFill>
+                  <a:srgbClr val="000000"/>
+                </a:solidFill>
+                <a:miter lim="800000"/>
+                <a:headEnd/>
+                <a:tailEnd/>
+              </a14:hiddenLine>
+            </a:ext>
+          </a:extLst>
+        </p:spPr>
+        <p:txBody>
+          <a:bodyPr>
+            <a:spAutoFit/>
+          </a:bodyPr>
+          <a:lstStyle>
+            <a:lvl1pPr eaLnBrk="0" hangingPunct="0">
+              <a:spcBef>
+                <a:spcPct val="20000"/>
+              </a:spcBef>
+              <a:buChar char="•"/>
+              <a:defRPr sz="3200">
+                <a:solidFill>
+                  <a:schemeClr val="accent2"/>
+                </a:solidFill>
+                <a:latin typeface="Calibri" panose="020F0502020204030204" pitchFamily="34" charset="0"/>
+              </a:defRPr>
+            </a:lvl1pPr>
+            <a:lvl2pPr marL="742950" indent="-285750" eaLnBrk="0" hangingPunct="0">
+              <a:spcBef>
+                <a:spcPct val="20000"/>
+              </a:spcBef>
+              <a:buChar char="–"/>
+              <a:defRPr sz="2800">
+                <a:solidFill>
+                  <a:schemeClr val="accent2"/>
+                </a:solidFill>
+                <a:latin typeface="Calibri" panose="020F0502020204030204" pitchFamily="34" charset="0"/>
+              </a:defRPr>
+            </a:lvl2pPr>
+            <a:lvl3pPr marL="1143000" indent="-228600" eaLnBrk="0" hangingPunct="0">
+              <a:spcBef>
+                <a:spcPct val="20000"/>
+              </a:spcBef>
+              <a:buChar char="•"/>
+              <a:defRPr sz="2400">
+                <a:solidFill>
+                  <a:schemeClr val="accent2"/>
+                </a:solidFill>
+                <a:latin typeface="Calibri" panose="020F0502020204030204" pitchFamily="34" charset="0"/>
+              </a:defRPr>
+            </a:lvl3pPr>
+            <a:lvl4pPr marL="1600200" indent="-228600" eaLnBrk="0" hangingPunct="0">
+              <a:spcBef>
+                <a:spcPct val="20000"/>
+              </a:spcBef>
+              <a:buChar char="–"/>
+              <a:defRPr sz="2000">
+                <a:solidFill>
+                  <a:schemeClr val="accent2"/>
+                </a:solidFill>
+                <a:latin typeface="Calibri" panose="020F0502020204030204" pitchFamily="34" charset="0"/>
+              </a:defRPr>
+            </a:lvl4pPr>
+            <a:lvl5pPr marL="2057400" indent="-228600" eaLnBrk="0" hangingPunct="0">
+              <a:spcBef>
+                <a:spcPct val="20000"/>
+              </a:spcBef>
+              <a:buChar char="»"/>
+              <a:defRPr sz="2000">
+                <a:solidFill>
+                  <a:schemeClr val="accent2"/>
+                </a:solidFill>
+                <a:latin typeface="Calibri" panose="020F0502020204030204" pitchFamily="34" charset="0"/>
+              </a:defRPr>
+            </a:lvl5pPr>
+            <a:lvl6pPr marL="2514600" indent="-228600" eaLnBrk="0" fontAlgn="base" hangingPunct="0">
+              <a:spcBef>
+                <a:spcPct val="20000"/>
+              </a:spcBef>
+              <a:spcAft>
+                <a:spcPct val="0"/>
+              </a:spcAft>
+              <a:buChar char="»"/>
+              <a:defRPr sz="2000">
+                <a:solidFill>
+                  <a:schemeClr val="accent2"/>
+                </a:solidFill>
+                <a:latin typeface="Calibri" panose="020F0502020204030204" pitchFamily="34" charset="0"/>
+              </a:defRPr>
+            </a:lvl6pPr>
+            <a:lvl7pPr marL="2971800" indent="-228600" eaLnBrk="0" fontAlgn="base" hangingPunct="0">
+              <a:spcBef>
+                <a:spcPct val="20000"/>
+              </a:spcBef>
+              <a:spcAft>
+                <a:spcPct val="0"/>
+              </a:spcAft>
+              <a:buChar char="»"/>
+              <a:defRPr sz="2000">
+                <a:solidFill>
+                  <a:schemeClr val="accent2"/>
+                </a:solidFill>
+                <a:latin typeface="Calibri" panose="020F0502020204030204" pitchFamily="34" charset="0"/>
+              </a:defRPr>
+            </a:lvl7pPr>
+            <a:lvl8pPr marL="3429000" indent="-228600" eaLnBrk="0" fontAlgn="base" hangingPunct="0">
+              <a:spcBef>
+                <a:spcPct val="20000"/>
+              </a:spcBef>
+              <a:spcAft>
+                <a:spcPct val="0"/>
+              </a:spcAft>
+              <a:buChar char="»"/>
+              <a:defRPr sz="2000">
+                <a:solidFill>
+                  <a:schemeClr val="accent2"/>
+                </a:solidFill>
+                <a:latin typeface="Calibri" panose="020F0502020204030204" pitchFamily="34" charset="0"/>
+              </a:defRPr>
+            </a:lvl8pPr>
+            <a:lvl9pPr marL="3886200" indent="-228600" eaLnBrk="0" fontAlgn="base" hangingPunct="0">
+              <a:spcBef>
+                <a:spcPct val="20000"/>
+              </a:spcBef>
+              <a:spcAft>
+                <a:spcPct val="0"/>
+              </a:spcAft>
+              <a:buChar char="»"/>
+              <a:defRPr sz="2000">
+                <a:solidFill>
+                  <a:schemeClr val="accent2"/>
+                </a:solidFill>
+                <a:latin typeface="Calibri" panose="020F0502020204030204" pitchFamily="34" charset="0"/>
+              </a:defRPr>
+            </a:lvl9pPr>
+          </a:lstStyle>
+          <a:p>
+            <a:pPr algn="r" eaLnBrk="1" hangingPunct="1">
+              <a:spcBef>
+                <a:spcPct val="0"/>
+              </a:spcBef>
+              <a:buFontTx/>
+              <a:buNone/>
+            </a:pPr>
+            <a:r>
+              <a:rPr lang="fr-FR" altLang="fr-FR" sz="2000" dirty="0">
+                <a:solidFill>
+                  <a:srgbClr val="FF6600"/>
+                </a:solidFill>
+                <a:latin typeface="Corbel" panose="020B0503020204020204" pitchFamily="34" charset="0"/>
+              </a:rPr>
+              <a:t>Synonymes</a:t>
+            </a:r>
+          </a:p>
+        </p:txBody>
+      </p:sp>
+      <p:sp>
+        <p:nvSpPr>
+          <p:cNvPr id="26" name="ZoneTexte 16"/>
+          <p:cNvSpPr txBox="1">
+            <a:spLocks noChangeArrowheads="1"/>
+          </p:cNvSpPr>
+          <p:nvPr/>
+        </p:nvSpPr>
+        <p:spPr bwMode="auto">
+          <a:xfrm>
+            <a:off x="176401" y="5388664"/>
+            <a:ext cx="2910698" cy="400110"/>
+          </a:xfrm>
+          <a:prstGeom prst="rect">
+            <a:avLst/>
+          </a:prstGeom>
+          <a:noFill/>
+          <a:ln>
+            <a:noFill/>
+          </a:ln>
+          <a:extLst>
+            <a:ext uri="{909E8E84-426E-40DD-AFC4-6F175D3DCCD1}">
+              <a14:hiddenFill xmlns:a14="http://schemas.microsoft.com/office/drawing/2010/main">
+                <a:solidFill>
+                  <a:srgbClr val="FFFFFF"/>
+                </a:solidFill>
+              </a14:hiddenFill>
+            </a:ext>
             <a:ext uri="{91240B29-F687-4F45-9708-019B960494DF}">
               <a14:hiddenLine xmlns:a14="http://schemas.microsoft.com/office/drawing/2010/main" w="9525">
                 <a:solidFill>
@@ -25530,7 +26903,7 @@
             </a:lvl9pPr>
           </a:lstStyle>
           <a:p>
-            <a:pPr eaLnBrk="1" hangingPunct="1">
+            <a:pPr algn="r" eaLnBrk="1" hangingPunct="1">
               <a:spcBef>
                 <a:spcPct val="0"/>
               </a:spcBef>
@@ -25544,14 +26917,14 @@
                 </a:solidFill>
                 <a:latin typeface="Corbel" panose="020B0503020204020204" pitchFamily="34" charset="0"/>
               </a:rPr>
-              <a:t>Qualificatifs applicables</a:t>
+              <a:t>Termes associés</a:t>
             </a:r>
           </a:p>
         </p:txBody>
       </p:sp>
       <p:sp>
         <p:nvSpPr>
-          <p:cNvPr id="24" name="ZoneTexte 14"/>
+          <p:cNvPr id="27" name="ZoneTexte 17"/>
           <p:cNvSpPr txBox="1">
             <a:spLocks noChangeArrowheads="1"/>
           </p:cNvSpPr>
@@ -25559,8 +26932,8 @@
         </p:nvSpPr>
         <p:spPr bwMode="auto">
           <a:xfrm>
-            <a:off x="6474494" y="4024395"/>
-            <a:ext cx="4608512" cy="400110"/>
+            <a:off x="1748113" y="6017555"/>
+            <a:ext cx="1338986" cy="400110"/>
           </a:xfrm>
           <a:prstGeom prst="rect">
             <a:avLst/>
@@ -25590,7 +26963,7 @@
           </a:extLst>
         </p:spPr>
         <p:txBody>
-          <a:bodyPr>
+          <a:bodyPr wrap="square">
             <a:spAutoFit/>
           </a:bodyPr>
           <a:lstStyle>
@@ -25724,565 +27097,7 @@
               <a:buNone/>
             </a:pPr>
             <a:r>
-              <a:rPr lang="fr-FR" altLang="fr-FR" sz="2000">
-                <a:solidFill>
-                  <a:srgbClr val="FF6600"/>
-                </a:solidFill>
-                <a:latin typeface="Corbel" panose="020B0503020204020204" pitchFamily="34" charset="0"/>
-              </a:rPr>
-              <a:t>Explosion et pondération</a:t>
-            </a:r>
-          </a:p>
-        </p:txBody>
-      </p:sp>
-      <p:sp>
-        <p:nvSpPr>
-          <p:cNvPr id="25" name="ZoneTexte 15"/>
-          <p:cNvSpPr txBox="1">
-            <a:spLocks noChangeArrowheads="1"/>
-          </p:cNvSpPr>
-          <p:nvPr/>
-        </p:nvSpPr>
-        <p:spPr bwMode="auto">
-          <a:xfrm>
-            <a:off x="5034632" y="4456195"/>
-            <a:ext cx="3673475" cy="400110"/>
-          </a:xfrm>
-          <a:prstGeom prst="rect">
-            <a:avLst/>
-          </a:prstGeom>
-          <a:noFill/>
-          <a:ln>
-            <a:noFill/>
-          </a:ln>
-          <a:extLst>
-            <a:ext uri="{909E8E84-426E-40DD-AFC4-6F175D3DCCD1}">
-              <a14:hiddenFill xmlns:a14="http://schemas.microsoft.com/office/drawing/2010/main">
-                <a:solidFill>
-                  <a:srgbClr val="FFFFFF"/>
-                </a:solidFill>
-              </a14:hiddenFill>
-            </a:ext>
-            <a:ext uri="{91240B29-F687-4F45-9708-019B960494DF}">
-              <a14:hiddenLine xmlns:a14="http://schemas.microsoft.com/office/drawing/2010/main" w="9525">
-                <a:solidFill>
-                  <a:srgbClr val="000000"/>
-                </a:solidFill>
-                <a:miter lim="800000"/>
-                <a:headEnd/>
-                <a:tailEnd/>
-              </a14:hiddenLine>
-            </a:ext>
-          </a:extLst>
-        </p:spPr>
-        <p:txBody>
-          <a:bodyPr>
-            <a:spAutoFit/>
-          </a:bodyPr>
-          <a:lstStyle>
-            <a:lvl1pPr eaLnBrk="0" hangingPunct="0">
-              <a:spcBef>
-                <a:spcPct val="20000"/>
-              </a:spcBef>
-              <a:buChar char="•"/>
-              <a:defRPr sz="3200">
-                <a:solidFill>
-                  <a:schemeClr val="accent2"/>
-                </a:solidFill>
-                <a:latin typeface="Calibri" panose="020F0502020204030204" pitchFamily="34" charset="0"/>
-              </a:defRPr>
-            </a:lvl1pPr>
-            <a:lvl2pPr marL="742950" indent="-285750" eaLnBrk="0" hangingPunct="0">
-              <a:spcBef>
-                <a:spcPct val="20000"/>
-              </a:spcBef>
-              <a:buChar char="–"/>
-              <a:defRPr sz="2800">
-                <a:solidFill>
-                  <a:schemeClr val="accent2"/>
-                </a:solidFill>
-                <a:latin typeface="Calibri" panose="020F0502020204030204" pitchFamily="34" charset="0"/>
-              </a:defRPr>
-            </a:lvl2pPr>
-            <a:lvl3pPr marL="1143000" indent="-228600" eaLnBrk="0" hangingPunct="0">
-              <a:spcBef>
-                <a:spcPct val="20000"/>
-              </a:spcBef>
-              <a:buChar char="•"/>
-              <a:defRPr sz="2400">
-                <a:solidFill>
-                  <a:schemeClr val="accent2"/>
-                </a:solidFill>
-                <a:latin typeface="Calibri" panose="020F0502020204030204" pitchFamily="34" charset="0"/>
-              </a:defRPr>
-            </a:lvl3pPr>
-            <a:lvl4pPr marL="1600200" indent="-228600" eaLnBrk="0" hangingPunct="0">
-              <a:spcBef>
-                <a:spcPct val="20000"/>
-              </a:spcBef>
-              <a:buChar char="–"/>
-              <a:defRPr sz="2000">
-                <a:solidFill>
-                  <a:schemeClr val="accent2"/>
-                </a:solidFill>
-                <a:latin typeface="Calibri" panose="020F0502020204030204" pitchFamily="34" charset="0"/>
-              </a:defRPr>
-            </a:lvl4pPr>
-            <a:lvl5pPr marL="2057400" indent="-228600" eaLnBrk="0" hangingPunct="0">
-              <a:spcBef>
-                <a:spcPct val="20000"/>
-              </a:spcBef>
-              <a:buChar char="»"/>
-              <a:defRPr sz="2000">
-                <a:solidFill>
-                  <a:schemeClr val="accent2"/>
-                </a:solidFill>
-                <a:latin typeface="Calibri" panose="020F0502020204030204" pitchFamily="34" charset="0"/>
-              </a:defRPr>
-            </a:lvl5pPr>
-            <a:lvl6pPr marL="2514600" indent="-228600" eaLnBrk="0" fontAlgn="base" hangingPunct="0">
-              <a:spcBef>
-                <a:spcPct val="20000"/>
-              </a:spcBef>
-              <a:spcAft>
-                <a:spcPct val="0"/>
-              </a:spcAft>
-              <a:buChar char="»"/>
-              <a:defRPr sz="2000">
-                <a:solidFill>
-                  <a:schemeClr val="accent2"/>
-                </a:solidFill>
-                <a:latin typeface="Calibri" panose="020F0502020204030204" pitchFamily="34" charset="0"/>
-              </a:defRPr>
-            </a:lvl6pPr>
-            <a:lvl7pPr marL="2971800" indent="-228600" eaLnBrk="0" fontAlgn="base" hangingPunct="0">
-              <a:spcBef>
-                <a:spcPct val="20000"/>
-              </a:spcBef>
-              <a:spcAft>
-                <a:spcPct val="0"/>
-              </a:spcAft>
-              <a:buChar char="»"/>
-              <a:defRPr sz="2000">
-                <a:solidFill>
-                  <a:schemeClr val="accent2"/>
-                </a:solidFill>
-                <a:latin typeface="Calibri" panose="020F0502020204030204" pitchFamily="34" charset="0"/>
-              </a:defRPr>
-            </a:lvl7pPr>
-            <a:lvl8pPr marL="3429000" indent="-228600" eaLnBrk="0" fontAlgn="base" hangingPunct="0">
-              <a:spcBef>
-                <a:spcPct val="20000"/>
-              </a:spcBef>
-              <a:spcAft>
-                <a:spcPct val="0"/>
-              </a:spcAft>
-              <a:buChar char="»"/>
-              <a:defRPr sz="2000">
-                <a:solidFill>
-                  <a:schemeClr val="accent2"/>
-                </a:solidFill>
-                <a:latin typeface="Calibri" panose="020F0502020204030204" pitchFamily="34" charset="0"/>
-              </a:defRPr>
-            </a:lvl8pPr>
-            <a:lvl9pPr marL="3886200" indent="-228600" eaLnBrk="0" fontAlgn="base" hangingPunct="0">
-              <a:spcBef>
-                <a:spcPct val="20000"/>
-              </a:spcBef>
-              <a:spcAft>
-                <a:spcPct val="0"/>
-              </a:spcAft>
-              <a:buChar char="»"/>
-              <a:defRPr sz="2000">
-                <a:solidFill>
-                  <a:schemeClr val="accent2"/>
-                </a:solidFill>
-                <a:latin typeface="Calibri" panose="020F0502020204030204" pitchFamily="34" charset="0"/>
-              </a:defRPr>
-            </a:lvl9pPr>
-          </a:lstStyle>
-          <a:p>
-            <a:pPr eaLnBrk="1" hangingPunct="1">
-              <a:spcBef>
-                <a:spcPct val="0"/>
-              </a:spcBef>
-              <a:buFontTx/>
-              <a:buNone/>
-            </a:pPr>
-            <a:r>
-              <a:rPr lang="fr-FR" altLang="fr-FR" sz="2000">
-                <a:solidFill>
-                  <a:srgbClr val="FF6600"/>
-                </a:solidFill>
-                <a:latin typeface="Corbel" panose="020B0503020204020204" pitchFamily="34" charset="0"/>
-              </a:rPr>
-              <a:t>Synonymes</a:t>
-            </a:r>
-          </a:p>
-        </p:txBody>
-      </p:sp>
-      <p:sp>
-        <p:nvSpPr>
-          <p:cNvPr id="26" name="ZoneTexte 16"/>
-          <p:cNvSpPr txBox="1">
-            <a:spLocks noChangeArrowheads="1"/>
-          </p:cNvSpPr>
-          <p:nvPr/>
-        </p:nvSpPr>
-        <p:spPr bwMode="auto">
-          <a:xfrm>
-            <a:off x="5107656" y="4887995"/>
-            <a:ext cx="3671888" cy="400110"/>
-          </a:xfrm>
-          <a:prstGeom prst="rect">
-            <a:avLst/>
-          </a:prstGeom>
-          <a:noFill/>
-          <a:ln>
-            <a:noFill/>
-          </a:ln>
-          <a:extLst>
-            <a:ext uri="{909E8E84-426E-40DD-AFC4-6F175D3DCCD1}">
-              <a14:hiddenFill xmlns:a14="http://schemas.microsoft.com/office/drawing/2010/main">
-                <a:solidFill>
-                  <a:srgbClr val="FFFFFF"/>
-                </a:solidFill>
-              </a14:hiddenFill>
-            </a:ext>
-            <a:ext uri="{91240B29-F687-4F45-9708-019B960494DF}">
-              <a14:hiddenLine xmlns:a14="http://schemas.microsoft.com/office/drawing/2010/main" w="9525">
-                <a:solidFill>
-                  <a:srgbClr val="000000"/>
-                </a:solidFill>
-                <a:miter lim="800000"/>
-                <a:headEnd/>
-                <a:tailEnd/>
-              </a14:hiddenLine>
-            </a:ext>
-          </a:extLst>
-        </p:spPr>
-        <p:txBody>
-          <a:bodyPr>
-            <a:spAutoFit/>
-          </a:bodyPr>
-          <a:lstStyle>
-            <a:lvl1pPr eaLnBrk="0" hangingPunct="0">
-              <a:spcBef>
-                <a:spcPct val="20000"/>
-              </a:spcBef>
-              <a:buChar char="•"/>
-              <a:defRPr sz="3200">
-                <a:solidFill>
-                  <a:schemeClr val="accent2"/>
-                </a:solidFill>
-                <a:latin typeface="Calibri" panose="020F0502020204030204" pitchFamily="34" charset="0"/>
-              </a:defRPr>
-            </a:lvl1pPr>
-            <a:lvl2pPr marL="742950" indent="-285750" eaLnBrk="0" hangingPunct="0">
-              <a:spcBef>
-                <a:spcPct val="20000"/>
-              </a:spcBef>
-              <a:buChar char="–"/>
-              <a:defRPr sz="2800">
-                <a:solidFill>
-                  <a:schemeClr val="accent2"/>
-                </a:solidFill>
-                <a:latin typeface="Calibri" panose="020F0502020204030204" pitchFamily="34" charset="0"/>
-              </a:defRPr>
-            </a:lvl2pPr>
-            <a:lvl3pPr marL="1143000" indent="-228600" eaLnBrk="0" hangingPunct="0">
-              <a:spcBef>
-                <a:spcPct val="20000"/>
-              </a:spcBef>
-              <a:buChar char="•"/>
-              <a:defRPr sz="2400">
-                <a:solidFill>
-                  <a:schemeClr val="accent2"/>
-                </a:solidFill>
-                <a:latin typeface="Calibri" panose="020F0502020204030204" pitchFamily="34" charset="0"/>
-              </a:defRPr>
-            </a:lvl3pPr>
-            <a:lvl4pPr marL="1600200" indent="-228600" eaLnBrk="0" hangingPunct="0">
-              <a:spcBef>
-                <a:spcPct val="20000"/>
-              </a:spcBef>
-              <a:buChar char="–"/>
-              <a:defRPr sz="2000">
-                <a:solidFill>
-                  <a:schemeClr val="accent2"/>
-                </a:solidFill>
-                <a:latin typeface="Calibri" panose="020F0502020204030204" pitchFamily="34" charset="0"/>
-              </a:defRPr>
-            </a:lvl4pPr>
-            <a:lvl5pPr marL="2057400" indent="-228600" eaLnBrk="0" hangingPunct="0">
-              <a:spcBef>
-                <a:spcPct val="20000"/>
-              </a:spcBef>
-              <a:buChar char="»"/>
-              <a:defRPr sz="2000">
-                <a:solidFill>
-                  <a:schemeClr val="accent2"/>
-                </a:solidFill>
-                <a:latin typeface="Calibri" panose="020F0502020204030204" pitchFamily="34" charset="0"/>
-              </a:defRPr>
-            </a:lvl5pPr>
-            <a:lvl6pPr marL="2514600" indent="-228600" eaLnBrk="0" fontAlgn="base" hangingPunct="0">
-              <a:spcBef>
-                <a:spcPct val="20000"/>
-              </a:spcBef>
-              <a:spcAft>
-                <a:spcPct val="0"/>
-              </a:spcAft>
-              <a:buChar char="»"/>
-              <a:defRPr sz="2000">
-                <a:solidFill>
-                  <a:schemeClr val="accent2"/>
-                </a:solidFill>
-                <a:latin typeface="Calibri" panose="020F0502020204030204" pitchFamily="34" charset="0"/>
-              </a:defRPr>
-            </a:lvl6pPr>
-            <a:lvl7pPr marL="2971800" indent="-228600" eaLnBrk="0" fontAlgn="base" hangingPunct="0">
-              <a:spcBef>
-                <a:spcPct val="20000"/>
-              </a:spcBef>
-              <a:spcAft>
-                <a:spcPct val="0"/>
-              </a:spcAft>
-              <a:buChar char="»"/>
-              <a:defRPr sz="2000">
-                <a:solidFill>
-                  <a:schemeClr val="accent2"/>
-                </a:solidFill>
-                <a:latin typeface="Calibri" panose="020F0502020204030204" pitchFamily="34" charset="0"/>
-              </a:defRPr>
-            </a:lvl7pPr>
-            <a:lvl8pPr marL="3429000" indent="-228600" eaLnBrk="0" fontAlgn="base" hangingPunct="0">
-              <a:spcBef>
-                <a:spcPct val="20000"/>
-              </a:spcBef>
-              <a:spcAft>
-                <a:spcPct val="0"/>
-              </a:spcAft>
-              <a:buChar char="»"/>
-              <a:defRPr sz="2000">
-                <a:solidFill>
-                  <a:schemeClr val="accent2"/>
-                </a:solidFill>
-                <a:latin typeface="Calibri" panose="020F0502020204030204" pitchFamily="34" charset="0"/>
-              </a:defRPr>
-            </a:lvl8pPr>
-            <a:lvl9pPr marL="3886200" indent="-228600" eaLnBrk="0" fontAlgn="base" hangingPunct="0">
-              <a:spcBef>
-                <a:spcPct val="20000"/>
-              </a:spcBef>
-              <a:spcAft>
-                <a:spcPct val="0"/>
-              </a:spcAft>
-              <a:buChar char="»"/>
-              <a:defRPr sz="2000">
-                <a:solidFill>
-                  <a:schemeClr val="accent2"/>
-                </a:solidFill>
-                <a:latin typeface="Calibri" panose="020F0502020204030204" pitchFamily="34" charset="0"/>
-              </a:defRPr>
-            </a:lvl9pPr>
-          </a:lstStyle>
-          <a:p>
-            <a:pPr eaLnBrk="1" hangingPunct="1">
-              <a:spcBef>
-                <a:spcPct val="0"/>
-              </a:spcBef>
-              <a:buFontTx/>
-              <a:buNone/>
-            </a:pPr>
-            <a:r>
               <a:rPr lang="fr-FR" altLang="fr-FR" sz="2000" dirty="0">
-                <a:solidFill>
-                  <a:srgbClr val="FF6600"/>
-                </a:solidFill>
-                <a:latin typeface="Corbel" panose="020B0503020204020204" pitchFamily="34" charset="0"/>
-              </a:rPr>
-              <a:t>Termes associés</a:t>
-            </a:r>
-          </a:p>
-        </p:txBody>
-      </p:sp>
-      <p:sp>
-        <p:nvSpPr>
-          <p:cNvPr id="27" name="ZoneTexte 17"/>
-          <p:cNvSpPr txBox="1">
-            <a:spLocks noChangeArrowheads="1"/>
-          </p:cNvSpPr>
-          <p:nvPr/>
-        </p:nvSpPr>
-        <p:spPr bwMode="auto">
-          <a:xfrm>
-            <a:off x="6474495" y="5464256"/>
-            <a:ext cx="3673475" cy="400110"/>
-          </a:xfrm>
-          <a:prstGeom prst="rect">
-            <a:avLst/>
-          </a:prstGeom>
-          <a:noFill/>
-          <a:ln>
-            <a:noFill/>
-          </a:ln>
-          <a:extLst>
-            <a:ext uri="{909E8E84-426E-40DD-AFC4-6F175D3DCCD1}">
-              <a14:hiddenFill xmlns:a14="http://schemas.microsoft.com/office/drawing/2010/main">
-                <a:solidFill>
-                  <a:srgbClr val="FFFFFF"/>
-                </a:solidFill>
-              </a14:hiddenFill>
-            </a:ext>
-            <a:ext uri="{91240B29-F687-4F45-9708-019B960494DF}">
-              <a14:hiddenLine xmlns:a14="http://schemas.microsoft.com/office/drawing/2010/main" w="9525">
-                <a:solidFill>
-                  <a:srgbClr val="000000"/>
-                </a:solidFill>
-                <a:miter lim="800000"/>
-                <a:headEnd/>
-                <a:tailEnd/>
-              </a14:hiddenLine>
-            </a:ext>
-          </a:extLst>
-        </p:spPr>
-        <p:txBody>
-          <a:bodyPr>
-            <a:spAutoFit/>
-          </a:bodyPr>
-          <a:lstStyle>
-            <a:lvl1pPr eaLnBrk="0" hangingPunct="0">
-              <a:spcBef>
-                <a:spcPct val="20000"/>
-              </a:spcBef>
-              <a:buChar char="•"/>
-              <a:defRPr sz="3200">
-                <a:solidFill>
-                  <a:schemeClr val="accent2"/>
-                </a:solidFill>
-                <a:latin typeface="Calibri" panose="020F0502020204030204" pitchFamily="34" charset="0"/>
-              </a:defRPr>
-            </a:lvl1pPr>
-            <a:lvl2pPr marL="742950" indent="-285750" eaLnBrk="0" hangingPunct="0">
-              <a:spcBef>
-                <a:spcPct val="20000"/>
-              </a:spcBef>
-              <a:buChar char="–"/>
-              <a:defRPr sz="2800">
-                <a:solidFill>
-                  <a:schemeClr val="accent2"/>
-                </a:solidFill>
-                <a:latin typeface="Calibri" panose="020F0502020204030204" pitchFamily="34" charset="0"/>
-              </a:defRPr>
-            </a:lvl2pPr>
-            <a:lvl3pPr marL="1143000" indent="-228600" eaLnBrk="0" hangingPunct="0">
-              <a:spcBef>
-                <a:spcPct val="20000"/>
-              </a:spcBef>
-              <a:buChar char="•"/>
-              <a:defRPr sz="2400">
-                <a:solidFill>
-                  <a:schemeClr val="accent2"/>
-                </a:solidFill>
-                <a:latin typeface="Calibri" panose="020F0502020204030204" pitchFamily="34" charset="0"/>
-              </a:defRPr>
-            </a:lvl3pPr>
-            <a:lvl4pPr marL="1600200" indent="-228600" eaLnBrk="0" hangingPunct="0">
-              <a:spcBef>
-                <a:spcPct val="20000"/>
-              </a:spcBef>
-              <a:buChar char="–"/>
-              <a:defRPr sz="2000">
-                <a:solidFill>
-                  <a:schemeClr val="accent2"/>
-                </a:solidFill>
-                <a:latin typeface="Calibri" panose="020F0502020204030204" pitchFamily="34" charset="0"/>
-              </a:defRPr>
-            </a:lvl4pPr>
-            <a:lvl5pPr marL="2057400" indent="-228600" eaLnBrk="0" hangingPunct="0">
-              <a:spcBef>
-                <a:spcPct val="20000"/>
-              </a:spcBef>
-              <a:buChar char="»"/>
-              <a:defRPr sz="2000">
-                <a:solidFill>
-                  <a:schemeClr val="accent2"/>
-                </a:solidFill>
-                <a:latin typeface="Calibri" panose="020F0502020204030204" pitchFamily="34" charset="0"/>
-              </a:defRPr>
-            </a:lvl5pPr>
-            <a:lvl6pPr marL="2514600" indent="-228600" eaLnBrk="0" fontAlgn="base" hangingPunct="0">
-              <a:spcBef>
-                <a:spcPct val="20000"/>
-              </a:spcBef>
-              <a:spcAft>
-                <a:spcPct val="0"/>
-              </a:spcAft>
-              <a:buChar char="»"/>
-              <a:defRPr sz="2000">
-                <a:solidFill>
-                  <a:schemeClr val="accent2"/>
-                </a:solidFill>
-                <a:latin typeface="Calibri" panose="020F0502020204030204" pitchFamily="34" charset="0"/>
-              </a:defRPr>
-            </a:lvl6pPr>
-            <a:lvl7pPr marL="2971800" indent="-228600" eaLnBrk="0" fontAlgn="base" hangingPunct="0">
-              <a:spcBef>
-                <a:spcPct val="20000"/>
-              </a:spcBef>
-              <a:spcAft>
-                <a:spcPct val="0"/>
-              </a:spcAft>
-              <a:buChar char="»"/>
-              <a:defRPr sz="2000">
-                <a:solidFill>
-                  <a:schemeClr val="accent2"/>
-                </a:solidFill>
-                <a:latin typeface="Calibri" panose="020F0502020204030204" pitchFamily="34" charset="0"/>
-              </a:defRPr>
-            </a:lvl7pPr>
-            <a:lvl8pPr marL="3429000" indent="-228600" eaLnBrk="0" fontAlgn="base" hangingPunct="0">
-              <a:spcBef>
-                <a:spcPct val="20000"/>
-              </a:spcBef>
-              <a:spcAft>
-                <a:spcPct val="0"/>
-              </a:spcAft>
-              <a:buChar char="»"/>
-              <a:defRPr sz="2000">
-                <a:solidFill>
-                  <a:schemeClr val="accent2"/>
-                </a:solidFill>
-                <a:latin typeface="Calibri" panose="020F0502020204030204" pitchFamily="34" charset="0"/>
-              </a:defRPr>
-            </a:lvl8pPr>
-            <a:lvl9pPr marL="3886200" indent="-228600" eaLnBrk="0" fontAlgn="base" hangingPunct="0">
-              <a:spcBef>
-                <a:spcPct val="20000"/>
-              </a:spcBef>
-              <a:spcAft>
-                <a:spcPct val="0"/>
-              </a:spcAft>
-              <a:buChar char="»"/>
-              <a:defRPr sz="2000">
-                <a:solidFill>
-                  <a:schemeClr val="accent2"/>
-                </a:solidFill>
-                <a:latin typeface="Calibri" panose="020F0502020204030204" pitchFamily="34" charset="0"/>
-              </a:defRPr>
-            </a:lvl9pPr>
-          </a:lstStyle>
-          <a:p>
-            <a:pPr eaLnBrk="1" hangingPunct="1">
-              <a:spcBef>
-                <a:spcPct val="0"/>
-              </a:spcBef>
-              <a:buFontTx/>
-              <a:buNone/>
-            </a:pPr>
-            <a:r>
-              <a:rPr lang="fr-FR" altLang="fr-FR" sz="2000">
                 <a:solidFill>
                   <a:srgbClr val="FF6600"/>
                 </a:solidFill>
@@ -26301,8 +27116,8 @@
         </p:nvSpPr>
         <p:spPr>
           <a:xfrm>
-            <a:off x="9380034" y="2125179"/>
-            <a:ext cx="503238" cy="2269103"/>
+            <a:off x="9032792" y="2682735"/>
+            <a:ext cx="503238" cy="2108545"/>
           </a:xfrm>
           <a:prstGeom prst="rightBracket">
             <a:avLst/>
@@ -26350,7 +27165,7 @@
         </p:nvSpPr>
         <p:spPr bwMode="auto">
           <a:xfrm>
-            <a:off x="10212034" y="4730415"/>
+            <a:off x="9864792" y="5287971"/>
             <a:ext cx="1906588" cy="707886"/>
           </a:xfrm>
           <a:prstGeom prst="rect">
@@ -26537,7 +27352,7 @@
         </p:nvGrpSpPr>
         <p:grpSpPr>
           <a:xfrm rot="5400000">
-            <a:off x="10080334" y="4196022"/>
+            <a:off x="9733092" y="4753578"/>
             <a:ext cx="547953" cy="542925"/>
             <a:chOff x="6004176" y="1690066"/>
             <a:chExt cx="1039285" cy="1029748"/>
@@ -27137,7 +27952,7 @@
         </p:nvSpPr>
         <p:spPr>
           <a:xfrm>
-            <a:off x="4993762" y="6114090"/>
+            <a:off x="4646520" y="6359129"/>
             <a:ext cx="3680048" cy="476250"/>
           </a:xfrm>
           <a:prstGeom prst="rect">
@@ -27253,347 +28068,6 @@
           </a:p>
         </p:txBody>
       </p:sp>
-      <p:sp>
-        <p:nvSpPr>
-          <p:cNvPr id="30" name="Espace réservé du contenu 2"/>
-          <p:cNvSpPr>
-            <a:spLocks noGrp="1"/>
-          </p:cNvSpPr>
-          <p:nvPr>
-            <p:ph idx="1"/>
-          </p:nvPr>
-        </p:nvSpPr>
-        <p:spPr>
-          <a:xfrm>
-            <a:off x="271208" y="4035895"/>
-            <a:ext cx="3238552" cy="2562425"/>
-          </a:xfrm>
-        </p:spPr>
-        <p:txBody>
-          <a:bodyPr>
-            <a:normAutofit/>
-          </a:bodyPr>
-          <a:lstStyle/>
-          <a:p>
-            <a:pPr marL="0" indent="0">
-              <a:buNone/>
-            </a:pPr>
-            <a:r>
-              <a:rPr lang="fr-FR" altLang="fr-FR" sz="1600" dirty="0"/>
-              <a:t>Une recherche </a:t>
-            </a:r>
-            <a:r>
-              <a:rPr lang="fr-FR" altLang="fr-FR" sz="1600" dirty="0">
-                <a:solidFill>
-                  <a:srgbClr val="009DE0"/>
-                </a:solidFill>
-              </a:rPr>
-              <a:t>"</a:t>
-            </a:r>
-            <a:r>
-              <a:rPr lang="fr-FR" altLang="fr-FR" sz="1600" dirty="0" err="1">
-                <a:solidFill>
-                  <a:srgbClr val="009DE0"/>
-                </a:solidFill>
-              </a:rPr>
-              <a:t>Diabetes</a:t>
-            </a:r>
-            <a:r>
-              <a:rPr lang="fr-FR" altLang="fr-FR" sz="1600" dirty="0">
-                <a:solidFill>
-                  <a:srgbClr val="009DE0"/>
-                </a:solidFill>
-              </a:rPr>
-              <a:t> </a:t>
-            </a:r>
-            <a:r>
-              <a:rPr lang="fr-FR" altLang="fr-FR" sz="1600" dirty="0" err="1">
-                <a:solidFill>
-                  <a:srgbClr val="009DE0"/>
-                </a:solidFill>
-              </a:rPr>
-              <a:t>Mellitus</a:t>
-            </a:r>
-            <a:r>
-              <a:rPr lang="fr-FR" altLang="fr-FR" sz="1600" dirty="0">
-                <a:solidFill>
-                  <a:srgbClr val="009DE0"/>
-                </a:solidFill>
-              </a:rPr>
-              <a:t>/</a:t>
-            </a:r>
-            <a:r>
-              <a:rPr lang="fr-FR" altLang="fr-FR" sz="1600" dirty="0" err="1">
-                <a:solidFill>
-                  <a:srgbClr val="009DE0"/>
-                </a:solidFill>
-              </a:rPr>
-              <a:t>etiology</a:t>
-            </a:r>
-            <a:r>
-              <a:rPr lang="fr-FR" altLang="fr-FR" sz="1600" dirty="0">
-                <a:solidFill>
-                  <a:srgbClr val="009DE0"/>
-                </a:solidFill>
-              </a:rPr>
-              <a:t>"[</a:t>
-            </a:r>
-            <a:r>
-              <a:rPr lang="fr-FR" altLang="fr-FR" sz="1600" dirty="0" err="1">
-                <a:solidFill>
-                  <a:srgbClr val="009DE0"/>
-                </a:solidFill>
-              </a:rPr>
-              <a:t>Mesh</a:t>
-            </a:r>
-            <a:r>
-              <a:rPr lang="fr-FR" altLang="fr-FR" sz="1600" dirty="0">
-                <a:solidFill>
-                  <a:srgbClr val="009DE0"/>
-                </a:solidFill>
-              </a:rPr>
-              <a:t>] </a:t>
-            </a:r>
-            <a:r>
-              <a:rPr lang="fr-FR" altLang="fr-FR" sz="1600" dirty="0"/>
-              <a:t>retrouvera des articles indexés avec le terme </a:t>
-            </a:r>
-            <a:r>
-              <a:rPr lang="fr-FR" altLang="fr-FR" sz="1600" dirty="0" err="1"/>
-              <a:t>MeSH</a:t>
-            </a:r>
-            <a:r>
-              <a:rPr lang="fr-FR" altLang="fr-FR" sz="1600" dirty="0"/>
-              <a:t> </a:t>
-            </a:r>
-            <a:r>
-              <a:rPr lang="fr-FR" altLang="fr-FR" sz="1600" dirty="0">
-                <a:solidFill>
-                  <a:srgbClr val="009DE0"/>
-                </a:solidFill>
-              </a:rPr>
-              <a:t>"</a:t>
-            </a:r>
-            <a:r>
-              <a:rPr lang="fr-FR" altLang="fr-FR" sz="1600" dirty="0" err="1">
-                <a:solidFill>
-                  <a:srgbClr val="009DE0"/>
-                </a:solidFill>
-              </a:rPr>
-              <a:t>Diabetes</a:t>
-            </a:r>
-            <a:r>
-              <a:rPr lang="fr-FR" altLang="fr-FR" sz="1600" dirty="0">
-                <a:solidFill>
-                  <a:srgbClr val="009DE0"/>
-                </a:solidFill>
-              </a:rPr>
-              <a:t> </a:t>
-            </a:r>
-            <a:r>
-              <a:rPr lang="fr-FR" altLang="fr-FR" sz="1600" dirty="0" err="1">
-                <a:solidFill>
-                  <a:srgbClr val="009DE0"/>
-                </a:solidFill>
-              </a:rPr>
-              <a:t>Mellitus</a:t>
-            </a:r>
-            <a:r>
-              <a:rPr lang="fr-FR" altLang="fr-FR" sz="1600" dirty="0">
-                <a:solidFill>
-                  <a:srgbClr val="009DE0"/>
-                </a:solidFill>
-              </a:rPr>
-              <a:t>"</a:t>
-            </a:r>
-            <a:r>
-              <a:rPr lang="fr-FR" altLang="fr-FR" sz="1600" dirty="0"/>
-              <a:t>,</a:t>
-            </a:r>
-            <a:r>
-              <a:rPr lang="fr-FR" altLang="fr-FR" sz="1600" dirty="0">
-                <a:solidFill>
-                  <a:srgbClr val="009DE0"/>
-                </a:solidFill>
-              </a:rPr>
-              <a:t> </a:t>
-            </a:r>
-            <a:r>
-              <a:rPr lang="fr-FR" altLang="fr-FR" sz="1600" dirty="0"/>
-              <a:t>mais le qualificatif</a:t>
-            </a:r>
-            <a:r>
-              <a:rPr lang="fr-FR" altLang="fr-FR" sz="1600" dirty="0">
-                <a:solidFill>
-                  <a:srgbClr val="009DE0"/>
-                </a:solidFill>
-              </a:rPr>
-              <a:t> "</a:t>
-            </a:r>
-            <a:r>
-              <a:rPr lang="fr-FR" altLang="fr-FR" sz="1600" dirty="0" err="1">
-                <a:solidFill>
-                  <a:srgbClr val="009DE0"/>
-                </a:solidFill>
-              </a:rPr>
-              <a:t>etiology</a:t>
-            </a:r>
-            <a:r>
-              <a:rPr lang="fr-FR" altLang="fr-FR" sz="1600" dirty="0">
-                <a:solidFill>
-                  <a:srgbClr val="009DE0"/>
-                </a:solidFill>
-              </a:rPr>
-              <a:t>" </a:t>
-            </a:r>
-            <a:r>
-              <a:rPr lang="fr-FR" altLang="fr-FR" sz="1600" dirty="0"/>
-              <a:t>pourra être appliqué à un autre terme </a:t>
-            </a:r>
-            <a:r>
-              <a:rPr lang="fr-FR" altLang="fr-FR" sz="1600" dirty="0" err="1"/>
-              <a:t>MeSH</a:t>
-            </a:r>
-            <a:r>
-              <a:rPr lang="fr-FR" altLang="fr-FR" sz="1600" dirty="0"/>
-              <a:t> que </a:t>
-            </a:r>
-            <a:r>
-              <a:rPr lang="fr-FR" altLang="fr-FR" sz="1600" dirty="0">
-                <a:solidFill>
-                  <a:srgbClr val="009DE0"/>
-                </a:solidFill>
-              </a:rPr>
-              <a:t>"</a:t>
-            </a:r>
-            <a:r>
-              <a:rPr lang="fr-FR" altLang="fr-FR" sz="1600" dirty="0" err="1">
-                <a:solidFill>
-                  <a:srgbClr val="009DE0"/>
-                </a:solidFill>
-              </a:rPr>
-              <a:t>Diabetes</a:t>
-            </a:r>
-            <a:r>
-              <a:rPr lang="fr-FR" altLang="fr-FR" sz="1600" dirty="0">
-                <a:solidFill>
-                  <a:srgbClr val="009DE0"/>
-                </a:solidFill>
-              </a:rPr>
-              <a:t> </a:t>
-            </a:r>
-            <a:r>
-              <a:rPr lang="fr-FR" altLang="fr-FR" sz="1600" dirty="0" err="1">
-                <a:solidFill>
-                  <a:srgbClr val="009DE0"/>
-                </a:solidFill>
-              </a:rPr>
-              <a:t>Mellitus</a:t>
-            </a:r>
-            <a:r>
-              <a:rPr lang="fr-FR" altLang="fr-FR" sz="1600" dirty="0">
-                <a:solidFill>
-                  <a:srgbClr val="009DE0"/>
-                </a:solidFill>
-              </a:rPr>
-              <a:t>"</a:t>
-            </a:r>
-            <a:r>
-              <a:rPr lang="fr-FR" altLang="fr-FR" sz="1600" dirty="0"/>
-              <a:t>.</a:t>
-            </a:r>
-          </a:p>
-          <a:p>
-            <a:pPr marL="0" indent="0">
-              <a:buNone/>
-            </a:pPr>
-            <a:r>
-              <a:rPr lang="fr-FR" altLang="fr-FR" sz="1600" dirty="0"/>
-              <a:t>Exemple : </a:t>
-            </a:r>
-            <a:r>
-              <a:rPr lang="fr-FR" altLang="fr-FR" sz="1600" dirty="0">
-                <a:hlinkClick r:id="rId3"/>
-              </a:rPr>
-              <a:t>https://pubmed.ncbi.nlm.nih.gov/33592860/</a:t>
-            </a:r>
-            <a:r>
-              <a:rPr lang="fr-FR" altLang="fr-FR" sz="1600" dirty="0"/>
-              <a:t>-&gt; </a:t>
-            </a:r>
-            <a:r>
-              <a:rPr lang="fr-FR" sz="1600" dirty="0" err="1"/>
-              <a:t>Hypoglycemia</a:t>
-            </a:r>
-            <a:r>
-              <a:rPr lang="fr-FR" sz="1600" dirty="0"/>
-              <a:t>*/ </a:t>
-            </a:r>
-            <a:r>
-              <a:rPr lang="fr-FR" sz="1600" dirty="0" err="1"/>
-              <a:t>etiology</a:t>
-            </a:r>
-            <a:r>
-              <a:rPr lang="fr-FR" altLang="fr-FR" sz="1600" dirty="0"/>
-              <a:t> </a:t>
-            </a:r>
-          </a:p>
-        </p:txBody>
-      </p:sp>
-      <p:sp>
-        <p:nvSpPr>
-          <p:cNvPr id="3" name="ZoneTexte 2"/>
-          <p:cNvSpPr txBox="1"/>
-          <p:nvPr/>
-        </p:nvSpPr>
-        <p:spPr>
-          <a:xfrm>
-            <a:off x="272046" y="1648391"/>
-            <a:ext cx="3211071" cy="2677656"/>
-          </a:xfrm>
-          <a:prstGeom prst="rect">
-            <a:avLst/>
-          </a:prstGeom>
-          <a:noFill/>
-        </p:spPr>
-        <p:txBody>
-          <a:bodyPr wrap="square" rtlCol="0">
-            <a:spAutoFit/>
-          </a:bodyPr>
-          <a:lstStyle/>
-          <a:p>
-            <a:r>
-              <a:rPr lang="fr-FR" altLang="fr-FR" sz="2400" b="1" dirty="0">
-                <a:latin typeface="Corbel" panose="020B0503020204020204" pitchFamily="34" charset="0"/>
-              </a:rPr>
-              <a:t>/!\</a:t>
-            </a:r>
-            <a:r>
-              <a:rPr lang="fr-FR" altLang="fr-FR" sz="2400" dirty="0">
-                <a:latin typeface="Corbel" panose="020B0503020204020204" pitchFamily="34" charset="0"/>
-              </a:rPr>
-              <a:t> La fonctionnalité de MEDLINE de restriction sur un qualificatif n’est pas entièrement opérationnelle dans </a:t>
-            </a:r>
-            <a:r>
-              <a:rPr lang="fr-FR" altLang="fr-FR" sz="2400" dirty="0" err="1">
-                <a:latin typeface="Corbel" panose="020B0503020204020204" pitchFamily="34" charset="0"/>
-              </a:rPr>
-              <a:t>PubMed</a:t>
-            </a:r>
-            <a:r>
-              <a:rPr lang="fr-FR" altLang="fr-FR" sz="2400" dirty="0">
-                <a:latin typeface="Corbel" panose="020B0503020204020204" pitchFamily="34" charset="0"/>
-              </a:rPr>
-              <a:t> </a:t>
-            </a:r>
-          </a:p>
-          <a:p>
-            <a:endParaRPr lang="fr-FR" sz="2400" dirty="0">
-              <a:latin typeface="Corbel" panose="020B0503020204020204" pitchFamily="34" charset="0"/>
-            </a:endParaRPr>
-          </a:p>
-        </p:txBody>
-      </p:sp>
     </p:spTree>
     <p:extLst>
       <p:ext uri="{BB962C8B-B14F-4D97-AF65-F5344CB8AC3E}">
@@ -27604,6 +28078,13 @@
   <p:clrMapOvr>
     <a:masterClrMapping/>
   </p:clrMapOvr>
+  <p:timing>
+    <p:tnLst>
+      <p:par>
+        <p:cTn id="1" dur="indefinite" restart="never" nodeType="tmRoot"/>
+      </p:par>
+    </p:tnLst>
+  </p:timing>
 </p:sld>
 </file>
 

--- a/docs/module1-2_pubmed.pptx
+++ b/docs/module1-2_pubmed.pptx
@@ -5,7 +5,7 @@
     <p:sldMasterId id="2147483648" r:id="rId1"/>
   </p:sldMasterIdLst>
   <p:notesMasterIdLst>
-    <p:notesMasterId r:id="rId41"/>
+    <p:notesMasterId r:id="rId39"/>
   </p:notesMasterIdLst>
   <p:sldIdLst>
     <p:sldId id="347" r:id="rId2"/>
@@ -16,7 +16,7 @@
     <p:sldId id="309" r:id="rId7"/>
     <p:sldId id="310" r:id="rId8"/>
     <p:sldId id="323" r:id="rId9"/>
-    <p:sldId id="324" r:id="rId10"/>
+    <p:sldId id="350" r:id="rId10"/>
     <p:sldId id="349" r:id="rId11"/>
     <p:sldId id="322" r:id="rId12"/>
     <p:sldId id="325" r:id="rId13"/>
@@ -44,9 +44,7 @@
     <p:sldId id="334" r:id="rId35"/>
     <p:sldId id="335" r:id="rId36"/>
     <p:sldId id="336" r:id="rId37"/>
-    <p:sldId id="345" r:id="rId38"/>
-    <p:sldId id="346" r:id="rId39"/>
-    <p:sldId id="284" r:id="rId40"/>
+    <p:sldId id="284" r:id="rId38"/>
   </p:sldIdLst>
   <p:sldSz cx="12192000" cy="6858000"/>
   <p:notesSz cx="6858000" cy="9144000"/>
@@ -240,7 +238,7 @@
             <a:fld id="{91E9DC1B-7AD4-4493-BE2D-19F04AF919E8}" type="datetimeFigureOut">
               <a:rPr lang="fr-FR" smtClean="0"/>
               <a:pPr/>
-              <a:t>24/11/2023</a:t>
+              <a:t>05/06/2024</a:t>
             </a:fld>
             <a:endParaRPr lang="fr-FR" dirty="0"/>
           </a:p>
@@ -661,7 +659,7 @@
           <a:p>
             <a:fld id="{0145B376-959C-4F10-BF50-4FF0FAF5ADD9}" type="slidenum">
               <a:rPr lang="fr-FR" smtClean="0"/>
-              <a:t>39</a:t>
+              <a:t>37</a:t>
             </a:fld>
             <a:endParaRPr lang="fr-FR"/>
           </a:p>
@@ -928,7 +926,7 @@
     </p:spTree>
     <p:extLst>
       <p:ext uri="{BB962C8B-B14F-4D97-AF65-F5344CB8AC3E}">
-        <p14:creationId xmlns:p14="http://schemas.microsoft.com/office/powerpoint/2010/main" val="1350729558"/>
+        <p14:creationId xmlns:p14="http://schemas.microsoft.com/office/powerpoint/2010/main" val="2128809569"/>
       </p:ext>
     </p:extLst>
   </p:cSld>
@@ -1532,9 +1530,9 @@
             </a:lvl1pPr>
           </a:lstStyle>
           <a:p>
-            <a:fld id="{A9829778-E7C3-417A-857C-27B2273FD117}" type="datetime1">
+            <a:fld id="{632A6C60-76CF-4DAE-A8B3-E84FFB32A587}" type="datetime1">
               <a:rPr lang="fr-FR" smtClean="0"/>
-              <a:t>24/11/2023</a:t>
+              <a:t>05/06/2024</a:t>
             </a:fld>
             <a:endParaRPr lang="fr-FR" dirty="0"/>
           </a:p>
@@ -1557,7 +1555,7 @@
           <a:p>
             <a:r>
               <a:rPr lang="fr-FR" smtClean="0"/>
-              <a:t>F. Flamerie - Trucs et astuces de PubMed - màj : 2023-11-24</a:t>
+              <a:t>F. Flamerie - Trucs et astuces de PubMed - màj : 2024-04-08</a:t>
             </a:r>
             <a:endParaRPr lang="fr-FR"/>
           </a:p>
@@ -1718,9 +1716,9 @@
             </a:lvl1pPr>
           </a:lstStyle>
           <a:p>
-            <a:fld id="{AB6EB30C-7313-4381-919A-ACA2872EB926}" type="datetime1">
+            <a:fld id="{46BCBA65-8484-41A5-8B1B-AD7950A974B3}" type="datetime1">
               <a:rPr lang="fr-FR" smtClean="0"/>
-              <a:t>24/11/2023</a:t>
+              <a:t>05/06/2024</a:t>
             </a:fld>
             <a:endParaRPr lang="fr-FR" dirty="0"/>
           </a:p>
@@ -1743,7 +1741,7 @@
           <a:p>
             <a:r>
               <a:rPr lang="fr-FR" smtClean="0"/>
-              <a:t>F. Flamerie - Trucs et astuces de PubMed - màj : 2023-11-24</a:t>
+              <a:t>F. Flamerie - Trucs et astuces de PubMed - màj : 2024-04-08</a:t>
             </a:r>
             <a:endParaRPr lang="fr-FR"/>
           </a:p>
@@ -1914,9 +1912,9 @@
             </a:lvl1pPr>
           </a:lstStyle>
           <a:p>
-            <a:fld id="{61672AAD-A608-4750-A2DC-871216D46A74}" type="datetime1">
+            <a:fld id="{339257F1-9E87-478A-B3ED-1D41C0223F4C}" type="datetime1">
               <a:rPr lang="fr-FR" smtClean="0"/>
-              <a:t>24/11/2023</a:t>
+              <a:t>05/06/2024</a:t>
             </a:fld>
             <a:endParaRPr lang="fr-FR" dirty="0"/>
           </a:p>
@@ -1939,7 +1937,7 @@
           <a:p>
             <a:r>
               <a:rPr lang="fr-FR" smtClean="0"/>
-              <a:t>F. Flamerie - Trucs et astuces de PubMed - màj : 2023-11-24</a:t>
+              <a:t>F. Flamerie - Trucs et astuces de PubMed - màj : 2024-04-08</a:t>
             </a:r>
             <a:endParaRPr lang="fr-FR"/>
           </a:p>
@@ -2138,9 +2136,9 @@
             </a:lvl1pPr>
           </a:lstStyle>
           <a:p>
-            <a:fld id="{86204021-1966-4A94-8AB2-DE8DC4E43622}" type="datetime1">
+            <a:fld id="{E9D4C402-CC4C-43CF-B7E6-DE8B62C89A07}" type="datetime1">
               <a:rPr lang="fr-FR" smtClean="0"/>
-              <a:t>24/11/2023</a:t>
+              <a:t>05/06/2024</a:t>
             </a:fld>
             <a:endParaRPr lang="fr-FR" dirty="0"/>
           </a:p>
@@ -2169,7 +2167,7 @@
           <a:p>
             <a:r>
               <a:rPr lang="fr-FR" smtClean="0"/>
-              <a:t>F. Flamerie - Trucs et astuces de PubMed - màj : 2023-11-24</a:t>
+              <a:t>F. Flamerie - Trucs et astuces de PubMed - màj : 2024-04-08</a:t>
             </a:r>
             <a:endParaRPr lang="fr-FR" dirty="0"/>
           </a:p>
@@ -2421,9 +2419,9 @@
             </a:lvl1pPr>
           </a:lstStyle>
           <a:p>
-            <a:fld id="{BEE9BA34-7538-43DE-B758-B5EA5EAFFDF7}" type="datetime1">
+            <a:fld id="{D4753A46-7F88-43E6-811D-9B88C88F0780}" type="datetime1">
               <a:rPr lang="fr-FR" smtClean="0"/>
-              <a:t>24/11/2023</a:t>
+              <a:t>05/06/2024</a:t>
             </a:fld>
             <a:endParaRPr lang="fr-FR" dirty="0"/>
           </a:p>
@@ -2446,7 +2444,7 @@
           <a:p>
             <a:r>
               <a:rPr lang="fr-FR" smtClean="0"/>
-              <a:t>F. Flamerie - Trucs et astuces de PubMed - màj : 2023-11-24</a:t>
+              <a:t>F. Flamerie - Trucs et astuces de PubMed - màj : 2024-04-08</a:t>
             </a:r>
             <a:endParaRPr lang="fr-FR"/>
           </a:p>
@@ -2732,9 +2730,9 @@
             </a:lvl1pPr>
           </a:lstStyle>
           <a:p>
-            <a:fld id="{7E9BDAA9-293C-4A06-AB8B-A3D9E052AC10}" type="datetime1">
+            <a:fld id="{BF6FFB71-2011-488D-ADCC-3A616F59EF4C}" type="datetime1">
               <a:rPr lang="fr-FR" smtClean="0"/>
-              <a:t>24/11/2023</a:t>
+              <a:t>05/06/2024</a:t>
             </a:fld>
             <a:endParaRPr lang="fr-FR" dirty="0"/>
           </a:p>
@@ -2757,7 +2755,7 @@
           <a:p>
             <a:r>
               <a:rPr lang="fr-FR" smtClean="0"/>
-              <a:t>F. Flamerie - Trucs et astuces de PubMed - màj : 2023-11-24</a:t>
+              <a:t>F. Flamerie - Trucs et astuces de PubMed - màj : 2024-04-08</a:t>
             </a:r>
             <a:endParaRPr lang="fr-FR"/>
           </a:p>
@@ -3114,9 +3112,9 @@
             </a:lvl1pPr>
           </a:lstStyle>
           <a:p>
-            <a:fld id="{D5E93FA3-AA76-43D9-83B7-598FC3359178}" type="datetime1">
+            <a:fld id="{59007202-7A0A-4291-A7CA-494B3EEA4182}" type="datetime1">
               <a:rPr lang="fr-FR" smtClean="0"/>
-              <a:t>24/11/2023</a:t>
+              <a:t>05/06/2024</a:t>
             </a:fld>
             <a:endParaRPr lang="fr-FR" dirty="0"/>
           </a:p>
@@ -3139,7 +3137,7 @@
           <a:p>
             <a:r>
               <a:rPr lang="fr-FR" smtClean="0"/>
-              <a:t>F. Flamerie - Trucs et astuces de PubMed - màj : 2023-11-24</a:t>
+              <a:t>F. Flamerie - Trucs et astuces de PubMed - màj : 2024-04-08</a:t>
             </a:r>
             <a:endParaRPr lang="fr-FR"/>
           </a:p>
@@ -3249,9 +3247,9 @@
             </a:lvl1pPr>
           </a:lstStyle>
           <a:p>
-            <a:fld id="{C05349C2-F1D6-40A5-9404-E58A26DAE8D7}" type="datetime1">
+            <a:fld id="{9EAFAD84-7F7F-4332-98D1-C8642DAB05D8}" type="datetime1">
               <a:rPr lang="fr-FR" smtClean="0"/>
-              <a:t>24/11/2023</a:t>
+              <a:t>05/06/2024</a:t>
             </a:fld>
             <a:endParaRPr lang="fr-FR" dirty="0"/>
           </a:p>
@@ -3274,7 +3272,7 @@
           <a:p>
             <a:r>
               <a:rPr lang="fr-FR" smtClean="0"/>
-              <a:t>F. Flamerie - Trucs et astuces de PubMed - màj : 2023-11-24</a:t>
+              <a:t>F. Flamerie - Trucs et astuces de PubMed - màj : 2024-04-08</a:t>
             </a:r>
             <a:endParaRPr lang="fr-FR"/>
           </a:p>
@@ -3362,9 +3360,9 @@
             </a:lvl1pPr>
           </a:lstStyle>
           <a:p>
-            <a:fld id="{538A2363-10F2-450F-835A-D674E9484DD7}" type="datetime1">
+            <a:fld id="{0B79FE12-EBD1-4EFE-90E4-89CE8573554B}" type="datetime1">
               <a:rPr lang="fr-FR" smtClean="0"/>
-              <a:t>24/11/2023</a:t>
+              <a:t>05/06/2024</a:t>
             </a:fld>
             <a:endParaRPr lang="fr-FR" dirty="0"/>
           </a:p>
@@ -3387,7 +3385,7 @@
           <a:p>
             <a:r>
               <a:rPr lang="fr-FR" smtClean="0"/>
-              <a:t>F. Flamerie - Trucs et astuces de PubMed - màj : 2023-11-24</a:t>
+              <a:t>F. Flamerie - Trucs et astuces de PubMed - màj : 2024-04-08</a:t>
             </a:r>
             <a:endParaRPr lang="fr-FR"/>
           </a:p>
@@ -3655,9 +3653,9 @@
             </a:lvl1pPr>
           </a:lstStyle>
           <a:p>
-            <a:fld id="{6B8536B4-2B28-4845-9725-88DE572990BE}" type="datetime1">
+            <a:fld id="{02B48E6B-6049-4627-A32C-8A1CBAD95CB2}" type="datetime1">
               <a:rPr lang="fr-FR" smtClean="0"/>
-              <a:t>24/11/2023</a:t>
+              <a:t>05/06/2024</a:t>
             </a:fld>
             <a:endParaRPr lang="fr-FR" dirty="0"/>
           </a:p>
@@ -3680,7 +3678,7 @@
           <a:p>
             <a:r>
               <a:rPr lang="fr-FR" smtClean="0"/>
-              <a:t>F. Flamerie - Trucs et astuces de PubMed - màj : 2023-11-24</a:t>
+              <a:t>F. Flamerie - Trucs et astuces de PubMed - màj : 2024-04-08</a:t>
             </a:r>
             <a:endParaRPr lang="fr-FR"/>
           </a:p>
@@ -3925,9 +3923,9 @@
             </a:lvl1pPr>
           </a:lstStyle>
           <a:p>
-            <a:fld id="{311F20CF-3BB0-4559-80FC-8B691B2D2872}" type="datetime1">
+            <a:fld id="{914F268E-ADB1-4CDE-8757-34F661049D98}" type="datetime1">
               <a:rPr lang="fr-FR" smtClean="0"/>
-              <a:t>24/11/2023</a:t>
+              <a:t>05/06/2024</a:t>
             </a:fld>
             <a:endParaRPr lang="fr-FR" dirty="0"/>
           </a:p>
@@ -3950,7 +3948,7 @@
           <a:p>
             <a:r>
               <a:rPr lang="fr-FR" smtClean="0"/>
-              <a:t>F. Flamerie - Trucs et astuces de PubMed - màj : 2023-11-24</a:t>
+              <a:t>F. Flamerie - Trucs et astuces de PubMed - màj : 2024-04-08</a:t>
             </a:r>
             <a:endParaRPr lang="fr-FR"/>
           </a:p>
@@ -4143,7 +4141,7 @@
           <a:p>
             <a:r>
               <a:rPr lang="fr-FR" smtClean="0"/>
-              <a:t>F. Flamerie - Trucs et astuces de PubMed - màj : 2023-11-24</a:t>
+              <a:t>F. Flamerie - Trucs et astuces de PubMed - màj : 2024-04-08</a:t>
             </a:r>
             <a:endParaRPr lang="fr-FR" dirty="0"/>
           </a:p>
@@ -4551,6 +4549,34 @@
       </p:sp>
       <p:sp>
         <p:nvSpPr>
+          <p:cNvPr id="3" name="Sous-titre 2"/>
+          <p:cNvSpPr>
+            <a:spLocks noGrp="1"/>
+          </p:cNvSpPr>
+          <p:nvPr>
+            <p:ph type="subTitle" idx="1"/>
+          </p:nvPr>
+        </p:nvSpPr>
+        <p:spPr>
+          <a:xfrm>
+            <a:off x="560029" y="4369619"/>
+            <a:ext cx="9144000" cy="1655762"/>
+          </a:xfrm>
+        </p:spPr>
+        <p:txBody>
+          <a:bodyPr/>
+          <a:lstStyle/>
+          <a:p>
+            <a:pPr algn="l"/>
+            <a:r>
+              <a:rPr lang="fr-FR" dirty="0"/>
+              <a:t>Module 1.2 </a:t>
+            </a:r>
+          </a:p>
+        </p:txBody>
+      </p:sp>
+      <p:sp>
+        <p:nvSpPr>
           <p:cNvPr id="11" name="Rectangle 14"/>
           <p:cNvSpPr>
             <a:spLocks noChangeArrowheads="1"/>
@@ -4722,25 +4748,6 @@
               </a:rPr>
               <a:t>.</a:t>
             </a:r>
-          </a:p>
-        </p:txBody>
-      </p:sp>
-      <p:sp>
-        <p:nvSpPr>
-          <p:cNvPr id="4" name="Sous-titre 3"/>
-          <p:cNvSpPr>
-            <a:spLocks noGrp="1"/>
-          </p:cNvSpPr>
-          <p:nvPr>
-            <p:ph type="subTitle" idx="1"/>
-          </p:nvPr>
-        </p:nvSpPr>
-        <p:spPr/>
-        <p:txBody>
-          <a:bodyPr/>
-          <a:lstStyle/>
-          <a:p>
-            <a:endParaRPr lang="fr-FR"/>
           </a:p>
         </p:txBody>
       </p:sp>
@@ -4957,11 +4964,7 @@
             </a:r>
             <a:r>
               <a:rPr lang="fr-FR" altLang="fr-FR" sz="2400" dirty="0"/>
-              <a:t> retrouve </a:t>
-            </a:r>
-            <a:r>
-              <a:rPr lang="fr-FR" altLang="fr-FR" sz="2400" dirty="0"/>
-              <a:t>des articles indexés avec le terme </a:t>
+              <a:t> retrouve des articles indexés avec le terme </a:t>
             </a:r>
             <a:r>
               <a:rPr lang="fr-FR" altLang="fr-FR" sz="2400" dirty="0" err="1"/>
@@ -4973,15 +4976,7 @@
                   <a:srgbClr val="009DE0"/>
                 </a:solidFill>
               </a:rPr>
-              <a:t> </a:t>
-            </a:r>
-            <a:r>
-              <a:rPr lang="fr-FR" altLang="fr-FR" sz="2400" dirty="0">
-                <a:solidFill>
-                  <a:srgbClr val="009DE0"/>
-                </a:solidFill>
-              </a:rPr>
-              <a:t>"</a:t>
+              <a:t> "</a:t>
             </a:r>
             <a:r>
               <a:rPr lang="fr-FR" sz="2400" dirty="0" err="1">
@@ -5013,15 +5008,7 @@
                   <a:srgbClr val="009DE0"/>
                 </a:solidFill>
               </a:rPr>
-              <a:t>, Type 1* / </a:t>
-            </a:r>
-            <a:r>
-              <a:rPr lang="fr-FR" sz="2400" dirty="0">
-                <a:solidFill>
-                  <a:srgbClr val="009DE0"/>
-                </a:solidFill>
-              </a:rPr>
-              <a:t>complications</a:t>
+              <a:t>, Type 1* / complications</a:t>
             </a:r>
             <a:r>
               <a:rPr lang="fr-FR" altLang="fr-FR" sz="2400" dirty="0">
@@ -5039,13 +5026,7 @@
               <a:rPr lang="fr-FR" altLang="fr-FR" sz="2400" dirty="0">
                 <a:hlinkClick r:id="rId4"/>
               </a:rPr>
-              <a:t>https://pubmed.ncbi.nlm.nih.gov/33592860</a:t>
-            </a:r>
-            <a:r>
-              <a:rPr lang="fr-FR" altLang="fr-FR" sz="2400" dirty="0">
-                <a:hlinkClick r:id="rId4"/>
-              </a:rPr>
-              <a:t>/</a:t>
+              <a:t>https://pubmed.ncbi.nlm.nih.gov/33592860/</a:t>
             </a:r>
             <a:r>
               <a:rPr lang="fr-FR" altLang="fr-FR" sz="2400" dirty="0"/>
@@ -5140,7 +5121,7 @@
             </a:pPr>
             <a:r>
               <a:rPr lang="fr-FR" smtClean="0"/>
-              <a:t>F. Flamerie - Trucs et astuces de PubMed - màj : 2023-11-24</a:t>
+              <a:t>F. Flamerie - Trucs et astuces de PubMed - màj : 2024-04-08</a:t>
             </a:r>
             <a:endParaRPr lang="fr-FR" dirty="0"/>
           </a:p>
@@ -5327,18 +5308,7 @@
                 <a:ea typeface="Tahoma" panose="020B0604030504040204" pitchFamily="34" charset="0"/>
                 <a:cs typeface="Tahoma" panose="020B0604030504040204" pitchFamily="34" charset="0"/>
               </a:rPr>
-              <a:t>Détails </a:t>
-            </a:r>
-            <a:r>
-              <a:rPr lang="fr-FR" altLang="fr-FR" sz="4000" dirty="0">
-                <a:solidFill>
-                  <a:schemeClr val="tx1"/>
-                </a:solidFill>
-                <a:latin typeface="Tahoma" panose="020B0604030504040204" pitchFamily="34" charset="0"/>
-                <a:ea typeface="Tahoma" panose="020B0604030504040204" pitchFamily="34" charset="0"/>
-                <a:cs typeface="Tahoma" panose="020B0604030504040204" pitchFamily="34" charset="0"/>
-              </a:rPr>
-              <a:t>d’un terme </a:t>
+              <a:t>Détails d’un terme </a:t>
             </a:r>
             <a:r>
               <a:rPr lang="fr-FR" altLang="fr-FR" sz="4000" dirty="0" err="1">
@@ -5448,7 +5418,7 @@
     </p:spTree>
     <p:extLst>
       <p:ext uri="{BB962C8B-B14F-4D97-AF65-F5344CB8AC3E}">
-        <p14:creationId xmlns:p14="http://schemas.microsoft.com/office/powerpoint/2010/main" val="1615692675"/>
+        <p14:creationId xmlns:p14="http://schemas.microsoft.com/office/powerpoint/2010/main" val="2860522732"/>
       </p:ext>
     </p:extLst>
   </p:cSld>
@@ -5678,7 +5648,7 @@
           <a:p>
             <a:r>
               <a:rPr lang="fr-FR" smtClean="0"/>
-              <a:t>F. Flamerie - Trucs et astuces de PubMed - màj : 2023-11-24</a:t>
+              <a:t>F. Flamerie - Trucs et astuces de PubMed - màj : 2024-04-08</a:t>
             </a:r>
             <a:endParaRPr lang="fr-FR" dirty="0"/>
           </a:p>
@@ -5926,7 +5896,7 @@
           <a:p>
             <a:r>
               <a:rPr lang="fr-FR" smtClean="0"/>
-              <a:t>F. Flamerie - Trucs et astuces de PubMed - màj : 2023-11-24</a:t>
+              <a:t>F. Flamerie - Trucs et astuces de PubMed - màj : 2024-04-08</a:t>
             </a:r>
             <a:endParaRPr lang="fr-FR" dirty="0"/>
           </a:p>
@@ -6114,7 +6084,7 @@
           <a:p>
             <a:r>
               <a:rPr lang="fr-FR" smtClean="0"/>
-              <a:t>F. Flamerie - Trucs et astuces de PubMed - màj : 2023-11-24</a:t>
+              <a:t>F. Flamerie - Trucs et astuces de PubMed - màj : 2024-04-08</a:t>
             </a:r>
             <a:endParaRPr lang="fr-FR" dirty="0"/>
           </a:p>
@@ -6483,7 +6453,13 @@
               <a:rPr lang="en-US" sz="1200" dirty="0">
                 <a:latin typeface="Corbel" panose="020B0503020204020204" pitchFamily="34" charset="0"/>
               </a:rPr>
-              <a:t>, E. (2023). </a:t>
+              <a:t>, E. (</a:t>
+            </a:r>
+            <a:r>
+              <a:rPr lang="en-US" sz="1200" dirty="0" smtClean="0">
+                <a:latin typeface="Corbel" panose="020B0503020204020204" pitchFamily="34" charset="0"/>
+              </a:rPr>
+              <a:t>2024). </a:t>
             </a:r>
             <a:r>
               <a:rPr lang="en-US" sz="1200" i="1" dirty="0">
@@ -6558,7 +6534,7 @@
         <p:spPr>
           <a:xfrm>
             <a:off x="776654" y="0"/>
-            <a:ext cx="10515600" cy="1325563"/>
+            <a:ext cx="10945176" cy="1325563"/>
           </a:xfrm>
         </p:spPr>
         <p:txBody>
@@ -6571,8 +6547,13 @@
             </a:r>
             <a:r>
               <a:rPr lang="fr-FR" dirty="0"/>
-              <a:t> : ressources complémentaires</a:t>
-            </a:r>
+              <a:t> : </a:t>
+            </a:r>
+            <a:r>
+              <a:rPr lang="fr-FR" dirty="0" smtClean="0"/>
+              <a:t>indexation désormais automatisée</a:t>
+            </a:r>
+            <a:endParaRPr lang="fr-FR" dirty="0"/>
           </a:p>
         </p:txBody>
       </p:sp>
@@ -6605,48 +6586,64 @@
               <a:buNone/>
             </a:pPr>
             <a:r>
+              <a:rPr lang="fr-FR" sz="2400" dirty="0" smtClean="0"/>
+              <a:t>Indexation automatisée depuis avril 2022 effectuée par l’algorithme </a:t>
+            </a:r>
+            <a:r>
               <a:rPr lang="fr-FR" sz="2400" dirty="0"/>
-              <a:t>Règles d’indexation </a:t>
-            </a:r>
-            <a:r>
-              <a:rPr lang="fr-FR" sz="2400" dirty="0" err="1"/>
-              <a:t>MeSH</a:t>
-            </a:r>
-            <a:r>
-              <a:rPr lang="fr-FR" sz="2400" dirty="0"/>
-              <a:t> sur le site de </a:t>
-            </a:r>
-            <a:r>
-              <a:rPr lang="fr-FR" sz="2400" dirty="0" err="1"/>
-              <a:t>PubMed</a:t>
-            </a:r>
-            <a:r>
-              <a:rPr lang="fr-FR" sz="2400" dirty="0"/>
-              <a:t> : </a:t>
+              <a:t>MTIA (</a:t>
+            </a:r>
+            <a:r>
+              <a:rPr lang="fr-FR" sz="2400" dirty="0" smtClean="0"/>
+              <a:t>MTI-Auto) - </a:t>
+            </a:r>
+            <a:r>
+              <a:rPr lang="fr-FR" sz="2400" dirty="0" err="1" smtClean="0"/>
+              <a:t>Medical</a:t>
+            </a:r>
+            <a:r>
+              <a:rPr lang="fr-FR" sz="2400" dirty="0" smtClean="0"/>
+              <a:t> </a:t>
+            </a:r>
+            <a:r>
+              <a:rPr lang="fr-FR" sz="2400" dirty="0" err="1" smtClean="0"/>
+              <a:t>Text</a:t>
+            </a:r>
+            <a:r>
+              <a:rPr lang="fr-FR" sz="2400" dirty="0" smtClean="0"/>
+              <a:t> Indexer Auto - avec quelques interventions humaines - Voir sur le site de la NLM : </a:t>
             </a:r>
             <a:r>
               <a:rPr lang="en-US" sz="2400" dirty="0">
                 <a:hlinkClick r:id="rId2"/>
               </a:rPr>
-              <a:t>MEDLINE Indexing Online Training Course</a:t>
+              <a:t>Frequently Asked Questions about Indexing for </a:t>
+            </a:r>
+            <a:r>
+              <a:rPr lang="en-US" sz="2400" dirty="0" smtClean="0">
+                <a:hlinkClick r:id="rId2"/>
+              </a:rPr>
+              <a:t>MEDLINE </a:t>
+            </a:r>
+            <a:r>
+              <a:rPr lang="en-US" sz="2400" dirty="0" smtClean="0"/>
+              <a:t>&gt;  </a:t>
             </a:r>
             <a:r>
               <a:rPr lang="en-US" sz="2400" dirty="0"/>
-              <a:t> &gt; The Indexing Process &gt; </a:t>
-            </a:r>
-            <a:r>
-              <a:rPr lang="en-US" sz="2400" dirty="0">
-                <a:hlinkClick r:id="rId3"/>
-              </a:rPr>
-              <a:t>A Good indexer</a:t>
-            </a:r>
-            <a:endParaRPr lang="en-US" sz="2400" dirty="0"/>
-          </a:p>
-          <a:p>
-            <a:pPr lvl="1">
+              <a:t>What algorithm is used for automated indexing, and what quality assurance processes are in place</a:t>
+            </a:r>
+            <a:r>
+              <a:rPr lang="en-US" sz="2400" dirty="0" smtClean="0"/>
+              <a:t>? </a:t>
+            </a:r>
+          </a:p>
+          <a:p>
+            <a:pPr marL="630238" indent="0">
               <a:lnSpc>
                 <a:spcPct val="100000"/>
               </a:lnSpc>
+              <a:buNone/>
             </a:pPr>
             <a:r>
               <a:rPr lang="en-US" sz="2000" dirty="0">
@@ -6657,10 +6654,10 @@
                   </a:schemeClr>
                 </a:solidFill>
               </a:rPr>
-              <a:t>Does not let bias or knowledge of a subject alter how the article is indexed </a:t>
-            </a:r>
-            <a:br>
-              <a:rPr lang="en-US" sz="2000" dirty="0">
+              <a:t>Automated indexing is currently done by MTIA (MTI-Auto), which is primarily pattern based – it combines </a:t>
+            </a:r>
+            <a:r>
+              <a:rPr lang="en-US" sz="2000" dirty="0" err="1">
                 <a:solidFill>
                   <a:schemeClr val="tx1">
                     <a:lumMod val="75000"/>
@@ -6668,9 +6665,10 @@
                   </a:schemeClr>
                 </a:solidFill>
               </a:rPr>
-            </a:br>
-            <a:r>
-              <a:rPr lang="en-US" sz="2000" i="1" dirty="0">
+              <a:t>MeSH</a:t>
+            </a:r>
+            <a:r>
+              <a:rPr lang="en-US" sz="2000" dirty="0">
                 <a:solidFill>
                   <a:schemeClr val="tx1">
                     <a:lumMod val="75000"/>
@@ -6678,25 +6676,10 @@
                   </a:schemeClr>
                 </a:solidFill>
               </a:rPr>
-              <a:t>index only what the article says</a:t>
-            </a:r>
-            <a:endParaRPr lang="en-US" sz="2000" dirty="0">
-              <a:solidFill>
-                <a:schemeClr val="tx1">
-                  <a:lumMod val="75000"/>
-                  <a:lumOff val="25000"/>
-                </a:schemeClr>
-              </a:solidFill>
-            </a:endParaRPr>
-          </a:p>
-          <a:p>
-            <a:pPr lvl="1">
-              <a:lnSpc>
-                <a:spcPct val="100000"/>
-              </a:lnSpc>
-            </a:pPr>
-            <a:r>
-              <a:rPr lang="en-US" sz="2000" dirty="0">
+              <a:t> terms mapped from the title and abstract with </a:t>
+            </a:r>
+            <a:r>
+              <a:rPr lang="en-US" sz="2000" dirty="0" err="1">
                 <a:solidFill>
                   <a:schemeClr val="tx1">
                     <a:lumMod val="75000"/>
@@ -6704,9 +6687,9 @@
                   </a:schemeClr>
                 </a:solidFill>
               </a:rPr>
-              <a:t>Does not read the article word for word</a:t>
-            </a:r>
-            <a:br>
+              <a:t>MeSH</a:t>
+            </a:r>
+            <a:r>
               <a:rPr lang="en-US" sz="2000" dirty="0">
                 <a:solidFill>
                   <a:schemeClr val="tx1">
@@ -6715,9 +6698,10 @@
                   </a:schemeClr>
                 </a:solidFill>
               </a:rPr>
-            </a:br>
-            <a:r>
-              <a:rPr lang="en-US" sz="2000" i="1" dirty="0">
+              <a:t> terms appearing in the PubMed related records to produce a filtered, ranked list of </a:t>
+            </a:r>
+            <a:r>
+              <a:rPr lang="en-US" sz="2000" dirty="0" err="1">
                 <a:solidFill>
                   <a:schemeClr val="tx1">
                     <a:lumMod val="75000"/>
@@ -6725,23 +6709,8 @@
                   </a:schemeClr>
                 </a:solidFill>
               </a:rPr>
-              <a:t>This takes time and does not always provide better indexing</a:t>
-            </a:r>
-            <a:endParaRPr lang="en-US" sz="2000" dirty="0">
-              <a:solidFill>
-                <a:schemeClr val="tx1">
-                  <a:lumMod val="75000"/>
-                  <a:lumOff val="25000"/>
-                </a:schemeClr>
-              </a:solidFill>
-            </a:endParaRPr>
-          </a:p>
-          <a:p>
-            <a:pPr lvl="1">
-              <a:lnSpc>
-                <a:spcPct val="100000"/>
-              </a:lnSpc>
-            </a:pPr>
+              <a:t>MeSH</a:t>
+            </a:r>
             <a:r>
               <a:rPr lang="en-US" sz="2000" dirty="0">
                 <a:solidFill>
@@ -6751,10 +6720,10 @@
                   </a:schemeClr>
                 </a:solidFill>
               </a:rPr>
-              <a:t>Recognizes the authority of an article, and does not correct any of the assertions made in the article </a:t>
-            </a:r>
-            <a:br>
-              <a:rPr lang="en-US" sz="2000" dirty="0">
+              <a:t> descriptors, supplementary concept records (SCRs), and publication types. Machine learning is currently used for the application of subheadings.  In the future, we will incorporate machine learning for all components of </a:t>
+            </a:r>
+            <a:r>
+              <a:rPr lang="en-US" sz="2000" dirty="0" err="1">
                 <a:solidFill>
                   <a:schemeClr val="tx1">
                     <a:lumMod val="75000"/>
@@ -6762,9 +6731,10 @@
                   </a:schemeClr>
                 </a:solidFill>
               </a:rPr>
-            </a:br>
-            <a:r>
-              <a:rPr lang="en-US" sz="2000" i="1" dirty="0">
+              <a:t>MeSH</a:t>
+            </a:r>
+            <a:r>
+              <a:rPr lang="en-US" sz="2000" dirty="0">
                 <a:solidFill>
                   <a:schemeClr val="tx1">
                     <a:lumMod val="75000"/>
@@ -6772,25 +6742,18 @@
                   </a:schemeClr>
                 </a:solidFill>
               </a:rPr>
-              <a:t>Do not attempt to correct bad science or point out mistakes</a:t>
-            </a:r>
-            <a:endParaRPr lang="en-US" sz="2000" dirty="0">
-              <a:solidFill>
-                <a:schemeClr val="tx1">
-                  <a:lumMod val="75000"/>
-                  <a:lumOff val="25000"/>
-                </a:schemeClr>
-              </a:solidFill>
-            </a:endParaRPr>
-          </a:p>
-          <a:p>
-            <a:pPr lvl="1">
+              <a:t> indexing (descriptors, SCRs, and publication types).</a:t>
+            </a:r>
+          </a:p>
+          <a:p>
+            <a:pPr marL="630238" indent="0">
               <a:lnSpc>
                 <a:spcPct val="100000"/>
               </a:lnSpc>
+              <a:buNone/>
             </a:pPr>
             <a:r>
-              <a:rPr lang="en-US" sz="2000" dirty="0">
+              <a:rPr lang="en-US" sz="2000" dirty="0" smtClean="0">
                 <a:solidFill>
                   <a:schemeClr val="tx1">
                     <a:lumMod val="75000"/>
@@ -6798,10 +6761,10 @@
                   </a:schemeClr>
                 </a:solidFill>
               </a:rPr>
-              <a:t>Describes the concepts in an article using </a:t>
-            </a:r>
-            <a:r>
-              <a:rPr lang="en-US" sz="2000" dirty="0" err="1">
+              <a:t>Human </a:t>
+            </a:r>
+            <a:r>
+              <a:rPr lang="en-US" sz="2000" dirty="0">
                 <a:solidFill>
                   <a:schemeClr val="tx1">
                     <a:lumMod val="75000"/>
@@ -6809,139 +6772,8 @@
                   </a:schemeClr>
                 </a:solidFill>
               </a:rPr>
-              <a:t>MeSH</a:t>
-            </a:r>
-            <a:r>
-              <a:rPr lang="en-US" sz="2000" dirty="0">
-                <a:solidFill>
-                  <a:schemeClr val="tx1">
-                    <a:lumMod val="75000"/>
-                    <a:lumOff val="25000"/>
-                  </a:schemeClr>
-                </a:solidFill>
-              </a:rPr>
-              <a:t> terms </a:t>
-            </a:r>
-            <a:br>
-              <a:rPr lang="en-US" sz="2000" dirty="0">
-                <a:solidFill>
-                  <a:schemeClr val="tx1">
-                    <a:lumMod val="75000"/>
-                    <a:lumOff val="25000"/>
-                  </a:schemeClr>
-                </a:solidFill>
-              </a:rPr>
-            </a:br>
-            <a:r>
-              <a:rPr lang="en-US" sz="2000" i="1" dirty="0">
-                <a:solidFill>
-                  <a:schemeClr val="tx1">
-                    <a:lumMod val="75000"/>
-                    <a:lumOff val="25000"/>
-                  </a:schemeClr>
-                </a:solidFill>
-              </a:rPr>
-              <a:t>Familiarize yourself with the </a:t>
-            </a:r>
-            <a:r>
-              <a:rPr lang="en-US" sz="2000" i="1" dirty="0" err="1">
-                <a:solidFill>
-                  <a:schemeClr val="tx1">
-                    <a:lumMod val="75000"/>
-                    <a:lumOff val="25000"/>
-                  </a:schemeClr>
-                </a:solidFill>
-              </a:rPr>
-              <a:t>MeSH</a:t>
-            </a:r>
-            <a:r>
-              <a:rPr lang="en-US" sz="2000" i="1" dirty="0">
-                <a:solidFill>
-                  <a:schemeClr val="tx1">
-                    <a:lumMod val="75000"/>
-                    <a:lumOff val="25000"/>
-                  </a:schemeClr>
-                </a:solidFill>
-              </a:rPr>
-              <a:t>, be aware of the terms available before you request a new term or use a general term</a:t>
-            </a:r>
-            <a:endParaRPr lang="en-US" sz="2000" dirty="0">
-              <a:solidFill>
-                <a:schemeClr val="tx1">
-                  <a:lumMod val="75000"/>
-                  <a:lumOff val="25000"/>
-                </a:schemeClr>
-              </a:solidFill>
-            </a:endParaRPr>
-          </a:p>
-          <a:p>
-            <a:pPr lvl="1">
-              <a:lnSpc>
-                <a:spcPct val="100000"/>
-              </a:lnSpc>
-            </a:pPr>
-            <a:r>
-              <a:rPr lang="en-US" sz="2000" dirty="0">
-                <a:solidFill>
-                  <a:schemeClr val="tx1">
-                    <a:lumMod val="75000"/>
-                    <a:lumOff val="25000"/>
-                  </a:schemeClr>
-                </a:solidFill>
-              </a:rPr>
-              <a:t>Always indexes using the most specific term</a:t>
-            </a:r>
-            <a:br>
-              <a:rPr lang="en-US" sz="2000" dirty="0">
-                <a:solidFill>
-                  <a:schemeClr val="tx1">
-                    <a:lumMod val="75000"/>
-                    <a:lumOff val="25000"/>
-                  </a:schemeClr>
-                </a:solidFill>
-              </a:rPr>
-            </a:br>
-            <a:r>
-              <a:rPr lang="en-US" sz="2000" i="1" dirty="0">
-                <a:solidFill>
-                  <a:schemeClr val="tx1">
-                    <a:lumMod val="75000"/>
-                    <a:lumOff val="25000"/>
-                  </a:schemeClr>
-                </a:solidFill>
-              </a:rPr>
-              <a:t>Examine the </a:t>
-            </a:r>
-            <a:r>
-              <a:rPr lang="en-US" sz="2000" i="1" dirty="0" err="1">
-                <a:solidFill>
-                  <a:schemeClr val="tx1">
-                    <a:lumMod val="75000"/>
-                    <a:lumOff val="25000"/>
-                  </a:schemeClr>
-                </a:solidFill>
-              </a:rPr>
-              <a:t>MeSH</a:t>
-            </a:r>
-            <a:r>
-              <a:rPr lang="en-US" sz="2000" i="1" dirty="0">
-                <a:solidFill>
-                  <a:schemeClr val="tx1">
-                    <a:lumMod val="75000"/>
-                    <a:lumOff val="25000"/>
-                  </a:schemeClr>
-                </a:solidFill>
-              </a:rPr>
-              <a:t> tree structure to ensure that you are using the most specific term possible </a:t>
-            </a:r>
-            <a:endParaRPr lang="en-US" sz="2000" dirty="0">
-              <a:solidFill>
-                <a:schemeClr val="tx1">
-                  <a:lumMod val="75000"/>
-                  <a:lumOff val="25000"/>
-                </a:schemeClr>
-              </a:solidFill>
-            </a:endParaRPr>
+              <a:t>indexers perform quality assurance review of selected sets of automatically indexed citations, e.g., those involving genes and proteins, cases of known ambiguity, and clinical trials, and curate these citations as needed.  Random sets of citations are also reviewed.</a:t>
+            </a:r>
           </a:p>
         </p:txBody>
       </p:sp>
@@ -6962,7 +6794,7 @@
           <a:p>
             <a:r>
               <a:rPr lang="fr-FR" smtClean="0"/>
-              <a:t>F. Flamerie - Trucs et astuces de PubMed - màj : 2023-11-24</a:t>
+              <a:t>F. Flamerie - Trucs et astuces de PubMed - màj : 2024-04-08</a:t>
             </a:r>
             <a:endParaRPr lang="fr-FR" dirty="0"/>
           </a:p>
@@ -7311,7 +7143,7 @@
           <a:p>
             <a:r>
               <a:rPr lang="fr-FR" smtClean="0"/>
-              <a:t>F. Flamerie - Trucs et astuces de PubMed - màj : 2023-11-24</a:t>
+              <a:t>F. Flamerie - Trucs et astuces de PubMed - màj : 2024-04-08</a:t>
             </a:r>
             <a:endParaRPr lang="fr-FR" dirty="0"/>
           </a:p>
@@ -7410,7 +7242,7 @@
         </p:nvSpPr>
         <p:spPr>
           <a:xfrm>
-            <a:off x="838200" y="999248"/>
+            <a:off x="838200" y="1174582"/>
             <a:ext cx="10515600" cy="5683418"/>
           </a:xfrm>
         </p:spPr>
@@ -7480,41 +7312,19 @@
               <a:rPr lang="fr-FR" sz="1800" dirty="0">
                 <a:hlinkClick r:id="rId2"/>
               </a:rPr>
-              <a:t>https://www.bium.ch/newpubmed/</a:t>
-            </a:r>
-            <a:endParaRPr lang="fr-FR" sz="1800" dirty="0"/>
-          </a:p>
-          <a:p>
-            <a:pPr lvl="1">
-              <a:lnSpc>
-                <a:spcPct val="110000"/>
-              </a:lnSpc>
-            </a:pPr>
-            <a:r>
-              <a:rPr lang="fr-FR" sz="1800" dirty="0"/>
-              <a:t>Nouveau </a:t>
-            </a:r>
-            <a:r>
-              <a:rPr lang="fr-FR" sz="1800" dirty="0" err="1"/>
-              <a:t>Pubmed</a:t>
-            </a:r>
-            <a:r>
-              <a:rPr lang="fr-FR" sz="1800" dirty="0"/>
-              <a:t> : Ce qu’il faut savoir. (2020, septembre 28). </a:t>
-            </a:r>
-            <a:r>
-              <a:rPr lang="fr-FR" sz="1800" i="1" dirty="0"/>
-              <a:t>Le blog actualités de la BIU Santé</a:t>
-            </a:r>
-            <a:r>
-              <a:rPr lang="fr-FR" sz="1800" dirty="0"/>
-              <a:t>. </a:t>
-            </a:r>
-            <a:r>
-              <a:rPr lang="fr-FR" sz="1800" dirty="0">
+              <a:t>https://www.bium.ch/newpubmed</a:t>
+            </a:r>
+            <a:r>
+              <a:rPr lang="fr-FR" sz="1800" dirty="0" smtClean="0">
+                <a:hlinkClick r:id="rId2"/>
+              </a:rPr>
+              <a:t>/</a:t>
+            </a:r>
+            <a:r>
+              <a:rPr lang="fr-FR" sz="1800" dirty="0" smtClean="0">
                 <a:hlinkClick r:id="rId3"/>
               </a:rPr>
-              <a:t>https://www.biusante.parisdescartes.fr/blog/index.php/nouveau-pubmed-ce-quil-faut-savoir/</a:t>
+              <a:t>/</a:t>
             </a:r>
             <a:endParaRPr lang="fr-FR" sz="1800" dirty="0"/>
           </a:p>
@@ -7630,7 +7440,7 @@
           <a:p>
             <a:r>
               <a:rPr lang="fr-FR" smtClean="0"/>
-              <a:t>F. Flamerie - Trucs et astuces de PubMed - màj : 2023-11-24</a:t>
+              <a:t>F. Flamerie - Trucs et astuces de PubMed - màj : 2024-04-08</a:t>
             </a:r>
             <a:endParaRPr lang="fr-FR" dirty="0"/>
           </a:p>
@@ -7791,7 +7601,7 @@
           <a:p>
             <a:r>
               <a:rPr lang="fr-FR" smtClean="0"/>
-              <a:t>F. Flamerie - Trucs et astuces de PubMed - màj : 2023-11-24</a:t>
+              <a:t>F. Flamerie - Trucs et astuces de PubMed - màj : 2024-04-08</a:t>
             </a:r>
             <a:endParaRPr lang="fr-FR" dirty="0"/>
           </a:p>
@@ -8490,7 +8300,7 @@
           <a:p>
             <a:r>
               <a:rPr lang="fr-FR" smtClean="0"/>
-              <a:t>F. Flamerie - Trucs et astuces de PubMed - màj : 2023-11-24</a:t>
+              <a:t>F. Flamerie - Trucs et astuces de PubMed - màj : 2024-04-08</a:t>
             </a:r>
             <a:endParaRPr lang="fr-FR"/>
           </a:p>
@@ -8912,7 +8722,7 @@
           <a:p>
             <a:r>
               <a:rPr lang="fr-FR" smtClean="0"/>
-              <a:t>F. Flamerie - Trucs et astuces de PubMed - màj : 2023-11-24</a:t>
+              <a:t>F. Flamerie - Trucs et astuces de PubMed - màj : 2024-04-08</a:t>
             </a:r>
             <a:endParaRPr lang="fr-FR"/>
           </a:p>
@@ -9518,7 +9328,7 @@
           <a:p>
             <a:r>
               <a:rPr lang="fr-FR" smtClean="0"/>
-              <a:t>F. Flamerie - Trucs et astuces de PubMed - màj : 2023-11-24</a:t>
+              <a:t>F. Flamerie - Trucs et astuces de PubMed - màj : 2024-04-08</a:t>
             </a:r>
             <a:endParaRPr lang="fr-FR" dirty="0"/>
           </a:p>
@@ -9858,7 +9668,7 @@
           <a:p>
             <a:r>
               <a:rPr lang="fr-FR" smtClean="0"/>
-              <a:t>F. Flamerie - Trucs et astuces de PubMed - màj : 2023-11-24</a:t>
+              <a:t>F. Flamerie - Trucs et astuces de PubMed - màj : 2024-04-08</a:t>
             </a:r>
             <a:endParaRPr lang="fr-FR" dirty="0"/>
           </a:p>
@@ -10053,7 +9863,7 @@
           <a:p>
             <a:r>
               <a:rPr lang="fr-FR" smtClean="0"/>
-              <a:t>F. Flamerie - Trucs et astuces de PubMed - màj : 2023-11-24</a:t>
+              <a:t>F. Flamerie - Trucs et astuces de PubMed - màj : 2024-04-08</a:t>
             </a:r>
             <a:endParaRPr lang="fr-FR" dirty="0"/>
           </a:p>
@@ -10327,7 +10137,7 @@
           <a:p>
             <a:r>
               <a:rPr lang="fr-FR" smtClean="0"/>
-              <a:t>F. Flamerie - Trucs et astuces de PubMed - màj : 2023-11-24</a:t>
+              <a:t>F. Flamerie - Trucs et astuces de PubMed - màj : 2024-04-08</a:t>
             </a:r>
             <a:endParaRPr lang="fr-FR" dirty="0"/>
           </a:p>
@@ -11115,7 +10925,12 @@
             <p:ph type="title"/>
           </p:nvPr>
         </p:nvSpPr>
-        <p:spPr/>
+        <p:spPr>
+          <a:xfrm>
+            <a:off x="872971" y="72162"/>
+            <a:ext cx="10515600" cy="1325563"/>
+          </a:xfrm>
+        </p:spPr>
         <p:txBody>
           <a:bodyPr/>
           <a:lstStyle/>
@@ -11153,16 +10968,25 @@
             <p:ph idx="1"/>
           </p:nvPr>
         </p:nvSpPr>
-        <p:spPr/>
+        <p:spPr>
+          <a:xfrm>
+            <a:off x="838200" y="1295062"/>
+            <a:ext cx="10515600" cy="5074096"/>
+          </a:xfrm>
+        </p:spPr>
         <p:txBody>
           <a:bodyPr>
-            <a:normAutofit lnSpcReduction="10000"/>
+            <a:normAutofit/>
           </a:bodyPr>
           <a:lstStyle/>
           <a:p>
             <a:r>
               <a:rPr lang="fr-FR" dirty="0"/>
-              <a:t> Guillemets </a:t>
+              <a:t> </a:t>
+            </a:r>
+            <a:r>
+              <a:rPr lang="fr-FR" dirty="0" smtClean="0"/>
+              <a:t>Guillemets </a:t>
             </a:r>
             <a:r>
               <a:rPr lang="fr-FR" b="1" dirty="0">
@@ -11178,13 +11002,34 @@
             </a:r>
             <a:r>
               <a:rPr lang="fr-FR" dirty="0"/>
-              <a:t>pour rechercher une chaîne de caractère</a:t>
-            </a:r>
-          </a:p>
-          <a:p>
+              <a:t>pour rechercher une </a:t>
+            </a:r>
+            <a:r>
+              <a:rPr lang="fr-FR" dirty="0" smtClean="0"/>
+              <a:t>expression exacte (chaîne </a:t>
+            </a:r>
             <a:r>
               <a:rPr lang="fr-FR" dirty="0"/>
-              <a:t> Troncature </a:t>
+              <a:t>de </a:t>
+            </a:r>
+            <a:r>
+              <a:rPr lang="fr-FR" dirty="0" smtClean="0"/>
+              <a:t>caractères)</a:t>
+            </a:r>
+            <a:endParaRPr lang="fr-FR" dirty="0"/>
+          </a:p>
+          <a:p>
+            <a:r>
+              <a:rPr lang="fr-FR" dirty="0"/>
+              <a:t> </a:t>
+            </a:r>
+            <a:r>
+              <a:rPr lang="fr-FR" dirty="0" smtClean="0"/>
+              <a:t>Caractère de remplacement</a:t>
+            </a:r>
+            <a:r>
+              <a:rPr lang="fr-FR" dirty="0" smtClean="0"/>
+              <a:t> </a:t>
             </a:r>
             <a:r>
               <a:rPr lang="fr-FR" b="1" dirty="0">
@@ -11206,36 +11051,24 @@
               </a:lnSpc>
             </a:pPr>
             <a:r>
-              <a:rPr lang="fr-FR" dirty="0"/>
-              <a:t>Seulement </a:t>
-            </a:r>
-            <a:r>
-              <a:rPr lang="fr-FR" dirty="0">
+              <a:rPr lang="fr-FR" dirty="0" smtClean="0"/>
+              <a:t>Doit être </a:t>
+            </a:r>
+            <a:r>
+              <a:rPr lang="fr-FR" b="1" dirty="0" smtClean="0">
                 <a:solidFill>
                   <a:srgbClr val="009DE0"/>
                 </a:solidFill>
               </a:rPr>
-              <a:t>à droite</a:t>
-            </a:r>
-            <a:r>
-              <a:rPr lang="fr-FR" dirty="0"/>
-              <a:t>, </a:t>
-            </a:r>
-            <a:r>
-              <a:rPr lang="fr-FR" i="1" dirty="0"/>
-              <a:t>i. e. </a:t>
-            </a:r>
-            <a:r>
-              <a:rPr lang="fr-FR" dirty="0"/>
-              <a:t>à la fin d’un mot, elle doit être </a:t>
-            </a:r>
-            <a:r>
-              <a:rPr lang="fr-FR" dirty="0">
+              <a:t>précédé </a:t>
+            </a:r>
+            <a:r>
+              <a:rPr lang="fr-FR" b="1" dirty="0">
                 <a:solidFill>
                   <a:srgbClr val="009DE0"/>
                 </a:solidFill>
               </a:rPr>
-              <a:t>précédée de 4 lettres </a:t>
+              <a:t>de 4 lettres </a:t>
             </a:r>
             <a:r>
               <a:rPr lang="fr-FR" dirty="0"/>
@@ -11249,144 +11082,20 @@
               </a:lnSpc>
             </a:pPr>
             <a:r>
-              <a:rPr lang="fr-FR" dirty="0"/>
-              <a:t>Nouveau </a:t>
-            </a:r>
-            <a:r>
-              <a:rPr lang="fr-FR" dirty="0" err="1"/>
-              <a:t>PubMed</a:t>
-            </a:r>
-            <a:r>
-              <a:rPr lang="fr-FR" dirty="0"/>
-              <a:t> : acceptée dans une </a:t>
-            </a:r>
-            <a:r>
-              <a:rPr lang="fr-FR" dirty="0">
+              <a:rPr lang="fr-FR" dirty="0" smtClean="0"/>
+              <a:t>Peut être positionné à la fin </a:t>
+            </a:r>
+            <a:r>
+              <a:rPr lang="fr-FR" dirty="0" smtClean="0"/>
+              <a:t>d’un mot = </a:t>
+            </a:r>
+            <a:r>
+              <a:rPr lang="fr-FR" b="1" dirty="0">
                 <a:solidFill>
                   <a:srgbClr val="009DE0"/>
                 </a:solidFill>
               </a:rPr>
-              <a:t>expression exacte</a:t>
-            </a:r>
-            <a:r>
-              <a:rPr lang="fr-FR" dirty="0"/>
-              <a:t>, mais seulement à la fin du dernier mot : </a:t>
-            </a:r>
-            <a:r>
-              <a:rPr lang="fr-FR" dirty="0">
-                <a:solidFill>
-                  <a:srgbClr val="009DE0"/>
-                </a:solidFill>
-              </a:rPr>
-              <a:t>"</a:t>
-            </a:r>
-            <a:r>
-              <a:rPr lang="fr-FR" strike="sngStrike" dirty="0" err="1">
-                <a:solidFill>
-                  <a:srgbClr val="009DE0"/>
-                </a:solidFill>
-              </a:rPr>
-              <a:t>determinant</a:t>
-            </a:r>
-            <a:r>
-              <a:rPr lang="fr-FR" strike="sngStrike" dirty="0">
-                <a:solidFill>
-                  <a:srgbClr val="009DE0"/>
-                </a:solidFill>
-              </a:rPr>
-              <a:t>* of </a:t>
-            </a:r>
-            <a:r>
-              <a:rPr lang="fr-FR" strike="sngStrike" dirty="0" err="1">
-                <a:solidFill>
-                  <a:srgbClr val="009DE0"/>
-                </a:solidFill>
-              </a:rPr>
-              <a:t>health</a:t>
-            </a:r>
-            <a:r>
-              <a:rPr lang="fr-FR" dirty="0">
-                <a:solidFill>
-                  <a:srgbClr val="009DE0"/>
-                </a:solidFill>
-              </a:rPr>
-              <a:t>" </a:t>
-            </a:r>
-            <a:r>
-              <a:rPr lang="fr-FR" dirty="0"/>
-              <a:t>à remplacer par </a:t>
-            </a:r>
-            <a:r>
-              <a:rPr lang="fr-FR" dirty="0">
-                <a:solidFill>
-                  <a:srgbClr val="009DE0"/>
-                </a:solidFill>
-              </a:rPr>
-              <a:t>"</a:t>
-            </a:r>
-            <a:r>
-              <a:rPr lang="fr-FR" dirty="0" err="1">
-                <a:solidFill>
-                  <a:srgbClr val="009DE0"/>
-                </a:solidFill>
-              </a:rPr>
-              <a:t>determinant</a:t>
-            </a:r>
-            <a:r>
-              <a:rPr lang="fr-FR" dirty="0">
-                <a:solidFill>
-                  <a:srgbClr val="009DE0"/>
-                </a:solidFill>
-              </a:rPr>
-              <a:t> of </a:t>
-            </a:r>
-            <a:r>
-              <a:rPr lang="fr-FR" dirty="0" err="1">
-                <a:solidFill>
-                  <a:srgbClr val="009DE0"/>
-                </a:solidFill>
-              </a:rPr>
-              <a:t>health</a:t>
-            </a:r>
-            <a:r>
-              <a:rPr lang="fr-FR" dirty="0">
-                <a:solidFill>
-                  <a:srgbClr val="009DE0"/>
-                </a:solidFill>
-              </a:rPr>
-              <a:t>" OR "</a:t>
-            </a:r>
-            <a:r>
-              <a:rPr lang="fr-FR" dirty="0" err="1">
-                <a:solidFill>
-                  <a:srgbClr val="009DE0"/>
-                </a:solidFill>
-              </a:rPr>
-              <a:t>determinants</a:t>
-            </a:r>
-            <a:r>
-              <a:rPr lang="fr-FR" dirty="0">
-                <a:solidFill>
-                  <a:srgbClr val="009DE0"/>
-                </a:solidFill>
-              </a:rPr>
-              <a:t> of </a:t>
-            </a:r>
-            <a:r>
-              <a:rPr lang="fr-FR" dirty="0" err="1">
-                <a:solidFill>
-                  <a:srgbClr val="009DE0"/>
-                </a:solidFill>
-              </a:rPr>
-              <a:t>health</a:t>
-            </a:r>
-            <a:r>
-              <a:rPr lang="fr-FR" dirty="0">
-                <a:solidFill>
-                  <a:srgbClr val="009DE0"/>
-                </a:solidFill>
-              </a:rPr>
-              <a:t>" </a:t>
+              <a:t>troncature</a:t>
             </a:r>
           </a:p>
           <a:p>
@@ -11396,16 +11105,27 @@
               </a:lnSpc>
             </a:pPr>
             <a:r>
+              <a:rPr lang="fr-FR" dirty="0" smtClean="0"/>
+              <a:t>Peut être positionné au milieu </a:t>
+            </a:r>
+            <a:r>
               <a:rPr lang="fr-FR" dirty="0"/>
-              <a:t>Nouveau </a:t>
-            </a:r>
-            <a:r>
-              <a:rPr lang="fr-FR" dirty="0" err="1"/>
-              <a:t>PubMed</a:t>
-            </a:r>
-            <a:r>
-              <a:rPr lang="fr-FR" dirty="0"/>
-              <a:t> : plus de limitations dans le nombre de variantes retrouvées (600 auparavant)</a:t>
+              <a:t>d’un </a:t>
+            </a:r>
+            <a:r>
+              <a:rPr lang="fr-FR" dirty="0" smtClean="0"/>
+              <a:t>mot</a:t>
+            </a:r>
+          </a:p>
+          <a:p>
+            <a:pPr lvl="2">
+              <a:lnSpc>
+                <a:spcPct val="100000"/>
+              </a:lnSpc>
+            </a:pPr>
+            <a:r>
+              <a:rPr lang="fr-FR" b="1" dirty="0" smtClean="0"/>
+              <a:t>colo*r</a:t>
             </a:r>
           </a:p>
           <a:p>
@@ -11416,16 +11136,71 @@
             </a:pPr>
             <a:r>
               <a:rPr lang="fr-FR" dirty="0"/>
-              <a:t>Nouveau </a:t>
-            </a:r>
-            <a:r>
-              <a:rPr lang="fr-FR" dirty="0" err="1"/>
-              <a:t>PubMed</a:t>
-            </a:r>
-            <a:r>
-              <a:rPr lang="fr-FR" dirty="0"/>
-              <a:t> : les variations retrouvées ne sont plus affichées dans les détails de la recherche</a:t>
-            </a:r>
+              <a:t>Peut être utilisé </a:t>
+            </a:r>
+            <a:r>
+              <a:rPr lang="fr-FR" dirty="0" smtClean="0"/>
+              <a:t>dans une expression exacte </a:t>
+            </a:r>
+          </a:p>
+          <a:p>
+            <a:pPr lvl="2">
+              <a:lnSpc>
+                <a:spcPct val="100000"/>
+              </a:lnSpc>
+            </a:pPr>
+            <a:r>
+              <a:rPr lang="fr-FR" b="1" dirty="0" smtClean="0"/>
+              <a:t>"vaccin</a:t>
+            </a:r>
+            <a:r>
+              <a:rPr lang="fr-FR" b="1" dirty="0"/>
+              <a:t>* </a:t>
+            </a:r>
+            <a:r>
+              <a:rPr lang="fr-FR" b="1" dirty="0" err="1"/>
+              <a:t>schedul</a:t>
+            </a:r>
+            <a:r>
+              <a:rPr lang="fr-FR" b="1" dirty="0"/>
+              <a:t>*"</a:t>
+            </a:r>
+            <a:endParaRPr lang="fr-FR" b="1" dirty="0" smtClean="0"/>
+          </a:p>
+          <a:p>
+            <a:pPr lvl="1">
+              <a:lnSpc>
+                <a:spcPct val="100000"/>
+              </a:lnSpc>
+            </a:pPr>
+            <a:r>
+              <a:rPr lang="fr-FR" dirty="0" smtClean="0"/>
+              <a:t>Un même mot peut inclure plusieurs caractères de remplacements</a:t>
+            </a:r>
+          </a:p>
+          <a:p>
+            <a:pPr lvl="2">
+              <a:lnSpc>
+                <a:spcPct val="100000"/>
+              </a:lnSpc>
+            </a:pPr>
+            <a:r>
+              <a:rPr lang="fr-FR" b="1" dirty="0" err="1" smtClean="0"/>
+              <a:t>organi</a:t>
+            </a:r>
+            <a:r>
+              <a:rPr lang="fr-FR" b="1" dirty="0" smtClean="0"/>
+              <a:t>*</a:t>
+            </a:r>
+            <a:r>
+              <a:rPr lang="fr-FR" b="1" dirty="0" err="1" smtClean="0"/>
+              <a:t>ation</a:t>
+            </a:r>
+            <a:r>
+              <a:rPr lang="fr-FR" b="1" dirty="0"/>
+              <a:t>*</a:t>
+            </a:r>
+            <a:endParaRPr lang="fr-FR" b="1" dirty="0" smtClean="0"/>
           </a:p>
           <a:p>
             <a:pPr lvl="1"/>
@@ -11464,7 +11239,7 @@
             </a:pPr>
             <a:r>
               <a:rPr lang="fr-FR" smtClean="0"/>
-              <a:t>F. Flamerie - Trucs et astuces de PubMed - màj : 2023-11-24</a:t>
+              <a:t>F. Flamerie - Trucs et astuces de PubMed - màj : 2024-04-08</a:t>
             </a:r>
             <a:endParaRPr lang="fr-FR" dirty="0"/>
           </a:p>
@@ -11620,7 +11395,7 @@
           <a:p>
             <a:r>
               <a:rPr lang="fr-FR" smtClean="0"/>
-              <a:t>F. Flamerie - Trucs et astuces de PubMed - màj : 2023-11-24</a:t>
+              <a:t>F. Flamerie - Trucs et astuces de PubMed - màj : 2024-04-08</a:t>
             </a:r>
             <a:endParaRPr lang="fr-FR" dirty="0"/>
           </a:p>
@@ -12525,7 +12300,7 @@
           <a:p>
             <a:r>
               <a:rPr lang="fr-FR" smtClean="0"/>
-              <a:t>F. Flamerie - Trucs et astuces de PubMed - màj : 2023-11-24</a:t>
+              <a:t>F. Flamerie - Trucs et astuces de PubMed - màj : 2024-04-08</a:t>
             </a:r>
             <a:endParaRPr lang="fr-FR" dirty="0"/>
           </a:p>
@@ -13467,7 +13242,7 @@
             </a:pPr>
             <a:r>
               <a:rPr lang="fr-FR" smtClean="0"/>
-              <a:t>F. Flamerie - Trucs et astuces de PubMed - màj : 2023-11-24</a:t>
+              <a:t>F. Flamerie - Trucs et astuces de PubMed - màj : 2024-04-08</a:t>
             </a:r>
             <a:endParaRPr lang="fr-FR" dirty="0"/>
           </a:p>
@@ -13962,7 +13737,7 @@
           <a:p>
             <a:r>
               <a:rPr lang="fr-FR" smtClean="0"/>
-              <a:t>F. Flamerie - Trucs et astuces de PubMed - màj : 2023-11-24</a:t>
+              <a:t>F. Flamerie - Trucs et astuces de PubMed - màj : 2024-04-08</a:t>
             </a:r>
             <a:endParaRPr lang="fr-FR" dirty="0"/>
           </a:p>
@@ -14643,7 +14418,7 @@
           <a:p>
             <a:r>
               <a:rPr lang="fr-FR" smtClean="0"/>
-              <a:t>F. Flamerie - Trucs et astuces de PubMed - màj : 2023-11-24</a:t>
+              <a:t>F. Flamerie - Trucs et astuces de PubMed - màj : 2024-04-08</a:t>
             </a:r>
             <a:endParaRPr lang="fr-FR" dirty="0"/>
           </a:p>
@@ -15164,7 +14939,7 @@
             </a:pPr>
             <a:r>
               <a:rPr lang="fr-FR" smtClean="0"/>
-              <a:t>F. Flamerie - Trucs et astuces de PubMed - màj : 2023-11-24</a:t>
+              <a:t>F. Flamerie - Trucs et astuces de PubMed - màj : 2024-04-08</a:t>
             </a:r>
             <a:endParaRPr lang="fr-FR" dirty="0"/>
           </a:p>
@@ -15296,7 +15071,7 @@
           <a:p>
             <a:r>
               <a:rPr lang="fr-FR" smtClean="0"/>
-              <a:t>F. Flamerie - Trucs et astuces de PubMed - màj : 2023-11-24</a:t>
+              <a:t>F. Flamerie - Trucs et astuces de PubMed - màj : 2024-04-08</a:t>
             </a:r>
             <a:endParaRPr lang="fr-FR" dirty="0"/>
           </a:p>
@@ -15886,7 +15661,7 @@
         <p:spPr/>
         <p:txBody>
           <a:bodyPr>
-            <a:normAutofit fontScale="92500" lnSpcReduction="20000"/>
+            <a:normAutofit/>
           </a:bodyPr>
           <a:lstStyle/>
           <a:p>
@@ -15943,21 +15718,6 @@
               <a:rPr lang="fr-FR" dirty="0"/>
               <a:t> Analyzer</a:t>
             </a:r>
-          </a:p>
-          <a:p>
-            <a:r>
-              <a:rPr lang="fr-FR" dirty="0" err="1"/>
-              <a:t>EEEvis</a:t>
-            </a:r>
-            <a:r>
-              <a:rPr lang="fr-FR" dirty="0"/>
-              <a:t> </a:t>
-            </a:r>
-            <a:r>
-              <a:rPr lang="en-US" dirty="0"/>
-              <a:t>(Easy and Efficient Evidence visual analytics)</a:t>
-            </a:r>
-            <a:endParaRPr lang="fr-FR" dirty="0"/>
           </a:p>
           <a:p>
             <a:endParaRPr lang="fr-FR" dirty="0"/>
@@ -15981,7 +15741,7 @@
           <a:p>
             <a:r>
               <a:rPr lang="fr-FR" smtClean="0"/>
-              <a:t>F. Flamerie - Trucs et astuces de PubMed - màj : 2023-11-24</a:t>
+              <a:t>F. Flamerie - Trucs et astuces de PubMed - màj : 2024-04-08</a:t>
             </a:r>
             <a:endParaRPr lang="fr-FR" dirty="0"/>
           </a:p>
@@ -16579,7 +16339,7 @@
           <a:p>
             <a:r>
               <a:rPr lang="fr-FR" smtClean="0"/>
-              <a:t>F. Flamerie - Trucs et astuces de PubMed - màj : 2023-11-24</a:t>
+              <a:t>F. Flamerie - Trucs et astuces de PubMed - màj : 2024-04-08</a:t>
             </a:r>
             <a:endParaRPr lang="fr-FR" dirty="0"/>
           </a:p>
@@ -17427,7 +17187,7 @@
           <a:p>
             <a:r>
               <a:rPr lang="fr-FR" smtClean="0"/>
-              <a:t>F. Flamerie - Trucs et astuces de PubMed - màj : 2023-11-24</a:t>
+              <a:t>F. Flamerie - Trucs et astuces de PubMed - màj : 2024-04-08</a:t>
             </a:r>
             <a:endParaRPr lang="fr-FR" dirty="0"/>
           </a:p>
@@ -17757,7 +17517,7 @@
           <a:p>
             <a:r>
               <a:rPr lang="fr-FR" smtClean="0"/>
-              <a:t>F. Flamerie - Trucs et astuces de PubMed - màj : 2023-11-24</a:t>
+              <a:t>F. Flamerie - Trucs et astuces de PubMed - màj : 2024-04-08</a:t>
             </a:r>
             <a:endParaRPr lang="fr-FR" dirty="0"/>
           </a:p>
@@ -18664,7 +18424,7 @@
           <a:p>
             <a:r>
               <a:rPr lang="fr-FR" smtClean="0"/>
-              <a:t>F. Flamerie - Trucs et astuces de PubMed - màj : 2023-11-24</a:t>
+              <a:t>F. Flamerie - Trucs et astuces de PubMed - màj : 2024-04-08</a:t>
             </a:r>
             <a:endParaRPr lang="fr-FR" dirty="0"/>
           </a:p>
@@ -19185,7 +18945,7 @@
           <a:p>
             <a:r>
               <a:rPr lang="fr-FR" smtClean="0"/>
-              <a:t>F. Flamerie - Trucs et astuces de PubMed - màj : 2023-11-24</a:t>
+              <a:t>F. Flamerie - Trucs et astuces de PubMed - màj : 2024-04-08</a:t>
             </a:r>
             <a:endParaRPr lang="fr-FR"/>
           </a:p>
@@ -19296,7 +19056,7 @@
           <a:p>
             <a:r>
               <a:rPr lang="fr-FR" smtClean="0"/>
-              <a:t>F. Flamerie - Trucs et astuces de PubMed - màj : 2023-11-24</a:t>
+              <a:t>F. Flamerie - Trucs et astuces de PubMed - màj : 2024-04-08</a:t>
             </a:r>
             <a:endParaRPr lang="fr-FR"/>
           </a:p>
@@ -19503,7 +19263,7 @@
       </p:grpSpPr>
       <p:sp>
         <p:nvSpPr>
-          <p:cNvPr id="6" name="Titre 5"/>
+          <p:cNvPr id="2" name="Titre 1"/>
           <p:cNvSpPr>
             <a:spLocks noGrp="1"/>
           </p:cNvSpPr>
@@ -19511,132 +19271,42 @@
             <p:ph type="title"/>
           </p:nvPr>
         </p:nvSpPr>
-        <p:spPr>
-          <a:xfrm>
-            <a:off x="712807" y="136186"/>
-            <a:ext cx="10515600" cy="1325563"/>
-          </a:xfrm>
-        </p:spPr>
+        <p:spPr/>
         <p:txBody>
           <a:bodyPr/>
           <a:lstStyle/>
           <a:p>
             <a:r>
-              <a:rPr lang="en-US" dirty="0" err="1"/>
-              <a:t>EEEvis</a:t>
-            </a:r>
-            <a:r>
-              <a:rPr lang="en-US" dirty="0"/>
-              <a:t> (Easy and Efficient Evidence visual analytics)</a:t>
-            </a:r>
-          </a:p>
-        </p:txBody>
-      </p:sp>
-      <p:sp>
-        <p:nvSpPr>
-          <p:cNvPr id="7" name="Espace réservé du contenu 6"/>
+              <a:rPr lang="fr-FR" dirty="0"/>
+              <a:t>Merci pour votre attention</a:t>
+            </a:r>
+          </a:p>
+        </p:txBody>
+      </p:sp>
+      <p:sp>
+        <p:nvSpPr>
+          <p:cNvPr id="3" name="Espace réservé du contenu 2"/>
           <p:cNvSpPr>
             <a:spLocks noGrp="1"/>
           </p:cNvSpPr>
           <p:nvPr>
-            <p:ph idx="1"/>
+            <p:ph type="body" idx="1"/>
           </p:nvPr>
         </p:nvSpPr>
-        <p:spPr>
-          <a:xfrm>
-            <a:off x="568959" y="3093283"/>
-            <a:ext cx="11479605" cy="6250715"/>
-          </a:xfrm>
-        </p:spPr>
-        <p:txBody>
-          <a:bodyPr>
-            <a:normAutofit/>
-          </a:bodyPr>
+        <p:spPr/>
+        <p:txBody>
+          <a:bodyPr/>
           <a:lstStyle/>
           <a:p>
-            <a:pPr>
-              <a:lnSpc>
-                <a:spcPct val="110000"/>
-              </a:lnSpc>
-            </a:pPr>
             <a:r>
               <a:rPr lang="fr-FR" dirty="0"/>
-              <a:t> Interface d’interrogation simple dans </a:t>
-            </a:r>
-            <a:r>
-              <a:rPr lang="fr-FR" dirty="0" err="1"/>
-              <a:t>PubMed</a:t>
-            </a:r>
+              <a:t> Des questions?</a:t>
+            </a:r>
+          </a:p>
+          <a:p>
             <a:r>
               <a:rPr lang="fr-FR" dirty="0"/>
-              <a:t> : </a:t>
-            </a:r>
-            <a:r>
-              <a:rPr lang="fr-FR" dirty="0">
-                <a:hlinkClick r:id="rId2"/>
-              </a:rPr>
-              <a:t>https://www.EEEvis.com</a:t>
-            </a:r>
-            <a:r>
-              <a:rPr lang="fr-FR" dirty="0"/>
-              <a:t> </a:t>
-            </a:r>
-          </a:p>
-          <a:p>
-            <a:pPr>
-              <a:lnSpc>
-                <a:spcPct val="110000"/>
-              </a:lnSpc>
-            </a:pPr>
-            <a:r>
-              <a:rPr lang="fr-FR" dirty="0"/>
-              <a:t> Résultats annotés avec </a:t>
-            </a:r>
-          </a:p>
-          <a:p>
-            <a:pPr lvl="1">
-              <a:lnSpc>
-                <a:spcPct val="110000"/>
-              </a:lnSpc>
-            </a:pPr>
-            <a:r>
-              <a:rPr lang="fr-FR" dirty="0"/>
-              <a:t>des données de citation : </a:t>
-            </a:r>
-            <a:r>
-              <a:rPr lang="fr-FR" dirty="0" err="1"/>
-              <a:t>nbre</a:t>
-            </a:r>
-            <a:r>
-              <a:rPr lang="fr-FR" dirty="0"/>
-              <a:t> de citations par article + facteur d’impact de la </a:t>
-            </a:r>
-            <a:r>
-              <a:rPr lang="fr-FR" dirty="0" smtClean="0"/>
-              <a:t>revue </a:t>
-            </a:r>
-            <a:endParaRPr lang="fr-FR" dirty="0"/>
-          </a:p>
-          <a:p>
-            <a:pPr lvl="1">
-              <a:lnSpc>
-                <a:spcPct val="110000"/>
-              </a:lnSpc>
-            </a:pPr>
-            <a:r>
-              <a:rPr lang="fr-FR" dirty="0"/>
-              <a:t>des concepts biomédicaux</a:t>
-            </a:r>
-          </a:p>
-          <a:p>
-            <a:pPr>
-              <a:lnSpc>
-                <a:spcPct val="110000"/>
-              </a:lnSpc>
-            </a:pPr>
-            <a:r>
-              <a:rPr lang="fr-FR" dirty="0"/>
-              <a:t> Interface de visualisation, incluant une vue des réseaux de co-auteurs</a:t>
+              <a:t> Contact : doc.isped@u-bordeaux.fr</a:t>
             </a:r>
           </a:p>
         </p:txBody>
@@ -19658,9 +19328,9 @@
           <a:p>
             <a:r>
               <a:rPr lang="fr-FR" smtClean="0"/>
-              <a:t>F. Flamerie - Trucs et astuces de PubMed - màj : 2023-11-24</a:t>
-            </a:r>
-            <a:endParaRPr lang="fr-FR"/>
+              <a:t>F. Flamerie - Trucs et astuces de PubMed - màj : 2024-04-08</a:t>
+            </a:r>
+            <a:endParaRPr lang="fr-FR" dirty="0"/>
           </a:p>
         </p:txBody>
       </p:sp>
@@ -19681,2583 +19351,8 @@
           <a:p>
             <a:fld id="{99E13252-68E5-4994-B57B-B03F39B52C7D}" type="slidenum">
               <a:rPr lang="fr-FR" smtClean="0"/>
+              <a:pPr/>
               <a:t>37</a:t>
-            </a:fld>
-            <a:endParaRPr lang="fr-FR"/>
-          </a:p>
-        </p:txBody>
-      </p:sp>
-      <p:sp>
-        <p:nvSpPr>
-          <p:cNvPr id="2" name="Rectangle 1"/>
-          <p:cNvSpPr/>
-          <p:nvPr/>
-        </p:nvSpPr>
-        <p:spPr>
-          <a:xfrm>
-            <a:off x="712807" y="1537460"/>
-            <a:ext cx="10850302" cy="1200329"/>
-          </a:xfrm>
-          <a:prstGeom prst="rect">
-            <a:avLst/>
-          </a:prstGeom>
-        </p:spPr>
-        <p:txBody>
-          <a:bodyPr wrap="square">
-            <a:spAutoFit/>
-          </a:bodyPr>
-          <a:lstStyle/>
-          <a:p>
-            <a:r>
-              <a:rPr lang="fr-FR" dirty="0">
-                <a:solidFill>
-                  <a:schemeClr val="tx1">
-                    <a:lumMod val="65000"/>
-                    <a:lumOff val="35000"/>
-                  </a:schemeClr>
-                </a:solidFill>
-                <a:latin typeface="Corbel" panose="020B0503020204020204" pitchFamily="34" charset="0"/>
-              </a:rPr>
-              <a:t>Lee, J.-C., Lee, B. J., Park, C., Song, H., </a:t>
-            </a:r>
-            <a:r>
-              <a:rPr lang="fr-FR" dirty="0" err="1">
-                <a:solidFill>
-                  <a:schemeClr val="tx1">
-                    <a:lumMod val="65000"/>
-                    <a:lumOff val="35000"/>
-                  </a:schemeClr>
-                </a:solidFill>
-                <a:latin typeface="Corbel" panose="020B0503020204020204" pitchFamily="34" charset="0"/>
-              </a:rPr>
-              <a:t>Ock</a:t>
-            </a:r>
-            <a:r>
-              <a:rPr lang="fr-FR" dirty="0">
-                <a:solidFill>
-                  <a:schemeClr val="tx1">
-                    <a:lumMod val="65000"/>
-                    <a:lumOff val="35000"/>
-                  </a:schemeClr>
-                </a:solidFill>
-                <a:latin typeface="Corbel" panose="020B0503020204020204" pitchFamily="34" charset="0"/>
-              </a:rPr>
-              <a:t>, C.-Y., Sung, H., </a:t>
-            </a:r>
-            <a:r>
-              <a:rPr lang="fr-FR" dirty="0" err="1">
-                <a:solidFill>
-                  <a:schemeClr val="tx1">
-                    <a:lumMod val="65000"/>
-                    <a:lumOff val="35000"/>
-                  </a:schemeClr>
-                </a:solidFill>
-                <a:latin typeface="Corbel" panose="020B0503020204020204" pitchFamily="34" charset="0"/>
-              </a:rPr>
-              <a:t>Woo</a:t>
-            </a:r>
-            <a:r>
-              <a:rPr lang="fr-FR" dirty="0">
-                <a:solidFill>
-                  <a:schemeClr val="tx1">
-                    <a:lumMod val="65000"/>
-                    <a:lumOff val="35000"/>
-                  </a:schemeClr>
-                </a:solidFill>
-                <a:latin typeface="Corbel" panose="020B0503020204020204" pitchFamily="34" charset="0"/>
-              </a:rPr>
-              <a:t>, S., </a:t>
-            </a:r>
-            <a:r>
-              <a:rPr lang="fr-FR" dirty="0" err="1">
-                <a:solidFill>
-                  <a:schemeClr val="tx1">
-                    <a:lumMod val="65000"/>
-                    <a:lumOff val="35000"/>
-                  </a:schemeClr>
-                </a:solidFill>
-                <a:latin typeface="Corbel" panose="020B0503020204020204" pitchFamily="34" charset="0"/>
-              </a:rPr>
-              <a:t>Youn</a:t>
-            </a:r>
-            <a:r>
-              <a:rPr lang="fr-FR" dirty="0">
-                <a:solidFill>
-                  <a:schemeClr val="tx1">
-                    <a:lumMod val="65000"/>
-                    <a:lumOff val="35000"/>
-                  </a:schemeClr>
-                </a:solidFill>
-                <a:latin typeface="Corbel" panose="020B0503020204020204" pitchFamily="34" charset="0"/>
-              </a:rPr>
-              <a:t>, Y., Jung, K., Jung, J. H., </a:t>
-            </a:r>
-            <a:r>
-              <a:rPr lang="fr-FR" dirty="0" err="1">
-                <a:solidFill>
-                  <a:schemeClr val="tx1">
-                    <a:lumMod val="65000"/>
-                    <a:lumOff val="35000"/>
-                  </a:schemeClr>
-                </a:solidFill>
-                <a:latin typeface="Corbel" panose="020B0503020204020204" pitchFamily="34" charset="0"/>
-              </a:rPr>
-              <a:t>Ahn</a:t>
-            </a:r>
-            <a:r>
-              <a:rPr lang="fr-FR" dirty="0">
-                <a:solidFill>
-                  <a:schemeClr val="tx1">
-                    <a:lumMod val="65000"/>
-                    <a:lumOff val="35000"/>
-                  </a:schemeClr>
-                </a:solidFill>
-                <a:latin typeface="Corbel" panose="020B0503020204020204" pitchFamily="34" charset="0"/>
-              </a:rPr>
-              <a:t>, J., Kim, B., Kim, J., </a:t>
-            </a:r>
-            <a:r>
-              <a:rPr lang="fr-FR" dirty="0" err="1">
-                <a:solidFill>
-                  <a:schemeClr val="tx1">
-                    <a:lumMod val="65000"/>
-                    <a:lumOff val="35000"/>
-                  </a:schemeClr>
-                </a:solidFill>
-                <a:latin typeface="Corbel" panose="020B0503020204020204" pitchFamily="34" charset="0"/>
-              </a:rPr>
-              <a:t>Seo</a:t>
-            </a:r>
-            <a:r>
-              <a:rPr lang="fr-FR" dirty="0">
-                <a:solidFill>
-                  <a:schemeClr val="tx1">
-                    <a:lumMod val="65000"/>
-                    <a:lumOff val="35000"/>
-                  </a:schemeClr>
-                </a:solidFill>
-                <a:latin typeface="Corbel" panose="020B0503020204020204" pitchFamily="34" charset="0"/>
-              </a:rPr>
-              <a:t>, J., &amp; </a:t>
-            </a:r>
-            <a:r>
-              <a:rPr lang="fr-FR" dirty="0" err="1">
-                <a:solidFill>
-                  <a:schemeClr val="tx1">
-                    <a:lumMod val="65000"/>
-                    <a:lumOff val="35000"/>
-                  </a:schemeClr>
-                </a:solidFill>
-                <a:latin typeface="Corbel" panose="020B0503020204020204" pitchFamily="34" charset="0"/>
-              </a:rPr>
-              <a:t>Hwang</a:t>
-            </a:r>
-            <a:r>
-              <a:rPr lang="fr-FR" dirty="0">
-                <a:solidFill>
-                  <a:schemeClr val="tx1">
-                    <a:lumMod val="65000"/>
-                    <a:lumOff val="35000"/>
-                  </a:schemeClr>
-                </a:solidFill>
-                <a:latin typeface="Corbel" panose="020B0503020204020204" pitchFamily="34" charset="0"/>
-              </a:rPr>
-              <a:t>, J.-H. (2023). </a:t>
-            </a:r>
-            <a:r>
-              <a:rPr lang="fr-FR" dirty="0" err="1">
-                <a:solidFill>
-                  <a:schemeClr val="tx1">
-                    <a:lumMod val="65000"/>
-                    <a:lumOff val="35000"/>
-                  </a:schemeClr>
-                </a:solidFill>
-                <a:latin typeface="Corbel" panose="020B0503020204020204" pitchFamily="34" charset="0"/>
-              </a:rPr>
-              <a:t>Efficacy</a:t>
-            </a:r>
-            <a:r>
-              <a:rPr lang="fr-FR" dirty="0">
-                <a:solidFill>
-                  <a:schemeClr val="tx1">
-                    <a:lumMod val="65000"/>
-                    <a:lumOff val="35000"/>
-                  </a:schemeClr>
-                </a:solidFill>
-                <a:latin typeface="Corbel" panose="020B0503020204020204" pitchFamily="34" charset="0"/>
-              </a:rPr>
-              <a:t> </a:t>
-            </a:r>
-            <a:r>
-              <a:rPr lang="fr-FR" dirty="0" err="1">
-                <a:solidFill>
-                  <a:schemeClr val="tx1">
-                    <a:lumMod val="65000"/>
-                    <a:lumOff val="35000"/>
-                  </a:schemeClr>
-                </a:solidFill>
-                <a:latin typeface="Corbel" panose="020B0503020204020204" pitchFamily="34" charset="0"/>
-              </a:rPr>
-              <a:t>improvement</a:t>
-            </a:r>
-            <a:r>
-              <a:rPr lang="fr-FR" dirty="0">
-                <a:solidFill>
-                  <a:schemeClr val="tx1">
-                    <a:lumMod val="65000"/>
-                    <a:lumOff val="35000"/>
-                  </a:schemeClr>
-                </a:solidFill>
-                <a:latin typeface="Corbel" panose="020B0503020204020204" pitchFamily="34" charset="0"/>
-              </a:rPr>
-              <a:t> in </a:t>
-            </a:r>
-            <a:r>
-              <a:rPr lang="fr-FR" dirty="0" err="1">
-                <a:solidFill>
-                  <a:schemeClr val="tx1">
-                    <a:lumMod val="65000"/>
-                    <a:lumOff val="35000"/>
-                  </a:schemeClr>
-                </a:solidFill>
-                <a:latin typeface="Corbel" panose="020B0503020204020204" pitchFamily="34" charset="0"/>
-              </a:rPr>
-              <a:t>searching</a:t>
-            </a:r>
-            <a:r>
-              <a:rPr lang="fr-FR" dirty="0">
-                <a:solidFill>
-                  <a:schemeClr val="tx1">
-                    <a:lumMod val="65000"/>
-                    <a:lumOff val="35000"/>
-                  </a:schemeClr>
-                </a:solidFill>
-                <a:latin typeface="Corbel" panose="020B0503020204020204" pitchFamily="34" charset="0"/>
-              </a:rPr>
-              <a:t> MEDLINE </a:t>
-            </a:r>
-            <a:r>
-              <a:rPr lang="fr-FR" dirty="0" err="1">
-                <a:solidFill>
-                  <a:schemeClr val="tx1">
-                    <a:lumMod val="65000"/>
-                    <a:lumOff val="35000"/>
-                  </a:schemeClr>
-                </a:solidFill>
-                <a:latin typeface="Corbel" panose="020B0503020204020204" pitchFamily="34" charset="0"/>
-              </a:rPr>
-              <a:t>database</a:t>
-            </a:r>
-            <a:r>
-              <a:rPr lang="fr-FR" dirty="0">
-                <a:solidFill>
-                  <a:schemeClr val="tx1">
-                    <a:lumMod val="65000"/>
-                    <a:lumOff val="35000"/>
-                  </a:schemeClr>
-                </a:solidFill>
-                <a:latin typeface="Corbel" panose="020B0503020204020204" pitchFamily="34" charset="0"/>
-              </a:rPr>
-              <a:t> </a:t>
-            </a:r>
-            <a:r>
-              <a:rPr lang="fr-FR" dirty="0" err="1">
-                <a:solidFill>
-                  <a:schemeClr val="tx1">
-                    <a:lumMod val="65000"/>
-                    <a:lumOff val="35000"/>
-                  </a:schemeClr>
-                </a:solidFill>
-                <a:latin typeface="Corbel" panose="020B0503020204020204" pitchFamily="34" charset="0"/>
-              </a:rPr>
-              <a:t>using</a:t>
-            </a:r>
-            <a:r>
-              <a:rPr lang="fr-FR" dirty="0">
-                <a:solidFill>
-                  <a:schemeClr val="tx1">
-                    <a:lumMod val="65000"/>
-                    <a:lumOff val="35000"/>
-                  </a:schemeClr>
-                </a:solidFill>
-                <a:latin typeface="Corbel" panose="020B0503020204020204" pitchFamily="34" charset="0"/>
-              </a:rPr>
-              <a:t> a </a:t>
-            </a:r>
-            <a:r>
-              <a:rPr lang="fr-FR" dirty="0" err="1">
-                <a:solidFill>
-                  <a:schemeClr val="tx1">
-                    <a:lumMod val="65000"/>
-                    <a:lumOff val="35000"/>
-                  </a:schemeClr>
-                </a:solidFill>
-                <a:latin typeface="Corbel" panose="020B0503020204020204" pitchFamily="34" charset="0"/>
-              </a:rPr>
-              <a:t>novel</a:t>
-            </a:r>
-            <a:r>
-              <a:rPr lang="fr-FR" dirty="0">
-                <a:solidFill>
-                  <a:schemeClr val="tx1">
-                    <a:lumMod val="65000"/>
-                    <a:lumOff val="35000"/>
-                  </a:schemeClr>
-                </a:solidFill>
-                <a:latin typeface="Corbel" panose="020B0503020204020204" pitchFamily="34" charset="0"/>
-              </a:rPr>
-              <a:t> </a:t>
-            </a:r>
-            <a:r>
-              <a:rPr lang="fr-FR" dirty="0" err="1">
-                <a:solidFill>
-                  <a:schemeClr val="tx1">
-                    <a:lumMod val="65000"/>
-                    <a:lumOff val="35000"/>
-                  </a:schemeClr>
-                </a:solidFill>
-                <a:latin typeface="Corbel" panose="020B0503020204020204" pitchFamily="34" charset="0"/>
-              </a:rPr>
-              <a:t>PubMed</a:t>
-            </a:r>
-            <a:r>
-              <a:rPr lang="fr-FR" dirty="0">
-                <a:solidFill>
-                  <a:schemeClr val="tx1">
-                    <a:lumMod val="65000"/>
-                    <a:lumOff val="35000"/>
-                  </a:schemeClr>
-                </a:solidFill>
-                <a:latin typeface="Corbel" panose="020B0503020204020204" pitchFamily="34" charset="0"/>
-              </a:rPr>
-              <a:t> </a:t>
-            </a:r>
-            <a:r>
-              <a:rPr lang="fr-FR" dirty="0" err="1">
-                <a:solidFill>
-                  <a:schemeClr val="tx1">
-                    <a:lumMod val="65000"/>
-                    <a:lumOff val="35000"/>
-                  </a:schemeClr>
-                </a:solidFill>
-                <a:latin typeface="Corbel" panose="020B0503020204020204" pitchFamily="34" charset="0"/>
-              </a:rPr>
-              <a:t>visual</a:t>
-            </a:r>
-            <a:r>
-              <a:rPr lang="fr-FR" dirty="0">
-                <a:solidFill>
-                  <a:schemeClr val="tx1">
-                    <a:lumMod val="65000"/>
-                    <a:lumOff val="35000"/>
-                  </a:schemeClr>
-                </a:solidFill>
-                <a:latin typeface="Corbel" panose="020B0503020204020204" pitchFamily="34" charset="0"/>
-              </a:rPr>
-              <a:t> </a:t>
-            </a:r>
-            <a:r>
-              <a:rPr lang="fr-FR" dirty="0" err="1">
-                <a:solidFill>
-                  <a:schemeClr val="tx1">
-                    <a:lumMod val="65000"/>
-                    <a:lumOff val="35000"/>
-                  </a:schemeClr>
-                </a:solidFill>
-                <a:latin typeface="Corbel" panose="020B0503020204020204" pitchFamily="34" charset="0"/>
-              </a:rPr>
-              <a:t>analytic</a:t>
-            </a:r>
-            <a:r>
-              <a:rPr lang="fr-FR" dirty="0">
-                <a:solidFill>
-                  <a:schemeClr val="tx1">
-                    <a:lumMod val="65000"/>
-                    <a:lumOff val="35000"/>
-                  </a:schemeClr>
-                </a:solidFill>
-                <a:latin typeface="Corbel" panose="020B0503020204020204" pitchFamily="34" charset="0"/>
-              </a:rPr>
-              <a:t> system : </a:t>
-            </a:r>
-            <a:r>
-              <a:rPr lang="fr-FR" dirty="0" err="1">
-                <a:solidFill>
-                  <a:schemeClr val="tx1">
-                    <a:lumMod val="65000"/>
-                    <a:lumOff val="35000"/>
-                  </a:schemeClr>
-                </a:solidFill>
-                <a:latin typeface="Corbel" panose="020B0503020204020204" pitchFamily="34" charset="0"/>
-              </a:rPr>
-              <a:t>EEEvis</a:t>
-            </a:r>
-            <a:r>
-              <a:rPr lang="fr-FR" dirty="0">
-                <a:solidFill>
-                  <a:schemeClr val="tx1">
-                    <a:lumMod val="65000"/>
-                    <a:lumOff val="35000"/>
-                  </a:schemeClr>
-                </a:solidFill>
-                <a:latin typeface="Corbel" panose="020B0503020204020204" pitchFamily="34" charset="0"/>
-              </a:rPr>
-              <a:t>. </a:t>
-            </a:r>
-            <a:r>
-              <a:rPr lang="fr-FR" i="1" dirty="0">
-                <a:solidFill>
-                  <a:schemeClr val="tx1">
-                    <a:lumMod val="65000"/>
-                    <a:lumOff val="35000"/>
-                  </a:schemeClr>
-                </a:solidFill>
-                <a:latin typeface="Corbel" panose="020B0503020204020204" pitchFamily="34" charset="0"/>
-              </a:rPr>
-              <a:t>PLOS ONE</a:t>
-            </a:r>
-            <a:r>
-              <a:rPr lang="fr-FR" dirty="0">
-                <a:solidFill>
-                  <a:schemeClr val="tx1">
-                    <a:lumMod val="65000"/>
-                    <a:lumOff val="35000"/>
-                  </a:schemeClr>
-                </a:solidFill>
-                <a:latin typeface="Corbel" panose="020B0503020204020204" pitchFamily="34" charset="0"/>
-              </a:rPr>
-              <a:t>, </a:t>
-            </a:r>
-            <a:r>
-              <a:rPr lang="fr-FR" i="1" dirty="0">
-                <a:solidFill>
-                  <a:schemeClr val="tx1">
-                    <a:lumMod val="65000"/>
-                    <a:lumOff val="35000"/>
-                  </a:schemeClr>
-                </a:solidFill>
-                <a:latin typeface="Corbel" panose="020B0503020204020204" pitchFamily="34" charset="0"/>
-              </a:rPr>
-              <a:t>18</a:t>
-            </a:r>
-            <a:r>
-              <a:rPr lang="fr-FR" dirty="0">
-                <a:solidFill>
-                  <a:schemeClr val="tx1">
-                    <a:lumMod val="65000"/>
-                    <a:lumOff val="35000"/>
-                  </a:schemeClr>
-                </a:solidFill>
-                <a:latin typeface="Corbel" panose="020B0503020204020204" pitchFamily="34" charset="0"/>
-              </a:rPr>
-              <a:t>(2), e0281422. </a:t>
-            </a:r>
-            <a:r>
-              <a:rPr lang="fr-FR" dirty="0">
-                <a:solidFill>
-                  <a:schemeClr val="tx1">
-                    <a:lumMod val="65000"/>
-                    <a:lumOff val="35000"/>
-                  </a:schemeClr>
-                </a:solidFill>
-                <a:latin typeface="Corbel" panose="020B0503020204020204" pitchFamily="34" charset="0"/>
-                <a:hlinkClick r:id="rId3"/>
-              </a:rPr>
-              <a:t>https://doi.org/10.1371/journal.pone.0281422</a:t>
-            </a:r>
-            <a:endParaRPr lang="fr-FR" dirty="0">
-              <a:solidFill>
-                <a:schemeClr val="tx1">
-                  <a:lumMod val="65000"/>
-                  <a:lumOff val="35000"/>
-                </a:schemeClr>
-              </a:solidFill>
-              <a:latin typeface="Corbel" panose="020B0503020204020204" pitchFamily="34" charset="0"/>
-            </a:endParaRPr>
-          </a:p>
-        </p:txBody>
-      </p:sp>
-    </p:spTree>
-    <p:extLst>
-      <p:ext uri="{BB962C8B-B14F-4D97-AF65-F5344CB8AC3E}">
-        <p14:creationId xmlns:p14="http://schemas.microsoft.com/office/powerpoint/2010/main" val="1171121745"/>
-      </p:ext>
-    </p:extLst>
-  </p:cSld>
-  <p:clrMapOvr>
-    <a:masterClrMapping/>
-  </p:clrMapOvr>
-</p:sld>
-</file>
-
-<file path=ppt/slides/slide38.xml><?xml version="1.0" encoding="utf-8"?>
-<p:sld xmlns:a="http://schemas.openxmlformats.org/drawingml/2006/main" xmlns:r="http://schemas.openxmlformats.org/officeDocument/2006/relationships" xmlns:p="http://schemas.openxmlformats.org/presentationml/2006/main">
-  <p:cSld>
-    <p:spTree>
-      <p:nvGrpSpPr>
-        <p:cNvPr id="1" name=""/>
-        <p:cNvGrpSpPr/>
-        <p:nvPr/>
-      </p:nvGrpSpPr>
-      <p:grpSpPr>
-        <a:xfrm>
-          <a:off x="0" y="0"/>
-          <a:ext cx="0" cy="0"/>
-          <a:chOff x="0" y="0"/>
-          <a:chExt cx="0" cy="0"/>
-        </a:xfrm>
-      </p:grpSpPr>
-      <p:sp>
-        <p:nvSpPr>
-          <p:cNvPr id="6" name="Titre 5"/>
-          <p:cNvSpPr>
-            <a:spLocks noGrp="1"/>
-          </p:cNvSpPr>
-          <p:nvPr>
-            <p:ph type="title"/>
-          </p:nvPr>
-        </p:nvSpPr>
-        <p:spPr>
-          <a:xfrm>
-            <a:off x="826940" y="0"/>
-            <a:ext cx="10515600" cy="1325563"/>
-          </a:xfrm>
-        </p:spPr>
-        <p:txBody>
-          <a:bodyPr/>
-          <a:lstStyle/>
-          <a:p>
-            <a:r>
-              <a:rPr lang="en-US" dirty="0" err="1"/>
-              <a:t>EEEvis</a:t>
-            </a:r>
-            <a:endParaRPr lang="en-US" dirty="0"/>
-          </a:p>
-        </p:txBody>
-      </p:sp>
-      <p:sp>
-        <p:nvSpPr>
-          <p:cNvPr id="4" name="Espace réservé du pied de page 3"/>
-          <p:cNvSpPr>
-            <a:spLocks noGrp="1"/>
-          </p:cNvSpPr>
-          <p:nvPr>
-            <p:ph type="ftr" sz="quarter" idx="11"/>
-          </p:nvPr>
-        </p:nvSpPr>
-        <p:spPr/>
-        <p:txBody>
-          <a:bodyPr/>
-          <a:lstStyle/>
-          <a:p>
-            <a:r>
-              <a:rPr lang="fr-FR" smtClean="0"/>
-              <a:t>F. Flamerie - Trucs et astuces de PubMed - màj : 2023-11-24</a:t>
-            </a:r>
-            <a:endParaRPr lang="fr-FR"/>
-          </a:p>
-        </p:txBody>
-      </p:sp>
-      <p:sp>
-        <p:nvSpPr>
-          <p:cNvPr id="5" name="Espace réservé du numéro de diapositive 4"/>
-          <p:cNvSpPr>
-            <a:spLocks noGrp="1"/>
-          </p:cNvSpPr>
-          <p:nvPr>
-            <p:ph type="sldNum" sz="quarter" idx="12"/>
-          </p:nvPr>
-        </p:nvSpPr>
-        <p:spPr/>
-        <p:txBody>
-          <a:bodyPr/>
-          <a:lstStyle/>
-          <a:p>
-            <a:fld id="{99E13252-68E5-4994-B57B-B03F39B52C7D}" type="slidenum">
-              <a:rPr lang="fr-FR" smtClean="0"/>
-              <a:t>38</a:t>
-            </a:fld>
-            <a:endParaRPr lang="fr-FR"/>
-          </a:p>
-        </p:txBody>
-      </p:sp>
-      <p:pic>
-        <p:nvPicPr>
-          <p:cNvPr id="8" name="Espace réservé du contenu 7"/>
-          <p:cNvPicPr>
-            <a:picLocks noGrp="1" noChangeAspect="1"/>
-          </p:cNvPicPr>
-          <p:nvPr>
-            <p:ph idx="1"/>
-          </p:nvPr>
-        </p:nvPicPr>
-        <p:blipFill>
-          <a:blip r:embed="rId2">
-            <a:extLst>
-              <a:ext uri="{28A0092B-C50C-407E-A947-70E740481C1C}">
-                <a14:useLocalDpi xmlns:a14="http://schemas.microsoft.com/office/drawing/2010/main" val="0"/>
-              </a:ext>
-            </a:extLst>
-          </a:blip>
-          <a:stretch>
-            <a:fillRect/>
-          </a:stretch>
-        </p:blipFill>
-        <p:spPr>
-          <a:xfrm>
-            <a:off x="826940" y="1066800"/>
-            <a:ext cx="10728566" cy="5095645"/>
-          </a:xfrm>
-          <a:prstGeom prst="rect">
-            <a:avLst/>
-          </a:prstGeom>
-          <a:ln>
-            <a:solidFill>
-              <a:srgbClr val="FF6600"/>
-            </a:solidFill>
-          </a:ln>
-        </p:spPr>
-      </p:pic>
-      <p:grpSp>
-        <p:nvGrpSpPr>
-          <p:cNvPr id="9" name="Arrow34" descr="{&quot;Key&quot;:&quot;POWER_USER_SHAPE_ICON&quot;,&quot;Value&quot;:&quot;POWER_USER_SHAPE_ICON_STYLE_1&quot;}">
-            <a:extLst>
-              <a:ext uri="{FF2B5EF4-FFF2-40B4-BE49-F238E27FC236}">
-                <a16:creationId xmlns:a16="http://schemas.microsoft.com/office/drawing/2014/main" id="{43E68E00-EA18-49EE-91A7-B065011E5152}"/>
-              </a:ext>
-            </a:extLst>
-          </p:cNvPr>
-          <p:cNvGrpSpPr>
-            <a:grpSpLocks noChangeAspect="1"/>
-          </p:cNvGrpSpPr>
-          <p:nvPr/>
-        </p:nvGrpSpPr>
-        <p:grpSpPr>
-          <a:xfrm>
-            <a:off x="404492" y="4742861"/>
-            <a:ext cx="547953" cy="542925"/>
-            <a:chOff x="6004176" y="1690066"/>
-            <a:chExt cx="1039285" cy="1029748"/>
-          </a:xfrm>
-          <a:solidFill>
-            <a:srgbClr val="FF6600"/>
-          </a:solidFill>
-        </p:grpSpPr>
-        <p:sp>
-          <p:nvSpPr>
-            <p:cNvPr id="10" name="Freeform 195">
-              <a:extLst>
-                <a:ext uri="{FF2B5EF4-FFF2-40B4-BE49-F238E27FC236}">
-                  <a16:creationId xmlns:a16="http://schemas.microsoft.com/office/drawing/2014/main" id="{B426E1A2-1601-4CCF-ADA5-FD9317539629}"/>
-                </a:ext>
-              </a:extLst>
-            </p:cNvPr>
-            <p:cNvSpPr>
-              <a:spLocks/>
-            </p:cNvSpPr>
-            <p:nvPr/>
-          </p:nvSpPr>
-          <p:spPr bwMode="auto">
-            <a:xfrm>
-              <a:off x="6213939" y="1880760"/>
-              <a:ext cx="781845" cy="476735"/>
-            </a:xfrm>
-            <a:custGeom>
-              <a:avLst/>
-              <a:gdLst>
-                <a:gd name="T0" fmla="*/ 81 w 1018"/>
-                <a:gd name="T1" fmla="*/ 623 h 623"/>
-                <a:gd name="T2" fmla="*/ 34 w 1018"/>
-                <a:gd name="T3" fmla="*/ 606 h 623"/>
-                <a:gd name="T4" fmla="*/ 26 w 1018"/>
-                <a:gd name="T5" fmla="*/ 504 h 623"/>
-                <a:gd name="T6" fmla="*/ 933 w 1018"/>
-                <a:gd name="T7" fmla="*/ 4 h 623"/>
-                <a:gd name="T8" fmla="*/ 1013 w 1018"/>
-                <a:gd name="T9" fmla="*/ 68 h 623"/>
-                <a:gd name="T10" fmla="*/ 949 w 1018"/>
-                <a:gd name="T11" fmla="*/ 148 h 623"/>
-                <a:gd name="T12" fmla="*/ 136 w 1018"/>
-                <a:gd name="T13" fmla="*/ 598 h 623"/>
-                <a:gd name="T14" fmla="*/ 81 w 1018"/>
-                <a:gd name="T15" fmla="*/ 623 h 623"/>
-              </a:gdLst>
-              <a:ahLst/>
-              <a:cxnLst>
-                <a:cxn ang="0">
-                  <a:pos x="T0" y="T1"/>
-                </a:cxn>
-                <a:cxn ang="0">
-                  <a:pos x="T2" y="T3"/>
-                </a:cxn>
-                <a:cxn ang="0">
-                  <a:pos x="T4" y="T5"/>
-                </a:cxn>
-                <a:cxn ang="0">
-                  <a:pos x="T6" y="T7"/>
-                </a:cxn>
-                <a:cxn ang="0">
-                  <a:pos x="T8" y="T9"/>
-                </a:cxn>
-                <a:cxn ang="0">
-                  <a:pos x="T10" y="T11"/>
-                </a:cxn>
-                <a:cxn ang="0">
-                  <a:pos x="T12" y="T13"/>
-                </a:cxn>
-                <a:cxn ang="0">
-                  <a:pos x="T14" y="T15"/>
-                </a:cxn>
-              </a:cxnLst>
-              <a:rect l="0" t="0" r="r" b="b"/>
-              <a:pathLst>
-                <a:path w="1018" h="623">
-                  <a:moveTo>
-                    <a:pt x="81" y="623"/>
-                  </a:moveTo>
-                  <a:cubicBezTo>
-                    <a:pt x="65" y="623"/>
-                    <a:pt x="48" y="618"/>
-                    <a:pt x="34" y="606"/>
-                  </a:cubicBezTo>
-                  <a:cubicBezTo>
-                    <a:pt x="4" y="580"/>
-                    <a:pt x="0" y="534"/>
-                    <a:pt x="26" y="504"/>
-                  </a:cubicBezTo>
-                  <a:cubicBezTo>
-                    <a:pt x="282" y="206"/>
-                    <a:pt x="578" y="43"/>
-                    <a:pt x="933" y="4"/>
-                  </a:cubicBezTo>
-                  <a:cubicBezTo>
-                    <a:pt x="973" y="0"/>
-                    <a:pt x="1009" y="29"/>
-                    <a:pt x="1013" y="68"/>
-                  </a:cubicBezTo>
-                  <a:cubicBezTo>
-                    <a:pt x="1018" y="108"/>
-                    <a:pt x="989" y="144"/>
-                    <a:pt x="949" y="148"/>
-                  </a:cubicBezTo>
-                  <a:cubicBezTo>
-                    <a:pt x="628" y="183"/>
-                    <a:pt x="370" y="326"/>
-                    <a:pt x="136" y="598"/>
-                  </a:cubicBezTo>
-                  <a:cubicBezTo>
-                    <a:pt x="122" y="615"/>
-                    <a:pt x="102" y="623"/>
-                    <a:pt x="81" y="623"/>
-                  </a:cubicBezTo>
-                </a:path>
-              </a:pathLst>
-            </a:custGeom>
-            <a:grpFill/>
-            <a:ln w="9525">
-              <a:noFill/>
-              <a:round/>
-              <a:headEnd/>
-              <a:tailEnd/>
-            </a:ln>
-          </p:spPr>
-          <p:txBody>
-            <a:bodyPr vert="horz" wrap="square" lIns="91440" tIns="45720" rIns="91440" bIns="45720" numCol="1" anchor="t" anchorCtr="0" compatLnSpc="1">
-              <a:prstTxWarp prst="textNoShape">
-                <a:avLst/>
-              </a:prstTxWarp>
-            </a:bodyPr>
-            <a:lstStyle/>
-            <a:p>
-              <a:pPr>
-                <a:defRPr/>
-              </a:pPr>
-              <a:endParaRPr lang="fr-FR" dirty="0">
-                <a:solidFill>
-                  <a:prstClr val="black"/>
-                </a:solidFill>
-                <a:latin typeface="Corbel" panose="020B0503020204020204" pitchFamily="34" charset="0"/>
-              </a:endParaRPr>
-            </a:p>
-          </p:txBody>
-        </p:sp>
-        <p:sp>
-          <p:nvSpPr>
-            <p:cNvPr id="11" name="Freeform 196">
-              <a:extLst>
-                <a:ext uri="{FF2B5EF4-FFF2-40B4-BE49-F238E27FC236}">
-                  <a16:creationId xmlns:a16="http://schemas.microsoft.com/office/drawing/2014/main" id="{7CA8E433-9ACF-4A11-B832-05AE8A209954}"/>
-                </a:ext>
-              </a:extLst>
-            </p:cNvPr>
-            <p:cNvSpPr>
-              <a:spLocks/>
-            </p:cNvSpPr>
-            <p:nvPr/>
-          </p:nvSpPr>
-          <p:spPr bwMode="auto">
-            <a:xfrm>
-              <a:off x="6080453" y="2376565"/>
-              <a:ext cx="152555" cy="171625"/>
-            </a:xfrm>
-            <a:custGeom>
-              <a:avLst/>
-              <a:gdLst>
-                <a:gd name="T0" fmla="*/ 83 w 205"/>
-                <a:gd name="T1" fmla="*/ 223 h 223"/>
-                <a:gd name="T2" fmla="*/ 48 w 205"/>
-                <a:gd name="T3" fmla="*/ 214 h 223"/>
-                <a:gd name="T4" fmla="*/ 19 w 205"/>
-                <a:gd name="T5" fmla="*/ 116 h 223"/>
-                <a:gd name="T6" fmla="*/ 61 w 205"/>
-                <a:gd name="T7" fmla="*/ 45 h 223"/>
-                <a:gd name="T8" fmla="*/ 160 w 205"/>
-                <a:gd name="T9" fmla="*/ 22 h 223"/>
-                <a:gd name="T10" fmla="*/ 184 w 205"/>
-                <a:gd name="T11" fmla="*/ 121 h 223"/>
-                <a:gd name="T12" fmla="*/ 146 w 205"/>
-                <a:gd name="T13" fmla="*/ 186 h 223"/>
-                <a:gd name="T14" fmla="*/ 83 w 205"/>
-                <a:gd name="T15" fmla="*/ 223 h 223"/>
-              </a:gdLst>
-              <a:ahLst/>
-              <a:cxnLst>
-                <a:cxn ang="0">
-                  <a:pos x="T0" y="T1"/>
-                </a:cxn>
-                <a:cxn ang="0">
-                  <a:pos x="T2" y="T3"/>
-                </a:cxn>
-                <a:cxn ang="0">
-                  <a:pos x="T4" y="T5"/>
-                </a:cxn>
-                <a:cxn ang="0">
-                  <a:pos x="T6" y="T7"/>
-                </a:cxn>
-                <a:cxn ang="0">
-                  <a:pos x="T8" y="T9"/>
-                </a:cxn>
-                <a:cxn ang="0">
-                  <a:pos x="T10" y="T11"/>
-                </a:cxn>
-                <a:cxn ang="0">
-                  <a:pos x="T12" y="T13"/>
-                </a:cxn>
-                <a:cxn ang="0">
-                  <a:pos x="T14" y="T15"/>
-                </a:cxn>
-              </a:cxnLst>
-              <a:rect l="0" t="0" r="r" b="b"/>
-              <a:pathLst>
-                <a:path w="205" h="223">
-                  <a:moveTo>
-                    <a:pt x="83" y="223"/>
-                  </a:moveTo>
-                  <a:cubicBezTo>
-                    <a:pt x="71" y="223"/>
-                    <a:pt x="59" y="220"/>
-                    <a:pt x="48" y="214"/>
-                  </a:cubicBezTo>
-                  <a:cubicBezTo>
-                    <a:pt x="13" y="195"/>
-                    <a:pt x="0" y="151"/>
-                    <a:pt x="19" y="116"/>
-                  </a:cubicBezTo>
-                  <a:cubicBezTo>
-                    <a:pt x="32" y="92"/>
-                    <a:pt x="46" y="68"/>
-                    <a:pt x="61" y="45"/>
-                  </a:cubicBezTo>
-                  <a:cubicBezTo>
-                    <a:pt x="82" y="11"/>
-                    <a:pt x="126" y="0"/>
-                    <a:pt x="160" y="22"/>
-                  </a:cubicBezTo>
-                  <a:cubicBezTo>
-                    <a:pt x="194" y="42"/>
-                    <a:pt x="205" y="87"/>
-                    <a:pt x="184" y="121"/>
-                  </a:cubicBezTo>
-                  <a:cubicBezTo>
-                    <a:pt x="171" y="142"/>
-                    <a:pt x="158" y="164"/>
-                    <a:pt x="146" y="186"/>
-                  </a:cubicBezTo>
-                  <a:cubicBezTo>
-                    <a:pt x="133" y="210"/>
-                    <a:pt x="108" y="223"/>
-                    <a:pt x="83" y="223"/>
-                  </a:cubicBezTo>
-                </a:path>
-              </a:pathLst>
-            </a:custGeom>
-            <a:grpFill/>
-            <a:ln w="9525">
-              <a:noFill/>
-              <a:round/>
-              <a:headEnd/>
-              <a:tailEnd/>
-            </a:ln>
-          </p:spPr>
-          <p:txBody>
-            <a:bodyPr vert="horz" wrap="square" lIns="91440" tIns="45720" rIns="91440" bIns="45720" numCol="1" anchor="t" anchorCtr="0" compatLnSpc="1">
-              <a:prstTxWarp prst="textNoShape">
-                <a:avLst/>
-              </a:prstTxWarp>
-            </a:bodyPr>
-            <a:lstStyle/>
-            <a:p>
-              <a:pPr>
-                <a:defRPr/>
-              </a:pPr>
-              <a:endParaRPr lang="fr-FR" dirty="0">
-                <a:solidFill>
-                  <a:prstClr val="black"/>
-                </a:solidFill>
-                <a:latin typeface="Corbel" panose="020B0503020204020204" pitchFamily="34" charset="0"/>
-              </a:endParaRPr>
-            </a:p>
-          </p:txBody>
-        </p:sp>
-        <p:sp>
-          <p:nvSpPr>
-            <p:cNvPr id="12" name="Freeform 197">
-              <a:extLst>
-                <a:ext uri="{FF2B5EF4-FFF2-40B4-BE49-F238E27FC236}">
-                  <a16:creationId xmlns:a16="http://schemas.microsoft.com/office/drawing/2014/main" id="{B1AA219A-44DC-4DD1-B062-924FC970BD8C}"/>
-                </a:ext>
-              </a:extLst>
-            </p:cNvPr>
-            <p:cNvSpPr>
-              <a:spLocks/>
-            </p:cNvSpPr>
-            <p:nvPr/>
-          </p:nvSpPr>
-          <p:spPr bwMode="auto">
-            <a:xfrm>
-              <a:off x="6004176" y="2586328"/>
-              <a:ext cx="133486" cy="133486"/>
-            </a:xfrm>
-            <a:custGeom>
-              <a:avLst/>
-              <a:gdLst>
-                <a:gd name="T0" fmla="*/ 81 w 167"/>
-                <a:gd name="T1" fmla="*/ 169 h 169"/>
-                <a:gd name="T2" fmla="*/ 59 w 167"/>
-                <a:gd name="T3" fmla="*/ 166 h 169"/>
-                <a:gd name="T4" fmla="*/ 12 w 167"/>
-                <a:gd name="T5" fmla="*/ 75 h 169"/>
-                <a:gd name="T6" fmla="*/ 17 w 167"/>
-                <a:gd name="T7" fmla="*/ 60 h 169"/>
-                <a:gd name="T8" fmla="*/ 108 w 167"/>
-                <a:gd name="T9" fmla="*/ 12 h 169"/>
-                <a:gd name="T10" fmla="*/ 155 w 167"/>
-                <a:gd name="T11" fmla="*/ 103 h 169"/>
-                <a:gd name="T12" fmla="*/ 150 w 167"/>
-                <a:gd name="T13" fmla="*/ 118 h 169"/>
-                <a:gd name="T14" fmla="*/ 81 w 167"/>
-                <a:gd name="T15" fmla="*/ 169 h 169"/>
-              </a:gdLst>
-              <a:ahLst/>
-              <a:cxnLst>
-                <a:cxn ang="0">
-                  <a:pos x="T0" y="T1"/>
-                </a:cxn>
-                <a:cxn ang="0">
-                  <a:pos x="T2" y="T3"/>
-                </a:cxn>
-                <a:cxn ang="0">
-                  <a:pos x="T4" y="T5"/>
-                </a:cxn>
-                <a:cxn ang="0">
-                  <a:pos x="T6" y="T7"/>
-                </a:cxn>
-                <a:cxn ang="0">
-                  <a:pos x="T8" y="T9"/>
-                </a:cxn>
-                <a:cxn ang="0">
-                  <a:pos x="T10" y="T11"/>
-                </a:cxn>
-                <a:cxn ang="0">
-                  <a:pos x="T12" y="T13"/>
-                </a:cxn>
-                <a:cxn ang="0">
-                  <a:pos x="T14" y="T15"/>
-                </a:cxn>
-              </a:cxnLst>
-              <a:rect l="0" t="0" r="r" b="b"/>
-              <a:pathLst>
-                <a:path w="167" h="169">
-                  <a:moveTo>
-                    <a:pt x="81" y="169"/>
-                  </a:moveTo>
-                  <a:cubicBezTo>
-                    <a:pt x="74" y="169"/>
-                    <a:pt x="67" y="168"/>
-                    <a:pt x="59" y="166"/>
-                  </a:cubicBezTo>
-                  <a:cubicBezTo>
-                    <a:pt x="21" y="154"/>
-                    <a:pt x="0" y="113"/>
-                    <a:pt x="12" y="75"/>
-                  </a:cubicBezTo>
-                  <a:lnTo>
-                    <a:pt x="17" y="60"/>
-                  </a:lnTo>
-                  <a:cubicBezTo>
-                    <a:pt x="29" y="21"/>
-                    <a:pt x="69" y="0"/>
-                    <a:pt x="108" y="12"/>
-                  </a:cubicBezTo>
-                  <a:cubicBezTo>
-                    <a:pt x="146" y="24"/>
-                    <a:pt x="167" y="65"/>
-                    <a:pt x="155" y="103"/>
-                  </a:cubicBezTo>
-                  <a:lnTo>
-                    <a:pt x="150" y="118"/>
-                  </a:lnTo>
-                  <a:cubicBezTo>
-                    <a:pt x="140" y="149"/>
-                    <a:pt x="112" y="169"/>
-                    <a:pt x="81" y="169"/>
-                  </a:cubicBezTo>
-                </a:path>
-              </a:pathLst>
-            </a:custGeom>
-            <a:grpFill/>
-            <a:ln w="9525">
-              <a:noFill/>
-              <a:round/>
-              <a:headEnd/>
-              <a:tailEnd/>
-            </a:ln>
-          </p:spPr>
-          <p:txBody>
-            <a:bodyPr vert="horz" wrap="square" lIns="91440" tIns="45720" rIns="91440" bIns="45720" numCol="1" anchor="t" anchorCtr="0" compatLnSpc="1">
-              <a:prstTxWarp prst="textNoShape">
-                <a:avLst/>
-              </a:prstTxWarp>
-            </a:bodyPr>
-            <a:lstStyle/>
-            <a:p>
-              <a:pPr>
-                <a:defRPr/>
-              </a:pPr>
-              <a:endParaRPr lang="fr-FR" dirty="0">
-                <a:solidFill>
-                  <a:prstClr val="black"/>
-                </a:solidFill>
-                <a:latin typeface="Corbel" panose="020B0503020204020204" pitchFamily="34" charset="0"/>
-              </a:endParaRPr>
-            </a:p>
-          </p:txBody>
-        </p:sp>
-        <p:sp>
-          <p:nvSpPr>
-            <p:cNvPr id="13" name="Freeform 198">
-              <a:extLst>
-                <a:ext uri="{FF2B5EF4-FFF2-40B4-BE49-F238E27FC236}">
-                  <a16:creationId xmlns:a16="http://schemas.microsoft.com/office/drawing/2014/main" id="{D93843A3-5211-4329-AAB5-9A71A272F9BF}"/>
-                </a:ext>
-              </a:extLst>
-            </p:cNvPr>
-            <p:cNvSpPr>
-              <a:spLocks/>
-            </p:cNvSpPr>
-            <p:nvPr/>
-          </p:nvSpPr>
-          <p:spPr bwMode="auto">
-            <a:xfrm>
-              <a:off x="6652535" y="1690066"/>
-              <a:ext cx="390926" cy="562551"/>
-            </a:xfrm>
-            <a:custGeom>
-              <a:avLst/>
-              <a:gdLst>
-                <a:gd name="T0" fmla="*/ 197 w 510"/>
-                <a:gd name="T1" fmla="*/ 738 h 738"/>
-                <a:gd name="T2" fmla="*/ 156 w 510"/>
-                <a:gd name="T3" fmla="*/ 726 h 738"/>
-                <a:gd name="T4" fmla="*/ 137 w 510"/>
-                <a:gd name="T5" fmla="*/ 625 h 738"/>
-                <a:gd name="T6" fmla="*/ 334 w 510"/>
-                <a:gd name="T7" fmla="*/ 336 h 738"/>
-                <a:gd name="T8" fmla="*/ 42 w 510"/>
-                <a:gd name="T9" fmla="*/ 143 h 738"/>
-                <a:gd name="T10" fmla="*/ 22 w 510"/>
-                <a:gd name="T11" fmla="*/ 42 h 738"/>
-                <a:gd name="T12" fmla="*/ 123 w 510"/>
-                <a:gd name="T13" fmla="*/ 22 h 738"/>
-                <a:gd name="T14" fmla="*/ 476 w 510"/>
-                <a:gd name="T15" fmla="*/ 256 h 738"/>
-                <a:gd name="T16" fmla="*/ 507 w 510"/>
-                <a:gd name="T17" fmla="*/ 303 h 738"/>
-                <a:gd name="T18" fmla="*/ 495 w 510"/>
-                <a:gd name="T19" fmla="*/ 358 h 738"/>
-                <a:gd name="T20" fmla="*/ 257 w 510"/>
-                <a:gd name="T21" fmla="*/ 707 h 738"/>
-                <a:gd name="T22" fmla="*/ 197 w 510"/>
-                <a:gd name="T23" fmla="*/ 738 h 738"/>
-              </a:gdLst>
-              <a:ahLst/>
-              <a:cxnLst>
-                <a:cxn ang="0">
-                  <a:pos x="T0" y="T1"/>
-                </a:cxn>
-                <a:cxn ang="0">
-                  <a:pos x="T2" y="T3"/>
-                </a:cxn>
-                <a:cxn ang="0">
-                  <a:pos x="T4" y="T5"/>
-                </a:cxn>
-                <a:cxn ang="0">
-                  <a:pos x="T6" y="T7"/>
-                </a:cxn>
-                <a:cxn ang="0">
-                  <a:pos x="T8" y="T9"/>
-                </a:cxn>
-                <a:cxn ang="0">
-                  <a:pos x="T10" y="T11"/>
-                </a:cxn>
-                <a:cxn ang="0">
-                  <a:pos x="T12" y="T13"/>
-                </a:cxn>
-                <a:cxn ang="0">
-                  <a:pos x="T14" y="T15"/>
-                </a:cxn>
-                <a:cxn ang="0">
-                  <a:pos x="T16" y="T17"/>
-                </a:cxn>
-                <a:cxn ang="0">
-                  <a:pos x="T18" y="T19"/>
-                </a:cxn>
-                <a:cxn ang="0">
-                  <a:pos x="T20" y="T21"/>
-                </a:cxn>
-                <a:cxn ang="0">
-                  <a:pos x="T22" y="T23"/>
-                </a:cxn>
-              </a:cxnLst>
-              <a:rect l="0" t="0" r="r" b="b"/>
-              <a:pathLst>
-                <a:path w="510" h="738">
-                  <a:moveTo>
-                    <a:pt x="197" y="738"/>
-                  </a:moveTo>
-                  <a:cubicBezTo>
-                    <a:pt x="183" y="738"/>
-                    <a:pt x="169" y="734"/>
-                    <a:pt x="156" y="726"/>
-                  </a:cubicBezTo>
-                  <a:cubicBezTo>
-                    <a:pt x="123" y="703"/>
-                    <a:pt x="115" y="658"/>
-                    <a:pt x="137" y="625"/>
-                  </a:cubicBezTo>
-                  <a:lnTo>
-                    <a:pt x="334" y="336"/>
-                  </a:lnTo>
-                  <a:lnTo>
-                    <a:pt x="42" y="143"/>
-                  </a:lnTo>
-                  <a:cubicBezTo>
-                    <a:pt x="9" y="120"/>
-                    <a:pt x="0" y="75"/>
-                    <a:pt x="22" y="42"/>
-                  </a:cubicBezTo>
-                  <a:cubicBezTo>
-                    <a:pt x="44" y="9"/>
-                    <a:pt x="89" y="0"/>
-                    <a:pt x="123" y="22"/>
-                  </a:cubicBezTo>
-                  <a:lnTo>
-                    <a:pt x="476" y="256"/>
-                  </a:lnTo>
-                  <a:cubicBezTo>
-                    <a:pt x="492" y="267"/>
-                    <a:pt x="503" y="284"/>
-                    <a:pt x="507" y="303"/>
-                  </a:cubicBezTo>
-                  <a:cubicBezTo>
-                    <a:pt x="510" y="322"/>
-                    <a:pt x="506" y="342"/>
-                    <a:pt x="495" y="358"/>
-                  </a:cubicBezTo>
-                  <a:lnTo>
-                    <a:pt x="257" y="707"/>
-                  </a:lnTo>
-                  <a:cubicBezTo>
-                    <a:pt x="243" y="727"/>
-                    <a:pt x="220" y="738"/>
-                    <a:pt x="197" y="738"/>
-                  </a:cubicBezTo>
-                </a:path>
-              </a:pathLst>
-            </a:custGeom>
-            <a:grpFill/>
-            <a:ln w="9525">
-              <a:noFill/>
-              <a:round/>
-              <a:headEnd/>
-              <a:tailEnd/>
-            </a:ln>
-          </p:spPr>
-          <p:txBody>
-            <a:bodyPr vert="horz" wrap="square" lIns="91440" tIns="45720" rIns="91440" bIns="45720" numCol="1" anchor="t" anchorCtr="0" compatLnSpc="1">
-              <a:prstTxWarp prst="textNoShape">
-                <a:avLst/>
-              </a:prstTxWarp>
-            </a:bodyPr>
-            <a:lstStyle/>
-            <a:p>
-              <a:pPr>
-                <a:defRPr/>
-              </a:pPr>
-              <a:endParaRPr lang="fr-FR" dirty="0">
-                <a:solidFill>
-                  <a:prstClr val="black"/>
-                </a:solidFill>
-                <a:latin typeface="Corbel" panose="020B0503020204020204" pitchFamily="34" charset="0"/>
-              </a:endParaRPr>
-            </a:p>
-          </p:txBody>
-        </p:sp>
-      </p:grpSp>
-      <p:grpSp>
-        <p:nvGrpSpPr>
-          <p:cNvPr id="15" name="Arrow34" descr="{&quot;Key&quot;:&quot;POWER_USER_SHAPE_ICON&quot;,&quot;Value&quot;:&quot;POWER_USER_SHAPE_ICON_STYLE_1&quot;}">
-            <a:extLst>
-              <a:ext uri="{FF2B5EF4-FFF2-40B4-BE49-F238E27FC236}">
-                <a16:creationId xmlns:a16="http://schemas.microsoft.com/office/drawing/2014/main" id="{43E68E00-EA18-49EE-91A7-B065011E5152}"/>
-              </a:ext>
-            </a:extLst>
-          </p:cNvPr>
-          <p:cNvGrpSpPr>
-            <a:grpSpLocks noChangeAspect="1"/>
-          </p:cNvGrpSpPr>
-          <p:nvPr/>
-        </p:nvGrpSpPr>
-        <p:grpSpPr>
-          <a:xfrm>
-            <a:off x="3176367" y="5813425"/>
-            <a:ext cx="547953" cy="542925"/>
-            <a:chOff x="6004176" y="1690066"/>
-            <a:chExt cx="1039285" cy="1029748"/>
-          </a:xfrm>
-          <a:solidFill>
-            <a:srgbClr val="FF6600"/>
-          </a:solidFill>
-        </p:grpSpPr>
-        <p:sp>
-          <p:nvSpPr>
-            <p:cNvPr id="16" name="Freeform 195">
-              <a:extLst>
-                <a:ext uri="{FF2B5EF4-FFF2-40B4-BE49-F238E27FC236}">
-                  <a16:creationId xmlns:a16="http://schemas.microsoft.com/office/drawing/2014/main" id="{B426E1A2-1601-4CCF-ADA5-FD9317539629}"/>
-                </a:ext>
-              </a:extLst>
-            </p:cNvPr>
-            <p:cNvSpPr>
-              <a:spLocks/>
-            </p:cNvSpPr>
-            <p:nvPr/>
-          </p:nvSpPr>
-          <p:spPr bwMode="auto">
-            <a:xfrm>
-              <a:off x="6213939" y="1880760"/>
-              <a:ext cx="781845" cy="476735"/>
-            </a:xfrm>
-            <a:custGeom>
-              <a:avLst/>
-              <a:gdLst>
-                <a:gd name="T0" fmla="*/ 81 w 1018"/>
-                <a:gd name="T1" fmla="*/ 623 h 623"/>
-                <a:gd name="T2" fmla="*/ 34 w 1018"/>
-                <a:gd name="T3" fmla="*/ 606 h 623"/>
-                <a:gd name="T4" fmla="*/ 26 w 1018"/>
-                <a:gd name="T5" fmla="*/ 504 h 623"/>
-                <a:gd name="T6" fmla="*/ 933 w 1018"/>
-                <a:gd name="T7" fmla="*/ 4 h 623"/>
-                <a:gd name="T8" fmla="*/ 1013 w 1018"/>
-                <a:gd name="T9" fmla="*/ 68 h 623"/>
-                <a:gd name="T10" fmla="*/ 949 w 1018"/>
-                <a:gd name="T11" fmla="*/ 148 h 623"/>
-                <a:gd name="T12" fmla="*/ 136 w 1018"/>
-                <a:gd name="T13" fmla="*/ 598 h 623"/>
-                <a:gd name="T14" fmla="*/ 81 w 1018"/>
-                <a:gd name="T15" fmla="*/ 623 h 623"/>
-              </a:gdLst>
-              <a:ahLst/>
-              <a:cxnLst>
-                <a:cxn ang="0">
-                  <a:pos x="T0" y="T1"/>
-                </a:cxn>
-                <a:cxn ang="0">
-                  <a:pos x="T2" y="T3"/>
-                </a:cxn>
-                <a:cxn ang="0">
-                  <a:pos x="T4" y="T5"/>
-                </a:cxn>
-                <a:cxn ang="0">
-                  <a:pos x="T6" y="T7"/>
-                </a:cxn>
-                <a:cxn ang="0">
-                  <a:pos x="T8" y="T9"/>
-                </a:cxn>
-                <a:cxn ang="0">
-                  <a:pos x="T10" y="T11"/>
-                </a:cxn>
-                <a:cxn ang="0">
-                  <a:pos x="T12" y="T13"/>
-                </a:cxn>
-                <a:cxn ang="0">
-                  <a:pos x="T14" y="T15"/>
-                </a:cxn>
-              </a:cxnLst>
-              <a:rect l="0" t="0" r="r" b="b"/>
-              <a:pathLst>
-                <a:path w="1018" h="623">
-                  <a:moveTo>
-                    <a:pt x="81" y="623"/>
-                  </a:moveTo>
-                  <a:cubicBezTo>
-                    <a:pt x="65" y="623"/>
-                    <a:pt x="48" y="618"/>
-                    <a:pt x="34" y="606"/>
-                  </a:cubicBezTo>
-                  <a:cubicBezTo>
-                    <a:pt x="4" y="580"/>
-                    <a:pt x="0" y="534"/>
-                    <a:pt x="26" y="504"/>
-                  </a:cubicBezTo>
-                  <a:cubicBezTo>
-                    <a:pt x="282" y="206"/>
-                    <a:pt x="578" y="43"/>
-                    <a:pt x="933" y="4"/>
-                  </a:cubicBezTo>
-                  <a:cubicBezTo>
-                    <a:pt x="973" y="0"/>
-                    <a:pt x="1009" y="29"/>
-                    <a:pt x="1013" y="68"/>
-                  </a:cubicBezTo>
-                  <a:cubicBezTo>
-                    <a:pt x="1018" y="108"/>
-                    <a:pt x="989" y="144"/>
-                    <a:pt x="949" y="148"/>
-                  </a:cubicBezTo>
-                  <a:cubicBezTo>
-                    <a:pt x="628" y="183"/>
-                    <a:pt x="370" y="326"/>
-                    <a:pt x="136" y="598"/>
-                  </a:cubicBezTo>
-                  <a:cubicBezTo>
-                    <a:pt x="122" y="615"/>
-                    <a:pt x="102" y="623"/>
-                    <a:pt x="81" y="623"/>
-                  </a:cubicBezTo>
-                </a:path>
-              </a:pathLst>
-            </a:custGeom>
-            <a:grpFill/>
-            <a:ln w="9525">
-              <a:noFill/>
-              <a:round/>
-              <a:headEnd/>
-              <a:tailEnd/>
-            </a:ln>
-          </p:spPr>
-          <p:txBody>
-            <a:bodyPr vert="horz" wrap="square" lIns="91440" tIns="45720" rIns="91440" bIns="45720" numCol="1" anchor="t" anchorCtr="0" compatLnSpc="1">
-              <a:prstTxWarp prst="textNoShape">
-                <a:avLst/>
-              </a:prstTxWarp>
-            </a:bodyPr>
-            <a:lstStyle/>
-            <a:p>
-              <a:pPr>
-                <a:defRPr/>
-              </a:pPr>
-              <a:endParaRPr lang="fr-FR" dirty="0">
-                <a:solidFill>
-                  <a:prstClr val="black"/>
-                </a:solidFill>
-                <a:latin typeface="Corbel" panose="020B0503020204020204" pitchFamily="34" charset="0"/>
-              </a:endParaRPr>
-            </a:p>
-          </p:txBody>
-        </p:sp>
-        <p:sp>
-          <p:nvSpPr>
-            <p:cNvPr id="17" name="Freeform 196">
-              <a:extLst>
-                <a:ext uri="{FF2B5EF4-FFF2-40B4-BE49-F238E27FC236}">
-                  <a16:creationId xmlns:a16="http://schemas.microsoft.com/office/drawing/2014/main" id="{7CA8E433-9ACF-4A11-B832-05AE8A209954}"/>
-                </a:ext>
-              </a:extLst>
-            </p:cNvPr>
-            <p:cNvSpPr>
-              <a:spLocks/>
-            </p:cNvSpPr>
-            <p:nvPr/>
-          </p:nvSpPr>
-          <p:spPr bwMode="auto">
-            <a:xfrm>
-              <a:off x="6080453" y="2376565"/>
-              <a:ext cx="152555" cy="171625"/>
-            </a:xfrm>
-            <a:custGeom>
-              <a:avLst/>
-              <a:gdLst>
-                <a:gd name="T0" fmla="*/ 83 w 205"/>
-                <a:gd name="T1" fmla="*/ 223 h 223"/>
-                <a:gd name="T2" fmla="*/ 48 w 205"/>
-                <a:gd name="T3" fmla="*/ 214 h 223"/>
-                <a:gd name="T4" fmla="*/ 19 w 205"/>
-                <a:gd name="T5" fmla="*/ 116 h 223"/>
-                <a:gd name="T6" fmla="*/ 61 w 205"/>
-                <a:gd name="T7" fmla="*/ 45 h 223"/>
-                <a:gd name="T8" fmla="*/ 160 w 205"/>
-                <a:gd name="T9" fmla="*/ 22 h 223"/>
-                <a:gd name="T10" fmla="*/ 184 w 205"/>
-                <a:gd name="T11" fmla="*/ 121 h 223"/>
-                <a:gd name="T12" fmla="*/ 146 w 205"/>
-                <a:gd name="T13" fmla="*/ 186 h 223"/>
-                <a:gd name="T14" fmla="*/ 83 w 205"/>
-                <a:gd name="T15" fmla="*/ 223 h 223"/>
-              </a:gdLst>
-              <a:ahLst/>
-              <a:cxnLst>
-                <a:cxn ang="0">
-                  <a:pos x="T0" y="T1"/>
-                </a:cxn>
-                <a:cxn ang="0">
-                  <a:pos x="T2" y="T3"/>
-                </a:cxn>
-                <a:cxn ang="0">
-                  <a:pos x="T4" y="T5"/>
-                </a:cxn>
-                <a:cxn ang="0">
-                  <a:pos x="T6" y="T7"/>
-                </a:cxn>
-                <a:cxn ang="0">
-                  <a:pos x="T8" y="T9"/>
-                </a:cxn>
-                <a:cxn ang="0">
-                  <a:pos x="T10" y="T11"/>
-                </a:cxn>
-                <a:cxn ang="0">
-                  <a:pos x="T12" y="T13"/>
-                </a:cxn>
-                <a:cxn ang="0">
-                  <a:pos x="T14" y="T15"/>
-                </a:cxn>
-              </a:cxnLst>
-              <a:rect l="0" t="0" r="r" b="b"/>
-              <a:pathLst>
-                <a:path w="205" h="223">
-                  <a:moveTo>
-                    <a:pt x="83" y="223"/>
-                  </a:moveTo>
-                  <a:cubicBezTo>
-                    <a:pt x="71" y="223"/>
-                    <a:pt x="59" y="220"/>
-                    <a:pt x="48" y="214"/>
-                  </a:cubicBezTo>
-                  <a:cubicBezTo>
-                    <a:pt x="13" y="195"/>
-                    <a:pt x="0" y="151"/>
-                    <a:pt x="19" y="116"/>
-                  </a:cubicBezTo>
-                  <a:cubicBezTo>
-                    <a:pt x="32" y="92"/>
-                    <a:pt x="46" y="68"/>
-                    <a:pt x="61" y="45"/>
-                  </a:cubicBezTo>
-                  <a:cubicBezTo>
-                    <a:pt x="82" y="11"/>
-                    <a:pt x="126" y="0"/>
-                    <a:pt x="160" y="22"/>
-                  </a:cubicBezTo>
-                  <a:cubicBezTo>
-                    <a:pt x="194" y="42"/>
-                    <a:pt x="205" y="87"/>
-                    <a:pt x="184" y="121"/>
-                  </a:cubicBezTo>
-                  <a:cubicBezTo>
-                    <a:pt x="171" y="142"/>
-                    <a:pt x="158" y="164"/>
-                    <a:pt x="146" y="186"/>
-                  </a:cubicBezTo>
-                  <a:cubicBezTo>
-                    <a:pt x="133" y="210"/>
-                    <a:pt x="108" y="223"/>
-                    <a:pt x="83" y="223"/>
-                  </a:cubicBezTo>
-                </a:path>
-              </a:pathLst>
-            </a:custGeom>
-            <a:grpFill/>
-            <a:ln w="9525">
-              <a:noFill/>
-              <a:round/>
-              <a:headEnd/>
-              <a:tailEnd/>
-            </a:ln>
-          </p:spPr>
-          <p:txBody>
-            <a:bodyPr vert="horz" wrap="square" lIns="91440" tIns="45720" rIns="91440" bIns="45720" numCol="1" anchor="t" anchorCtr="0" compatLnSpc="1">
-              <a:prstTxWarp prst="textNoShape">
-                <a:avLst/>
-              </a:prstTxWarp>
-            </a:bodyPr>
-            <a:lstStyle/>
-            <a:p>
-              <a:pPr>
-                <a:defRPr/>
-              </a:pPr>
-              <a:endParaRPr lang="fr-FR" dirty="0">
-                <a:solidFill>
-                  <a:prstClr val="black"/>
-                </a:solidFill>
-                <a:latin typeface="Corbel" panose="020B0503020204020204" pitchFamily="34" charset="0"/>
-              </a:endParaRPr>
-            </a:p>
-          </p:txBody>
-        </p:sp>
-        <p:sp>
-          <p:nvSpPr>
-            <p:cNvPr id="18" name="Freeform 197">
-              <a:extLst>
-                <a:ext uri="{FF2B5EF4-FFF2-40B4-BE49-F238E27FC236}">
-                  <a16:creationId xmlns:a16="http://schemas.microsoft.com/office/drawing/2014/main" id="{B1AA219A-44DC-4DD1-B062-924FC970BD8C}"/>
-                </a:ext>
-              </a:extLst>
-            </p:cNvPr>
-            <p:cNvSpPr>
-              <a:spLocks/>
-            </p:cNvSpPr>
-            <p:nvPr/>
-          </p:nvSpPr>
-          <p:spPr bwMode="auto">
-            <a:xfrm>
-              <a:off x="6004176" y="2586328"/>
-              <a:ext cx="133486" cy="133486"/>
-            </a:xfrm>
-            <a:custGeom>
-              <a:avLst/>
-              <a:gdLst>
-                <a:gd name="T0" fmla="*/ 81 w 167"/>
-                <a:gd name="T1" fmla="*/ 169 h 169"/>
-                <a:gd name="T2" fmla="*/ 59 w 167"/>
-                <a:gd name="T3" fmla="*/ 166 h 169"/>
-                <a:gd name="T4" fmla="*/ 12 w 167"/>
-                <a:gd name="T5" fmla="*/ 75 h 169"/>
-                <a:gd name="T6" fmla="*/ 17 w 167"/>
-                <a:gd name="T7" fmla="*/ 60 h 169"/>
-                <a:gd name="T8" fmla="*/ 108 w 167"/>
-                <a:gd name="T9" fmla="*/ 12 h 169"/>
-                <a:gd name="T10" fmla="*/ 155 w 167"/>
-                <a:gd name="T11" fmla="*/ 103 h 169"/>
-                <a:gd name="T12" fmla="*/ 150 w 167"/>
-                <a:gd name="T13" fmla="*/ 118 h 169"/>
-                <a:gd name="T14" fmla="*/ 81 w 167"/>
-                <a:gd name="T15" fmla="*/ 169 h 169"/>
-              </a:gdLst>
-              <a:ahLst/>
-              <a:cxnLst>
-                <a:cxn ang="0">
-                  <a:pos x="T0" y="T1"/>
-                </a:cxn>
-                <a:cxn ang="0">
-                  <a:pos x="T2" y="T3"/>
-                </a:cxn>
-                <a:cxn ang="0">
-                  <a:pos x="T4" y="T5"/>
-                </a:cxn>
-                <a:cxn ang="0">
-                  <a:pos x="T6" y="T7"/>
-                </a:cxn>
-                <a:cxn ang="0">
-                  <a:pos x="T8" y="T9"/>
-                </a:cxn>
-                <a:cxn ang="0">
-                  <a:pos x="T10" y="T11"/>
-                </a:cxn>
-                <a:cxn ang="0">
-                  <a:pos x="T12" y="T13"/>
-                </a:cxn>
-                <a:cxn ang="0">
-                  <a:pos x="T14" y="T15"/>
-                </a:cxn>
-              </a:cxnLst>
-              <a:rect l="0" t="0" r="r" b="b"/>
-              <a:pathLst>
-                <a:path w="167" h="169">
-                  <a:moveTo>
-                    <a:pt x="81" y="169"/>
-                  </a:moveTo>
-                  <a:cubicBezTo>
-                    <a:pt x="74" y="169"/>
-                    <a:pt x="67" y="168"/>
-                    <a:pt x="59" y="166"/>
-                  </a:cubicBezTo>
-                  <a:cubicBezTo>
-                    <a:pt x="21" y="154"/>
-                    <a:pt x="0" y="113"/>
-                    <a:pt x="12" y="75"/>
-                  </a:cubicBezTo>
-                  <a:lnTo>
-                    <a:pt x="17" y="60"/>
-                  </a:lnTo>
-                  <a:cubicBezTo>
-                    <a:pt x="29" y="21"/>
-                    <a:pt x="69" y="0"/>
-                    <a:pt x="108" y="12"/>
-                  </a:cubicBezTo>
-                  <a:cubicBezTo>
-                    <a:pt x="146" y="24"/>
-                    <a:pt x="167" y="65"/>
-                    <a:pt x="155" y="103"/>
-                  </a:cubicBezTo>
-                  <a:lnTo>
-                    <a:pt x="150" y="118"/>
-                  </a:lnTo>
-                  <a:cubicBezTo>
-                    <a:pt x="140" y="149"/>
-                    <a:pt x="112" y="169"/>
-                    <a:pt x="81" y="169"/>
-                  </a:cubicBezTo>
-                </a:path>
-              </a:pathLst>
-            </a:custGeom>
-            <a:grpFill/>
-            <a:ln w="9525">
-              <a:noFill/>
-              <a:round/>
-              <a:headEnd/>
-              <a:tailEnd/>
-            </a:ln>
-          </p:spPr>
-          <p:txBody>
-            <a:bodyPr vert="horz" wrap="square" lIns="91440" tIns="45720" rIns="91440" bIns="45720" numCol="1" anchor="t" anchorCtr="0" compatLnSpc="1">
-              <a:prstTxWarp prst="textNoShape">
-                <a:avLst/>
-              </a:prstTxWarp>
-            </a:bodyPr>
-            <a:lstStyle/>
-            <a:p>
-              <a:pPr>
-                <a:defRPr/>
-              </a:pPr>
-              <a:endParaRPr lang="fr-FR" dirty="0">
-                <a:solidFill>
-                  <a:prstClr val="black"/>
-                </a:solidFill>
-                <a:latin typeface="Corbel" panose="020B0503020204020204" pitchFamily="34" charset="0"/>
-              </a:endParaRPr>
-            </a:p>
-          </p:txBody>
-        </p:sp>
-        <p:sp>
-          <p:nvSpPr>
-            <p:cNvPr id="19" name="Freeform 198">
-              <a:extLst>
-                <a:ext uri="{FF2B5EF4-FFF2-40B4-BE49-F238E27FC236}">
-                  <a16:creationId xmlns:a16="http://schemas.microsoft.com/office/drawing/2014/main" id="{D93843A3-5211-4329-AAB5-9A71A272F9BF}"/>
-                </a:ext>
-              </a:extLst>
-            </p:cNvPr>
-            <p:cNvSpPr>
-              <a:spLocks/>
-            </p:cNvSpPr>
-            <p:nvPr/>
-          </p:nvSpPr>
-          <p:spPr bwMode="auto">
-            <a:xfrm>
-              <a:off x="6652535" y="1690066"/>
-              <a:ext cx="390926" cy="562551"/>
-            </a:xfrm>
-            <a:custGeom>
-              <a:avLst/>
-              <a:gdLst>
-                <a:gd name="T0" fmla="*/ 197 w 510"/>
-                <a:gd name="T1" fmla="*/ 738 h 738"/>
-                <a:gd name="T2" fmla="*/ 156 w 510"/>
-                <a:gd name="T3" fmla="*/ 726 h 738"/>
-                <a:gd name="T4" fmla="*/ 137 w 510"/>
-                <a:gd name="T5" fmla="*/ 625 h 738"/>
-                <a:gd name="T6" fmla="*/ 334 w 510"/>
-                <a:gd name="T7" fmla="*/ 336 h 738"/>
-                <a:gd name="T8" fmla="*/ 42 w 510"/>
-                <a:gd name="T9" fmla="*/ 143 h 738"/>
-                <a:gd name="T10" fmla="*/ 22 w 510"/>
-                <a:gd name="T11" fmla="*/ 42 h 738"/>
-                <a:gd name="T12" fmla="*/ 123 w 510"/>
-                <a:gd name="T13" fmla="*/ 22 h 738"/>
-                <a:gd name="T14" fmla="*/ 476 w 510"/>
-                <a:gd name="T15" fmla="*/ 256 h 738"/>
-                <a:gd name="T16" fmla="*/ 507 w 510"/>
-                <a:gd name="T17" fmla="*/ 303 h 738"/>
-                <a:gd name="T18" fmla="*/ 495 w 510"/>
-                <a:gd name="T19" fmla="*/ 358 h 738"/>
-                <a:gd name="T20" fmla="*/ 257 w 510"/>
-                <a:gd name="T21" fmla="*/ 707 h 738"/>
-                <a:gd name="T22" fmla="*/ 197 w 510"/>
-                <a:gd name="T23" fmla="*/ 738 h 738"/>
-              </a:gdLst>
-              <a:ahLst/>
-              <a:cxnLst>
-                <a:cxn ang="0">
-                  <a:pos x="T0" y="T1"/>
-                </a:cxn>
-                <a:cxn ang="0">
-                  <a:pos x="T2" y="T3"/>
-                </a:cxn>
-                <a:cxn ang="0">
-                  <a:pos x="T4" y="T5"/>
-                </a:cxn>
-                <a:cxn ang="0">
-                  <a:pos x="T6" y="T7"/>
-                </a:cxn>
-                <a:cxn ang="0">
-                  <a:pos x="T8" y="T9"/>
-                </a:cxn>
-                <a:cxn ang="0">
-                  <a:pos x="T10" y="T11"/>
-                </a:cxn>
-                <a:cxn ang="0">
-                  <a:pos x="T12" y="T13"/>
-                </a:cxn>
-                <a:cxn ang="0">
-                  <a:pos x="T14" y="T15"/>
-                </a:cxn>
-                <a:cxn ang="0">
-                  <a:pos x="T16" y="T17"/>
-                </a:cxn>
-                <a:cxn ang="0">
-                  <a:pos x="T18" y="T19"/>
-                </a:cxn>
-                <a:cxn ang="0">
-                  <a:pos x="T20" y="T21"/>
-                </a:cxn>
-                <a:cxn ang="0">
-                  <a:pos x="T22" y="T23"/>
-                </a:cxn>
-              </a:cxnLst>
-              <a:rect l="0" t="0" r="r" b="b"/>
-              <a:pathLst>
-                <a:path w="510" h="738">
-                  <a:moveTo>
-                    <a:pt x="197" y="738"/>
-                  </a:moveTo>
-                  <a:cubicBezTo>
-                    <a:pt x="183" y="738"/>
-                    <a:pt x="169" y="734"/>
-                    <a:pt x="156" y="726"/>
-                  </a:cubicBezTo>
-                  <a:cubicBezTo>
-                    <a:pt x="123" y="703"/>
-                    <a:pt x="115" y="658"/>
-                    <a:pt x="137" y="625"/>
-                  </a:cubicBezTo>
-                  <a:lnTo>
-                    <a:pt x="334" y="336"/>
-                  </a:lnTo>
-                  <a:lnTo>
-                    <a:pt x="42" y="143"/>
-                  </a:lnTo>
-                  <a:cubicBezTo>
-                    <a:pt x="9" y="120"/>
-                    <a:pt x="0" y="75"/>
-                    <a:pt x="22" y="42"/>
-                  </a:cubicBezTo>
-                  <a:cubicBezTo>
-                    <a:pt x="44" y="9"/>
-                    <a:pt x="89" y="0"/>
-                    <a:pt x="123" y="22"/>
-                  </a:cubicBezTo>
-                  <a:lnTo>
-                    <a:pt x="476" y="256"/>
-                  </a:lnTo>
-                  <a:cubicBezTo>
-                    <a:pt x="492" y="267"/>
-                    <a:pt x="503" y="284"/>
-                    <a:pt x="507" y="303"/>
-                  </a:cubicBezTo>
-                  <a:cubicBezTo>
-                    <a:pt x="510" y="322"/>
-                    <a:pt x="506" y="342"/>
-                    <a:pt x="495" y="358"/>
-                  </a:cubicBezTo>
-                  <a:lnTo>
-                    <a:pt x="257" y="707"/>
-                  </a:lnTo>
-                  <a:cubicBezTo>
-                    <a:pt x="243" y="727"/>
-                    <a:pt x="220" y="738"/>
-                    <a:pt x="197" y="738"/>
-                  </a:cubicBezTo>
-                </a:path>
-              </a:pathLst>
-            </a:custGeom>
-            <a:grpFill/>
-            <a:ln w="9525">
-              <a:noFill/>
-              <a:round/>
-              <a:headEnd/>
-              <a:tailEnd/>
-            </a:ln>
-          </p:spPr>
-          <p:txBody>
-            <a:bodyPr vert="horz" wrap="square" lIns="91440" tIns="45720" rIns="91440" bIns="45720" numCol="1" anchor="t" anchorCtr="0" compatLnSpc="1">
-              <a:prstTxWarp prst="textNoShape">
-                <a:avLst/>
-              </a:prstTxWarp>
-            </a:bodyPr>
-            <a:lstStyle/>
-            <a:p>
-              <a:pPr>
-                <a:defRPr/>
-              </a:pPr>
-              <a:endParaRPr lang="fr-FR" dirty="0">
-                <a:solidFill>
-                  <a:prstClr val="black"/>
-                </a:solidFill>
-                <a:latin typeface="Corbel" panose="020B0503020204020204" pitchFamily="34" charset="0"/>
-              </a:endParaRPr>
-            </a:p>
-          </p:txBody>
-        </p:sp>
-      </p:grpSp>
-      <p:grpSp>
-        <p:nvGrpSpPr>
-          <p:cNvPr id="20" name="Arrow34" descr="{&quot;Key&quot;:&quot;POWER_USER_SHAPE_ICON&quot;,&quot;Value&quot;:&quot;POWER_USER_SHAPE_ICON_STYLE_1&quot;}">
-            <a:extLst>
-              <a:ext uri="{FF2B5EF4-FFF2-40B4-BE49-F238E27FC236}">
-                <a16:creationId xmlns:a16="http://schemas.microsoft.com/office/drawing/2014/main" id="{43E68E00-EA18-49EE-91A7-B065011E5152}"/>
-              </a:ext>
-            </a:extLst>
-          </p:cNvPr>
-          <p:cNvGrpSpPr>
-            <a:grpSpLocks noChangeAspect="1"/>
-          </p:cNvGrpSpPr>
-          <p:nvPr/>
-        </p:nvGrpSpPr>
-        <p:grpSpPr>
-          <a:xfrm flipH="1">
-            <a:off x="11088160" y="2594981"/>
-            <a:ext cx="547953" cy="542925"/>
-            <a:chOff x="6004176" y="1690066"/>
-            <a:chExt cx="1039285" cy="1029748"/>
-          </a:xfrm>
-          <a:solidFill>
-            <a:srgbClr val="FF6600"/>
-          </a:solidFill>
-        </p:grpSpPr>
-        <p:sp>
-          <p:nvSpPr>
-            <p:cNvPr id="21" name="Freeform 195">
-              <a:extLst>
-                <a:ext uri="{FF2B5EF4-FFF2-40B4-BE49-F238E27FC236}">
-                  <a16:creationId xmlns:a16="http://schemas.microsoft.com/office/drawing/2014/main" id="{B426E1A2-1601-4CCF-ADA5-FD9317539629}"/>
-                </a:ext>
-              </a:extLst>
-            </p:cNvPr>
-            <p:cNvSpPr>
-              <a:spLocks/>
-            </p:cNvSpPr>
-            <p:nvPr/>
-          </p:nvSpPr>
-          <p:spPr bwMode="auto">
-            <a:xfrm>
-              <a:off x="6213939" y="1880760"/>
-              <a:ext cx="781845" cy="476735"/>
-            </a:xfrm>
-            <a:custGeom>
-              <a:avLst/>
-              <a:gdLst>
-                <a:gd name="T0" fmla="*/ 81 w 1018"/>
-                <a:gd name="T1" fmla="*/ 623 h 623"/>
-                <a:gd name="T2" fmla="*/ 34 w 1018"/>
-                <a:gd name="T3" fmla="*/ 606 h 623"/>
-                <a:gd name="T4" fmla="*/ 26 w 1018"/>
-                <a:gd name="T5" fmla="*/ 504 h 623"/>
-                <a:gd name="T6" fmla="*/ 933 w 1018"/>
-                <a:gd name="T7" fmla="*/ 4 h 623"/>
-                <a:gd name="T8" fmla="*/ 1013 w 1018"/>
-                <a:gd name="T9" fmla="*/ 68 h 623"/>
-                <a:gd name="T10" fmla="*/ 949 w 1018"/>
-                <a:gd name="T11" fmla="*/ 148 h 623"/>
-                <a:gd name="T12" fmla="*/ 136 w 1018"/>
-                <a:gd name="T13" fmla="*/ 598 h 623"/>
-                <a:gd name="T14" fmla="*/ 81 w 1018"/>
-                <a:gd name="T15" fmla="*/ 623 h 623"/>
-              </a:gdLst>
-              <a:ahLst/>
-              <a:cxnLst>
-                <a:cxn ang="0">
-                  <a:pos x="T0" y="T1"/>
-                </a:cxn>
-                <a:cxn ang="0">
-                  <a:pos x="T2" y="T3"/>
-                </a:cxn>
-                <a:cxn ang="0">
-                  <a:pos x="T4" y="T5"/>
-                </a:cxn>
-                <a:cxn ang="0">
-                  <a:pos x="T6" y="T7"/>
-                </a:cxn>
-                <a:cxn ang="0">
-                  <a:pos x="T8" y="T9"/>
-                </a:cxn>
-                <a:cxn ang="0">
-                  <a:pos x="T10" y="T11"/>
-                </a:cxn>
-                <a:cxn ang="0">
-                  <a:pos x="T12" y="T13"/>
-                </a:cxn>
-                <a:cxn ang="0">
-                  <a:pos x="T14" y="T15"/>
-                </a:cxn>
-              </a:cxnLst>
-              <a:rect l="0" t="0" r="r" b="b"/>
-              <a:pathLst>
-                <a:path w="1018" h="623">
-                  <a:moveTo>
-                    <a:pt x="81" y="623"/>
-                  </a:moveTo>
-                  <a:cubicBezTo>
-                    <a:pt x="65" y="623"/>
-                    <a:pt x="48" y="618"/>
-                    <a:pt x="34" y="606"/>
-                  </a:cubicBezTo>
-                  <a:cubicBezTo>
-                    <a:pt x="4" y="580"/>
-                    <a:pt x="0" y="534"/>
-                    <a:pt x="26" y="504"/>
-                  </a:cubicBezTo>
-                  <a:cubicBezTo>
-                    <a:pt x="282" y="206"/>
-                    <a:pt x="578" y="43"/>
-                    <a:pt x="933" y="4"/>
-                  </a:cubicBezTo>
-                  <a:cubicBezTo>
-                    <a:pt x="973" y="0"/>
-                    <a:pt x="1009" y="29"/>
-                    <a:pt x="1013" y="68"/>
-                  </a:cubicBezTo>
-                  <a:cubicBezTo>
-                    <a:pt x="1018" y="108"/>
-                    <a:pt x="989" y="144"/>
-                    <a:pt x="949" y="148"/>
-                  </a:cubicBezTo>
-                  <a:cubicBezTo>
-                    <a:pt x="628" y="183"/>
-                    <a:pt x="370" y="326"/>
-                    <a:pt x="136" y="598"/>
-                  </a:cubicBezTo>
-                  <a:cubicBezTo>
-                    <a:pt x="122" y="615"/>
-                    <a:pt x="102" y="623"/>
-                    <a:pt x="81" y="623"/>
-                  </a:cubicBezTo>
-                </a:path>
-              </a:pathLst>
-            </a:custGeom>
-            <a:grpFill/>
-            <a:ln w="9525">
-              <a:noFill/>
-              <a:round/>
-              <a:headEnd/>
-              <a:tailEnd/>
-            </a:ln>
-          </p:spPr>
-          <p:txBody>
-            <a:bodyPr vert="horz" wrap="square" lIns="91440" tIns="45720" rIns="91440" bIns="45720" numCol="1" anchor="t" anchorCtr="0" compatLnSpc="1">
-              <a:prstTxWarp prst="textNoShape">
-                <a:avLst/>
-              </a:prstTxWarp>
-            </a:bodyPr>
-            <a:lstStyle/>
-            <a:p>
-              <a:pPr>
-                <a:defRPr/>
-              </a:pPr>
-              <a:endParaRPr lang="fr-FR" dirty="0">
-                <a:solidFill>
-                  <a:prstClr val="black"/>
-                </a:solidFill>
-                <a:latin typeface="Corbel" panose="020B0503020204020204" pitchFamily="34" charset="0"/>
-              </a:endParaRPr>
-            </a:p>
-          </p:txBody>
-        </p:sp>
-        <p:sp>
-          <p:nvSpPr>
-            <p:cNvPr id="22" name="Freeform 196">
-              <a:extLst>
-                <a:ext uri="{FF2B5EF4-FFF2-40B4-BE49-F238E27FC236}">
-                  <a16:creationId xmlns:a16="http://schemas.microsoft.com/office/drawing/2014/main" id="{7CA8E433-9ACF-4A11-B832-05AE8A209954}"/>
-                </a:ext>
-              </a:extLst>
-            </p:cNvPr>
-            <p:cNvSpPr>
-              <a:spLocks/>
-            </p:cNvSpPr>
-            <p:nvPr/>
-          </p:nvSpPr>
-          <p:spPr bwMode="auto">
-            <a:xfrm>
-              <a:off x="6080453" y="2376565"/>
-              <a:ext cx="152555" cy="171625"/>
-            </a:xfrm>
-            <a:custGeom>
-              <a:avLst/>
-              <a:gdLst>
-                <a:gd name="T0" fmla="*/ 83 w 205"/>
-                <a:gd name="T1" fmla="*/ 223 h 223"/>
-                <a:gd name="T2" fmla="*/ 48 w 205"/>
-                <a:gd name="T3" fmla="*/ 214 h 223"/>
-                <a:gd name="T4" fmla="*/ 19 w 205"/>
-                <a:gd name="T5" fmla="*/ 116 h 223"/>
-                <a:gd name="T6" fmla="*/ 61 w 205"/>
-                <a:gd name="T7" fmla="*/ 45 h 223"/>
-                <a:gd name="T8" fmla="*/ 160 w 205"/>
-                <a:gd name="T9" fmla="*/ 22 h 223"/>
-                <a:gd name="T10" fmla="*/ 184 w 205"/>
-                <a:gd name="T11" fmla="*/ 121 h 223"/>
-                <a:gd name="T12" fmla="*/ 146 w 205"/>
-                <a:gd name="T13" fmla="*/ 186 h 223"/>
-                <a:gd name="T14" fmla="*/ 83 w 205"/>
-                <a:gd name="T15" fmla="*/ 223 h 223"/>
-              </a:gdLst>
-              <a:ahLst/>
-              <a:cxnLst>
-                <a:cxn ang="0">
-                  <a:pos x="T0" y="T1"/>
-                </a:cxn>
-                <a:cxn ang="0">
-                  <a:pos x="T2" y="T3"/>
-                </a:cxn>
-                <a:cxn ang="0">
-                  <a:pos x="T4" y="T5"/>
-                </a:cxn>
-                <a:cxn ang="0">
-                  <a:pos x="T6" y="T7"/>
-                </a:cxn>
-                <a:cxn ang="0">
-                  <a:pos x="T8" y="T9"/>
-                </a:cxn>
-                <a:cxn ang="0">
-                  <a:pos x="T10" y="T11"/>
-                </a:cxn>
-                <a:cxn ang="0">
-                  <a:pos x="T12" y="T13"/>
-                </a:cxn>
-                <a:cxn ang="0">
-                  <a:pos x="T14" y="T15"/>
-                </a:cxn>
-              </a:cxnLst>
-              <a:rect l="0" t="0" r="r" b="b"/>
-              <a:pathLst>
-                <a:path w="205" h="223">
-                  <a:moveTo>
-                    <a:pt x="83" y="223"/>
-                  </a:moveTo>
-                  <a:cubicBezTo>
-                    <a:pt x="71" y="223"/>
-                    <a:pt x="59" y="220"/>
-                    <a:pt x="48" y="214"/>
-                  </a:cubicBezTo>
-                  <a:cubicBezTo>
-                    <a:pt x="13" y="195"/>
-                    <a:pt x="0" y="151"/>
-                    <a:pt x="19" y="116"/>
-                  </a:cubicBezTo>
-                  <a:cubicBezTo>
-                    <a:pt x="32" y="92"/>
-                    <a:pt x="46" y="68"/>
-                    <a:pt x="61" y="45"/>
-                  </a:cubicBezTo>
-                  <a:cubicBezTo>
-                    <a:pt x="82" y="11"/>
-                    <a:pt x="126" y="0"/>
-                    <a:pt x="160" y="22"/>
-                  </a:cubicBezTo>
-                  <a:cubicBezTo>
-                    <a:pt x="194" y="42"/>
-                    <a:pt x="205" y="87"/>
-                    <a:pt x="184" y="121"/>
-                  </a:cubicBezTo>
-                  <a:cubicBezTo>
-                    <a:pt x="171" y="142"/>
-                    <a:pt x="158" y="164"/>
-                    <a:pt x="146" y="186"/>
-                  </a:cubicBezTo>
-                  <a:cubicBezTo>
-                    <a:pt x="133" y="210"/>
-                    <a:pt x="108" y="223"/>
-                    <a:pt x="83" y="223"/>
-                  </a:cubicBezTo>
-                </a:path>
-              </a:pathLst>
-            </a:custGeom>
-            <a:grpFill/>
-            <a:ln w="9525">
-              <a:noFill/>
-              <a:round/>
-              <a:headEnd/>
-              <a:tailEnd/>
-            </a:ln>
-          </p:spPr>
-          <p:txBody>
-            <a:bodyPr vert="horz" wrap="square" lIns="91440" tIns="45720" rIns="91440" bIns="45720" numCol="1" anchor="t" anchorCtr="0" compatLnSpc="1">
-              <a:prstTxWarp prst="textNoShape">
-                <a:avLst/>
-              </a:prstTxWarp>
-            </a:bodyPr>
-            <a:lstStyle/>
-            <a:p>
-              <a:pPr>
-                <a:defRPr/>
-              </a:pPr>
-              <a:endParaRPr lang="fr-FR" dirty="0">
-                <a:solidFill>
-                  <a:prstClr val="black"/>
-                </a:solidFill>
-                <a:latin typeface="Corbel" panose="020B0503020204020204" pitchFamily="34" charset="0"/>
-              </a:endParaRPr>
-            </a:p>
-          </p:txBody>
-        </p:sp>
-        <p:sp>
-          <p:nvSpPr>
-            <p:cNvPr id="23" name="Freeform 197">
-              <a:extLst>
-                <a:ext uri="{FF2B5EF4-FFF2-40B4-BE49-F238E27FC236}">
-                  <a16:creationId xmlns:a16="http://schemas.microsoft.com/office/drawing/2014/main" id="{B1AA219A-44DC-4DD1-B062-924FC970BD8C}"/>
-                </a:ext>
-              </a:extLst>
-            </p:cNvPr>
-            <p:cNvSpPr>
-              <a:spLocks/>
-            </p:cNvSpPr>
-            <p:nvPr/>
-          </p:nvSpPr>
-          <p:spPr bwMode="auto">
-            <a:xfrm>
-              <a:off x="6004176" y="2586328"/>
-              <a:ext cx="133486" cy="133486"/>
-            </a:xfrm>
-            <a:custGeom>
-              <a:avLst/>
-              <a:gdLst>
-                <a:gd name="T0" fmla="*/ 81 w 167"/>
-                <a:gd name="T1" fmla="*/ 169 h 169"/>
-                <a:gd name="T2" fmla="*/ 59 w 167"/>
-                <a:gd name="T3" fmla="*/ 166 h 169"/>
-                <a:gd name="T4" fmla="*/ 12 w 167"/>
-                <a:gd name="T5" fmla="*/ 75 h 169"/>
-                <a:gd name="T6" fmla="*/ 17 w 167"/>
-                <a:gd name="T7" fmla="*/ 60 h 169"/>
-                <a:gd name="T8" fmla="*/ 108 w 167"/>
-                <a:gd name="T9" fmla="*/ 12 h 169"/>
-                <a:gd name="T10" fmla="*/ 155 w 167"/>
-                <a:gd name="T11" fmla="*/ 103 h 169"/>
-                <a:gd name="T12" fmla="*/ 150 w 167"/>
-                <a:gd name="T13" fmla="*/ 118 h 169"/>
-                <a:gd name="T14" fmla="*/ 81 w 167"/>
-                <a:gd name="T15" fmla="*/ 169 h 169"/>
-              </a:gdLst>
-              <a:ahLst/>
-              <a:cxnLst>
-                <a:cxn ang="0">
-                  <a:pos x="T0" y="T1"/>
-                </a:cxn>
-                <a:cxn ang="0">
-                  <a:pos x="T2" y="T3"/>
-                </a:cxn>
-                <a:cxn ang="0">
-                  <a:pos x="T4" y="T5"/>
-                </a:cxn>
-                <a:cxn ang="0">
-                  <a:pos x="T6" y="T7"/>
-                </a:cxn>
-                <a:cxn ang="0">
-                  <a:pos x="T8" y="T9"/>
-                </a:cxn>
-                <a:cxn ang="0">
-                  <a:pos x="T10" y="T11"/>
-                </a:cxn>
-                <a:cxn ang="0">
-                  <a:pos x="T12" y="T13"/>
-                </a:cxn>
-                <a:cxn ang="0">
-                  <a:pos x="T14" y="T15"/>
-                </a:cxn>
-              </a:cxnLst>
-              <a:rect l="0" t="0" r="r" b="b"/>
-              <a:pathLst>
-                <a:path w="167" h="169">
-                  <a:moveTo>
-                    <a:pt x="81" y="169"/>
-                  </a:moveTo>
-                  <a:cubicBezTo>
-                    <a:pt x="74" y="169"/>
-                    <a:pt x="67" y="168"/>
-                    <a:pt x="59" y="166"/>
-                  </a:cubicBezTo>
-                  <a:cubicBezTo>
-                    <a:pt x="21" y="154"/>
-                    <a:pt x="0" y="113"/>
-                    <a:pt x="12" y="75"/>
-                  </a:cubicBezTo>
-                  <a:lnTo>
-                    <a:pt x="17" y="60"/>
-                  </a:lnTo>
-                  <a:cubicBezTo>
-                    <a:pt x="29" y="21"/>
-                    <a:pt x="69" y="0"/>
-                    <a:pt x="108" y="12"/>
-                  </a:cubicBezTo>
-                  <a:cubicBezTo>
-                    <a:pt x="146" y="24"/>
-                    <a:pt x="167" y="65"/>
-                    <a:pt x="155" y="103"/>
-                  </a:cubicBezTo>
-                  <a:lnTo>
-                    <a:pt x="150" y="118"/>
-                  </a:lnTo>
-                  <a:cubicBezTo>
-                    <a:pt x="140" y="149"/>
-                    <a:pt x="112" y="169"/>
-                    <a:pt x="81" y="169"/>
-                  </a:cubicBezTo>
-                </a:path>
-              </a:pathLst>
-            </a:custGeom>
-            <a:grpFill/>
-            <a:ln w="9525">
-              <a:noFill/>
-              <a:round/>
-              <a:headEnd/>
-              <a:tailEnd/>
-            </a:ln>
-          </p:spPr>
-          <p:txBody>
-            <a:bodyPr vert="horz" wrap="square" lIns="91440" tIns="45720" rIns="91440" bIns="45720" numCol="1" anchor="t" anchorCtr="0" compatLnSpc="1">
-              <a:prstTxWarp prst="textNoShape">
-                <a:avLst/>
-              </a:prstTxWarp>
-            </a:bodyPr>
-            <a:lstStyle/>
-            <a:p>
-              <a:pPr>
-                <a:defRPr/>
-              </a:pPr>
-              <a:endParaRPr lang="fr-FR" dirty="0">
-                <a:solidFill>
-                  <a:prstClr val="black"/>
-                </a:solidFill>
-                <a:latin typeface="Corbel" panose="020B0503020204020204" pitchFamily="34" charset="0"/>
-              </a:endParaRPr>
-            </a:p>
-          </p:txBody>
-        </p:sp>
-        <p:sp>
-          <p:nvSpPr>
-            <p:cNvPr id="24" name="Freeform 198">
-              <a:extLst>
-                <a:ext uri="{FF2B5EF4-FFF2-40B4-BE49-F238E27FC236}">
-                  <a16:creationId xmlns:a16="http://schemas.microsoft.com/office/drawing/2014/main" id="{D93843A3-5211-4329-AAB5-9A71A272F9BF}"/>
-                </a:ext>
-              </a:extLst>
-            </p:cNvPr>
-            <p:cNvSpPr>
-              <a:spLocks/>
-            </p:cNvSpPr>
-            <p:nvPr/>
-          </p:nvSpPr>
-          <p:spPr bwMode="auto">
-            <a:xfrm>
-              <a:off x="6652535" y="1690066"/>
-              <a:ext cx="390926" cy="562551"/>
-            </a:xfrm>
-            <a:custGeom>
-              <a:avLst/>
-              <a:gdLst>
-                <a:gd name="T0" fmla="*/ 197 w 510"/>
-                <a:gd name="T1" fmla="*/ 738 h 738"/>
-                <a:gd name="T2" fmla="*/ 156 w 510"/>
-                <a:gd name="T3" fmla="*/ 726 h 738"/>
-                <a:gd name="T4" fmla="*/ 137 w 510"/>
-                <a:gd name="T5" fmla="*/ 625 h 738"/>
-                <a:gd name="T6" fmla="*/ 334 w 510"/>
-                <a:gd name="T7" fmla="*/ 336 h 738"/>
-                <a:gd name="T8" fmla="*/ 42 w 510"/>
-                <a:gd name="T9" fmla="*/ 143 h 738"/>
-                <a:gd name="T10" fmla="*/ 22 w 510"/>
-                <a:gd name="T11" fmla="*/ 42 h 738"/>
-                <a:gd name="T12" fmla="*/ 123 w 510"/>
-                <a:gd name="T13" fmla="*/ 22 h 738"/>
-                <a:gd name="T14" fmla="*/ 476 w 510"/>
-                <a:gd name="T15" fmla="*/ 256 h 738"/>
-                <a:gd name="T16" fmla="*/ 507 w 510"/>
-                <a:gd name="T17" fmla="*/ 303 h 738"/>
-                <a:gd name="T18" fmla="*/ 495 w 510"/>
-                <a:gd name="T19" fmla="*/ 358 h 738"/>
-                <a:gd name="T20" fmla="*/ 257 w 510"/>
-                <a:gd name="T21" fmla="*/ 707 h 738"/>
-                <a:gd name="T22" fmla="*/ 197 w 510"/>
-                <a:gd name="T23" fmla="*/ 738 h 738"/>
-              </a:gdLst>
-              <a:ahLst/>
-              <a:cxnLst>
-                <a:cxn ang="0">
-                  <a:pos x="T0" y="T1"/>
-                </a:cxn>
-                <a:cxn ang="0">
-                  <a:pos x="T2" y="T3"/>
-                </a:cxn>
-                <a:cxn ang="0">
-                  <a:pos x="T4" y="T5"/>
-                </a:cxn>
-                <a:cxn ang="0">
-                  <a:pos x="T6" y="T7"/>
-                </a:cxn>
-                <a:cxn ang="0">
-                  <a:pos x="T8" y="T9"/>
-                </a:cxn>
-                <a:cxn ang="0">
-                  <a:pos x="T10" y="T11"/>
-                </a:cxn>
-                <a:cxn ang="0">
-                  <a:pos x="T12" y="T13"/>
-                </a:cxn>
-                <a:cxn ang="0">
-                  <a:pos x="T14" y="T15"/>
-                </a:cxn>
-                <a:cxn ang="0">
-                  <a:pos x="T16" y="T17"/>
-                </a:cxn>
-                <a:cxn ang="0">
-                  <a:pos x="T18" y="T19"/>
-                </a:cxn>
-                <a:cxn ang="0">
-                  <a:pos x="T20" y="T21"/>
-                </a:cxn>
-                <a:cxn ang="0">
-                  <a:pos x="T22" y="T23"/>
-                </a:cxn>
-              </a:cxnLst>
-              <a:rect l="0" t="0" r="r" b="b"/>
-              <a:pathLst>
-                <a:path w="510" h="738">
-                  <a:moveTo>
-                    <a:pt x="197" y="738"/>
-                  </a:moveTo>
-                  <a:cubicBezTo>
-                    <a:pt x="183" y="738"/>
-                    <a:pt x="169" y="734"/>
-                    <a:pt x="156" y="726"/>
-                  </a:cubicBezTo>
-                  <a:cubicBezTo>
-                    <a:pt x="123" y="703"/>
-                    <a:pt x="115" y="658"/>
-                    <a:pt x="137" y="625"/>
-                  </a:cubicBezTo>
-                  <a:lnTo>
-                    <a:pt x="334" y="336"/>
-                  </a:lnTo>
-                  <a:lnTo>
-                    <a:pt x="42" y="143"/>
-                  </a:lnTo>
-                  <a:cubicBezTo>
-                    <a:pt x="9" y="120"/>
-                    <a:pt x="0" y="75"/>
-                    <a:pt x="22" y="42"/>
-                  </a:cubicBezTo>
-                  <a:cubicBezTo>
-                    <a:pt x="44" y="9"/>
-                    <a:pt x="89" y="0"/>
-                    <a:pt x="123" y="22"/>
-                  </a:cubicBezTo>
-                  <a:lnTo>
-                    <a:pt x="476" y="256"/>
-                  </a:lnTo>
-                  <a:cubicBezTo>
-                    <a:pt x="492" y="267"/>
-                    <a:pt x="503" y="284"/>
-                    <a:pt x="507" y="303"/>
-                  </a:cubicBezTo>
-                  <a:cubicBezTo>
-                    <a:pt x="510" y="322"/>
-                    <a:pt x="506" y="342"/>
-                    <a:pt x="495" y="358"/>
-                  </a:cubicBezTo>
-                  <a:lnTo>
-                    <a:pt x="257" y="707"/>
-                  </a:lnTo>
-                  <a:cubicBezTo>
-                    <a:pt x="243" y="727"/>
-                    <a:pt x="220" y="738"/>
-                    <a:pt x="197" y="738"/>
-                  </a:cubicBezTo>
-                </a:path>
-              </a:pathLst>
-            </a:custGeom>
-            <a:grpFill/>
-            <a:ln w="9525">
-              <a:noFill/>
-              <a:round/>
-              <a:headEnd/>
-              <a:tailEnd/>
-            </a:ln>
-          </p:spPr>
-          <p:txBody>
-            <a:bodyPr vert="horz" wrap="square" lIns="91440" tIns="45720" rIns="91440" bIns="45720" numCol="1" anchor="t" anchorCtr="0" compatLnSpc="1">
-              <a:prstTxWarp prst="textNoShape">
-                <a:avLst/>
-              </a:prstTxWarp>
-            </a:bodyPr>
-            <a:lstStyle/>
-            <a:p>
-              <a:pPr>
-                <a:defRPr/>
-              </a:pPr>
-              <a:endParaRPr lang="fr-FR" dirty="0">
-                <a:solidFill>
-                  <a:prstClr val="black"/>
-                </a:solidFill>
-                <a:latin typeface="Corbel" panose="020B0503020204020204" pitchFamily="34" charset="0"/>
-              </a:endParaRPr>
-            </a:p>
-          </p:txBody>
-        </p:sp>
-      </p:grpSp>
-    </p:spTree>
-    <p:extLst>
-      <p:ext uri="{BB962C8B-B14F-4D97-AF65-F5344CB8AC3E}">
-        <p14:creationId xmlns:p14="http://schemas.microsoft.com/office/powerpoint/2010/main" val="2770673987"/>
-      </p:ext>
-    </p:extLst>
-  </p:cSld>
-  <p:clrMapOvr>
-    <a:masterClrMapping/>
-  </p:clrMapOvr>
-</p:sld>
-</file>
-
-<file path=ppt/slides/slide39.xml><?xml version="1.0" encoding="utf-8"?>
-<p:sld xmlns:a="http://schemas.openxmlformats.org/drawingml/2006/main" xmlns:r="http://schemas.openxmlformats.org/officeDocument/2006/relationships" xmlns:p="http://schemas.openxmlformats.org/presentationml/2006/main">
-  <p:cSld>
-    <p:spTree>
-      <p:nvGrpSpPr>
-        <p:cNvPr id="1" name=""/>
-        <p:cNvGrpSpPr/>
-        <p:nvPr/>
-      </p:nvGrpSpPr>
-      <p:grpSpPr>
-        <a:xfrm>
-          <a:off x="0" y="0"/>
-          <a:ext cx="0" cy="0"/>
-          <a:chOff x="0" y="0"/>
-          <a:chExt cx="0" cy="0"/>
-        </a:xfrm>
-      </p:grpSpPr>
-      <p:sp>
-        <p:nvSpPr>
-          <p:cNvPr id="2" name="Titre 1"/>
-          <p:cNvSpPr>
-            <a:spLocks noGrp="1"/>
-          </p:cNvSpPr>
-          <p:nvPr>
-            <p:ph type="title"/>
-          </p:nvPr>
-        </p:nvSpPr>
-        <p:spPr/>
-        <p:txBody>
-          <a:bodyPr/>
-          <a:lstStyle/>
-          <a:p>
-            <a:r>
-              <a:rPr lang="fr-FR" dirty="0"/>
-              <a:t>Merci pour votre attention</a:t>
-            </a:r>
-          </a:p>
-        </p:txBody>
-      </p:sp>
-      <p:sp>
-        <p:nvSpPr>
-          <p:cNvPr id="3" name="Espace réservé du contenu 2"/>
-          <p:cNvSpPr>
-            <a:spLocks noGrp="1"/>
-          </p:cNvSpPr>
-          <p:nvPr>
-            <p:ph type="body" idx="1"/>
-          </p:nvPr>
-        </p:nvSpPr>
-        <p:spPr/>
-        <p:txBody>
-          <a:bodyPr/>
-          <a:lstStyle/>
-          <a:p>
-            <a:r>
-              <a:rPr lang="fr-FR" dirty="0"/>
-              <a:t> Des questions?</a:t>
-            </a:r>
-          </a:p>
-          <a:p>
-            <a:r>
-              <a:rPr lang="fr-FR" dirty="0"/>
-              <a:t> Contact : doc.isped@u-bordeaux.fr</a:t>
-            </a:r>
-          </a:p>
-        </p:txBody>
-      </p:sp>
-      <p:sp>
-        <p:nvSpPr>
-          <p:cNvPr id="4" name="Espace réservé du pied de page 3"/>
-          <p:cNvSpPr>
-            <a:spLocks noGrp="1"/>
-          </p:cNvSpPr>
-          <p:nvPr>
-            <p:ph type="ftr" sz="quarter" idx="11"/>
-          </p:nvPr>
-        </p:nvSpPr>
-        <p:spPr/>
-        <p:txBody>
-          <a:bodyPr/>
-          <a:lstStyle/>
-          <a:p>
-            <a:r>
-              <a:rPr lang="fr-FR" smtClean="0"/>
-              <a:t>F. Flamerie - Trucs et astuces de PubMed - màj : 2023-11-24</a:t>
-            </a:r>
-            <a:endParaRPr lang="fr-FR" dirty="0"/>
-          </a:p>
-        </p:txBody>
-      </p:sp>
-      <p:sp>
-        <p:nvSpPr>
-          <p:cNvPr id="5" name="Espace réservé du numéro de diapositive 4"/>
-          <p:cNvSpPr>
-            <a:spLocks noGrp="1"/>
-          </p:cNvSpPr>
-          <p:nvPr>
-            <p:ph type="sldNum" sz="quarter" idx="12"/>
-          </p:nvPr>
-        </p:nvSpPr>
-        <p:spPr/>
-        <p:txBody>
-          <a:bodyPr/>
-          <a:lstStyle/>
-          <a:p>
-            <a:fld id="{99E13252-68E5-4994-B57B-B03F39B52C7D}" type="slidenum">
-              <a:rPr lang="fr-FR" smtClean="0"/>
-              <a:pPr/>
-              <a:t>39</a:t>
             </a:fld>
             <a:endParaRPr lang="fr-FR" dirty="0"/>
           </a:p>
@@ -22835,7 +19930,7 @@
           <a:p>
             <a:r>
               <a:rPr lang="fr-FR" smtClean="0"/>
-              <a:t>F. Flamerie - Trucs et astuces de PubMed - màj : 2023-11-24</a:t>
+              <a:t>F. Flamerie - Trucs et astuces de PubMed - màj : 2024-04-08</a:t>
             </a:r>
             <a:endParaRPr lang="fr-FR"/>
           </a:p>
@@ -22925,7 +20020,15 @@
             </a:r>
             <a:r>
               <a:rPr lang="fr-FR" sz="3200" dirty="0"/>
-              <a:t> + indexations complémentaires (types de publication, noms de substance, etc.)[&gt;15 000 revues indexées, dont </a:t>
+              <a:t> + indexations complémentaires (types de publication, noms de substance, etc.)[&gt;</a:t>
+            </a:r>
+            <a:r>
+              <a:rPr lang="fr-FR" sz="3200" dirty="0" smtClean="0"/>
+              <a:t>15’000 </a:t>
+            </a:r>
+            <a:r>
+              <a:rPr lang="fr-FR" sz="3200" dirty="0"/>
+              <a:t>revues indexées, dont </a:t>
             </a:r>
             <a:r>
               <a:rPr lang="fr-FR" sz="3200" dirty="0">
@@ -22933,7 +20036,15 @@
                   <a:srgbClr val="009DE0"/>
                 </a:solidFill>
               </a:rPr>
-              <a:t>&gt; 5200 </a:t>
+              <a:t>&gt; </a:t>
+            </a:r>
+            <a:r>
+              <a:rPr lang="fr-FR" sz="3200" dirty="0" smtClean="0">
+                <a:solidFill>
+                  <a:srgbClr val="009DE0"/>
+                </a:solidFill>
+              </a:rPr>
+              <a:t>5’200 </a:t>
             </a:r>
             <a:r>
               <a:rPr lang="fr-FR" sz="3200" dirty="0"/>
@@ -22947,7 +20058,15 @@
               </a:lnSpc>
             </a:pPr>
             <a:r>
-              <a:rPr lang="fr-FR" sz="3200" dirty="0" err="1">
+              <a:rPr lang="fr-FR" sz="3200" dirty="0" smtClean="0">
+                <a:solidFill>
+                  <a:srgbClr val="009DE0"/>
+                </a:solidFill>
+              </a:rPr>
+              <a:t> </a:t>
+            </a:r>
+            <a:r>
+              <a:rPr lang="fr-FR" sz="3200" dirty="0" err="1" smtClean="0">
                 <a:solidFill>
                   <a:srgbClr val="009DE0"/>
                 </a:solidFill>
@@ -22955,12 +20074,20 @@
               <a:t>PubMed</a:t>
             </a:r>
             <a:r>
+              <a:rPr lang="fr-FR" sz="3200" dirty="0" smtClean="0">
+                <a:solidFill>
+                  <a:srgbClr val="009DE0"/>
+                </a:solidFill>
+              </a:rPr>
+              <a:t> </a:t>
+            </a:r>
+            <a:r>
               <a:rPr lang="fr-FR" sz="3200" dirty="0">
                 <a:solidFill>
                   <a:srgbClr val="009DE0"/>
                 </a:solidFill>
               </a:rPr>
-              <a:t> Central </a:t>
+              <a:t>Central </a:t>
             </a:r>
             <a:r>
               <a:rPr lang="fr-FR" sz="3200" dirty="0"/>
@@ -23003,8 +20130,21 @@
             </a:r>
             <a:r>
               <a:rPr lang="fr-FR" sz="2800" dirty="0"/>
-              <a:t> - [8,5 millions d’articles en 2022-12]</a:t>
-            </a:r>
+              <a:t> - </a:t>
+            </a:r>
+            <a:r>
+              <a:rPr lang="fr-FR" sz="2800" dirty="0" smtClean="0"/>
+              <a:t>[&gt; 9,8 </a:t>
+            </a:r>
+            <a:r>
+              <a:rPr lang="fr-FR" sz="2800" dirty="0"/>
+              <a:t>millions d’articles en </a:t>
+            </a:r>
+            <a:r>
+              <a:rPr lang="fr-FR" sz="2800" dirty="0" smtClean="0"/>
+              <a:t>2024-04]</a:t>
+            </a:r>
+            <a:endParaRPr lang="fr-FR" sz="2800" dirty="0"/>
           </a:p>
           <a:p>
             <a:pPr lvl="1">
@@ -23050,16 +20190,24 @@
               </a:lnSpc>
             </a:pPr>
             <a:r>
-              <a:rPr lang="fr-FR" sz="3200" dirty="0">
+              <a:rPr lang="fr-FR" sz="3200" dirty="0" smtClean="0">
                 <a:solidFill>
                   <a:srgbClr val="009DE0"/>
                 </a:solidFill>
               </a:rPr>
-              <a:t>Bookshelf </a:t>
+              <a:t> Bookshelf </a:t>
             </a:r>
             <a:r>
               <a:rPr lang="fr-FR" sz="3200" dirty="0"/>
-              <a:t>= livres, rapports, etc. [&gt;7500]</a:t>
+              <a:t>= livres, rapports, etc. </a:t>
+            </a:r>
+            <a:r>
+              <a:rPr lang="fr-FR" sz="3200" dirty="0" smtClean="0"/>
+              <a:t>[&gt;12’000</a:t>
+            </a:r>
+            <a:r>
+              <a:rPr lang="fr-FR" sz="3200" dirty="0"/>
+              <a:t>]</a:t>
             </a:r>
           </a:p>
           <a:p>
@@ -23146,7 +20294,7 @@
           <a:p>
             <a:r>
               <a:rPr lang="fr-FR" smtClean="0"/>
-              <a:t>F. Flamerie - Trucs et astuces de PubMed - màj : 2023-11-24</a:t>
+              <a:t>F. Flamerie - Trucs et astuces de PubMed - màj : 2024-04-08</a:t>
             </a:r>
             <a:endParaRPr lang="fr-FR"/>
           </a:p>
@@ -23372,19 +20520,25 @@
               <a:rPr lang="en-US" sz="1600" dirty="0">
                 <a:latin typeface="Corbel" panose="020B0503020204020204" pitchFamily="34" charset="0"/>
               </a:rPr>
-              <a:t>National Library of Medicine. (2022, </a:t>
-            </a:r>
-            <a:r>
-              <a:rPr lang="en-US" sz="1600" dirty="0" err="1">
+              <a:t>National Library of Medicine. (</a:t>
+            </a:r>
+            <a:r>
+              <a:rPr lang="en-US" sz="1600" dirty="0" smtClean="0">
                 <a:latin typeface="Corbel" panose="020B0503020204020204" pitchFamily="34" charset="0"/>
               </a:rPr>
-              <a:t>octobre</a:t>
-            </a:r>
-            <a:r>
-              <a:rPr lang="en-US" sz="1600" dirty="0">
+              <a:t>2023, </a:t>
+            </a:r>
+            <a:r>
+              <a:rPr lang="en-US" sz="1600" dirty="0" err="1" smtClean="0">
                 <a:latin typeface="Corbel" panose="020B0503020204020204" pitchFamily="34" charset="0"/>
               </a:rPr>
-              <a:t> 25). </a:t>
+              <a:t>décembre</a:t>
+            </a:r>
+            <a:r>
+              <a:rPr lang="en-US" sz="1600" dirty="0" smtClean="0">
+                <a:latin typeface="Corbel" panose="020B0503020204020204" pitchFamily="34" charset="0"/>
+              </a:rPr>
+              <a:t> 28). </a:t>
             </a:r>
             <a:r>
               <a:rPr lang="en-US" sz="1600" i="1" dirty="0">
@@ -23500,7 +20654,7 @@
           <a:p>
             <a:r>
               <a:rPr lang="fr-FR" smtClean="0"/>
-              <a:t>F. Flamerie - Trucs et astuces de PubMed - màj : 2023-11-24</a:t>
+              <a:t>F. Flamerie - Trucs et astuces de PubMed - màj : 2024-04-08</a:t>
             </a:r>
             <a:endParaRPr lang="fr-FR"/>
           </a:p>
@@ -24662,7 +21816,7 @@
           <a:p>
             <a:r>
               <a:rPr lang="fr-FR" smtClean="0"/>
-              <a:t>F. Flamerie - Trucs et astuces de PubMed - màj : 2023-11-24</a:t>
+              <a:t>F. Flamerie - Trucs et astuces de PubMed - màj : 2024-04-08</a:t>
             </a:r>
             <a:endParaRPr lang="fr-FR" dirty="0"/>
           </a:p>
@@ -24771,7 +21925,7 @@
           <a:p>
             <a:r>
               <a:rPr lang="fr-FR" smtClean="0"/>
-              <a:t>F. Flamerie - Trucs et astuces de PubMed - màj : 2023-11-24</a:t>
+              <a:t>F. Flamerie - Trucs et astuces de PubMed - màj : 2024-04-08</a:t>
             </a:r>
             <a:endParaRPr lang="fr-FR" dirty="0"/>
           </a:p>
@@ -25523,13 +22677,6 @@
   <p:clrMapOvr>
     <a:masterClrMapping/>
   </p:clrMapOvr>
-  <p:timing>
-    <p:tnLst>
-      <p:par>
-        <p:cTn id="1" dur="indefinite" restart="never" nodeType="tmRoot"/>
-      </p:par>
-    </p:tnLst>
-  </p:timing>
 </p:sld>
 </file>
 
@@ -25967,24 +23114,8 @@
           <a:lstStyle/>
           <a:p>
             <a:r>
-              <a:rPr lang="fr-FR" dirty="0" smtClean="0"/>
-              <a:t>F. Flamerie - Trucs et astuces de </a:t>
-            </a:r>
-            <a:r>
-              <a:rPr lang="fr-FR" dirty="0" err="1" smtClean="0"/>
-              <a:t>PubMed</a:t>
-            </a:r>
-            <a:r>
-              <a:rPr lang="fr-FR" dirty="0" smtClean="0"/>
-              <a:t> - </a:t>
-            </a:r>
-            <a:r>
-              <a:rPr lang="fr-FR" dirty="0" err="1" smtClean="0"/>
-              <a:t>màj</a:t>
-            </a:r>
-            <a:r>
-              <a:rPr lang="fr-FR" dirty="0" smtClean="0"/>
-              <a:t> : 2023-11-24</a:t>
+              <a:rPr lang="fr-FR" smtClean="0"/>
+              <a:t>F. Flamerie - Trucs et astuces de PubMed - màj : 2024-04-08</a:t>
             </a:r>
             <a:endParaRPr lang="fr-FR" dirty="0"/>
           </a:p>
@@ -28071,7 +25202,7 @@
     </p:spTree>
     <p:extLst>
       <p:ext uri="{BB962C8B-B14F-4D97-AF65-F5344CB8AC3E}">
-        <p14:creationId xmlns:p14="http://schemas.microsoft.com/office/powerpoint/2010/main" val="2909693668"/>
+        <p14:creationId xmlns:p14="http://schemas.microsoft.com/office/powerpoint/2010/main" val="1543811859"/>
       </p:ext>
     </p:extLst>
   </p:cSld>
